--- a/CI_TEAMC.pptx
+++ b/CI_TEAMC.pptx
@@ -5,10 +5,10 @@
     <p:sldMasterId id="2147483855" r:id="rId1"/>
   </p:sldMasterIdLst>
   <p:notesMasterIdLst>
-    <p:notesMasterId r:id="rId12"/>
+    <p:notesMasterId r:id="rId13"/>
   </p:notesMasterIdLst>
   <p:handoutMasterIdLst>
-    <p:handoutMasterId r:id="rId13"/>
+    <p:handoutMasterId r:id="rId14"/>
   </p:handoutMasterIdLst>
   <p:sldIdLst>
     <p:sldId id="265" r:id="rId2"/>
@@ -16,11 +16,12 @@
     <p:sldId id="289" r:id="rId4"/>
     <p:sldId id="290" r:id="rId5"/>
     <p:sldId id="291" r:id="rId6"/>
-    <p:sldId id="292" r:id="rId7"/>
-    <p:sldId id="276" r:id="rId8"/>
-    <p:sldId id="296" r:id="rId9"/>
-    <p:sldId id="294" r:id="rId10"/>
-    <p:sldId id="295" r:id="rId11"/>
+    <p:sldId id="297" r:id="rId7"/>
+    <p:sldId id="292" r:id="rId8"/>
+    <p:sldId id="276" r:id="rId9"/>
+    <p:sldId id="296" r:id="rId10"/>
+    <p:sldId id="294" r:id="rId11"/>
+    <p:sldId id="295" r:id="rId12"/>
   </p:sldIdLst>
   <p:sldSz cx="12192000" cy="6858000"/>
   <p:notesSz cx="6858000" cy="9144000"/>
@@ -154,6 +155,13 @@
 <file path=ppt/commentAuthors.xml><?xml version="1.0" encoding="utf-8"?>
 <p:cmAuthorLst xmlns:a="http://schemas.openxmlformats.org/drawingml/2006/main" xmlns:r="http://schemas.openxmlformats.org/officeDocument/2006/relationships" xmlns:p="http://schemas.openxmlformats.org/presentationml/2006/main">
   <p:cmAuthor id="2" name="Author" initials="A" lastIdx="8" clrIdx="1"/>
+  <p:cmAuthor id="3" name="Rita Silva" initials="RS" lastIdx="1" clrIdx="2">
+    <p:extLst>
+      <p:ext uri="{19B8F6BF-5375-455C-9EA6-DF929625EA0E}">
+        <p15:presenceInfo xmlns:p15="http://schemas.microsoft.com/office/powerpoint/2012/main" userId="S-1-5-21-37950563-1929341863-99485923-28026" providerId="AD"/>
+      </p:ext>
+    </p:extLst>
+  </p:cmAuthor>
 </p:cmAuthorLst>
 </file>
 
@@ -894,7 +902,7 @@
           <a:bodyPr/>
           <a:lstStyle/>
           <a:p>
-            <a:endParaRPr lang="en-US" dirty="0"/>
+            <a:endParaRPr lang="pt-PT" dirty="0"/>
           </a:p>
         </p:txBody>
       </p:sp>
@@ -914,17 +922,17 @@
           <a:lstStyle/>
           <a:p>
             <a:fld id="{7FB667E1-E601-4AAF-B95C-B25720D70A60}" type="slidenum">
-              <a:rPr lang="en-US" smtClean="0"/>
-              <a:t>7</a:t>
+              <a:rPr lang="pt-PT" smtClean="0"/>
+              <a:t>5</a:t>
             </a:fld>
-            <a:endParaRPr lang="en-US"/>
+            <a:endParaRPr lang="pt-PT"/>
           </a:p>
         </p:txBody>
       </p:sp>
     </p:spTree>
     <p:extLst>
       <p:ext uri="{BB962C8B-B14F-4D97-AF65-F5344CB8AC3E}">
-        <p14:creationId xmlns:p14="http://schemas.microsoft.com/office/powerpoint/2010/main" val="578414791"/>
+        <p14:creationId xmlns:p14="http://schemas.microsoft.com/office/powerpoint/2010/main" val="2046795058"/>
       </p:ext>
     </p:extLst>
   </p:cSld>
@@ -978,7 +986,7 @@
           <a:bodyPr/>
           <a:lstStyle/>
           <a:p>
-            <a:endParaRPr lang="en-US" dirty="0"/>
+            <a:endParaRPr lang="pt-PT" dirty="0"/>
           </a:p>
         </p:txBody>
       </p:sp>
@@ -998,17 +1006,17 @@
           <a:lstStyle/>
           <a:p>
             <a:fld id="{7FB667E1-E601-4AAF-B95C-B25720D70A60}" type="slidenum">
-              <a:rPr lang="en-US" smtClean="0"/>
-              <a:t>8</a:t>
+              <a:rPr lang="pt-PT" smtClean="0"/>
+              <a:t>6</a:t>
             </a:fld>
-            <a:endParaRPr lang="en-US"/>
+            <a:endParaRPr lang="pt-PT"/>
           </a:p>
         </p:txBody>
       </p:sp>
     </p:spTree>
     <p:extLst>
       <p:ext uri="{BB962C8B-B14F-4D97-AF65-F5344CB8AC3E}">
-        <p14:creationId xmlns:p14="http://schemas.microsoft.com/office/powerpoint/2010/main" val="572018084"/>
+        <p14:creationId xmlns:p14="http://schemas.microsoft.com/office/powerpoint/2010/main" val="2465623478"/>
       </p:ext>
     </p:extLst>
   </p:cSld>
@@ -1062,10 +1070,7 @@
           <a:bodyPr/>
           <a:lstStyle/>
           <a:p>
-            <a:r>
-              <a:rPr lang="en-US" dirty="0"/>
-              <a:t>May require more than one slide</a:t>
-            </a:r>
+            <a:endParaRPr lang="en-US" dirty="0"/>
           </a:p>
         </p:txBody>
       </p:sp>
@@ -1086,7 +1091,175 @@
           <a:p>
             <a:fld id="{7FB667E1-E601-4AAF-B95C-B25720D70A60}" type="slidenum">
               <a:rPr lang="en-US" smtClean="0"/>
+              <a:t>8</a:t>
+            </a:fld>
+            <a:endParaRPr lang="en-US"/>
+          </a:p>
+        </p:txBody>
+      </p:sp>
+    </p:spTree>
+    <p:extLst>
+      <p:ext uri="{BB962C8B-B14F-4D97-AF65-F5344CB8AC3E}">
+        <p14:creationId xmlns:p14="http://schemas.microsoft.com/office/powerpoint/2010/main" val="578414791"/>
+      </p:ext>
+    </p:extLst>
+  </p:cSld>
+  <p:clrMapOvr>
+    <a:masterClrMapping/>
+  </p:clrMapOvr>
+</p:notes>
+</file>
+
+<file path=ppt/notesSlides/notesSlide6.xml><?xml version="1.0" encoding="utf-8"?>
+<p:notes xmlns:a="http://schemas.openxmlformats.org/drawingml/2006/main" xmlns:r="http://schemas.openxmlformats.org/officeDocument/2006/relationships" xmlns:p="http://schemas.openxmlformats.org/presentationml/2006/main">
+  <p:cSld>
+    <p:spTree>
+      <p:nvGrpSpPr>
+        <p:cNvPr id="1" name=""/>
+        <p:cNvGrpSpPr/>
+        <p:nvPr/>
+      </p:nvGrpSpPr>
+      <p:grpSpPr>
+        <a:xfrm>
+          <a:off x="0" y="0"/>
+          <a:ext cx="0" cy="0"/>
+          <a:chOff x="0" y="0"/>
+          <a:chExt cx="0" cy="0"/>
+        </a:xfrm>
+      </p:grpSpPr>
+      <p:sp>
+        <p:nvSpPr>
+          <p:cNvPr id="2" name="Slide Image Placeholder 1"/>
+          <p:cNvSpPr>
+            <a:spLocks noGrp="1" noRot="1" noChangeAspect="1"/>
+          </p:cNvSpPr>
+          <p:nvPr>
+            <p:ph type="sldImg"/>
+          </p:nvPr>
+        </p:nvSpPr>
+        <p:spPr/>
+      </p:sp>
+      <p:sp>
+        <p:nvSpPr>
+          <p:cNvPr id="3" name="Notes Placeholder 2"/>
+          <p:cNvSpPr>
+            <a:spLocks noGrp="1"/>
+          </p:cNvSpPr>
+          <p:nvPr>
+            <p:ph type="body" idx="1"/>
+          </p:nvPr>
+        </p:nvSpPr>
+        <p:spPr/>
+        <p:txBody>
+          <a:bodyPr/>
+          <a:lstStyle/>
+          <a:p>
+            <a:endParaRPr lang="en-US" dirty="0"/>
+          </a:p>
+        </p:txBody>
+      </p:sp>
+      <p:sp>
+        <p:nvSpPr>
+          <p:cNvPr id="4" name="Slide Number Placeholder 3"/>
+          <p:cNvSpPr>
+            <a:spLocks noGrp="1"/>
+          </p:cNvSpPr>
+          <p:nvPr>
+            <p:ph type="sldNum" sz="quarter" idx="10"/>
+          </p:nvPr>
+        </p:nvSpPr>
+        <p:spPr/>
+        <p:txBody>
+          <a:bodyPr/>
+          <a:lstStyle/>
+          <a:p>
+            <a:fld id="{7FB667E1-E601-4AAF-B95C-B25720D70A60}" type="slidenum">
+              <a:rPr lang="en-US" smtClean="0"/>
               <a:t>9</a:t>
+            </a:fld>
+            <a:endParaRPr lang="en-US"/>
+          </a:p>
+        </p:txBody>
+      </p:sp>
+    </p:spTree>
+    <p:extLst>
+      <p:ext uri="{BB962C8B-B14F-4D97-AF65-F5344CB8AC3E}">
+        <p14:creationId xmlns:p14="http://schemas.microsoft.com/office/powerpoint/2010/main" val="572018084"/>
+      </p:ext>
+    </p:extLst>
+  </p:cSld>
+  <p:clrMapOvr>
+    <a:masterClrMapping/>
+  </p:clrMapOvr>
+</p:notes>
+</file>
+
+<file path=ppt/notesSlides/notesSlide7.xml><?xml version="1.0" encoding="utf-8"?>
+<p:notes xmlns:a="http://schemas.openxmlformats.org/drawingml/2006/main" xmlns:r="http://schemas.openxmlformats.org/officeDocument/2006/relationships" xmlns:p="http://schemas.openxmlformats.org/presentationml/2006/main">
+  <p:cSld>
+    <p:spTree>
+      <p:nvGrpSpPr>
+        <p:cNvPr id="1" name=""/>
+        <p:cNvGrpSpPr/>
+        <p:nvPr/>
+      </p:nvGrpSpPr>
+      <p:grpSpPr>
+        <a:xfrm>
+          <a:off x="0" y="0"/>
+          <a:ext cx="0" cy="0"/>
+          <a:chOff x="0" y="0"/>
+          <a:chExt cx="0" cy="0"/>
+        </a:xfrm>
+      </p:grpSpPr>
+      <p:sp>
+        <p:nvSpPr>
+          <p:cNvPr id="2" name="Slide Image Placeholder 1"/>
+          <p:cNvSpPr>
+            <a:spLocks noGrp="1" noRot="1" noChangeAspect="1"/>
+          </p:cNvSpPr>
+          <p:nvPr>
+            <p:ph type="sldImg"/>
+          </p:nvPr>
+        </p:nvSpPr>
+        <p:spPr/>
+      </p:sp>
+      <p:sp>
+        <p:nvSpPr>
+          <p:cNvPr id="3" name="Notes Placeholder 2"/>
+          <p:cNvSpPr>
+            <a:spLocks noGrp="1"/>
+          </p:cNvSpPr>
+          <p:nvPr>
+            <p:ph type="body" idx="1"/>
+          </p:nvPr>
+        </p:nvSpPr>
+        <p:spPr/>
+        <p:txBody>
+          <a:bodyPr/>
+          <a:lstStyle/>
+          <a:p>
+            <a:endParaRPr lang="en-US" dirty="0"/>
+          </a:p>
+        </p:txBody>
+      </p:sp>
+      <p:sp>
+        <p:nvSpPr>
+          <p:cNvPr id="4" name="Slide Number Placeholder 3"/>
+          <p:cNvSpPr>
+            <a:spLocks noGrp="1"/>
+          </p:cNvSpPr>
+          <p:nvPr>
+            <p:ph type="sldNum" sz="quarter" idx="10"/>
+          </p:nvPr>
+        </p:nvSpPr>
+        <p:spPr/>
+        <p:txBody>
+          <a:bodyPr/>
+          <a:lstStyle/>
+          <a:p>
+            <a:fld id="{7FB667E1-E601-4AAF-B95C-B25720D70A60}" type="slidenum">
+              <a:rPr lang="en-US" smtClean="0"/>
+              <a:t>10</a:t>
             </a:fld>
             <a:endParaRPr lang="en-US"/>
           </a:p>
@@ -15794,6 +15967,749 @@
           <a:p>
             <a:r>
               <a:rPr lang="en-US" dirty="0" smtClean="0"/>
+              <a:t>TABLE XXXX</a:t>
+            </a:r>
+            <a:endParaRPr lang="en-US" dirty="0"/>
+          </a:p>
+        </p:txBody>
+      </p:sp>
+      <p:sp>
+        <p:nvSpPr>
+          <p:cNvPr id="4" name="Date Placeholder 3"/>
+          <p:cNvSpPr>
+            <a:spLocks noGrp="1"/>
+          </p:cNvSpPr>
+          <p:nvPr>
+            <p:ph type="dt" sz="half" idx="10"/>
+          </p:nvPr>
+        </p:nvSpPr>
+        <p:spPr/>
+        <p:txBody>
+          <a:bodyPr/>
+          <a:lstStyle/>
+          <a:p>
+            <a:r>
+              <a:rPr lang="en-US" smtClean="0"/>
+              <a:t>10/7/2016</a:t>
+            </a:r>
+            <a:endParaRPr lang="en-US" dirty="0"/>
+          </a:p>
+        </p:txBody>
+      </p:sp>
+      <p:sp>
+        <p:nvSpPr>
+          <p:cNvPr id="5" name="Footer Placeholder 4"/>
+          <p:cNvSpPr>
+            <a:spLocks noGrp="1"/>
+          </p:cNvSpPr>
+          <p:nvPr>
+            <p:ph type="ftr" sz="quarter" idx="11"/>
+          </p:nvPr>
+        </p:nvSpPr>
+        <p:spPr/>
+        <p:txBody>
+          <a:bodyPr/>
+          <a:lstStyle/>
+          <a:p>
+            <a:r>
+              <a:rPr lang="pt-PT" smtClean="0"/>
+              <a:t>FEUP - MESW</a:t>
+            </a:r>
+            <a:endParaRPr lang="pt-PT" dirty="0"/>
+          </a:p>
+        </p:txBody>
+      </p:sp>
+      <p:sp>
+        <p:nvSpPr>
+          <p:cNvPr id="6" name="Slide Number Placeholder 5"/>
+          <p:cNvSpPr>
+            <a:spLocks noGrp="1"/>
+          </p:cNvSpPr>
+          <p:nvPr>
+            <p:ph type="sldNum" sz="quarter" idx="12"/>
+          </p:nvPr>
+        </p:nvSpPr>
+        <p:spPr/>
+        <p:txBody>
+          <a:bodyPr/>
+          <a:lstStyle/>
+          <a:p>
+            <a:fld id="{CA8D9AD5-F248-4919-864A-CFD76CC027D6}" type="slidenum">
+              <a:rPr lang="pt-PT" smtClean="0"/>
+              <a:t>10</a:t>
+            </a:fld>
+            <a:endParaRPr lang="pt-PT" dirty="0"/>
+          </a:p>
+        </p:txBody>
+      </p:sp>
+      <p:graphicFrame>
+        <p:nvGraphicFramePr>
+          <p:cNvPr id="12" name="Table 11"/>
+          <p:cNvGraphicFramePr>
+            <a:graphicFrameLocks noGrp="1"/>
+          </p:cNvGraphicFramePr>
+          <p:nvPr>
+            <p:extLst>
+              <p:ext uri="{D42A27DB-BD31-4B8C-83A1-F6EECF244321}">
+                <p14:modId xmlns:p14="http://schemas.microsoft.com/office/powerpoint/2010/main" val="3531305546"/>
+              </p:ext>
+            </p:extLst>
+          </p:nvPr>
+        </p:nvGraphicFramePr>
+        <p:xfrm>
+          <a:off x="1703511" y="2276873"/>
+          <a:ext cx="9487228" cy="3600396"/>
+        </p:xfrm>
+        <a:graphic>
+          <a:graphicData uri="http://schemas.openxmlformats.org/drawingml/2006/table">
+            <a:tbl>
+              <a:tblPr firstRow="1" bandRow="1">
+                <a:tableStyleId>{5C22544A-7EE6-4342-B048-85BDC9FD1C3A}</a:tableStyleId>
+              </a:tblPr>
+              <a:tblGrid>
+                <a:gridCol w="2333582"/>
+                <a:gridCol w="1461308"/>
+                <a:gridCol w="1897446"/>
+                <a:gridCol w="1897446"/>
+                <a:gridCol w="1897446"/>
+              </a:tblGrid>
+              <a:tr h="400044">
+                <a:tc>
+                  <a:txBody>
+                    <a:bodyPr/>
+                    <a:lstStyle/>
+                    <a:p>
+                      <a:pPr algn="r"/>
+                      <a:r>
+                        <a:rPr lang="pt-PT" dirty="0" smtClean="0">
+                          <a:effectLst>
+                            <a:outerShdw blurRad="38100" dist="38100" dir="2700000" algn="tl">
+                              <a:srgbClr val="000000">
+                                <a:alpha val="43137"/>
+                              </a:srgbClr>
+                            </a:outerShdw>
+                          </a:effectLst>
+                        </a:rPr>
+                        <a:t>TOOL</a:t>
+                      </a:r>
+                      <a:endParaRPr lang="pt-PT" dirty="0">
+                        <a:effectLst>
+                          <a:outerShdw blurRad="38100" dist="38100" dir="2700000" algn="tl">
+                            <a:srgbClr val="000000">
+                              <a:alpha val="43137"/>
+                            </a:srgbClr>
+                          </a:outerShdw>
+                        </a:effectLst>
+                      </a:endParaRPr>
+                    </a:p>
+                  </a:txBody>
+                  <a:tcPr/>
+                </a:tc>
+                <a:tc rowSpan="2">
+                  <a:txBody>
+                    <a:bodyPr/>
+                    <a:lstStyle/>
+                    <a:p>
+                      <a:pPr lvl="0" algn="ctr"/>
+                      <a:r>
+                        <a:rPr lang="pt-PT" dirty="0" smtClean="0"/>
+                        <a:t>JENKINS</a:t>
+                      </a:r>
+                      <a:endParaRPr lang="pt-PT" dirty="0"/>
+                    </a:p>
+                  </a:txBody>
+                  <a:tcPr anchor="ctr"/>
+                </a:tc>
+                <a:tc rowSpan="2">
+                  <a:txBody>
+                    <a:bodyPr/>
+                    <a:lstStyle/>
+                    <a:p>
+                      <a:pPr lvl="0" algn="ctr"/>
+                      <a:r>
+                        <a:rPr lang="pt-PT" dirty="0" smtClean="0"/>
+                        <a:t>TRAVIS</a:t>
+                      </a:r>
+                      <a:endParaRPr lang="pt-PT" dirty="0"/>
+                    </a:p>
+                  </a:txBody>
+                  <a:tcPr anchor="ctr"/>
+                </a:tc>
+                <a:tc rowSpan="2">
+                  <a:txBody>
+                    <a:bodyPr/>
+                    <a:lstStyle/>
+                    <a:p>
+                      <a:pPr lvl="0" algn="ctr"/>
+                      <a:r>
+                        <a:rPr lang="pt-PT" dirty="0" smtClean="0"/>
+                        <a:t>BAMBOO</a:t>
+                      </a:r>
+                      <a:endParaRPr lang="pt-PT" dirty="0"/>
+                    </a:p>
+                  </a:txBody>
+                  <a:tcPr anchor="ctr"/>
+                </a:tc>
+                <a:tc rowSpan="2">
+                  <a:txBody>
+                    <a:bodyPr/>
+                    <a:lstStyle/>
+                    <a:p>
+                      <a:pPr lvl="0" algn="ctr"/>
+                      <a:r>
+                        <a:rPr lang="pt-PT" dirty="0" smtClean="0"/>
+                        <a:t>CODESHIP</a:t>
+                      </a:r>
+                      <a:endParaRPr lang="pt-PT" dirty="0"/>
+                    </a:p>
+                  </a:txBody>
+                  <a:tcPr anchor="ctr"/>
+                </a:tc>
+              </a:tr>
+              <a:tr h="400044">
+                <a:tc>
+                  <a:txBody>
+                    <a:bodyPr/>
+                    <a:lstStyle/>
+                    <a:p>
+                      <a:r>
+                        <a:rPr lang="pt-PT" b="1" dirty="0" smtClean="0">
+                          <a:solidFill>
+                            <a:schemeClr val="tx2"/>
+                          </a:solidFill>
+                          <a:effectLst>
+                            <a:outerShdw blurRad="38100" dist="38100" dir="2700000" algn="tl">
+                              <a:srgbClr val="000000">
+                                <a:alpha val="43137"/>
+                              </a:srgbClr>
+                            </a:outerShdw>
+                          </a:effectLst>
+                        </a:rPr>
+                        <a:t>Features</a:t>
+                      </a:r>
+                      <a:endParaRPr lang="pt-PT" b="1" dirty="0">
+                        <a:solidFill>
+                          <a:schemeClr val="tx2"/>
+                        </a:solidFill>
+                        <a:effectLst>
+                          <a:outerShdw blurRad="38100" dist="38100" dir="2700000" algn="tl">
+                            <a:srgbClr val="000000">
+                              <a:alpha val="43137"/>
+                            </a:srgbClr>
+                          </a:outerShdw>
+                        </a:effectLst>
+                      </a:endParaRPr>
+                    </a:p>
+                  </a:txBody>
+                  <a:tcPr/>
+                </a:tc>
+                <a:tc vMerge="1">
+                  <a:txBody>
+                    <a:bodyPr/>
+                    <a:lstStyle/>
+                    <a:p>
+                      <a:endParaRPr lang="pt-PT"/>
+                    </a:p>
+                  </a:txBody>
+                  <a:tcPr/>
+                </a:tc>
+                <a:tc vMerge="1">
+                  <a:txBody>
+                    <a:bodyPr/>
+                    <a:lstStyle/>
+                    <a:p>
+                      <a:endParaRPr lang="pt-PT"/>
+                    </a:p>
+                  </a:txBody>
+                  <a:tcPr/>
+                </a:tc>
+                <a:tc vMerge="1">
+                  <a:txBody>
+                    <a:bodyPr/>
+                    <a:lstStyle/>
+                    <a:p>
+                      <a:endParaRPr lang="pt-PT"/>
+                    </a:p>
+                  </a:txBody>
+                  <a:tcPr/>
+                </a:tc>
+                <a:tc vMerge="1">
+                  <a:txBody>
+                    <a:bodyPr/>
+                    <a:lstStyle/>
+                    <a:p>
+                      <a:endParaRPr lang="pt-PT"/>
+                    </a:p>
+                  </a:txBody>
+                  <a:tcPr/>
+                </a:tc>
+              </a:tr>
+              <a:tr h="400044">
+                <a:tc>
+                  <a:txBody>
+                    <a:bodyPr/>
+                    <a:lstStyle/>
+                    <a:p>
+                      <a:r>
+                        <a:rPr lang="pt-PT" dirty="0" smtClean="0"/>
+                        <a:t>IDE</a:t>
+                      </a:r>
+                      <a:r>
+                        <a:rPr lang="pt-PT" baseline="0" dirty="0" smtClean="0"/>
+                        <a:t> Integration</a:t>
+                      </a:r>
+                      <a:endParaRPr lang="pt-PT" dirty="0"/>
+                    </a:p>
+                  </a:txBody>
+                  <a:tcPr/>
+                </a:tc>
+                <a:tc>
+                  <a:txBody>
+                    <a:bodyPr/>
+                    <a:lstStyle/>
+                    <a:p>
+                      <a:endParaRPr lang="pt-PT" dirty="0"/>
+                    </a:p>
+                  </a:txBody>
+                  <a:tcPr/>
+                </a:tc>
+                <a:tc>
+                  <a:txBody>
+                    <a:bodyPr/>
+                    <a:lstStyle/>
+                    <a:p>
+                      <a:endParaRPr lang="pt-PT"/>
+                    </a:p>
+                  </a:txBody>
+                  <a:tcPr/>
+                </a:tc>
+                <a:tc>
+                  <a:txBody>
+                    <a:bodyPr/>
+                    <a:lstStyle/>
+                    <a:p>
+                      <a:endParaRPr lang="pt-PT"/>
+                    </a:p>
+                  </a:txBody>
+                  <a:tcPr/>
+                </a:tc>
+                <a:tc>
+                  <a:txBody>
+                    <a:bodyPr/>
+                    <a:lstStyle/>
+                    <a:p>
+                      <a:endParaRPr lang="pt-PT"/>
+                    </a:p>
+                  </a:txBody>
+                  <a:tcPr/>
+                </a:tc>
+              </a:tr>
+              <a:tr h="400044">
+                <a:tc>
+                  <a:txBody>
+                    <a:bodyPr/>
+                    <a:lstStyle/>
+                    <a:p>
+                      <a:r>
+                        <a:rPr lang="pt-PT" dirty="0" smtClean="0"/>
+                        <a:t>Versions</a:t>
+                      </a:r>
+                      <a:r>
+                        <a:rPr lang="pt-PT" baseline="0" dirty="0" smtClean="0"/>
+                        <a:t> Control</a:t>
+                      </a:r>
+                      <a:endParaRPr lang="pt-PT" dirty="0"/>
+                    </a:p>
+                  </a:txBody>
+                  <a:tcPr/>
+                </a:tc>
+                <a:tc>
+                  <a:txBody>
+                    <a:bodyPr/>
+                    <a:lstStyle/>
+                    <a:p>
+                      <a:endParaRPr lang="pt-PT" dirty="0"/>
+                    </a:p>
+                  </a:txBody>
+                  <a:tcPr/>
+                </a:tc>
+                <a:tc>
+                  <a:txBody>
+                    <a:bodyPr/>
+                    <a:lstStyle/>
+                    <a:p>
+                      <a:endParaRPr lang="pt-PT" dirty="0"/>
+                    </a:p>
+                  </a:txBody>
+                  <a:tcPr/>
+                </a:tc>
+                <a:tc>
+                  <a:txBody>
+                    <a:bodyPr/>
+                    <a:lstStyle/>
+                    <a:p>
+                      <a:endParaRPr lang="pt-PT" dirty="0"/>
+                    </a:p>
+                  </a:txBody>
+                  <a:tcPr/>
+                </a:tc>
+                <a:tc>
+                  <a:txBody>
+                    <a:bodyPr/>
+                    <a:lstStyle/>
+                    <a:p>
+                      <a:endParaRPr lang="pt-PT" dirty="0"/>
+                    </a:p>
+                  </a:txBody>
+                  <a:tcPr/>
+                </a:tc>
+              </a:tr>
+              <a:tr h="400044">
+                <a:tc>
+                  <a:txBody>
+                    <a:bodyPr/>
+                    <a:lstStyle/>
+                    <a:p>
+                      <a:r>
+                        <a:rPr lang="pt-PT" dirty="0" smtClean="0"/>
+                        <a:t>Hosted</a:t>
+                      </a:r>
+                      <a:endParaRPr lang="pt-PT" dirty="0"/>
+                    </a:p>
+                  </a:txBody>
+                  <a:tcPr/>
+                </a:tc>
+                <a:tc>
+                  <a:txBody>
+                    <a:bodyPr/>
+                    <a:lstStyle/>
+                    <a:p>
+                      <a:endParaRPr lang="pt-PT" dirty="0"/>
+                    </a:p>
+                  </a:txBody>
+                  <a:tcPr/>
+                </a:tc>
+                <a:tc>
+                  <a:txBody>
+                    <a:bodyPr/>
+                    <a:lstStyle/>
+                    <a:p>
+                      <a:endParaRPr lang="pt-PT"/>
+                    </a:p>
+                  </a:txBody>
+                  <a:tcPr/>
+                </a:tc>
+                <a:tc>
+                  <a:txBody>
+                    <a:bodyPr/>
+                    <a:lstStyle/>
+                    <a:p>
+                      <a:endParaRPr lang="pt-PT"/>
+                    </a:p>
+                  </a:txBody>
+                  <a:tcPr/>
+                </a:tc>
+                <a:tc>
+                  <a:txBody>
+                    <a:bodyPr/>
+                    <a:lstStyle/>
+                    <a:p>
+                      <a:endParaRPr lang="pt-PT" dirty="0"/>
+                    </a:p>
+                  </a:txBody>
+                  <a:tcPr/>
+                </a:tc>
+              </a:tr>
+              <a:tr h="400044">
+                <a:tc>
+                  <a:txBody>
+                    <a:bodyPr/>
+                    <a:lstStyle/>
+                    <a:p>
+                      <a:r>
+                        <a:rPr lang="pt-PT" dirty="0" smtClean="0"/>
+                        <a:t>Open source</a:t>
+                      </a:r>
+                      <a:endParaRPr lang="pt-PT" dirty="0"/>
+                    </a:p>
+                  </a:txBody>
+                  <a:tcPr/>
+                </a:tc>
+                <a:tc>
+                  <a:txBody>
+                    <a:bodyPr/>
+                    <a:lstStyle/>
+                    <a:p>
+                      <a:r>
+                        <a:rPr lang="pt-PT" dirty="0" smtClean="0"/>
+                        <a:t>YES</a:t>
+                      </a:r>
+                      <a:endParaRPr lang="pt-PT" dirty="0"/>
+                    </a:p>
+                  </a:txBody>
+                  <a:tcPr/>
+                </a:tc>
+                <a:tc>
+                  <a:txBody>
+                    <a:bodyPr/>
+                    <a:lstStyle/>
+                    <a:p>
+                      <a:endParaRPr lang="pt-PT" dirty="0"/>
+                    </a:p>
+                  </a:txBody>
+                  <a:tcPr/>
+                </a:tc>
+                <a:tc>
+                  <a:txBody>
+                    <a:bodyPr/>
+                    <a:lstStyle/>
+                    <a:p>
+                      <a:endParaRPr lang="pt-PT"/>
+                    </a:p>
+                  </a:txBody>
+                  <a:tcPr/>
+                </a:tc>
+                <a:tc>
+                  <a:txBody>
+                    <a:bodyPr/>
+                    <a:lstStyle/>
+                    <a:p>
+                      <a:endParaRPr lang="pt-PT" dirty="0"/>
+                    </a:p>
+                  </a:txBody>
+                  <a:tcPr/>
+                </a:tc>
+              </a:tr>
+              <a:tr h="400044">
+                <a:tc>
+                  <a:txBody>
+                    <a:bodyPr/>
+                    <a:lstStyle/>
+                    <a:p>
+                      <a:r>
+                        <a:rPr lang="pt-PT" dirty="0" smtClean="0"/>
+                        <a:t>Documentation</a:t>
+                      </a:r>
+                      <a:endParaRPr lang="pt-PT" dirty="0"/>
+                    </a:p>
+                  </a:txBody>
+                  <a:tcPr/>
+                </a:tc>
+                <a:tc>
+                  <a:txBody>
+                    <a:bodyPr/>
+                    <a:lstStyle/>
+                    <a:p>
+                      <a:endParaRPr lang="pt-PT"/>
+                    </a:p>
+                  </a:txBody>
+                  <a:tcPr/>
+                </a:tc>
+                <a:tc>
+                  <a:txBody>
+                    <a:bodyPr/>
+                    <a:lstStyle/>
+                    <a:p>
+                      <a:endParaRPr lang="pt-PT"/>
+                    </a:p>
+                  </a:txBody>
+                  <a:tcPr/>
+                </a:tc>
+                <a:tc>
+                  <a:txBody>
+                    <a:bodyPr/>
+                    <a:lstStyle/>
+                    <a:p>
+                      <a:endParaRPr lang="pt-PT" dirty="0"/>
+                    </a:p>
+                  </a:txBody>
+                  <a:tcPr/>
+                </a:tc>
+                <a:tc>
+                  <a:txBody>
+                    <a:bodyPr/>
+                    <a:lstStyle/>
+                    <a:p>
+                      <a:endParaRPr lang="pt-PT" dirty="0"/>
+                    </a:p>
+                  </a:txBody>
+                  <a:tcPr/>
+                </a:tc>
+              </a:tr>
+              <a:tr h="400044">
+                <a:tc>
+                  <a:txBody>
+                    <a:bodyPr/>
+                    <a:lstStyle/>
+                    <a:p>
+                      <a:endParaRPr lang="pt-PT" dirty="0"/>
+                    </a:p>
+                  </a:txBody>
+                  <a:tcPr/>
+                </a:tc>
+                <a:tc>
+                  <a:txBody>
+                    <a:bodyPr/>
+                    <a:lstStyle/>
+                    <a:p>
+                      <a:endParaRPr lang="pt-PT"/>
+                    </a:p>
+                  </a:txBody>
+                  <a:tcPr/>
+                </a:tc>
+                <a:tc>
+                  <a:txBody>
+                    <a:bodyPr/>
+                    <a:lstStyle/>
+                    <a:p>
+                      <a:endParaRPr lang="pt-PT"/>
+                    </a:p>
+                  </a:txBody>
+                  <a:tcPr/>
+                </a:tc>
+                <a:tc>
+                  <a:txBody>
+                    <a:bodyPr/>
+                    <a:lstStyle/>
+                    <a:p>
+                      <a:endParaRPr lang="pt-PT"/>
+                    </a:p>
+                  </a:txBody>
+                  <a:tcPr/>
+                </a:tc>
+                <a:tc>
+                  <a:txBody>
+                    <a:bodyPr/>
+                    <a:lstStyle/>
+                    <a:p>
+                      <a:endParaRPr lang="pt-PT" dirty="0"/>
+                    </a:p>
+                  </a:txBody>
+                  <a:tcPr/>
+                </a:tc>
+              </a:tr>
+              <a:tr h="400044">
+                <a:tc>
+                  <a:txBody>
+                    <a:bodyPr/>
+                    <a:lstStyle/>
+                    <a:p>
+                      <a:endParaRPr lang="pt-PT" dirty="0"/>
+                    </a:p>
+                  </a:txBody>
+                  <a:tcPr/>
+                </a:tc>
+                <a:tc>
+                  <a:txBody>
+                    <a:bodyPr/>
+                    <a:lstStyle/>
+                    <a:p>
+                      <a:endParaRPr lang="pt-PT" dirty="0"/>
+                    </a:p>
+                  </a:txBody>
+                  <a:tcPr/>
+                </a:tc>
+                <a:tc>
+                  <a:txBody>
+                    <a:bodyPr/>
+                    <a:lstStyle/>
+                    <a:p>
+                      <a:endParaRPr lang="pt-PT"/>
+                    </a:p>
+                  </a:txBody>
+                  <a:tcPr/>
+                </a:tc>
+                <a:tc>
+                  <a:txBody>
+                    <a:bodyPr/>
+                    <a:lstStyle/>
+                    <a:p>
+                      <a:endParaRPr lang="pt-PT" dirty="0"/>
+                    </a:p>
+                  </a:txBody>
+                  <a:tcPr/>
+                </a:tc>
+                <a:tc>
+                  <a:txBody>
+                    <a:bodyPr/>
+                    <a:lstStyle/>
+                    <a:p>
+                      <a:endParaRPr lang="pt-PT" dirty="0"/>
+                    </a:p>
+                  </a:txBody>
+                  <a:tcPr/>
+                </a:tc>
+              </a:tr>
+            </a:tbl>
+          </a:graphicData>
+        </a:graphic>
+      </p:graphicFrame>
+    </p:spTree>
+    <p:extLst>
+      <p:ext uri="{BB962C8B-B14F-4D97-AF65-F5344CB8AC3E}">
+        <p14:creationId xmlns:p14="http://schemas.microsoft.com/office/powerpoint/2010/main" val="3676793758"/>
+      </p:ext>
+    </p:extLst>
+  </p:cSld>
+  <p:clrMapOvr>
+    <a:masterClrMapping/>
+  </p:clrMapOvr>
+  <mc:AlternateContent xmlns:mc="http://schemas.openxmlformats.org/markup-compatibility/2006" xmlns:p14="http://schemas.microsoft.com/office/powerpoint/2010/main">
+    <mc:Choice Requires="p14">
+      <p:transition spd="med" p14:dur="700">
+        <p:fade/>
+      </p:transition>
+    </mc:Choice>
+    <mc:Fallback xmlns="">
+      <p:transition spd="med">
+        <p:fade/>
+      </p:transition>
+    </mc:Fallback>
+  </mc:AlternateContent>
+  <p:timing>
+    <p:tnLst>
+      <p:par>
+        <p:cTn id="1" dur="indefinite" restart="never" nodeType="tmRoot"/>
+      </p:par>
+    </p:tnLst>
+  </p:timing>
+</p:sld>
+</file>
+
+<file path=ppt/slides/slide11.xml><?xml version="1.0" encoding="utf-8"?>
+<p:sld xmlns:a="http://schemas.openxmlformats.org/drawingml/2006/main" xmlns:r="http://schemas.openxmlformats.org/officeDocument/2006/relationships" xmlns:p="http://schemas.openxmlformats.org/presentationml/2006/main">
+  <p:cSld>
+    <p:spTree>
+      <p:nvGrpSpPr>
+        <p:cNvPr id="1" name=""/>
+        <p:cNvGrpSpPr/>
+        <p:nvPr/>
+      </p:nvGrpSpPr>
+      <p:grpSpPr>
+        <a:xfrm>
+          <a:off x="0" y="0"/>
+          <a:ext cx="0" cy="0"/>
+          <a:chOff x="0" y="0"/>
+          <a:chExt cx="0" cy="0"/>
+        </a:xfrm>
+      </p:grpSpPr>
+      <p:sp>
+        <p:nvSpPr>
+          <p:cNvPr id="2" name="Title 1"/>
+          <p:cNvSpPr>
+            <a:spLocks noGrp="1"/>
+          </p:cNvSpPr>
+          <p:nvPr>
+            <p:ph type="title"/>
+          </p:nvPr>
+        </p:nvSpPr>
+        <p:spPr/>
+        <p:txBody>
+          <a:bodyPr/>
+          <a:lstStyle/>
+          <a:p>
+            <a:r>
+              <a:rPr lang="en-US" dirty="0" smtClean="0"/>
               <a:t>References</a:t>
             </a:r>
             <a:endParaRPr lang="en-US" dirty="0"/>
@@ -15810,15 +16726,32 @@
             <p:ph sz="half" idx="1"/>
           </p:nvPr>
         </p:nvSpPr>
-        <p:spPr/>
+        <p:spPr>
+          <a:xfrm>
+            <a:off x="1151367" y="2603500"/>
+            <a:ext cx="10649627" cy="3416301"/>
+          </a:xfrm>
+        </p:spPr>
         <p:txBody>
           <a:bodyPr/>
           <a:lstStyle/>
           <a:p>
             <a:r>
-              <a:rPr lang="en-US" dirty="0"/>
-              <a:t>Reference supplementary materials and resources</a:t>
-            </a:r>
+              <a:rPr lang="en-US" dirty="0">
+                <a:hlinkClick r:id="rId2"/>
+              </a:rPr>
+              <a:t>https://</a:t>
+            </a:r>
+            <a:r>
+              <a:rPr lang="en-US" dirty="0" smtClean="0">
+                <a:hlinkClick r:id="rId2"/>
+              </a:rPr>
+              <a:t>www.cloudbees.com/jenkins/about</a:t>
+            </a:r>
+            <a:endParaRPr lang="en-US" dirty="0" smtClean="0"/>
+          </a:p>
+          <a:p>
+            <a:endParaRPr lang="en-US" dirty="0"/>
           </a:p>
         </p:txBody>
       </p:sp>
@@ -15885,7 +16818,7 @@
           <a:p>
             <a:fld id="{A0ECE5F2-81AA-4605-B028-6FBA391056AF}" type="slidenum">
               <a:rPr lang="pt-PT" smtClean="0"/>
-              <a:t>10</a:t>
+              <a:t>11</a:t>
             </a:fld>
             <a:endParaRPr lang="pt-PT"/>
           </a:p>
@@ -15900,7 +16833,7 @@
           <p:nvPr/>
         </p:nvPicPr>
         <p:blipFill>
-          <a:blip r:embed="rId2" cstate="print">
+          <a:blip r:embed="rId3" cstate="print">
             <a:extLst>
               <a:ext uri="{28A0092B-C50C-407E-A947-70E740481C1C}">
                 <a14:useLocalDpi xmlns:a14="http://schemas.microsoft.com/office/drawing/2010/main" val="0"/>
@@ -15980,12 +16913,25 @@
             <p:ph type="title"/>
           </p:nvPr>
         </p:nvSpPr>
-        <p:spPr/>
+        <p:spPr>
+          <a:xfrm>
+            <a:off x="1127448" y="2539116"/>
+            <a:ext cx="4508996" cy="2283823"/>
+          </a:xfrm>
+        </p:spPr>
         <p:txBody>
           <a:bodyPr/>
           <a:lstStyle/>
           <a:p>
-            <a:endParaRPr lang="en-US" dirty="0"/>
+            <a:r>
+              <a:rPr lang="en-US" sz="3600" dirty="0"/>
+              <a:t>What is Continuous </a:t>
+            </a:r>
+            <a:r>
+              <a:rPr lang="en-US" sz="3600" dirty="0" smtClean="0"/>
+              <a:t>Integration (CI)?</a:t>
+            </a:r>
+            <a:endParaRPr lang="en-US" sz="3600" dirty="0"/>
           </a:p>
         </p:txBody>
       </p:sp>
@@ -15999,15 +16945,211 @@
             <p:ph type="body" idx="1"/>
           </p:nvPr>
         </p:nvSpPr>
-        <p:spPr/>
+        <p:spPr>
+          <a:xfrm>
+            <a:off x="6895559" y="1196752"/>
+            <a:ext cx="4295180" cy="4968552"/>
+          </a:xfrm>
+        </p:spPr>
         <p:txBody>
-          <a:bodyPr/>
+          <a:bodyPr>
+            <a:noAutofit/>
+          </a:bodyPr>
           <a:lstStyle/>
           <a:p>
             <a:pPr lvl="0"/>
             <a:r>
-              <a:rPr lang="en-US" dirty="0"/>
-              <a:t>Brief description of the project</a:t>
+              <a:rPr lang="en-US" sz="1400" dirty="0">
+                <a:solidFill>
+                  <a:schemeClr val="tx1">
+                    <a:lumMod val="75000"/>
+                    <a:lumOff val="25000"/>
+                  </a:schemeClr>
+                </a:solidFill>
+              </a:rPr>
+              <a:t>An important concept of any </a:t>
+            </a:r>
+            <a:r>
+              <a:rPr lang="en-US" sz="1400" b="1" dirty="0">
+                <a:solidFill>
+                  <a:schemeClr val="tx1">
+                    <a:lumMod val="75000"/>
+                    <a:lumOff val="25000"/>
+                  </a:schemeClr>
+                </a:solidFill>
+              </a:rPr>
+              <a:t>agile software development</a:t>
+            </a:r>
+            <a:r>
+              <a:rPr lang="en-US" sz="1400" dirty="0">
+                <a:solidFill>
+                  <a:schemeClr val="tx1">
+                    <a:lumMod val="75000"/>
+                    <a:lumOff val="25000"/>
+                  </a:schemeClr>
+                </a:solidFill>
+              </a:rPr>
+              <a:t> is getting reliable, working and integrated software at the end of every sprint or iteration. </a:t>
+            </a:r>
+            <a:endParaRPr lang="en-US" sz="1400" dirty="0" smtClean="0">
+              <a:solidFill>
+                <a:schemeClr val="tx1">
+                  <a:lumMod val="75000"/>
+                  <a:lumOff val="25000"/>
+                </a:schemeClr>
+              </a:solidFill>
+            </a:endParaRPr>
+          </a:p>
+          <a:p>
+            <a:pPr lvl="0"/>
+            <a:r>
+              <a:rPr lang="en-US" sz="1400" b="1" dirty="0" smtClean="0">
+                <a:solidFill>
+                  <a:schemeClr val="tx1">
+                    <a:lumMod val="75000"/>
+                    <a:lumOff val="25000"/>
+                  </a:schemeClr>
+                </a:solidFill>
+                <a:effectLst>
+                  <a:outerShdw blurRad="38100" dist="38100" dir="2700000" algn="tl">
+                    <a:srgbClr val="000000">
+                      <a:alpha val="43137"/>
+                    </a:srgbClr>
+                  </a:outerShdw>
+                </a:effectLst>
+              </a:rPr>
+              <a:t>Continuous </a:t>
+            </a:r>
+            <a:r>
+              <a:rPr lang="en-US" sz="1400" b="1" dirty="0">
+                <a:solidFill>
+                  <a:schemeClr val="tx1">
+                    <a:lumMod val="75000"/>
+                    <a:lumOff val="25000"/>
+                  </a:schemeClr>
+                </a:solidFill>
+                <a:effectLst>
+                  <a:outerShdw blurRad="38100" dist="38100" dir="2700000" algn="tl">
+                    <a:srgbClr val="000000">
+                      <a:alpha val="43137"/>
+                    </a:srgbClr>
+                  </a:outerShdw>
+                </a:effectLst>
+              </a:rPr>
+              <a:t>integration </a:t>
+            </a:r>
+            <a:r>
+              <a:rPr lang="en-US" sz="1400" dirty="0">
+                <a:solidFill>
+                  <a:schemeClr val="tx1">
+                    <a:lumMod val="75000"/>
+                    <a:lumOff val="25000"/>
+                  </a:schemeClr>
+                </a:solidFill>
+              </a:rPr>
+              <a:t>is a software development practice addressing this challenge by merging all changes made to the software and integrate all changed components </a:t>
+            </a:r>
+            <a:r>
+              <a:rPr lang="en-US" sz="1400" dirty="0" smtClean="0">
+                <a:solidFill>
+                  <a:schemeClr val="tx1">
+                    <a:lumMod val="75000"/>
+                    <a:lumOff val="25000"/>
+                  </a:schemeClr>
+                </a:solidFill>
+              </a:rPr>
+              <a:t>regularly.</a:t>
+            </a:r>
+          </a:p>
+          <a:p>
+            <a:pPr lvl="0"/>
+            <a:r>
+              <a:rPr lang="en-US" sz="1400" b="1" u="sng" dirty="0" smtClean="0">
+                <a:solidFill>
+                  <a:schemeClr val="tx1">
+                    <a:lumMod val="75000"/>
+                    <a:lumOff val="25000"/>
+                  </a:schemeClr>
+                </a:solidFill>
+              </a:rPr>
+              <a:t>Goal</a:t>
+            </a:r>
+            <a:endParaRPr lang="en-US" sz="1400" dirty="0">
+              <a:solidFill>
+                <a:schemeClr val="tx1">
+                  <a:lumMod val="75000"/>
+                  <a:lumOff val="25000"/>
+                </a:schemeClr>
+              </a:solidFill>
+            </a:endParaRPr>
+          </a:p>
+          <a:p>
+            <a:pPr lvl="0"/>
+            <a:r>
+              <a:rPr lang="en-US" sz="1400" dirty="0" smtClean="0">
+                <a:solidFill>
+                  <a:schemeClr val="tx1">
+                    <a:lumMod val="75000"/>
+                    <a:lumOff val="25000"/>
+                  </a:schemeClr>
+                </a:solidFill>
+              </a:rPr>
+              <a:t>wrap </a:t>
+            </a:r>
+            <a:r>
+              <a:rPr lang="en-US" sz="1400" dirty="0">
+                <a:solidFill>
+                  <a:schemeClr val="tx1">
+                    <a:lumMod val="75000"/>
+                    <a:lumOff val="25000"/>
+                  </a:schemeClr>
+                </a:solidFill>
+              </a:rPr>
+              <a:t>compilation, build, deployment and testing into a single, automated and regularly repeatable process. </a:t>
+            </a:r>
+            <a:endParaRPr lang="en-US" sz="1400" dirty="0" smtClean="0">
+              <a:solidFill>
+                <a:schemeClr val="tx1">
+                  <a:lumMod val="75000"/>
+                  <a:lumOff val="25000"/>
+                </a:schemeClr>
+              </a:solidFill>
+            </a:endParaRPr>
+          </a:p>
+          <a:p>
+            <a:pPr lvl="0"/>
+            <a:endParaRPr lang="en-US" sz="1400" dirty="0" smtClean="0">
+              <a:solidFill>
+                <a:schemeClr val="tx1">
+                  <a:lumMod val="75000"/>
+                  <a:lumOff val="25000"/>
+                </a:schemeClr>
+              </a:solidFill>
+            </a:endParaRPr>
+          </a:p>
+          <a:p>
+            <a:pPr lvl="0"/>
+            <a:endParaRPr lang="en-US" sz="1400" dirty="0">
+              <a:solidFill>
+                <a:schemeClr val="tx1">
+                  <a:lumMod val="75000"/>
+                  <a:lumOff val="25000"/>
+                </a:schemeClr>
+              </a:solidFill>
+            </a:endParaRPr>
+          </a:p>
+          <a:p>
+            <a:pPr lvl="0" algn="r"/>
+            <a:r>
+              <a:rPr lang="en-US" sz="1050" i="1" dirty="0" smtClean="0">
+                <a:solidFill>
+                  <a:schemeClr val="tx1">
+                    <a:lumMod val="75000"/>
+                    <a:lumOff val="25000"/>
+                  </a:schemeClr>
+                </a:solidFill>
+              </a:rPr>
+              <a:t>Definition according ISTQB Foundation</a:t>
             </a:r>
           </a:p>
         </p:txBody>
@@ -16147,7 +17289,7 @@
           <a:p>
             <a:r>
               <a:rPr lang="en-US" dirty="0" smtClean="0"/>
-              <a:t>What is Continuous Integration?</a:t>
+              <a:t>Some benefits of CI</a:t>
             </a:r>
             <a:endParaRPr lang="en-US" dirty="0"/>
           </a:p>
@@ -16232,12 +17374,87 @@
             <p:ph idx="1"/>
           </p:nvPr>
         </p:nvSpPr>
-        <p:spPr/>
+        <p:spPr>
+          <a:xfrm>
+            <a:off x="1154954" y="2348879"/>
+            <a:ext cx="9495984" cy="3888433"/>
+          </a:xfrm>
+        </p:spPr>
         <p:txBody>
-          <a:bodyPr/>
+          <a:bodyPr>
+            <a:normAutofit fontScale="85000" lnSpcReduction="20000"/>
+          </a:bodyPr>
           <a:lstStyle/>
           <a:p>
-            <a:endParaRPr lang="pt-PT"/>
+            <a:pPr marL="0" indent="0">
+              <a:buNone/>
+            </a:pPr>
+            <a:r>
+              <a:rPr lang="en-US" b="1" dirty="0"/>
+              <a:t>Each change on the code base or configuration is verified by an automated build and test, allowing teams to detect problems </a:t>
+            </a:r>
+            <a:r>
+              <a:rPr lang="en-US" b="1" dirty="0" smtClean="0"/>
+              <a:t>early!</a:t>
+            </a:r>
+            <a:endParaRPr lang="en-US" b="1" dirty="0"/>
+          </a:p>
+          <a:p>
+            <a:r>
+              <a:rPr lang="en-US" dirty="0"/>
+              <a:t>The working code is committed and tested frequently, the team always knows if the code is working or not</a:t>
+            </a:r>
+          </a:p>
+          <a:p>
+            <a:r>
+              <a:rPr lang="en-US" dirty="0"/>
+              <a:t>By integrating regularly, errors are detected quickly, and can be located and analyzed more easily</a:t>
+            </a:r>
+          </a:p>
+          <a:p>
+            <a:r>
+              <a:rPr lang="en-US" dirty="0"/>
+              <a:t>Early identification of conflicting changes</a:t>
+            </a:r>
+          </a:p>
+          <a:p>
+            <a:r>
+              <a:rPr lang="en-US" dirty="0"/>
+              <a:t>Provides confidence that the next sprint is based on a solid foundation</a:t>
+            </a:r>
+          </a:p>
+          <a:p>
+            <a:r>
+              <a:rPr lang="en-US" dirty="0"/>
+              <a:t>Making progress is visible and encourages developers and testers</a:t>
+            </a:r>
+          </a:p>
+          <a:p>
+            <a:r>
+              <a:rPr lang="en-US" dirty="0" smtClean="0"/>
+              <a:t>When </a:t>
+            </a:r>
+            <a:r>
+              <a:rPr lang="en-US" dirty="0"/>
+              <a:t>unit tests fail or a bug emerges, developers might revert the codebase to a bug-free state, without wasting time for debugging and defect clearing</a:t>
+            </a:r>
+          </a:p>
+          <a:p>
+            <a:r>
+              <a:rPr lang="en-US" dirty="0"/>
+              <a:t>Constant availability of a deployable software at any time and at any place for testing, demo or education purposes</a:t>
+            </a:r>
+          </a:p>
+          <a:p>
+            <a:r>
+              <a:rPr lang="en-US" dirty="0"/>
+              <a:t>Reduces repetitive manual test </a:t>
+            </a:r>
+            <a:r>
+              <a:rPr lang="en-US" dirty="0" smtClean="0"/>
+              <a:t>activities</a:t>
+            </a:r>
+            <a:endParaRPr lang="en-US" dirty="0"/>
           </a:p>
         </p:txBody>
       </p:sp>
@@ -16488,29 +17705,6 @@
       </p:grpSpPr>
       <p:sp>
         <p:nvSpPr>
-          <p:cNvPr id="2" name="Title 1"/>
-          <p:cNvSpPr>
-            <a:spLocks noGrp="1"/>
-          </p:cNvSpPr>
-          <p:nvPr>
-            <p:ph type="title"/>
-          </p:nvPr>
-        </p:nvSpPr>
-        <p:spPr/>
-        <p:txBody>
-          <a:bodyPr/>
-          <a:lstStyle/>
-          <a:p>
-            <a:r>
-              <a:rPr lang="en-US" dirty="0" smtClean="0"/>
-              <a:t>JENKINS</a:t>
-            </a:r>
-            <a:endParaRPr lang="en-US" dirty="0"/>
-          </a:p>
-        </p:txBody>
-      </p:sp>
-      <p:sp>
-        <p:nvSpPr>
           <p:cNvPr id="3" name="Content Placeholder 2"/>
           <p:cNvSpPr>
             <a:spLocks noGrp="1"/>
@@ -16519,11 +17713,53 @@
             <p:ph idx="1"/>
           </p:nvPr>
         </p:nvSpPr>
-        <p:spPr/>
+        <p:spPr>
+          <a:xfrm>
+            <a:off x="1154954" y="2348881"/>
+            <a:ext cx="10035785" cy="4042958"/>
+          </a:xfrm>
+        </p:spPr>
         <p:txBody>
           <a:bodyPr/>
           <a:lstStyle/>
           <a:p>
+            <a:r>
+              <a:rPr lang="en-US" dirty="0" smtClean="0"/>
+              <a:t>open </a:t>
+            </a:r>
+            <a:r>
+              <a:rPr lang="en-US" dirty="0"/>
+              <a:t>source automation server. </a:t>
+            </a:r>
+            <a:endParaRPr lang="en-US" dirty="0" smtClean="0"/>
+          </a:p>
+          <a:p>
+            <a:r>
+              <a:rPr lang="en-US" dirty="0" smtClean="0"/>
+              <a:t>With </a:t>
+            </a:r>
+            <a:r>
+              <a:rPr lang="en-US" dirty="0"/>
+              <a:t>Jenkins, organizations can accelerate the software development process through automation. Jenkins manages and controls development lifecycle processes of all kinds, including build, document, test, package, stage, deployment, static analysis and many more</a:t>
+            </a:r>
+            <a:r>
+              <a:rPr lang="en-US" dirty="0" smtClean="0"/>
+              <a:t>.</a:t>
+            </a:r>
+          </a:p>
+          <a:p>
+            <a:r>
+              <a:rPr lang="en-US" dirty="0"/>
+              <a:t>You can set up Jenkins to watch for any code changes in places like SVN and </a:t>
+            </a:r>
+            <a:r>
+              <a:rPr lang="en-US" dirty="0" err="1"/>
+              <a:t>Git</a:t>
+            </a:r>
+            <a:r>
+              <a:rPr lang="en-US" dirty="0"/>
+              <a:t>, automatically do a build with tools like Ant and Maven, initiate tests and then take actions like rolling back or rolling forward in production.</a:t>
+            </a:r>
             <a:endParaRPr lang="en-US" dirty="0"/>
           </a:p>
         </p:txBody>
@@ -16597,6 +17833,47 @@
           </a:p>
         </p:txBody>
       </p:sp>
+      <p:pic>
+        <p:nvPicPr>
+          <p:cNvPr id="1026" name="Picture 2" descr="Resultado de imagem para jenkins logo"/>
+          <p:cNvPicPr>
+            <a:picLocks noChangeAspect="1" noChangeArrowheads="1"/>
+          </p:cNvPicPr>
+          <p:nvPr/>
+        </p:nvPicPr>
+        <p:blipFill>
+          <a:blip r:embed="rId3" cstate="print">
+            <a:extLst>
+              <a:ext uri="{28A0092B-C50C-407E-A947-70E740481C1C}">
+                <a14:useLocalDpi xmlns:a14="http://schemas.microsoft.com/office/drawing/2010/main" val="0"/>
+              </a:ext>
+            </a:extLst>
+          </a:blip>
+          <a:srcRect/>
+          <a:stretch>
+            <a:fillRect/>
+          </a:stretch>
+        </p:blipFill>
+        <p:spPr bwMode="auto">
+          <a:xfrm>
+            <a:off x="1133823" y="791097"/>
+            <a:ext cx="3240360" cy="1042126"/>
+          </a:xfrm>
+          <a:prstGeom prst="rect">
+            <a:avLst/>
+          </a:prstGeom>
+          <a:noFill/>
+          <a:extLst>
+            <a:ext uri="{909E8E84-426E-40DD-AFC4-6F175D3DCCD1}">
+              <a14:hiddenFill xmlns:a14="http://schemas.microsoft.com/office/drawing/2010/main">
+                <a:solidFill>
+                  <a:srgbClr val="FFFFFF"/>
+                </a:solidFill>
+              </a14:hiddenFill>
+            </a:ext>
+          </a:extLst>
+        </p:spPr>
+      </p:pic>
     </p:spTree>
     <p:extLst>
       <p:ext uri="{BB962C8B-B14F-4D97-AF65-F5344CB8AC3E}">
@@ -16648,29 +17925,6 @@
       </p:grpSpPr>
       <p:sp>
         <p:nvSpPr>
-          <p:cNvPr id="2" name="Title 1"/>
-          <p:cNvSpPr>
-            <a:spLocks noGrp="1"/>
-          </p:cNvSpPr>
-          <p:nvPr>
-            <p:ph type="title"/>
-          </p:nvPr>
-        </p:nvSpPr>
-        <p:spPr/>
-        <p:txBody>
-          <a:bodyPr/>
-          <a:lstStyle/>
-          <a:p>
-            <a:r>
-              <a:rPr lang="en-US" dirty="0" smtClean="0"/>
-              <a:t>TRAVIS</a:t>
-            </a:r>
-            <a:endParaRPr lang="en-US" dirty="0"/>
-          </a:p>
-        </p:txBody>
-      </p:sp>
-      <p:sp>
-        <p:nvSpPr>
           <p:cNvPr id="3" name="Content Placeholder 2"/>
           <p:cNvSpPr>
             <a:spLocks noGrp="1"/>
@@ -16679,12 +17933,63 @@
             <p:ph idx="1"/>
           </p:nvPr>
         </p:nvSpPr>
-        <p:spPr/>
+        <p:spPr>
+          <a:xfrm>
+            <a:off x="1154954" y="2348881"/>
+            <a:ext cx="10035785" cy="4042958"/>
+          </a:xfrm>
+        </p:spPr>
         <p:txBody>
           <a:bodyPr/>
           <a:lstStyle/>
           <a:p>
-            <a:endParaRPr lang="en-US" dirty="0"/>
+            <a:pPr marL="0" indent="0">
+              <a:buNone/>
+            </a:pPr>
+            <a:r>
+              <a:rPr lang="en-US" sz="2400" b="1" dirty="0" smtClean="0">
+                <a:effectLst>
+                  <a:outerShdw blurRad="38100" dist="38100" dir="2700000" algn="tl">
+                    <a:srgbClr val="000000">
+                      <a:alpha val="43137"/>
+                    </a:srgbClr>
+                  </a:outerShdw>
+                </a:effectLst>
+              </a:rPr>
+              <a:t>Using Jenkins</a:t>
+            </a:r>
+          </a:p>
+          <a:p>
+            <a:pPr marL="0" indent="0">
+              <a:buNone/>
+            </a:pPr>
+            <a:r>
+              <a:rPr lang="en-US" sz="1600" b="1" dirty="0" smtClean="0">
+                <a:effectLst>
+                  <a:outerShdw blurRad="38100" dist="38100" dir="2700000" algn="tl">
+                    <a:srgbClr val="000000">
+                      <a:alpha val="43137"/>
+                    </a:srgbClr>
+                  </a:outerShdw>
+                </a:effectLst>
+              </a:rPr>
+              <a:t>REAL TESTIMONIES</a:t>
+            </a:r>
+          </a:p>
+          <a:p>
+            <a:pPr lvl="1"/>
+            <a:r>
+              <a:rPr lang="en-US" sz="1400" dirty="0" smtClean="0"/>
+              <a:t>Xxx</a:t>
+            </a:r>
+          </a:p>
+          <a:p>
+            <a:pPr lvl="1"/>
+            <a:r>
+              <a:rPr lang="en-US" sz="1400" dirty="0" smtClean="0"/>
+              <a:t>xx</a:t>
+            </a:r>
+            <a:endParaRPr lang="en-US" sz="1400" dirty="0"/>
           </a:p>
         </p:txBody>
       </p:sp>
@@ -16757,10 +18062,51 @@
           </a:p>
         </p:txBody>
       </p:sp>
+      <p:pic>
+        <p:nvPicPr>
+          <p:cNvPr id="1026" name="Picture 2" descr="Resultado de imagem para jenkins logo"/>
+          <p:cNvPicPr>
+            <a:picLocks noChangeAspect="1" noChangeArrowheads="1"/>
+          </p:cNvPicPr>
+          <p:nvPr/>
+        </p:nvPicPr>
+        <p:blipFill>
+          <a:blip r:embed="rId3" cstate="print">
+            <a:extLst>
+              <a:ext uri="{28A0092B-C50C-407E-A947-70E740481C1C}">
+                <a14:useLocalDpi xmlns:a14="http://schemas.microsoft.com/office/drawing/2010/main" val="0"/>
+              </a:ext>
+            </a:extLst>
+          </a:blip>
+          <a:srcRect/>
+          <a:stretch>
+            <a:fillRect/>
+          </a:stretch>
+        </p:blipFill>
+        <p:spPr bwMode="auto">
+          <a:xfrm>
+            <a:off x="1133823" y="791097"/>
+            <a:ext cx="3240360" cy="1042126"/>
+          </a:xfrm>
+          <a:prstGeom prst="rect">
+            <a:avLst/>
+          </a:prstGeom>
+          <a:noFill/>
+          <a:extLst>
+            <a:ext uri="{909E8E84-426E-40DD-AFC4-6F175D3DCCD1}">
+              <a14:hiddenFill xmlns:a14="http://schemas.microsoft.com/office/drawing/2010/main">
+                <a:solidFill>
+                  <a:srgbClr val="FFFFFF"/>
+                </a:solidFill>
+              </a14:hiddenFill>
+            </a:ext>
+          </a:extLst>
+        </p:spPr>
+      </p:pic>
     </p:spTree>
     <p:extLst>
       <p:ext uri="{BB962C8B-B14F-4D97-AF65-F5344CB8AC3E}">
-        <p14:creationId xmlns:p14="http://schemas.microsoft.com/office/powerpoint/2010/main" val="1511145347"/>
+        <p14:creationId xmlns:p14="http://schemas.microsoft.com/office/powerpoint/2010/main" val="4235248555"/>
       </p:ext>
     </p:extLst>
   </p:cSld>
@@ -16823,7 +18169,7 @@
           <a:p>
             <a:r>
               <a:rPr lang="en-US" dirty="0" smtClean="0"/>
-              <a:t>BAMBOO</a:t>
+              <a:t>TRAVIS</a:t>
             </a:r>
             <a:endParaRPr lang="en-US" dirty="0"/>
           </a:p>
@@ -16831,7 +18177,26 @@
       </p:sp>
       <p:sp>
         <p:nvSpPr>
-          <p:cNvPr id="3" name="Date Placeholder 2"/>
+          <p:cNvPr id="3" name="Content Placeholder 2"/>
+          <p:cNvSpPr>
+            <a:spLocks noGrp="1"/>
+          </p:cNvSpPr>
+          <p:nvPr>
+            <p:ph idx="1"/>
+          </p:nvPr>
+        </p:nvSpPr>
+        <p:spPr/>
+        <p:txBody>
+          <a:bodyPr/>
+          <a:lstStyle/>
+          <a:p>
+            <a:endParaRPr lang="en-US" dirty="0"/>
+          </a:p>
+        </p:txBody>
+      </p:sp>
+      <p:sp>
+        <p:nvSpPr>
+          <p:cNvPr id="4" name="Date Placeholder 3"/>
           <p:cNvSpPr>
             <a:spLocks noGrp="1"/>
           </p:cNvSpPr>
@@ -16854,7 +18219,7 @@
       </p:sp>
       <p:sp>
         <p:nvSpPr>
-          <p:cNvPr id="4" name="Footer Placeholder 3"/>
+          <p:cNvPr id="5" name="Footer Placeholder 4"/>
           <p:cNvSpPr>
             <a:spLocks noGrp="1"/>
           </p:cNvSpPr>
@@ -16877,7 +18242,7 @@
       </p:sp>
       <p:sp>
         <p:nvSpPr>
-          <p:cNvPr id="5" name="Slide Number Placeholder 4"/>
+          <p:cNvPr id="6" name="Slide Number Placeholder 5"/>
           <p:cNvSpPr>
             <a:spLocks noGrp="1"/>
           </p:cNvSpPr>
@@ -16898,29 +18263,10 @@
           </a:p>
         </p:txBody>
       </p:sp>
-      <p:sp>
-        <p:nvSpPr>
-          <p:cNvPr id="7" name="Content Placeholder 6"/>
-          <p:cNvSpPr>
-            <a:spLocks noGrp="1"/>
-          </p:cNvSpPr>
-          <p:nvPr>
-            <p:ph idx="1"/>
-          </p:nvPr>
-        </p:nvSpPr>
-        <p:spPr/>
-        <p:txBody>
-          <a:bodyPr/>
-          <a:lstStyle/>
-          <a:p>
-            <a:endParaRPr lang="pt-PT"/>
-          </a:p>
-        </p:txBody>
-      </p:sp>
     </p:spTree>
     <p:extLst>
       <p:ext uri="{BB962C8B-B14F-4D97-AF65-F5344CB8AC3E}">
-        <p14:creationId xmlns:p14="http://schemas.microsoft.com/office/powerpoint/2010/main" val="559315430"/>
+        <p14:creationId xmlns:p14="http://schemas.microsoft.com/office/powerpoint/2010/main" val="1511145347"/>
       </p:ext>
     </p:extLst>
   </p:cSld>
@@ -16983,7 +18329,7 @@
           <a:p>
             <a:r>
               <a:rPr lang="en-US" dirty="0" smtClean="0"/>
-              <a:t>CODESHIP</a:t>
+              <a:t>BAMBOO</a:t>
             </a:r>
             <a:endParaRPr lang="en-US" dirty="0"/>
           </a:p>
@@ -17080,7 +18426,7 @@
     </p:spTree>
     <p:extLst>
       <p:ext uri="{BB962C8B-B14F-4D97-AF65-F5344CB8AC3E}">
-        <p14:creationId xmlns:p14="http://schemas.microsoft.com/office/powerpoint/2010/main" val="3355858789"/>
+        <p14:creationId xmlns:p14="http://schemas.microsoft.com/office/powerpoint/2010/main" val="559315430"/>
       </p:ext>
     </p:extLst>
   </p:cSld>
@@ -17143,7 +18489,7 @@
           <a:p>
             <a:r>
               <a:rPr lang="en-US" dirty="0" smtClean="0"/>
-              <a:t>TABLE XXXX</a:t>
+              <a:t>CODESHIP</a:t>
             </a:r>
             <a:endParaRPr lang="en-US" dirty="0"/>
           </a:p>
@@ -17151,7 +18497,7 @@
       </p:sp>
       <p:sp>
         <p:nvSpPr>
-          <p:cNvPr id="4" name="Date Placeholder 3"/>
+          <p:cNvPr id="3" name="Date Placeholder 2"/>
           <p:cNvSpPr>
             <a:spLocks noGrp="1"/>
           </p:cNvSpPr>
@@ -17174,7 +18520,7 @@
       </p:sp>
       <p:sp>
         <p:nvSpPr>
-          <p:cNvPr id="5" name="Footer Placeholder 4"/>
+          <p:cNvPr id="4" name="Footer Placeholder 3"/>
           <p:cNvSpPr>
             <a:spLocks noGrp="1"/>
           </p:cNvSpPr>
@@ -17197,7 +18543,7 @@
       </p:sp>
       <p:sp>
         <p:nvSpPr>
-          <p:cNvPr id="6" name="Slide Number Placeholder 5"/>
+          <p:cNvPr id="5" name="Slide Number Placeholder 4"/>
           <p:cNvSpPr>
             <a:spLocks noGrp="1"/>
           </p:cNvSpPr>
@@ -17218,465 +18564,29 @@
           </a:p>
         </p:txBody>
       </p:sp>
-      <p:graphicFrame>
-        <p:nvGraphicFramePr>
-          <p:cNvPr id="12" name="Table 11"/>
-          <p:cNvGraphicFramePr>
-            <a:graphicFrameLocks noGrp="1"/>
-          </p:cNvGraphicFramePr>
+      <p:sp>
+        <p:nvSpPr>
+          <p:cNvPr id="7" name="Content Placeholder 6"/>
+          <p:cNvSpPr>
+            <a:spLocks noGrp="1"/>
+          </p:cNvSpPr>
           <p:nvPr>
-            <p:extLst>
-              <p:ext uri="{D42A27DB-BD31-4B8C-83A1-F6EECF244321}">
-                <p14:modId xmlns:p14="http://schemas.microsoft.com/office/powerpoint/2010/main" val="1784724290"/>
-              </p:ext>
-            </p:extLst>
+            <p:ph idx="1"/>
           </p:nvPr>
-        </p:nvGraphicFramePr>
-        <p:xfrm>
-          <a:off x="2224540" y="2550759"/>
-          <a:ext cx="8128000" cy="2966720"/>
-        </p:xfrm>
-        <a:graphic>
-          <a:graphicData uri="http://schemas.openxmlformats.org/drawingml/2006/table">
-            <a:tbl>
-              <a:tblPr firstRow="1" bandRow="1">
-                <a:tableStyleId>{5C22544A-7EE6-4342-B048-85BDC9FD1C3A}</a:tableStyleId>
-              </a:tblPr>
-              <a:tblGrid>
-                <a:gridCol w="1625600"/>
-                <a:gridCol w="1625600"/>
-                <a:gridCol w="1625600"/>
-                <a:gridCol w="1625600"/>
-                <a:gridCol w="1625600"/>
-              </a:tblGrid>
-              <a:tr h="370840">
-                <a:tc>
-                  <a:txBody>
-                    <a:bodyPr/>
-                    <a:lstStyle/>
-                    <a:p>
-                      <a:r>
-                        <a:rPr lang="pt-PT" dirty="0" smtClean="0"/>
-                        <a:t>TOOL</a:t>
-                      </a:r>
-                      <a:endParaRPr lang="pt-PT" dirty="0"/>
-                    </a:p>
-                  </a:txBody>
-                  <a:tcPr/>
-                </a:tc>
-                <a:tc>
-                  <a:txBody>
-                    <a:bodyPr/>
-                    <a:lstStyle/>
-                    <a:p>
-                      <a:endParaRPr lang="pt-PT" dirty="0"/>
-                    </a:p>
-                  </a:txBody>
-                  <a:tcPr/>
-                </a:tc>
-                <a:tc>
-                  <a:txBody>
-                    <a:bodyPr/>
-                    <a:lstStyle/>
-                    <a:p>
-                      <a:endParaRPr lang="pt-PT"/>
-                    </a:p>
-                  </a:txBody>
-                  <a:tcPr/>
-                </a:tc>
-                <a:tc>
-                  <a:txBody>
-                    <a:bodyPr/>
-                    <a:lstStyle/>
-                    <a:p>
-                      <a:endParaRPr lang="pt-PT"/>
-                    </a:p>
-                  </a:txBody>
-                  <a:tcPr/>
-                </a:tc>
-                <a:tc>
-                  <a:txBody>
-                    <a:bodyPr/>
-                    <a:lstStyle/>
-                    <a:p>
-                      <a:endParaRPr lang="pt-PT"/>
-                    </a:p>
-                  </a:txBody>
-                  <a:tcPr/>
-                </a:tc>
-              </a:tr>
-              <a:tr h="370840">
-                <a:tc>
-                  <a:txBody>
-                    <a:bodyPr/>
-                    <a:lstStyle/>
-                    <a:p>
-                      <a:endParaRPr lang="pt-PT"/>
-                    </a:p>
-                  </a:txBody>
-                  <a:tcPr/>
-                </a:tc>
-                <a:tc>
-                  <a:txBody>
-                    <a:bodyPr/>
-                    <a:lstStyle/>
-                    <a:p>
-                      <a:endParaRPr lang="pt-PT"/>
-                    </a:p>
-                  </a:txBody>
-                  <a:tcPr/>
-                </a:tc>
-                <a:tc>
-                  <a:txBody>
-                    <a:bodyPr/>
-                    <a:lstStyle/>
-                    <a:p>
-                      <a:endParaRPr lang="pt-PT"/>
-                    </a:p>
-                  </a:txBody>
-                  <a:tcPr/>
-                </a:tc>
-                <a:tc>
-                  <a:txBody>
-                    <a:bodyPr/>
-                    <a:lstStyle/>
-                    <a:p>
-                      <a:endParaRPr lang="pt-PT"/>
-                    </a:p>
-                  </a:txBody>
-                  <a:tcPr/>
-                </a:tc>
-                <a:tc>
-                  <a:txBody>
-                    <a:bodyPr/>
-                    <a:lstStyle/>
-                    <a:p>
-                      <a:endParaRPr lang="pt-PT"/>
-                    </a:p>
-                  </a:txBody>
-                  <a:tcPr/>
-                </a:tc>
-              </a:tr>
-              <a:tr h="370840">
-                <a:tc>
-                  <a:txBody>
-                    <a:bodyPr/>
-                    <a:lstStyle/>
-                    <a:p>
-                      <a:endParaRPr lang="pt-PT"/>
-                    </a:p>
-                  </a:txBody>
-                  <a:tcPr/>
-                </a:tc>
-                <a:tc>
-                  <a:txBody>
-                    <a:bodyPr/>
-                    <a:lstStyle/>
-                    <a:p>
-                      <a:endParaRPr lang="pt-PT" dirty="0"/>
-                    </a:p>
-                  </a:txBody>
-                  <a:tcPr/>
-                </a:tc>
-                <a:tc>
-                  <a:txBody>
-                    <a:bodyPr/>
-                    <a:lstStyle/>
-                    <a:p>
-                      <a:endParaRPr lang="pt-PT" dirty="0"/>
-                    </a:p>
-                  </a:txBody>
-                  <a:tcPr/>
-                </a:tc>
-                <a:tc>
-                  <a:txBody>
-                    <a:bodyPr/>
-                    <a:lstStyle/>
-                    <a:p>
-                      <a:endParaRPr lang="pt-PT" dirty="0"/>
-                    </a:p>
-                  </a:txBody>
-                  <a:tcPr/>
-                </a:tc>
-                <a:tc>
-                  <a:txBody>
-                    <a:bodyPr/>
-                    <a:lstStyle/>
-                    <a:p>
-                      <a:endParaRPr lang="pt-PT" dirty="0"/>
-                    </a:p>
-                  </a:txBody>
-                  <a:tcPr/>
-                </a:tc>
-              </a:tr>
-              <a:tr h="370840">
-                <a:tc>
-                  <a:txBody>
-                    <a:bodyPr/>
-                    <a:lstStyle/>
-                    <a:p>
-                      <a:endParaRPr lang="pt-PT"/>
-                    </a:p>
-                  </a:txBody>
-                  <a:tcPr/>
-                </a:tc>
-                <a:tc>
-                  <a:txBody>
-                    <a:bodyPr/>
-                    <a:lstStyle/>
-                    <a:p>
-                      <a:endParaRPr lang="pt-PT"/>
-                    </a:p>
-                  </a:txBody>
-                  <a:tcPr/>
-                </a:tc>
-                <a:tc>
-                  <a:txBody>
-                    <a:bodyPr/>
-                    <a:lstStyle/>
-                    <a:p>
-                      <a:endParaRPr lang="pt-PT"/>
-                    </a:p>
-                  </a:txBody>
-                  <a:tcPr/>
-                </a:tc>
-                <a:tc>
-                  <a:txBody>
-                    <a:bodyPr/>
-                    <a:lstStyle/>
-                    <a:p>
-                      <a:endParaRPr lang="pt-PT"/>
-                    </a:p>
-                  </a:txBody>
-                  <a:tcPr/>
-                </a:tc>
-                <a:tc>
-                  <a:txBody>
-                    <a:bodyPr/>
-                    <a:lstStyle/>
-                    <a:p>
-                      <a:endParaRPr lang="pt-PT" dirty="0"/>
-                    </a:p>
-                  </a:txBody>
-                  <a:tcPr/>
-                </a:tc>
-              </a:tr>
-              <a:tr h="370840">
-                <a:tc>
-                  <a:txBody>
-                    <a:bodyPr/>
-                    <a:lstStyle/>
-                    <a:p>
-                      <a:endParaRPr lang="pt-PT"/>
-                    </a:p>
-                  </a:txBody>
-                  <a:tcPr/>
-                </a:tc>
-                <a:tc>
-                  <a:txBody>
-                    <a:bodyPr/>
-                    <a:lstStyle/>
-                    <a:p>
-                      <a:endParaRPr lang="pt-PT"/>
-                    </a:p>
-                  </a:txBody>
-                  <a:tcPr/>
-                </a:tc>
-                <a:tc>
-                  <a:txBody>
-                    <a:bodyPr/>
-                    <a:lstStyle/>
-                    <a:p>
-                      <a:endParaRPr lang="pt-PT"/>
-                    </a:p>
-                  </a:txBody>
-                  <a:tcPr/>
-                </a:tc>
-                <a:tc>
-                  <a:txBody>
-                    <a:bodyPr/>
-                    <a:lstStyle/>
-                    <a:p>
-                      <a:endParaRPr lang="pt-PT"/>
-                    </a:p>
-                  </a:txBody>
-                  <a:tcPr/>
-                </a:tc>
-                <a:tc>
-                  <a:txBody>
-                    <a:bodyPr/>
-                    <a:lstStyle/>
-                    <a:p>
-                      <a:endParaRPr lang="pt-PT" dirty="0"/>
-                    </a:p>
-                  </a:txBody>
-                  <a:tcPr/>
-                </a:tc>
-              </a:tr>
-              <a:tr h="370840">
-                <a:tc>
-                  <a:txBody>
-                    <a:bodyPr/>
-                    <a:lstStyle/>
-                    <a:p>
-                      <a:endParaRPr lang="pt-PT"/>
-                    </a:p>
-                  </a:txBody>
-                  <a:tcPr/>
-                </a:tc>
-                <a:tc>
-                  <a:txBody>
-                    <a:bodyPr/>
-                    <a:lstStyle/>
-                    <a:p>
-                      <a:endParaRPr lang="pt-PT"/>
-                    </a:p>
-                  </a:txBody>
-                  <a:tcPr/>
-                </a:tc>
-                <a:tc>
-                  <a:txBody>
-                    <a:bodyPr/>
-                    <a:lstStyle/>
-                    <a:p>
-                      <a:endParaRPr lang="pt-PT"/>
-                    </a:p>
-                  </a:txBody>
-                  <a:tcPr/>
-                </a:tc>
-                <a:tc>
-                  <a:txBody>
-                    <a:bodyPr/>
-                    <a:lstStyle/>
-                    <a:p>
-                      <a:endParaRPr lang="pt-PT" dirty="0"/>
-                    </a:p>
-                  </a:txBody>
-                  <a:tcPr/>
-                </a:tc>
-                <a:tc>
-                  <a:txBody>
-                    <a:bodyPr/>
-                    <a:lstStyle/>
-                    <a:p>
-                      <a:endParaRPr lang="pt-PT" dirty="0"/>
-                    </a:p>
-                  </a:txBody>
-                  <a:tcPr/>
-                </a:tc>
-              </a:tr>
-              <a:tr h="370840">
-                <a:tc>
-                  <a:txBody>
-                    <a:bodyPr/>
-                    <a:lstStyle/>
-                    <a:p>
-                      <a:endParaRPr lang="pt-PT"/>
-                    </a:p>
-                  </a:txBody>
-                  <a:tcPr/>
-                </a:tc>
-                <a:tc>
-                  <a:txBody>
-                    <a:bodyPr/>
-                    <a:lstStyle/>
-                    <a:p>
-                      <a:endParaRPr lang="pt-PT"/>
-                    </a:p>
-                  </a:txBody>
-                  <a:tcPr/>
-                </a:tc>
-                <a:tc>
-                  <a:txBody>
-                    <a:bodyPr/>
-                    <a:lstStyle/>
-                    <a:p>
-                      <a:endParaRPr lang="pt-PT"/>
-                    </a:p>
-                  </a:txBody>
-                  <a:tcPr/>
-                </a:tc>
-                <a:tc>
-                  <a:txBody>
-                    <a:bodyPr/>
-                    <a:lstStyle/>
-                    <a:p>
-                      <a:endParaRPr lang="pt-PT"/>
-                    </a:p>
-                  </a:txBody>
-                  <a:tcPr/>
-                </a:tc>
-                <a:tc>
-                  <a:txBody>
-                    <a:bodyPr/>
-                    <a:lstStyle/>
-                    <a:p>
-                      <a:endParaRPr lang="pt-PT" dirty="0"/>
-                    </a:p>
-                  </a:txBody>
-                  <a:tcPr/>
-                </a:tc>
-              </a:tr>
-              <a:tr h="370840">
-                <a:tc>
-                  <a:txBody>
-                    <a:bodyPr/>
-                    <a:lstStyle/>
-                    <a:p>
-                      <a:endParaRPr lang="pt-PT"/>
-                    </a:p>
-                  </a:txBody>
-                  <a:tcPr/>
-                </a:tc>
-                <a:tc>
-                  <a:txBody>
-                    <a:bodyPr/>
-                    <a:lstStyle/>
-                    <a:p>
-                      <a:endParaRPr lang="pt-PT" dirty="0"/>
-                    </a:p>
-                  </a:txBody>
-                  <a:tcPr/>
-                </a:tc>
-                <a:tc>
-                  <a:txBody>
-                    <a:bodyPr/>
-                    <a:lstStyle/>
-                    <a:p>
-                      <a:endParaRPr lang="pt-PT"/>
-                    </a:p>
-                  </a:txBody>
-                  <a:tcPr/>
-                </a:tc>
-                <a:tc>
-                  <a:txBody>
-                    <a:bodyPr/>
-                    <a:lstStyle/>
-                    <a:p>
-                      <a:endParaRPr lang="pt-PT" dirty="0"/>
-                    </a:p>
-                  </a:txBody>
-                  <a:tcPr/>
-                </a:tc>
-                <a:tc>
-                  <a:txBody>
-                    <a:bodyPr/>
-                    <a:lstStyle/>
-                    <a:p>
-                      <a:endParaRPr lang="pt-PT" dirty="0"/>
-                    </a:p>
-                  </a:txBody>
-                  <a:tcPr/>
-                </a:tc>
-              </a:tr>
-            </a:tbl>
-          </a:graphicData>
-        </a:graphic>
-      </p:graphicFrame>
+        </p:nvSpPr>
+        <p:spPr/>
+        <p:txBody>
+          <a:bodyPr/>
+          <a:lstStyle/>
+          <a:p>
+            <a:endParaRPr lang="pt-PT"/>
+          </a:p>
+        </p:txBody>
+      </p:sp>
     </p:spTree>
     <p:extLst>
       <p:ext uri="{BB962C8B-B14F-4D97-AF65-F5344CB8AC3E}">
-        <p14:creationId xmlns:p14="http://schemas.microsoft.com/office/powerpoint/2010/main" val="3676793758"/>
+        <p14:creationId xmlns:p14="http://schemas.microsoft.com/office/powerpoint/2010/main" val="3355858789"/>
       </p:ext>
     </p:extLst>
   </p:cSld>

--- a/CI_TEAMC.pptx
+++ b/CI_TEAMC.pptx
@@ -5,10 +5,10 @@
     <p:sldMasterId id="2147483855" r:id="rId1"/>
   </p:sldMasterIdLst>
   <p:notesMasterIdLst>
-    <p:notesMasterId r:id="rId13"/>
+    <p:notesMasterId r:id="rId16"/>
   </p:notesMasterIdLst>
   <p:handoutMasterIdLst>
-    <p:handoutMasterId r:id="rId14"/>
+    <p:handoutMasterId r:id="rId17"/>
   </p:handoutMasterIdLst>
   <p:sldIdLst>
     <p:sldId id="265" r:id="rId2"/>
@@ -17,11 +17,14 @@
     <p:sldId id="290" r:id="rId5"/>
     <p:sldId id="291" r:id="rId6"/>
     <p:sldId id="297" r:id="rId7"/>
-    <p:sldId id="292" r:id="rId8"/>
-    <p:sldId id="276" r:id="rId9"/>
-    <p:sldId id="296" r:id="rId10"/>
-    <p:sldId id="294" r:id="rId11"/>
-    <p:sldId id="295" r:id="rId12"/>
+    <p:sldId id="301" r:id="rId8"/>
+    <p:sldId id="302" r:id="rId9"/>
+    <p:sldId id="298" r:id="rId10"/>
+    <p:sldId id="299" r:id="rId11"/>
+    <p:sldId id="300" r:id="rId12"/>
+    <p:sldId id="296" r:id="rId13"/>
+    <p:sldId id="294" r:id="rId14"/>
+    <p:sldId id="295" r:id="rId15"/>
   </p:sldIdLst>
   <p:sldSz cx="12192000" cy="6858000"/>
   <p:notesSz cx="6858000" cy="9144000"/>
@@ -165,6 +168,4983 @@
 </p:cmAuthorLst>
 </file>
 
+<file path=ppt/diagrams/colors1.xml><?xml version="1.0" encoding="utf-8"?>
+<dgm:colorsDef xmlns:dgm="http://schemas.openxmlformats.org/drawingml/2006/diagram" xmlns:a="http://schemas.openxmlformats.org/drawingml/2006/main" uniqueId="urn:microsoft.com/office/officeart/2005/8/colors/accent1_2">
+  <dgm:title val=""/>
+  <dgm:desc val=""/>
+  <dgm:catLst>
+    <dgm:cat type="accent1" pri="11200"/>
+  </dgm:catLst>
+  <dgm:styleLbl name="node0">
+    <dgm:fillClrLst meth="repeat">
+      <a:schemeClr val="accent1"/>
+    </dgm:fillClrLst>
+    <dgm:linClrLst meth="repeat">
+      <a:schemeClr val="lt1"/>
+    </dgm:linClrLst>
+    <dgm:effectClrLst/>
+    <dgm:txLinClrLst/>
+    <dgm:txFillClrLst/>
+    <dgm:txEffectClrLst/>
+  </dgm:styleLbl>
+  <dgm:styleLbl name="alignNode1">
+    <dgm:fillClrLst meth="repeat">
+      <a:schemeClr val="accent1"/>
+    </dgm:fillClrLst>
+    <dgm:linClrLst meth="repeat">
+      <a:schemeClr val="accent1"/>
+    </dgm:linClrLst>
+    <dgm:effectClrLst/>
+    <dgm:txLinClrLst/>
+    <dgm:txFillClrLst/>
+    <dgm:txEffectClrLst/>
+  </dgm:styleLbl>
+  <dgm:styleLbl name="node1">
+    <dgm:fillClrLst meth="repeat">
+      <a:schemeClr val="accent1"/>
+    </dgm:fillClrLst>
+    <dgm:linClrLst meth="repeat">
+      <a:schemeClr val="lt1"/>
+    </dgm:linClrLst>
+    <dgm:effectClrLst/>
+    <dgm:txLinClrLst/>
+    <dgm:txFillClrLst/>
+    <dgm:txEffectClrLst/>
+  </dgm:styleLbl>
+  <dgm:styleLbl name="lnNode1">
+    <dgm:fillClrLst meth="repeat">
+      <a:schemeClr val="accent1"/>
+    </dgm:fillClrLst>
+    <dgm:linClrLst meth="repeat">
+      <a:schemeClr val="lt1"/>
+    </dgm:linClrLst>
+    <dgm:effectClrLst/>
+    <dgm:txLinClrLst/>
+    <dgm:txFillClrLst/>
+    <dgm:txEffectClrLst/>
+  </dgm:styleLbl>
+  <dgm:styleLbl name="vennNode1">
+    <dgm:fillClrLst meth="repeat">
+      <a:schemeClr val="accent1">
+        <a:alpha val="50000"/>
+      </a:schemeClr>
+    </dgm:fillClrLst>
+    <dgm:linClrLst meth="repeat">
+      <a:schemeClr val="lt1"/>
+    </dgm:linClrLst>
+    <dgm:effectClrLst/>
+    <dgm:txLinClrLst/>
+    <dgm:txFillClrLst/>
+    <dgm:txEffectClrLst/>
+  </dgm:styleLbl>
+  <dgm:styleLbl name="node2">
+    <dgm:fillClrLst meth="repeat">
+      <a:schemeClr val="accent1"/>
+    </dgm:fillClrLst>
+    <dgm:linClrLst meth="repeat">
+      <a:schemeClr val="lt1"/>
+    </dgm:linClrLst>
+    <dgm:effectClrLst/>
+    <dgm:txLinClrLst/>
+    <dgm:txFillClrLst/>
+    <dgm:txEffectClrLst/>
+  </dgm:styleLbl>
+  <dgm:styleLbl name="node3">
+    <dgm:fillClrLst meth="repeat">
+      <a:schemeClr val="accent1"/>
+    </dgm:fillClrLst>
+    <dgm:linClrLst meth="repeat">
+      <a:schemeClr val="lt1"/>
+    </dgm:linClrLst>
+    <dgm:effectClrLst/>
+    <dgm:txLinClrLst/>
+    <dgm:txFillClrLst/>
+    <dgm:txEffectClrLst/>
+  </dgm:styleLbl>
+  <dgm:styleLbl name="node4">
+    <dgm:fillClrLst meth="repeat">
+      <a:schemeClr val="accent1"/>
+    </dgm:fillClrLst>
+    <dgm:linClrLst meth="repeat">
+      <a:schemeClr val="lt1"/>
+    </dgm:linClrLst>
+    <dgm:effectClrLst/>
+    <dgm:txLinClrLst/>
+    <dgm:txFillClrLst/>
+    <dgm:txEffectClrLst/>
+  </dgm:styleLbl>
+  <dgm:styleLbl name="fgImgPlace1">
+    <dgm:fillClrLst meth="repeat">
+      <a:schemeClr val="accent1">
+        <a:tint val="50000"/>
+      </a:schemeClr>
+    </dgm:fillClrLst>
+    <dgm:linClrLst meth="repeat">
+      <a:schemeClr val="lt1"/>
+    </dgm:linClrLst>
+    <dgm:effectClrLst/>
+    <dgm:txLinClrLst/>
+    <dgm:txFillClrLst meth="repeat">
+      <a:schemeClr val="lt1"/>
+    </dgm:txFillClrLst>
+    <dgm:txEffectClrLst/>
+  </dgm:styleLbl>
+  <dgm:styleLbl name="alignImgPlace1">
+    <dgm:fillClrLst meth="repeat">
+      <a:schemeClr val="accent1">
+        <a:tint val="50000"/>
+      </a:schemeClr>
+    </dgm:fillClrLst>
+    <dgm:linClrLst meth="repeat">
+      <a:schemeClr val="lt1"/>
+    </dgm:linClrLst>
+    <dgm:effectClrLst/>
+    <dgm:txLinClrLst/>
+    <dgm:txFillClrLst meth="repeat">
+      <a:schemeClr val="lt1"/>
+    </dgm:txFillClrLst>
+    <dgm:txEffectClrLst/>
+  </dgm:styleLbl>
+  <dgm:styleLbl name="bgImgPlace1">
+    <dgm:fillClrLst meth="repeat">
+      <a:schemeClr val="accent1">
+        <a:tint val="50000"/>
+      </a:schemeClr>
+    </dgm:fillClrLst>
+    <dgm:linClrLst meth="repeat">
+      <a:schemeClr val="lt1"/>
+    </dgm:linClrLst>
+    <dgm:effectClrLst/>
+    <dgm:txLinClrLst/>
+    <dgm:txFillClrLst meth="repeat">
+      <a:schemeClr val="lt1"/>
+    </dgm:txFillClrLst>
+    <dgm:txEffectClrLst/>
+  </dgm:styleLbl>
+  <dgm:styleLbl name="sibTrans2D1">
+    <dgm:fillClrLst meth="repeat">
+      <a:schemeClr val="accent1">
+        <a:tint val="60000"/>
+      </a:schemeClr>
+    </dgm:fillClrLst>
+    <dgm:linClrLst meth="repeat">
+      <a:schemeClr val="accent1">
+        <a:tint val="60000"/>
+      </a:schemeClr>
+    </dgm:linClrLst>
+    <dgm:effectClrLst/>
+    <dgm:txLinClrLst/>
+    <dgm:txFillClrLst/>
+    <dgm:txEffectClrLst/>
+  </dgm:styleLbl>
+  <dgm:styleLbl name="fgSibTrans2D1">
+    <dgm:fillClrLst meth="repeat">
+      <a:schemeClr val="accent1">
+        <a:tint val="60000"/>
+      </a:schemeClr>
+    </dgm:fillClrLst>
+    <dgm:linClrLst meth="repeat">
+      <a:schemeClr val="accent1">
+        <a:tint val="60000"/>
+      </a:schemeClr>
+    </dgm:linClrLst>
+    <dgm:effectClrLst/>
+    <dgm:txLinClrLst/>
+    <dgm:txFillClrLst/>
+    <dgm:txEffectClrLst/>
+  </dgm:styleLbl>
+  <dgm:styleLbl name="bgSibTrans2D1">
+    <dgm:fillClrLst meth="repeat">
+      <a:schemeClr val="accent1">
+        <a:tint val="60000"/>
+      </a:schemeClr>
+    </dgm:fillClrLst>
+    <dgm:linClrLst meth="repeat">
+      <a:schemeClr val="accent1">
+        <a:tint val="60000"/>
+      </a:schemeClr>
+    </dgm:linClrLst>
+    <dgm:effectClrLst/>
+    <dgm:txLinClrLst/>
+    <dgm:txFillClrLst/>
+    <dgm:txEffectClrLst/>
+  </dgm:styleLbl>
+  <dgm:styleLbl name="sibTrans1D1">
+    <dgm:fillClrLst meth="repeat">
+      <a:schemeClr val="accent1"/>
+    </dgm:fillClrLst>
+    <dgm:linClrLst meth="repeat">
+      <a:schemeClr val="accent1"/>
+    </dgm:linClrLst>
+    <dgm:effectClrLst/>
+    <dgm:txLinClrLst/>
+    <dgm:txFillClrLst meth="repeat">
+      <a:schemeClr val="tx1"/>
+    </dgm:txFillClrLst>
+    <dgm:txEffectClrLst/>
+  </dgm:styleLbl>
+  <dgm:styleLbl name="callout">
+    <dgm:fillClrLst meth="repeat">
+      <a:schemeClr val="accent1"/>
+    </dgm:fillClrLst>
+    <dgm:linClrLst meth="repeat">
+      <a:schemeClr val="accent1">
+        <a:tint val="50000"/>
+      </a:schemeClr>
+    </dgm:linClrLst>
+    <dgm:effectClrLst/>
+    <dgm:txLinClrLst/>
+    <dgm:txFillClrLst meth="repeat">
+      <a:schemeClr val="tx1"/>
+    </dgm:txFillClrLst>
+    <dgm:txEffectClrLst/>
+  </dgm:styleLbl>
+  <dgm:styleLbl name="asst0">
+    <dgm:fillClrLst meth="repeat">
+      <a:schemeClr val="accent1"/>
+    </dgm:fillClrLst>
+    <dgm:linClrLst meth="repeat">
+      <a:schemeClr val="lt1"/>
+    </dgm:linClrLst>
+    <dgm:effectClrLst/>
+    <dgm:txLinClrLst/>
+    <dgm:txFillClrLst/>
+    <dgm:txEffectClrLst/>
+  </dgm:styleLbl>
+  <dgm:styleLbl name="asst1">
+    <dgm:fillClrLst meth="repeat">
+      <a:schemeClr val="accent1"/>
+    </dgm:fillClrLst>
+    <dgm:linClrLst meth="repeat">
+      <a:schemeClr val="lt1"/>
+    </dgm:linClrLst>
+    <dgm:effectClrLst/>
+    <dgm:txLinClrLst/>
+    <dgm:txFillClrLst/>
+    <dgm:txEffectClrLst/>
+  </dgm:styleLbl>
+  <dgm:styleLbl name="asst2">
+    <dgm:fillClrLst meth="repeat">
+      <a:schemeClr val="accent1"/>
+    </dgm:fillClrLst>
+    <dgm:linClrLst meth="repeat">
+      <a:schemeClr val="lt1"/>
+    </dgm:linClrLst>
+    <dgm:effectClrLst/>
+    <dgm:txLinClrLst/>
+    <dgm:txFillClrLst/>
+    <dgm:txEffectClrLst/>
+  </dgm:styleLbl>
+  <dgm:styleLbl name="asst3">
+    <dgm:fillClrLst meth="repeat">
+      <a:schemeClr val="accent1"/>
+    </dgm:fillClrLst>
+    <dgm:linClrLst meth="repeat">
+      <a:schemeClr val="lt1"/>
+    </dgm:linClrLst>
+    <dgm:effectClrLst/>
+    <dgm:txLinClrLst/>
+    <dgm:txFillClrLst/>
+    <dgm:txEffectClrLst/>
+  </dgm:styleLbl>
+  <dgm:styleLbl name="asst4">
+    <dgm:fillClrLst meth="repeat">
+      <a:schemeClr val="accent1"/>
+    </dgm:fillClrLst>
+    <dgm:linClrLst meth="repeat">
+      <a:schemeClr val="lt1"/>
+    </dgm:linClrLst>
+    <dgm:effectClrLst/>
+    <dgm:txLinClrLst/>
+    <dgm:txFillClrLst/>
+    <dgm:txEffectClrLst/>
+  </dgm:styleLbl>
+  <dgm:styleLbl name="parChTrans2D1">
+    <dgm:fillClrLst meth="repeat">
+      <a:schemeClr val="accent1">
+        <a:tint val="60000"/>
+      </a:schemeClr>
+    </dgm:fillClrLst>
+    <dgm:linClrLst meth="repeat">
+      <a:schemeClr val="accent1">
+        <a:tint val="60000"/>
+      </a:schemeClr>
+    </dgm:linClrLst>
+    <dgm:effectClrLst/>
+    <dgm:txLinClrLst/>
+    <dgm:txFillClrLst meth="repeat">
+      <a:schemeClr val="lt1"/>
+    </dgm:txFillClrLst>
+    <dgm:txEffectClrLst/>
+  </dgm:styleLbl>
+  <dgm:styleLbl name="parChTrans2D2">
+    <dgm:fillClrLst meth="repeat">
+      <a:schemeClr val="accent1"/>
+    </dgm:fillClrLst>
+    <dgm:linClrLst meth="repeat">
+      <a:schemeClr val="accent1"/>
+    </dgm:linClrLst>
+    <dgm:effectClrLst/>
+    <dgm:txLinClrLst/>
+    <dgm:txFillClrLst meth="repeat">
+      <a:schemeClr val="lt1"/>
+    </dgm:txFillClrLst>
+    <dgm:txEffectClrLst/>
+  </dgm:styleLbl>
+  <dgm:styleLbl name="parChTrans2D3">
+    <dgm:fillClrLst meth="repeat">
+      <a:schemeClr val="accent1"/>
+    </dgm:fillClrLst>
+    <dgm:linClrLst meth="repeat">
+      <a:schemeClr val="accent1"/>
+    </dgm:linClrLst>
+    <dgm:effectClrLst/>
+    <dgm:txLinClrLst/>
+    <dgm:txFillClrLst meth="repeat">
+      <a:schemeClr val="lt1"/>
+    </dgm:txFillClrLst>
+    <dgm:txEffectClrLst/>
+  </dgm:styleLbl>
+  <dgm:styleLbl name="parChTrans2D4">
+    <dgm:fillClrLst meth="repeat">
+      <a:schemeClr val="accent1"/>
+    </dgm:fillClrLst>
+    <dgm:linClrLst meth="repeat">
+      <a:schemeClr val="accent1"/>
+    </dgm:linClrLst>
+    <dgm:effectClrLst/>
+    <dgm:txLinClrLst/>
+    <dgm:txFillClrLst meth="repeat">
+      <a:schemeClr val="lt1"/>
+    </dgm:txFillClrLst>
+    <dgm:txEffectClrLst/>
+  </dgm:styleLbl>
+  <dgm:styleLbl name="parChTrans1D1">
+    <dgm:fillClrLst meth="repeat">
+      <a:schemeClr val="accent1"/>
+    </dgm:fillClrLst>
+    <dgm:linClrLst meth="repeat">
+      <a:schemeClr val="accent1">
+        <a:shade val="60000"/>
+      </a:schemeClr>
+    </dgm:linClrLst>
+    <dgm:effectClrLst/>
+    <dgm:txLinClrLst/>
+    <dgm:txFillClrLst meth="repeat">
+      <a:schemeClr val="tx1"/>
+    </dgm:txFillClrLst>
+    <dgm:txEffectClrLst/>
+  </dgm:styleLbl>
+  <dgm:styleLbl name="parChTrans1D2">
+    <dgm:fillClrLst meth="repeat">
+      <a:schemeClr val="accent1"/>
+    </dgm:fillClrLst>
+    <dgm:linClrLst meth="repeat">
+      <a:schemeClr val="accent1">
+        <a:shade val="60000"/>
+      </a:schemeClr>
+    </dgm:linClrLst>
+    <dgm:effectClrLst/>
+    <dgm:txLinClrLst/>
+    <dgm:txFillClrLst meth="repeat">
+      <a:schemeClr val="tx1"/>
+    </dgm:txFillClrLst>
+    <dgm:txEffectClrLst/>
+  </dgm:styleLbl>
+  <dgm:styleLbl name="parChTrans1D3">
+    <dgm:fillClrLst meth="repeat">
+      <a:schemeClr val="accent1"/>
+    </dgm:fillClrLst>
+    <dgm:linClrLst meth="repeat">
+      <a:schemeClr val="accent1">
+        <a:shade val="80000"/>
+      </a:schemeClr>
+    </dgm:linClrLst>
+    <dgm:effectClrLst/>
+    <dgm:txLinClrLst/>
+    <dgm:txFillClrLst meth="repeat">
+      <a:schemeClr val="tx1"/>
+    </dgm:txFillClrLst>
+    <dgm:txEffectClrLst/>
+  </dgm:styleLbl>
+  <dgm:styleLbl name="parChTrans1D4">
+    <dgm:fillClrLst meth="repeat">
+      <a:schemeClr val="accent1"/>
+    </dgm:fillClrLst>
+    <dgm:linClrLst meth="repeat">
+      <a:schemeClr val="accent1">
+        <a:shade val="80000"/>
+      </a:schemeClr>
+    </dgm:linClrLst>
+    <dgm:effectClrLst/>
+    <dgm:txLinClrLst/>
+    <dgm:txFillClrLst meth="repeat">
+      <a:schemeClr val="tx1"/>
+    </dgm:txFillClrLst>
+    <dgm:txEffectClrLst/>
+  </dgm:styleLbl>
+  <dgm:styleLbl name="fgAcc1">
+    <dgm:fillClrLst meth="repeat">
+      <a:schemeClr val="lt1">
+        <a:alpha val="90000"/>
+      </a:schemeClr>
+    </dgm:fillClrLst>
+    <dgm:linClrLst meth="repeat">
+      <a:schemeClr val="accent1"/>
+    </dgm:linClrLst>
+    <dgm:effectClrLst/>
+    <dgm:txLinClrLst/>
+    <dgm:txFillClrLst meth="repeat">
+      <a:schemeClr val="dk1"/>
+    </dgm:txFillClrLst>
+    <dgm:txEffectClrLst/>
+  </dgm:styleLbl>
+  <dgm:styleLbl name="conFgAcc1">
+    <dgm:fillClrLst meth="repeat">
+      <a:schemeClr val="lt1">
+        <a:alpha val="90000"/>
+      </a:schemeClr>
+    </dgm:fillClrLst>
+    <dgm:linClrLst meth="repeat">
+      <a:schemeClr val="accent1"/>
+    </dgm:linClrLst>
+    <dgm:effectClrLst/>
+    <dgm:txLinClrLst/>
+    <dgm:txFillClrLst meth="repeat">
+      <a:schemeClr val="dk1"/>
+    </dgm:txFillClrLst>
+    <dgm:txEffectClrLst/>
+  </dgm:styleLbl>
+  <dgm:styleLbl name="alignAcc1">
+    <dgm:fillClrLst meth="repeat">
+      <a:schemeClr val="lt1">
+        <a:alpha val="90000"/>
+      </a:schemeClr>
+    </dgm:fillClrLst>
+    <dgm:linClrLst meth="repeat">
+      <a:schemeClr val="accent1"/>
+    </dgm:linClrLst>
+    <dgm:effectClrLst/>
+    <dgm:txLinClrLst/>
+    <dgm:txFillClrLst meth="repeat">
+      <a:schemeClr val="dk1"/>
+    </dgm:txFillClrLst>
+    <dgm:txEffectClrLst/>
+  </dgm:styleLbl>
+  <dgm:styleLbl name="trAlignAcc1">
+    <dgm:fillClrLst meth="repeat">
+      <a:schemeClr val="lt1">
+        <a:alpha val="40000"/>
+      </a:schemeClr>
+    </dgm:fillClrLst>
+    <dgm:linClrLst meth="repeat">
+      <a:schemeClr val="accent1"/>
+    </dgm:linClrLst>
+    <dgm:effectClrLst/>
+    <dgm:txLinClrLst/>
+    <dgm:txFillClrLst meth="repeat">
+      <a:schemeClr val="dk1"/>
+    </dgm:txFillClrLst>
+    <dgm:txEffectClrLst/>
+  </dgm:styleLbl>
+  <dgm:styleLbl name="bgAcc1">
+    <dgm:fillClrLst meth="repeat">
+      <a:schemeClr val="lt1">
+        <a:alpha val="90000"/>
+      </a:schemeClr>
+    </dgm:fillClrLst>
+    <dgm:linClrLst meth="repeat">
+      <a:schemeClr val="accent1"/>
+    </dgm:linClrLst>
+    <dgm:effectClrLst/>
+    <dgm:txLinClrLst/>
+    <dgm:txFillClrLst meth="repeat">
+      <a:schemeClr val="dk1"/>
+    </dgm:txFillClrLst>
+    <dgm:txEffectClrLst/>
+  </dgm:styleLbl>
+  <dgm:styleLbl name="solidFgAcc1">
+    <dgm:fillClrLst meth="repeat">
+      <a:schemeClr val="lt1"/>
+    </dgm:fillClrLst>
+    <dgm:linClrLst meth="repeat">
+      <a:schemeClr val="accent1"/>
+    </dgm:linClrLst>
+    <dgm:effectClrLst/>
+    <dgm:txLinClrLst/>
+    <dgm:txFillClrLst meth="repeat">
+      <a:schemeClr val="dk1"/>
+    </dgm:txFillClrLst>
+    <dgm:txEffectClrLst/>
+  </dgm:styleLbl>
+  <dgm:styleLbl name="solidAlignAcc1">
+    <dgm:fillClrLst meth="repeat">
+      <a:schemeClr val="lt1"/>
+    </dgm:fillClrLst>
+    <dgm:linClrLst meth="repeat">
+      <a:schemeClr val="accent1"/>
+    </dgm:linClrLst>
+    <dgm:effectClrLst/>
+    <dgm:txLinClrLst/>
+    <dgm:txFillClrLst meth="repeat">
+      <a:schemeClr val="dk1"/>
+    </dgm:txFillClrLst>
+    <dgm:txEffectClrLst/>
+  </dgm:styleLbl>
+  <dgm:styleLbl name="solidBgAcc1">
+    <dgm:fillClrLst meth="repeat">
+      <a:schemeClr val="lt1"/>
+    </dgm:fillClrLst>
+    <dgm:linClrLst meth="repeat">
+      <a:schemeClr val="accent1"/>
+    </dgm:linClrLst>
+    <dgm:effectClrLst/>
+    <dgm:txLinClrLst/>
+    <dgm:txFillClrLst meth="repeat">
+      <a:schemeClr val="dk1"/>
+    </dgm:txFillClrLst>
+    <dgm:txEffectClrLst/>
+  </dgm:styleLbl>
+  <dgm:styleLbl name="fgAccFollowNode1">
+    <dgm:fillClrLst meth="repeat">
+      <a:schemeClr val="accent1">
+        <a:alpha val="90000"/>
+        <a:tint val="40000"/>
+      </a:schemeClr>
+    </dgm:fillClrLst>
+    <dgm:linClrLst meth="repeat">
+      <a:schemeClr val="accent1">
+        <a:alpha val="90000"/>
+        <a:tint val="40000"/>
+      </a:schemeClr>
+    </dgm:linClrLst>
+    <dgm:effectClrLst/>
+    <dgm:txLinClrLst/>
+    <dgm:txFillClrLst meth="repeat">
+      <a:schemeClr val="dk1"/>
+    </dgm:txFillClrLst>
+    <dgm:txEffectClrLst/>
+  </dgm:styleLbl>
+  <dgm:styleLbl name="alignAccFollowNode1">
+    <dgm:fillClrLst meth="repeat">
+      <a:schemeClr val="accent1">
+        <a:alpha val="90000"/>
+        <a:tint val="40000"/>
+      </a:schemeClr>
+    </dgm:fillClrLst>
+    <dgm:linClrLst meth="repeat">
+      <a:schemeClr val="accent1">
+        <a:alpha val="90000"/>
+        <a:tint val="40000"/>
+      </a:schemeClr>
+    </dgm:linClrLst>
+    <dgm:effectClrLst/>
+    <dgm:txLinClrLst/>
+    <dgm:txFillClrLst meth="repeat">
+      <a:schemeClr val="dk1"/>
+    </dgm:txFillClrLst>
+    <dgm:txEffectClrLst/>
+  </dgm:styleLbl>
+  <dgm:styleLbl name="bgAccFollowNode1">
+    <dgm:fillClrLst meth="repeat">
+      <a:schemeClr val="accent1">
+        <a:alpha val="90000"/>
+        <a:tint val="40000"/>
+      </a:schemeClr>
+    </dgm:fillClrLst>
+    <dgm:linClrLst meth="repeat">
+      <a:schemeClr val="accent1">
+        <a:alpha val="90000"/>
+        <a:tint val="40000"/>
+      </a:schemeClr>
+    </dgm:linClrLst>
+    <dgm:effectClrLst/>
+    <dgm:txLinClrLst/>
+    <dgm:txFillClrLst meth="repeat">
+      <a:schemeClr val="dk1"/>
+    </dgm:txFillClrLst>
+    <dgm:txEffectClrLst/>
+  </dgm:styleLbl>
+  <dgm:styleLbl name="fgAcc0">
+    <dgm:fillClrLst meth="repeat">
+      <a:schemeClr val="lt1">
+        <a:alpha val="90000"/>
+      </a:schemeClr>
+    </dgm:fillClrLst>
+    <dgm:linClrLst meth="repeat">
+      <a:schemeClr val="accent1"/>
+    </dgm:linClrLst>
+    <dgm:effectClrLst/>
+    <dgm:txLinClrLst/>
+    <dgm:txFillClrLst meth="repeat">
+      <a:schemeClr val="dk1"/>
+    </dgm:txFillClrLst>
+    <dgm:txEffectClrLst/>
+  </dgm:styleLbl>
+  <dgm:styleLbl name="fgAcc2">
+    <dgm:fillClrLst meth="repeat">
+      <a:schemeClr val="lt1">
+        <a:alpha val="90000"/>
+      </a:schemeClr>
+    </dgm:fillClrLst>
+    <dgm:linClrLst meth="repeat">
+      <a:schemeClr val="accent1"/>
+    </dgm:linClrLst>
+    <dgm:effectClrLst/>
+    <dgm:txLinClrLst/>
+    <dgm:txFillClrLst meth="repeat">
+      <a:schemeClr val="dk1"/>
+    </dgm:txFillClrLst>
+    <dgm:txEffectClrLst/>
+  </dgm:styleLbl>
+  <dgm:styleLbl name="fgAcc3">
+    <dgm:fillClrLst meth="repeat">
+      <a:schemeClr val="lt1">
+        <a:alpha val="90000"/>
+      </a:schemeClr>
+    </dgm:fillClrLst>
+    <dgm:linClrLst meth="repeat">
+      <a:schemeClr val="accent1"/>
+    </dgm:linClrLst>
+    <dgm:effectClrLst/>
+    <dgm:txLinClrLst/>
+    <dgm:txFillClrLst meth="repeat">
+      <a:schemeClr val="dk1"/>
+    </dgm:txFillClrLst>
+    <dgm:txEffectClrLst/>
+  </dgm:styleLbl>
+  <dgm:styleLbl name="fgAcc4">
+    <dgm:fillClrLst meth="repeat">
+      <a:schemeClr val="lt1">
+        <a:alpha val="90000"/>
+      </a:schemeClr>
+    </dgm:fillClrLst>
+    <dgm:linClrLst meth="repeat">
+      <a:schemeClr val="accent1"/>
+    </dgm:linClrLst>
+    <dgm:effectClrLst/>
+    <dgm:txLinClrLst/>
+    <dgm:txFillClrLst meth="repeat">
+      <a:schemeClr val="dk1"/>
+    </dgm:txFillClrLst>
+    <dgm:txEffectClrLst/>
+  </dgm:styleLbl>
+  <dgm:styleLbl name="bgShp">
+    <dgm:fillClrLst meth="repeat">
+      <a:schemeClr val="accent1">
+        <a:tint val="40000"/>
+      </a:schemeClr>
+    </dgm:fillClrLst>
+    <dgm:linClrLst meth="repeat">
+      <a:schemeClr val="accent1"/>
+    </dgm:linClrLst>
+    <dgm:effectClrLst/>
+    <dgm:txLinClrLst/>
+    <dgm:txFillClrLst meth="repeat">
+      <a:schemeClr val="dk1"/>
+    </dgm:txFillClrLst>
+    <dgm:txEffectClrLst/>
+  </dgm:styleLbl>
+  <dgm:styleLbl name="dkBgShp">
+    <dgm:fillClrLst meth="repeat">
+      <a:schemeClr val="accent1">
+        <a:shade val="80000"/>
+      </a:schemeClr>
+    </dgm:fillClrLst>
+    <dgm:linClrLst meth="repeat">
+      <a:schemeClr val="accent1"/>
+    </dgm:linClrLst>
+    <dgm:effectClrLst/>
+    <dgm:txLinClrLst/>
+    <dgm:txFillClrLst meth="repeat">
+      <a:schemeClr val="lt1"/>
+    </dgm:txFillClrLst>
+    <dgm:txEffectClrLst/>
+  </dgm:styleLbl>
+  <dgm:styleLbl name="trBgShp">
+    <dgm:fillClrLst meth="repeat">
+      <a:schemeClr val="accent1">
+        <a:tint val="50000"/>
+        <a:alpha val="40000"/>
+      </a:schemeClr>
+    </dgm:fillClrLst>
+    <dgm:linClrLst meth="repeat">
+      <a:schemeClr val="accent1"/>
+    </dgm:linClrLst>
+    <dgm:effectClrLst/>
+    <dgm:txLinClrLst/>
+    <dgm:txFillClrLst meth="repeat">
+      <a:schemeClr val="lt1"/>
+    </dgm:txFillClrLst>
+    <dgm:txEffectClrLst/>
+  </dgm:styleLbl>
+  <dgm:styleLbl name="fgShp">
+    <dgm:fillClrLst meth="repeat">
+      <a:schemeClr val="accent1">
+        <a:tint val="60000"/>
+      </a:schemeClr>
+    </dgm:fillClrLst>
+    <dgm:linClrLst meth="repeat">
+      <a:schemeClr val="lt1"/>
+    </dgm:linClrLst>
+    <dgm:effectClrLst/>
+    <dgm:txLinClrLst/>
+    <dgm:txFillClrLst meth="repeat">
+      <a:schemeClr val="dk1"/>
+    </dgm:txFillClrLst>
+    <dgm:txEffectClrLst/>
+  </dgm:styleLbl>
+  <dgm:styleLbl name="revTx">
+    <dgm:fillClrLst meth="repeat">
+      <a:schemeClr val="lt1">
+        <a:alpha val="0"/>
+      </a:schemeClr>
+    </dgm:fillClrLst>
+    <dgm:linClrLst meth="repeat">
+      <a:schemeClr val="dk1">
+        <a:alpha val="0"/>
+      </a:schemeClr>
+    </dgm:linClrLst>
+    <dgm:effectClrLst/>
+    <dgm:txLinClrLst/>
+    <dgm:txFillClrLst meth="repeat">
+      <a:schemeClr val="tx1"/>
+    </dgm:txFillClrLst>
+    <dgm:txEffectClrLst/>
+  </dgm:styleLbl>
+</dgm:colorsDef>
+</file>
+
+<file path=ppt/diagrams/data1.xml><?xml version="1.0" encoding="utf-8"?>
+<dgm:dataModel xmlns:dgm="http://schemas.openxmlformats.org/drawingml/2006/diagram" xmlns:a="http://schemas.openxmlformats.org/drawingml/2006/main">
+  <dgm:ptLst>
+    <dgm:pt modelId="{2532EC49-0FBE-4774-B31A-BBBB468170F7}" type="doc">
+      <dgm:prSet loTypeId="urn:microsoft.com/office/officeart/2005/8/layout/hierarchy3" loCatId="hierarchy" qsTypeId="urn:microsoft.com/office/officeart/2005/8/quickstyle/simple4" qsCatId="simple" csTypeId="urn:microsoft.com/office/officeart/2005/8/colors/accent1_2" csCatId="accent1" phldr="1"/>
+      <dgm:spPr/>
+      <dgm:t>
+        <a:bodyPr/>
+        <a:lstStyle/>
+        <a:p>
+          <a:endParaRPr lang="pt-PT"/>
+        </a:p>
+      </dgm:t>
+    </dgm:pt>
+    <dgm:pt modelId="{D23EB86A-71BB-4A40-A569-8B77FDBE02FA}">
+      <dgm:prSet phldrT="[Text]"/>
+      <dgm:spPr/>
+      <dgm:t>
+        <a:bodyPr/>
+        <a:lstStyle/>
+        <a:p>
+          <a:r>
+            <a:rPr lang="pt-PT" dirty="0" smtClean="0"/>
+            <a:t>Pros</a:t>
+          </a:r>
+          <a:endParaRPr lang="pt-PT" dirty="0"/>
+        </a:p>
+      </dgm:t>
+    </dgm:pt>
+    <dgm:pt modelId="{6D067A31-E2BD-456C-9D7E-4D8644E3311A}" type="parTrans" cxnId="{5ECC07F0-D5CC-4968-A0C6-9C1D48CA3C36}">
+      <dgm:prSet/>
+      <dgm:spPr/>
+      <dgm:t>
+        <a:bodyPr/>
+        <a:lstStyle/>
+        <a:p>
+          <a:endParaRPr lang="pt-PT"/>
+        </a:p>
+      </dgm:t>
+    </dgm:pt>
+    <dgm:pt modelId="{D4EEEF3F-A295-43A8-97BA-8D293266F8CC}" type="sibTrans" cxnId="{5ECC07F0-D5CC-4968-A0C6-9C1D48CA3C36}">
+      <dgm:prSet/>
+      <dgm:spPr/>
+      <dgm:t>
+        <a:bodyPr/>
+        <a:lstStyle/>
+        <a:p>
+          <a:endParaRPr lang="pt-PT"/>
+        </a:p>
+      </dgm:t>
+    </dgm:pt>
+    <dgm:pt modelId="{E37FFE57-7D3E-4712-B6FD-24123D60E026}">
+      <dgm:prSet phldrT="[Text]" custT="1"/>
+      <dgm:spPr/>
+      <dgm:t>
+        <a:bodyPr/>
+        <a:lstStyle/>
+        <a:p>
+          <a:r>
+            <a:rPr lang="pt-PT" sz="800" dirty="0" smtClean="0"/>
+            <a:t>Efficient</a:t>
+          </a:r>
+          <a:endParaRPr lang="pt-PT" sz="700" dirty="0"/>
+        </a:p>
+      </dgm:t>
+    </dgm:pt>
+    <dgm:pt modelId="{1D5B013C-3814-4DBA-A114-793515C3A175}" type="parTrans" cxnId="{C700B7A0-B850-465C-92CF-40C1B3CB7820}">
+      <dgm:prSet/>
+      <dgm:spPr/>
+      <dgm:t>
+        <a:bodyPr/>
+        <a:lstStyle/>
+        <a:p>
+          <a:endParaRPr lang="pt-PT"/>
+        </a:p>
+      </dgm:t>
+    </dgm:pt>
+    <dgm:pt modelId="{58BF5B3D-7E93-45F1-9609-42AD7A3F58C9}" type="sibTrans" cxnId="{C700B7A0-B850-465C-92CF-40C1B3CB7820}">
+      <dgm:prSet/>
+      <dgm:spPr/>
+      <dgm:t>
+        <a:bodyPr/>
+        <a:lstStyle/>
+        <a:p>
+          <a:endParaRPr lang="pt-PT"/>
+        </a:p>
+      </dgm:t>
+    </dgm:pt>
+    <dgm:pt modelId="{C1E12F4A-6EB8-4EF1-9A2E-60BEBFA81592}">
+      <dgm:prSet phldrT="[Text]" custT="1"/>
+      <dgm:spPr/>
+      <dgm:t>
+        <a:bodyPr/>
+        <a:lstStyle/>
+        <a:p>
+          <a:r>
+            <a:rPr lang="pt-PT" sz="700" dirty="0" smtClean="0"/>
+            <a:t>Automatic Build for each commit</a:t>
+          </a:r>
+          <a:endParaRPr lang="pt-PT" sz="700" dirty="0"/>
+        </a:p>
+      </dgm:t>
+    </dgm:pt>
+    <dgm:pt modelId="{3839A656-D98B-47E9-A658-DF73304CEB18}" type="parTrans" cxnId="{C1C2960F-E59B-4440-A2DC-E6C8222CBDEE}">
+      <dgm:prSet/>
+      <dgm:spPr/>
+      <dgm:t>
+        <a:bodyPr/>
+        <a:lstStyle/>
+        <a:p>
+          <a:endParaRPr lang="pt-PT"/>
+        </a:p>
+      </dgm:t>
+    </dgm:pt>
+    <dgm:pt modelId="{22D1E09B-DC05-4745-B8F2-30FA2BC8B359}" type="sibTrans" cxnId="{C1C2960F-E59B-4440-A2DC-E6C8222CBDEE}">
+      <dgm:prSet/>
+      <dgm:spPr/>
+      <dgm:t>
+        <a:bodyPr/>
+        <a:lstStyle/>
+        <a:p>
+          <a:endParaRPr lang="pt-PT"/>
+        </a:p>
+      </dgm:t>
+    </dgm:pt>
+    <dgm:pt modelId="{B66C6E76-A77D-4BAE-A190-E7C7B99630D5}">
+      <dgm:prSet phldrT="[Text]"/>
+      <dgm:spPr/>
+      <dgm:t>
+        <a:bodyPr/>
+        <a:lstStyle/>
+        <a:p>
+          <a:r>
+            <a:rPr lang="pt-PT" dirty="0" smtClean="0"/>
+            <a:t>Cons</a:t>
+          </a:r>
+          <a:endParaRPr lang="pt-PT" dirty="0"/>
+        </a:p>
+      </dgm:t>
+    </dgm:pt>
+    <dgm:pt modelId="{B563D8E4-CC74-46B1-AD2F-0A19BF88D530}" type="parTrans" cxnId="{DE2D8074-B02B-4163-ABB6-4E5E83ACBA7D}">
+      <dgm:prSet/>
+      <dgm:spPr/>
+      <dgm:t>
+        <a:bodyPr/>
+        <a:lstStyle/>
+        <a:p>
+          <a:endParaRPr lang="pt-PT"/>
+        </a:p>
+      </dgm:t>
+    </dgm:pt>
+    <dgm:pt modelId="{3A1A347E-7FA0-4BF5-BF25-0A9BF0BDF025}" type="sibTrans" cxnId="{DE2D8074-B02B-4163-ABB6-4E5E83ACBA7D}">
+      <dgm:prSet/>
+      <dgm:spPr/>
+      <dgm:t>
+        <a:bodyPr/>
+        <a:lstStyle/>
+        <a:p>
+          <a:endParaRPr lang="pt-PT"/>
+        </a:p>
+      </dgm:t>
+    </dgm:pt>
+    <dgm:pt modelId="{49F53E7A-EFE3-49C9-BF91-10D4091DFF4B}">
+      <dgm:prSet phldrT="[Text]" custT="1"/>
+      <dgm:spPr/>
+      <dgm:t>
+        <a:bodyPr/>
+        <a:lstStyle/>
+        <a:p>
+          <a:r>
+            <a:rPr lang="pt-PT" sz="700" dirty="0" smtClean="0"/>
+            <a:t>Too simplistic apresentation</a:t>
+          </a:r>
+          <a:endParaRPr lang="pt-PT" sz="700" dirty="0"/>
+        </a:p>
+      </dgm:t>
+    </dgm:pt>
+    <dgm:pt modelId="{7B27C1B8-5A68-42C8-A979-98E005722E76}" type="parTrans" cxnId="{8212B852-43EB-4FCB-93B4-34B834DF133D}">
+      <dgm:prSet/>
+      <dgm:spPr/>
+      <dgm:t>
+        <a:bodyPr/>
+        <a:lstStyle/>
+        <a:p>
+          <a:endParaRPr lang="pt-PT"/>
+        </a:p>
+      </dgm:t>
+    </dgm:pt>
+    <dgm:pt modelId="{A06AD473-1F5F-4C00-8E2A-03122FCC05B6}" type="sibTrans" cxnId="{8212B852-43EB-4FCB-93B4-34B834DF133D}">
+      <dgm:prSet/>
+      <dgm:spPr/>
+      <dgm:t>
+        <a:bodyPr/>
+        <a:lstStyle/>
+        <a:p>
+          <a:endParaRPr lang="pt-PT"/>
+        </a:p>
+      </dgm:t>
+    </dgm:pt>
+    <dgm:pt modelId="{26EAFC01-7D93-44D6-B927-7C773411E24C}">
+      <dgm:prSet phldrT="[Text]" custT="1"/>
+      <dgm:spPr/>
+      <dgm:t>
+        <a:bodyPr/>
+        <a:lstStyle/>
+        <a:p>
+          <a:r>
+            <a:rPr lang="pt-PT" sz="700" dirty="0" smtClean="0"/>
+            <a:t>Icons not very clear</a:t>
+          </a:r>
+          <a:endParaRPr lang="pt-PT" sz="700" dirty="0"/>
+        </a:p>
+      </dgm:t>
+    </dgm:pt>
+    <dgm:pt modelId="{8BD967C0-A55D-48F9-95B1-733E8F50B17C}" type="parTrans" cxnId="{C93775F6-F432-4330-8A6D-42759A0EB22C}">
+      <dgm:prSet/>
+      <dgm:spPr/>
+      <dgm:t>
+        <a:bodyPr/>
+        <a:lstStyle/>
+        <a:p>
+          <a:endParaRPr lang="pt-PT"/>
+        </a:p>
+      </dgm:t>
+    </dgm:pt>
+    <dgm:pt modelId="{DDE37BE1-2D8B-4961-ACB4-7512244992A5}" type="sibTrans" cxnId="{C93775F6-F432-4330-8A6D-42759A0EB22C}">
+      <dgm:prSet/>
+      <dgm:spPr/>
+      <dgm:t>
+        <a:bodyPr/>
+        <a:lstStyle/>
+        <a:p>
+          <a:endParaRPr lang="pt-PT"/>
+        </a:p>
+      </dgm:t>
+    </dgm:pt>
+    <dgm:pt modelId="{548E3DBA-F067-4E78-8538-35AFB2F1818B}">
+      <dgm:prSet phldrT="[Text]" custT="1"/>
+      <dgm:spPr/>
+      <dgm:t>
+        <a:bodyPr/>
+        <a:lstStyle/>
+        <a:p>
+          <a:r>
+            <a:rPr lang="pt-PT" sz="700" dirty="0" smtClean="0"/>
+            <a:t>A static code verfication can also be done</a:t>
+          </a:r>
+          <a:endParaRPr lang="pt-PT" sz="700" dirty="0"/>
+        </a:p>
+      </dgm:t>
+    </dgm:pt>
+    <dgm:pt modelId="{27188142-555D-4CE0-8FCC-5EF4E1AE4524}" type="parTrans" cxnId="{9BEBC980-A36E-4C4A-A8DA-4CB6EEA808A1}">
+      <dgm:prSet/>
+      <dgm:spPr/>
+      <dgm:t>
+        <a:bodyPr/>
+        <a:lstStyle/>
+        <a:p>
+          <a:endParaRPr lang="pt-PT"/>
+        </a:p>
+      </dgm:t>
+    </dgm:pt>
+    <dgm:pt modelId="{8FD1163F-C701-4469-B412-1D17C50819E9}" type="sibTrans" cxnId="{9BEBC980-A36E-4C4A-A8DA-4CB6EEA808A1}">
+      <dgm:prSet/>
+      <dgm:spPr/>
+      <dgm:t>
+        <a:bodyPr/>
+        <a:lstStyle/>
+        <a:p>
+          <a:endParaRPr lang="pt-PT"/>
+        </a:p>
+      </dgm:t>
+    </dgm:pt>
+    <dgm:pt modelId="{E4BAB214-F282-46A9-895A-D9BD0E84DB3F}">
+      <dgm:prSet phldrT="[Text]" custT="1"/>
+      <dgm:spPr/>
+      <dgm:t>
+        <a:bodyPr/>
+        <a:lstStyle/>
+        <a:p>
+          <a:r>
+            <a:rPr lang="pt-PT" sz="700" dirty="0" smtClean="0"/>
+            <a:t>Can be “overwhelming”</a:t>
+          </a:r>
+          <a:endParaRPr lang="pt-PT" sz="700" dirty="0"/>
+        </a:p>
+      </dgm:t>
+    </dgm:pt>
+    <dgm:pt modelId="{1317B38D-2A30-4107-9F27-1500BCF7FC6F}" type="parTrans" cxnId="{77917A58-C306-4CDB-9728-8CABB9E90F23}">
+      <dgm:prSet/>
+      <dgm:spPr/>
+      <dgm:t>
+        <a:bodyPr/>
+        <a:lstStyle/>
+        <a:p>
+          <a:endParaRPr lang="pt-PT"/>
+        </a:p>
+      </dgm:t>
+    </dgm:pt>
+    <dgm:pt modelId="{DE121C5A-11BE-40E6-8198-0350C8D6F7E3}" type="sibTrans" cxnId="{77917A58-C306-4CDB-9728-8CABB9E90F23}">
+      <dgm:prSet/>
+      <dgm:spPr/>
+      <dgm:t>
+        <a:bodyPr/>
+        <a:lstStyle/>
+        <a:p>
+          <a:endParaRPr lang="pt-PT"/>
+        </a:p>
+      </dgm:t>
+    </dgm:pt>
+    <dgm:pt modelId="{EE83A711-B233-4784-8790-B3D0B5AA4273}">
+      <dgm:prSet phldrT="[Text]" custT="1"/>
+      <dgm:spPr/>
+      <dgm:t>
+        <a:bodyPr/>
+        <a:lstStyle/>
+        <a:p>
+          <a:r>
+            <a:rPr lang="pt-PT" sz="700" dirty="0" smtClean="0"/>
+            <a:t>Open Source</a:t>
+          </a:r>
+          <a:endParaRPr lang="pt-PT" sz="700" dirty="0"/>
+        </a:p>
+      </dgm:t>
+    </dgm:pt>
+    <dgm:pt modelId="{37769943-29F6-4B68-A449-5DEE7577C941}" type="parTrans" cxnId="{76A55E50-AF99-47A3-9455-AAFCB2256592}">
+      <dgm:prSet/>
+      <dgm:spPr/>
+      <dgm:t>
+        <a:bodyPr/>
+        <a:lstStyle/>
+        <a:p>
+          <a:endParaRPr lang="pt-PT"/>
+        </a:p>
+      </dgm:t>
+    </dgm:pt>
+    <dgm:pt modelId="{A43C7F0B-AC09-44C4-A7DC-DA92D0A575C5}" type="sibTrans" cxnId="{76A55E50-AF99-47A3-9455-AAFCB2256592}">
+      <dgm:prSet/>
+      <dgm:spPr/>
+      <dgm:t>
+        <a:bodyPr/>
+        <a:lstStyle/>
+        <a:p>
+          <a:endParaRPr lang="pt-PT"/>
+        </a:p>
+      </dgm:t>
+    </dgm:pt>
+    <dgm:pt modelId="{6D187876-D73A-4DA0-8A96-0B77CF7C51D8}">
+      <dgm:prSet phldrT="[Text]" custT="1"/>
+      <dgm:spPr/>
+      <dgm:t>
+        <a:bodyPr/>
+        <a:lstStyle/>
+        <a:p>
+          <a:r>
+            <a:rPr lang="pt-PT" sz="700" dirty="0" smtClean="0"/>
+            <a:t>Some plugins require complicated configurations</a:t>
+          </a:r>
+          <a:endParaRPr lang="pt-PT" sz="700" dirty="0"/>
+        </a:p>
+      </dgm:t>
+    </dgm:pt>
+    <dgm:pt modelId="{E37E2F2F-CD39-482B-9878-0ED5657CF008}" type="parTrans" cxnId="{63DAAF5A-D4FF-4C0A-9DE7-FE4E42A34343}">
+      <dgm:prSet/>
+      <dgm:spPr/>
+      <dgm:t>
+        <a:bodyPr/>
+        <a:lstStyle/>
+        <a:p>
+          <a:endParaRPr lang="pt-PT"/>
+        </a:p>
+      </dgm:t>
+    </dgm:pt>
+    <dgm:pt modelId="{EE27B221-B777-430B-861D-692C62998E99}" type="sibTrans" cxnId="{63DAAF5A-D4FF-4C0A-9DE7-FE4E42A34343}">
+      <dgm:prSet/>
+      <dgm:spPr/>
+      <dgm:t>
+        <a:bodyPr/>
+        <a:lstStyle/>
+        <a:p>
+          <a:endParaRPr lang="pt-PT"/>
+        </a:p>
+      </dgm:t>
+    </dgm:pt>
+    <dgm:pt modelId="{2B7155C7-BEBA-47E6-A611-578103620110}">
+      <dgm:prSet phldrT="[Text]" custT="1"/>
+      <dgm:spPr/>
+      <dgm:t>
+        <a:bodyPr/>
+        <a:lstStyle/>
+        <a:p>
+          <a:r>
+            <a:rPr lang="pt-PT" sz="700" dirty="0" smtClean="0"/>
+            <a:t>Constant conscient if build is “broken”</a:t>
+          </a:r>
+          <a:endParaRPr lang="pt-PT" sz="700" dirty="0"/>
+        </a:p>
+      </dgm:t>
+    </dgm:pt>
+    <dgm:pt modelId="{3F425AB1-C509-4C12-835D-8FB48463C56E}" type="parTrans" cxnId="{0DAEDA3B-FE33-4B1C-9C27-E2E206218952}">
+      <dgm:prSet/>
+      <dgm:spPr/>
+      <dgm:t>
+        <a:bodyPr/>
+        <a:lstStyle/>
+        <a:p>
+          <a:endParaRPr lang="pt-PT"/>
+        </a:p>
+      </dgm:t>
+    </dgm:pt>
+    <dgm:pt modelId="{838E31E3-BBA0-4DFD-8508-33E3D64F2DF2}" type="sibTrans" cxnId="{0DAEDA3B-FE33-4B1C-9C27-E2E206218952}">
+      <dgm:prSet/>
+      <dgm:spPr/>
+      <dgm:t>
+        <a:bodyPr/>
+        <a:lstStyle/>
+        <a:p>
+          <a:endParaRPr lang="pt-PT"/>
+        </a:p>
+      </dgm:t>
+    </dgm:pt>
+    <dgm:pt modelId="{95D8C2BB-FFF3-4F61-8445-6BF1251A0DDC}">
+      <dgm:prSet phldrT="[Text]" custT="1"/>
+      <dgm:spPr/>
+      <dgm:t>
+        <a:bodyPr/>
+        <a:lstStyle/>
+        <a:p>
+          <a:r>
+            <a:rPr lang="pt-PT" sz="700" dirty="0" smtClean="0"/>
+            <a:t>Constant effort for maintaince</a:t>
+          </a:r>
+          <a:endParaRPr lang="pt-PT" sz="700" dirty="0"/>
+        </a:p>
+      </dgm:t>
+    </dgm:pt>
+    <dgm:pt modelId="{391C7100-F7CB-404F-9784-D4A0A18ED1F2}" type="parTrans" cxnId="{4E9237CA-E46C-41CD-95BD-742F8950EEB9}">
+      <dgm:prSet/>
+      <dgm:spPr/>
+      <dgm:t>
+        <a:bodyPr/>
+        <a:lstStyle/>
+        <a:p>
+          <a:endParaRPr lang="pt-PT"/>
+        </a:p>
+      </dgm:t>
+    </dgm:pt>
+    <dgm:pt modelId="{18C0857F-72C1-4B18-89F2-5D3B4F04A762}" type="sibTrans" cxnId="{4E9237CA-E46C-41CD-95BD-742F8950EEB9}">
+      <dgm:prSet/>
+      <dgm:spPr/>
+      <dgm:t>
+        <a:bodyPr/>
+        <a:lstStyle/>
+        <a:p>
+          <a:endParaRPr lang="pt-PT"/>
+        </a:p>
+      </dgm:t>
+    </dgm:pt>
+    <dgm:pt modelId="{52572F2B-AAE6-4BE9-9BBD-CB4C6B7CD675}">
+      <dgm:prSet phldrT="[Text]" custT="1"/>
+      <dgm:spPr/>
+      <dgm:t>
+        <a:bodyPr/>
+        <a:lstStyle/>
+        <a:p>
+          <a:r>
+            <a:rPr lang="pt-PT" sz="700" dirty="0" smtClean="0"/>
+            <a:t>Possibility to do “nightly builds” – good to big projects</a:t>
+          </a:r>
+          <a:endParaRPr lang="pt-PT" sz="700" dirty="0"/>
+        </a:p>
+      </dgm:t>
+    </dgm:pt>
+    <dgm:pt modelId="{D28794C1-D31F-40DE-AE24-412233A7CACB}" type="parTrans" cxnId="{36B9DA8C-A689-4553-832D-61EB7B85622D}">
+      <dgm:prSet/>
+      <dgm:spPr/>
+      <dgm:t>
+        <a:bodyPr/>
+        <a:lstStyle/>
+        <a:p>
+          <a:endParaRPr lang="pt-PT"/>
+        </a:p>
+      </dgm:t>
+    </dgm:pt>
+    <dgm:pt modelId="{77A8EC62-DEC3-4292-ABC8-A6168E4C97F0}" type="sibTrans" cxnId="{36B9DA8C-A689-4553-832D-61EB7B85622D}">
+      <dgm:prSet/>
+      <dgm:spPr/>
+      <dgm:t>
+        <a:bodyPr/>
+        <a:lstStyle/>
+        <a:p>
+          <a:endParaRPr lang="pt-PT"/>
+        </a:p>
+      </dgm:t>
+    </dgm:pt>
+    <dgm:pt modelId="{D29747DE-81BE-44CC-ADFA-D349E8B24264}">
+      <dgm:prSet phldrT="[Text]" custT="1"/>
+      <dgm:spPr/>
+      <dgm:t>
+        <a:bodyPr/>
+        <a:lstStyle/>
+        <a:p>
+          <a:r>
+            <a:rPr lang="pt-PT" sz="700" smtClean="0"/>
+            <a:t>Several </a:t>
+          </a:r>
+          <a:r>
+            <a:rPr lang="pt-PT" sz="700" dirty="0" smtClean="0"/>
+            <a:t>plugins</a:t>
+          </a:r>
+          <a:endParaRPr lang="pt-PT" sz="700" dirty="0"/>
+        </a:p>
+      </dgm:t>
+    </dgm:pt>
+    <dgm:pt modelId="{DA8DF7CA-1898-479A-AB8B-30F622A20386}" type="parTrans" cxnId="{9C9BE23E-6612-44C5-9CFE-9CC7832BF2A5}">
+      <dgm:prSet/>
+      <dgm:spPr/>
+      <dgm:t>
+        <a:bodyPr/>
+        <a:lstStyle/>
+        <a:p>
+          <a:endParaRPr lang="pt-PT"/>
+        </a:p>
+      </dgm:t>
+    </dgm:pt>
+    <dgm:pt modelId="{F71EDA71-5AF9-41DC-841C-C32CB38CA494}" type="sibTrans" cxnId="{9C9BE23E-6612-44C5-9CFE-9CC7832BF2A5}">
+      <dgm:prSet/>
+      <dgm:spPr/>
+      <dgm:t>
+        <a:bodyPr/>
+        <a:lstStyle/>
+        <a:p>
+          <a:endParaRPr lang="pt-PT"/>
+        </a:p>
+      </dgm:t>
+    </dgm:pt>
+    <dgm:pt modelId="{EFA38823-71A3-47C6-B0F4-1CB6C01186B4}">
+      <dgm:prSet phldrT="[Text]" custT="1"/>
+      <dgm:spPr/>
+      <dgm:t>
+        <a:bodyPr/>
+        <a:lstStyle/>
+        <a:p>
+          <a:r>
+            <a:rPr lang="pt-PT" sz="700" dirty="0" smtClean="0"/>
+            <a:t>Setup time</a:t>
+          </a:r>
+          <a:endParaRPr lang="pt-PT" sz="700" dirty="0"/>
+        </a:p>
+      </dgm:t>
+    </dgm:pt>
+    <dgm:pt modelId="{6D2CB1FD-153F-413A-9094-97A8C82D1A59}" type="parTrans" cxnId="{C63FD1B0-EEE3-4366-A02B-3EBF816D33FA}">
+      <dgm:prSet/>
+      <dgm:spPr/>
+      <dgm:t>
+        <a:bodyPr/>
+        <a:lstStyle/>
+        <a:p>
+          <a:endParaRPr lang="pt-PT"/>
+        </a:p>
+      </dgm:t>
+    </dgm:pt>
+    <dgm:pt modelId="{F36243A3-0694-4470-B3FF-00EC19796C92}" type="sibTrans" cxnId="{C63FD1B0-EEE3-4366-A02B-3EBF816D33FA}">
+      <dgm:prSet/>
+      <dgm:spPr/>
+      <dgm:t>
+        <a:bodyPr/>
+        <a:lstStyle/>
+        <a:p>
+          <a:endParaRPr lang="pt-PT"/>
+        </a:p>
+      </dgm:t>
+    </dgm:pt>
+    <dgm:pt modelId="{630F3D18-F2FD-492C-B34C-7F4ABA982010}" type="pres">
+      <dgm:prSet presAssocID="{2532EC49-0FBE-4774-B31A-BBBB468170F7}" presName="diagram" presStyleCnt="0">
+        <dgm:presLayoutVars>
+          <dgm:chPref val="1"/>
+          <dgm:dir/>
+          <dgm:animOne val="branch"/>
+          <dgm:animLvl val="lvl"/>
+          <dgm:resizeHandles/>
+        </dgm:presLayoutVars>
+      </dgm:prSet>
+      <dgm:spPr/>
+    </dgm:pt>
+    <dgm:pt modelId="{95A8F5A5-B508-4717-9764-313C12304A7F}" type="pres">
+      <dgm:prSet presAssocID="{D23EB86A-71BB-4A40-A569-8B77FDBE02FA}" presName="root" presStyleCnt="0"/>
+      <dgm:spPr/>
+    </dgm:pt>
+    <dgm:pt modelId="{98AA41C0-3CF6-433B-B897-F1DC4F31436D}" type="pres">
+      <dgm:prSet presAssocID="{D23EB86A-71BB-4A40-A569-8B77FDBE02FA}" presName="rootComposite" presStyleCnt="0"/>
+      <dgm:spPr/>
+    </dgm:pt>
+    <dgm:pt modelId="{72B13844-B30E-425B-9C7A-1663396A215A}" type="pres">
+      <dgm:prSet presAssocID="{D23EB86A-71BB-4A40-A569-8B77FDBE02FA}" presName="rootText" presStyleLbl="node1" presStyleIdx="0" presStyleCnt="2" custScaleX="133100" custScaleY="133100"/>
+      <dgm:spPr/>
+      <dgm:t>
+        <a:bodyPr/>
+        <a:lstStyle/>
+        <a:p>
+          <a:endParaRPr lang="pt-PT"/>
+        </a:p>
+      </dgm:t>
+    </dgm:pt>
+    <dgm:pt modelId="{A75A51E0-87EF-40A0-961A-12248580B45C}" type="pres">
+      <dgm:prSet presAssocID="{D23EB86A-71BB-4A40-A569-8B77FDBE02FA}" presName="rootConnector" presStyleLbl="node1" presStyleIdx="0" presStyleCnt="2"/>
+      <dgm:spPr/>
+    </dgm:pt>
+    <dgm:pt modelId="{1B77CE49-E1AC-4350-AE31-A44BBBD23FA4}" type="pres">
+      <dgm:prSet presAssocID="{D23EB86A-71BB-4A40-A569-8B77FDBE02FA}" presName="childShape" presStyleCnt="0"/>
+      <dgm:spPr/>
+    </dgm:pt>
+    <dgm:pt modelId="{36E41940-D6AE-4B61-9614-578943ADDEBE}" type="pres">
+      <dgm:prSet presAssocID="{1D5B013C-3814-4DBA-A114-793515C3A175}" presName="Name13" presStyleLbl="parChTrans1D2" presStyleIdx="0" presStyleCnt="13"/>
+      <dgm:spPr/>
+    </dgm:pt>
+    <dgm:pt modelId="{62B5FB75-42A9-43BC-8FD2-7AB5067B12F7}" type="pres">
+      <dgm:prSet presAssocID="{E37FFE57-7D3E-4712-B6FD-24123D60E026}" presName="childText" presStyleLbl="bgAcc1" presStyleIdx="0" presStyleCnt="13" custScaleX="121000" custScaleY="121000">
+        <dgm:presLayoutVars>
+          <dgm:bulletEnabled val="1"/>
+        </dgm:presLayoutVars>
+      </dgm:prSet>
+      <dgm:spPr/>
+    </dgm:pt>
+    <dgm:pt modelId="{E91EC1B8-A184-48D1-9A69-E934B5C7B28A}" type="pres">
+      <dgm:prSet presAssocID="{3839A656-D98B-47E9-A658-DF73304CEB18}" presName="Name13" presStyleLbl="parChTrans1D2" presStyleIdx="1" presStyleCnt="13"/>
+      <dgm:spPr/>
+    </dgm:pt>
+    <dgm:pt modelId="{4BFBAF82-2A9D-4DC1-A988-0880718FA259}" type="pres">
+      <dgm:prSet presAssocID="{C1E12F4A-6EB8-4EF1-9A2E-60BEBFA81592}" presName="childText" presStyleLbl="bgAcc1" presStyleIdx="1" presStyleCnt="13" custScaleX="121000" custScaleY="121000">
+        <dgm:presLayoutVars>
+          <dgm:bulletEnabled val="1"/>
+        </dgm:presLayoutVars>
+      </dgm:prSet>
+      <dgm:spPr/>
+    </dgm:pt>
+    <dgm:pt modelId="{6CF04F40-20BC-4EE2-A8E0-91CE9C5F4FA8}" type="pres">
+      <dgm:prSet presAssocID="{37769943-29F6-4B68-A449-5DEE7577C941}" presName="Name13" presStyleLbl="parChTrans1D2" presStyleIdx="2" presStyleCnt="13"/>
+      <dgm:spPr/>
+    </dgm:pt>
+    <dgm:pt modelId="{7E81931F-3C81-4DB3-82D5-109D76282892}" type="pres">
+      <dgm:prSet presAssocID="{EE83A711-B233-4784-8790-B3D0B5AA4273}" presName="childText" presStyleLbl="bgAcc1" presStyleIdx="2" presStyleCnt="13" custScaleX="121000" custScaleY="121000">
+        <dgm:presLayoutVars>
+          <dgm:bulletEnabled val="1"/>
+        </dgm:presLayoutVars>
+      </dgm:prSet>
+      <dgm:spPr/>
+    </dgm:pt>
+    <dgm:pt modelId="{59F0254C-AFAD-4E3D-A8F7-6171D1D72BE5}" type="pres">
+      <dgm:prSet presAssocID="{DA8DF7CA-1898-479A-AB8B-30F622A20386}" presName="Name13" presStyleLbl="parChTrans1D2" presStyleIdx="3" presStyleCnt="13"/>
+      <dgm:spPr/>
+    </dgm:pt>
+    <dgm:pt modelId="{8C1715B6-BA7B-438E-97EB-8AEC5ECBF87A}" type="pres">
+      <dgm:prSet presAssocID="{D29747DE-81BE-44CC-ADFA-D349E8B24264}" presName="childText" presStyleLbl="bgAcc1" presStyleIdx="3" presStyleCnt="13" custScaleX="121000" custScaleY="121000">
+        <dgm:presLayoutVars>
+          <dgm:bulletEnabled val="1"/>
+        </dgm:presLayoutVars>
+      </dgm:prSet>
+      <dgm:spPr/>
+    </dgm:pt>
+    <dgm:pt modelId="{B128F964-9EE8-46FF-B519-C8284E2BB040}" type="pres">
+      <dgm:prSet presAssocID="{3F425AB1-C509-4C12-835D-8FB48463C56E}" presName="Name13" presStyleLbl="parChTrans1D2" presStyleIdx="4" presStyleCnt="13"/>
+      <dgm:spPr/>
+    </dgm:pt>
+    <dgm:pt modelId="{3548ED33-673B-47FB-8DF9-F219CFA710BC}" type="pres">
+      <dgm:prSet presAssocID="{2B7155C7-BEBA-47E6-A611-578103620110}" presName="childText" presStyleLbl="bgAcc1" presStyleIdx="4" presStyleCnt="13" custScaleX="121000" custScaleY="121000">
+        <dgm:presLayoutVars>
+          <dgm:bulletEnabled val="1"/>
+        </dgm:presLayoutVars>
+      </dgm:prSet>
+      <dgm:spPr/>
+      <dgm:t>
+        <a:bodyPr/>
+        <a:lstStyle/>
+        <a:p>
+          <a:endParaRPr lang="pt-PT"/>
+        </a:p>
+      </dgm:t>
+    </dgm:pt>
+    <dgm:pt modelId="{4A64C365-06C2-46B7-B947-59EF5BE39B6D}" type="pres">
+      <dgm:prSet presAssocID="{27188142-555D-4CE0-8FCC-5EF4E1AE4524}" presName="Name13" presStyleLbl="parChTrans1D2" presStyleIdx="5" presStyleCnt="13"/>
+      <dgm:spPr/>
+    </dgm:pt>
+    <dgm:pt modelId="{831964B1-E01A-4C78-9158-C8D63428B7DA}" type="pres">
+      <dgm:prSet presAssocID="{548E3DBA-F067-4E78-8538-35AFB2F1818B}" presName="childText" presStyleLbl="bgAcc1" presStyleIdx="5" presStyleCnt="13" custScaleX="121000" custScaleY="121000">
+        <dgm:presLayoutVars>
+          <dgm:bulletEnabled val="1"/>
+        </dgm:presLayoutVars>
+      </dgm:prSet>
+      <dgm:spPr/>
+      <dgm:t>
+        <a:bodyPr/>
+        <a:lstStyle/>
+        <a:p>
+          <a:endParaRPr lang="pt-PT"/>
+        </a:p>
+      </dgm:t>
+    </dgm:pt>
+    <dgm:pt modelId="{CC93376A-112F-470C-A92E-6B9C4768A381}" type="pres">
+      <dgm:prSet presAssocID="{D28794C1-D31F-40DE-AE24-412233A7CACB}" presName="Name13" presStyleLbl="parChTrans1D2" presStyleIdx="6" presStyleCnt="13"/>
+      <dgm:spPr/>
+    </dgm:pt>
+    <dgm:pt modelId="{A5E6D460-1049-4DD1-B5F1-BB5A03E46C6F}" type="pres">
+      <dgm:prSet presAssocID="{52572F2B-AAE6-4BE9-9BBD-CB4C6B7CD675}" presName="childText" presStyleLbl="bgAcc1" presStyleIdx="6" presStyleCnt="13" custScaleX="121000" custScaleY="121000">
+        <dgm:presLayoutVars>
+          <dgm:bulletEnabled val="1"/>
+        </dgm:presLayoutVars>
+      </dgm:prSet>
+      <dgm:spPr/>
+    </dgm:pt>
+    <dgm:pt modelId="{F9B07FBF-7938-4CD1-92ED-F072654300E9}" type="pres">
+      <dgm:prSet presAssocID="{B66C6E76-A77D-4BAE-A190-E7C7B99630D5}" presName="root" presStyleCnt="0"/>
+      <dgm:spPr/>
+    </dgm:pt>
+    <dgm:pt modelId="{1CF15CC9-E50A-4CCD-8580-947FF2436210}" type="pres">
+      <dgm:prSet presAssocID="{B66C6E76-A77D-4BAE-A190-E7C7B99630D5}" presName="rootComposite" presStyleCnt="0"/>
+      <dgm:spPr/>
+    </dgm:pt>
+    <dgm:pt modelId="{2D6695BE-25C1-46C7-8352-964F3DB123E4}" type="pres">
+      <dgm:prSet presAssocID="{B66C6E76-A77D-4BAE-A190-E7C7B99630D5}" presName="rootText" presStyleLbl="node1" presStyleIdx="1" presStyleCnt="2" custScaleX="133100" custScaleY="133100"/>
+      <dgm:spPr/>
+    </dgm:pt>
+    <dgm:pt modelId="{06CA16BD-3E66-4C53-92B0-52C52AD63648}" type="pres">
+      <dgm:prSet presAssocID="{B66C6E76-A77D-4BAE-A190-E7C7B99630D5}" presName="rootConnector" presStyleLbl="node1" presStyleIdx="1" presStyleCnt="2"/>
+      <dgm:spPr/>
+    </dgm:pt>
+    <dgm:pt modelId="{9B28A051-41E6-4E39-9511-B5D88A12ABAA}" type="pres">
+      <dgm:prSet presAssocID="{B66C6E76-A77D-4BAE-A190-E7C7B99630D5}" presName="childShape" presStyleCnt="0"/>
+      <dgm:spPr/>
+    </dgm:pt>
+    <dgm:pt modelId="{665B2015-8348-4619-A88A-458FE46C5216}" type="pres">
+      <dgm:prSet presAssocID="{7B27C1B8-5A68-42C8-A979-98E005722E76}" presName="Name13" presStyleLbl="parChTrans1D2" presStyleIdx="7" presStyleCnt="13"/>
+      <dgm:spPr/>
+    </dgm:pt>
+    <dgm:pt modelId="{6817C1B7-11FB-4758-B864-210D01678FDC}" type="pres">
+      <dgm:prSet presAssocID="{49F53E7A-EFE3-49C9-BF91-10D4091DFF4B}" presName="childText" presStyleLbl="bgAcc1" presStyleIdx="7" presStyleCnt="13" custScaleX="121000" custScaleY="121000">
+        <dgm:presLayoutVars>
+          <dgm:bulletEnabled val="1"/>
+        </dgm:presLayoutVars>
+      </dgm:prSet>
+      <dgm:spPr/>
+      <dgm:t>
+        <a:bodyPr/>
+        <a:lstStyle/>
+        <a:p>
+          <a:endParaRPr lang="pt-PT"/>
+        </a:p>
+      </dgm:t>
+    </dgm:pt>
+    <dgm:pt modelId="{0B3358E2-26D5-461E-AD31-7A4654034337}" type="pres">
+      <dgm:prSet presAssocID="{8BD967C0-A55D-48F9-95B1-733E8F50B17C}" presName="Name13" presStyleLbl="parChTrans1D2" presStyleIdx="8" presStyleCnt="13"/>
+      <dgm:spPr/>
+    </dgm:pt>
+    <dgm:pt modelId="{0E7FBF3B-7D1F-4A68-8FFB-C953C781DE15}" type="pres">
+      <dgm:prSet presAssocID="{26EAFC01-7D93-44D6-B927-7C773411E24C}" presName="childText" presStyleLbl="bgAcc1" presStyleIdx="8" presStyleCnt="13" custScaleX="121000" custScaleY="121000">
+        <dgm:presLayoutVars>
+          <dgm:bulletEnabled val="1"/>
+        </dgm:presLayoutVars>
+      </dgm:prSet>
+      <dgm:spPr/>
+      <dgm:t>
+        <a:bodyPr/>
+        <a:lstStyle/>
+        <a:p>
+          <a:endParaRPr lang="pt-PT"/>
+        </a:p>
+      </dgm:t>
+    </dgm:pt>
+    <dgm:pt modelId="{2F157E92-6736-4A13-A6CB-BE96A53AFD9F}" type="pres">
+      <dgm:prSet presAssocID="{E37E2F2F-CD39-482B-9878-0ED5657CF008}" presName="Name13" presStyleLbl="parChTrans1D2" presStyleIdx="9" presStyleCnt="13"/>
+      <dgm:spPr/>
+    </dgm:pt>
+    <dgm:pt modelId="{548B7762-B5B8-4C69-88AE-F72473B32CBC}" type="pres">
+      <dgm:prSet presAssocID="{6D187876-D73A-4DA0-8A96-0B77CF7C51D8}" presName="childText" presStyleLbl="bgAcc1" presStyleIdx="9" presStyleCnt="13" custScaleX="121000" custScaleY="121000">
+        <dgm:presLayoutVars>
+          <dgm:bulletEnabled val="1"/>
+        </dgm:presLayoutVars>
+      </dgm:prSet>
+      <dgm:spPr/>
+      <dgm:t>
+        <a:bodyPr/>
+        <a:lstStyle/>
+        <a:p>
+          <a:endParaRPr lang="pt-PT"/>
+        </a:p>
+      </dgm:t>
+    </dgm:pt>
+    <dgm:pt modelId="{D69BB881-E2F5-44B9-9DBD-6D90C7DB7496}" type="pres">
+      <dgm:prSet presAssocID="{391C7100-F7CB-404F-9784-D4A0A18ED1F2}" presName="Name13" presStyleLbl="parChTrans1D2" presStyleIdx="10" presStyleCnt="13"/>
+      <dgm:spPr/>
+    </dgm:pt>
+    <dgm:pt modelId="{50E43E93-9EF6-4576-8695-D64977549991}" type="pres">
+      <dgm:prSet presAssocID="{95D8C2BB-FFF3-4F61-8445-6BF1251A0DDC}" presName="childText" presStyleLbl="bgAcc1" presStyleIdx="10" presStyleCnt="13" custScaleX="121000" custScaleY="121000">
+        <dgm:presLayoutVars>
+          <dgm:bulletEnabled val="1"/>
+        </dgm:presLayoutVars>
+      </dgm:prSet>
+      <dgm:spPr/>
+      <dgm:t>
+        <a:bodyPr/>
+        <a:lstStyle/>
+        <a:p>
+          <a:endParaRPr lang="pt-PT"/>
+        </a:p>
+      </dgm:t>
+    </dgm:pt>
+    <dgm:pt modelId="{4F01DEA1-6963-411C-B81A-F6998C0C045E}" type="pres">
+      <dgm:prSet presAssocID="{1317B38D-2A30-4107-9F27-1500BCF7FC6F}" presName="Name13" presStyleLbl="parChTrans1D2" presStyleIdx="11" presStyleCnt="13"/>
+      <dgm:spPr/>
+    </dgm:pt>
+    <dgm:pt modelId="{5F110DA3-1DE8-4F12-A68F-86C4A5BF1E8C}" type="pres">
+      <dgm:prSet presAssocID="{E4BAB214-F282-46A9-895A-D9BD0E84DB3F}" presName="childText" presStyleLbl="bgAcc1" presStyleIdx="11" presStyleCnt="13" custScaleX="121000" custScaleY="121000">
+        <dgm:presLayoutVars>
+          <dgm:bulletEnabled val="1"/>
+        </dgm:presLayoutVars>
+      </dgm:prSet>
+      <dgm:spPr/>
+      <dgm:t>
+        <a:bodyPr/>
+        <a:lstStyle/>
+        <a:p>
+          <a:endParaRPr lang="pt-PT"/>
+        </a:p>
+      </dgm:t>
+    </dgm:pt>
+    <dgm:pt modelId="{42A4DB9D-6604-49D8-A581-EB7995E16BE9}" type="pres">
+      <dgm:prSet presAssocID="{6D2CB1FD-153F-413A-9094-97A8C82D1A59}" presName="Name13" presStyleLbl="parChTrans1D2" presStyleIdx="12" presStyleCnt="13"/>
+      <dgm:spPr/>
+    </dgm:pt>
+    <dgm:pt modelId="{7FB5A010-9A56-4829-B858-D0D824AEF6AD}" type="pres">
+      <dgm:prSet presAssocID="{EFA38823-71A3-47C6-B0F4-1CB6C01186B4}" presName="childText" presStyleLbl="bgAcc1" presStyleIdx="12" presStyleCnt="13" custScaleX="121000" custScaleY="121000">
+        <dgm:presLayoutVars>
+          <dgm:bulletEnabled val="1"/>
+        </dgm:presLayoutVars>
+      </dgm:prSet>
+      <dgm:spPr/>
+    </dgm:pt>
+  </dgm:ptLst>
+  <dgm:cxnLst>
+    <dgm:cxn modelId="{B9A282EA-EB5D-4740-A114-7A5FDEC3F13F}" type="presOf" srcId="{1D5B013C-3814-4DBA-A114-793515C3A175}" destId="{36E41940-D6AE-4B61-9614-578943ADDEBE}" srcOrd="0" destOrd="0" presId="urn:microsoft.com/office/officeart/2005/8/layout/hierarchy3"/>
+    <dgm:cxn modelId="{3D0A4717-B8D7-4576-9FA5-10F0E5488DE9}" type="presOf" srcId="{D23EB86A-71BB-4A40-A569-8B77FDBE02FA}" destId="{72B13844-B30E-425B-9C7A-1663396A215A}" srcOrd="0" destOrd="0" presId="urn:microsoft.com/office/officeart/2005/8/layout/hierarchy3"/>
+    <dgm:cxn modelId="{0DAEDA3B-FE33-4B1C-9C27-E2E206218952}" srcId="{D23EB86A-71BB-4A40-A569-8B77FDBE02FA}" destId="{2B7155C7-BEBA-47E6-A611-578103620110}" srcOrd="4" destOrd="0" parTransId="{3F425AB1-C509-4C12-835D-8FB48463C56E}" sibTransId="{838E31E3-BBA0-4DFD-8508-33E3D64F2DF2}"/>
+    <dgm:cxn modelId="{9BEBC980-A36E-4C4A-A8DA-4CB6EEA808A1}" srcId="{D23EB86A-71BB-4A40-A569-8B77FDBE02FA}" destId="{548E3DBA-F067-4E78-8538-35AFB2F1818B}" srcOrd="5" destOrd="0" parTransId="{27188142-555D-4CE0-8FCC-5EF4E1AE4524}" sibTransId="{8FD1163F-C701-4469-B412-1D17C50819E9}"/>
+    <dgm:cxn modelId="{E6C387B6-7931-4BB6-ABF0-EC9F8067348D}" type="presOf" srcId="{3839A656-D98B-47E9-A658-DF73304CEB18}" destId="{E91EC1B8-A184-48D1-9A69-E934B5C7B28A}" srcOrd="0" destOrd="0" presId="urn:microsoft.com/office/officeart/2005/8/layout/hierarchy3"/>
+    <dgm:cxn modelId="{C571757F-977E-42C8-9358-F310B414AE16}" type="presOf" srcId="{EE83A711-B233-4784-8790-B3D0B5AA4273}" destId="{7E81931F-3C81-4DB3-82D5-109D76282892}" srcOrd="0" destOrd="0" presId="urn:microsoft.com/office/officeart/2005/8/layout/hierarchy3"/>
+    <dgm:cxn modelId="{10F3401B-B541-4202-8EB4-FC6B333D53C3}" type="presOf" srcId="{7B27C1B8-5A68-42C8-A979-98E005722E76}" destId="{665B2015-8348-4619-A88A-458FE46C5216}" srcOrd="0" destOrd="0" presId="urn:microsoft.com/office/officeart/2005/8/layout/hierarchy3"/>
+    <dgm:cxn modelId="{04D223AD-2624-412D-ADE6-DA2BEFC8FCB6}" type="presOf" srcId="{8BD967C0-A55D-48F9-95B1-733E8F50B17C}" destId="{0B3358E2-26D5-461E-AD31-7A4654034337}" srcOrd="0" destOrd="0" presId="urn:microsoft.com/office/officeart/2005/8/layout/hierarchy3"/>
+    <dgm:cxn modelId="{C765AA97-1366-4652-8C13-4650968F60CF}" type="presOf" srcId="{2532EC49-0FBE-4774-B31A-BBBB468170F7}" destId="{630F3D18-F2FD-492C-B34C-7F4ABA982010}" srcOrd="0" destOrd="0" presId="urn:microsoft.com/office/officeart/2005/8/layout/hierarchy3"/>
+    <dgm:cxn modelId="{4153DA9D-BE1A-43D1-84E0-B20DC04273A1}" type="presOf" srcId="{B66C6E76-A77D-4BAE-A190-E7C7B99630D5}" destId="{06CA16BD-3E66-4C53-92B0-52C52AD63648}" srcOrd="1" destOrd="0" presId="urn:microsoft.com/office/officeart/2005/8/layout/hierarchy3"/>
+    <dgm:cxn modelId="{77917A58-C306-4CDB-9728-8CABB9E90F23}" srcId="{B66C6E76-A77D-4BAE-A190-E7C7B99630D5}" destId="{E4BAB214-F282-46A9-895A-D9BD0E84DB3F}" srcOrd="4" destOrd="0" parTransId="{1317B38D-2A30-4107-9F27-1500BCF7FC6F}" sibTransId="{DE121C5A-11BE-40E6-8198-0350C8D6F7E3}"/>
+    <dgm:cxn modelId="{6790B4E7-E0EE-41EB-945C-C376AB2B23D3}" type="presOf" srcId="{EFA38823-71A3-47C6-B0F4-1CB6C01186B4}" destId="{7FB5A010-9A56-4829-B858-D0D824AEF6AD}" srcOrd="0" destOrd="0" presId="urn:microsoft.com/office/officeart/2005/8/layout/hierarchy3"/>
+    <dgm:cxn modelId="{8CE7A1E4-01AE-4101-A0D1-215458C22FFF}" type="presOf" srcId="{391C7100-F7CB-404F-9784-D4A0A18ED1F2}" destId="{D69BB881-E2F5-44B9-9DBD-6D90C7DB7496}" srcOrd="0" destOrd="0" presId="urn:microsoft.com/office/officeart/2005/8/layout/hierarchy3"/>
+    <dgm:cxn modelId="{C700B7A0-B850-465C-92CF-40C1B3CB7820}" srcId="{D23EB86A-71BB-4A40-A569-8B77FDBE02FA}" destId="{E37FFE57-7D3E-4712-B6FD-24123D60E026}" srcOrd="0" destOrd="0" parTransId="{1D5B013C-3814-4DBA-A114-793515C3A175}" sibTransId="{58BF5B3D-7E93-45F1-9609-42AD7A3F58C9}"/>
+    <dgm:cxn modelId="{8DBEE0CF-9820-4CCB-9C43-3E263D8F0A78}" type="presOf" srcId="{27188142-555D-4CE0-8FCC-5EF4E1AE4524}" destId="{4A64C365-06C2-46B7-B947-59EF5BE39B6D}" srcOrd="0" destOrd="0" presId="urn:microsoft.com/office/officeart/2005/8/layout/hierarchy3"/>
+    <dgm:cxn modelId="{A72944CA-EA98-4912-BD8E-D7A0B9B4AAED}" type="presOf" srcId="{E4BAB214-F282-46A9-895A-D9BD0E84DB3F}" destId="{5F110DA3-1DE8-4F12-A68F-86C4A5BF1E8C}" srcOrd="0" destOrd="0" presId="urn:microsoft.com/office/officeart/2005/8/layout/hierarchy3"/>
+    <dgm:cxn modelId="{63DAAF5A-D4FF-4C0A-9DE7-FE4E42A34343}" srcId="{B66C6E76-A77D-4BAE-A190-E7C7B99630D5}" destId="{6D187876-D73A-4DA0-8A96-0B77CF7C51D8}" srcOrd="2" destOrd="0" parTransId="{E37E2F2F-CD39-482B-9878-0ED5657CF008}" sibTransId="{EE27B221-B777-430B-861D-692C62998E99}"/>
+    <dgm:cxn modelId="{8212B852-43EB-4FCB-93B4-34B834DF133D}" srcId="{B66C6E76-A77D-4BAE-A190-E7C7B99630D5}" destId="{49F53E7A-EFE3-49C9-BF91-10D4091DFF4B}" srcOrd="0" destOrd="0" parTransId="{7B27C1B8-5A68-42C8-A979-98E005722E76}" sibTransId="{A06AD473-1F5F-4C00-8E2A-03122FCC05B6}"/>
+    <dgm:cxn modelId="{E82A3251-91DA-4815-893B-2CB56E9913F8}" type="presOf" srcId="{37769943-29F6-4B68-A449-5DEE7577C941}" destId="{6CF04F40-20BC-4EE2-A8E0-91CE9C5F4FA8}" srcOrd="0" destOrd="0" presId="urn:microsoft.com/office/officeart/2005/8/layout/hierarchy3"/>
+    <dgm:cxn modelId="{F3019377-656E-4845-BB8D-F38DE89FFE4F}" type="presOf" srcId="{E37E2F2F-CD39-482B-9878-0ED5657CF008}" destId="{2F157E92-6736-4A13-A6CB-BE96A53AFD9F}" srcOrd="0" destOrd="0" presId="urn:microsoft.com/office/officeart/2005/8/layout/hierarchy3"/>
+    <dgm:cxn modelId="{0FFF8C14-2898-4723-981D-EC8EE61DB3B7}" type="presOf" srcId="{548E3DBA-F067-4E78-8538-35AFB2F1818B}" destId="{831964B1-E01A-4C78-9158-C8D63428B7DA}" srcOrd="0" destOrd="0" presId="urn:microsoft.com/office/officeart/2005/8/layout/hierarchy3"/>
+    <dgm:cxn modelId="{1AF40643-3595-471D-A426-BD67B82D5BD6}" type="presOf" srcId="{E37FFE57-7D3E-4712-B6FD-24123D60E026}" destId="{62B5FB75-42A9-43BC-8FD2-7AB5067B12F7}" srcOrd="0" destOrd="0" presId="urn:microsoft.com/office/officeart/2005/8/layout/hierarchy3"/>
+    <dgm:cxn modelId="{AF1A09EC-49C6-4006-B436-7A9942329C9D}" type="presOf" srcId="{49F53E7A-EFE3-49C9-BF91-10D4091DFF4B}" destId="{6817C1B7-11FB-4758-B864-210D01678FDC}" srcOrd="0" destOrd="0" presId="urn:microsoft.com/office/officeart/2005/8/layout/hierarchy3"/>
+    <dgm:cxn modelId="{76A55E50-AF99-47A3-9455-AAFCB2256592}" srcId="{D23EB86A-71BB-4A40-A569-8B77FDBE02FA}" destId="{EE83A711-B233-4784-8790-B3D0B5AA4273}" srcOrd="2" destOrd="0" parTransId="{37769943-29F6-4B68-A449-5DEE7577C941}" sibTransId="{A43C7F0B-AC09-44C4-A7DC-DA92D0A575C5}"/>
+    <dgm:cxn modelId="{0B714DB5-1905-4C10-B2C3-52DE000CC7EE}" type="presOf" srcId="{2B7155C7-BEBA-47E6-A611-578103620110}" destId="{3548ED33-673B-47FB-8DF9-F219CFA710BC}" srcOrd="0" destOrd="0" presId="urn:microsoft.com/office/officeart/2005/8/layout/hierarchy3"/>
+    <dgm:cxn modelId="{DE2D8074-B02B-4163-ABB6-4E5E83ACBA7D}" srcId="{2532EC49-0FBE-4774-B31A-BBBB468170F7}" destId="{B66C6E76-A77D-4BAE-A190-E7C7B99630D5}" srcOrd="1" destOrd="0" parTransId="{B563D8E4-CC74-46B1-AD2F-0A19BF88D530}" sibTransId="{3A1A347E-7FA0-4BF5-BF25-0A9BF0BDF025}"/>
+    <dgm:cxn modelId="{4E9237CA-E46C-41CD-95BD-742F8950EEB9}" srcId="{B66C6E76-A77D-4BAE-A190-E7C7B99630D5}" destId="{95D8C2BB-FFF3-4F61-8445-6BF1251A0DDC}" srcOrd="3" destOrd="0" parTransId="{391C7100-F7CB-404F-9784-D4A0A18ED1F2}" sibTransId="{18C0857F-72C1-4B18-89F2-5D3B4F04A762}"/>
+    <dgm:cxn modelId="{4FD3DC13-0721-431D-8738-4EDFC6E8A940}" type="presOf" srcId="{26EAFC01-7D93-44D6-B927-7C773411E24C}" destId="{0E7FBF3B-7D1F-4A68-8FFB-C953C781DE15}" srcOrd="0" destOrd="0" presId="urn:microsoft.com/office/officeart/2005/8/layout/hierarchy3"/>
+    <dgm:cxn modelId="{4BA34B07-DA3A-4E4B-B5DC-913EF5747AE2}" type="presOf" srcId="{1317B38D-2A30-4107-9F27-1500BCF7FC6F}" destId="{4F01DEA1-6963-411C-B81A-F6998C0C045E}" srcOrd="0" destOrd="0" presId="urn:microsoft.com/office/officeart/2005/8/layout/hierarchy3"/>
+    <dgm:cxn modelId="{C93775F6-F432-4330-8A6D-42759A0EB22C}" srcId="{B66C6E76-A77D-4BAE-A190-E7C7B99630D5}" destId="{26EAFC01-7D93-44D6-B927-7C773411E24C}" srcOrd="1" destOrd="0" parTransId="{8BD967C0-A55D-48F9-95B1-733E8F50B17C}" sibTransId="{DDE37BE1-2D8B-4961-ACB4-7512244992A5}"/>
+    <dgm:cxn modelId="{950CD349-9C7F-4583-8ED7-AE6EB571A6CD}" type="presOf" srcId="{DA8DF7CA-1898-479A-AB8B-30F622A20386}" destId="{59F0254C-AFAD-4E3D-A8F7-6171D1D72BE5}" srcOrd="0" destOrd="0" presId="urn:microsoft.com/office/officeart/2005/8/layout/hierarchy3"/>
+    <dgm:cxn modelId="{F989FA39-FD22-4920-A3AF-2C476F51F7CD}" type="presOf" srcId="{D28794C1-D31F-40DE-AE24-412233A7CACB}" destId="{CC93376A-112F-470C-A92E-6B9C4768A381}" srcOrd="0" destOrd="0" presId="urn:microsoft.com/office/officeart/2005/8/layout/hierarchy3"/>
+    <dgm:cxn modelId="{C1C2960F-E59B-4440-A2DC-E6C8222CBDEE}" srcId="{D23EB86A-71BB-4A40-A569-8B77FDBE02FA}" destId="{C1E12F4A-6EB8-4EF1-9A2E-60BEBFA81592}" srcOrd="1" destOrd="0" parTransId="{3839A656-D98B-47E9-A658-DF73304CEB18}" sibTransId="{22D1E09B-DC05-4745-B8F2-30FA2BC8B359}"/>
+    <dgm:cxn modelId="{C21777D7-7565-44BF-85F7-0C02E051AAA0}" type="presOf" srcId="{B66C6E76-A77D-4BAE-A190-E7C7B99630D5}" destId="{2D6695BE-25C1-46C7-8352-964F3DB123E4}" srcOrd="0" destOrd="0" presId="urn:microsoft.com/office/officeart/2005/8/layout/hierarchy3"/>
+    <dgm:cxn modelId="{61C9982F-CD29-461E-B7A2-844320B3320E}" type="presOf" srcId="{D29747DE-81BE-44CC-ADFA-D349E8B24264}" destId="{8C1715B6-BA7B-438E-97EB-8AEC5ECBF87A}" srcOrd="0" destOrd="0" presId="urn:microsoft.com/office/officeart/2005/8/layout/hierarchy3"/>
+    <dgm:cxn modelId="{C63FD1B0-EEE3-4366-A02B-3EBF816D33FA}" srcId="{B66C6E76-A77D-4BAE-A190-E7C7B99630D5}" destId="{EFA38823-71A3-47C6-B0F4-1CB6C01186B4}" srcOrd="5" destOrd="0" parTransId="{6D2CB1FD-153F-413A-9094-97A8C82D1A59}" sibTransId="{F36243A3-0694-4470-B3FF-00EC19796C92}"/>
+    <dgm:cxn modelId="{B7DA8A26-DCF4-479F-8D62-54606673305A}" type="presOf" srcId="{3F425AB1-C509-4C12-835D-8FB48463C56E}" destId="{B128F964-9EE8-46FF-B519-C8284E2BB040}" srcOrd="0" destOrd="0" presId="urn:microsoft.com/office/officeart/2005/8/layout/hierarchy3"/>
+    <dgm:cxn modelId="{9C9BE23E-6612-44C5-9CFE-9CC7832BF2A5}" srcId="{D23EB86A-71BB-4A40-A569-8B77FDBE02FA}" destId="{D29747DE-81BE-44CC-ADFA-D349E8B24264}" srcOrd="3" destOrd="0" parTransId="{DA8DF7CA-1898-479A-AB8B-30F622A20386}" sibTransId="{F71EDA71-5AF9-41DC-841C-C32CB38CA494}"/>
+    <dgm:cxn modelId="{5ECC07F0-D5CC-4968-A0C6-9C1D48CA3C36}" srcId="{2532EC49-0FBE-4774-B31A-BBBB468170F7}" destId="{D23EB86A-71BB-4A40-A569-8B77FDBE02FA}" srcOrd="0" destOrd="0" parTransId="{6D067A31-E2BD-456C-9D7E-4D8644E3311A}" sibTransId="{D4EEEF3F-A295-43A8-97BA-8D293266F8CC}"/>
+    <dgm:cxn modelId="{775362DD-7045-4F1C-AA3F-3062D1029467}" type="presOf" srcId="{D23EB86A-71BB-4A40-A569-8B77FDBE02FA}" destId="{A75A51E0-87EF-40A0-961A-12248580B45C}" srcOrd="1" destOrd="0" presId="urn:microsoft.com/office/officeart/2005/8/layout/hierarchy3"/>
+    <dgm:cxn modelId="{C6AEAA7A-BF9A-4195-B4A4-5F0A6B9FD8BF}" type="presOf" srcId="{6D187876-D73A-4DA0-8A96-0B77CF7C51D8}" destId="{548B7762-B5B8-4C69-88AE-F72473B32CBC}" srcOrd="0" destOrd="0" presId="urn:microsoft.com/office/officeart/2005/8/layout/hierarchy3"/>
+    <dgm:cxn modelId="{7D6FF0F7-548D-4CE5-8A7E-1EB8380B0229}" type="presOf" srcId="{C1E12F4A-6EB8-4EF1-9A2E-60BEBFA81592}" destId="{4BFBAF82-2A9D-4DC1-A988-0880718FA259}" srcOrd="0" destOrd="0" presId="urn:microsoft.com/office/officeart/2005/8/layout/hierarchy3"/>
+    <dgm:cxn modelId="{126129EF-FD55-4092-A572-7657075334A6}" type="presOf" srcId="{95D8C2BB-FFF3-4F61-8445-6BF1251A0DDC}" destId="{50E43E93-9EF6-4576-8695-D64977549991}" srcOrd="0" destOrd="0" presId="urn:microsoft.com/office/officeart/2005/8/layout/hierarchy3"/>
+    <dgm:cxn modelId="{AB861BCE-5919-4B0A-A9F5-9564E777362E}" type="presOf" srcId="{52572F2B-AAE6-4BE9-9BBD-CB4C6B7CD675}" destId="{A5E6D460-1049-4DD1-B5F1-BB5A03E46C6F}" srcOrd="0" destOrd="0" presId="urn:microsoft.com/office/officeart/2005/8/layout/hierarchy3"/>
+    <dgm:cxn modelId="{A2F9B0F4-AA78-4158-8B2E-635DF7ACED91}" type="presOf" srcId="{6D2CB1FD-153F-413A-9094-97A8C82D1A59}" destId="{42A4DB9D-6604-49D8-A581-EB7995E16BE9}" srcOrd="0" destOrd="0" presId="urn:microsoft.com/office/officeart/2005/8/layout/hierarchy3"/>
+    <dgm:cxn modelId="{36B9DA8C-A689-4553-832D-61EB7B85622D}" srcId="{D23EB86A-71BB-4A40-A569-8B77FDBE02FA}" destId="{52572F2B-AAE6-4BE9-9BBD-CB4C6B7CD675}" srcOrd="6" destOrd="0" parTransId="{D28794C1-D31F-40DE-AE24-412233A7CACB}" sibTransId="{77A8EC62-DEC3-4292-ABC8-A6168E4C97F0}"/>
+    <dgm:cxn modelId="{0AA03739-D2AB-4404-B06F-16926BA2ADE5}" type="presParOf" srcId="{630F3D18-F2FD-492C-B34C-7F4ABA982010}" destId="{95A8F5A5-B508-4717-9764-313C12304A7F}" srcOrd="0" destOrd="0" presId="urn:microsoft.com/office/officeart/2005/8/layout/hierarchy3"/>
+    <dgm:cxn modelId="{2D7F8ACA-CF27-4639-B557-8DA473DB66FB}" type="presParOf" srcId="{95A8F5A5-B508-4717-9764-313C12304A7F}" destId="{98AA41C0-3CF6-433B-B897-F1DC4F31436D}" srcOrd="0" destOrd="0" presId="urn:microsoft.com/office/officeart/2005/8/layout/hierarchy3"/>
+    <dgm:cxn modelId="{372AD94D-EE9D-4370-889F-61BD7C880DE7}" type="presParOf" srcId="{98AA41C0-3CF6-433B-B897-F1DC4F31436D}" destId="{72B13844-B30E-425B-9C7A-1663396A215A}" srcOrd="0" destOrd="0" presId="urn:microsoft.com/office/officeart/2005/8/layout/hierarchy3"/>
+    <dgm:cxn modelId="{505DCB4A-47FD-4678-AEC8-CBA3E9BC4E57}" type="presParOf" srcId="{98AA41C0-3CF6-433B-B897-F1DC4F31436D}" destId="{A75A51E0-87EF-40A0-961A-12248580B45C}" srcOrd="1" destOrd="0" presId="urn:microsoft.com/office/officeart/2005/8/layout/hierarchy3"/>
+    <dgm:cxn modelId="{8B74EB97-C38F-44CD-B2D2-E4C1D7560286}" type="presParOf" srcId="{95A8F5A5-B508-4717-9764-313C12304A7F}" destId="{1B77CE49-E1AC-4350-AE31-A44BBBD23FA4}" srcOrd="1" destOrd="0" presId="urn:microsoft.com/office/officeart/2005/8/layout/hierarchy3"/>
+    <dgm:cxn modelId="{6BD1C845-6624-4591-A00C-B82C467B996D}" type="presParOf" srcId="{1B77CE49-E1AC-4350-AE31-A44BBBD23FA4}" destId="{36E41940-D6AE-4B61-9614-578943ADDEBE}" srcOrd="0" destOrd="0" presId="urn:microsoft.com/office/officeart/2005/8/layout/hierarchy3"/>
+    <dgm:cxn modelId="{ACDC3E7E-04F9-440A-949B-C54C26CAED90}" type="presParOf" srcId="{1B77CE49-E1AC-4350-AE31-A44BBBD23FA4}" destId="{62B5FB75-42A9-43BC-8FD2-7AB5067B12F7}" srcOrd="1" destOrd="0" presId="urn:microsoft.com/office/officeart/2005/8/layout/hierarchy3"/>
+    <dgm:cxn modelId="{ADC7EB59-E65C-4EBB-B973-608E37AAC9A9}" type="presParOf" srcId="{1B77CE49-E1AC-4350-AE31-A44BBBD23FA4}" destId="{E91EC1B8-A184-48D1-9A69-E934B5C7B28A}" srcOrd="2" destOrd="0" presId="urn:microsoft.com/office/officeart/2005/8/layout/hierarchy3"/>
+    <dgm:cxn modelId="{49C2A5FE-E984-4B11-97BD-F825DA307F2C}" type="presParOf" srcId="{1B77CE49-E1AC-4350-AE31-A44BBBD23FA4}" destId="{4BFBAF82-2A9D-4DC1-A988-0880718FA259}" srcOrd="3" destOrd="0" presId="urn:microsoft.com/office/officeart/2005/8/layout/hierarchy3"/>
+    <dgm:cxn modelId="{8ABCE8C0-83F1-4E97-8EEF-66F837EE2AD9}" type="presParOf" srcId="{1B77CE49-E1AC-4350-AE31-A44BBBD23FA4}" destId="{6CF04F40-20BC-4EE2-A8E0-91CE9C5F4FA8}" srcOrd="4" destOrd="0" presId="urn:microsoft.com/office/officeart/2005/8/layout/hierarchy3"/>
+    <dgm:cxn modelId="{E6556272-F60F-4B75-935F-973A5784FEB5}" type="presParOf" srcId="{1B77CE49-E1AC-4350-AE31-A44BBBD23FA4}" destId="{7E81931F-3C81-4DB3-82D5-109D76282892}" srcOrd="5" destOrd="0" presId="urn:microsoft.com/office/officeart/2005/8/layout/hierarchy3"/>
+    <dgm:cxn modelId="{02B3133A-84BC-4E53-93A5-A89051F279FD}" type="presParOf" srcId="{1B77CE49-E1AC-4350-AE31-A44BBBD23FA4}" destId="{59F0254C-AFAD-4E3D-A8F7-6171D1D72BE5}" srcOrd="6" destOrd="0" presId="urn:microsoft.com/office/officeart/2005/8/layout/hierarchy3"/>
+    <dgm:cxn modelId="{F4CEC360-E039-42FA-B07D-7B4B736C64C7}" type="presParOf" srcId="{1B77CE49-E1AC-4350-AE31-A44BBBD23FA4}" destId="{8C1715B6-BA7B-438E-97EB-8AEC5ECBF87A}" srcOrd="7" destOrd="0" presId="urn:microsoft.com/office/officeart/2005/8/layout/hierarchy3"/>
+    <dgm:cxn modelId="{91586E3F-43F3-4885-B69F-650D902F2791}" type="presParOf" srcId="{1B77CE49-E1AC-4350-AE31-A44BBBD23FA4}" destId="{B128F964-9EE8-46FF-B519-C8284E2BB040}" srcOrd="8" destOrd="0" presId="urn:microsoft.com/office/officeart/2005/8/layout/hierarchy3"/>
+    <dgm:cxn modelId="{7D3339B6-CB87-4295-8852-10EB85C7579C}" type="presParOf" srcId="{1B77CE49-E1AC-4350-AE31-A44BBBD23FA4}" destId="{3548ED33-673B-47FB-8DF9-F219CFA710BC}" srcOrd="9" destOrd="0" presId="urn:microsoft.com/office/officeart/2005/8/layout/hierarchy3"/>
+    <dgm:cxn modelId="{D0289523-2C1B-4A66-B2CA-60AEDAE0C608}" type="presParOf" srcId="{1B77CE49-E1AC-4350-AE31-A44BBBD23FA4}" destId="{4A64C365-06C2-46B7-B947-59EF5BE39B6D}" srcOrd="10" destOrd="0" presId="urn:microsoft.com/office/officeart/2005/8/layout/hierarchy3"/>
+    <dgm:cxn modelId="{5D02C9D7-9E44-43C1-9136-E1D0D6BF1E22}" type="presParOf" srcId="{1B77CE49-E1AC-4350-AE31-A44BBBD23FA4}" destId="{831964B1-E01A-4C78-9158-C8D63428B7DA}" srcOrd="11" destOrd="0" presId="urn:microsoft.com/office/officeart/2005/8/layout/hierarchy3"/>
+    <dgm:cxn modelId="{88A1B018-8121-4FC5-AEF8-73B5A9DB0C3E}" type="presParOf" srcId="{1B77CE49-E1AC-4350-AE31-A44BBBD23FA4}" destId="{CC93376A-112F-470C-A92E-6B9C4768A381}" srcOrd="12" destOrd="0" presId="urn:microsoft.com/office/officeart/2005/8/layout/hierarchy3"/>
+    <dgm:cxn modelId="{B36CFB8A-E14B-475B-AE7E-86B68E241F0C}" type="presParOf" srcId="{1B77CE49-E1AC-4350-AE31-A44BBBD23FA4}" destId="{A5E6D460-1049-4DD1-B5F1-BB5A03E46C6F}" srcOrd="13" destOrd="0" presId="urn:microsoft.com/office/officeart/2005/8/layout/hierarchy3"/>
+    <dgm:cxn modelId="{93D56C1C-C638-4B2A-8EE7-25187E018653}" type="presParOf" srcId="{630F3D18-F2FD-492C-B34C-7F4ABA982010}" destId="{F9B07FBF-7938-4CD1-92ED-F072654300E9}" srcOrd="1" destOrd="0" presId="urn:microsoft.com/office/officeart/2005/8/layout/hierarchy3"/>
+    <dgm:cxn modelId="{F044DA15-1729-476C-827E-3665C6A34F4B}" type="presParOf" srcId="{F9B07FBF-7938-4CD1-92ED-F072654300E9}" destId="{1CF15CC9-E50A-4CCD-8580-947FF2436210}" srcOrd="0" destOrd="0" presId="urn:microsoft.com/office/officeart/2005/8/layout/hierarchy3"/>
+    <dgm:cxn modelId="{3B3FC9AD-4D13-4F26-B484-02C768EF04A8}" type="presParOf" srcId="{1CF15CC9-E50A-4CCD-8580-947FF2436210}" destId="{2D6695BE-25C1-46C7-8352-964F3DB123E4}" srcOrd="0" destOrd="0" presId="urn:microsoft.com/office/officeart/2005/8/layout/hierarchy3"/>
+    <dgm:cxn modelId="{8AE0B29A-C8A2-48AC-AA13-23A2036830EC}" type="presParOf" srcId="{1CF15CC9-E50A-4CCD-8580-947FF2436210}" destId="{06CA16BD-3E66-4C53-92B0-52C52AD63648}" srcOrd="1" destOrd="0" presId="urn:microsoft.com/office/officeart/2005/8/layout/hierarchy3"/>
+    <dgm:cxn modelId="{BDAAB2E6-7AC8-4684-A311-9F2CB2D95FBD}" type="presParOf" srcId="{F9B07FBF-7938-4CD1-92ED-F072654300E9}" destId="{9B28A051-41E6-4E39-9511-B5D88A12ABAA}" srcOrd="1" destOrd="0" presId="urn:microsoft.com/office/officeart/2005/8/layout/hierarchy3"/>
+    <dgm:cxn modelId="{BBCE6891-38D1-4EBF-B12E-E05BA535CF41}" type="presParOf" srcId="{9B28A051-41E6-4E39-9511-B5D88A12ABAA}" destId="{665B2015-8348-4619-A88A-458FE46C5216}" srcOrd="0" destOrd="0" presId="urn:microsoft.com/office/officeart/2005/8/layout/hierarchy3"/>
+    <dgm:cxn modelId="{2ADD7007-7D91-4F28-A096-6BAA8E19CBB7}" type="presParOf" srcId="{9B28A051-41E6-4E39-9511-B5D88A12ABAA}" destId="{6817C1B7-11FB-4758-B864-210D01678FDC}" srcOrd="1" destOrd="0" presId="urn:microsoft.com/office/officeart/2005/8/layout/hierarchy3"/>
+    <dgm:cxn modelId="{15CF3433-0A48-4B4F-A384-C225E18EC2DA}" type="presParOf" srcId="{9B28A051-41E6-4E39-9511-B5D88A12ABAA}" destId="{0B3358E2-26D5-461E-AD31-7A4654034337}" srcOrd="2" destOrd="0" presId="urn:microsoft.com/office/officeart/2005/8/layout/hierarchy3"/>
+    <dgm:cxn modelId="{524E1712-4D86-4DFC-A5D6-3CA433CD2BD6}" type="presParOf" srcId="{9B28A051-41E6-4E39-9511-B5D88A12ABAA}" destId="{0E7FBF3B-7D1F-4A68-8FFB-C953C781DE15}" srcOrd="3" destOrd="0" presId="urn:microsoft.com/office/officeart/2005/8/layout/hierarchy3"/>
+    <dgm:cxn modelId="{804A2F95-91C0-40EE-BA00-AEDF55429773}" type="presParOf" srcId="{9B28A051-41E6-4E39-9511-B5D88A12ABAA}" destId="{2F157E92-6736-4A13-A6CB-BE96A53AFD9F}" srcOrd="4" destOrd="0" presId="urn:microsoft.com/office/officeart/2005/8/layout/hierarchy3"/>
+    <dgm:cxn modelId="{369AA129-6AE7-45B3-BA5C-D41A20AF57ED}" type="presParOf" srcId="{9B28A051-41E6-4E39-9511-B5D88A12ABAA}" destId="{548B7762-B5B8-4C69-88AE-F72473B32CBC}" srcOrd="5" destOrd="0" presId="urn:microsoft.com/office/officeart/2005/8/layout/hierarchy3"/>
+    <dgm:cxn modelId="{2906E536-820B-45F8-AA64-68BED8F7FB6C}" type="presParOf" srcId="{9B28A051-41E6-4E39-9511-B5D88A12ABAA}" destId="{D69BB881-E2F5-44B9-9DBD-6D90C7DB7496}" srcOrd="6" destOrd="0" presId="urn:microsoft.com/office/officeart/2005/8/layout/hierarchy3"/>
+    <dgm:cxn modelId="{2210FBF4-CA07-4330-9FCB-12CBF0AEE106}" type="presParOf" srcId="{9B28A051-41E6-4E39-9511-B5D88A12ABAA}" destId="{50E43E93-9EF6-4576-8695-D64977549991}" srcOrd="7" destOrd="0" presId="urn:microsoft.com/office/officeart/2005/8/layout/hierarchy3"/>
+    <dgm:cxn modelId="{7F7D724D-8E83-4487-A610-65AA26B1B683}" type="presParOf" srcId="{9B28A051-41E6-4E39-9511-B5D88A12ABAA}" destId="{4F01DEA1-6963-411C-B81A-F6998C0C045E}" srcOrd="8" destOrd="0" presId="urn:microsoft.com/office/officeart/2005/8/layout/hierarchy3"/>
+    <dgm:cxn modelId="{6B906097-CC57-4C81-9074-DFD686511233}" type="presParOf" srcId="{9B28A051-41E6-4E39-9511-B5D88A12ABAA}" destId="{5F110DA3-1DE8-4F12-A68F-86C4A5BF1E8C}" srcOrd="9" destOrd="0" presId="urn:microsoft.com/office/officeart/2005/8/layout/hierarchy3"/>
+    <dgm:cxn modelId="{2CDF3653-38EF-4083-9855-D8B170FFCF3A}" type="presParOf" srcId="{9B28A051-41E6-4E39-9511-B5D88A12ABAA}" destId="{42A4DB9D-6604-49D8-A581-EB7995E16BE9}" srcOrd="10" destOrd="0" presId="urn:microsoft.com/office/officeart/2005/8/layout/hierarchy3"/>
+    <dgm:cxn modelId="{337623BA-998A-4A9F-9A3E-1A43BD69B2F3}" type="presParOf" srcId="{9B28A051-41E6-4E39-9511-B5D88A12ABAA}" destId="{7FB5A010-9A56-4829-B858-D0D824AEF6AD}" srcOrd="11" destOrd="0" presId="urn:microsoft.com/office/officeart/2005/8/layout/hierarchy3"/>
+  </dgm:cxnLst>
+  <dgm:bg/>
+  <dgm:whole/>
+  <dgm:extLst>
+    <a:ext uri="http://schemas.microsoft.com/office/drawing/2008/diagram">
+      <dsp:dataModelExt xmlns:dsp="http://schemas.microsoft.com/office/drawing/2008/diagram" relId="rId8" minVer="http://schemas.openxmlformats.org/drawingml/2006/diagram"/>
+    </a:ext>
+  </dgm:extLst>
+</dgm:dataModel>
+</file>
+
+<file path=ppt/diagrams/drawing1.xml><?xml version="1.0" encoding="utf-8"?>
+<dsp:drawing xmlns:dgm="http://schemas.openxmlformats.org/drawingml/2006/diagram" xmlns:dsp="http://schemas.microsoft.com/office/drawing/2008/diagram" xmlns:a="http://schemas.openxmlformats.org/drawingml/2006/main">
+  <dsp:spTree>
+    <dsp:nvGrpSpPr>
+      <dsp:cNvPr id="0" name=""/>
+      <dsp:cNvGrpSpPr/>
+    </dsp:nvGrpSpPr>
+    <dsp:grpSpPr/>
+    <dsp:sp modelId="{72B13844-B30E-425B-9C7A-1663396A215A}">
+      <dsp:nvSpPr>
+        <dsp:cNvPr id="0" name=""/>
+        <dsp:cNvSpPr/>
+      </dsp:nvSpPr>
+      <dsp:spPr>
+        <a:xfrm>
+          <a:off x="1746298" y="3576"/>
+          <a:ext cx="1003750" cy="501875"/>
+        </a:xfrm>
+        <a:prstGeom prst="roundRect">
+          <a:avLst>
+            <a:gd name="adj" fmla="val 10000"/>
+          </a:avLst>
+        </a:prstGeom>
+        <a:gradFill rotWithShape="0">
+          <a:gsLst>
+            <a:gs pos="0">
+              <a:schemeClr val="accent1">
+                <a:hueOff val="0"/>
+                <a:satOff val="0"/>
+                <a:lumOff val="0"/>
+                <a:alphaOff val="0"/>
+                <a:tint val="98000"/>
+                <a:lumMod val="114000"/>
+              </a:schemeClr>
+            </a:gs>
+            <a:gs pos="100000">
+              <a:schemeClr val="accent1">
+                <a:hueOff val="0"/>
+                <a:satOff val="0"/>
+                <a:lumOff val="0"/>
+                <a:alphaOff val="0"/>
+                <a:shade val="90000"/>
+                <a:lumMod val="84000"/>
+              </a:schemeClr>
+            </a:gs>
+          </a:gsLst>
+          <a:lin ang="5400000" scaled="0"/>
+        </a:gradFill>
+        <a:ln>
+          <a:noFill/>
+        </a:ln>
+        <a:effectLst>
+          <a:outerShdw blurRad="38100" dist="25400" dir="5400000" rotWithShape="0">
+            <a:srgbClr val="000000">
+              <a:alpha val="45000"/>
+            </a:srgbClr>
+          </a:outerShdw>
+        </a:effectLst>
+      </dsp:spPr>
+      <dsp:style>
+        <a:lnRef idx="0">
+          <a:scrgbClr r="0" g="0" b="0"/>
+        </a:lnRef>
+        <a:fillRef idx="3">
+          <a:scrgbClr r="0" g="0" b="0"/>
+        </a:fillRef>
+        <a:effectRef idx="2">
+          <a:scrgbClr r="0" g="0" b="0"/>
+        </a:effectRef>
+        <a:fontRef idx="minor">
+          <a:schemeClr val="lt1"/>
+        </a:fontRef>
+      </dsp:style>
+      <dsp:txBody>
+        <a:bodyPr spcFirstLastPara="0" vert="horz" wrap="square" lIns="51435" tIns="34290" rIns="51435" bIns="34290" numCol="1" spcCol="1270" anchor="ctr" anchorCtr="0">
+          <a:noAutofit/>
+        </a:bodyPr>
+        <a:lstStyle/>
+        <a:p>
+          <a:pPr lvl="0" algn="ctr" defTabSz="1200150">
+            <a:lnSpc>
+              <a:spcPct val="90000"/>
+            </a:lnSpc>
+            <a:spcBef>
+              <a:spcPct val="0"/>
+            </a:spcBef>
+            <a:spcAft>
+              <a:spcPct val="35000"/>
+            </a:spcAft>
+          </a:pPr>
+          <a:r>
+            <a:rPr lang="pt-PT" sz="2700" kern="1200" dirty="0" smtClean="0"/>
+            <a:t>Pros</a:t>
+          </a:r>
+          <a:endParaRPr lang="pt-PT" sz="2700" kern="1200" dirty="0"/>
+        </a:p>
+      </dsp:txBody>
+      <dsp:txXfrm>
+        <a:off x="1760997" y="18275"/>
+        <a:ext cx="974352" cy="472477"/>
+      </dsp:txXfrm>
+    </dsp:sp>
+    <dsp:sp modelId="{36E41940-D6AE-4B61-9614-578943ADDEBE}">
+      <dsp:nvSpPr>
+        <dsp:cNvPr id="0" name=""/>
+        <dsp:cNvSpPr/>
+      </dsp:nvSpPr>
+      <dsp:spPr>
+        <a:xfrm>
+          <a:off x="1846673" y="505451"/>
+          <a:ext cx="100375" cy="322391"/>
+        </a:xfrm>
+        <a:custGeom>
+          <a:avLst/>
+          <a:gdLst/>
+          <a:ahLst/>
+          <a:cxnLst/>
+          <a:rect l="0" t="0" r="0" b="0"/>
+          <a:pathLst>
+            <a:path>
+              <a:moveTo>
+                <a:pt x="0" y="0"/>
+              </a:moveTo>
+              <a:lnTo>
+                <a:pt x="0" y="322391"/>
+              </a:lnTo>
+              <a:lnTo>
+                <a:pt x="100375" y="322391"/>
+              </a:lnTo>
+            </a:path>
+          </a:pathLst>
+        </a:custGeom>
+        <a:noFill/>
+        <a:ln w="9525" cap="rnd" cmpd="sng" algn="ctr">
+          <a:solidFill>
+            <a:schemeClr val="accent1">
+              <a:shade val="60000"/>
+              <a:hueOff val="0"/>
+              <a:satOff val="0"/>
+              <a:lumOff val="0"/>
+              <a:alphaOff val="0"/>
+            </a:schemeClr>
+          </a:solidFill>
+          <a:prstDash val="solid"/>
+        </a:ln>
+        <a:effectLst/>
+      </dsp:spPr>
+      <dsp:style>
+        <a:lnRef idx="1">
+          <a:scrgbClr r="0" g="0" b="0"/>
+        </a:lnRef>
+        <a:fillRef idx="0">
+          <a:scrgbClr r="0" g="0" b="0"/>
+        </a:fillRef>
+        <a:effectRef idx="0">
+          <a:scrgbClr r="0" g="0" b="0"/>
+        </a:effectRef>
+        <a:fontRef idx="minor"/>
+      </dsp:style>
+    </dsp:sp>
+    <dsp:sp modelId="{62B5FB75-42A9-43BC-8FD2-7AB5067B12F7}">
+      <dsp:nvSpPr>
+        <dsp:cNvPr id="0" name=""/>
+        <dsp:cNvSpPr/>
+      </dsp:nvSpPr>
+      <dsp:spPr>
+        <a:xfrm>
+          <a:off x="1947049" y="599717"/>
+          <a:ext cx="730000" cy="456250"/>
+        </a:xfrm>
+        <a:prstGeom prst="roundRect">
+          <a:avLst>
+            <a:gd name="adj" fmla="val 10000"/>
+          </a:avLst>
+        </a:prstGeom>
+        <a:solidFill>
+          <a:schemeClr val="lt1">
+            <a:alpha val="90000"/>
+            <a:hueOff val="0"/>
+            <a:satOff val="0"/>
+            <a:lumOff val="0"/>
+            <a:alphaOff val="0"/>
+          </a:schemeClr>
+        </a:solidFill>
+        <a:ln w="9525" cap="rnd" cmpd="sng" algn="ctr">
+          <a:solidFill>
+            <a:schemeClr val="accent1">
+              <a:hueOff val="0"/>
+              <a:satOff val="0"/>
+              <a:lumOff val="0"/>
+              <a:alphaOff val="0"/>
+            </a:schemeClr>
+          </a:solidFill>
+          <a:prstDash val="solid"/>
+        </a:ln>
+        <a:effectLst/>
+      </dsp:spPr>
+      <dsp:style>
+        <a:lnRef idx="1">
+          <a:scrgbClr r="0" g="0" b="0"/>
+        </a:lnRef>
+        <a:fillRef idx="1">
+          <a:scrgbClr r="0" g="0" b="0"/>
+        </a:fillRef>
+        <a:effectRef idx="0">
+          <a:scrgbClr r="0" g="0" b="0"/>
+        </a:effectRef>
+        <a:fontRef idx="minor"/>
+      </dsp:style>
+      <dsp:txBody>
+        <a:bodyPr spcFirstLastPara="0" vert="horz" wrap="square" lIns="15240" tIns="10160" rIns="15240" bIns="10160" numCol="1" spcCol="1270" anchor="ctr" anchorCtr="0">
+          <a:noAutofit/>
+        </a:bodyPr>
+        <a:lstStyle/>
+        <a:p>
+          <a:pPr lvl="0" algn="ctr" defTabSz="355600">
+            <a:lnSpc>
+              <a:spcPct val="90000"/>
+            </a:lnSpc>
+            <a:spcBef>
+              <a:spcPct val="0"/>
+            </a:spcBef>
+            <a:spcAft>
+              <a:spcPct val="35000"/>
+            </a:spcAft>
+          </a:pPr>
+          <a:r>
+            <a:rPr lang="pt-PT" sz="800" kern="1200" dirty="0" smtClean="0"/>
+            <a:t>Efficient</a:t>
+          </a:r>
+          <a:endParaRPr lang="pt-PT" sz="700" kern="1200" dirty="0"/>
+        </a:p>
+      </dsp:txBody>
+      <dsp:txXfrm>
+        <a:off x="1960412" y="613080"/>
+        <a:ext cx="703274" cy="429524"/>
+      </dsp:txXfrm>
+    </dsp:sp>
+    <dsp:sp modelId="{E91EC1B8-A184-48D1-9A69-E934B5C7B28A}">
+      <dsp:nvSpPr>
+        <dsp:cNvPr id="0" name=""/>
+        <dsp:cNvSpPr/>
+      </dsp:nvSpPr>
+      <dsp:spPr>
+        <a:xfrm>
+          <a:off x="1846673" y="505451"/>
+          <a:ext cx="100375" cy="872908"/>
+        </a:xfrm>
+        <a:custGeom>
+          <a:avLst/>
+          <a:gdLst/>
+          <a:ahLst/>
+          <a:cxnLst/>
+          <a:rect l="0" t="0" r="0" b="0"/>
+          <a:pathLst>
+            <a:path>
+              <a:moveTo>
+                <a:pt x="0" y="0"/>
+              </a:moveTo>
+              <a:lnTo>
+                <a:pt x="0" y="872908"/>
+              </a:lnTo>
+              <a:lnTo>
+                <a:pt x="100375" y="872908"/>
+              </a:lnTo>
+            </a:path>
+          </a:pathLst>
+        </a:custGeom>
+        <a:noFill/>
+        <a:ln w="9525" cap="rnd" cmpd="sng" algn="ctr">
+          <a:solidFill>
+            <a:schemeClr val="accent1">
+              <a:shade val="60000"/>
+              <a:hueOff val="0"/>
+              <a:satOff val="0"/>
+              <a:lumOff val="0"/>
+              <a:alphaOff val="0"/>
+            </a:schemeClr>
+          </a:solidFill>
+          <a:prstDash val="solid"/>
+        </a:ln>
+        <a:effectLst/>
+      </dsp:spPr>
+      <dsp:style>
+        <a:lnRef idx="1">
+          <a:scrgbClr r="0" g="0" b="0"/>
+        </a:lnRef>
+        <a:fillRef idx="0">
+          <a:scrgbClr r="0" g="0" b="0"/>
+        </a:fillRef>
+        <a:effectRef idx="0">
+          <a:scrgbClr r="0" g="0" b="0"/>
+        </a:effectRef>
+        <a:fontRef idx="minor"/>
+      </dsp:style>
+    </dsp:sp>
+    <dsp:sp modelId="{4BFBAF82-2A9D-4DC1-A988-0880718FA259}">
+      <dsp:nvSpPr>
+        <dsp:cNvPr id="0" name=""/>
+        <dsp:cNvSpPr/>
+      </dsp:nvSpPr>
+      <dsp:spPr>
+        <a:xfrm>
+          <a:off x="1947049" y="1150234"/>
+          <a:ext cx="730000" cy="456250"/>
+        </a:xfrm>
+        <a:prstGeom prst="roundRect">
+          <a:avLst>
+            <a:gd name="adj" fmla="val 10000"/>
+          </a:avLst>
+        </a:prstGeom>
+        <a:solidFill>
+          <a:schemeClr val="lt1">
+            <a:alpha val="90000"/>
+            <a:hueOff val="0"/>
+            <a:satOff val="0"/>
+            <a:lumOff val="0"/>
+            <a:alphaOff val="0"/>
+          </a:schemeClr>
+        </a:solidFill>
+        <a:ln w="9525" cap="rnd" cmpd="sng" algn="ctr">
+          <a:solidFill>
+            <a:schemeClr val="accent1">
+              <a:hueOff val="0"/>
+              <a:satOff val="0"/>
+              <a:lumOff val="0"/>
+              <a:alphaOff val="0"/>
+            </a:schemeClr>
+          </a:solidFill>
+          <a:prstDash val="solid"/>
+        </a:ln>
+        <a:effectLst/>
+      </dsp:spPr>
+      <dsp:style>
+        <a:lnRef idx="1">
+          <a:scrgbClr r="0" g="0" b="0"/>
+        </a:lnRef>
+        <a:fillRef idx="1">
+          <a:scrgbClr r="0" g="0" b="0"/>
+        </a:fillRef>
+        <a:effectRef idx="0">
+          <a:scrgbClr r="0" g="0" b="0"/>
+        </a:effectRef>
+        <a:fontRef idx="minor"/>
+      </dsp:style>
+      <dsp:txBody>
+        <a:bodyPr spcFirstLastPara="0" vert="horz" wrap="square" lIns="13335" tIns="8890" rIns="13335" bIns="8890" numCol="1" spcCol="1270" anchor="ctr" anchorCtr="0">
+          <a:noAutofit/>
+        </a:bodyPr>
+        <a:lstStyle/>
+        <a:p>
+          <a:pPr lvl="0" algn="ctr" defTabSz="311150">
+            <a:lnSpc>
+              <a:spcPct val="90000"/>
+            </a:lnSpc>
+            <a:spcBef>
+              <a:spcPct val="0"/>
+            </a:spcBef>
+            <a:spcAft>
+              <a:spcPct val="35000"/>
+            </a:spcAft>
+          </a:pPr>
+          <a:r>
+            <a:rPr lang="pt-PT" sz="700" kern="1200" dirty="0" smtClean="0"/>
+            <a:t>Automatic Build for each commit</a:t>
+          </a:r>
+          <a:endParaRPr lang="pt-PT" sz="700" kern="1200" dirty="0"/>
+        </a:p>
+      </dsp:txBody>
+      <dsp:txXfrm>
+        <a:off x="1960412" y="1163597"/>
+        <a:ext cx="703274" cy="429524"/>
+      </dsp:txXfrm>
+    </dsp:sp>
+    <dsp:sp modelId="{6CF04F40-20BC-4EE2-A8E0-91CE9C5F4FA8}">
+      <dsp:nvSpPr>
+        <dsp:cNvPr id="0" name=""/>
+        <dsp:cNvSpPr/>
+      </dsp:nvSpPr>
+      <dsp:spPr>
+        <a:xfrm>
+          <a:off x="1846673" y="505451"/>
+          <a:ext cx="100375" cy="1423425"/>
+        </a:xfrm>
+        <a:custGeom>
+          <a:avLst/>
+          <a:gdLst/>
+          <a:ahLst/>
+          <a:cxnLst/>
+          <a:rect l="0" t="0" r="0" b="0"/>
+          <a:pathLst>
+            <a:path>
+              <a:moveTo>
+                <a:pt x="0" y="0"/>
+              </a:moveTo>
+              <a:lnTo>
+                <a:pt x="0" y="1423425"/>
+              </a:lnTo>
+              <a:lnTo>
+                <a:pt x="100375" y="1423425"/>
+              </a:lnTo>
+            </a:path>
+          </a:pathLst>
+        </a:custGeom>
+        <a:noFill/>
+        <a:ln w="9525" cap="rnd" cmpd="sng" algn="ctr">
+          <a:solidFill>
+            <a:schemeClr val="accent1">
+              <a:shade val="60000"/>
+              <a:hueOff val="0"/>
+              <a:satOff val="0"/>
+              <a:lumOff val="0"/>
+              <a:alphaOff val="0"/>
+            </a:schemeClr>
+          </a:solidFill>
+          <a:prstDash val="solid"/>
+        </a:ln>
+        <a:effectLst/>
+      </dsp:spPr>
+      <dsp:style>
+        <a:lnRef idx="1">
+          <a:scrgbClr r="0" g="0" b="0"/>
+        </a:lnRef>
+        <a:fillRef idx="0">
+          <a:scrgbClr r="0" g="0" b="0"/>
+        </a:fillRef>
+        <a:effectRef idx="0">
+          <a:scrgbClr r="0" g="0" b="0"/>
+        </a:effectRef>
+        <a:fontRef idx="minor"/>
+      </dsp:style>
+    </dsp:sp>
+    <dsp:sp modelId="{7E81931F-3C81-4DB3-82D5-109D76282892}">
+      <dsp:nvSpPr>
+        <dsp:cNvPr id="0" name=""/>
+        <dsp:cNvSpPr/>
+      </dsp:nvSpPr>
+      <dsp:spPr>
+        <a:xfrm>
+          <a:off x="1947049" y="1700751"/>
+          <a:ext cx="730000" cy="456250"/>
+        </a:xfrm>
+        <a:prstGeom prst="roundRect">
+          <a:avLst>
+            <a:gd name="adj" fmla="val 10000"/>
+          </a:avLst>
+        </a:prstGeom>
+        <a:solidFill>
+          <a:schemeClr val="lt1">
+            <a:alpha val="90000"/>
+            <a:hueOff val="0"/>
+            <a:satOff val="0"/>
+            <a:lumOff val="0"/>
+            <a:alphaOff val="0"/>
+          </a:schemeClr>
+        </a:solidFill>
+        <a:ln w="9525" cap="rnd" cmpd="sng" algn="ctr">
+          <a:solidFill>
+            <a:schemeClr val="accent1">
+              <a:hueOff val="0"/>
+              <a:satOff val="0"/>
+              <a:lumOff val="0"/>
+              <a:alphaOff val="0"/>
+            </a:schemeClr>
+          </a:solidFill>
+          <a:prstDash val="solid"/>
+        </a:ln>
+        <a:effectLst/>
+      </dsp:spPr>
+      <dsp:style>
+        <a:lnRef idx="1">
+          <a:scrgbClr r="0" g="0" b="0"/>
+        </a:lnRef>
+        <a:fillRef idx="1">
+          <a:scrgbClr r="0" g="0" b="0"/>
+        </a:fillRef>
+        <a:effectRef idx="0">
+          <a:scrgbClr r="0" g="0" b="0"/>
+        </a:effectRef>
+        <a:fontRef idx="minor"/>
+      </dsp:style>
+      <dsp:txBody>
+        <a:bodyPr spcFirstLastPara="0" vert="horz" wrap="square" lIns="13335" tIns="8890" rIns="13335" bIns="8890" numCol="1" spcCol="1270" anchor="ctr" anchorCtr="0">
+          <a:noAutofit/>
+        </a:bodyPr>
+        <a:lstStyle/>
+        <a:p>
+          <a:pPr lvl="0" algn="ctr" defTabSz="311150">
+            <a:lnSpc>
+              <a:spcPct val="90000"/>
+            </a:lnSpc>
+            <a:spcBef>
+              <a:spcPct val="0"/>
+            </a:spcBef>
+            <a:spcAft>
+              <a:spcPct val="35000"/>
+            </a:spcAft>
+          </a:pPr>
+          <a:r>
+            <a:rPr lang="pt-PT" sz="700" kern="1200" dirty="0" smtClean="0"/>
+            <a:t>Open Source</a:t>
+          </a:r>
+          <a:endParaRPr lang="pt-PT" sz="700" kern="1200" dirty="0"/>
+        </a:p>
+      </dsp:txBody>
+      <dsp:txXfrm>
+        <a:off x="1960412" y="1714114"/>
+        <a:ext cx="703274" cy="429524"/>
+      </dsp:txXfrm>
+    </dsp:sp>
+    <dsp:sp modelId="{59F0254C-AFAD-4E3D-A8F7-6171D1D72BE5}">
+      <dsp:nvSpPr>
+        <dsp:cNvPr id="0" name=""/>
+        <dsp:cNvSpPr/>
+      </dsp:nvSpPr>
+      <dsp:spPr>
+        <a:xfrm>
+          <a:off x="1846673" y="505451"/>
+          <a:ext cx="100375" cy="1973942"/>
+        </a:xfrm>
+        <a:custGeom>
+          <a:avLst/>
+          <a:gdLst/>
+          <a:ahLst/>
+          <a:cxnLst/>
+          <a:rect l="0" t="0" r="0" b="0"/>
+          <a:pathLst>
+            <a:path>
+              <a:moveTo>
+                <a:pt x="0" y="0"/>
+              </a:moveTo>
+              <a:lnTo>
+                <a:pt x="0" y="1973942"/>
+              </a:lnTo>
+              <a:lnTo>
+                <a:pt x="100375" y="1973942"/>
+              </a:lnTo>
+            </a:path>
+          </a:pathLst>
+        </a:custGeom>
+        <a:noFill/>
+        <a:ln w="9525" cap="rnd" cmpd="sng" algn="ctr">
+          <a:solidFill>
+            <a:schemeClr val="accent1">
+              <a:shade val="60000"/>
+              <a:hueOff val="0"/>
+              <a:satOff val="0"/>
+              <a:lumOff val="0"/>
+              <a:alphaOff val="0"/>
+            </a:schemeClr>
+          </a:solidFill>
+          <a:prstDash val="solid"/>
+        </a:ln>
+        <a:effectLst/>
+      </dsp:spPr>
+      <dsp:style>
+        <a:lnRef idx="1">
+          <a:scrgbClr r="0" g="0" b="0"/>
+        </a:lnRef>
+        <a:fillRef idx="0">
+          <a:scrgbClr r="0" g="0" b="0"/>
+        </a:fillRef>
+        <a:effectRef idx="0">
+          <a:scrgbClr r="0" g="0" b="0"/>
+        </a:effectRef>
+        <a:fontRef idx="minor"/>
+      </dsp:style>
+    </dsp:sp>
+    <dsp:sp modelId="{8C1715B6-BA7B-438E-97EB-8AEC5ECBF87A}">
+      <dsp:nvSpPr>
+        <dsp:cNvPr id="0" name=""/>
+        <dsp:cNvSpPr/>
+      </dsp:nvSpPr>
+      <dsp:spPr>
+        <a:xfrm>
+          <a:off x="1947049" y="2251268"/>
+          <a:ext cx="730000" cy="456250"/>
+        </a:xfrm>
+        <a:prstGeom prst="roundRect">
+          <a:avLst>
+            <a:gd name="adj" fmla="val 10000"/>
+          </a:avLst>
+        </a:prstGeom>
+        <a:solidFill>
+          <a:schemeClr val="lt1">
+            <a:alpha val="90000"/>
+            <a:hueOff val="0"/>
+            <a:satOff val="0"/>
+            <a:lumOff val="0"/>
+            <a:alphaOff val="0"/>
+          </a:schemeClr>
+        </a:solidFill>
+        <a:ln w="9525" cap="rnd" cmpd="sng" algn="ctr">
+          <a:solidFill>
+            <a:schemeClr val="accent1">
+              <a:hueOff val="0"/>
+              <a:satOff val="0"/>
+              <a:lumOff val="0"/>
+              <a:alphaOff val="0"/>
+            </a:schemeClr>
+          </a:solidFill>
+          <a:prstDash val="solid"/>
+        </a:ln>
+        <a:effectLst/>
+      </dsp:spPr>
+      <dsp:style>
+        <a:lnRef idx="1">
+          <a:scrgbClr r="0" g="0" b="0"/>
+        </a:lnRef>
+        <a:fillRef idx="1">
+          <a:scrgbClr r="0" g="0" b="0"/>
+        </a:fillRef>
+        <a:effectRef idx="0">
+          <a:scrgbClr r="0" g="0" b="0"/>
+        </a:effectRef>
+        <a:fontRef idx="minor"/>
+      </dsp:style>
+      <dsp:txBody>
+        <a:bodyPr spcFirstLastPara="0" vert="horz" wrap="square" lIns="13335" tIns="8890" rIns="13335" bIns="8890" numCol="1" spcCol="1270" anchor="ctr" anchorCtr="0">
+          <a:noAutofit/>
+        </a:bodyPr>
+        <a:lstStyle/>
+        <a:p>
+          <a:pPr lvl="0" algn="ctr" defTabSz="311150">
+            <a:lnSpc>
+              <a:spcPct val="90000"/>
+            </a:lnSpc>
+            <a:spcBef>
+              <a:spcPct val="0"/>
+            </a:spcBef>
+            <a:spcAft>
+              <a:spcPct val="35000"/>
+            </a:spcAft>
+          </a:pPr>
+          <a:r>
+            <a:rPr lang="pt-PT" sz="700" kern="1200" smtClean="0"/>
+            <a:t>Several </a:t>
+          </a:r>
+          <a:r>
+            <a:rPr lang="pt-PT" sz="700" kern="1200" dirty="0" smtClean="0"/>
+            <a:t>plugins</a:t>
+          </a:r>
+          <a:endParaRPr lang="pt-PT" sz="700" kern="1200" dirty="0"/>
+        </a:p>
+      </dsp:txBody>
+      <dsp:txXfrm>
+        <a:off x="1960412" y="2264631"/>
+        <a:ext cx="703274" cy="429524"/>
+      </dsp:txXfrm>
+    </dsp:sp>
+    <dsp:sp modelId="{B128F964-9EE8-46FF-B519-C8284E2BB040}">
+      <dsp:nvSpPr>
+        <dsp:cNvPr id="0" name=""/>
+        <dsp:cNvSpPr/>
+      </dsp:nvSpPr>
+      <dsp:spPr>
+        <a:xfrm>
+          <a:off x="1846673" y="505451"/>
+          <a:ext cx="100375" cy="2524458"/>
+        </a:xfrm>
+        <a:custGeom>
+          <a:avLst/>
+          <a:gdLst/>
+          <a:ahLst/>
+          <a:cxnLst/>
+          <a:rect l="0" t="0" r="0" b="0"/>
+          <a:pathLst>
+            <a:path>
+              <a:moveTo>
+                <a:pt x="0" y="0"/>
+              </a:moveTo>
+              <a:lnTo>
+                <a:pt x="0" y="2524458"/>
+              </a:lnTo>
+              <a:lnTo>
+                <a:pt x="100375" y="2524458"/>
+              </a:lnTo>
+            </a:path>
+          </a:pathLst>
+        </a:custGeom>
+        <a:noFill/>
+        <a:ln w="9525" cap="rnd" cmpd="sng" algn="ctr">
+          <a:solidFill>
+            <a:schemeClr val="accent1">
+              <a:shade val="60000"/>
+              <a:hueOff val="0"/>
+              <a:satOff val="0"/>
+              <a:lumOff val="0"/>
+              <a:alphaOff val="0"/>
+            </a:schemeClr>
+          </a:solidFill>
+          <a:prstDash val="solid"/>
+        </a:ln>
+        <a:effectLst/>
+      </dsp:spPr>
+      <dsp:style>
+        <a:lnRef idx="1">
+          <a:scrgbClr r="0" g="0" b="0"/>
+        </a:lnRef>
+        <a:fillRef idx="0">
+          <a:scrgbClr r="0" g="0" b="0"/>
+        </a:fillRef>
+        <a:effectRef idx="0">
+          <a:scrgbClr r="0" g="0" b="0"/>
+        </a:effectRef>
+        <a:fontRef idx="minor"/>
+      </dsp:style>
+    </dsp:sp>
+    <dsp:sp modelId="{3548ED33-673B-47FB-8DF9-F219CFA710BC}">
+      <dsp:nvSpPr>
+        <dsp:cNvPr id="0" name=""/>
+        <dsp:cNvSpPr/>
+      </dsp:nvSpPr>
+      <dsp:spPr>
+        <a:xfrm>
+          <a:off x="1947049" y="2801785"/>
+          <a:ext cx="730000" cy="456250"/>
+        </a:xfrm>
+        <a:prstGeom prst="roundRect">
+          <a:avLst>
+            <a:gd name="adj" fmla="val 10000"/>
+          </a:avLst>
+        </a:prstGeom>
+        <a:solidFill>
+          <a:schemeClr val="lt1">
+            <a:alpha val="90000"/>
+            <a:hueOff val="0"/>
+            <a:satOff val="0"/>
+            <a:lumOff val="0"/>
+            <a:alphaOff val="0"/>
+          </a:schemeClr>
+        </a:solidFill>
+        <a:ln w="9525" cap="rnd" cmpd="sng" algn="ctr">
+          <a:solidFill>
+            <a:schemeClr val="accent1">
+              <a:hueOff val="0"/>
+              <a:satOff val="0"/>
+              <a:lumOff val="0"/>
+              <a:alphaOff val="0"/>
+            </a:schemeClr>
+          </a:solidFill>
+          <a:prstDash val="solid"/>
+        </a:ln>
+        <a:effectLst/>
+      </dsp:spPr>
+      <dsp:style>
+        <a:lnRef idx="1">
+          <a:scrgbClr r="0" g="0" b="0"/>
+        </a:lnRef>
+        <a:fillRef idx="1">
+          <a:scrgbClr r="0" g="0" b="0"/>
+        </a:fillRef>
+        <a:effectRef idx="0">
+          <a:scrgbClr r="0" g="0" b="0"/>
+        </a:effectRef>
+        <a:fontRef idx="minor"/>
+      </dsp:style>
+      <dsp:txBody>
+        <a:bodyPr spcFirstLastPara="0" vert="horz" wrap="square" lIns="13335" tIns="8890" rIns="13335" bIns="8890" numCol="1" spcCol="1270" anchor="ctr" anchorCtr="0">
+          <a:noAutofit/>
+        </a:bodyPr>
+        <a:lstStyle/>
+        <a:p>
+          <a:pPr lvl="0" algn="ctr" defTabSz="311150">
+            <a:lnSpc>
+              <a:spcPct val="90000"/>
+            </a:lnSpc>
+            <a:spcBef>
+              <a:spcPct val="0"/>
+            </a:spcBef>
+            <a:spcAft>
+              <a:spcPct val="35000"/>
+            </a:spcAft>
+          </a:pPr>
+          <a:r>
+            <a:rPr lang="pt-PT" sz="700" kern="1200" dirty="0" smtClean="0"/>
+            <a:t>Constant conscient if build is “broken”</a:t>
+          </a:r>
+          <a:endParaRPr lang="pt-PT" sz="700" kern="1200" dirty="0"/>
+        </a:p>
+      </dsp:txBody>
+      <dsp:txXfrm>
+        <a:off x="1960412" y="2815148"/>
+        <a:ext cx="703274" cy="429524"/>
+      </dsp:txXfrm>
+    </dsp:sp>
+    <dsp:sp modelId="{4A64C365-06C2-46B7-B947-59EF5BE39B6D}">
+      <dsp:nvSpPr>
+        <dsp:cNvPr id="0" name=""/>
+        <dsp:cNvSpPr/>
+      </dsp:nvSpPr>
+      <dsp:spPr>
+        <a:xfrm>
+          <a:off x="1846673" y="505451"/>
+          <a:ext cx="100375" cy="3074975"/>
+        </a:xfrm>
+        <a:custGeom>
+          <a:avLst/>
+          <a:gdLst/>
+          <a:ahLst/>
+          <a:cxnLst/>
+          <a:rect l="0" t="0" r="0" b="0"/>
+          <a:pathLst>
+            <a:path>
+              <a:moveTo>
+                <a:pt x="0" y="0"/>
+              </a:moveTo>
+              <a:lnTo>
+                <a:pt x="0" y="3074975"/>
+              </a:lnTo>
+              <a:lnTo>
+                <a:pt x="100375" y="3074975"/>
+              </a:lnTo>
+            </a:path>
+          </a:pathLst>
+        </a:custGeom>
+        <a:noFill/>
+        <a:ln w="9525" cap="rnd" cmpd="sng" algn="ctr">
+          <a:solidFill>
+            <a:schemeClr val="accent1">
+              <a:shade val="60000"/>
+              <a:hueOff val="0"/>
+              <a:satOff val="0"/>
+              <a:lumOff val="0"/>
+              <a:alphaOff val="0"/>
+            </a:schemeClr>
+          </a:solidFill>
+          <a:prstDash val="solid"/>
+        </a:ln>
+        <a:effectLst/>
+      </dsp:spPr>
+      <dsp:style>
+        <a:lnRef idx="1">
+          <a:scrgbClr r="0" g="0" b="0"/>
+        </a:lnRef>
+        <a:fillRef idx="0">
+          <a:scrgbClr r="0" g="0" b="0"/>
+        </a:fillRef>
+        <a:effectRef idx="0">
+          <a:scrgbClr r="0" g="0" b="0"/>
+        </a:effectRef>
+        <a:fontRef idx="minor"/>
+      </dsp:style>
+    </dsp:sp>
+    <dsp:sp modelId="{831964B1-E01A-4C78-9158-C8D63428B7DA}">
+      <dsp:nvSpPr>
+        <dsp:cNvPr id="0" name=""/>
+        <dsp:cNvSpPr/>
+      </dsp:nvSpPr>
+      <dsp:spPr>
+        <a:xfrm>
+          <a:off x="1947049" y="3352301"/>
+          <a:ext cx="730000" cy="456250"/>
+        </a:xfrm>
+        <a:prstGeom prst="roundRect">
+          <a:avLst>
+            <a:gd name="adj" fmla="val 10000"/>
+          </a:avLst>
+        </a:prstGeom>
+        <a:solidFill>
+          <a:schemeClr val="lt1">
+            <a:alpha val="90000"/>
+            <a:hueOff val="0"/>
+            <a:satOff val="0"/>
+            <a:lumOff val="0"/>
+            <a:alphaOff val="0"/>
+          </a:schemeClr>
+        </a:solidFill>
+        <a:ln w="9525" cap="rnd" cmpd="sng" algn="ctr">
+          <a:solidFill>
+            <a:schemeClr val="accent1">
+              <a:hueOff val="0"/>
+              <a:satOff val="0"/>
+              <a:lumOff val="0"/>
+              <a:alphaOff val="0"/>
+            </a:schemeClr>
+          </a:solidFill>
+          <a:prstDash val="solid"/>
+        </a:ln>
+        <a:effectLst/>
+      </dsp:spPr>
+      <dsp:style>
+        <a:lnRef idx="1">
+          <a:scrgbClr r="0" g="0" b="0"/>
+        </a:lnRef>
+        <a:fillRef idx="1">
+          <a:scrgbClr r="0" g="0" b="0"/>
+        </a:fillRef>
+        <a:effectRef idx="0">
+          <a:scrgbClr r="0" g="0" b="0"/>
+        </a:effectRef>
+        <a:fontRef idx="minor"/>
+      </dsp:style>
+      <dsp:txBody>
+        <a:bodyPr spcFirstLastPara="0" vert="horz" wrap="square" lIns="13335" tIns="8890" rIns="13335" bIns="8890" numCol="1" spcCol="1270" anchor="ctr" anchorCtr="0">
+          <a:noAutofit/>
+        </a:bodyPr>
+        <a:lstStyle/>
+        <a:p>
+          <a:pPr lvl="0" algn="ctr" defTabSz="311150">
+            <a:lnSpc>
+              <a:spcPct val="90000"/>
+            </a:lnSpc>
+            <a:spcBef>
+              <a:spcPct val="0"/>
+            </a:spcBef>
+            <a:spcAft>
+              <a:spcPct val="35000"/>
+            </a:spcAft>
+          </a:pPr>
+          <a:r>
+            <a:rPr lang="pt-PT" sz="700" kern="1200" dirty="0" smtClean="0"/>
+            <a:t>A static code verfication can also be done</a:t>
+          </a:r>
+          <a:endParaRPr lang="pt-PT" sz="700" kern="1200" dirty="0"/>
+        </a:p>
+      </dsp:txBody>
+      <dsp:txXfrm>
+        <a:off x="1960412" y="3365664"/>
+        <a:ext cx="703274" cy="429524"/>
+      </dsp:txXfrm>
+    </dsp:sp>
+    <dsp:sp modelId="{CC93376A-112F-470C-A92E-6B9C4768A381}">
+      <dsp:nvSpPr>
+        <dsp:cNvPr id="0" name=""/>
+        <dsp:cNvSpPr/>
+      </dsp:nvSpPr>
+      <dsp:spPr>
+        <a:xfrm>
+          <a:off x="1846673" y="505451"/>
+          <a:ext cx="100375" cy="3625492"/>
+        </a:xfrm>
+        <a:custGeom>
+          <a:avLst/>
+          <a:gdLst/>
+          <a:ahLst/>
+          <a:cxnLst/>
+          <a:rect l="0" t="0" r="0" b="0"/>
+          <a:pathLst>
+            <a:path>
+              <a:moveTo>
+                <a:pt x="0" y="0"/>
+              </a:moveTo>
+              <a:lnTo>
+                <a:pt x="0" y="3625492"/>
+              </a:lnTo>
+              <a:lnTo>
+                <a:pt x="100375" y="3625492"/>
+              </a:lnTo>
+            </a:path>
+          </a:pathLst>
+        </a:custGeom>
+        <a:noFill/>
+        <a:ln w="9525" cap="rnd" cmpd="sng" algn="ctr">
+          <a:solidFill>
+            <a:schemeClr val="accent1">
+              <a:shade val="60000"/>
+              <a:hueOff val="0"/>
+              <a:satOff val="0"/>
+              <a:lumOff val="0"/>
+              <a:alphaOff val="0"/>
+            </a:schemeClr>
+          </a:solidFill>
+          <a:prstDash val="solid"/>
+        </a:ln>
+        <a:effectLst/>
+      </dsp:spPr>
+      <dsp:style>
+        <a:lnRef idx="1">
+          <a:scrgbClr r="0" g="0" b="0"/>
+        </a:lnRef>
+        <a:fillRef idx="0">
+          <a:scrgbClr r="0" g="0" b="0"/>
+        </a:fillRef>
+        <a:effectRef idx="0">
+          <a:scrgbClr r="0" g="0" b="0"/>
+        </a:effectRef>
+        <a:fontRef idx="minor"/>
+      </dsp:style>
+    </dsp:sp>
+    <dsp:sp modelId="{A5E6D460-1049-4DD1-B5F1-BB5A03E46C6F}">
+      <dsp:nvSpPr>
+        <dsp:cNvPr id="0" name=""/>
+        <dsp:cNvSpPr/>
+      </dsp:nvSpPr>
+      <dsp:spPr>
+        <a:xfrm>
+          <a:off x="1947049" y="3902818"/>
+          <a:ext cx="730000" cy="456250"/>
+        </a:xfrm>
+        <a:prstGeom prst="roundRect">
+          <a:avLst>
+            <a:gd name="adj" fmla="val 10000"/>
+          </a:avLst>
+        </a:prstGeom>
+        <a:solidFill>
+          <a:schemeClr val="lt1">
+            <a:alpha val="90000"/>
+            <a:hueOff val="0"/>
+            <a:satOff val="0"/>
+            <a:lumOff val="0"/>
+            <a:alphaOff val="0"/>
+          </a:schemeClr>
+        </a:solidFill>
+        <a:ln w="9525" cap="rnd" cmpd="sng" algn="ctr">
+          <a:solidFill>
+            <a:schemeClr val="accent1">
+              <a:hueOff val="0"/>
+              <a:satOff val="0"/>
+              <a:lumOff val="0"/>
+              <a:alphaOff val="0"/>
+            </a:schemeClr>
+          </a:solidFill>
+          <a:prstDash val="solid"/>
+        </a:ln>
+        <a:effectLst/>
+      </dsp:spPr>
+      <dsp:style>
+        <a:lnRef idx="1">
+          <a:scrgbClr r="0" g="0" b="0"/>
+        </a:lnRef>
+        <a:fillRef idx="1">
+          <a:scrgbClr r="0" g="0" b="0"/>
+        </a:fillRef>
+        <a:effectRef idx="0">
+          <a:scrgbClr r="0" g="0" b="0"/>
+        </a:effectRef>
+        <a:fontRef idx="minor"/>
+      </dsp:style>
+      <dsp:txBody>
+        <a:bodyPr spcFirstLastPara="0" vert="horz" wrap="square" lIns="13335" tIns="8890" rIns="13335" bIns="8890" numCol="1" spcCol="1270" anchor="ctr" anchorCtr="0">
+          <a:noAutofit/>
+        </a:bodyPr>
+        <a:lstStyle/>
+        <a:p>
+          <a:pPr lvl="0" algn="ctr" defTabSz="311150">
+            <a:lnSpc>
+              <a:spcPct val="90000"/>
+            </a:lnSpc>
+            <a:spcBef>
+              <a:spcPct val="0"/>
+            </a:spcBef>
+            <a:spcAft>
+              <a:spcPct val="35000"/>
+            </a:spcAft>
+          </a:pPr>
+          <a:r>
+            <a:rPr lang="pt-PT" sz="700" kern="1200" dirty="0" smtClean="0"/>
+            <a:t>Possibility to do “nightly builds” – good to big projects</a:t>
+          </a:r>
+          <a:endParaRPr lang="pt-PT" sz="700" kern="1200" dirty="0"/>
+        </a:p>
+      </dsp:txBody>
+      <dsp:txXfrm>
+        <a:off x="1960412" y="3916181"/>
+        <a:ext cx="703274" cy="429524"/>
+      </dsp:txXfrm>
+    </dsp:sp>
+    <dsp:sp modelId="{2D6695BE-25C1-46C7-8352-964F3DB123E4}">
+      <dsp:nvSpPr>
+        <dsp:cNvPr id="0" name=""/>
+        <dsp:cNvSpPr/>
+      </dsp:nvSpPr>
+      <dsp:spPr>
+        <a:xfrm>
+          <a:off x="2938582" y="3576"/>
+          <a:ext cx="1003750" cy="501875"/>
+        </a:xfrm>
+        <a:prstGeom prst="roundRect">
+          <a:avLst>
+            <a:gd name="adj" fmla="val 10000"/>
+          </a:avLst>
+        </a:prstGeom>
+        <a:gradFill rotWithShape="0">
+          <a:gsLst>
+            <a:gs pos="0">
+              <a:schemeClr val="accent1">
+                <a:hueOff val="0"/>
+                <a:satOff val="0"/>
+                <a:lumOff val="0"/>
+                <a:alphaOff val="0"/>
+                <a:tint val="98000"/>
+                <a:lumMod val="114000"/>
+              </a:schemeClr>
+            </a:gs>
+            <a:gs pos="100000">
+              <a:schemeClr val="accent1">
+                <a:hueOff val="0"/>
+                <a:satOff val="0"/>
+                <a:lumOff val="0"/>
+                <a:alphaOff val="0"/>
+                <a:shade val="90000"/>
+                <a:lumMod val="84000"/>
+              </a:schemeClr>
+            </a:gs>
+          </a:gsLst>
+          <a:lin ang="5400000" scaled="0"/>
+        </a:gradFill>
+        <a:ln>
+          <a:noFill/>
+        </a:ln>
+        <a:effectLst>
+          <a:outerShdw blurRad="38100" dist="25400" dir="5400000" rotWithShape="0">
+            <a:srgbClr val="000000">
+              <a:alpha val="45000"/>
+            </a:srgbClr>
+          </a:outerShdw>
+        </a:effectLst>
+      </dsp:spPr>
+      <dsp:style>
+        <a:lnRef idx="0">
+          <a:scrgbClr r="0" g="0" b="0"/>
+        </a:lnRef>
+        <a:fillRef idx="3">
+          <a:scrgbClr r="0" g="0" b="0"/>
+        </a:fillRef>
+        <a:effectRef idx="2">
+          <a:scrgbClr r="0" g="0" b="0"/>
+        </a:effectRef>
+        <a:fontRef idx="minor">
+          <a:schemeClr val="lt1"/>
+        </a:fontRef>
+      </dsp:style>
+      <dsp:txBody>
+        <a:bodyPr spcFirstLastPara="0" vert="horz" wrap="square" lIns="51435" tIns="34290" rIns="51435" bIns="34290" numCol="1" spcCol="1270" anchor="ctr" anchorCtr="0">
+          <a:noAutofit/>
+        </a:bodyPr>
+        <a:lstStyle/>
+        <a:p>
+          <a:pPr lvl="0" algn="ctr" defTabSz="1200150">
+            <a:lnSpc>
+              <a:spcPct val="90000"/>
+            </a:lnSpc>
+            <a:spcBef>
+              <a:spcPct val="0"/>
+            </a:spcBef>
+            <a:spcAft>
+              <a:spcPct val="35000"/>
+            </a:spcAft>
+          </a:pPr>
+          <a:r>
+            <a:rPr lang="pt-PT" sz="2700" kern="1200" dirty="0" smtClean="0"/>
+            <a:t>Cons</a:t>
+          </a:r>
+          <a:endParaRPr lang="pt-PT" sz="2700" kern="1200" dirty="0"/>
+        </a:p>
+      </dsp:txBody>
+      <dsp:txXfrm>
+        <a:off x="2953281" y="18275"/>
+        <a:ext cx="974352" cy="472477"/>
+      </dsp:txXfrm>
+    </dsp:sp>
+    <dsp:sp modelId="{665B2015-8348-4619-A88A-458FE46C5216}">
+      <dsp:nvSpPr>
+        <dsp:cNvPr id="0" name=""/>
+        <dsp:cNvSpPr/>
+      </dsp:nvSpPr>
+      <dsp:spPr>
+        <a:xfrm>
+          <a:off x="3038957" y="505451"/>
+          <a:ext cx="100375" cy="322391"/>
+        </a:xfrm>
+        <a:custGeom>
+          <a:avLst/>
+          <a:gdLst/>
+          <a:ahLst/>
+          <a:cxnLst/>
+          <a:rect l="0" t="0" r="0" b="0"/>
+          <a:pathLst>
+            <a:path>
+              <a:moveTo>
+                <a:pt x="0" y="0"/>
+              </a:moveTo>
+              <a:lnTo>
+                <a:pt x="0" y="322391"/>
+              </a:lnTo>
+              <a:lnTo>
+                <a:pt x="100375" y="322391"/>
+              </a:lnTo>
+            </a:path>
+          </a:pathLst>
+        </a:custGeom>
+        <a:noFill/>
+        <a:ln w="9525" cap="rnd" cmpd="sng" algn="ctr">
+          <a:solidFill>
+            <a:schemeClr val="accent1">
+              <a:shade val="60000"/>
+              <a:hueOff val="0"/>
+              <a:satOff val="0"/>
+              <a:lumOff val="0"/>
+              <a:alphaOff val="0"/>
+            </a:schemeClr>
+          </a:solidFill>
+          <a:prstDash val="solid"/>
+        </a:ln>
+        <a:effectLst/>
+      </dsp:spPr>
+      <dsp:style>
+        <a:lnRef idx="1">
+          <a:scrgbClr r="0" g="0" b="0"/>
+        </a:lnRef>
+        <a:fillRef idx="0">
+          <a:scrgbClr r="0" g="0" b="0"/>
+        </a:fillRef>
+        <a:effectRef idx="0">
+          <a:scrgbClr r="0" g="0" b="0"/>
+        </a:effectRef>
+        <a:fontRef idx="minor"/>
+      </dsp:style>
+    </dsp:sp>
+    <dsp:sp modelId="{6817C1B7-11FB-4758-B864-210D01678FDC}">
+      <dsp:nvSpPr>
+        <dsp:cNvPr id="0" name=""/>
+        <dsp:cNvSpPr/>
+      </dsp:nvSpPr>
+      <dsp:spPr>
+        <a:xfrm>
+          <a:off x="3139332" y="599717"/>
+          <a:ext cx="730000" cy="456250"/>
+        </a:xfrm>
+        <a:prstGeom prst="roundRect">
+          <a:avLst>
+            <a:gd name="adj" fmla="val 10000"/>
+          </a:avLst>
+        </a:prstGeom>
+        <a:solidFill>
+          <a:schemeClr val="lt1">
+            <a:alpha val="90000"/>
+            <a:hueOff val="0"/>
+            <a:satOff val="0"/>
+            <a:lumOff val="0"/>
+            <a:alphaOff val="0"/>
+          </a:schemeClr>
+        </a:solidFill>
+        <a:ln w="9525" cap="rnd" cmpd="sng" algn="ctr">
+          <a:solidFill>
+            <a:schemeClr val="accent1">
+              <a:hueOff val="0"/>
+              <a:satOff val="0"/>
+              <a:lumOff val="0"/>
+              <a:alphaOff val="0"/>
+            </a:schemeClr>
+          </a:solidFill>
+          <a:prstDash val="solid"/>
+        </a:ln>
+        <a:effectLst/>
+      </dsp:spPr>
+      <dsp:style>
+        <a:lnRef idx="1">
+          <a:scrgbClr r="0" g="0" b="0"/>
+        </a:lnRef>
+        <a:fillRef idx="1">
+          <a:scrgbClr r="0" g="0" b="0"/>
+        </a:fillRef>
+        <a:effectRef idx="0">
+          <a:scrgbClr r="0" g="0" b="0"/>
+        </a:effectRef>
+        <a:fontRef idx="minor"/>
+      </dsp:style>
+      <dsp:txBody>
+        <a:bodyPr spcFirstLastPara="0" vert="horz" wrap="square" lIns="13335" tIns="8890" rIns="13335" bIns="8890" numCol="1" spcCol="1270" anchor="ctr" anchorCtr="0">
+          <a:noAutofit/>
+        </a:bodyPr>
+        <a:lstStyle/>
+        <a:p>
+          <a:pPr lvl="0" algn="ctr" defTabSz="311150">
+            <a:lnSpc>
+              <a:spcPct val="90000"/>
+            </a:lnSpc>
+            <a:spcBef>
+              <a:spcPct val="0"/>
+            </a:spcBef>
+            <a:spcAft>
+              <a:spcPct val="35000"/>
+            </a:spcAft>
+          </a:pPr>
+          <a:r>
+            <a:rPr lang="pt-PT" sz="700" kern="1200" dirty="0" smtClean="0"/>
+            <a:t>Too simplistic apresentation</a:t>
+          </a:r>
+          <a:endParaRPr lang="pt-PT" sz="700" kern="1200" dirty="0"/>
+        </a:p>
+      </dsp:txBody>
+      <dsp:txXfrm>
+        <a:off x="3152695" y="613080"/>
+        <a:ext cx="703274" cy="429524"/>
+      </dsp:txXfrm>
+    </dsp:sp>
+    <dsp:sp modelId="{0B3358E2-26D5-461E-AD31-7A4654034337}">
+      <dsp:nvSpPr>
+        <dsp:cNvPr id="0" name=""/>
+        <dsp:cNvSpPr/>
+      </dsp:nvSpPr>
+      <dsp:spPr>
+        <a:xfrm>
+          <a:off x="3038957" y="505451"/>
+          <a:ext cx="100375" cy="872908"/>
+        </a:xfrm>
+        <a:custGeom>
+          <a:avLst/>
+          <a:gdLst/>
+          <a:ahLst/>
+          <a:cxnLst/>
+          <a:rect l="0" t="0" r="0" b="0"/>
+          <a:pathLst>
+            <a:path>
+              <a:moveTo>
+                <a:pt x="0" y="0"/>
+              </a:moveTo>
+              <a:lnTo>
+                <a:pt x="0" y="872908"/>
+              </a:lnTo>
+              <a:lnTo>
+                <a:pt x="100375" y="872908"/>
+              </a:lnTo>
+            </a:path>
+          </a:pathLst>
+        </a:custGeom>
+        <a:noFill/>
+        <a:ln w="9525" cap="rnd" cmpd="sng" algn="ctr">
+          <a:solidFill>
+            <a:schemeClr val="accent1">
+              <a:shade val="60000"/>
+              <a:hueOff val="0"/>
+              <a:satOff val="0"/>
+              <a:lumOff val="0"/>
+              <a:alphaOff val="0"/>
+            </a:schemeClr>
+          </a:solidFill>
+          <a:prstDash val="solid"/>
+        </a:ln>
+        <a:effectLst/>
+      </dsp:spPr>
+      <dsp:style>
+        <a:lnRef idx="1">
+          <a:scrgbClr r="0" g="0" b="0"/>
+        </a:lnRef>
+        <a:fillRef idx="0">
+          <a:scrgbClr r="0" g="0" b="0"/>
+        </a:fillRef>
+        <a:effectRef idx="0">
+          <a:scrgbClr r="0" g="0" b="0"/>
+        </a:effectRef>
+        <a:fontRef idx="minor"/>
+      </dsp:style>
+    </dsp:sp>
+    <dsp:sp modelId="{0E7FBF3B-7D1F-4A68-8FFB-C953C781DE15}">
+      <dsp:nvSpPr>
+        <dsp:cNvPr id="0" name=""/>
+        <dsp:cNvSpPr/>
+      </dsp:nvSpPr>
+      <dsp:spPr>
+        <a:xfrm>
+          <a:off x="3139332" y="1150234"/>
+          <a:ext cx="730000" cy="456250"/>
+        </a:xfrm>
+        <a:prstGeom prst="roundRect">
+          <a:avLst>
+            <a:gd name="adj" fmla="val 10000"/>
+          </a:avLst>
+        </a:prstGeom>
+        <a:solidFill>
+          <a:schemeClr val="lt1">
+            <a:alpha val="90000"/>
+            <a:hueOff val="0"/>
+            <a:satOff val="0"/>
+            <a:lumOff val="0"/>
+            <a:alphaOff val="0"/>
+          </a:schemeClr>
+        </a:solidFill>
+        <a:ln w="9525" cap="rnd" cmpd="sng" algn="ctr">
+          <a:solidFill>
+            <a:schemeClr val="accent1">
+              <a:hueOff val="0"/>
+              <a:satOff val="0"/>
+              <a:lumOff val="0"/>
+              <a:alphaOff val="0"/>
+            </a:schemeClr>
+          </a:solidFill>
+          <a:prstDash val="solid"/>
+        </a:ln>
+        <a:effectLst/>
+      </dsp:spPr>
+      <dsp:style>
+        <a:lnRef idx="1">
+          <a:scrgbClr r="0" g="0" b="0"/>
+        </a:lnRef>
+        <a:fillRef idx="1">
+          <a:scrgbClr r="0" g="0" b="0"/>
+        </a:fillRef>
+        <a:effectRef idx="0">
+          <a:scrgbClr r="0" g="0" b="0"/>
+        </a:effectRef>
+        <a:fontRef idx="minor"/>
+      </dsp:style>
+      <dsp:txBody>
+        <a:bodyPr spcFirstLastPara="0" vert="horz" wrap="square" lIns="13335" tIns="8890" rIns="13335" bIns="8890" numCol="1" spcCol="1270" anchor="ctr" anchorCtr="0">
+          <a:noAutofit/>
+        </a:bodyPr>
+        <a:lstStyle/>
+        <a:p>
+          <a:pPr lvl="0" algn="ctr" defTabSz="311150">
+            <a:lnSpc>
+              <a:spcPct val="90000"/>
+            </a:lnSpc>
+            <a:spcBef>
+              <a:spcPct val="0"/>
+            </a:spcBef>
+            <a:spcAft>
+              <a:spcPct val="35000"/>
+            </a:spcAft>
+          </a:pPr>
+          <a:r>
+            <a:rPr lang="pt-PT" sz="700" kern="1200" dirty="0" smtClean="0"/>
+            <a:t>Icons not very clear</a:t>
+          </a:r>
+          <a:endParaRPr lang="pt-PT" sz="700" kern="1200" dirty="0"/>
+        </a:p>
+      </dsp:txBody>
+      <dsp:txXfrm>
+        <a:off x="3152695" y="1163597"/>
+        <a:ext cx="703274" cy="429524"/>
+      </dsp:txXfrm>
+    </dsp:sp>
+    <dsp:sp modelId="{2F157E92-6736-4A13-A6CB-BE96A53AFD9F}">
+      <dsp:nvSpPr>
+        <dsp:cNvPr id="0" name=""/>
+        <dsp:cNvSpPr/>
+      </dsp:nvSpPr>
+      <dsp:spPr>
+        <a:xfrm>
+          <a:off x="3038957" y="505451"/>
+          <a:ext cx="100375" cy="1423425"/>
+        </a:xfrm>
+        <a:custGeom>
+          <a:avLst/>
+          <a:gdLst/>
+          <a:ahLst/>
+          <a:cxnLst/>
+          <a:rect l="0" t="0" r="0" b="0"/>
+          <a:pathLst>
+            <a:path>
+              <a:moveTo>
+                <a:pt x="0" y="0"/>
+              </a:moveTo>
+              <a:lnTo>
+                <a:pt x="0" y="1423425"/>
+              </a:lnTo>
+              <a:lnTo>
+                <a:pt x="100375" y="1423425"/>
+              </a:lnTo>
+            </a:path>
+          </a:pathLst>
+        </a:custGeom>
+        <a:noFill/>
+        <a:ln w="9525" cap="rnd" cmpd="sng" algn="ctr">
+          <a:solidFill>
+            <a:schemeClr val="accent1">
+              <a:shade val="60000"/>
+              <a:hueOff val="0"/>
+              <a:satOff val="0"/>
+              <a:lumOff val="0"/>
+              <a:alphaOff val="0"/>
+            </a:schemeClr>
+          </a:solidFill>
+          <a:prstDash val="solid"/>
+        </a:ln>
+        <a:effectLst/>
+      </dsp:spPr>
+      <dsp:style>
+        <a:lnRef idx="1">
+          <a:scrgbClr r="0" g="0" b="0"/>
+        </a:lnRef>
+        <a:fillRef idx="0">
+          <a:scrgbClr r="0" g="0" b="0"/>
+        </a:fillRef>
+        <a:effectRef idx="0">
+          <a:scrgbClr r="0" g="0" b="0"/>
+        </a:effectRef>
+        <a:fontRef idx="minor"/>
+      </dsp:style>
+    </dsp:sp>
+    <dsp:sp modelId="{548B7762-B5B8-4C69-88AE-F72473B32CBC}">
+      <dsp:nvSpPr>
+        <dsp:cNvPr id="0" name=""/>
+        <dsp:cNvSpPr/>
+      </dsp:nvSpPr>
+      <dsp:spPr>
+        <a:xfrm>
+          <a:off x="3139332" y="1700751"/>
+          <a:ext cx="730000" cy="456250"/>
+        </a:xfrm>
+        <a:prstGeom prst="roundRect">
+          <a:avLst>
+            <a:gd name="adj" fmla="val 10000"/>
+          </a:avLst>
+        </a:prstGeom>
+        <a:solidFill>
+          <a:schemeClr val="lt1">
+            <a:alpha val="90000"/>
+            <a:hueOff val="0"/>
+            <a:satOff val="0"/>
+            <a:lumOff val="0"/>
+            <a:alphaOff val="0"/>
+          </a:schemeClr>
+        </a:solidFill>
+        <a:ln w="9525" cap="rnd" cmpd="sng" algn="ctr">
+          <a:solidFill>
+            <a:schemeClr val="accent1">
+              <a:hueOff val="0"/>
+              <a:satOff val="0"/>
+              <a:lumOff val="0"/>
+              <a:alphaOff val="0"/>
+            </a:schemeClr>
+          </a:solidFill>
+          <a:prstDash val="solid"/>
+        </a:ln>
+        <a:effectLst/>
+      </dsp:spPr>
+      <dsp:style>
+        <a:lnRef idx="1">
+          <a:scrgbClr r="0" g="0" b="0"/>
+        </a:lnRef>
+        <a:fillRef idx="1">
+          <a:scrgbClr r="0" g="0" b="0"/>
+        </a:fillRef>
+        <a:effectRef idx="0">
+          <a:scrgbClr r="0" g="0" b="0"/>
+        </a:effectRef>
+        <a:fontRef idx="minor"/>
+      </dsp:style>
+      <dsp:txBody>
+        <a:bodyPr spcFirstLastPara="0" vert="horz" wrap="square" lIns="13335" tIns="8890" rIns="13335" bIns="8890" numCol="1" spcCol="1270" anchor="ctr" anchorCtr="0">
+          <a:noAutofit/>
+        </a:bodyPr>
+        <a:lstStyle/>
+        <a:p>
+          <a:pPr lvl="0" algn="ctr" defTabSz="311150">
+            <a:lnSpc>
+              <a:spcPct val="90000"/>
+            </a:lnSpc>
+            <a:spcBef>
+              <a:spcPct val="0"/>
+            </a:spcBef>
+            <a:spcAft>
+              <a:spcPct val="35000"/>
+            </a:spcAft>
+          </a:pPr>
+          <a:r>
+            <a:rPr lang="pt-PT" sz="700" kern="1200" dirty="0" smtClean="0"/>
+            <a:t>Some plugins require complicated configurations</a:t>
+          </a:r>
+          <a:endParaRPr lang="pt-PT" sz="700" kern="1200" dirty="0"/>
+        </a:p>
+      </dsp:txBody>
+      <dsp:txXfrm>
+        <a:off x="3152695" y="1714114"/>
+        <a:ext cx="703274" cy="429524"/>
+      </dsp:txXfrm>
+    </dsp:sp>
+    <dsp:sp modelId="{D69BB881-E2F5-44B9-9DBD-6D90C7DB7496}">
+      <dsp:nvSpPr>
+        <dsp:cNvPr id="0" name=""/>
+        <dsp:cNvSpPr/>
+      </dsp:nvSpPr>
+      <dsp:spPr>
+        <a:xfrm>
+          <a:off x="3038957" y="505451"/>
+          <a:ext cx="100375" cy="1973942"/>
+        </a:xfrm>
+        <a:custGeom>
+          <a:avLst/>
+          <a:gdLst/>
+          <a:ahLst/>
+          <a:cxnLst/>
+          <a:rect l="0" t="0" r="0" b="0"/>
+          <a:pathLst>
+            <a:path>
+              <a:moveTo>
+                <a:pt x="0" y="0"/>
+              </a:moveTo>
+              <a:lnTo>
+                <a:pt x="0" y="1973942"/>
+              </a:lnTo>
+              <a:lnTo>
+                <a:pt x="100375" y="1973942"/>
+              </a:lnTo>
+            </a:path>
+          </a:pathLst>
+        </a:custGeom>
+        <a:noFill/>
+        <a:ln w="9525" cap="rnd" cmpd="sng" algn="ctr">
+          <a:solidFill>
+            <a:schemeClr val="accent1">
+              <a:shade val="60000"/>
+              <a:hueOff val="0"/>
+              <a:satOff val="0"/>
+              <a:lumOff val="0"/>
+              <a:alphaOff val="0"/>
+            </a:schemeClr>
+          </a:solidFill>
+          <a:prstDash val="solid"/>
+        </a:ln>
+        <a:effectLst/>
+      </dsp:spPr>
+      <dsp:style>
+        <a:lnRef idx="1">
+          <a:scrgbClr r="0" g="0" b="0"/>
+        </a:lnRef>
+        <a:fillRef idx="0">
+          <a:scrgbClr r="0" g="0" b="0"/>
+        </a:fillRef>
+        <a:effectRef idx="0">
+          <a:scrgbClr r="0" g="0" b="0"/>
+        </a:effectRef>
+        <a:fontRef idx="minor"/>
+      </dsp:style>
+    </dsp:sp>
+    <dsp:sp modelId="{50E43E93-9EF6-4576-8695-D64977549991}">
+      <dsp:nvSpPr>
+        <dsp:cNvPr id="0" name=""/>
+        <dsp:cNvSpPr/>
+      </dsp:nvSpPr>
+      <dsp:spPr>
+        <a:xfrm>
+          <a:off x="3139332" y="2251268"/>
+          <a:ext cx="730000" cy="456250"/>
+        </a:xfrm>
+        <a:prstGeom prst="roundRect">
+          <a:avLst>
+            <a:gd name="adj" fmla="val 10000"/>
+          </a:avLst>
+        </a:prstGeom>
+        <a:solidFill>
+          <a:schemeClr val="lt1">
+            <a:alpha val="90000"/>
+            <a:hueOff val="0"/>
+            <a:satOff val="0"/>
+            <a:lumOff val="0"/>
+            <a:alphaOff val="0"/>
+          </a:schemeClr>
+        </a:solidFill>
+        <a:ln w="9525" cap="rnd" cmpd="sng" algn="ctr">
+          <a:solidFill>
+            <a:schemeClr val="accent1">
+              <a:hueOff val="0"/>
+              <a:satOff val="0"/>
+              <a:lumOff val="0"/>
+              <a:alphaOff val="0"/>
+            </a:schemeClr>
+          </a:solidFill>
+          <a:prstDash val="solid"/>
+        </a:ln>
+        <a:effectLst/>
+      </dsp:spPr>
+      <dsp:style>
+        <a:lnRef idx="1">
+          <a:scrgbClr r="0" g="0" b="0"/>
+        </a:lnRef>
+        <a:fillRef idx="1">
+          <a:scrgbClr r="0" g="0" b="0"/>
+        </a:fillRef>
+        <a:effectRef idx="0">
+          <a:scrgbClr r="0" g="0" b="0"/>
+        </a:effectRef>
+        <a:fontRef idx="minor"/>
+      </dsp:style>
+      <dsp:txBody>
+        <a:bodyPr spcFirstLastPara="0" vert="horz" wrap="square" lIns="13335" tIns="8890" rIns="13335" bIns="8890" numCol="1" spcCol="1270" anchor="ctr" anchorCtr="0">
+          <a:noAutofit/>
+        </a:bodyPr>
+        <a:lstStyle/>
+        <a:p>
+          <a:pPr lvl="0" algn="ctr" defTabSz="311150">
+            <a:lnSpc>
+              <a:spcPct val="90000"/>
+            </a:lnSpc>
+            <a:spcBef>
+              <a:spcPct val="0"/>
+            </a:spcBef>
+            <a:spcAft>
+              <a:spcPct val="35000"/>
+            </a:spcAft>
+          </a:pPr>
+          <a:r>
+            <a:rPr lang="pt-PT" sz="700" kern="1200" dirty="0" smtClean="0"/>
+            <a:t>Constant effort for maintaince</a:t>
+          </a:r>
+          <a:endParaRPr lang="pt-PT" sz="700" kern="1200" dirty="0"/>
+        </a:p>
+      </dsp:txBody>
+      <dsp:txXfrm>
+        <a:off x="3152695" y="2264631"/>
+        <a:ext cx="703274" cy="429524"/>
+      </dsp:txXfrm>
+    </dsp:sp>
+    <dsp:sp modelId="{4F01DEA1-6963-411C-B81A-F6998C0C045E}">
+      <dsp:nvSpPr>
+        <dsp:cNvPr id="0" name=""/>
+        <dsp:cNvSpPr/>
+      </dsp:nvSpPr>
+      <dsp:spPr>
+        <a:xfrm>
+          <a:off x="3038957" y="505451"/>
+          <a:ext cx="100375" cy="2524458"/>
+        </a:xfrm>
+        <a:custGeom>
+          <a:avLst/>
+          <a:gdLst/>
+          <a:ahLst/>
+          <a:cxnLst/>
+          <a:rect l="0" t="0" r="0" b="0"/>
+          <a:pathLst>
+            <a:path>
+              <a:moveTo>
+                <a:pt x="0" y="0"/>
+              </a:moveTo>
+              <a:lnTo>
+                <a:pt x="0" y="2524458"/>
+              </a:lnTo>
+              <a:lnTo>
+                <a:pt x="100375" y="2524458"/>
+              </a:lnTo>
+            </a:path>
+          </a:pathLst>
+        </a:custGeom>
+        <a:noFill/>
+        <a:ln w="9525" cap="rnd" cmpd="sng" algn="ctr">
+          <a:solidFill>
+            <a:schemeClr val="accent1">
+              <a:shade val="60000"/>
+              <a:hueOff val="0"/>
+              <a:satOff val="0"/>
+              <a:lumOff val="0"/>
+              <a:alphaOff val="0"/>
+            </a:schemeClr>
+          </a:solidFill>
+          <a:prstDash val="solid"/>
+        </a:ln>
+        <a:effectLst/>
+      </dsp:spPr>
+      <dsp:style>
+        <a:lnRef idx="1">
+          <a:scrgbClr r="0" g="0" b="0"/>
+        </a:lnRef>
+        <a:fillRef idx="0">
+          <a:scrgbClr r="0" g="0" b="0"/>
+        </a:fillRef>
+        <a:effectRef idx="0">
+          <a:scrgbClr r="0" g="0" b="0"/>
+        </a:effectRef>
+        <a:fontRef idx="minor"/>
+      </dsp:style>
+    </dsp:sp>
+    <dsp:sp modelId="{5F110DA3-1DE8-4F12-A68F-86C4A5BF1E8C}">
+      <dsp:nvSpPr>
+        <dsp:cNvPr id="0" name=""/>
+        <dsp:cNvSpPr/>
+      </dsp:nvSpPr>
+      <dsp:spPr>
+        <a:xfrm>
+          <a:off x="3139332" y="2801785"/>
+          <a:ext cx="730000" cy="456250"/>
+        </a:xfrm>
+        <a:prstGeom prst="roundRect">
+          <a:avLst>
+            <a:gd name="adj" fmla="val 10000"/>
+          </a:avLst>
+        </a:prstGeom>
+        <a:solidFill>
+          <a:schemeClr val="lt1">
+            <a:alpha val="90000"/>
+            <a:hueOff val="0"/>
+            <a:satOff val="0"/>
+            <a:lumOff val="0"/>
+            <a:alphaOff val="0"/>
+          </a:schemeClr>
+        </a:solidFill>
+        <a:ln w="9525" cap="rnd" cmpd="sng" algn="ctr">
+          <a:solidFill>
+            <a:schemeClr val="accent1">
+              <a:hueOff val="0"/>
+              <a:satOff val="0"/>
+              <a:lumOff val="0"/>
+              <a:alphaOff val="0"/>
+            </a:schemeClr>
+          </a:solidFill>
+          <a:prstDash val="solid"/>
+        </a:ln>
+        <a:effectLst/>
+      </dsp:spPr>
+      <dsp:style>
+        <a:lnRef idx="1">
+          <a:scrgbClr r="0" g="0" b="0"/>
+        </a:lnRef>
+        <a:fillRef idx="1">
+          <a:scrgbClr r="0" g="0" b="0"/>
+        </a:fillRef>
+        <a:effectRef idx="0">
+          <a:scrgbClr r="0" g="0" b="0"/>
+        </a:effectRef>
+        <a:fontRef idx="minor"/>
+      </dsp:style>
+      <dsp:txBody>
+        <a:bodyPr spcFirstLastPara="0" vert="horz" wrap="square" lIns="13335" tIns="8890" rIns="13335" bIns="8890" numCol="1" spcCol="1270" anchor="ctr" anchorCtr="0">
+          <a:noAutofit/>
+        </a:bodyPr>
+        <a:lstStyle/>
+        <a:p>
+          <a:pPr lvl="0" algn="ctr" defTabSz="311150">
+            <a:lnSpc>
+              <a:spcPct val="90000"/>
+            </a:lnSpc>
+            <a:spcBef>
+              <a:spcPct val="0"/>
+            </a:spcBef>
+            <a:spcAft>
+              <a:spcPct val="35000"/>
+            </a:spcAft>
+          </a:pPr>
+          <a:r>
+            <a:rPr lang="pt-PT" sz="700" kern="1200" dirty="0" smtClean="0"/>
+            <a:t>Can be “overwhelming”</a:t>
+          </a:r>
+          <a:endParaRPr lang="pt-PT" sz="700" kern="1200" dirty="0"/>
+        </a:p>
+      </dsp:txBody>
+      <dsp:txXfrm>
+        <a:off x="3152695" y="2815148"/>
+        <a:ext cx="703274" cy="429524"/>
+      </dsp:txXfrm>
+    </dsp:sp>
+    <dsp:sp modelId="{42A4DB9D-6604-49D8-A581-EB7995E16BE9}">
+      <dsp:nvSpPr>
+        <dsp:cNvPr id="0" name=""/>
+        <dsp:cNvSpPr/>
+      </dsp:nvSpPr>
+      <dsp:spPr>
+        <a:xfrm>
+          <a:off x="3038957" y="505451"/>
+          <a:ext cx="100375" cy="3074975"/>
+        </a:xfrm>
+        <a:custGeom>
+          <a:avLst/>
+          <a:gdLst/>
+          <a:ahLst/>
+          <a:cxnLst/>
+          <a:rect l="0" t="0" r="0" b="0"/>
+          <a:pathLst>
+            <a:path>
+              <a:moveTo>
+                <a:pt x="0" y="0"/>
+              </a:moveTo>
+              <a:lnTo>
+                <a:pt x="0" y="3074975"/>
+              </a:lnTo>
+              <a:lnTo>
+                <a:pt x="100375" y="3074975"/>
+              </a:lnTo>
+            </a:path>
+          </a:pathLst>
+        </a:custGeom>
+        <a:noFill/>
+        <a:ln w="9525" cap="rnd" cmpd="sng" algn="ctr">
+          <a:solidFill>
+            <a:schemeClr val="accent1">
+              <a:shade val="60000"/>
+              <a:hueOff val="0"/>
+              <a:satOff val="0"/>
+              <a:lumOff val="0"/>
+              <a:alphaOff val="0"/>
+            </a:schemeClr>
+          </a:solidFill>
+          <a:prstDash val="solid"/>
+        </a:ln>
+        <a:effectLst/>
+      </dsp:spPr>
+      <dsp:style>
+        <a:lnRef idx="1">
+          <a:scrgbClr r="0" g="0" b="0"/>
+        </a:lnRef>
+        <a:fillRef idx="0">
+          <a:scrgbClr r="0" g="0" b="0"/>
+        </a:fillRef>
+        <a:effectRef idx="0">
+          <a:scrgbClr r="0" g="0" b="0"/>
+        </a:effectRef>
+        <a:fontRef idx="minor"/>
+      </dsp:style>
+    </dsp:sp>
+    <dsp:sp modelId="{7FB5A010-9A56-4829-B858-D0D824AEF6AD}">
+      <dsp:nvSpPr>
+        <dsp:cNvPr id="0" name=""/>
+        <dsp:cNvSpPr/>
+      </dsp:nvSpPr>
+      <dsp:spPr>
+        <a:xfrm>
+          <a:off x="3139332" y="3352301"/>
+          <a:ext cx="730000" cy="456250"/>
+        </a:xfrm>
+        <a:prstGeom prst="roundRect">
+          <a:avLst>
+            <a:gd name="adj" fmla="val 10000"/>
+          </a:avLst>
+        </a:prstGeom>
+        <a:solidFill>
+          <a:schemeClr val="lt1">
+            <a:alpha val="90000"/>
+            <a:hueOff val="0"/>
+            <a:satOff val="0"/>
+            <a:lumOff val="0"/>
+            <a:alphaOff val="0"/>
+          </a:schemeClr>
+        </a:solidFill>
+        <a:ln w="9525" cap="rnd" cmpd="sng" algn="ctr">
+          <a:solidFill>
+            <a:schemeClr val="accent1">
+              <a:hueOff val="0"/>
+              <a:satOff val="0"/>
+              <a:lumOff val="0"/>
+              <a:alphaOff val="0"/>
+            </a:schemeClr>
+          </a:solidFill>
+          <a:prstDash val="solid"/>
+        </a:ln>
+        <a:effectLst/>
+      </dsp:spPr>
+      <dsp:style>
+        <a:lnRef idx="1">
+          <a:scrgbClr r="0" g="0" b="0"/>
+        </a:lnRef>
+        <a:fillRef idx="1">
+          <a:scrgbClr r="0" g="0" b="0"/>
+        </a:fillRef>
+        <a:effectRef idx="0">
+          <a:scrgbClr r="0" g="0" b="0"/>
+        </a:effectRef>
+        <a:fontRef idx="minor"/>
+      </dsp:style>
+      <dsp:txBody>
+        <a:bodyPr spcFirstLastPara="0" vert="horz" wrap="square" lIns="13335" tIns="8890" rIns="13335" bIns="8890" numCol="1" spcCol="1270" anchor="ctr" anchorCtr="0">
+          <a:noAutofit/>
+        </a:bodyPr>
+        <a:lstStyle/>
+        <a:p>
+          <a:pPr lvl="0" algn="ctr" defTabSz="311150">
+            <a:lnSpc>
+              <a:spcPct val="90000"/>
+            </a:lnSpc>
+            <a:spcBef>
+              <a:spcPct val="0"/>
+            </a:spcBef>
+            <a:spcAft>
+              <a:spcPct val="35000"/>
+            </a:spcAft>
+          </a:pPr>
+          <a:r>
+            <a:rPr lang="pt-PT" sz="700" kern="1200" dirty="0" smtClean="0"/>
+            <a:t>Setup time</a:t>
+          </a:r>
+          <a:endParaRPr lang="pt-PT" sz="700" kern="1200" dirty="0"/>
+        </a:p>
+      </dsp:txBody>
+      <dsp:txXfrm>
+        <a:off x="3152695" y="3365664"/>
+        <a:ext cx="703274" cy="429524"/>
+      </dsp:txXfrm>
+    </dsp:sp>
+  </dsp:spTree>
+</dsp:drawing>
+</file>
+
+<file path=ppt/diagrams/layout1.xml><?xml version="1.0" encoding="utf-8"?>
+<dgm:layoutDef xmlns:dgm="http://schemas.openxmlformats.org/drawingml/2006/diagram" xmlns:a="http://schemas.openxmlformats.org/drawingml/2006/main" uniqueId="urn:microsoft.com/office/officeart/2005/8/layout/hierarchy3">
+  <dgm:title val=""/>
+  <dgm:desc val=""/>
+  <dgm:catLst>
+    <dgm:cat type="hierarchy" pri="7000"/>
+    <dgm:cat type="list" pri="23000"/>
+    <dgm:cat type="relationship" pri="15000"/>
+    <dgm:cat type="convert" pri="7000"/>
+  </dgm:catLst>
+  <dgm:sampData>
+    <dgm:dataModel>
+      <dgm:ptLst>
+        <dgm:pt modelId="0" type="doc"/>
+        <dgm:pt modelId="1">
+          <dgm:prSet phldr="1"/>
+        </dgm:pt>
+        <dgm:pt modelId="11">
+          <dgm:prSet phldr="1"/>
+        </dgm:pt>
+        <dgm:pt modelId="12">
+          <dgm:prSet phldr="1"/>
+        </dgm:pt>
+        <dgm:pt modelId="2">
+          <dgm:prSet phldr="1"/>
+        </dgm:pt>
+        <dgm:pt modelId="21">
+          <dgm:prSet phldr="1"/>
+        </dgm:pt>
+        <dgm:pt modelId="22">
+          <dgm:prSet phldr="1"/>
+        </dgm:pt>
+      </dgm:ptLst>
+      <dgm:cxnLst>
+        <dgm:cxn modelId="4" srcId="0" destId="1" srcOrd="0" destOrd="0"/>
+        <dgm:cxn modelId="5" srcId="1" destId="11" srcOrd="0" destOrd="0"/>
+        <dgm:cxn modelId="6" srcId="1" destId="12" srcOrd="1" destOrd="0"/>
+        <dgm:cxn modelId="7" srcId="0" destId="2" srcOrd="1" destOrd="0"/>
+        <dgm:cxn modelId="8" srcId="2" destId="21" srcOrd="0" destOrd="0"/>
+        <dgm:cxn modelId="9" srcId="2" destId="22" srcOrd="1" destOrd="0"/>
+      </dgm:cxnLst>
+      <dgm:bg/>
+      <dgm:whole/>
+    </dgm:dataModel>
+  </dgm:sampData>
+  <dgm:styleData>
+    <dgm:dataModel>
+      <dgm:ptLst>
+        <dgm:pt modelId="0" type="doc"/>
+        <dgm:pt modelId="1"/>
+        <dgm:pt modelId="11"/>
+        <dgm:pt modelId="2"/>
+        <dgm:pt modelId="21"/>
+      </dgm:ptLst>
+      <dgm:cxnLst>
+        <dgm:cxn modelId="4" srcId="0" destId="1" srcOrd="0" destOrd="0"/>
+        <dgm:cxn modelId="5" srcId="0" destId="2" srcOrd="1" destOrd="0"/>
+        <dgm:cxn modelId="13" srcId="1" destId="11" srcOrd="0" destOrd="0"/>
+        <dgm:cxn modelId="23" srcId="2" destId="21" srcOrd="0" destOrd="0"/>
+      </dgm:cxnLst>
+      <dgm:bg/>
+      <dgm:whole/>
+    </dgm:dataModel>
+  </dgm:styleData>
+  <dgm:clrData>
+    <dgm:dataModel>
+      <dgm:ptLst>
+        <dgm:pt modelId="0" type="doc"/>
+        <dgm:pt modelId="1"/>
+        <dgm:pt modelId="11"/>
+        <dgm:pt modelId="2"/>
+        <dgm:pt modelId="21"/>
+        <dgm:pt modelId="3"/>
+        <dgm:pt modelId="31"/>
+        <dgm:pt modelId="4"/>
+        <dgm:pt modelId="41"/>
+      </dgm:ptLst>
+      <dgm:cxnLst>
+        <dgm:cxn modelId="5" srcId="0" destId="1" srcOrd="0" destOrd="0"/>
+        <dgm:cxn modelId="6" srcId="0" destId="2" srcOrd="1" destOrd="0"/>
+        <dgm:cxn modelId="7" srcId="0" destId="3" srcOrd="2" destOrd="0"/>
+        <dgm:cxn modelId="8" srcId="0" destId="4" srcOrd="3" destOrd="0"/>
+        <dgm:cxn modelId="13" srcId="1" destId="11" srcOrd="0" destOrd="0"/>
+        <dgm:cxn modelId="23" srcId="2" destId="21" srcOrd="0" destOrd="0"/>
+        <dgm:cxn modelId="33" srcId="3" destId="31" srcOrd="0" destOrd="0"/>
+        <dgm:cxn modelId="43" srcId="4" destId="41" srcOrd="0" destOrd="0"/>
+      </dgm:cxnLst>
+      <dgm:bg/>
+      <dgm:whole/>
+    </dgm:dataModel>
+  </dgm:clrData>
+  <dgm:layoutNode name="diagram">
+    <dgm:varLst>
+      <dgm:chPref val="1"/>
+      <dgm:dir/>
+      <dgm:animOne val="branch"/>
+      <dgm:animLvl val="lvl"/>
+      <dgm:resizeHandles/>
+    </dgm:varLst>
+    <dgm:choose name="Name0">
+      <dgm:if name="Name1" func="var" arg="dir" op="equ" val="norm">
+        <dgm:alg type="hierChild">
+          <dgm:param type="linDir" val="fromL"/>
+        </dgm:alg>
+      </dgm:if>
+      <dgm:else name="Name2">
+        <dgm:alg type="hierChild">
+          <dgm:param type="linDir" val="fromR"/>
+        </dgm:alg>
+      </dgm:else>
+    </dgm:choose>
+    <dgm:shape xmlns:r="http://schemas.openxmlformats.org/officeDocument/2006/relationships" r:blip="">
+      <dgm:adjLst/>
+    </dgm:shape>
+    <dgm:presOf/>
+    <dgm:constrLst>
+      <dgm:constr type="primFontSz" for="des" forName="rootText" op="equ" val="65"/>
+      <dgm:constr type="primFontSz" for="des" forName="childText" op="equ" val="65"/>
+      <dgm:constr type="w" for="des" forName="rootComposite" refType="w"/>
+      <dgm:constr type="h" for="des" forName="rootComposite" refType="w" fact="0.5"/>
+      <dgm:constr type="w" for="des" forName="childText" refType="w" refFor="des" refForName="rootComposite" fact="0.8"/>
+      <dgm:constr type="h" for="des" forName="childText" refType="h" refFor="des" refForName="rootComposite"/>
+      <dgm:constr type="sibSp" refType="w" refFor="des" refForName="rootComposite" fact="0.25"/>
+      <dgm:constr type="sibSp" for="des" forName="childShape" refType="h" refFor="des" refForName="childText" fact="0.25"/>
+      <dgm:constr type="sp" for="des" forName="root" refType="h" refFor="des" refForName="childText" fact="0.25"/>
+    </dgm:constrLst>
+    <dgm:ruleLst/>
+    <dgm:forEach name="Name3" axis="ch">
+      <dgm:forEach name="Name4" axis="self" ptType="node" cnt="1">
+        <dgm:layoutNode name="root">
+          <dgm:choose name="Name5">
+            <dgm:if name="Name6" func="var" arg="dir" op="equ" val="norm">
+              <dgm:alg type="hierRoot">
+                <dgm:param type="hierAlign" val="tL"/>
+              </dgm:alg>
+            </dgm:if>
+            <dgm:else name="Name7">
+              <dgm:alg type="hierRoot">
+                <dgm:param type="hierAlign" val="tR"/>
+              </dgm:alg>
+            </dgm:else>
+          </dgm:choose>
+          <dgm:shape xmlns:r="http://schemas.openxmlformats.org/officeDocument/2006/relationships" r:blip="">
+            <dgm:adjLst/>
+          </dgm:shape>
+          <dgm:presOf/>
+          <dgm:constrLst>
+            <dgm:constr type="alignOff" val="0.2"/>
+          </dgm:constrLst>
+          <dgm:ruleLst/>
+          <dgm:layoutNode name="rootComposite">
+            <dgm:alg type="composite"/>
+            <dgm:shape xmlns:r="http://schemas.openxmlformats.org/officeDocument/2006/relationships" r:blip="">
+              <dgm:adjLst/>
+            </dgm:shape>
+            <dgm:presOf axis="self" ptType="node" cnt="1"/>
+            <dgm:choose name="Name8">
+              <dgm:if name="Name9" func="var" arg="dir" op="equ" val="norm">
+                <dgm:constrLst>
+                  <dgm:constr type="l" for="ch" forName="rootText"/>
+                  <dgm:constr type="t" for="ch" forName="rootText"/>
+                  <dgm:constr type="w" for="ch" forName="rootText" refType="w"/>
+                  <dgm:constr type="h" for="ch" forName="rootText" refType="h"/>
+                  <dgm:constr type="l" for="ch" forName="rootConnector"/>
+                  <dgm:constr type="t" for="ch" forName="rootConnector"/>
+                  <dgm:constr type="w" for="ch" forName="rootConnector" refType="w" refFor="ch" refForName="rootText" fact="0.2"/>
+                  <dgm:constr type="h" for="ch" forName="rootConnector" refType="h" refFor="ch" refForName="rootText"/>
+                </dgm:constrLst>
+              </dgm:if>
+              <dgm:else name="Name10">
+                <dgm:constrLst>
+                  <dgm:constr type="l" for="ch" forName="rootText"/>
+                  <dgm:constr type="t" for="ch" forName="rootText"/>
+                  <dgm:constr type="w" for="ch" forName="rootText" refType="w"/>
+                  <dgm:constr type="h" for="ch" forName="rootText" refType="h"/>
+                  <dgm:constr type="r" for="ch" forName="rootConnector" refType="w"/>
+                  <dgm:constr type="t" for="ch" forName="rootConnector"/>
+                  <dgm:constr type="w" for="ch" forName="rootConnector" refType="w" refFor="ch" refForName="rootText" fact="0.2"/>
+                  <dgm:constr type="h" for="ch" forName="rootConnector" refType="h" refFor="ch" refForName="rootText"/>
+                </dgm:constrLst>
+              </dgm:else>
+            </dgm:choose>
+            <dgm:ruleLst/>
+            <dgm:layoutNode name="rootText" styleLbl="node1">
+              <dgm:alg type="tx"/>
+              <dgm:shape xmlns:r="http://schemas.openxmlformats.org/officeDocument/2006/relationships" type="roundRect" r:blip="">
+                <dgm:adjLst>
+                  <dgm:adj idx="1" val="0.1"/>
+                </dgm:adjLst>
+              </dgm:shape>
+              <dgm:presOf axis="self" ptType="node" cnt="1"/>
+              <dgm:constrLst>
+                <dgm:constr type="tMarg" refType="primFontSz" fact="0.1"/>
+                <dgm:constr type="bMarg" refType="primFontSz" fact="0.1"/>
+                <dgm:constr type="lMarg" refType="primFontSz" fact="0.15"/>
+                <dgm:constr type="rMarg" refType="primFontSz" fact="0.15"/>
+              </dgm:constrLst>
+              <dgm:ruleLst>
+                <dgm:rule type="primFontSz" val="5" fact="NaN" max="NaN"/>
+              </dgm:ruleLst>
+            </dgm:layoutNode>
+            <dgm:layoutNode name="rootConnector" moveWith="rootText">
+              <dgm:alg type="sp"/>
+              <dgm:shape xmlns:r="http://schemas.openxmlformats.org/officeDocument/2006/relationships" type="roundRect" r:blip="" hideGeom="1">
+                <dgm:adjLst>
+                  <dgm:adj idx="1" val="0.1"/>
+                </dgm:adjLst>
+              </dgm:shape>
+              <dgm:presOf axis="self" ptType="node" cnt="1"/>
+              <dgm:constrLst/>
+              <dgm:ruleLst/>
+            </dgm:layoutNode>
+          </dgm:layoutNode>
+          <dgm:layoutNode name="childShape">
+            <dgm:alg type="hierChild">
+              <dgm:param type="chAlign" val="l"/>
+              <dgm:param type="linDir" val="fromT"/>
+            </dgm:alg>
+            <dgm:shape xmlns:r="http://schemas.openxmlformats.org/officeDocument/2006/relationships" r:blip="">
+              <dgm:adjLst/>
+            </dgm:shape>
+            <dgm:presOf/>
+            <dgm:constrLst/>
+            <dgm:ruleLst/>
+            <dgm:forEach name="Name11" axis="ch">
+              <dgm:forEach name="Name12" axis="self" ptType="parTrans" cnt="1">
+                <dgm:layoutNode name="Name13">
+                  <dgm:choose name="Name14">
+                    <dgm:if name="Name15" func="var" arg="dir" op="equ" val="norm">
+                      <dgm:alg type="conn">
+                        <dgm:param type="dim" val="1D"/>
+                        <dgm:param type="endSty" val="noArr"/>
+                        <dgm:param type="connRout" val="bend"/>
+                        <dgm:param type="srcNode" val="rootConnector"/>
+                        <dgm:param type="begPts" val="bCtr"/>
+                        <dgm:param type="endPts" val="midL"/>
+                      </dgm:alg>
+                    </dgm:if>
+                    <dgm:else name="Name16">
+                      <dgm:alg type="conn">
+                        <dgm:param type="dim" val="1D"/>
+                        <dgm:param type="endSty" val="noArr"/>
+                        <dgm:param type="connRout" val="bend"/>
+                        <dgm:param type="srcNode" val="rootConnector"/>
+                        <dgm:param type="begPts" val="bCtr"/>
+                        <dgm:param type="endPts" val="midR"/>
+                      </dgm:alg>
+                    </dgm:else>
+                  </dgm:choose>
+                  <dgm:shape xmlns:r="http://schemas.openxmlformats.org/officeDocument/2006/relationships" type="conn" r:blip="">
+                    <dgm:adjLst/>
+                  </dgm:shape>
+                  <dgm:presOf axis="self"/>
+                  <dgm:constrLst>
+                    <dgm:constr type="begPad"/>
+                    <dgm:constr type="endPad"/>
+                  </dgm:constrLst>
+                  <dgm:ruleLst/>
+                </dgm:layoutNode>
+              </dgm:forEach>
+              <dgm:forEach name="Name17" axis="self" ptType="node">
+                <dgm:layoutNode name="childText" styleLbl="bgAcc1">
+                  <dgm:varLst>
+                    <dgm:bulletEnabled val="1"/>
+                  </dgm:varLst>
+                  <dgm:alg type="tx"/>
+                  <dgm:shape xmlns:r="http://schemas.openxmlformats.org/officeDocument/2006/relationships" type="roundRect" r:blip="">
+                    <dgm:adjLst>
+                      <dgm:adj idx="1" val="0.1"/>
+                    </dgm:adjLst>
+                  </dgm:shape>
+                  <dgm:presOf axis="self desOrSelf" ptType="node node" st="1 1" cnt="1 0"/>
+                  <dgm:constrLst>
+                    <dgm:constr type="tMarg" refType="primFontSz" fact="0.1"/>
+                    <dgm:constr type="bMarg" refType="primFontSz" fact="0.1"/>
+                    <dgm:constr type="lMarg" refType="primFontSz" fact="0.15"/>
+                    <dgm:constr type="rMarg" refType="primFontSz" fact="0.15"/>
+                  </dgm:constrLst>
+                  <dgm:ruleLst>
+                    <dgm:rule type="primFontSz" val="5" fact="NaN" max="NaN"/>
+                  </dgm:ruleLst>
+                </dgm:layoutNode>
+              </dgm:forEach>
+            </dgm:forEach>
+          </dgm:layoutNode>
+        </dgm:layoutNode>
+      </dgm:forEach>
+    </dgm:forEach>
+  </dgm:layoutNode>
+</dgm:layoutDef>
+</file>
+
+<file path=ppt/diagrams/quickStyle1.xml><?xml version="1.0" encoding="utf-8"?>
+<dgm:styleDef xmlns:dgm="http://schemas.openxmlformats.org/drawingml/2006/diagram" xmlns:a="http://schemas.openxmlformats.org/drawingml/2006/main" uniqueId="urn:microsoft.com/office/officeart/2005/8/quickstyle/simple4">
+  <dgm:title val=""/>
+  <dgm:desc val=""/>
+  <dgm:catLst>
+    <dgm:cat type="simple" pri="10400"/>
+  </dgm:catLst>
+  <dgm:scene3d>
+    <a:camera prst="orthographicFront"/>
+    <a:lightRig rig="threePt" dir="t"/>
+  </dgm:scene3d>
+  <dgm:styleLbl name="node0">
+    <dgm:scene3d>
+      <a:camera prst="orthographicFront"/>
+      <a:lightRig rig="threePt" dir="t"/>
+    </dgm:scene3d>
+    <dgm:sp3d/>
+    <dgm:txPr/>
+    <dgm:style>
+      <a:lnRef idx="0">
+        <a:scrgbClr r="0" g="0" b="0"/>
+      </a:lnRef>
+      <a:fillRef idx="3">
+        <a:scrgbClr r="0" g="0" b="0"/>
+      </a:fillRef>
+      <a:effectRef idx="2">
+        <a:scrgbClr r="0" g="0" b="0"/>
+      </a:effectRef>
+      <a:fontRef idx="minor">
+        <a:schemeClr val="lt1"/>
+      </a:fontRef>
+    </dgm:style>
+  </dgm:styleLbl>
+  <dgm:styleLbl name="lnNode1">
+    <dgm:scene3d>
+      <a:camera prst="orthographicFront"/>
+      <a:lightRig rig="threePt" dir="t"/>
+    </dgm:scene3d>
+    <dgm:sp3d/>
+    <dgm:txPr/>
+    <dgm:style>
+      <a:lnRef idx="1">
+        <a:scrgbClr r="0" g="0" b="0"/>
+      </a:lnRef>
+      <a:fillRef idx="3">
+        <a:scrgbClr r="0" g="0" b="0"/>
+      </a:fillRef>
+      <a:effectRef idx="2">
+        <a:scrgbClr r="0" g="0" b="0"/>
+      </a:effectRef>
+      <a:fontRef idx="minor">
+        <a:schemeClr val="lt1"/>
+      </a:fontRef>
+    </dgm:style>
+  </dgm:styleLbl>
+  <dgm:styleLbl name="vennNode1">
+    <dgm:scene3d>
+      <a:camera prst="orthographicFront"/>
+      <a:lightRig rig="threePt" dir="t"/>
+    </dgm:scene3d>
+    <dgm:sp3d/>
+    <dgm:txPr/>
+    <dgm:style>
+      <a:lnRef idx="0">
+        <a:scrgbClr r="0" g="0" b="0"/>
+      </a:lnRef>
+      <a:fillRef idx="3">
+        <a:scrgbClr r="0" g="0" b="0"/>
+      </a:fillRef>
+      <a:effectRef idx="0">
+        <a:scrgbClr r="0" g="0" b="0"/>
+      </a:effectRef>
+      <a:fontRef idx="minor">
+        <a:schemeClr val="tx1"/>
+      </a:fontRef>
+    </dgm:style>
+  </dgm:styleLbl>
+  <dgm:styleLbl name="alignNode1">
+    <dgm:scene3d>
+      <a:camera prst="orthographicFront"/>
+      <a:lightRig rig="threePt" dir="t"/>
+    </dgm:scene3d>
+    <dgm:sp3d/>
+    <dgm:txPr/>
+    <dgm:style>
+      <a:lnRef idx="1">
+        <a:scrgbClr r="0" g="0" b="0"/>
+      </a:lnRef>
+      <a:fillRef idx="3">
+        <a:scrgbClr r="0" g="0" b="0"/>
+      </a:fillRef>
+      <a:effectRef idx="2">
+        <a:scrgbClr r="0" g="0" b="0"/>
+      </a:effectRef>
+      <a:fontRef idx="minor">
+        <a:schemeClr val="lt1"/>
+      </a:fontRef>
+    </dgm:style>
+  </dgm:styleLbl>
+  <dgm:styleLbl name="node1">
+    <dgm:scene3d>
+      <a:camera prst="orthographicFront"/>
+      <a:lightRig rig="threePt" dir="t"/>
+    </dgm:scene3d>
+    <dgm:sp3d/>
+    <dgm:txPr/>
+    <dgm:style>
+      <a:lnRef idx="0">
+        <a:scrgbClr r="0" g="0" b="0"/>
+      </a:lnRef>
+      <a:fillRef idx="3">
+        <a:scrgbClr r="0" g="0" b="0"/>
+      </a:fillRef>
+      <a:effectRef idx="2">
+        <a:scrgbClr r="0" g="0" b="0"/>
+      </a:effectRef>
+      <a:fontRef idx="minor">
+        <a:schemeClr val="lt1"/>
+      </a:fontRef>
+    </dgm:style>
+  </dgm:styleLbl>
+  <dgm:styleLbl name="node2">
+    <dgm:scene3d>
+      <a:camera prst="orthographicFront"/>
+      <a:lightRig rig="threePt" dir="t"/>
+    </dgm:scene3d>
+    <dgm:sp3d/>
+    <dgm:txPr/>
+    <dgm:style>
+      <a:lnRef idx="0">
+        <a:scrgbClr r="0" g="0" b="0"/>
+      </a:lnRef>
+      <a:fillRef idx="3">
+        <a:scrgbClr r="0" g="0" b="0"/>
+      </a:fillRef>
+      <a:effectRef idx="2">
+        <a:scrgbClr r="0" g="0" b="0"/>
+      </a:effectRef>
+      <a:fontRef idx="minor">
+        <a:schemeClr val="lt1"/>
+      </a:fontRef>
+    </dgm:style>
+  </dgm:styleLbl>
+  <dgm:styleLbl name="node3">
+    <dgm:scene3d>
+      <a:camera prst="orthographicFront"/>
+      <a:lightRig rig="threePt" dir="t"/>
+    </dgm:scene3d>
+    <dgm:sp3d/>
+    <dgm:txPr/>
+    <dgm:style>
+      <a:lnRef idx="0">
+        <a:scrgbClr r="0" g="0" b="0"/>
+      </a:lnRef>
+      <a:fillRef idx="3">
+        <a:scrgbClr r="0" g="0" b="0"/>
+      </a:fillRef>
+      <a:effectRef idx="2">
+        <a:scrgbClr r="0" g="0" b="0"/>
+      </a:effectRef>
+      <a:fontRef idx="minor">
+        <a:schemeClr val="lt1"/>
+      </a:fontRef>
+    </dgm:style>
+  </dgm:styleLbl>
+  <dgm:styleLbl name="node4">
+    <dgm:scene3d>
+      <a:camera prst="orthographicFront"/>
+      <a:lightRig rig="threePt" dir="t"/>
+    </dgm:scene3d>
+    <dgm:sp3d/>
+    <dgm:txPr/>
+    <dgm:style>
+      <a:lnRef idx="0">
+        <a:scrgbClr r="0" g="0" b="0"/>
+      </a:lnRef>
+      <a:fillRef idx="3">
+        <a:scrgbClr r="0" g="0" b="0"/>
+      </a:fillRef>
+      <a:effectRef idx="2">
+        <a:scrgbClr r="0" g="0" b="0"/>
+      </a:effectRef>
+      <a:fontRef idx="minor">
+        <a:schemeClr val="lt1"/>
+      </a:fontRef>
+    </dgm:style>
+  </dgm:styleLbl>
+  <dgm:styleLbl name="fgImgPlace1">
+    <dgm:scene3d>
+      <a:camera prst="orthographicFront"/>
+      <a:lightRig rig="threePt" dir="t"/>
+    </dgm:scene3d>
+    <dgm:sp3d/>
+    <dgm:txPr/>
+    <dgm:style>
+      <a:lnRef idx="0">
+        <a:scrgbClr r="0" g="0" b="0"/>
+      </a:lnRef>
+      <a:fillRef idx="1">
+        <a:scrgbClr r="0" g="0" b="0"/>
+      </a:fillRef>
+      <a:effectRef idx="2">
+        <a:scrgbClr r="0" g="0" b="0"/>
+      </a:effectRef>
+      <a:fontRef idx="minor"/>
+    </dgm:style>
+  </dgm:styleLbl>
+  <dgm:styleLbl name="alignImgPlace1">
+    <dgm:scene3d>
+      <a:camera prst="orthographicFront"/>
+      <a:lightRig rig="threePt" dir="t"/>
+    </dgm:scene3d>
+    <dgm:sp3d/>
+    <dgm:txPr/>
+    <dgm:style>
+      <a:lnRef idx="0">
+        <a:scrgbClr r="0" g="0" b="0"/>
+      </a:lnRef>
+      <a:fillRef idx="1">
+        <a:scrgbClr r="0" g="0" b="0"/>
+      </a:fillRef>
+      <a:effectRef idx="2">
+        <a:scrgbClr r="0" g="0" b="0"/>
+      </a:effectRef>
+      <a:fontRef idx="minor"/>
+    </dgm:style>
+  </dgm:styleLbl>
+  <dgm:styleLbl name="bgImgPlace1">
+    <dgm:scene3d>
+      <a:camera prst="orthographicFront"/>
+      <a:lightRig rig="threePt" dir="t"/>
+    </dgm:scene3d>
+    <dgm:sp3d/>
+    <dgm:txPr/>
+    <dgm:style>
+      <a:lnRef idx="0">
+        <a:scrgbClr r="0" g="0" b="0"/>
+      </a:lnRef>
+      <a:fillRef idx="1">
+        <a:scrgbClr r="0" g="0" b="0"/>
+      </a:fillRef>
+      <a:effectRef idx="2">
+        <a:scrgbClr r="0" g="0" b="0"/>
+      </a:effectRef>
+      <a:fontRef idx="minor"/>
+    </dgm:style>
+  </dgm:styleLbl>
+  <dgm:styleLbl name="sibTrans2D1">
+    <dgm:scene3d>
+      <a:camera prst="orthographicFront"/>
+      <a:lightRig rig="threePt" dir="t"/>
+    </dgm:scene3d>
+    <dgm:sp3d/>
+    <dgm:txPr/>
+    <dgm:style>
+      <a:lnRef idx="0">
+        <a:scrgbClr r="0" g="0" b="0"/>
+      </a:lnRef>
+      <a:fillRef idx="3">
+        <a:scrgbClr r="0" g="0" b="0"/>
+      </a:fillRef>
+      <a:effectRef idx="2">
+        <a:scrgbClr r="0" g="0" b="0"/>
+      </a:effectRef>
+      <a:fontRef idx="minor">
+        <a:schemeClr val="lt1"/>
+      </a:fontRef>
+    </dgm:style>
+  </dgm:styleLbl>
+  <dgm:styleLbl name="fgSibTrans2D1">
+    <dgm:scene3d>
+      <a:camera prst="orthographicFront"/>
+      <a:lightRig rig="threePt" dir="t"/>
+    </dgm:scene3d>
+    <dgm:sp3d/>
+    <dgm:txPr/>
+    <dgm:style>
+      <a:lnRef idx="0">
+        <a:scrgbClr r="0" g="0" b="0"/>
+      </a:lnRef>
+      <a:fillRef idx="3">
+        <a:scrgbClr r="0" g="0" b="0"/>
+      </a:fillRef>
+      <a:effectRef idx="2">
+        <a:scrgbClr r="0" g="0" b="0"/>
+      </a:effectRef>
+      <a:fontRef idx="minor">
+        <a:schemeClr val="lt1"/>
+      </a:fontRef>
+    </dgm:style>
+  </dgm:styleLbl>
+  <dgm:styleLbl name="bgSibTrans2D1">
+    <dgm:scene3d>
+      <a:camera prst="orthographicFront"/>
+      <a:lightRig rig="threePt" dir="t"/>
+    </dgm:scene3d>
+    <dgm:sp3d/>
+    <dgm:txPr/>
+    <dgm:style>
+      <a:lnRef idx="0">
+        <a:scrgbClr r="0" g="0" b="0"/>
+      </a:lnRef>
+      <a:fillRef idx="3">
+        <a:scrgbClr r="0" g="0" b="0"/>
+      </a:fillRef>
+      <a:effectRef idx="2">
+        <a:scrgbClr r="0" g="0" b="0"/>
+      </a:effectRef>
+      <a:fontRef idx="minor">
+        <a:schemeClr val="lt1"/>
+      </a:fontRef>
+    </dgm:style>
+  </dgm:styleLbl>
+  <dgm:styleLbl name="sibTrans1D1">
+    <dgm:scene3d>
+      <a:camera prst="orthographicFront"/>
+      <a:lightRig rig="threePt" dir="t"/>
+    </dgm:scene3d>
+    <dgm:sp3d/>
+    <dgm:txPr/>
+    <dgm:style>
+      <a:lnRef idx="1">
+        <a:scrgbClr r="0" g="0" b="0"/>
+      </a:lnRef>
+      <a:fillRef idx="0">
+        <a:scrgbClr r="0" g="0" b="0"/>
+      </a:fillRef>
+      <a:effectRef idx="0">
+        <a:scrgbClr r="0" g="0" b="0"/>
+      </a:effectRef>
+      <a:fontRef idx="minor"/>
+    </dgm:style>
+  </dgm:styleLbl>
+  <dgm:styleLbl name="callout">
+    <dgm:scene3d>
+      <a:camera prst="orthographicFront"/>
+      <a:lightRig rig="threePt" dir="t"/>
+    </dgm:scene3d>
+    <dgm:sp3d/>
+    <dgm:txPr/>
+    <dgm:style>
+      <a:lnRef idx="2">
+        <a:scrgbClr r="0" g="0" b="0"/>
+      </a:lnRef>
+      <a:fillRef idx="1">
+        <a:scrgbClr r="0" g="0" b="0"/>
+      </a:fillRef>
+      <a:effectRef idx="1">
+        <a:scrgbClr r="0" g="0" b="0"/>
+      </a:effectRef>
+      <a:fontRef idx="minor"/>
+    </dgm:style>
+  </dgm:styleLbl>
+  <dgm:styleLbl name="asst0">
+    <dgm:scene3d>
+      <a:camera prst="orthographicFront"/>
+      <a:lightRig rig="threePt" dir="t"/>
+    </dgm:scene3d>
+    <dgm:sp3d/>
+    <dgm:txPr/>
+    <dgm:style>
+      <a:lnRef idx="0">
+        <a:scrgbClr r="0" g="0" b="0"/>
+      </a:lnRef>
+      <a:fillRef idx="3">
+        <a:scrgbClr r="0" g="0" b="0"/>
+      </a:fillRef>
+      <a:effectRef idx="2">
+        <a:scrgbClr r="0" g="0" b="0"/>
+      </a:effectRef>
+      <a:fontRef idx="minor">
+        <a:schemeClr val="lt1"/>
+      </a:fontRef>
+    </dgm:style>
+  </dgm:styleLbl>
+  <dgm:styleLbl name="asst1">
+    <dgm:scene3d>
+      <a:camera prst="orthographicFront"/>
+      <a:lightRig rig="threePt" dir="t"/>
+    </dgm:scene3d>
+    <dgm:sp3d/>
+    <dgm:txPr/>
+    <dgm:style>
+      <a:lnRef idx="0">
+        <a:scrgbClr r="0" g="0" b="0"/>
+      </a:lnRef>
+      <a:fillRef idx="3">
+        <a:scrgbClr r="0" g="0" b="0"/>
+      </a:fillRef>
+      <a:effectRef idx="2">
+        <a:scrgbClr r="0" g="0" b="0"/>
+      </a:effectRef>
+      <a:fontRef idx="minor">
+        <a:schemeClr val="lt1"/>
+      </a:fontRef>
+    </dgm:style>
+  </dgm:styleLbl>
+  <dgm:styleLbl name="asst2">
+    <dgm:scene3d>
+      <a:camera prst="orthographicFront"/>
+      <a:lightRig rig="threePt" dir="t"/>
+    </dgm:scene3d>
+    <dgm:sp3d/>
+    <dgm:txPr/>
+    <dgm:style>
+      <a:lnRef idx="0">
+        <a:scrgbClr r="0" g="0" b="0"/>
+      </a:lnRef>
+      <a:fillRef idx="3">
+        <a:scrgbClr r="0" g="0" b="0"/>
+      </a:fillRef>
+      <a:effectRef idx="2">
+        <a:scrgbClr r="0" g="0" b="0"/>
+      </a:effectRef>
+      <a:fontRef idx="minor">
+        <a:schemeClr val="lt1"/>
+      </a:fontRef>
+    </dgm:style>
+  </dgm:styleLbl>
+  <dgm:styleLbl name="asst3">
+    <dgm:scene3d>
+      <a:camera prst="orthographicFront"/>
+      <a:lightRig rig="threePt" dir="t"/>
+    </dgm:scene3d>
+    <dgm:sp3d/>
+    <dgm:txPr/>
+    <dgm:style>
+      <a:lnRef idx="0">
+        <a:scrgbClr r="0" g="0" b="0"/>
+      </a:lnRef>
+      <a:fillRef idx="3">
+        <a:scrgbClr r="0" g="0" b="0"/>
+      </a:fillRef>
+      <a:effectRef idx="2">
+        <a:scrgbClr r="0" g="0" b="0"/>
+      </a:effectRef>
+      <a:fontRef idx="minor">
+        <a:schemeClr val="lt1"/>
+      </a:fontRef>
+    </dgm:style>
+  </dgm:styleLbl>
+  <dgm:styleLbl name="asst4">
+    <dgm:scene3d>
+      <a:camera prst="orthographicFront"/>
+      <a:lightRig rig="threePt" dir="t"/>
+    </dgm:scene3d>
+    <dgm:sp3d/>
+    <dgm:txPr/>
+    <dgm:style>
+      <a:lnRef idx="0">
+        <a:scrgbClr r="0" g="0" b="0"/>
+      </a:lnRef>
+      <a:fillRef idx="3">
+        <a:scrgbClr r="0" g="0" b="0"/>
+      </a:fillRef>
+      <a:effectRef idx="2">
+        <a:scrgbClr r="0" g="0" b="0"/>
+      </a:effectRef>
+      <a:fontRef idx="minor">
+        <a:schemeClr val="lt1"/>
+      </a:fontRef>
+    </dgm:style>
+  </dgm:styleLbl>
+  <dgm:styleLbl name="parChTrans2D1">
+    <dgm:scene3d>
+      <a:camera prst="orthographicFront"/>
+      <a:lightRig rig="threePt" dir="t"/>
+    </dgm:scene3d>
+    <dgm:sp3d/>
+    <dgm:txPr/>
+    <dgm:style>
+      <a:lnRef idx="0">
+        <a:scrgbClr r="0" g="0" b="0"/>
+      </a:lnRef>
+      <a:fillRef idx="3">
+        <a:scrgbClr r="0" g="0" b="0"/>
+      </a:fillRef>
+      <a:effectRef idx="2">
+        <a:scrgbClr r="0" g="0" b="0"/>
+      </a:effectRef>
+      <a:fontRef idx="minor">
+        <a:schemeClr val="lt1"/>
+      </a:fontRef>
+    </dgm:style>
+  </dgm:styleLbl>
+  <dgm:styleLbl name="parChTrans2D2">
+    <dgm:scene3d>
+      <a:camera prst="orthographicFront"/>
+      <a:lightRig rig="threePt" dir="t"/>
+    </dgm:scene3d>
+    <dgm:sp3d/>
+    <dgm:txPr/>
+    <dgm:style>
+      <a:lnRef idx="0">
+        <a:scrgbClr r="0" g="0" b="0"/>
+      </a:lnRef>
+      <a:fillRef idx="3">
+        <a:scrgbClr r="0" g="0" b="0"/>
+      </a:fillRef>
+      <a:effectRef idx="2">
+        <a:scrgbClr r="0" g="0" b="0"/>
+      </a:effectRef>
+      <a:fontRef idx="minor">
+        <a:schemeClr val="lt1"/>
+      </a:fontRef>
+    </dgm:style>
+  </dgm:styleLbl>
+  <dgm:styleLbl name="parChTrans2D3">
+    <dgm:scene3d>
+      <a:camera prst="orthographicFront"/>
+      <a:lightRig rig="threePt" dir="t"/>
+    </dgm:scene3d>
+    <dgm:sp3d/>
+    <dgm:txPr/>
+    <dgm:style>
+      <a:lnRef idx="1">
+        <a:scrgbClr r="0" g="0" b="0"/>
+      </a:lnRef>
+      <a:fillRef idx="3">
+        <a:scrgbClr r="0" g="0" b="0"/>
+      </a:fillRef>
+      <a:effectRef idx="2">
+        <a:scrgbClr r="0" g="0" b="0"/>
+      </a:effectRef>
+      <a:fontRef idx="minor">
+        <a:schemeClr val="lt1"/>
+      </a:fontRef>
+    </dgm:style>
+  </dgm:styleLbl>
+  <dgm:styleLbl name="parChTrans2D4">
+    <dgm:scene3d>
+      <a:camera prst="orthographicFront"/>
+      <a:lightRig rig="threePt" dir="t"/>
+    </dgm:scene3d>
+    <dgm:sp3d/>
+    <dgm:txPr/>
+    <dgm:style>
+      <a:lnRef idx="1">
+        <a:scrgbClr r="0" g="0" b="0"/>
+      </a:lnRef>
+      <a:fillRef idx="3">
+        <a:scrgbClr r="0" g="0" b="0"/>
+      </a:fillRef>
+      <a:effectRef idx="2">
+        <a:scrgbClr r="0" g="0" b="0"/>
+      </a:effectRef>
+      <a:fontRef idx="minor">
+        <a:schemeClr val="lt1"/>
+      </a:fontRef>
+    </dgm:style>
+  </dgm:styleLbl>
+  <dgm:styleLbl name="parChTrans1D1">
+    <dgm:scene3d>
+      <a:camera prst="orthographicFront"/>
+      <a:lightRig rig="threePt" dir="t"/>
+    </dgm:scene3d>
+    <dgm:sp3d/>
+    <dgm:txPr/>
+    <dgm:style>
+      <a:lnRef idx="1">
+        <a:scrgbClr r="0" g="0" b="0"/>
+      </a:lnRef>
+      <a:fillRef idx="0">
+        <a:scrgbClr r="0" g="0" b="0"/>
+      </a:fillRef>
+      <a:effectRef idx="0">
+        <a:scrgbClr r="0" g="0" b="0"/>
+      </a:effectRef>
+      <a:fontRef idx="minor"/>
+    </dgm:style>
+  </dgm:styleLbl>
+  <dgm:styleLbl name="parChTrans1D2">
+    <dgm:scene3d>
+      <a:camera prst="orthographicFront"/>
+      <a:lightRig rig="threePt" dir="t"/>
+    </dgm:scene3d>
+    <dgm:sp3d/>
+    <dgm:txPr/>
+    <dgm:style>
+      <a:lnRef idx="1">
+        <a:scrgbClr r="0" g="0" b="0"/>
+      </a:lnRef>
+      <a:fillRef idx="0">
+        <a:scrgbClr r="0" g="0" b="0"/>
+      </a:fillRef>
+      <a:effectRef idx="0">
+        <a:scrgbClr r="0" g="0" b="0"/>
+      </a:effectRef>
+      <a:fontRef idx="minor"/>
+    </dgm:style>
+  </dgm:styleLbl>
+  <dgm:styleLbl name="parChTrans1D3">
+    <dgm:scene3d>
+      <a:camera prst="orthographicFront"/>
+      <a:lightRig rig="threePt" dir="t"/>
+    </dgm:scene3d>
+    <dgm:sp3d/>
+    <dgm:txPr/>
+    <dgm:style>
+      <a:lnRef idx="1">
+        <a:scrgbClr r="0" g="0" b="0"/>
+      </a:lnRef>
+      <a:fillRef idx="0">
+        <a:scrgbClr r="0" g="0" b="0"/>
+      </a:fillRef>
+      <a:effectRef idx="0">
+        <a:scrgbClr r="0" g="0" b="0"/>
+      </a:effectRef>
+      <a:fontRef idx="minor"/>
+    </dgm:style>
+  </dgm:styleLbl>
+  <dgm:styleLbl name="parChTrans1D4">
+    <dgm:scene3d>
+      <a:camera prst="orthographicFront"/>
+      <a:lightRig rig="threePt" dir="t"/>
+    </dgm:scene3d>
+    <dgm:sp3d/>
+    <dgm:txPr/>
+    <dgm:style>
+      <a:lnRef idx="1">
+        <a:scrgbClr r="0" g="0" b="0"/>
+      </a:lnRef>
+      <a:fillRef idx="0">
+        <a:scrgbClr r="0" g="0" b="0"/>
+      </a:fillRef>
+      <a:effectRef idx="0">
+        <a:scrgbClr r="0" g="0" b="0"/>
+      </a:effectRef>
+      <a:fontRef idx="minor"/>
+    </dgm:style>
+  </dgm:styleLbl>
+  <dgm:styleLbl name="fgAcc1">
+    <dgm:scene3d>
+      <a:camera prst="orthographicFront"/>
+      <a:lightRig rig="threePt" dir="t"/>
+    </dgm:scene3d>
+    <dgm:sp3d/>
+    <dgm:txPr/>
+    <dgm:style>
+      <a:lnRef idx="1">
+        <a:scrgbClr r="0" g="0" b="0"/>
+      </a:lnRef>
+      <a:fillRef idx="1">
+        <a:scrgbClr r="0" g="0" b="0"/>
+      </a:fillRef>
+      <a:effectRef idx="0">
+        <a:scrgbClr r="0" g="0" b="0"/>
+      </a:effectRef>
+      <a:fontRef idx="minor"/>
+    </dgm:style>
+  </dgm:styleLbl>
+  <dgm:styleLbl name="conFgAcc1">
+    <dgm:scene3d>
+      <a:camera prst="orthographicFront"/>
+      <a:lightRig rig="threePt" dir="t"/>
+    </dgm:scene3d>
+    <dgm:sp3d/>
+    <dgm:txPr/>
+    <dgm:style>
+      <a:lnRef idx="1">
+        <a:scrgbClr r="0" g="0" b="0"/>
+      </a:lnRef>
+      <a:fillRef idx="1">
+        <a:scrgbClr r="0" g="0" b="0"/>
+      </a:fillRef>
+      <a:effectRef idx="0">
+        <a:scrgbClr r="0" g="0" b="0"/>
+      </a:effectRef>
+      <a:fontRef idx="minor"/>
+    </dgm:style>
+  </dgm:styleLbl>
+  <dgm:styleLbl name="alignAcc1">
+    <dgm:scene3d>
+      <a:camera prst="orthographicFront"/>
+      <a:lightRig rig="threePt" dir="t"/>
+    </dgm:scene3d>
+    <dgm:sp3d/>
+    <dgm:txPr/>
+    <dgm:style>
+      <a:lnRef idx="1">
+        <a:scrgbClr r="0" g="0" b="0"/>
+      </a:lnRef>
+      <a:fillRef idx="1">
+        <a:scrgbClr r="0" g="0" b="0"/>
+      </a:fillRef>
+      <a:effectRef idx="0">
+        <a:scrgbClr r="0" g="0" b="0"/>
+      </a:effectRef>
+      <a:fontRef idx="minor"/>
+    </dgm:style>
+  </dgm:styleLbl>
+  <dgm:styleLbl name="trAlignAcc1">
+    <dgm:scene3d>
+      <a:camera prst="orthographicFront"/>
+      <a:lightRig rig="threePt" dir="t"/>
+    </dgm:scene3d>
+    <dgm:sp3d/>
+    <dgm:txPr/>
+    <dgm:style>
+      <a:lnRef idx="1">
+        <a:scrgbClr r="0" g="0" b="0"/>
+      </a:lnRef>
+      <a:fillRef idx="1">
+        <a:scrgbClr r="0" g="0" b="0"/>
+      </a:fillRef>
+      <a:effectRef idx="0">
+        <a:scrgbClr r="0" g="0" b="0"/>
+      </a:effectRef>
+      <a:fontRef idx="minor"/>
+    </dgm:style>
+  </dgm:styleLbl>
+  <dgm:styleLbl name="bgAcc1">
+    <dgm:scene3d>
+      <a:camera prst="orthographicFront"/>
+      <a:lightRig rig="threePt" dir="t"/>
+    </dgm:scene3d>
+    <dgm:sp3d/>
+    <dgm:txPr/>
+    <dgm:style>
+      <a:lnRef idx="1">
+        <a:scrgbClr r="0" g="0" b="0"/>
+      </a:lnRef>
+      <a:fillRef idx="1">
+        <a:scrgbClr r="0" g="0" b="0"/>
+      </a:fillRef>
+      <a:effectRef idx="0">
+        <a:scrgbClr r="0" g="0" b="0"/>
+      </a:effectRef>
+      <a:fontRef idx="minor"/>
+    </dgm:style>
+  </dgm:styleLbl>
+  <dgm:styleLbl name="solidFgAcc1">
+    <dgm:scene3d>
+      <a:camera prst="orthographicFront"/>
+      <a:lightRig rig="threePt" dir="t"/>
+    </dgm:scene3d>
+    <dgm:sp3d/>
+    <dgm:txPr/>
+    <dgm:style>
+      <a:lnRef idx="1">
+        <a:scrgbClr r="0" g="0" b="0"/>
+      </a:lnRef>
+      <a:fillRef idx="1">
+        <a:scrgbClr r="0" g="0" b="0"/>
+      </a:fillRef>
+      <a:effectRef idx="0">
+        <a:scrgbClr r="0" g="0" b="0"/>
+      </a:effectRef>
+      <a:fontRef idx="minor"/>
+    </dgm:style>
+  </dgm:styleLbl>
+  <dgm:styleLbl name="solidAlignAcc1">
+    <dgm:scene3d>
+      <a:camera prst="orthographicFront"/>
+      <a:lightRig rig="threePt" dir="t"/>
+    </dgm:scene3d>
+    <dgm:sp3d/>
+    <dgm:txPr/>
+    <dgm:style>
+      <a:lnRef idx="1">
+        <a:scrgbClr r="0" g="0" b="0"/>
+      </a:lnRef>
+      <a:fillRef idx="1">
+        <a:scrgbClr r="0" g="0" b="0"/>
+      </a:fillRef>
+      <a:effectRef idx="0">
+        <a:scrgbClr r="0" g="0" b="0"/>
+      </a:effectRef>
+      <a:fontRef idx="minor"/>
+    </dgm:style>
+  </dgm:styleLbl>
+  <dgm:styleLbl name="solidBgAcc1">
+    <dgm:scene3d>
+      <a:camera prst="orthographicFront"/>
+      <a:lightRig rig="threePt" dir="t"/>
+    </dgm:scene3d>
+    <dgm:sp3d/>
+    <dgm:txPr/>
+    <dgm:style>
+      <a:lnRef idx="1">
+        <a:scrgbClr r="0" g="0" b="0"/>
+      </a:lnRef>
+      <a:fillRef idx="1">
+        <a:scrgbClr r="0" g="0" b="0"/>
+      </a:fillRef>
+      <a:effectRef idx="0">
+        <a:scrgbClr r="0" g="0" b="0"/>
+      </a:effectRef>
+      <a:fontRef idx="minor"/>
+    </dgm:style>
+  </dgm:styleLbl>
+  <dgm:styleLbl name="fgAccFollowNode1">
+    <dgm:scene3d>
+      <a:camera prst="orthographicFront"/>
+      <a:lightRig rig="threePt" dir="t"/>
+    </dgm:scene3d>
+    <dgm:sp3d/>
+    <dgm:txPr/>
+    <dgm:style>
+      <a:lnRef idx="1">
+        <a:scrgbClr r="0" g="0" b="0"/>
+      </a:lnRef>
+      <a:fillRef idx="1">
+        <a:scrgbClr r="0" g="0" b="0"/>
+      </a:fillRef>
+      <a:effectRef idx="0">
+        <a:scrgbClr r="0" g="0" b="0"/>
+      </a:effectRef>
+      <a:fontRef idx="minor"/>
+    </dgm:style>
+  </dgm:styleLbl>
+  <dgm:styleLbl name="alignAccFollowNode1">
+    <dgm:scene3d>
+      <a:camera prst="orthographicFront"/>
+      <a:lightRig rig="threePt" dir="t"/>
+    </dgm:scene3d>
+    <dgm:sp3d/>
+    <dgm:txPr/>
+    <dgm:style>
+      <a:lnRef idx="1">
+        <a:scrgbClr r="0" g="0" b="0"/>
+      </a:lnRef>
+      <a:fillRef idx="1">
+        <a:scrgbClr r="0" g="0" b="0"/>
+      </a:fillRef>
+      <a:effectRef idx="0">
+        <a:scrgbClr r="0" g="0" b="0"/>
+      </a:effectRef>
+      <a:fontRef idx="minor"/>
+    </dgm:style>
+  </dgm:styleLbl>
+  <dgm:styleLbl name="bgAccFollowNode1">
+    <dgm:scene3d>
+      <a:camera prst="orthographicFront"/>
+      <a:lightRig rig="threePt" dir="t"/>
+    </dgm:scene3d>
+    <dgm:sp3d/>
+    <dgm:txPr/>
+    <dgm:style>
+      <a:lnRef idx="1">
+        <a:scrgbClr r="0" g="0" b="0"/>
+      </a:lnRef>
+      <a:fillRef idx="1">
+        <a:scrgbClr r="0" g="0" b="0"/>
+      </a:fillRef>
+      <a:effectRef idx="0">
+        <a:scrgbClr r="0" g="0" b="0"/>
+      </a:effectRef>
+      <a:fontRef idx="minor"/>
+    </dgm:style>
+  </dgm:styleLbl>
+  <dgm:styleLbl name="fgAcc0">
+    <dgm:scene3d>
+      <a:camera prst="orthographicFront"/>
+      <a:lightRig rig="threePt" dir="t"/>
+    </dgm:scene3d>
+    <dgm:sp3d/>
+    <dgm:txPr/>
+    <dgm:style>
+      <a:lnRef idx="1">
+        <a:scrgbClr r="0" g="0" b="0"/>
+      </a:lnRef>
+      <a:fillRef idx="1">
+        <a:scrgbClr r="0" g="0" b="0"/>
+      </a:fillRef>
+      <a:effectRef idx="0">
+        <a:scrgbClr r="0" g="0" b="0"/>
+      </a:effectRef>
+      <a:fontRef idx="minor"/>
+    </dgm:style>
+  </dgm:styleLbl>
+  <dgm:styleLbl name="fgAcc2">
+    <dgm:scene3d>
+      <a:camera prst="orthographicFront"/>
+      <a:lightRig rig="threePt" dir="t"/>
+    </dgm:scene3d>
+    <dgm:sp3d/>
+    <dgm:txPr/>
+    <dgm:style>
+      <a:lnRef idx="1">
+        <a:scrgbClr r="0" g="0" b="0"/>
+      </a:lnRef>
+      <a:fillRef idx="1">
+        <a:scrgbClr r="0" g="0" b="0"/>
+      </a:fillRef>
+      <a:effectRef idx="0">
+        <a:scrgbClr r="0" g="0" b="0"/>
+      </a:effectRef>
+      <a:fontRef idx="minor"/>
+    </dgm:style>
+  </dgm:styleLbl>
+  <dgm:styleLbl name="fgAcc3">
+    <dgm:scene3d>
+      <a:camera prst="orthographicFront"/>
+      <a:lightRig rig="threePt" dir="t"/>
+    </dgm:scene3d>
+    <dgm:sp3d/>
+    <dgm:txPr/>
+    <dgm:style>
+      <a:lnRef idx="1">
+        <a:scrgbClr r="0" g="0" b="0"/>
+      </a:lnRef>
+      <a:fillRef idx="1">
+        <a:scrgbClr r="0" g="0" b="0"/>
+      </a:fillRef>
+      <a:effectRef idx="0">
+        <a:scrgbClr r="0" g="0" b="0"/>
+      </a:effectRef>
+      <a:fontRef idx="minor"/>
+    </dgm:style>
+  </dgm:styleLbl>
+  <dgm:styleLbl name="fgAcc4">
+    <dgm:scene3d>
+      <a:camera prst="orthographicFront"/>
+      <a:lightRig rig="threePt" dir="t"/>
+    </dgm:scene3d>
+    <dgm:sp3d/>
+    <dgm:txPr/>
+    <dgm:style>
+      <a:lnRef idx="1">
+        <a:scrgbClr r="0" g="0" b="0"/>
+      </a:lnRef>
+      <a:fillRef idx="1">
+        <a:scrgbClr r="0" g="0" b="0"/>
+      </a:fillRef>
+      <a:effectRef idx="0">
+        <a:scrgbClr r="0" g="0" b="0"/>
+      </a:effectRef>
+      <a:fontRef idx="minor"/>
+    </dgm:style>
+  </dgm:styleLbl>
+  <dgm:styleLbl name="bgShp">
+    <dgm:scene3d>
+      <a:camera prst="orthographicFront"/>
+      <a:lightRig rig="threePt" dir="t"/>
+    </dgm:scene3d>
+    <dgm:sp3d/>
+    <dgm:txPr/>
+    <dgm:style>
+      <a:lnRef idx="0">
+        <a:scrgbClr r="0" g="0" b="0"/>
+      </a:lnRef>
+      <a:fillRef idx="1">
+        <a:scrgbClr r="0" g="0" b="0"/>
+      </a:fillRef>
+      <a:effectRef idx="2">
+        <a:scrgbClr r="0" g="0" b="0"/>
+      </a:effectRef>
+      <a:fontRef idx="minor"/>
+    </dgm:style>
+  </dgm:styleLbl>
+  <dgm:styleLbl name="dkBgShp">
+    <dgm:scene3d>
+      <a:camera prst="orthographicFront"/>
+      <a:lightRig rig="threePt" dir="t"/>
+    </dgm:scene3d>
+    <dgm:sp3d/>
+    <dgm:txPr/>
+    <dgm:style>
+      <a:lnRef idx="0">
+        <a:scrgbClr r="0" g="0" b="0"/>
+      </a:lnRef>
+      <a:fillRef idx="1">
+        <a:scrgbClr r="0" g="0" b="0"/>
+      </a:fillRef>
+      <a:effectRef idx="2">
+        <a:scrgbClr r="0" g="0" b="0"/>
+      </a:effectRef>
+      <a:fontRef idx="minor"/>
+    </dgm:style>
+  </dgm:styleLbl>
+  <dgm:styleLbl name="trBgShp">
+    <dgm:scene3d>
+      <a:camera prst="orthographicFront"/>
+      <a:lightRig rig="threePt" dir="t"/>
+    </dgm:scene3d>
+    <dgm:sp3d/>
+    <dgm:txPr/>
+    <dgm:style>
+      <a:lnRef idx="0">
+        <a:scrgbClr r="0" g="0" b="0"/>
+      </a:lnRef>
+      <a:fillRef idx="1">
+        <a:scrgbClr r="0" g="0" b="0"/>
+      </a:fillRef>
+      <a:effectRef idx="0">
+        <a:scrgbClr r="0" g="0" b="0"/>
+      </a:effectRef>
+      <a:fontRef idx="minor"/>
+    </dgm:style>
+  </dgm:styleLbl>
+  <dgm:styleLbl name="fgShp">
+    <dgm:scene3d>
+      <a:camera prst="orthographicFront"/>
+      <a:lightRig rig="threePt" dir="t"/>
+    </dgm:scene3d>
+    <dgm:sp3d/>
+    <dgm:txPr/>
+    <dgm:style>
+      <a:lnRef idx="0">
+        <a:scrgbClr r="0" g="0" b="0"/>
+      </a:lnRef>
+      <a:fillRef idx="3">
+        <a:scrgbClr r="0" g="0" b="0"/>
+      </a:fillRef>
+      <a:effectRef idx="2">
+        <a:scrgbClr r="0" g="0" b="0"/>
+      </a:effectRef>
+      <a:fontRef idx="minor"/>
+    </dgm:style>
+  </dgm:styleLbl>
+  <dgm:styleLbl name="revTx">
+    <dgm:scene3d>
+      <a:camera prst="orthographicFront"/>
+      <a:lightRig rig="threePt" dir="t"/>
+    </dgm:scene3d>
+    <dgm:sp3d/>
+    <dgm:txPr/>
+    <dgm:style>
+      <a:lnRef idx="0">
+        <a:scrgbClr r="0" g="0" b="0"/>
+      </a:lnRef>
+      <a:fillRef idx="0">
+        <a:scrgbClr r="0" g="0" b="0"/>
+      </a:fillRef>
+      <a:effectRef idx="0">
+        <a:scrgbClr r="0" g="0" b="0"/>
+      </a:effectRef>
+      <a:fontRef idx="minor"/>
+    </dgm:style>
+  </dgm:styleLbl>
+</dgm:styleDef>
+</file>
+
 <file path=ppt/handoutMasters/handoutMaster1.xml><?xml version="1.0" encoding="utf-8"?>
 <p:handoutMaster xmlns:a="http://schemas.openxmlformats.org/drawingml/2006/main" xmlns:r="http://schemas.openxmlformats.org/officeDocument/2006/relationships" xmlns:p="http://schemas.openxmlformats.org/presentationml/2006/main">
   <p:cSld>
@@ -247,7 +5227,7 @@
           <a:p>
             <a:fld id="{20EA5F0D-C1DC-412F-A146-DDB3A74B588F}" type="datetimeFigureOut">
               <a:rPr lang="en-US"/>
-              <a:t>10/3/2016</a:t>
+              <a:t>10/4/2016</a:t>
             </a:fld>
             <a:endParaRPr/>
           </a:p>
@@ -412,7 +5392,7 @@
           <a:p>
             <a:fld id="{A8CDE508-72C8-4AB5-AA9C-1584D31690E0}" type="datetimeFigureOut">
               <a:rPr lang="en-US"/>
-              <a:t>10/3/2016</a:t>
+              <a:t>10/4/2016</a:t>
             </a:fld>
             <a:endParaRPr/>
           </a:p>
@@ -771,6 +5751,342 @@
 </p:notes>
 </file>
 
+<file path=ppt/notesSlides/notesSlide10.xml><?xml version="1.0" encoding="utf-8"?>
+<p:notes xmlns:a="http://schemas.openxmlformats.org/drawingml/2006/main" xmlns:r="http://schemas.openxmlformats.org/officeDocument/2006/relationships" xmlns:p="http://schemas.openxmlformats.org/presentationml/2006/main">
+  <p:cSld>
+    <p:spTree>
+      <p:nvGrpSpPr>
+        <p:cNvPr id="1" name=""/>
+        <p:cNvGrpSpPr/>
+        <p:nvPr/>
+      </p:nvGrpSpPr>
+      <p:grpSpPr>
+        <a:xfrm>
+          <a:off x="0" y="0"/>
+          <a:ext cx="0" cy="0"/>
+          <a:chOff x="0" y="0"/>
+          <a:chExt cx="0" cy="0"/>
+        </a:xfrm>
+      </p:grpSpPr>
+      <p:sp>
+        <p:nvSpPr>
+          <p:cNvPr id="2" name="Slide Image Placeholder 1"/>
+          <p:cNvSpPr>
+            <a:spLocks noGrp="1" noRot="1" noChangeAspect="1"/>
+          </p:cNvSpPr>
+          <p:nvPr>
+            <p:ph type="sldImg"/>
+          </p:nvPr>
+        </p:nvSpPr>
+        <p:spPr/>
+      </p:sp>
+      <p:sp>
+        <p:nvSpPr>
+          <p:cNvPr id="3" name="Notes Placeholder 2"/>
+          <p:cNvSpPr>
+            <a:spLocks noGrp="1"/>
+          </p:cNvSpPr>
+          <p:nvPr>
+            <p:ph type="body" idx="1"/>
+          </p:nvPr>
+        </p:nvSpPr>
+        <p:spPr/>
+        <p:txBody>
+          <a:bodyPr/>
+          <a:lstStyle/>
+          <a:p>
+            <a:endParaRPr lang="en-US" dirty="0"/>
+          </a:p>
+        </p:txBody>
+      </p:sp>
+      <p:sp>
+        <p:nvSpPr>
+          <p:cNvPr id="4" name="Slide Number Placeholder 3"/>
+          <p:cNvSpPr>
+            <a:spLocks noGrp="1"/>
+          </p:cNvSpPr>
+          <p:nvPr>
+            <p:ph type="sldNum" sz="quarter" idx="10"/>
+          </p:nvPr>
+        </p:nvSpPr>
+        <p:spPr/>
+        <p:txBody>
+          <a:bodyPr/>
+          <a:lstStyle/>
+          <a:p>
+            <a:fld id="{7FB667E1-E601-4AAF-B95C-B25720D70A60}" type="slidenum">
+              <a:rPr lang="en-US" smtClean="0"/>
+              <a:t>11</a:t>
+            </a:fld>
+            <a:endParaRPr lang="en-US"/>
+          </a:p>
+        </p:txBody>
+      </p:sp>
+    </p:spTree>
+    <p:extLst>
+      <p:ext uri="{BB962C8B-B14F-4D97-AF65-F5344CB8AC3E}">
+        <p14:creationId xmlns:p14="http://schemas.microsoft.com/office/powerpoint/2010/main" val="2693747934"/>
+      </p:ext>
+    </p:extLst>
+  </p:cSld>
+  <p:clrMapOvr>
+    <a:masterClrMapping/>
+  </p:clrMapOvr>
+</p:notes>
+</file>
+
+<file path=ppt/notesSlides/notesSlide11.xml><?xml version="1.0" encoding="utf-8"?>
+<p:notes xmlns:a="http://schemas.openxmlformats.org/drawingml/2006/main" xmlns:r="http://schemas.openxmlformats.org/officeDocument/2006/relationships" xmlns:p="http://schemas.openxmlformats.org/presentationml/2006/main">
+  <p:cSld>
+    <p:spTree>
+      <p:nvGrpSpPr>
+        <p:cNvPr id="1" name=""/>
+        <p:cNvGrpSpPr/>
+        <p:nvPr/>
+      </p:nvGrpSpPr>
+      <p:grpSpPr>
+        <a:xfrm>
+          <a:off x="0" y="0"/>
+          <a:ext cx="0" cy="0"/>
+          <a:chOff x="0" y="0"/>
+          <a:chExt cx="0" cy="0"/>
+        </a:xfrm>
+      </p:grpSpPr>
+      <p:sp>
+        <p:nvSpPr>
+          <p:cNvPr id="2" name="Slide Image Placeholder 1"/>
+          <p:cNvSpPr>
+            <a:spLocks noGrp="1" noRot="1" noChangeAspect="1"/>
+          </p:cNvSpPr>
+          <p:nvPr>
+            <p:ph type="sldImg"/>
+          </p:nvPr>
+        </p:nvSpPr>
+        <p:spPr/>
+      </p:sp>
+      <p:sp>
+        <p:nvSpPr>
+          <p:cNvPr id="3" name="Notes Placeholder 2"/>
+          <p:cNvSpPr>
+            <a:spLocks noGrp="1"/>
+          </p:cNvSpPr>
+          <p:nvPr>
+            <p:ph type="body" idx="1"/>
+          </p:nvPr>
+        </p:nvSpPr>
+        <p:spPr/>
+        <p:txBody>
+          <a:bodyPr/>
+          <a:lstStyle/>
+          <a:p>
+            <a:endParaRPr lang="en-US" dirty="0"/>
+          </a:p>
+        </p:txBody>
+      </p:sp>
+      <p:sp>
+        <p:nvSpPr>
+          <p:cNvPr id="4" name="Slide Number Placeholder 3"/>
+          <p:cNvSpPr>
+            <a:spLocks noGrp="1"/>
+          </p:cNvSpPr>
+          <p:nvPr>
+            <p:ph type="sldNum" sz="quarter" idx="10"/>
+          </p:nvPr>
+        </p:nvSpPr>
+        <p:spPr/>
+        <p:txBody>
+          <a:bodyPr/>
+          <a:lstStyle/>
+          <a:p>
+            <a:fld id="{7FB667E1-E601-4AAF-B95C-B25720D70A60}" type="slidenum">
+              <a:rPr lang="en-US" smtClean="0"/>
+              <a:t>12</a:t>
+            </a:fld>
+            <a:endParaRPr lang="en-US"/>
+          </a:p>
+        </p:txBody>
+      </p:sp>
+    </p:spTree>
+    <p:extLst>
+      <p:ext uri="{BB962C8B-B14F-4D97-AF65-F5344CB8AC3E}">
+        <p14:creationId xmlns:p14="http://schemas.microsoft.com/office/powerpoint/2010/main" val="572018084"/>
+      </p:ext>
+    </p:extLst>
+  </p:cSld>
+  <p:clrMapOvr>
+    <a:masterClrMapping/>
+  </p:clrMapOvr>
+</p:notes>
+</file>
+
+<file path=ppt/notesSlides/notesSlide12.xml><?xml version="1.0" encoding="utf-8"?>
+<p:notes xmlns:a="http://schemas.openxmlformats.org/drawingml/2006/main" xmlns:r="http://schemas.openxmlformats.org/officeDocument/2006/relationships" xmlns:p="http://schemas.openxmlformats.org/presentationml/2006/main">
+  <p:cSld>
+    <p:spTree>
+      <p:nvGrpSpPr>
+        <p:cNvPr id="1" name=""/>
+        <p:cNvGrpSpPr/>
+        <p:nvPr/>
+      </p:nvGrpSpPr>
+      <p:grpSpPr>
+        <a:xfrm>
+          <a:off x="0" y="0"/>
+          <a:ext cx="0" cy="0"/>
+          <a:chOff x="0" y="0"/>
+          <a:chExt cx="0" cy="0"/>
+        </a:xfrm>
+      </p:grpSpPr>
+      <p:sp>
+        <p:nvSpPr>
+          <p:cNvPr id="2" name="Slide Image Placeholder 1"/>
+          <p:cNvSpPr>
+            <a:spLocks noGrp="1" noRot="1" noChangeAspect="1"/>
+          </p:cNvSpPr>
+          <p:nvPr>
+            <p:ph type="sldImg"/>
+          </p:nvPr>
+        </p:nvSpPr>
+        <p:spPr/>
+      </p:sp>
+      <p:sp>
+        <p:nvSpPr>
+          <p:cNvPr id="3" name="Notes Placeholder 2"/>
+          <p:cNvSpPr>
+            <a:spLocks noGrp="1"/>
+          </p:cNvSpPr>
+          <p:nvPr>
+            <p:ph type="body" idx="1"/>
+          </p:nvPr>
+        </p:nvSpPr>
+        <p:spPr/>
+        <p:txBody>
+          <a:bodyPr/>
+          <a:lstStyle/>
+          <a:p>
+            <a:endParaRPr lang="en-US" dirty="0"/>
+          </a:p>
+        </p:txBody>
+      </p:sp>
+      <p:sp>
+        <p:nvSpPr>
+          <p:cNvPr id="4" name="Slide Number Placeholder 3"/>
+          <p:cNvSpPr>
+            <a:spLocks noGrp="1"/>
+          </p:cNvSpPr>
+          <p:nvPr>
+            <p:ph type="sldNum" sz="quarter" idx="10"/>
+          </p:nvPr>
+        </p:nvSpPr>
+        <p:spPr/>
+        <p:txBody>
+          <a:bodyPr/>
+          <a:lstStyle/>
+          <a:p>
+            <a:fld id="{7FB667E1-E601-4AAF-B95C-B25720D70A60}" type="slidenum">
+              <a:rPr lang="en-US" smtClean="0"/>
+              <a:t>13</a:t>
+            </a:fld>
+            <a:endParaRPr lang="en-US"/>
+          </a:p>
+        </p:txBody>
+      </p:sp>
+    </p:spTree>
+    <p:extLst>
+      <p:ext uri="{BB962C8B-B14F-4D97-AF65-F5344CB8AC3E}">
+        <p14:creationId xmlns:p14="http://schemas.microsoft.com/office/powerpoint/2010/main" val="2015115795"/>
+      </p:ext>
+    </p:extLst>
+  </p:cSld>
+  <p:clrMapOvr>
+    <a:masterClrMapping/>
+  </p:clrMapOvr>
+</p:notes>
+</file>
+
+<file path=ppt/notesSlides/notesSlide13.xml><?xml version="1.0" encoding="utf-8"?>
+<p:notes xmlns:a="http://schemas.openxmlformats.org/drawingml/2006/main" xmlns:r="http://schemas.openxmlformats.org/officeDocument/2006/relationships" xmlns:p="http://schemas.openxmlformats.org/presentationml/2006/main">
+  <p:cSld>
+    <p:spTree>
+      <p:nvGrpSpPr>
+        <p:cNvPr id="1" name=""/>
+        <p:cNvGrpSpPr/>
+        <p:nvPr/>
+      </p:nvGrpSpPr>
+      <p:grpSpPr>
+        <a:xfrm>
+          <a:off x="0" y="0"/>
+          <a:ext cx="0" cy="0"/>
+          <a:chOff x="0" y="0"/>
+          <a:chExt cx="0" cy="0"/>
+        </a:xfrm>
+      </p:grpSpPr>
+      <p:sp>
+        <p:nvSpPr>
+          <p:cNvPr id="2" name="Slide Image Placeholder 1"/>
+          <p:cNvSpPr>
+            <a:spLocks noGrp="1" noRot="1" noChangeAspect="1"/>
+          </p:cNvSpPr>
+          <p:nvPr>
+            <p:ph type="sldImg"/>
+          </p:nvPr>
+        </p:nvSpPr>
+        <p:spPr/>
+      </p:sp>
+      <p:sp>
+        <p:nvSpPr>
+          <p:cNvPr id="3" name="Notes Placeholder 2"/>
+          <p:cNvSpPr>
+            <a:spLocks noGrp="1"/>
+          </p:cNvSpPr>
+          <p:nvPr>
+            <p:ph type="body" idx="1"/>
+          </p:nvPr>
+        </p:nvSpPr>
+        <p:spPr/>
+        <p:txBody>
+          <a:bodyPr/>
+          <a:lstStyle/>
+          <a:p>
+            <a:endParaRPr lang="pt-PT" dirty="0"/>
+          </a:p>
+        </p:txBody>
+      </p:sp>
+      <p:sp>
+        <p:nvSpPr>
+          <p:cNvPr id="4" name="Slide Number Placeholder 3"/>
+          <p:cNvSpPr>
+            <a:spLocks noGrp="1"/>
+          </p:cNvSpPr>
+          <p:nvPr>
+            <p:ph type="sldNum" sz="quarter" idx="10"/>
+          </p:nvPr>
+        </p:nvSpPr>
+        <p:spPr/>
+        <p:txBody>
+          <a:bodyPr/>
+          <a:lstStyle/>
+          <a:p>
+            <a:fld id="{7FB667E1-E601-4AAF-B95C-B25720D70A60}" type="slidenum">
+              <a:rPr lang="pt-PT" smtClean="0"/>
+              <a:t>14</a:t>
+            </a:fld>
+            <a:endParaRPr lang="pt-PT"/>
+          </a:p>
+        </p:txBody>
+      </p:sp>
+    </p:spTree>
+    <p:extLst>
+      <p:ext uri="{BB962C8B-B14F-4D97-AF65-F5344CB8AC3E}">
+        <p14:creationId xmlns:p14="http://schemas.microsoft.com/office/powerpoint/2010/main" val="411529603"/>
+      </p:ext>
+    </p:extLst>
+  </p:cSld>
+  <p:clrMapOvr>
+    <a:masterClrMapping/>
+  </p:clrMapOvr>
+</p:notes>
+</file>
+
 <file path=ppt/notesSlides/notesSlide2.xml><?xml version="1.0" encoding="utf-8"?>
 <p:notes xmlns:a="http://schemas.openxmlformats.org/drawingml/2006/main" xmlns:r="http://schemas.openxmlformats.org/officeDocument/2006/relationships" xmlns:p="http://schemas.openxmlformats.org/presentationml/2006/main">
   <p:cSld>
@@ -815,10 +6131,61 @@
           <a:bodyPr/>
           <a:lstStyle/>
           <a:p>
-            <a:r>
-              <a:rPr lang="en-US" dirty="0"/>
-              <a:t>May require more than one slide</a:t>
-            </a:r>
+            <a:pPr marL="0" marR="0" lvl="0" indent="0" algn="l" defTabSz="914400" rtl="0" eaLnBrk="1" fontAlgn="auto" latinLnBrk="0" hangingPunct="1">
+              <a:lnSpc>
+                <a:spcPct val="100000"/>
+              </a:lnSpc>
+              <a:spcBef>
+                <a:spcPts val="0"/>
+              </a:spcBef>
+              <a:spcAft>
+                <a:spcPts val="0"/>
+              </a:spcAft>
+              <a:buClrTx/>
+              <a:buSzTx/>
+              <a:buFontTx/>
+              <a:buNone/>
+              <a:tabLst/>
+              <a:defRPr/>
+            </a:pPr>
+            <a:r>
+              <a:rPr lang="en-US" dirty="0" smtClean="0"/>
+              <a:t>The</a:t>
+            </a:r>
+            <a:r>
+              <a:rPr lang="en-US" baseline="0" dirty="0" smtClean="0"/>
+              <a:t> </a:t>
+            </a:r>
+            <a:r>
+              <a:rPr lang="en-US" dirty="0" smtClean="0"/>
+              <a:t>working code is committed and tested frequently, the team always knows if the code is working or not;</a:t>
+            </a:r>
+          </a:p>
+          <a:p>
+            <a:pPr marL="0" marR="0" lvl="0" indent="0" algn="l" defTabSz="914400" rtl="0" eaLnBrk="1" fontAlgn="auto" latinLnBrk="0" hangingPunct="1">
+              <a:lnSpc>
+                <a:spcPct val="100000"/>
+              </a:lnSpc>
+              <a:spcBef>
+                <a:spcPts val="0"/>
+              </a:spcBef>
+              <a:spcAft>
+                <a:spcPts val="0"/>
+              </a:spcAft>
+              <a:buClrTx/>
+              <a:buSzTx/>
+              <a:buFontTx/>
+              <a:buNone/>
+              <a:tabLst/>
+              <a:defRPr/>
+            </a:pPr>
+            <a:r>
+              <a:rPr lang="en-US" dirty="0" smtClean="0"/>
+              <a:t>Provides confidence that the next sprint is based on a solid foundation;</a:t>
+            </a:r>
+          </a:p>
+          <a:p>
+            <a:endParaRPr lang="en-US" dirty="0"/>
           </a:p>
         </p:txBody>
       </p:sp>
@@ -923,7 +6290,7 @@
           <a:p>
             <a:fld id="{7FB667E1-E601-4AAF-B95C-B25720D70A60}" type="slidenum">
               <a:rPr lang="pt-PT" smtClean="0"/>
-              <a:t>5</a:t>
+              <a:t>4</a:t>
             </a:fld>
             <a:endParaRPr lang="pt-PT"/>
           </a:p>
@@ -932,7 +6299,7 @@
     </p:spTree>
     <p:extLst>
       <p:ext uri="{BB962C8B-B14F-4D97-AF65-F5344CB8AC3E}">
-        <p14:creationId xmlns:p14="http://schemas.microsoft.com/office/powerpoint/2010/main" val="2046795058"/>
+        <p14:creationId xmlns:p14="http://schemas.microsoft.com/office/powerpoint/2010/main" val="476358639"/>
       </p:ext>
     </p:extLst>
   </p:cSld>
@@ -1007,7 +6374,7 @@
           <a:p>
             <a:fld id="{7FB667E1-E601-4AAF-B95C-B25720D70A60}" type="slidenum">
               <a:rPr lang="pt-PT" smtClean="0"/>
-              <a:t>6</a:t>
+              <a:t>5</a:t>
             </a:fld>
             <a:endParaRPr lang="pt-PT"/>
           </a:p>
@@ -1016,7 +6383,7 @@
     </p:spTree>
     <p:extLst>
       <p:ext uri="{BB962C8B-B14F-4D97-AF65-F5344CB8AC3E}">
-        <p14:creationId xmlns:p14="http://schemas.microsoft.com/office/powerpoint/2010/main" val="2465623478"/>
+        <p14:creationId xmlns:p14="http://schemas.microsoft.com/office/powerpoint/2010/main" val="2046795058"/>
       </p:ext>
     </p:extLst>
   </p:cSld>
@@ -1070,7 +6437,168 @@
           <a:bodyPr/>
           <a:lstStyle/>
           <a:p>
-            <a:endParaRPr lang="en-US" dirty="0"/>
+            <a:pPr lvl="1"/>
+            <a:r>
+              <a:rPr lang="pt-PT" sz="1400" dirty="0" smtClean="0"/>
+              <a:t>ANDRE</a:t>
+            </a:r>
+          </a:p>
+          <a:p>
+            <a:pPr lvl="1"/>
+            <a:r>
+              <a:rPr lang="pt-PT" sz="1400" dirty="0" smtClean="0"/>
+              <a:t>o look and feel é extremamente datado</a:t>
+            </a:r>
+          </a:p>
+          <a:p>
+            <a:pPr lvl="1"/>
+            <a:r>
+              <a:rPr lang="pt-PT" sz="1400" dirty="0" smtClean="0"/>
+              <a:t>funciona mas é td à base de links e tem uma apresentação simplista</a:t>
+            </a:r>
+          </a:p>
+          <a:p>
+            <a:pPr lvl="1"/>
+            <a:r>
+              <a:rPr lang="pt-PT" sz="1400" dirty="0" smtClean="0"/>
+              <a:t>os icones do dashboard para mostrar a build stability são icones de meteorologia, nem toda a gente percebe imediatamente o q é</a:t>
+            </a:r>
+          </a:p>
+          <a:p>
+            <a:pPr lvl="1"/>
+            <a:r>
+              <a:rPr lang="pt-PT" sz="1400" dirty="0" smtClean="0"/>
+              <a:t>pontos positivos:</a:t>
+            </a:r>
+            <a:r>
+              <a:rPr lang="pt-PT" sz="1400" baseline="0" dirty="0" smtClean="0"/>
+              <a:t> </a:t>
+            </a:r>
+            <a:r>
+              <a:rPr lang="pt-PT" sz="1400" dirty="0" smtClean="0"/>
+              <a:t>é eficiente, a visão de consola permite ver exactamente o que se está a passar se quiseres uma visão mais técnica do job que estás a correr</a:t>
+            </a:r>
+          </a:p>
+          <a:p>
+            <a:pPr lvl="1"/>
+            <a:r>
+              <a:rPr lang="pt-PT" sz="1400" dirty="0" smtClean="0"/>
+              <a:t>e tem mtos plugins com outras ferramentas o que acrescentar valor à ferramenta,</a:t>
+            </a:r>
+            <a:r>
+              <a:rPr lang="pt-PT" sz="1400" baseline="0" dirty="0" smtClean="0"/>
+              <a:t> </a:t>
+            </a:r>
+            <a:r>
+              <a:rPr lang="pt-PT" sz="1400" dirty="0" smtClean="0"/>
+              <a:t>embora exija configurações um bocadinhos mais técnicas</a:t>
+            </a:r>
+          </a:p>
+          <a:p>
+            <a:pPr lvl="1"/>
+            <a:endParaRPr lang="pt-PT" sz="1400" dirty="0" smtClean="0"/>
+          </a:p>
+          <a:p>
+            <a:pPr lvl="1"/>
+            <a:r>
+              <a:rPr lang="pt-PT" sz="1400" dirty="0" smtClean="0"/>
+              <a:t>LUIS</a:t>
+            </a:r>
+          </a:p>
+          <a:p>
+            <a:pPr lvl="1"/>
+            <a:r>
+              <a:rPr lang="pt-PT" sz="1400" dirty="0" smtClean="0"/>
+              <a:t>Positivos: se triggar uma build automática por cada commit</a:t>
+            </a:r>
+          </a:p>
+          <a:p>
+            <a:pPr lvl="1"/>
+            <a:r>
+              <a:rPr lang="pt-PT" sz="1400" dirty="0" smtClean="0"/>
+              <a:t>Sabes a todo o momento se a build está quebrada ou não</a:t>
+            </a:r>
+          </a:p>
+          <a:p>
+            <a:pPr lvl="1"/>
+            <a:r>
+              <a:rPr lang="pt-PT" sz="1400" dirty="0" smtClean="0"/>
+              <a:t>Podes ter verificação estática do código automática também (tipo cppcheck)</a:t>
+            </a:r>
+          </a:p>
+          <a:p>
+            <a:pPr lvl="1"/>
+            <a:r>
+              <a:rPr lang="pt-PT" sz="1400" dirty="0" smtClean="0"/>
+              <a:t>Podes configurar nightly builds que geram builds oficiais durante a noite caso não haja erros (este eh particularmente útil para projectos gigantes)</a:t>
+            </a:r>
+          </a:p>
+          <a:p>
+            <a:pPr lvl="1"/>
+            <a:r>
+              <a:rPr lang="pt-PT" sz="1400" dirty="0" smtClean="0"/>
+              <a:t>Podes associar ao mecanismo de code review (tipo do GIT) e funcionar como um reviewer (isto é são fazes merge do código para o master se estiver conpilavel)</a:t>
+            </a:r>
+          </a:p>
+          <a:p>
+            <a:pPr lvl="1"/>
+            <a:r>
+              <a:rPr lang="pt-PT" sz="1400" dirty="0" smtClean="0"/>
+              <a:t>Tens os teus projectos a buildar centralizados numa máquina (pode dar jeito saber quais são )</a:t>
+            </a:r>
+          </a:p>
+          <a:p>
+            <a:pPr lvl="1"/>
+            <a:r>
+              <a:rPr lang="pt-PT" sz="1400" dirty="0" smtClean="0"/>
+              <a:t>Acho que também podes fazer verificação dinâmica (tipo valgrind)</a:t>
+            </a:r>
+          </a:p>
+          <a:p>
+            <a:pPr lvl="1"/>
+            <a:r>
+              <a:rPr lang="pt-PT" sz="1400" dirty="0" smtClean="0"/>
+              <a:t>É open source, podes customizar, mas tens imensos plugins</a:t>
+            </a:r>
+          </a:p>
+          <a:p>
+            <a:pPr lvl="1"/>
+            <a:r>
+              <a:rPr lang="pt-PT" sz="1400" dirty="0" smtClean="0"/>
+              <a:t>Desvantagens: </a:t>
+            </a:r>
+          </a:p>
+          <a:p>
+            <a:pPr lvl="1"/>
+            <a:r>
+              <a:rPr lang="pt-PT" sz="1400" dirty="0" smtClean="0"/>
+              <a:t>overhead adicional</a:t>
+            </a:r>
+          </a:p>
+          <a:p>
+            <a:pPr lvl="1"/>
+            <a:r>
+              <a:rPr lang="pt-PT" sz="1400" dirty="0" smtClean="0"/>
+              <a:t>Tens que ter alguém a manter a ferramenta</a:t>
+            </a:r>
+          </a:p>
+          <a:p>
+            <a:pPr lvl="1"/>
+            <a:r>
+              <a:rPr lang="pt-PT" sz="1400" dirty="0" smtClean="0"/>
+              <a:t>Pode escalar a um ponto que depois tens aquilo tudo a buildar, mas são tantas coisas que já nem controlas bem</a:t>
+            </a:r>
+          </a:p>
+          <a:p>
+            <a:pPr lvl="1"/>
+            <a:r>
+              <a:rPr lang="pt-PT" sz="1400" dirty="0" smtClean="0"/>
+              <a:t>E o tempo de setup</a:t>
+            </a:r>
+            <a:endParaRPr lang="en-US" sz="1400" dirty="0" smtClean="0"/>
+          </a:p>
+          <a:p>
+            <a:endParaRPr lang="pt-PT" dirty="0"/>
           </a:p>
         </p:txBody>
       </p:sp>
@@ -1090,17 +6618,17 @@
           <a:lstStyle/>
           <a:p>
             <a:fld id="{7FB667E1-E601-4AAF-B95C-B25720D70A60}" type="slidenum">
-              <a:rPr lang="en-US" smtClean="0"/>
-              <a:t>8</a:t>
+              <a:rPr lang="pt-PT" smtClean="0"/>
+              <a:t>6</a:t>
             </a:fld>
-            <a:endParaRPr lang="en-US"/>
+            <a:endParaRPr lang="pt-PT"/>
           </a:p>
         </p:txBody>
       </p:sp>
     </p:spTree>
     <p:extLst>
       <p:ext uri="{BB962C8B-B14F-4D97-AF65-F5344CB8AC3E}">
-        <p14:creationId xmlns:p14="http://schemas.microsoft.com/office/powerpoint/2010/main" val="578414791"/>
+        <p14:creationId xmlns:p14="http://schemas.microsoft.com/office/powerpoint/2010/main" val="2465623478"/>
       </p:ext>
     </p:extLst>
   </p:cSld>
@@ -1154,7 +6682,7 @@
           <a:bodyPr/>
           <a:lstStyle/>
           <a:p>
-            <a:endParaRPr lang="en-US" dirty="0"/>
+            <a:endParaRPr lang="pt-PT" dirty="0"/>
           </a:p>
         </p:txBody>
       </p:sp>
@@ -1174,17 +6702,17 @@
           <a:lstStyle/>
           <a:p>
             <a:fld id="{7FB667E1-E601-4AAF-B95C-B25720D70A60}" type="slidenum">
-              <a:rPr lang="en-US" smtClean="0"/>
-              <a:t>9</a:t>
+              <a:rPr lang="pt-PT" smtClean="0"/>
+              <a:t>7</a:t>
             </a:fld>
-            <a:endParaRPr lang="en-US"/>
+            <a:endParaRPr lang="pt-PT"/>
           </a:p>
         </p:txBody>
       </p:sp>
     </p:spTree>
     <p:extLst>
       <p:ext uri="{BB962C8B-B14F-4D97-AF65-F5344CB8AC3E}">
-        <p14:creationId xmlns:p14="http://schemas.microsoft.com/office/powerpoint/2010/main" val="572018084"/>
+        <p14:creationId xmlns:p14="http://schemas.microsoft.com/office/powerpoint/2010/main" val="107699262"/>
       </p:ext>
     </p:extLst>
   </p:cSld>
@@ -1238,7 +6766,7 @@
           <a:bodyPr/>
           <a:lstStyle/>
           <a:p>
-            <a:endParaRPr lang="en-US" dirty="0"/>
+            <a:endParaRPr lang="pt-PT" dirty="0"/>
           </a:p>
         </p:txBody>
       </p:sp>
@@ -1258,17 +6786,185 @@
           <a:lstStyle/>
           <a:p>
             <a:fld id="{7FB667E1-E601-4AAF-B95C-B25720D70A60}" type="slidenum">
-              <a:rPr lang="en-US" smtClean="0"/>
-              <a:t>10</a:t>
+              <a:rPr lang="pt-PT" smtClean="0"/>
+              <a:t>8</a:t>
             </a:fld>
-            <a:endParaRPr lang="en-US"/>
+            <a:endParaRPr lang="pt-PT"/>
           </a:p>
         </p:txBody>
       </p:sp>
     </p:spTree>
     <p:extLst>
       <p:ext uri="{BB962C8B-B14F-4D97-AF65-F5344CB8AC3E}">
-        <p14:creationId xmlns:p14="http://schemas.microsoft.com/office/powerpoint/2010/main" val="2015115795"/>
+        <p14:creationId xmlns:p14="http://schemas.microsoft.com/office/powerpoint/2010/main" val="170834578"/>
+      </p:ext>
+    </p:extLst>
+  </p:cSld>
+  <p:clrMapOvr>
+    <a:masterClrMapping/>
+  </p:clrMapOvr>
+</p:notes>
+</file>
+
+<file path=ppt/notesSlides/notesSlide8.xml><?xml version="1.0" encoding="utf-8"?>
+<p:notes xmlns:a="http://schemas.openxmlformats.org/drawingml/2006/main" xmlns:r="http://schemas.openxmlformats.org/officeDocument/2006/relationships" xmlns:p="http://schemas.openxmlformats.org/presentationml/2006/main">
+  <p:cSld>
+    <p:spTree>
+      <p:nvGrpSpPr>
+        <p:cNvPr id="1" name=""/>
+        <p:cNvGrpSpPr/>
+        <p:nvPr/>
+      </p:nvGrpSpPr>
+      <p:grpSpPr>
+        <a:xfrm>
+          <a:off x="0" y="0"/>
+          <a:ext cx="0" cy="0"/>
+          <a:chOff x="0" y="0"/>
+          <a:chExt cx="0" cy="0"/>
+        </a:xfrm>
+      </p:grpSpPr>
+      <p:sp>
+        <p:nvSpPr>
+          <p:cNvPr id="2" name="Slide Image Placeholder 1"/>
+          <p:cNvSpPr>
+            <a:spLocks noGrp="1" noRot="1" noChangeAspect="1"/>
+          </p:cNvSpPr>
+          <p:nvPr>
+            <p:ph type="sldImg"/>
+          </p:nvPr>
+        </p:nvSpPr>
+        <p:spPr/>
+      </p:sp>
+      <p:sp>
+        <p:nvSpPr>
+          <p:cNvPr id="3" name="Notes Placeholder 2"/>
+          <p:cNvSpPr>
+            <a:spLocks noGrp="1"/>
+          </p:cNvSpPr>
+          <p:nvPr>
+            <p:ph type="body" idx="1"/>
+          </p:nvPr>
+        </p:nvSpPr>
+        <p:spPr/>
+        <p:txBody>
+          <a:bodyPr/>
+          <a:lstStyle/>
+          <a:p>
+            <a:endParaRPr lang="en-US" dirty="0"/>
+          </a:p>
+        </p:txBody>
+      </p:sp>
+      <p:sp>
+        <p:nvSpPr>
+          <p:cNvPr id="4" name="Slide Number Placeholder 3"/>
+          <p:cNvSpPr>
+            <a:spLocks noGrp="1"/>
+          </p:cNvSpPr>
+          <p:nvPr>
+            <p:ph type="sldNum" sz="quarter" idx="10"/>
+          </p:nvPr>
+        </p:nvSpPr>
+        <p:spPr/>
+        <p:txBody>
+          <a:bodyPr/>
+          <a:lstStyle/>
+          <a:p>
+            <a:fld id="{7FB667E1-E601-4AAF-B95C-B25720D70A60}" type="slidenum">
+              <a:rPr lang="en-US" smtClean="0"/>
+              <a:t>9</a:t>
+            </a:fld>
+            <a:endParaRPr lang="en-US"/>
+          </a:p>
+        </p:txBody>
+      </p:sp>
+    </p:spTree>
+    <p:extLst>
+      <p:ext uri="{BB962C8B-B14F-4D97-AF65-F5344CB8AC3E}">
+        <p14:creationId xmlns:p14="http://schemas.microsoft.com/office/powerpoint/2010/main" val="3650149275"/>
+      </p:ext>
+    </p:extLst>
+  </p:cSld>
+  <p:clrMapOvr>
+    <a:masterClrMapping/>
+  </p:clrMapOvr>
+</p:notes>
+</file>
+
+<file path=ppt/notesSlides/notesSlide9.xml><?xml version="1.0" encoding="utf-8"?>
+<p:notes xmlns:a="http://schemas.openxmlformats.org/drawingml/2006/main" xmlns:r="http://schemas.openxmlformats.org/officeDocument/2006/relationships" xmlns:p="http://schemas.openxmlformats.org/presentationml/2006/main">
+  <p:cSld>
+    <p:spTree>
+      <p:nvGrpSpPr>
+        <p:cNvPr id="1" name=""/>
+        <p:cNvGrpSpPr/>
+        <p:nvPr/>
+      </p:nvGrpSpPr>
+      <p:grpSpPr>
+        <a:xfrm>
+          <a:off x="0" y="0"/>
+          <a:ext cx="0" cy="0"/>
+          <a:chOff x="0" y="0"/>
+          <a:chExt cx="0" cy="0"/>
+        </a:xfrm>
+      </p:grpSpPr>
+      <p:sp>
+        <p:nvSpPr>
+          <p:cNvPr id="2" name="Slide Image Placeholder 1"/>
+          <p:cNvSpPr>
+            <a:spLocks noGrp="1" noRot="1" noChangeAspect="1"/>
+          </p:cNvSpPr>
+          <p:nvPr>
+            <p:ph type="sldImg"/>
+          </p:nvPr>
+        </p:nvSpPr>
+        <p:spPr/>
+      </p:sp>
+      <p:sp>
+        <p:nvSpPr>
+          <p:cNvPr id="3" name="Notes Placeholder 2"/>
+          <p:cNvSpPr>
+            <a:spLocks noGrp="1"/>
+          </p:cNvSpPr>
+          <p:nvPr>
+            <p:ph type="body" idx="1"/>
+          </p:nvPr>
+        </p:nvSpPr>
+        <p:spPr/>
+        <p:txBody>
+          <a:bodyPr/>
+          <a:lstStyle/>
+          <a:p>
+            <a:endParaRPr lang="en-US" dirty="0"/>
+          </a:p>
+        </p:txBody>
+      </p:sp>
+      <p:sp>
+        <p:nvSpPr>
+          <p:cNvPr id="4" name="Slide Number Placeholder 3"/>
+          <p:cNvSpPr>
+            <a:spLocks noGrp="1"/>
+          </p:cNvSpPr>
+          <p:nvPr>
+            <p:ph type="sldNum" sz="quarter" idx="10"/>
+          </p:nvPr>
+        </p:nvSpPr>
+        <p:spPr/>
+        <p:txBody>
+          <a:bodyPr/>
+          <a:lstStyle/>
+          <a:p>
+            <a:fld id="{7FB667E1-E601-4AAF-B95C-B25720D70A60}" type="slidenum">
+              <a:rPr lang="en-US" smtClean="0"/>
+              <a:t>10</a:t>
+            </a:fld>
+            <a:endParaRPr lang="en-US"/>
+          </a:p>
+        </p:txBody>
+      </p:sp>
+    </p:spTree>
+    <p:extLst>
+      <p:ext uri="{BB962C8B-B14F-4D97-AF65-F5344CB8AC3E}">
+        <p14:creationId xmlns:p14="http://schemas.microsoft.com/office/powerpoint/2010/main" val="712647187"/>
       </p:ext>
     </p:extLst>
   </p:cSld>
@@ -15952,6 +21648,2327 @@
       </p:grpSpPr>
       <p:sp>
         <p:nvSpPr>
+          <p:cNvPr id="3" name="Date Placeholder 2"/>
+          <p:cNvSpPr>
+            <a:spLocks noGrp="1"/>
+          </p:cNvSpPr>
+          <p:nvPr>
+            <p:ph type="dt" sz="half" idx="10"/>
+          </p:nvPr>
+        </p:nvSpPr>
+        <p:spPr/>
+        <p:txBody>
+          <a:bodyPr/>
+          <a:lstStyle/>
+          <a:p>
+            <a:r>
+              <a:rPr lang="en-US" smtClean="0"/>
+              <a:t>10/7/2016</a:t>
+            </a:r>
+            <a:endParaRPr lang="en-US" dirty="0"/>
+          </a:p>
+        </p:txBody>
+      </p:sp>
+      <p:sp>
+        <p:nvSpPr>
+          <p:cNvPr id="4" name="Footer Placeholder 3"/>
+          <p:cNvSpPr>
+            <a:spLocks noGrp="1"/>
+          </p:cNvSpPr>
+          <p:nvPr>
+            <p:ph type="ftr" sz="quarter" idx="11"/>
+          </p:nvPr>
+        </p:nvSpPr>
+        <p:spPr/>
+        <p:txBody>
+          <a:bodyPr/>
+          <a:lstStyle/>
+          <a:p>
+            <a:r>
+              <a:rPr lang="pt-PT" smtClean="0"/>
+              <a:t>FEUP - MESW</a:t>
+            </a:r>
+            <a:endParaRPr lang="pt-PT" dirty="0"/>
+          </a:p>
+        </p:txBody>
+      </p:sp>
+      <p:sp>
+        <p:nvSpPr>
+          <p:cNvPr id="5" name="Slide Number Placeholder 4"/>
+          <p:cNvSpPr>
+            <a:spLocks noGrp="1"/>
+          </p:cNvSpPr>
+          <p:nvPr>
+            <p:ph type="sldNum" sz="quarter" idx="12"/>
+          </p:nvPr>
+        </p:nvSpPr>
+        <p:spPr/>
+        <p:txBody>
+          <a:bodyPr/>
+          <a:lstStyle/>
+          <a:p>
+            <a:fld id="{CA8D9AD5-F248-4919-864A-CFD76CC027D6}" type="slidenum">
+              <a:rPr lang="pt-PT" smtClean="0"/>
+              <a:t>10</a:t>
+            </a:fld>
+            <a:endParaRPr lang="pt-PT" dirty="0"/>
+          </a:p>
+        </p:txBody>
+      </p:sp>
+      <p:pic>
+        <p:nvPicPr>
+          <p:cNvPr id="2050" name="Picture 2" descr="Resultado de imagem para atlassian bamboo icon"/>
+          <p:cNvPicPr>
+            <a:picLocks noChangeAspect="1" noChangeArrowheads="1"/>
+          </p:cNvPicPr>
+          <p:nvPr/>
+        </p:nvPicPr>
+        <p:blipFill>
+          <a:blip r:embed="rId3" cstate="print">
+            <a:extLst>
+              <a:ext uri="{28A0092B-C50C-407E-A947-70E740481C1C}">
+                <a14:useLocalDpi xmlns:a14="http://schemas.microsoft.com/office/drawing/2010/main" val="0"/>
+              </a:ext>
+            </a:extLst>
+          </a:blip>
+          <a:srcRect/>
+          <a:stretch>
+            <a:fillRect/>
+          </a:stretch>
+        </p:blipFill>
+        <p:spPr bwMode="auto">
+          <a:xfrm>
+            <a:off x="407368" y="295729"/>
+            <a:ext cx="3188468" cy="1983656"/>
+          </a:xfrm>
+          <a:prstGeom prst="rect">
+            <a:avLst/>
+          </a:prstGeom>
+          <a:noFill/>
+          <a:extLst>
+            <a:ext uri="{909E8E84-426E-40DD-AFC4-6F175D3DCCD1}">
+              <a14:hiddenFill xmlns:a14="http://schemas.microsoft.com/office/drawing/2010/main">
+                <a:solidFill>
+                  <a:srgbClr val="FFFFFF"/>
+                </a:solidFill>
+              </a14:hiddenFill>
+            </a:ext>
+          </a:extLst>
+        </p:spPr>
+      </p:pic>
+      <p:sp>
+        <p:nvSpPr>
+          <p:cNvPr id="14" name="Retângulo 13"/>
+          <p:cNvSpPr/>
+          <p:nvPr/>
+        </p:nvSpPr>
+        <p:spPr>
+          <a:xfrm>
+            <a:off x="561110" y="3861048"/>
+            <a:ext cx="11080427" cy="2462909"/>
+          </a:xfrm>
+          <a:prstGeom prst="rect">
+            <a:avLst/>
+          </a:prstGeom>
+        </p:spPr>
+        <p:style>
+          <a:lnRef idx="1">
+            <a:schemeClr val="accent1"/>
+          </a:lnRef>
+          <a:fillRef idx="3">
+            <a:schemeClr val="accent1"/>
+          </a:fillRef>
+          <a:effectRef idx="2">
+            <a:schemeClr val="accent1"/>
+          </a:effectRef>
+          <a:fontRef idx="minor">
+            <a:schemeClr val="lt1"/>
+          </a:fontRef>
+        </p:style>
+        <p:txBody>
+          <a:bodyPr rtlCol="0" anchor="t"/>
+          <a:lstStyle/>
+          <a:p>
+            <a:r>
+              <a:rPr lang="en-GB" dirty="0" smtClean="0"/>
+              <a:t>Plan</a:t>
+            </a:r>
+            <a:endParaRPr lang="en-GB" dirty="0"/>
+          </a:p>
+        </p:txBody>
+      </p:sp>
+      <p:grpSp>
+        <p:nvGrpSpPr>
+          <p:cNvPr id="16" name="Grupo 15"/>
+          <p:cNvGrpSpPr/>
+          <p:nvPr/>
+        </p:nvGrpSpPr>
+        <p:grpSpPr>
+          <a:xfrm>
+            <a:off x="691134" y="4413388"/>
+            <a:ext cx="5112568" cy="1728192"/>
+            <a:chOff x="788824" y="3284984"/>
+            <a:chExt cx="5112568" cy="1728192"/>
+          </a:xfrm>
+        </p:grpSpPr>
+        <p:sp>
+          <p:nvSpPr>
+            <p:cNvPr id="18" name="Retângulo 17"/>
+            <p:cNvSpPr/>
+            <p:nvPr/>
+          </p:nvSpPr>
+          <p:spPr>
+            <a:xfrm>
+              <a:off x="788824" y="3284984"/>
+              <a:ext cx="5112568" cy="1728192"/>
+            </a:xfrm>
+            <a:prstGeom prst="rect">
+              <a:avLst/>
+            </a:prstGeom>
+          </p:spPr>
+          <p:style>
+            <a:lnRef idx="1">
+              <a:schemeClr val="accent1"/>
+            </a:lnRef>
+            <a:fillRef idx="2">
+              <a:schemeClr val="accent1"/>
+            </a:fillRef>
+            <a:effectRef idx="1">
+              <a:schemeClr val="accent1"/>
+            </a:effectRef>
+            <a:fontRef idx="minor">
+              <a:schemeClr val="dk1"/>
+            </a:fontRef>
+          </p:style>
+          <p:txBody>
+            <a:bodyPr rtlCol="0" anchor="t"/>
+            <a:lstStyle/>
+            <a:p>
+              <a:r>
+                <a:rPr lang="en-GB" dirty="0" smtClean="0"/>
+                <a:t>Stage</a:t>
+              </a:r>
+              <a:endParaRPr lang="en-GB" dirty="0"/>
+            </a:p>
+          </p:txBody>
+        </p:sp>
+        <p:sp>
+          <p:nvSpPr>
+            <p:cNvPr id="19" name="Retângulo 18"/>
+            <p:cNvSpPr/>
+            <p:nvPr/>
+          </p:nvSpPr>
+          <p:spPr>
+            <a:xfrm>
+              <a:off x="983432" y="3717032"/>
+              <a:ext cx="2263389" cy="1080120"/>
+            </a:xfrm>
+            <a:prstGeom prst="rect">
+              <a:avLst/>
+            </a:prstGeom>
+          </p:spPr>
+          <p:style>
+            <a:lnRef idx="2">
+              <a:schemeClr val="accent3">
+                <a:shade val="50000"/>
+              </a:schemeClr>
+            </a:lnRef>
+            <a:fillRef idx="1">
+              <a:schemeClr val="accent3"/>
+            </a:fillRef>
+            <a:effectRef idx="0">
+              <a:schemeClr val="accent3"/>
+            </a:effectRef>
+            <a:fontRef idx="minor">
+              <a:schemeClr val="lt1"/>
+            </a:fontRef>
+          </p:style>
+          <p:txBody>
+            <a:bodyPr rtlCol="0" anchor="t"/>
+            <a:lstStyle/>
+            <a:p>
+              <a:r>
+                <a:rPr lang="en-GB" dirty="0" smtClean="0"/>
+                <a:t>Job</a:t>
+              </a:r>
+              <a:endParaRPr lang="en-GB" dirty="0"/>
+            </a:p>
+          </p:txBody>
+        </p:sp>
+        <p:sp>
+          <p:nvSpPr>
+            <p:cNvPr id="20" name="Retângulo 19"/>
+            <p:cNvSpPr/>
+            <p:nvPr/>
+          </p:nvSpPr>
+          <p:spPr>
+            <a:xfrm>
+              <a:off x="1230597" y="4149080"/>
+              <a:ext cx="864096" cy="504056"/>
+            </a:xfrm>
+            <a:prstGeom prst="rect">
+              <a:avLst/>
+            </a:prstGeom>
+          </p:spPr>
+          <p:style>
+            <a:lnRef idx="3">
+              <a:schemeClr val="lt1"/>
+            </a:lnRef>
+            <a:fillRef idx="1">
+              <a:schemeClr val="dk1"/>
+            </a:fillRef>
+            <a:effectRef idx="1">
+              <a:schemeClr val="dk1"/>
+            </a:effectRef>
+            <a:fontRef idx="minor">
+              <a:schemeClr val="lt1"/>
+            </a:fontRef>
+          </p:style>
+          <p:txBody>
+            <a:bodyPr rtlCol="0" anchor="t"/>
+            <a:lstStyle/>
+            <a:p>
+              <a:r>
+                <a:rPr lang="en-GB" dirty="0" smtClean="0"/>
+                <a:t>Task</a:t>
+              </a:r>
+              <a:endParaRPr lang="en-GB" dirty="0"/>
+            </a:p>
+          </p:txBody>
+        </p:sp>
+        <p:sp>
+          <p:nvSpPr>
+            <p:cNvPr id="26" name="Retângulo 25"/>
+            <p:cNvSpPr/>
+            <p:nvPr/>
+          </p:nvSpPr>
+          <p:spPr>
+            <a:xfrm>
+              <a:off x="2202705" y="4149080"/>
+              <a:ext cx="864096" cy="504056"/>
+            </a:xfrm>
+            <a:prstGeom prst="rect">
+              <a:avLst/>
+            </a:prstGeom>
+          </p:spPr>
+          <p:style>
+            <a:lnRef idx="3">
+              <a:schemeClr val="lt1"/>
+            </a:lnRef>
+            <a:fillRef idx="1">
+              <a:schemeClr val="dk1"/>
+            </a:fillRef>
+            <a:effectRef idx="1">
+              <a:schemeClr val="dk1"/>
+            </a:effectRef>
+            <a:fontRef idx="minor">
+              <a:schemeClr val="lt1"/>
+            </a:fontRef>
+          </p:style>
+          <p:txBody>
+            <a:bodyPr rtlCol="0" anchor="t"/>
+            <a:lstStyle/>
+            <a:p>
+              <a:r>
+                <a:rPr lang="en-GB" dirty="0" smtClean="0"/>
+                <a:t>Task</a:t>
+              </a:r>
+              <a:endParaRPr lang="en-GB" dirty="0"/>
+            </a:p>
+          </p:txBody>
+        </p:sp>
+        <p:sp>
+          <p:nvSpPr>
+            <p:cNvPr id="27" name="Retângulo 26"/>
+            <p:cNvSpPr/>
+            <p:nvPr/>
+          </p:nvSpPr>
+          <p:spPr>
+            <a:xfrm>
+              <a:off x="3345108" y="3717032"/>
+              <a:ext cx="2263389" cy="1080120"/>
+            </a:xfrm>
+            <a:prstGeom prst="rect">
+              <a:avLst/>
+            </a:prstGeom>
+          </p:spPr>
+          <p:style>
+            <a:lnRef idx="2">
+              <a:schemeClr val="accent3">
+                <a:shade val="50000"/>
+              </a:schemeClr>
+            </a:lnRef>
+            <a:fillRef idx="1">
+              <a:schemeClr val="accent3"/>
+            </a:fillRef>
+            <a:effectRef idx="0">
+              <a:schemeClr val="accent3"/>
+            </a:effectRef>
+            <a:fontRef idx="minor">
+              <a:schemeClr val="lt1"/>
+            </a:fontRef>
+          </p:style>
+          <p:txBody>
+            <a:bodyPr rtlCol="0" anchor="t"/>
+            <a:lstStyle/>
+            <a:p>
+              <a:r>
+                <a:rPr lang="en-GB" dirty="0" smtClean="0"/>
+                <a:t>Job</a:t>
+              </a:r>
+              <a:endParaRPr lang="en-GB" dirty="0"/>
+            </a:p>
+          </p:txBody>
+        </p:sp>
+        <p:sp>
+          <p:nvSpPr>
+            <p:cNvPr id="28" name="Retângulo 27"/>
+            <p:cNvSpPr/>
+            <p:nvPr/>
+          </p:nvSpPr>
+          <p:spPr>
+            <a:xfrm>
+              <a:off x="3592273" y="4149080"/>
+              <a:ext cx="864096" cy="504056"/>
+            </a:xfrm>
+            <a:prstGeom prst="rect">
+              <a:avLst/>
+            </a:prstGeom>
+          </p:spPr>
+          <p:style>
+            <a:lnRef idx="3">
+              <a:schemeClr val="lt1"/>
+            </a:lnRef>
+            <a:fillRef idx="1">
+              <a:schemeClr val="dk1"/>
+            </a:fillRef>
+            <a:effectRef idx="1">
+              <a:schemeClr val="dk1"/>
+            </a:effectRef>
+            <a:fontRef idx="minor">
+              <a:schemeClr val="lt1"/>
+            </a:fontRef>
+          </p:style>
+          <p:txBody>
+            <a:bodyPr rtlCol="0" anchor="t"/>
+            <a:lstStyle/>
+            <a:p>
+              <a:r>
+                <a:rPr lang="en-GB" dirty="0" smtClean="0"/>
+                <a:t>Task</a:t>
+              </a:r>
+              <a:endParaRPr lang="en-GB" dirty="0"/>
+            </a:p>
+          </p:txBody>
+        </p:sp>
+        <p:sp>
+          <p:nvSpPr>
+            <p:cNvPr id="29" name="Retângulo 28"/>
+            <p:cNvSpPr/>
+            <p:nvPr/>
+          </p:nvSpPr>
+          <p:spPr>
+            <a:xfrm>
+              <a:off x="4564381" y="4149080"/>
+              <a:ext cx="864096" cy="504056"/>
+            </a:xfrm>
+            <a:prstGeom prst="rect">
+              <a:avLst/>
+            </a:prstGeom>
+          </p:spPr>
+          <p:style>
+            <a:lnRef idx="3">
+              <a:schemeClr val="lt1"/>
+            </a:lnRef>
+            <a:fillRef idx="1">
+              <a:schemeClr val="dk1"/>
+            </a:fillRef>
+            <a:effectRef idx="1">
+              <a:schemeClr val="dk1"/>
+            </a:effectRef>
+            <a:fontRef idx="minor">
+              <a:schemeClr val="lt1"/>
+            </a:fontRef>
+          </p:style>
+          <p:txBody>
+            <a:bodyPr rtlCol="0" anchor="t"/>
+            <a:lstStyle/>
+            <a:p>
+              <a:r>
+                <a:rPr lang="en-GB" dirty="0" smtClean="0"/>
+                <a:t>Task</a:t>
+              </a:r>
+              <a:endParaRPr lang="en-GB" dirty="0"/>
+            </a:p>
+          </p:txBody>
+        </p:sp>
+      </p:grpSp>
+      <p:grpSp>
+        <p:nvGrpSpPr>
+          <p:cNvPr id="39" name="Grupo 38"/>
+          <p:cNvGrpSpPr/>
+          <p:nvPr/>
+        </p:nvGrpSpPr>
+        <p:grpSpPr>
+          <a:xfrm>
+            <a:off x="6481277" y="4413388"/>
+            <a:ext cx="5112568" cy="1728192"/>
+            <a:chOff x="788824" y="3284984"/>
+            <a:chExt cx="5112568" cy="1728192"/>
+          </a:xfrm>
+        </p:grpSpPr>
+        <p:sp>
+          <p:nvSpPr>
+            <p:cNvPr id="40" name="Retângulo 39"/>
+            <p:cNvSpPr/>
+            <p:nvPr/>
+          </p:nvSpPr>
+          <p:spPr>
+            <a:xfrm>
+              <a:off x="788824" y="3284984"/>
+              <a:ext cx="5112568" cy="1728192"/>
+            </a:xfrm>
+            <a:prstGeom prst="rect">
+              <a:avLst/>
+            </a:prstGeom>
+          </p:spPr>
+          <p:style>
+            <a:lnRef idx="1">
+              <a:schemeClr val="accent1"/>
+            </a:lnRef>
+            <a:fillRef idx="2">
+              <a:schemeClr val="accent1"/>
+            </a:fillRef>
+            <a:effectRef idx="1">
+              <a:schemeClr val="accent1"/>
+            </a:effectRef>
+            <a:fontRef idx="minor">
+              <a:schemeClr val="dk1"/>
+            </a:fontRef>
+          </p:style>
+          <p:txBody>
+            <a:bodyPr rtlCol="0" anchor="t"/>
+            <a:lstStyle/>
+            <a:p>
+              <a:r>
+                <a:rPr lang="en-GB" dirty="0" smtClean="0"/>
+                <a:t>Stage</a:t>
+              </a:r>
+              <a:endParaRPr lang="en-GB" dirty="0"/>
+            </a:p>
+          </p:txBody>
+        </p:sp>
+        <p:sp>
+          <p:nvSpPr>
+            <p:cNvPr id="41" name="Retângulo 40"/>
+            <p:cNvSpPr/>
+            <p:nvPr/>
+          </p:nvSpPr>
+          <p:spPr>
+            <a:xfrm>
+              <a:off x="983432" y="3717032"/>
+              <a:ext cx="2263389" cy="1080120"/>
+            </a:xfrm>
+            <a:prstGeom prst="rect">
+              <a:avLst/>
+            </a:prstGeom>
+          </p:spPr>
+          <p:style>
+            <a:lnRef idx="2">
+              <a:schemeClr val="accent3">
+                <a:shade val="50000"/>
+              </a:schemeClr>
+            </a:lnRef>
+            <a:fillRef idx="1">
+              <a:schemeClr val="accent3"/>
+            </a:fillRef>
+            <a:effectRef idx="0">
+              <a:schemeClr val="accent3"/>
+            </a:effectRef>
+            <a:fontRef idx="minor">
+              <a:schemeClr val="lt1"/>
+            </a:fontRef>
+          </p:style>
+          <p:txBody>
+            <a:bodyPr rtlCol="0" anchor="t"/>
+            <a:lstStyle/>
+            <a:p>
+              <a:r>
+                <a:rPr lang="en-GB" dirty="0" smtClean="0"/>
+                <a:t>Job</a:t>
+              </a:r>
+              <a:endParaRPr lang="en-GB" dirty="0"/>
+            </a:p>
+          </p:txBody>
+        </p:sp>
+        <p:sp>
+          <p:nvSpPr>
+            <p:cNvPr id="42" name="Retângulo 41"/>
+            <p:cNvSpPr/>
+            <p:nvPr/>
+          </p:nvSpPr>
+          <p:spPr>
+            <a:xfrm>
+              <a:off x="1230597" y="4149080"/>
+              <a:ext cx="864096" cy="504056"/>
+            </a:xfrm>
+            <a:prstGeom prst="rect">
+              <a:avLst/>
+            </a:prstGeom>
+          </p:spPr>
+          <p:style>
+            <a:lnRef idx="3">
+              <a:schemeClr val="lt1"/>
+            </a:lnRef>
+            <a:fillRef idx="1">
+              <a:schemeClr val="dk1"/>
+            </a:fillRef>
+            <a:effectRef idx="1">
+              <a:schemeClr val="dk1"/>
+            </a:effectRef>
+            <a:fontRef idx="minor">
+              <a:schemeClr val="lt1"/>
+            </a:fontRef>
+          </p:style>
+          <p:txBody>
+            <a:bodyPr rtlCol="0" anchor="t"/>
+            <a:lstStyle/>
+            <a:p>
+              <a:r>
+                <a:rPr lang="en-GB" dirty="0" smtClean="0"/>
+                <a:t>Task</a:t>
+              </a:r>
+              <a:endParaRPr lang="en-GB" dirty="0"/>
+            </a:p>
+          </p:txBody>
+        </p:sp>
+        <p:sp>
+          <p:nvSpPr>
+            <p:cNvPr id="43" name="Retângulo 42"/>
+            <p:cNvSpPr/>
+            <p:nvPr/>
+          </p:nvSpPr>
+          <p:spPr>
+            <a:xfrm>
+              <a:off x="2202705" y="4149080"/>
+              <a:ext cx="864096" cy="504056"/>
+            </a:xfrm>
+            <a:prstGeom prst="rect">
+              <a:avLst/>
+            </a:prstGeom>
+          </p:spPr>
+          <p:style>
+            <a:lnRef idx="3">
+              <a:schemeClr val="lt1"/>
+            </a:lnRef>
+            <a:fillRef idx="1">
+              <a:schemeClr val="dk1"/>
+            </a:fillRef>
+            <a:effectRef idx="1">
+              <a:schemeClr val="dk1"/>
+            </a:effectRef>
+            <a:fontRef idx="minor">
+              <a:schemeClr val="lt1"/>
+            </a:fontRef>
+          </p:style>
+          <p:txBody>
+            <a:bodyPr rtlCol="0" anchor="t"/>
+            <a:lstStyle/>
+            <a:p>
+              <a:r>
+                <a:rPr lang="en-GB" dirty="0" smtClean="0"/>
+                <a:t>Task</a:t>
+              </a:r>
+              <a:endParaRPr lang="en-GB" dirty="0"/>
+            </a:p>
+          </p:txBody>
+        </p:sp>
+        <p:sp>
+          <p:nvSpPr>
+            <p:cNvPr id="44" name="Retângulo 43"/>
+            <p:cNvSpPr/>
+            <p:nvPr/>
+          </p:nvSpPr>
+          <p:spPr>
+            <a:xfrm>
+              <a:off x="3345108" y="3717032"/>
+              <a:ext cx="2263389" cy="1080120"/>
+            </a:xfrm>
+            <a:prstGeom prst="rect">
+              <a:avLst/>
+            </a:prstGeom>
+          </p:spPr>
+          <p:style>
+            <a:lnRef idx="2">
+              <a:schemeClr val="accent3">
+                <a:shade val="50000"/>
+              </a:schemeClr>
+            </a:lnRef>
+            <a:fillRef idx="1">
+              <a:schemeClr val="accent3"/>
+            </a:fillRef>
+            <a:effectRef idx="0">
+              <a:schemeClr val="accent3"/>
+            </a:effectRef>
+            <a:fontRef idx="minor">
+              <a:schemeClr val="lt1"/>
+            </a:fontRef>
+          </p:style>
+          <p:txBody>
+            <a:bodyPr rtlCol="0" anchor="t"/>
+            <a:lstStyle/>
+            <a:p>
+              <a:r>
+                <a:rPr lang="en-GB" dirty="0" smtClean="0"/>
+                <a:t>Job</a:t>
+              </a:r>
+              <a:endParaRPr lang="en-GB" dirty="0"/>
+            </a:p>
+          </p:txBody>
+        </p:sp>
+        <p:sp>
+          <p:nvSpPr>
+            <p:cNvPr id="45" name="Retângulo 44"/>
+            <p:cNvSpPr/>
+            <p:nvPr/>
+          </p:nvSpPr>
+          <p:spPr>
+            <a:xfrm>
+              <a:off x="3592273" y="4149080"/>
+              <a:ext cx="864096" cy="504056"/>
+            </a:xfrm>
+            <a:prstGeom prst="rect">
+              <a:avLst/>
+            </a:prstGeom>
+          </p:spPr>
+          <p:style>
+            <a:lnRef idx="3">
+              <a:schemeClr val="lt1"/>
+            </a:lnRef>
+            <a:fillRef idx="1">
+              <a:schemeClr val="dk1"/>
+            </a:fillRef>
+            <a:effectRef idx="1">
+              <a:schemeClr val="dk1"/>
+            </a:effectRef>
+            <a:fontRef idx="minor">
+              <a:schemeClr val="lt1"/>
+            </a:fontRef>
+          </p:style>
+          <p:txBody>
+            <a:bodyPr rtlCol="0" anchor="t"/>
+            <a:lstStyle/>
+            <a:p>
+              <a:r>
+                <a:rPr lang="en-GB" dirty="0" smtClean="0"/>
+                <a:t>Task</a:t>
+              </a:r>
+              <a:endParaRPr lang="en-GB" dirty="0"/>
+            </a:p>
+          </p:txBody>
+        </p:sp>
+        <p:sp>
+          <p:nvSpPr>
+            <p:cNvPr id="46" name="Retângulo 45"/>
+            <p:cNvSpPr/>
+            <p:nvPr/>
+          </p:nvSpPr>
+          <p:spPr>
+            <a:xfrm>
+              <a:off x="4564381" y="4149080"/>
+              <a:ext cx="864096" cy="504056"/>
+            </a:xfrm>
+            <a:prstGeom prst="rect">
+              <a:avLst/>
+            </a:prstGeom>
+          </p:spPr>
+          <p:style>
+            <a:lnRef idx="3">
+              <a:schemeClr val="lt1"/>
+            </a:lnRef>
+            <a:fillRef idx="1">
+              <a:schemeClr val="dk1"/>
+            </a:fillRef>
+            <a:effectRef idx="1">
+              <a:schemeClr val="dk1"/>
+            </a:effectRef>
+            <a:fontRef idx="minor">
+              <a:schemeClr val="lt1"/>
+            </a:fontRef>
+          </p:style>
+          <p:txBody>
+            <a:bodyPr rtlCol="0" anchor="t"/>
+            <a:lstStyle/>
+            <a:p>
+              <a:r>
+                <a:rPr lang="en-GB" dirty="0" smtClean="0"/>
+                <a:t>Task</a:t>
+              </a:r>
+              <a:endParaRPr lang="en-GB" dirty="0"/>
+            </a:p>
+          </p:txBody>
+        </p:sp>
+      </p:grpSp>
+      <p:sp>
+        <p:nvSpPr>
+          <p:cNvPr id="17" name="CaixaDeTexto 16"/>
+          <p:cNvSpPr txBox="1"/>
+          <p:nvPr/>
+        </p:nvSpPr>
+        <p:spPr>
+          <a:xfrm>
+            <a:off x="588894" y="2483153"/>
+            <a:ext cx="11080427" cy="1200329"/>
+          </a:xfrm>
+          <a:prstGeom prst="rect">
+            <a:avLst/>
+          </a:prstGeom>
+          <a:noFill/>
+        </p:spPr>
+        <p:txBody>
+          <a:bodyPr wrap="square" rtlCol="0">
+            <a:spAutoFit/>
+          </a:bodyPr>
+          <a:lstStyle/>
+          <a:p>
+            <a:pPr marL="285750" indent="-285750">
+              <a:buFont typeface="Arial" panose="020B0604020202020204" pitchFamily="34" charset="0"/>
+              <a:buChar char="•"/>
+            </a:pPr>
+            <a:r>
+              <a:rPr lang="en-GB" dirty="0" smtClean="0"/>
+              <a:t>Like most of the others CI’s, developers commits trigger build processes. Which passes though 4 phases (compilation, unit testing, integration testing, activating the new version).</a:t>
+            </a:r>
+          </a:p>
+          <a:p>
+            <a:pPr marL="285750" indent="-285750">
+              <a:buFont typeface="Arial" panose="020B0604020202020204" pitchFamily="34" charset="0"/>
+              <a:buChar char="•"/>
+            </a:pPr>
+            <a:r>
+              <a:rPr lang="en-GB" dirty="0" smtClean="0"/>
+              <a:t>Bamboo uses the concept of a ‘plan’ with ‘jobs’ and ‘tasks’ to configure and order actions in the workflow.</a:t>
+            </a:r>
+            <a:endParaRPr lang="en-GB" dirty="0"/>
+          </a:p>
+        </p:txBody>
+      </p:sp>
+      <p:pic>
+        <p:nvPicPr>
+          <p:cNvPr id="48" name="Picture 6" descr="Resultado de imagem para icon popeye png"/>
+          <p:cNvPicPr>
+            <a:picLocks noChangeAspect="1" noChangeArrowheads="1"/>
+          </p:cNvPicPr>
+          <p:nvPr/>
+        </p:nvPicPr>
+        <p:blipFill>
+          <a:blip r:embed="rId4" cstate="print">
+            <a:extLst>
+              <a:ext uri="{28A0092B-C50C-407E-A947-70E740481C1C}">
+                <a14:useLocalDpi xmlns:a14="http://schemas.microsoft.com/office/drawing/2010/main" val="0"/>
+              </a:ext>
+            </a:extLst>
+          </a:blip>
+          <a:srcRect/>
+          <a:stretch>
+            <a:fillRect/>
+          </a:stretch>
+        </p:blipFill>
+        <p:spPr bwMode="auto">
+          <a:xfrm>
+            <a:off x="2550058" y="4497709"/>
+            <a:ext cx="404465" cy="528472"/>
+          </a:xfrm>
+          <a:prstGeom prst="rect">
+            <a:avLst/>
+          </a:prstGeom>
+          <a:noFill/>
+          <a:extLst>
+            <a:ext uri="{909E8E84-426E-40DD-AFC4-6F175D3DCCD1}">
+              <a14:hiddenFill xmlns:a14="http://schemas.microsoft.com/office/drawing/2010/main">
+                <a:solidFill>
+                  <a:srgbClr val="FFFFFF"/>
+                </a:solidFill>
+              </a14:hiddenFill>
+            </a:ext>
+          </a:extLst>
+        </p:spPr>
+      </p:pic>
+      <p:pic>
+        <p:nvPicPr>
+          <p:cNvPr id="49" name="Picture 6" descr="Resultado de imagem para icon popeye png"/>
+          <p:cNvPicPr>
+            <a:picLocks noChangeAspect="1" noChangeArrowheads="1"/>
+          </p:cNvPicPr>
+          <p:nvPr/>
+        </p:nvPicPr>
+        <p:blipFill>
+          <a:blip r:embed="rId4" cstate="print">
+            <a:extLst>
+              <a:ext uri="{28A0092B-C50C-407E-A947-70E740481C1C}">
+                <a14:useLocalDpi xmlns:a14="http://schemas.microsoft.com/office/drawing/2010/main" val="0"/>
+              </a:ext>
+            </a:extLst>
+          </a:blip>
+          <a:srcRect/>
+          <a:stretch>
+            <a:fillRect/>
+          </a:stretch>
+        </p:blipFill>
+        <p:spPr bwMode="auto">
+          <a:xfrm>
+            <a:off x="5008055" y="4497709"/>
+            <a:ext cx="404465" cy="528472"/>
+          </a:xfrm>
+          <a:prstGeom prst="rect">
+            <a:avLst/>
+          </a:prstGeom>
+          <a:noFill/>
+          <a:extLst>
+            <a:ext uri="{909E8E84-426E-40DD-AFC4-6F175D3DCCD1}">
+              <a14:hiddenFill xmlns:a14="http://schemas.microsoft.com/office/drawing/2010/main">
+                <a:solidFill>
+                  <a:srgbClr val="FFFFFF"/>
+                </a:solidFill>
+              </a14:hiddenFill>
+            </a:ext>
+          </a:extLst>
+        </p:spPr>
+      </p:pic>
+      <p:pic>
+        <p:nvPicPr>
+          <p:cNvPr id="50" name="Picture 6" descr="Resultado de imagem para icon popeye png"/>
+          <p:cNvPicPr>
+            <a:picLocks noChangeAspect="1" noChangeArrowheads="1"/>
+          </p:cNvPicPr>
+          <p:nvPr/>
+        </p:nvPicPr>
+        <p:blipFill>
+          <a:blip r:embed="rId4" cstate="print">
+            <a:extLst>
+              <a:ext uri="{28A0092B-C50C-407E-A947-70E740481C1C}">
+                <a14:useLocalDpi xmlns:a14="http://schemas.microsoft.com/office/drawing/2010/main" val="0"/>
+              </a:ext>
+            </a:extLst>
+          </a:blip>
+          <a:srcRect/>
+          <a:stretch>
+            <a:fillRect/>
+          </a:stretch>
+        </p:blipFill>
+        <p:spPr bwMode="auto">
+          <a:xfrm>
+            <a:off x="8264487" y="4472842"/>
+            <a:ext cx="404465" cy="528472"/>
+          </a:xfrm>
+          <a:prstGeom prst="rect">
+            <a:avLst/>
+          </a:prstGeom>
+          <a:noFill/>
+          <a:extLst>
+            <a:ext uri="{909E8E84-426E-40DD-AFC4-6F175D3DCCD1}">
+              <a14:hiddenFill xmlns:a14="http://schemas.microsoft.com/office/drawing/2010/main">
+                <a:solidFill>
+                  <a:srgbClr val="FFFFFF"/>
+                </a:solidFill>
+              </a14:hiddenFill>
+            </a:ext>
+          </a:extLst>
+        </p:spPr>
+      </p:pic>
+      <p:pic>
+        <p:nvPicPr>
+          <p:cNvPr id="51" name="Picture 6" descr="Resultado de imagem para icon popeye png"/>
+          <p:cNvPicPr>
+            <a:picLocks noChangeAspect="1" noChangeArrowheads="1"/>
+          </p:cNvPicPr>
+          <p:nvPr/>
+        </p:nvPicPr>
+        <p:blipFill>
+          <a:blip r:embed="rId4" cstate="print">
+            <a:extLst>
+              <a:ext uri="{28A0092B-C50C-407E-A947-70E740481C1C}">
+                <a14:useLocalDpi xmlns:a14="http://schemas.microsoft.com/office/drawing/2010/main" val="0"/>
+              </a:ext>
+            </a:extLst>
+          </a:blip>
+          <a:srcRect/>
+          <a:stretch>
+            <a:fillRect/>
+          </a:stretch>
+        </p:blipFill>
+        <p:spPr bwMode="auto">
+          <a:xfrm>
+            <a:off x="10683641" y="4494574"/>
+            <a:ext cx="404465" cy="528472"/>
+          </a:xfrm>
+          <a:prstGeom prst="rect">
+            <a:avLst/>
+          </a:prstGeom>
+          <a:noFill/>
+          <a:extLst>
+            <a:ext uri="{909E8E84-426E-40DD-AFC4-6F175D3DCCD1}">
+              <a14:hiddenFill xmlns:a14="http://schemas.microsoft.com/office/drawing/2010/main">
+                <a:solidFill>
+                  <a:srgbClr val="FFFFFF"/>
+                </a:solidFill>
+              </a14:hiddenFill>
+            </a:ext>
+          </a:extLst>
+        </p:spPr>
+      </p:pic>
+      <p:sp>
+        <p:nvSpPr>
+          <p:cNvPr id="30" name="Seta para a direita 29"/>
+          <p:cNvSpPr/>
+          <p:nvPr/>
+        </p:nvSpPr>
+        <p:spPr>
+          <a:xfrm>
+            <a:off x="5803701" y="4976878"/>
+            <a:ext cx="677575" cy="552634"/>
+          </a:xfrm>
+          <a:prstGeom prst="rightArrow">
+            <a:avLst/>
+          </a:prstGeom>
+        </p:spPr>
+        <p:style>
+          <a:lnRef idx="2">
+            <a:schemeClr val="accent1"/>
+          </a:lnRef>
+          <a:fillRef idx="1">
+            <a:schemeClr val="lt1"/>
+          </a:fillRef>
+          <a:effectRef idx="0">
+            <a:schemeClr val="accent1"/>
+          </a:effectRef>
+          <a:fontRef idx="minor">
+            <a:schemeClr val="dk1"/>
+          </a:fontRef>
+        </p:style>
+        <p:txBody>
+          <a:bodyPr rtlCol="0" anchor="ctr"/>
+          <a:lstStyle/>
+          <a:p>
+            <a:pPr algn="ctr"/>
+            <a:endParaRPr lang="en-GB"/>
+          </a:p>
+        </p:txBody>
+      </p:sp>
+      <p:sp>
+        <p:nvSpPr>
+          <p:cNvPr id="31" name="Title 1"/>
+          <p:cNvSpPr txBox="1">
+            <a:spLocks/>
+          </p:cNvSpPr>
+          <p:nvPr/>
+        </p:nvSpPr>
+        <p:spPr bwMode="gray">
+          <a:xfrm>
+            <a:off x="0" y="1318217"/>
+            <a:ext cx="12192000" cy="728480"/>
+          </a:xfrm>
+          <a:prstGeom prst="rect">
+            <a:avLst/>
+          </a:prstGeom>
+        </p:spPr>
+        <p:txBody>
+          <a:bodyPr vert="horz" lIns="91440" tIns="45720" rIns="91440" bIns="45720" rtlCol="0" anchor="ctr">
+            <a:noAutofit/>
+          </a:bodyPr>
+          <a:lstStyle>
+            <a:lvl1pPr algn="l" defTabSz="457200" rtl="0" eaLnBrk="1" latinLnBrk="0" hangingPunct="1">
+              <a:spcBef>
+                <a:spcPct val="0"/>
+              </a:spcBef>
+              <a:buNone/>
+              <a:defRPr sz="3600" b="0" i="0" kern="1200">
+                <a:solidFill>
+                  <a:schemeClr val="bg2"/>
+                </a:solidFill>
+                <a:latin typeface="+mj-lt"/>
+                <a:ea typeface="+mj-ea"/>
+                <a:cs typeface="+mj-cs"/>
+              </a:defRPr>
+            </a:lvl1pPr>
+            <a:lvl2pPr eaLnBrk="1" hangingPunct="1">
+              <a:defRPr>
+                <a:solidFill>
+                  <a:schemeClr val="tx2"/>
+                </a:solidFill>
+              </a:defRPr>
+            </a:lvl2pPr>
+            <a:lvl3pPr eaLnBrk="1" hangingPunct="1">
+              <a:defRPr>
+                <a:solidFill>
+                  <a:schemeClr val="tx2"/>
+                </a:solidFill>
+              </a:defRPr>
+            </a:lvl3pPr>
+            <a:lvl4pPr eaLnBrk="1" hangingPunct="1">
+              <a:defRPr>
+                <a:solidFill>
+                  <a:schemeClr val="tx2"/>
+                </a:solidFill>
+              </a:defRPr>
+            </a:lvl4pPr>
+            <a:lvl5pPr eaLnBrk="1" hangingPunct="1">
+              <a:defRPr>
+                <a:solidFill>
+                  <a:schemeClr val="tx2"/>
+                </a:solidFill>
+              </a:defRPr>
+            </a:lvl5pPr>
+            <a:lvl6pPr eaLnBrk="1" hangingPunct="1">
+              <a:defRPr>
+                <a:solidFill>
+                  <a:schemeClr val="tx2"/>
+                </a:solidFill>
+              </a:defRPr>
+            </a:lvl6pPr>
+            <a:lvl7pPr eaLnBrk="1" hangingPunct="1">
+              <a:defRPr>
+                <a:solidFill>
+                  <a:schemeClr val="tx2"/>
+                </a:solidFill>
+              </a:defRPr>
+            </a:lvl7pPr>
+            <a:lvl8pPr eaLnBrk="1" hangingPunct="1">
+              <a:defRPr>
+                <a:solidFill>
+                  <a:schemeClr val="tx2"/>
+                </a:solidFill>
+              </a:defRPr>
+            </a:lvl8pPr>
+            <a:lvl9pPr eaLnBrk="1" hangingPunct="1">
+              <a:defRPr>
+                <a:solidFill>
+                  <a:schemeClr val="tx2"/>
+                </a:solidFill>
+              </a:defRPr>
+            </a:lvl9pPr>
+          </a:lstStyle>
+          <a:p>
+            <a:pPr algn="ctr"/>
+            <a:r>
+              <a:rPr lang="en-US" b="1" dirty="0" smtClean="0"/>
+              <a:t>How it works?</a:t>
+            </a:r>
+            <a:endParaRPr lang="en-US" b="1" dirty="0"/>
+          </a:p>
+        </p:txBody>
+      </p:sp>
+    </p:spTree>
+    <p:extLst>
+      <p:ext uri="{BB962C8B-B14F-4D97-AF65-F5344CB8AC3E}">
+        <p14:creationId xmlns:p14="http://schemas.microsoft.com/office/powerpoint/2010/main" val="3740199218"/>
+      </p:ext>
+    </p:extLst>
+  </p:cSld>
+  <p:clrMapOvr>
+    <a:masterClrMapping/>
+  </p:clrMapOvr>
+  <mc:AlternateContent xmlns:mc="http://schemas.openxmlformats.org/markup-compatibility/2006" xmlns:p14="http://schemas.microsoft.com/office/powerpoint/2010/main">
+    <mc:Choice Requires="p14">
+      <p:transition spd="med" p14:dur="700">
+        <p:fade/>
+      </p:transition>
+    </mc:Choice>
+    <mc:Fallback xmlns="">
+      <p:transition spd="med">
+        <p:fade/>
+      </p:transition>
+    </mc:Fallback>
+  </mc:AlternateContent>
+  <p:timing>
+    <p:tnLst>
+      <p:par>
+        <p:cTn id="1" dur="indefinite" restart="never" nodeType="tmRoot"/>
+      </p:par>
+    </p:tnLst>
+  </p:timing>
+</p:sld>
+</file>
+
+<file path=ppt/slides/slide11.xml><?xml version="1.0" encoding="utf-8"?>
+<p:sld xmlns:a="http://schemas.openxmlformats.org/drawingml/2006/main" xmlns:r="http://schemas.openxmlformats.org/officeDocument/2006/relationships" xmlns:p="http://schemas.openxmlformats.org/presentationml/2006/main">
+  <p:cSld>
+    <p:spTree>
+      <p:nvGrpSpPr>
+        <p:cNvPr id="1" name=""/>
+        <p:cNvGrpSpPr/>
+        <p:nvPr/>
+      </p:nvGrpSpPr>
+      <p:grpSpPr>
+        <a:xfrm>
+          <a:off x="0" y="0"/>
+          <a:ext cx="0" cy="0"/>
+          <a:chOff x="0" y="0"/>
+          <a:chExt cx="0" cy="0"/>
+        </a:xfrm>
+      </p:grpSpPr>
+      <p:sp>
+        <p:nvSpPr>
+          <p:cNvPr id="3" name="Date Placeholder 2"/>
+          <p:cNvSpPr>
+            <a:spLocks noGrp="1"/>
+          </p:cNvSpPr>
+          <p:nvPr>
+            <p:ph type="dt" sz="half" idx="10"/>
+          </p:nvPr>
+        </p:nvSpPr>
+        <p:spPr/>
+        <p:txBody>
+          <a:bodyPr/>
+          <a:lstStyle/>
+          <a:p>
+            <a:r>
+              <a:rPr lang="en-US" smtClean="0"/>
+              <a:t>10/7/2016</a:t>
+            </a:r>
+            <a:endParaRPr lang="en-US" dirty="0"/>
+          </a:p>
+        </p:txBody>
+      </p:sp>
+      <p:sp>
+        <p:nvSpPr>
+          <p:cNvPr id="4" name="Footer Placeholder 3"/>
+          <p:cNvSpPr>
+            <a:spLocks noGrp="1"/>
+          </p:cNvSpPr>
+          <p:nvPr>
+            <p:ph type="ftr" sz="quarter" idx="11"/>
+          </p:nvPr>
+        </p:nvSpPr>
+        <p:spPr/>
+        <p:txBody>
+          <a:bodyPr/>
+          <a:lstStyle/>
+          <a:p>
+            <a:r>
+              <a:rPr lang="pt-PT" smtClean="0"/>
+              <a:t>FEUP - MESW</a:t>
+            </a:r>
+            <a:endParaRPr lang="pt-PT" dirty="0"/>
+          </a:p>
+        </p:txBody>
+      </p:sp>
+      <p:sp>
+        <p:nvSpPr>
+          <p:cNvPr id="5" name="Slide Number Placeholder 4"/>
+          <p:cNvSpPr>
+            <a:spLocks noGrp="1"/>
+          </p:cNvSpPr>
+          <p:nvPr>
+            <p:ph type="sldNum" sz="quarter" idx="12"/>
+          </p:nvPr>
+        </p:nvSpPr>
+        <p:spPr/>
+        <p:txBody>
+          <a:bodyPr/>
+          <a:lstStyle/>
+          <a:p>
+            <a:fld id="{CA8D9AD5-F248-4919-864A-CFD76CC027D6}" type="slidenum">
+              <a:rPr lang="pt-PT" smtClean="0"/>
+              <a:t>11</a:t>
+            </a:fld>
+            <a:endParaRPr lang="pt-PT" dirty="0"/>
+          </a:p>
+        </p:txBody>
+      </p:sp>
+      <p:sp>
+        <p:nvSpPr>
+          <p:cNvPr id="13" name="CaixaDeTexto 12"/>
+          <p:cNvSpPr txBox="1"/>
+          <p:nvPr/>
+        </p:nvSpPr>
+        <p:spPr>
+          <a:xfrm>
+            <a:off x="0" y="2348880"/>
+            <a:ext cx="5400000" cy="477054"/>
+          </a:xfrm>
+          <a:prstGeom prst="rect">
+            <a:avLst/>
+          </a:prstGeom>
+        </p:spPr>
+        <p:style>
+          <a:lnRef idx="1">
+            <a:schemeClr val="accent6"/>
+          </a:lnRef>
+          <a:fillRef idx="3">
+            <a:schemeClr val="accent6"/>
+          </a:fillRef>
+          <a:effectRef idx="2">
+            <a:schemeClr val="accent6"/>
+          </a:effectRef>
+          <a:fontRef idx="minor">
+            <a:schemeClr val="lt1"/>
+          </a:fontRef>
+        </p:style>
+        <p:txBody>
+          <a:bodyPr wrap="square" rtlCol="0" anchor="t">
+            <a:spAutoFit/>
+          </a:bodyPr>
+          <a:lstStyle/>
+          <a:p>
+            <a:pPr algn="ctr"/>
+            <a:r>
+              <a:rPr lang="en-GB" sz="2500" b="1" dirty="0" smtClean="0"/>
+              <a:t>Small Teams Packet</a:t>
+            </a:r>
+            <a:endParaRPr lang="en-GB" sz="2500" b="1" dirty="0"/>
+          </a:p>
+        </p:txBody>
+      </p:sp>
+      <p:sp>
+        <p:nvSpPr>
+          <p:cNvPr id="14" name="CaixaDeTexto 13"/>
+          <p:cNvSpPr txBox="1"/>
+          <p:nvPr/>
+        </p:nvSpPr>
+        <p:spPr>
+          <a:xfrm>
+            <a:off x="6792000" y="2348880"/>
+            <a:ext cx="5400000" cy="477054"/>
+          </a:xfrm>
+          <a:prstGeom prst="rect">
+            <a:avLst/>
+          </a:prstGeom>
+        </p:spPr>
+        <p:style>
+          <a:lnRef idx="1">
+            <a:schemeClr val="accent6"/>
+          </a:lnRef>
+          <a:fillRef idx="3">
+            <a:schemeClr val="accent6"/>
+          </a:fillRef>
+          <a:effectRef idx="2">
+            <a:schemeClr val="accent6"/>
+          </a:effectRef>
+          <a:fontRef idx="minor">
+            <a:schemeClr val="lt1"/>
+          </a:fontRef>
+        </p:style>
+        <p:txBody>
+          <a:bodyPr wrap="square" rtlCol="0" anchor="t">
+            <a:spAutoFit/>
+          </a:bodyPr>
+          <a:lstStyle/>
+          <a:p>
+            <a:pPr algn="ctr"/>
+            <a:r>
+              <a:rPr lang="en-GB" sz="2500" b="1" dirty="0" smtClean="0"/>
+              <a:t>Growing Teams Packet</a:t>
+            </a:r>
+            <a:endParaRPr lang="en-GB" sz="2500" b="1" dirty="0"/>
+          </a:p>
+        </p:txBody>
+      </p:sp>
+      <p:pic>
+        <p:nvPicPr>
+          <p:cNvPr id="1026" name="Picture 2" descr="Resultado de imagem para money icon"/>
+          <p:cNvPicPr>
+            <a:picLocks noChangeAspect="1" noChangeArrowheads="1"/>
+          </p:cNvPicPr>
+          <p:nvPr/>
+        </p:nvPicPr>
+        <p:blipFill>
+          <a:blip r:embed="rId3" cstate="print">
+            <a:extLst>
+              <a:ext uri="{28A0092B-C50C-407E-A947-70E740481C1C}">
+                <a14:useLocalDpi xmlns:a14="http://schemas.microsoft.com/office/drawing/2010/main" val="0"/>
+              </a:ext>
+            </a:extLst>
+          </a:blip>
+          <a:srcRect/>
+          <a:stretch>
+            <a:fillRect/>
+          </a:stretch>
+        </p:blipFill>
+        <p:spPr bwMode="auto">
+          <a:xfrm>
+            <a:off x="3769972" y="2905152"/>
+            <a:ext cx="1152128" cy="613508"/>
+          </a:xfrm>
+          <a:prstGeom prst="rect">
+            <a:avLst/>
+          </a:prstGeom>
+          <a:noFill/>
+          <a:extLst>
+            <a:ext uri="{909E8E84-426E-40DD-AFC4-6F175D3DCCD1}">
+              <a14:hiddenFill xmlns:a14="http://schemas.microsoft.com/office/drawing/2010/main">
+                <a:solidFill>
+                  <a:srgbClr val="FFFFFF"/>
+                </a:solidFill>
+              </a14:hiddenFill>
+            </a:ext>
+          </a:extLst>
+        </p:spPr>
+      </p:pic>
+      <p:grpSp>
+        <p:nvGrpSpPr>
+          <p:cNvPr id="21" name="Grupo 20"/>
+          <p:cNvGrpSpPr/>
+          <p:nvPr/>
+        </p:nvGrpSpPr>
+        <p:grpSpPr>
+          <a:xfrm>
+            <a:off x="10417339" y="2996512"/>
+            <a:ext cx="1254381" cy="685684"/>
+            <a:chOff x="7721939" y="3408608"/>
+            <a:chExt cx="2632433" cy="1276139"/>
+          </a:xfrm>
+        </p:grpSpPr>
+        <p:pic>
+          <p:nvPicPr>
+            <p:cNvPr id="16" name="Picture 2" descr="Resultado de imagem para money icon"/>
+            <p:cNvPicPr>
+              <a:picLocks noChangeAspect="1" noChangeArrowheads="1"/>
+            </p:cNvPicPr>
+            <p:nvPr/>
+          </p:nvPicPr>
+          <p:blipFill>
+            <a:blip r:embed="rId4" cstate="print">
+              <a:extLst>
+                <a:ext uri="{28A0092B-C50C-407E-A947-70E740481C1C}">
+                  <a14:useLocalDpi xmlns:a14="http://schemas.microsoft.com/office/drawing/2010/main" val="0"/>
+                </a:ext>
+              </a:extLst>
+            </a:blip>
+            <a:srcRect/>
+            <a:stretch>
+              <a:fillRect/>
+            </a:stretch>
+          </p:blipFill>
+          <p:spPr bwMode="auto">
+            <a:xfrm>
+              <a:off x="7721939" y="3503554"/>
+              <a:ext cx="1806444" cy="961931"/>
+            </a:xfrm>
+            <a:prstGeom prst="rect">
+              <a:avLst/>
+            </a:prstGeom>
+            <a:noFill/>
+            <a:extLst>
+              <a:ext uri="{909E8E84-426E-40DD-AFC4-6F175D3DCCD1}">
+                <a14:hiddenFill xmlns:a14="http://schemas.microsoft.com/office/drawing/2010/main">
+                  <a:solidFill>
+                    <a:srgbClr val="FFFFFF"/>
+                  </a:solidFill>
+                </a14:hiddenFill>
+              </a:ext>
+            </a:extLst>
+          </p:spPr>
+        </p:pic>
+        <p:pic>
+          <p:nvPicPr>
+            <p:cNvPr id="18" name="Picture 2" descr="Resultado de imagem para money icon"/>
+            <p:cNvPicPr>
+              <a:picLocks noChangeAspect="1" noChangeArrowheads="1"/>
+            </p:cNvPicPr>
+            <p:nvPr/>
+          </p:nvPicPr>
+          <p:blipFill>
+            <a:blip r:embed="rId4" cstate="print">
+              <a:extLst>
+                <a:ext uri="{28A0092B-C50C-407E-A947-70E740481C1C}">
+                  <a14:useLocalDpi xmlns:a14="http://schemas.microsoft.com/office/drawing/2010/main" val="0"/>
+                </a:ext>
+              </a:extLst>
+            </a:blip>
+            <a:srcRect/>
+            <a:stretch>
+              <a:fillRect/>
+            </a:stretch>
+          </p:blipFill>
+          <p:spPr bwMode="auto">
+            <a:xfrm>
+              <a:off x="8547928" y="3722816"/>
+              <a:ext cx="1806444" cy="961931"/>
+            </a:xfrm>
+            <a:prstGeom prst="rect">
+              <a:avLst/>
+            </a:prstGeom>
+            <a:noFill/>
+            <a:extLst>
+              <a:ext uri="{909E8E84-426E-40DD-AFC4-6F175D3DCCD1}">
+                <a14:hiddenFill xmlns:a14="http://schemas.microsoft.com/office/drawing/2010/main">
+                  <a:solidFill>
+                    <a:srgbClr val="FFFFFF"/>
+                  </a:solidFill>
+                </a14:hiddenFill>
+              </a:ext>
+            </a:extLst>
+          </p:spPr>
+        </p:pic>
+        <p:pic>
+          <p:nvPicPr>
+            <p:cNvPr id="17" name="Picture 2" descr="Resultado de imagem para money icon"/>
+            <p:cNvPicPr>
+              <a:picLocks noChangeAspect="1" noChangeArrowheads="1"/>
+            </p:cNvPicPr>
+            <p:nvPr/>
+          </p:nvPicPr>
+          <p:blipFill>
+            <a:blip r:embed="rId4" cstate="print">
+              <a:extLst>
+                <a:ext uri="{28A0092B-C50C-407E-A947-70E740481C1C}">
+                  <a14:useLocalDpi xmlns:a14="http://schemas.microsoft.com/office/drawing/2010/main" val="0"/>
+                </a:ext>
+              </a:extLst>
+            </a:blip>
+            <a:srcRect/>
+            <a:stretch>
+              <a:fillRect/>
+            </a:stretch>
+          </p:blipFill>
+          <p:spPr bwMode="auto">
+            <a:xfrm>
+              <a:off x="8175654" y="3408608"/>
+              <a:ext cx="1806444" cy="961931"/>
+            </a:xfrm>
+            <a:prstGeom prst="rect">
+              <a:avLst/>
+            </a:prstGeom>
+            <a:noFill/>
+            <a:extLst>
+              <a:ext uri="{909E8E84-426E-40DD-AFC4-6F175D3DCCD1}">
+                <a14:hiddenFill xmlns:a14="http://schemas.microsoft.com/office/drawing/2010/main">
+                  <a:solidFill>
+                    <a:srgbClr val="FFFFFF"/>
+                  </a:solidFill>
+                </a14:hiddenFill>
+              </a:ext>
+            </a:extLst>
+          </p:spPr>
+        </p:pic>
+      </p:grpSp>
+      <p:sp>
+        <p:nvSpPr>
+          <p:cNvPr id="20" name="CaixaDeTexto 19"/>
+          <p:cNvSpPr txBox="1"/>
+          <p:nvPr/>
+        </p:nvSpPr>
+        <p:spPr>
+          <a:xfrm>
+            <a:off x="407192" y="3099922"/>
+            <a:ext cx="2160240" cy="369332"/>
+          </a:xfrm>
+          <a:prstGeom prst="rect">
+            <a:avLst/>
+          </a:prstGeom>
+          <a:noFill/>
+        </p:spPr>
+        <p:txBody>
+          <a:bodyPr wrap="square" rtlCol="0">
+            <a:spAutoFit/>
+          </a:bodyPr>
+          <a:lstStyle/>
+          <a:p>
+            <a:r>
+              <a:rPr lang="en-GB" dirty="0" smtClean="0"/>
+              <a:t>License cost:$10</a:t>
+            </a:r>
+            <a:endParaRPr lang="en-GB" dirty="0"/>
+          </a:p>
+        </p:txBody>
+      </p:sp>
+      <p:sp>
+        <p:nvSpPr>
+          <p:cNvPr id="25" name="CaixaDeTexto 24"/>
+          <p:cNvSpPr txBox="1"/>
+          <p:nvPr/>
+        </p:nvSpPr>
+        <p:spPr>
+          <a:xfrm>
+            <a:off x="6935880" y="3099922"/>
+            <a:ext cx="2970217" cy="369332"/>
+          </a:xfrm>
+          <a:prstGeom prst="rect">
+            <a:avLst/>
+          </a:prstGeom>
+          <a:noFill/>
+        </p:spPr>
+        <p:txBody>
+          <a:bodyPr wrap="square" rtlCol="0">
+            <a:spAutoFit/>
+          </a:bodyPr>
+          <a:lstStyle/>
+          <a:p>
+            <a:r>
+              <a:rPr lang="en-GB" dirty="0" smtClean="0"/>
+              <a:t>License cost:$800-$80K</a:t>
+            </a:r>
+            <a:endParaRPr lang="en-GB" dirty="0"/>
+          </a:p>
+        </p:txBody>
+      </p:sp>
+      <p:sp>
+        <p:nvSpPr>
+          <p:cNvPr id="26" name="CaixaDeTexto 25"/>
+          <p:cNvSpPr txBox="1"/>
+          <p:nvPr/>
+        </p:nvSpPr>
+        <p:spPr>
+          <a:xfrm>
+            <a:off x="365071" y="4179583"/>
+            <a:ext cx="2817772" cy="369332"/>
+          </a:xfrm>
+          <a:prstGeom prst="rect">
+            <a:avLst/>
+          </a:prstGeom>
+          <a:noFill/>
+        </p:spPr>
+        <p:txBody>
+          <a:bodyPr wrap="square" rtlCol="0">
+            <a:spAutoFit/>
+          </a:bodyPr>
+          <a:lstStyle/>
+          <a:p>
+            <a:r>
+              <a:rPr lang="en-GB" dirty="0" smtClean="0"/>
+              <a:t>Unlimited Local Agents</a:t>
+            </a:r>
+            <a:endParaRPr lang="en-GB" dirty="0"/>
+          </a:p>
+        </p:txBody>
+      </p:sp>
+      <p:pic>
+        <p:nvPicPr>
+          <p:cNvPr id="1030" name="Picture 6" descr="Resultado de imagem para icon popeye png"/>
+          <p:cNvPicPr>
+            <a:picLocks noChangeAspect="1" noChangeArrowheads="1"/>
+          </p:cNvPicPr>
+          <p:nvPr/>
+        </p:nvPicPr>
+        <p:blipFill>
+          <a:blip r:embed="rId5" cstate="print">
+            <a:extLst>
+              <a:ext uri="{28A0092B-C50C-407E-A947-70E740481C1C}">
+                <a14:useLocalDpi xmlns:a14="http://schemas.microsoft.com/office/drawing/2010/main" val="0"/>
+              </a:ext>
+            </a:extLst>
+          </a:blip>
+          <a:srcRect/>
+          <a:stretch>
+            <a:fillRect/>
+          </a:stretch>
+        </p:blipFill>
+        <p:spPr bwMode="auto">
+          <a:xfrm>
+            <a:off x="3774884" y="3596079"/>
+            <a:ext cx="571152" cy="746265"/>
+          </a:xfrm>
+          <a:prstGeom prst="rect">
+            <a:avLst/>
+          </a:prstGeom>
+          <a:noFill/>
+          <a:extLst>
+            <a:ext uri="{909E8E84-426E-40DD-AFC4-6F175D3DCCD1}">
+              <a14:hiddenFill xmlns:a14="http://schemas.microsoft.com/office/drawing/2010/main">
+                <a:solidFill>
+                  <a:srgbClr val="FFFFFF"/>
+                </a:solidFill>
+              </a14:hiddenFill>
+            </a:ext>
+          </a:extLst>
+        </p:spPr>
+      </p:pic>
+      <p:sp>
+        <p:nvSpPr>
+          <p:cNvPr id="28" name="CaixaDeTexto 27"/>
+          <p:cNvSpPr txBox="1"/>
+          <p:nvPr/>
+        </p:nvSpPr>
+        <p:spPr>
+          <a:xfrm>
+            <a:off x="6935880" y="5151872"/>
+            <a:ext cx="2817772" cy="369332"/>
+          </a:xfrm>
+          <a:prstGeom prst="rect">
+            <a:avLst/>
+          </a:prstGeom>
+          <a:noFill/>
+        </p:spPr>
+        <p:txBody>
+          <a:bodyPr wrap="square" rtlCol="0">
+            <a:spAutoFit/>
+          </a:bodyPr>
+          <a:lstStyle/>
+          <a:p>
+            <a:r>
+              <a:rPr lang="en-GB" dirty="0" smtClean="0"/>
+              <a:t>Limited Remote Agents</a:t>
+            </a:r>
+            <a:endParaRPr lang="en-GB" dirty="0"/>
+          </a:p>
+        </p:txBody>
+      </p:sp>
+      <p:sp>
+        <p:nvSpPr>
+          <p:cNvPr id="29" name="CaixaDeTexto 28"/>
+          <p:cNvSpPr txBox="1"/>
+          <p:nvPr/>
+        </p:nvSpPr>
+        <p:spPr>
+          <a:xfrm>
+            <a:off x="429182" y="5151872"/>
+            <a:ext cx="2817772" cy="369332"/>
+          </a:xfrm>
+          <a:prstGeom prst="rect">
+            <a:avLst/>
+          </a:prstGeom>
+          <a:noFill/>
+        </p:spPr>
+        <p:txBody>
+          <a:bodyPr wrap="square" rtlCol="0">
+            <a:spAutoFit/>
+          </a:bodyPr>
+          <a:lstStyle/>
+          <a:p>
+            <a:r>
+              <a:rPr lang="en-GB" dirty="0" smtClean="0"/>
+              <a:t>No Remote Agents</a:t>
+            </a:r>
+            <a:endParaRPr lang="en-GB" dirty="0"/>
+          </a:p>
+        </p:txBody>
+      </p:sp>
+      <p:sp>
+        <p:nvSpPr>
+          <p:cNvPr id="30" name="CaixaDeTexto 29"/>
+          <p:cNvSpPr txBox="1"/>
+          <p:nvPr/>
+        </p:nvSpPr>
+        <p:spPr>
+          <a:xfrm>
+            <a:off x="6935880" y="3994917"/>
+            <a:ext cx="2817772" cy="369332"/>
+          </a:xfrm>
+          <a:prstGeom prst="rect">
+            <a:avLst/>
+          </a:prstGeom>
+          <a:noFill/>
+        </p:spPr>
+        <p:txBody>
+          <a:bodyPr wrap="square" rtlCol="0">
+            <a:spAutoFit/>
+          </a:bodyPr>
+          <a:lstStyle/>
+          <a:p>
+            <a:r>
+              <a:rPr lang="en-GB" dirty="0" smtClean="0"/>
+              <a:t>Unlimited Local Agents</a:t>
+            </a:r>
+            <a:endParaRPr lang="en-GB" dirty="0"/>
+          </a:p>
+        </p:txBody>
+      </p:sp>
+      <p:pic>
+        <p:nvPicPr>
+          <p:cNvPr id="1038" name="Picture 14" descr="Resultado de imagem para infinite icon png"/>
+          <p:cNvPicPr>
+            <a:picLocks noChangeAspect="1" noChangeArrowheads="1"/>
+          </p:cNvPicPr>
+          <p:nvPr/>
+        </p:nvPicPr>
+        <p:blipFill>
+          <a:blip r:embed="rId6" cstate="print">
+            <a:extLst>
+              <a:ext uri="{28A0092B-C50C-407E-A947-70E740481C1C}">
+                <a14:useLocalDpi xmlns:a14="http://schemas.microsoft.com/office/drawing/2010/main" val="0"/>
+              </a:ext>
+            </a:extLst>
+          </a:blip>
+          <a:srcRect/>
+          <a:stretch>
+            <a:fillRect/>
+          </a:stretch>
+        </p:blipFill>
+        <p:spPr bwMode="auto">
+          <a:xfrm>
+            <a:off x="4632537" y="3816304"/>
+            <a:ext cx="750810" cy="750810"/>
+          </a:xfrm>
+          <a:prstGeom prst="rect">
+            <a:avLst/>
+          </a:prstGeom>
+          <a:noFill/>
+          <a:extLst>
+            <a:ext uri="{909E8E84-426E-40DD-AFC4-6F175D3DCCD1}">
+              <a14:hiddenFill xmlns:a14="http://schemas.microsoft.com/office/drawing/2010/main">
+                <a:solidFill>
+                  <a:srgbClr val="FFFFFF"/>
+                </a:solidFill>
+              </a14:hiddenFill>
+            </a:ext>
+          </a:extLst>
+        </p:spPr>
+      </p:pic>
+      <p:pic>
+        <p:nvPicPr>
+          <p:cNvPr id="38" name="Picture 6" descr="Resultado de imagem para icon popeye png"/>
+          <p:cNvPicPr>
+            <a:picLocks noChangeAspect="1" noChangeArrowheads="1"/>
+          </p:cNvPicPr>
+          <p:nvPr/>
+        </p:nvPicPr>
+        <p:blipFill>
+          <a:blip r:embed="rId5" cstate="print">
+            <a:extLst>
+              <a:ext uri="{28A0092B-C50C-407E-A947-70E740481C1C}">
+                <a14:useLocalDpi xmlns:a14="http://schemas.microsoft.com/office/drawing/2010/main" val="0"/>
+              </a:ext>
+            </a:extLst>
+          </a:blip>
+          <a:srcRect/>
+          <a:stretch>
+            <a:fillRect/>
+          </a:stretch>
+        </p:blipFill>
+        <p:spPr bwMode="auto">
+          <a:xfrm>
+            <a:off x="3803923" y="3911728"/>
+            <a:ext cx="571152" cy="746265"/>
+          </a:xfrm>
+          <a:prstGeom prst="rect">
+            <a:avLst/>
+          </a:prstGeom>
+          <a:noFill/>
+          <a:extLst>
+            <a:ext uri="{909E8E84-426E-40DD-AFC4-6F175D3DCCD1}">
+              <a14:hiddenFill xmlns:a14="http://schemas.microsoft.com/office/drawing/2010/main">
+                <a:solidFill>
+                  <a:srgbClr val="FFFFFF"/>
+                </a:solidFill>
+              </a14:hiddenFill>
+            </a:ext>
+          </a:extLst>
+        </p:spPr>
+      </p:pic>
+      <p:pic>
+        <p:nvPicPr>
+          <p:cNvPr id="39" name="Picture 6" descr="Resultado de imagem para icon popeye png"/>
+          <p:cNvPicPr>
+            <a:picLocks noChangeAspect="1" noChangeArrowheads="1"/>
+          </p:cNvPicPr>
+          <p:nvPr/>
+        </p:nvPicPr>
+        <p:blipFill>
+          <a:blip r:embed="rId5" cstate="print">
+            <a:extLst>
+              <a:ext uri="{28A0092B-C50C-407E-A947-70E740481C1C}">
+                <a14:useLocalDpi xmlns:a14="http://schemas.microsoft.com/office/drawing/2010/main" val="0"/>
+              </a:ext>
+            </a:extLst>
+          </a:blip>
+          <a:srcRect/>
+          <a:stretch>
+            <a:fillRect/>
+          </a:stretch>
+        </p:blipFill>
+        <p:spPr bwMode="auto">
+          <a:xfrm>
+            <a:off x="4061385" y="3775358"/>
+            <a:ext cx="571152" cy="746265"/>
+          </a:xfrm>
+          <a:prstGeom prst="rect">
+            <a:avLst/>
+          </a:prstGeom>
+          <a:noFill/>
+          <a:extLst>
+            <a:ext uri="{909E8E84-426E-40DD-AFC4-6F175D3DCCD1}">
+              <a14:hiddenFill xmlns:a14="http://schemas.microsoft.com/office/drawing/2010/main">
+                <a:solidFill>
+                  <a:srgbClr val="FFFFFF"/>
+                </a:solidFill>
+              </a14:hiddenFill>
+            </a:ext>
+          </a:extLst>
+        </p:spPr>
+      </p:pic>
+      <p:pic>
+        <p:nvPicPr>
+          <p:cNvPr id="1044" name="Picture 20" descr="Resultado de imagem para server icon"/>
+          <p:cNvPicPr>
+            <a:picLocks noChangeAspect="1" noChangeArrowheads="1"/>
+          </p:cNvPicPr>
+          <p:nvPr/>
+        </p:nvPicPr>
+        <p:blipFill>
+          <a:blip r:embed="rId7">
+            <a:extLst>
+              <a:ext uri="{28A0092B-C50C-407E-A947-70E740481C1C}">
+                <a14:useLocalDpi xmlns:a14="http://schemas.microsoft.com/office/drawing/2010/main" val="0"/>
+              </a:ext>
+            </a:extLst>
+          </a:blip>
+          <a:srcRect/>
+          <a:stretch>
+            <a:fillRect/>
+          </a:stretch>
+        </p:blipFill>
+        <p:spPr bwMode="auto">
+          <a:xfrm>
+            <a:off x="3808979" y="4654575"/>
+            <a:ext cx="1250507" cy="1250507"/>
+          </a:xfrm>
+          <a:prstGeom prst="rect">
+            <a:avLst/>
+          </a:prstGeom>
+          <a:noFill/>
+          <a:extLst>
+            <a:ext uri="{909E8E84-426E-40DD-AFC4-6F175D3DCCD1}">
+              <a14:hiddenFill xmlns:a14="http://schemas.microsoft.com/office/drawing/2010/main">
+                <a:solidFill>
+                  <a:srgbClr val="FFFFFF"/>
+                </a:solidFill>
+              </a14:hiddenFill>
+            </a:ext>
+          </a:extLst>
+        </p:spPr>
+      </p:pic>
+      <p:pic>
+        <p:nvPicPr>
+          <p:cNvPr id="45" name="Picture 20" descr="Resultado de imagem para server icon"/>
+          <p:cNvPicPr>
+            <a:picLocks noChangeAspect="1" noChangeArrowheads="1"/>
+          </p:cNvPicPr>
+          <p:nvPr/>
+        </p:nvPicPr>
+        <p:blipFill>
+          <a:blip r:embed="rId7">
+            <a:extLst>
+              <a:ext uri="{28A0092B-C50C-407E-A947-70E740481C1C}">
+                <a14:useLocalDpi xmlns:a14="http://schemas.microsoft.com/office/drawing/2010/main" val="0"/>
+              </a:ext>
+            </a:extLst>
+          </a:blip>
+          <a:srcRect/>
+          <a:stretch>
+            <a:fillRect/>
+          </a:stretch>
+        </p:blipFill>
+        <p:spPr bwMode="auto">
+          <a:xfrm>
+            <a:off x="10074557" y="4654575"/>
+            <a:ext cx="1250507" cy="1250507"/>
+          </a:xfrm>
+          <a:prstGeom prst="rect">
+            <a:avLst/>
+          </a:prstGeom>
+          <a:noFill/>
+          <a:extLst>
+            <a:ext uri="{909E8E84-426E-40DD-AFC4-6F175D3DCCD1}">
+              <a14:hiddenFill xmlns:a14="http://schemas.microsoft.com/office/drawing/2010/main">
+                <a:solidFill>
+                  <a:srgbClr val="FFFFFF"/>
+                </a:solidFill>
+              </a14:hiddenFill>
+            </a:ext>
+          </a:extLst>
+        </p:spPr>
+      </p:pic>
+      <p:sp>
+        <p:nvSpPr>
+          <p:cNvPr id="37" name="CaixaDeTexto 36"/>
+          <p:cNvSpPr txBox="1"/>
+          <p:nvPr/>
+        </p:nvSpPr>
+        <p:spPr>
+          <a:xfrm>
+            <a:off x="10971843" y="5412101"/>
+            <a:ext cx="1512168" cy="477054"/>
+          </a:xfrm>
+          <a:prstGeom prst="rect">
+            <a:avLst/>
+          </a:prstGeom>
+          <a:noFill/>
+        </p:spPr>
+        <p:txBody>
+          <a:bodyPr wrap="square" rtlCol="0">
+            <a:spAutoFit/>
+          </a:bodyPr>
+          <a:lstStyle/>
+          <a:p>
+            <a:r>
+              <a:rPr lang="en-GB" sz="2500" dirty="0" smtClean="0">
+                <a:latin typeface="Copperplate Gothic Bold" panose="020E0705020206020404" pitchFamily="34" charset="0"/>
+              </a:rPr>
+              <a:t>1-250</a:t>
+            </a:r>
+            <a:endParaRPr lang="en-GB" sz="2500" dirty="0">
+              <a:latin typeface="Copperplate Gothic Bold" panose="020E0705020206020404" pitchFamily="34" charset="0"/>
+            </a:endParaRPr>
+          </a:p>
+        </p:txBody>
+      </p:sp>
+      <p:sp>
+        <p:nvSpPr>
+          <p:cNvPr id="32" name="Sinal de proibição 31"/>
+          <p:cNvSpPr/>
+          <p:nvPr/>
+        </p:nvSpPr>
+        <p:spPr>
+          <a:xfrm>
+            <a:off x="4132651" y="5026720"/>
+            <a:ext cx="576508" cy="519804"/>
+          </a:xfrm>
+          <a:prstGeom prst="noSmoking">
+            <a:avLst/>
+          </a:prstGeom>
+          <a:solidFill>
+            <a:srgbClr val="FF0000"/>
+          </a:solidFill>
+          <a:ln w="9525"/>
+        </p:spPr>
+        <p:style>
+          <a:lnRef idx="2">
+            <a:schemeClr val="accent1">
+              <a:shade val="50000"/>
+            </a:schemeClr>
+          </a:lnRef>
+          <a:fillRef idx="1">
+            <a:schemeClr val="accent1"/>
+          </a:fillRef>
+          <a:effectRef idx="0">
+            <a:schemeClr val="accent1"/>
+          </a:effectRef>
+          <a:fontRef idx="minor">
+            <a:schemeClr val="lt1"/>
+          </a:fontRef>
+        </p:style>
+        <p:txBody>
+          <a:bodyPr rtlCol="0" anchor="ctr"/>
+          <a:lstStyle/>
+          <a:p>
+            <a:pPr algn="ctr"/>
+            <a:endParaRPr lang="en-GB">
+              <a:solidFill>
+                <a:schemeClr val="tx1"/>
+              </a:solidFill>
+            </a:endParaRPr>
+          </a:p>
+        </p:txBody>
+      </p:sp>
+      <p:pic>
+        <p:nvPicPr>
+          <p:cNvPr id="47" name="Picture 14" descr="Resultado de imagem para infinite icon png"/>
+          <p:cNvPicPr>
+            <a:picLocks noChangeAspect="1" noChangeArrowheads="1"/>
+          </p:cNvPicPr>
+          <p:nvPr/>
+        </p:nvPicPr>
+        <p:blipFill>
+          <a:blip r:embed="rId6" cstate="print">
+            <a:extLst>
+              <a:ext uri="{28A0092B-C50C-407E-A947-70E740481C1C}">
+                <a14:useLocalDpi xmlns:a14="http://schemas.microsoft.com/office/drawing/2010/main" val="0"/>
+              </a:ext>
+            </a:extLst>
+          </a:blip>
+          <a:srcRect/>
+          <a:stretch>
+            <a:fillRect/>
+          </a:stretch>
+        </p:blipFill>
+        <p:spPr bwMode="auto">
+          <a:xfrm>
+            <a:off x="11044530" y="3833982"/>
+            <a:ext cx="750810" cy="750810"/>
+          </a:xfrm>
+          <a:prstGeom prst="rect">
+            <a:avLst/>
+          </a:prstGeom>
+          <a:noFill/>
+          <a:extLst>
+            <a:ext uri="{909E8E84-426E-40DD-AFC4-6F175D3DCCD1}">
+              <a14:hiddenFill xmlns:a14="http://schemas.microsoft.com/office/drawing/2010/main">
+                <a:solidFill>
+                  <a:srgbClr val="FFFFFF"/>
+                </a:solidFill>
+              </a14:hiddenFill>
+            </a:ext>
+          </a:extLst>
+        </p:spPr>
+      </p:pic>
+      <p:pic>
+        <p:nvPicPr>
+          <p:cNvPr id="48" name="Picture 6" descr="Resultado de imagem para icon popeye png"/>
+          <p:cNvPicPr>
+            <a:picLocks noChangeAspect="1" noChangeArrowheads="1"/>
+          </p:cNvPicPr>
+          <p:nvPr/>
+        </p:nvPicPr>
+        <p:blipFill>
+          <a:blip r:embed="rId5" cstate="print">
+            <a:extLst>
+              <a:ext uri="{28A0092B-C50C-407E-A947-70E740481C1C}">
+                <a14:useLocalDpi xmlns:a14="http://schemas.microsoft.com/office/drawing/2010/main" val="0"/>
+              </a:ext>
+            </a:extLst>
+          </a:blip>
+          <a:srcRect/>
+          <a:stretch>
+            <a:fillRect/>
+          </a:stretch>
+        </p:blipFill>
+        <p:spPr bwMode="auto">
+          <a:xfrm>
+            <a:off x="10215916" y="3929406"/>
+            <a:ext cx="571152" cy="746265"/>
+          </a:xfrm>
+          <a:prstGeom prst="rect">
+            <a:avLst/>
+          </a:prstGeom>
+          <a:noFill/>
+          <a:extLst>
+            <a:ext uri="{909E8E84-426E-40DD-AFC4-6F175D3DCCD1}">
+              <a14:hiddenFill xmlns:a14="http://schemas.microsoft.com/office/drawing/2010/main">
+                <a:solidFill>
+                  <a:srgbClr val="FFFFFF"/>
+                </a:solidFill>
+              </a14:hiddenFill>
+            </a:ext>
+          </a:extLst>
+        </p:spPr>
+      </p:pic>
+      <p:pic>
+        <p:nvPicPr>
+          <p:cNvPr id="49" name="Picture 6" descr="Resultado de imagem para icon popeye png"/>
+          <p:cNvPicPr>
+            <a:picLocks noChangeAspect="1" noChangeArrowheads="1"/>
+          </p:cNvPicPr>
+          <p:nvPr/>
+        </p:nvPicPr>
+        <p:blipFill>
+          <a:blip r:embed="rId5" cstate="print">
+            <a:extLst>
+              <a:ext uri="{28A0092B-C50C-407E-A947-70E740481C1C}">
+                <a14:useLocalDpi xmlns:a14="http://schemas.microsoft.com/office/drawing/2010/main" val="0"/>
+              </a:ext>
+            </a:extLst>
+          </a:blip>
+          <a:srcRect/>
+          <a:stretch>
+            <a:fillRect/>
+          </a:stretch>
+        </p:blipFill>
+        <p:spPr bwMode="auto">
+          <a:xfrm>
+            <a:off x="10473378" y="3793036"/>
+            <a:ext cx="571152" cy="746265"/>
+          </a:xfrm>
+          <a:prstGeom prst="rect">
+            <a:avLst/>
+          </a:prstGeom>
+          <a:noFill/>
+          <a:extLst>
+            <a:ext uri="{909E8E84-426E-40DD-AFC4-6F175D3DCCD1}">
+              <a14:hiddenFill xmlns:a14="http://schemas.microsoft.com/office/drawing/2010/main">
+                <a:solidFill>
+                  <a:srgbClr val="FFFFFF"/>
+                </a:solidFill>
+              </a14:hiddenFill>
+            </a:ext>
+          </a:extLst>
+        </p:spPr>
+      </p:pic>
+      <p:pic>
+        <p:nvPicPr>
+          <p:cNvPr id="50" name="Picture 2" descr="Resultado de imagem para atlassian bamboo icon"/>
+          <p:cNvPicPr>
+            <a:picLocks noChangeAspect="1" noChangeArrowheads="1"/>
+          </p:cNvPicPr>
+          <p:nvPr/>
+        </p:nvPicPr>
+        <p:blipFill>
+          <a:blip r:embed="rId8" cstate="print">
+            <a:extLst>
+              <a:ext uri="{28A0092B-C50C-407E-A947-70E740481C1C}">
+                <a14:useLocalDpi xmlns:a14="http://schemas.microsoft.com/office/drawing/2010/main" val="0"/>
+              </a:ext>
+            </a:extLst>
+          </a:blip>
+          <a:srcRect/>
+          <a:stretch>
+            <a:fillRect/>
+          </a:stretch>
+        </p:blipFill>
+        <p:spPr bwMode="auto">
+          <a:xfrm>
+            <a:off x="429182" y="295729"/>
+            <a:ext cx="3188468" cy="1983656"/>
+          </a:xfrm>
+          <a:prstGeom prst="rect">
+            <a:avLst/>
+          </a:prstGeom>
+          <a:noFill/>
+          <a:extLst>
+            <a:ext uri="{909E8E84-426E-40DD-AFC4-6F175D3DCCD1}">
+              <a14:hiddenFill xmlns:a14="http://schemas.microsoft.com/office/drawing/2010/main">
+                <a:solidFill>
+                  <a:srgbClr val="FFFFFF"/>
+                </a:solidFill>
+              </a14:hiddenFill>
+            </a:ext>
+          </a:extLst>
+        </p:spPr>
+      </p:pic>
+      <p:sp>
+        <p:nvSpPr>
+          <p:cNvPr id="33" name="Title 1"/>
+          <p:cNvSpPr txBox="1">
+            <a:spLocks/>
+          </p:cNvSpPr>
+          <p:nvPr/>
+        </p:nvSpPr>
+        <p:spPr bwMode="gray">
+          <a:xfrm>
+            <a:off x="0" y="1318217"/>
+            <a:ext cx="12192000" cy="728480"/>
+          </a:xfrm>
+          <a:prstGeom prst="rect">
+            <a:avLst/>
+          </a:prstGeom>
+        </p:spPr>
+        <p:txBody>
+          <a:bodyPr vert="horz" lIns="91440" tIns="45720" rIns="91440" bIns="45720" rtlCol="0" anchor="ctr">
+            <a:noAutofit/>
+          </a:bodyPr>
+          <a:lstStyle>
+            <a:lvl1pPr algn="l" defTabSz="457200" rtl="0" eaLnBrk="1" latinLnBrk="0" hangingPunct="1">
+              <a:spcBef>
+                <a:spcPct val="0"/>
+              </a:spcBef>
+              <a:buNone/>
+              <a:defRPr sz="3600" b="0" i="0" kern="1200">
+                <a:solidFill>
+                  <a:schemeClr val="bg2"/>
+                </a:solidFill>
+                <a:latin typeface="+mj-lt"/>
+                <a:ea typeface="+mj-ea"/>
+                <a:cs typeface="+mj-cs"/>
+              </a:defRPr>
+            </a:lvl1pPr>
+            <a:lvl2pPr eaLnBrk="1" hangingPunct="1">
+              <a:defRPr>
+                <a:solidFill>
+                  <a:schemeClr val="tx2"/>
+                </a:solidFill>
+              </a:defRPr>
+            </a:lvl2pPr>
+            <a:lvl3pPr eaLnBrk="1" hangingPunct="1">
+              <a:defRPr>
+                <a:solidFill>
+                  <a:schemeClr val="tx2"/>
+                </a:solidFill>
+              </a:defRPr>
+            </a:lvl3pPr>
+            <a:lvl4pPr eaLnBrk="1" hangingPunct="1">
+              <a:defRPr>
+                <a:solidFill>
+                  <a:schemeClr val="tx2"/>
+                </a:solidFill>
+              </a:defRPr>
+            </a:lvl4pPr>
+            <a:lvl5pPr eaLnBrk="1" hangingPunct="1">
+              <a:defRPr>
+                <a:solidFill>
+                  <a:schemeClr val="tx2"/>
+                </a:solidFill>
+              </a:defRPr>
+            </a:lvl5pPr>
+            <a:lvl6pPr eaLnBrk="1" hangingPunct="1">
+              <a:defRPr>
+                <a:solidFill>
+                  <a:schemeClr val="tx2"/>
+                </a:solidFill>
+              </a:defRPr>
+            </a:lvl6pPr>
+            <a:lvl7pPr eaLnBrk="1" hangingPunct="1">
+              <a:defRPr>
+                <a:solidFill>
+                  <a:schemeClr val="tx2"/>
+                </a:solidFill>
+              </a:defRPr>
+            </a:lvl7pPr>
+            <a:lvl8pPr eaLnBrk="1" hangingPunct="1">
+              <a:defRPr>
+                <a:solidFill>
+                  <a:schemeClr val="tx2"/>
+                </a:solidFill>
+              </a:defRPr>
+            </a:lvl8pPr>
+            <a:lvl9pPr eaLnBrk="1" hangingPunct="1">
+              <a:defRPr>
+                <a:solidFill>
+                  <a:schemeClr val="tx2"/>
+                </a:solidFill>
+              </a:defRPr>
+            </a:lvl9pPr>
+          </a:lstStyle>
+          <a:p>
+            <a:pPr algn="ctr"/>
+            <a:r>
+              <a:rPr lang="en-US" b="1" dirty="0" smtClean="0"/>
+              <a:t>Pricing</a:t>
+            </a:r>
+            <a:endParaRPr lang="en-US" b="1" dirty="0"/>
+          </a:p>
+        </p:txBody>
+      </p:sp>
+    </p:spTree>
+    <p:extLst>
+      <p:ext uri="{BB962C8B-B14F-4D97-AF65-F5344CB8AC3E}">
+        <p14:creationId xmlns:p14="http://schemas.microsoft.com/office/powerpoint/2010/main" val="3281975205"/>
+      </p:ext>
+    </p:extLst>
+  </p:cSld>
+  <p:clrMapOvr>
+    <a:masterClrMapping/>
+  </p:clrMapOvr>
+  <mc:AlternateContent xmlns:mc="http://schemas.openxmlformats.org/markup-compatibility/2006" xmlns:p14="http://schemas.microsoft.com/office/powerpoint/2010/main">
+    <mc:Choice Requires="p14">
+      <p:transition spd="med" p14:dur="700">
+        <p:fade/>
+      </p:transition>
+    </mc:Choice>
+    <mc:Fallback xmlns="">
+      <p:transition spd="med">
+        <p:fade/>
+      </p:transition>
+    </mc:Fallback>
+  </mc:AlternateContent>
+  <p:timing>
+    <p:tnLst>
+      <p:par>
+        <p:cTn id="1" dur="indefinite" restart="never" nodeType="tmRoot"/>
+      </p:par>
+    </p:tnLst>
+  </p:timing>
+</p:sld>
+</file>
+
+<file path=ppt/slides/slide12.xml><?xml version="1.0" encoding="utf-8"?>
+<p:sld xmlns:a="http://schemas.openxmlformats.org/drawingml/2006/main" xmlns:r="http://schemas.openxmlformats.org/officeDocument/2006/relationships" xmlns:p="http://schemas.openxmlformats.org/presentationml/2006/main">
+  <p:cSld>
+    <p:spTree>
+      <p:nvGrpSpPr>
+        <p:cNvPr id="1" name=""/>
+        <p:cNvGrpSpPr/>
+        <p:nvPr/>
+      </p:nvGrpSpPr>
+      <p:grpSpPr>
+        <a:xfrm>
+          <a:off x="0" y="0"/>
+          <a:ext cx="0" cy="0"/>
+          <a:chOff x="0" y="0"/>
+          <a:chExt cx="0" cy="0"/>
+        </a:xfrm>
+      </p:grpSpPr>
+      <p:sp>
+        <p:nvSpPr>
           <p:cNvPr id="2" name="Title 1"/>
           <p:cNvSpPr>
             <a:spLocks noGrp="1"/>
@@ -15967,9 +23984,169 @@
           <a:p>
             <a:r>
               <a:rPr lang="en-US" dirty="0" smtClean="0"/>
-              <a:t>TABLE XXXX</a:t>
+              <a:t>CODESHIP</a:t>
             </a:r>
             <a:endParaRPr lang="en-US" dirty="0"/>
+          </a:p>
+        </p:txBody>
+      </p:sp>
+      <p:sp>
+        <p:nvSpPr>
+          <p:cNvPr id="3" name="Date Placeholder 2"/>
+          <p:cNvSpPr>
+            <a:spLocks noGrp="1"/>
+          </p:cNvSpPr>
+          <p:nvPr>
+            <p:ph type="dt" sz="half" idx="10"/>
+          </p:nvPr>
+        </p:nvSpPr>
+        <p:spPr/>
+        <p:txBody>
+          <a:bodyPr/>
+          <a:lstStyle/>
+          <a:p>
+            <a:r>
+              <a:rPr lang="en-US" smtClean="0"/>
+              <a:t>10/7/2016</a:t>
+            </a:r>
+            <a:endParaRPr lang="en-US" dirty="0"/>
+          </a:p>
+        </p:txBody>
+      </p:sp>
+      <p:sp>
+        <p:nvSpPr>
+          <p:cNvPr id="4" name="Footer Placeholder 3"/>
+          <p:cNvSpPr>
+            <a:spLocks noGrp="1"/>
+          </p:cNvSpPr>
+          <p:nvPr>
+            <p:ph type="ftr" sz="quarter" idx="11"/>
+          </p:nvPr>
+        </p:nvSpPr>
+        <p:spPr/>
+        <p:txBody>
+          <a:bodyPr/>
+          <a:lstStyle/>
+          <a:p>
+            <a:r>
+              <a:rPr lang="pt-PT" smtClean="0"/>
+              <a:t>FEUP - MESW</a:t>
+            </a:r>
+            <a:endParaRPr lang="pt-PT" dirty="0"/>
+          </a:p>
+        </p:txBody>
+      </p:sp>
+      <p:sp>
+        <p:nvSpPr>
+          <p:cNvPr id="5" name="Slide Number Placeholder 4"/>
+          <p:cNvSpPr>
+            <a:spLocks noGrp="1"/>
+          </p:cNvSpPr>
+          <p:nvPr>
+            <p:ph type="sldNum" sz="quarter" idx="12"/>
+          </p:nvPr>
+        </p:nvSpPr>
+        <p:spPr/>
+        <p:txBody>
+          <a:bodyPr/>
+          <a:lstStyle/>
+          <a:p>
+            <a:fld id="{CA8D9AD5-F248-4919-864A-CFD76CC027D6}" type="slidenum">
+              <a:rPr lang="pt-PT" smtClean="0"/>
+              <a:t>12</a:t>
+            </a:fld>
+            <a:endParaRPr lang="pt-PT" dirty="0"/>
+          </a:p>
+        </p:txBody>
+      </p:sp>
+      <p:sp>
+        <p:nvSpPr>
+          <p:cNvPr id="7" name="Content Placeholder 6"/>
+          <p:cNvSpPr>
+            <a:spLocks noGrp="1"/>
+          </p:cNvSpPr>
+          <p:nvPr>
+            <p:ph idx="1"/>
+          </p:nvPr>
+        </p:nvSpPr>
+        <p:spPr/>
+        <p:txBody>
+          <a:bodyPr/>
+          <a:lstStyle/>
+          <a:p>
+            <a:endParaRPr lang="pt-PT"/>
+          </a:p>
+        </p:txBody>
+      </p:sp>
+    </p:spTree>
+    <p:extLst>
+      <p:ext uri="{BB962C8B-B14F-4D97-AF65-F5344CB8AC3E}">
+        <p14:creationId xmlns:p14="http://schemas.microsoft.com/office/powerpoint/2010/main" val="3355858789"/>
+      </p:ext>
+    </p:extLst>
+  </p:cSld>
+  <p:clrMapOvr>
+    <a:masterClrMapping/>
+  </p:clrMapOvr>
+  <mc:AlternateContent xmlns:mc="http://schemas.openxmlformats.org/markup-compatibility/2006" xmlns:p14="http://schemas.microsoft.com/office/powerpoint/2010/main">
+    <mc:Choice Requires="p14">
+      <p:transition spd="med" p14:dur="700">
+        <p:fade/>
+      </p:transition>
+    </mc:Choice>
+    <mc:Fallback xmlns="">
+      <p:transition spd="med">
+        <p:fade/>
+      </p:transition>
+    </mc:Fallback>
+  </mc:AlternateContent>
+  <p:timing>
+    <p:tnLst>
+      <p:par>
+        <p:cTn id="1" dur="indefinite" restart="never" nodeType="tmRoot"/>
+      </p:par>
+    </p:tnLst>
+  </p:timing>
+</p:sld>
+</file>
+
+<file path=ppt/slides/slide13.xml><?xml version="1.0" encoding="utf-8"?>
+<p:sld xmlns:a="http://schemas.openxmlformats.org/drawingml/2006/main" xmlns:r="http://schemas.openxmlformats.org/officeDocument/2006/relationships" xmlns:p="http://schemas.openxmlformats.org/presentationml/2006/main">
+  <p:cSld>
+    <p:spTree>
+      <p:nvGrpSpPr>
+        <p:cNvPr id="1" name=""/>
+        <p:cNvGrpSpPr/>
+        <p:nvPr/>
+      </p:nvGrpSpPr>
+      <p:grpSpPr>
+        <a:xfrm>
+          <a:off x="0" y="0"/>
+          <a:ext cx="0" cy="0"/>
+          <a:chOff x="0" y="0"/>
+          <a:chExt cx="0" cy="0"/>
+        </a:xfrm>
+      </p:grpSpPr>
+      <p:sp>
+        <p:nvSpPr>
+          <p:cNvPr id="2" name="Title 1"/>
+          <p:cNvSpPr>
+            <a:spLocks noGrp="1"/>
+          </p:cNvSpPr>
+          <p:nvPr>
+            <p:ph type="title"/>
+          </p:nvPr>
+        </p:nvSpPr>
+        <p:spPr/>
+        <p:txBody>
+          <a:bodyPr/>
+          <a:lstStyle/>
+          <a:p>
+            <a:r>
+              <a:rPr lang="en-US" sz="3400" dirty="0" smtClean="0"/>
+              <a:t>COMPARISON TABLE</a:t>
+            </a:r>
+            <a:endParaRPr lang="en-US" sz="3400" dirty="0"/>
           </a:p>
         </p:txBody>
       </p:sp>
@@ -16036,7 +24213,7 @@
           <a:p>
             <a:fld id="{CA8D9AD5-F248-4919-864A-CFD76CC027D6}" type="slidenum">
               <a:rPr lang="pt-PT" smtClean="0"/>
-              <a:t>10</a:t>
+              <a:t>13</a:t>
             </a:fld>
             <a:endParaRPr lang="pt-PT" dirty="0"/>
           </a:p>
@@ -16051,14 +24228,14 @@
           <p:nvPr>
             <p:extLst>
               <p:ext uri="{D42A27DB-BD31-4B8C-83A1-F6EECF244321}">
-                <p14:modId xmlns:p14="http://schemas.microsoft.com/office/powerpoint/2010/main" val="3531305546"/>
+                <p14:modId xmlns:p14="http://schemas.microsoft.com/office/powerpoint/2010/main" val="404894561"/>
               </p:ext>
             </p:extLst>
           </p:nvPr>
         </p:nvGraphicFramePr>
         <p:xfrm>
-          <a:off x="1703511" y="2276873"/>
-          <a:ext cx="9487228" cy="3600396"/>
+          <a:off x="561111" y="2276874"/>
+          <a:ext cx="11080426" cy="4139653"/>
         </p:xfrm>
         <a:graphic>
           <a:graphicData uri="http://schemas.openxmlformats.org/drawingml/2006/table">
@@ -16067,13 +24244,13 @@
                 <a:tableStyleId>{5C22544A-7EE6-4342-B048-85BDC9FD1C3A}</a:tableStyleId>
               </a:tblPr>
               <a:tblGrid>
-                <a:gridCol w="2333582"/>
-                <a:gridCol w="1461308"/>
-                <a:gridCol w="1897446"/>
-                <a:gridCol w="1897446"/>
-                <a:gridCol w="1897446"/>
+                <a:gridCol w="2659898"/>
+                <a:gridCol w="2100582"/>
+                <a:gridCol w="1887776"/>
+                <a:gridCol w="2134008"/>
+                <a:gridCol w="2298162"/>
               </a:tblGrid>
-              <a:tr h="400044">
+              <a:tr h="352359">
                 <a:tc>
                   <a:txBody>
                     <a:bodyPr/>
@@ -16166,7 +24343,7 @@
                   <a:tcPr anchor="ctr"/>
                 </a:tc>
               </a:tr>
-              <a:tr h="400044">
+              <a:tr h="352359">
                 <a:tc>
                   <a:txBody>
                     <a:bodyPr/>
@@ -16244,7 +24421,7 @@
                   <a:tcPr/>
                 </a:tc>
               </a:tr>
-              <a:tr h="400044">
+              <a:tr h="1213573">
                 <a:tc>
                   <a:txBody>
                     <a:bodyPr/>
@@ -16268,6 +24445,14 @@
                     <a:bodyPr/>
                     <a:lstStyle/>
                     <a:p>
+                      <a:r>
+                        <a:rPr lang="pt-PT" dirty="0" smtClean="0"/>
+                        <a:t>Eclipse, IntelliJ IDEA, NetBeans (and others</a:t>
+                      </a:r>
+                      <a:r>
+                        <a:rPr lang="pt-PT" baseline="0" dirty="0" smtClean="0"/>
+                        <a:t> like JIRA)</a:t>
+                      </a:r>
                       <a:endParaRPr lang="pt-PT" dirty="0"/>
                     </a:p>
                   </a:txBody>
@@ -16304,7 +24489,7 @@
                   <a:tcPr/>
                 </a:tc>
               </a:tr>
-              <a:tr h="400044">
+              <a:tr h="352359">
                 <a:tc>
                   <a:txBody>
                     <a:bodyPr/>
@@ -16317,6 +24502,24 @@
                       <a:r>
                         <a:rPr lang="pt-PT" baseline="0" dirty="0" smtClean="0"/>
                         <a:t> Control</a:t>
+                      </a:r>
+                      <a:endParaRPr lang="pt-PT" dirty="0"/>
+                    </a:p>
+                  </a:txBody>
+                  <a:tcPr/>
+                </a:tc>
+                <a:tc>
+                  <a:txBody>
+                    <a:bodyPr/>
+                    <a:lstStyle/>
+                    <a:p>
+                      <a:r>
+                        <a:rPr lang="pt-PT" dirty="0" smtClean="0"/>
+                        <a:t>YE</a:t>
+                      </a:r>
+                      <a:r>
+                        <a:rPr lang="pt-PT" baseline="0" dirty="0" smtClean="0"/>
+                        <a:t>S (SVN,GitHub)</a:t>
                       </a:r>
                       <a:endParaRPr lang="pt-PT" dirty="0"/>
                     </a:p>
@@ -16353,18 +24556,8 @@
                   </a:txBody>
                   <a:tcPr/>
                 </a:tc>
-                <a:tc>
-                  <a:txBody>
-                    <a:bodyPr/>
-                    <a:lstStyle/>
-                    <a:p>
-                      <a:endParaRPr lang="pt-PT" dirty="0"/>
-                    </a:p>
-                  </a:txBody>
-                  <a:tcPr/>
-                </a:tc>
               </a:tr>
-              <a:tr h="400044">
+              <a:tr h="352359">
                 <a:tc>
                   <a:txBody>
                     <a:bodyPr/>
@@ -16384,6 +24577,10 @@
                     <a:bodyPr/>
                     <a:lstStyle/>
                     <a:p>
+                      <a:r>
+                        <a:rPr lang="pt-PT" dirty="0" smtClean="0"/>
+                        <a:t>Web server</a:t>
+                      </a:r>
                       <a:endParaRPr lang="pt-PT" dirty="0"/>
                     </a:p>
                   </a:txBody>
@@ -16420,7 +24617,7 @@
                   <a:tcPr/>
                 </a:tc>
               </a:tr>
-              <a:tr h="400044">
+              <a:tr h="352359">
                 <a:tc>
                   <a:txBody>
                     <a:bodyPr/>
@@ -16480,7 +24677,7 @@
                   <a:tcPr/>
                 </a:tc>
               </a:tr>
-              <a:tr h="400044">
+              <a:tr h="352359">
                 <a:tc>
                   <a:txBody>
                     <a:bodyPr/>
@@ -16500,7 +24697,11 @@
                     <a:bodyPr/>
                     <a:lstStyle/>
                     <a:p>
-                      <a:endParaRPr lang="pt-PT"/>
+                      <a:r>
+                        <a:rPr lang="pt-PT" dirty="0" smtClean="0"/>
+                        <a:t>Good</a:t>
+                      </a:r>
+                      <a:endParaRPr lang="pt-PT" dirty="0"/>
                     </a:p>
                   </a:txBody>
                   <a:tcPr/>
@@ -16536,7 +24737,7 @@
                   <a:tcPr/>
                 </a:tc>
               </a:tr>
-              <a:tr h="400044">
+              <a:tr h="352359">
                 <a:tc>
                   <a:txBody>
                     <a:bodyPr/>
@@ -16588,7 +24789,7 @@
                   <a:tcPr/>
                 </a:tc>
               </a:tr>
-              <a:tr h="400044">
+              <a:tr h="352359">
                 <a:tc>
                   <a:txBody>
                     <a:bodyPr/>
@@ -16676,7 +24877,7 @@
 </p:sld>
 </file>
 
-<file path=ppt/slides/slide11.xml><?xml version="1.0" encoding="utf-8"?>
+<file path=ppt/slides/slide14.xml><?xml version="1.0" encoding="utf-8"?>
 <p:sld xmlns:a="http://schemas.openxmlformats.org/drawingml/2006/main" xmlns:r="http://schemas.openxmlformats.org/officeDocument/2006/relationships" xmlns:p="http://schemas.openxmlformats.org/presentationml/2006/main">
   <p:cSld>
     <p:spTree>
@@ -16728,8 +24929,8 @@
         </p:nvSpPr>
         <p:spPr>
           <a:xfrm>
-            <a:off x="1151367" y="2603500"/>
-            <a:ext cx="10649627" cy="3416301"/>
+            <a:off x="561110" y="2358919"/>
+            <a:ext cx="11080427" cy="3416301"/>
           </a:xfrm>
         </p:spPr>
         <p:txBody>
@@ -16738,16 +24939,51 @@
           <a:p>
             <a:r>
               <a:rPr lang="en-US" dirty="0">
-                <a:hlinkClick r:id="rId2"/>
+                <a:hlinkClick r:id="rId3"/>
               </a:rPr>
               <a:t>https://</a:t>
             </a:r>
             <a:r>
               <a:rPr lang="en-US" dirty="0" smtClean="0">
-                <a:hlinkClick r:id="rId2"/>
+                <a:hlinkClick r:id="rId3"/>
               </a:rPr>
               <a:t>www.cloudbees.com/jenkins/about</a:t>
             </a:r>
+            <a:endParaRPr lang="en-US" dirty="0" smtClean="0"/>
+          </a:p>
+          <a:p>
+            <a:r>
+              <a:rPr lang="en-US" dirty="0"/>
+              <a:t>ISTQB: Chapter 1.2.4 in Agile Tester Add-On: Continuous Integration &amp; In Chapter 1.2.4 in Agile Tester extension: Benefits of Continuous </a:t>
+            </a:r>
+            <a:r>
+              <a:rPr lang="en-US" dirty="0" smtClean="0"/>
+              <a:t>Integration, </a:t>
+            </a:r>
+            <a:r>
+              <a:rPr lang="en-US" dirty="0" smtClean="0"/>
+              <a:t>2014</a:t>
+            </a:r>
+          </a:p>
+          <a:p>
+            <a:r>
+              <a:rPr lang="en-US" dirty="0">
+                <a:hlinkClick r:id="rId4"/>
+              </a:rPr>
+              <a:t>https://</a:t>
+            </a:r>
+            <a:r>
+              <a:rPr lang="en-US" dirty="0" smtClean="0">
+                <a:hlinkClick r:id="rId4"/>
+              </a:rPr>
+              <a:t>www.quora.com/What-is-Jenkins-When-and-why-is-it-used</a:t>
+            </a:r>
+            <a:endParaRPr lang="en-US" dirty="0" smtClean="0"/>
+          </a:p>
+          <a:p>
+            <a:endParaRPr lang="en-US" dirty="0" smtClean="0"/>
+          </a:p>
+          <a:p>
             <a:endParaRPr lang="en-US" dirty="0" smtClean="0"/>
           </a:p>
           <a:p>
@@ -16818,7 +25054,7 @@
           <a:p>
             <a:fld id="{A0ECE5F2-81AA-4605-B028-6FBA391056AF}" type="slidenum">
               <a:rPr lang="pt-PT" smtClean="0"/>
-              <a:t>11</a:t>
+              <a:t>14</a:t>
             </a:fld>
             <a:endParaRPr lang="pt-PT"/>
           </a:p>
@@ -16833,7 +25069,7 @@
           <p:nvPr/>
         </p:nvPicPr>
         <p:blipFill>
-          <a:blip r:embed="rId3" cstate="print">
+          <a:blip r:embed="rId5" cstate="print">
             <a:extLst>
               <a:ext uri="{28A0092B-C50C-407E-A947-70E740481C1C}">
                 <a14:useLocalDpi xmlns:a14="http://schemas.microsoft.com/office/drawing/2010/main" val="0"/>
@@ -17376,39 +25612,42 @@
         </p:nvSpPr>
         <p:spPr>
           <a:xfrm>
-            <a:off x="1154954" y="2348879"/>
-            <a:ext cx="9495984" cy="3888433"/>
+            <a:off x="561111" y="2348880"/>
+            <a:ext cx="11080426" cy="3744417"/>
           </a:xfrm>
         </p:spPr>
         <p:txBody>
           <a:bodyPr>
-            <a:normAutofit fontScale="85000" lnSpcReduction="20000"/>
+            <a:normAutofit fontScale="92500" lnSpcReduction="10000"/>
           </a:bodyPr>
           <a:lstStyle/>
+          <a:p>
+            <a:pPr marL="0" indent="0" algn="ctr">
+              <a:buNone/>
+            </a:pPr>
+            <a:r>
+              <a:rPr lang="en-US" b="1" dirty="0"/>
+              <a:t>Each change on the code base or configuration is verified by an automated build and test, allowing teams to detect problems </a:t>
+            </a:r>
+            <a:r>
+              <a:rPr lang="en-US" b="1" dirty="0" smtClean="0"/>
+              <a:t>early!</a:t>
+            </a:r>
+          </a:p>
           <a:p>
             <a:pPr marL="0" indent="0">
               <a:buNone/>
             </a:pPr>
-            <a:r>
-              <a:rPr lang="en-US" b="1" dirty="0"/>
-              <a:t>Each change on the code base or configuration is verified by an automated build and test, allowing teams to detect problems </a:t>
-            </a:r>
-            <a:r>
-              <a:rPr lang="en-US" b="1" dirty="0" smtClean="0"/>
-              <a:t>early!</a:t>
-            </a:r>
             <a:endParaRPr lang="en-US" b="1" dirty="0"/>
           </a:p>
           <a:p>
             <a:r>
+              <a:rPr lang="en-US" dirty="0" smtClean="0"/>
+              <a:t>By </a:t>
+            </a:r>
+            <a:r>
               <a:rPr lang="en-US" dirty="0"/>
-              <a:t>The working code is committed and tested frequently, the team always knows if the code is working or not</a:t>
-            </a:r>
-          </a:p>
-          <a:p>
-            <a:r>
-              <a:rPr lang="en-US" dirty="0"/>
-              <a:t>By integrating regularly, errors are detected quickly, and can be located and analyzed more easily</a:t>
+              <a:t>integrating regularly, errors are detected quickly, and can be located and analyzed more easily</a:t>
             </a:r>
           </a:p>
           <a:p>
@@ -17419,14 +25658,12 @@
           </a:p>
           <a:p>
             <a:r>
+              <a:rPr lang="en-US" dirty="0" smtClean="0"/>
+              <a:t>Making </a:t>
+            </a:r>
+            <a:r>
               <a:rPr lang="en-US" dirty="0"/>
-              <a:t>Provides confidence that the next sprint is based on a solid foundation</a:t>
-            </a:r>
-          </a:p>
-          <a:p>
-            <a:r>
-              <a:rPr lang="en-US" dirty="0"/>
-              <a:t>Making progress is visible and encourages developers and testers</a:t>
+              <a:t>progress is visible and encourages developers and testers</a:t>
             </a:r>
           </a:p>
           <a:p>
@@ -17540,11 +25777,21 @@
             <p:ph idx="1"/>
           </p:nvPr>
         </p:nvSpPr>
-        <p:spPr/>
+        <p:spPr>
+          <a:xfrm>
+            <a:off x="1154954" y="2492896"/>
+            <a:ext cx="8761413" cy="3416300"/>
+          </a:xfrm>
+        </p:spPr>
         <p:txBody>
           <a:bodyPr/>
           <a:lstStyle/>
           <a:p>
+            <a:pPr>
+              <a:lnSpc>
+                <a:spcPct val="150000"/>
+              </a:lnSpc>
+            </a:pPr>
             <a:r>
               <a:rPr lang="en-US" dirty="0" smtClean="0"/>
               <a:t>Some examples of CI Tools:</a:t>
@@ -17552,7 +25799,11 @@
             <a:endParaRPr lang="en-US" dirty="0"/>
           </a:p>
           <a:p>
-            <a:pPr lvl="1"/>
+            <a:pPr lvl="1">
+              <a:lnSpc>
+                <a:spcPct val="150000"/>
+              </a:lnSpc>
+            </a:pPr>
             <a:r>
               <a:rPr lang="en-US" dirty="0" smtClean="0"/>
               <a:t>JENKINS</a:t>
@@ -17560,7 +25811,11 @@
             <a:endParaRPr lang="en-US" dirty="0"/>
           </a:p>
           <a:p>
-            <a:pPr lvl="1"/>
+            <a:pPr lvl="1">
+              <a:lnSpc>
+                <a:spcPct val="150000"/>
+              </a:lnSpc>
+            </a:pPr>
             <a:r>
               <a:rPr lang="en-US" dirty="0" smtClean="0"/>
               <a:t>TRAVIS</a:t>
@@ -17568,7 +25823,11 @@
             <a:endParaRPr lang="en-US" dirty="0"/>
           </a:p>
           <a:p>
-            <a:pPr lvl="1"/>
+            <a:pPr lvl="1">
+              <a:lnSpc>
+                <a:spcPct val="150000"/>
+              </a:lnSpc>
+            </a:pPr>
             <a:r>
               <a:rPr lang="en-US" dirty="0" smtClean="0"/>
               <a:t>BAMBOO</a:t>
@@ -17576,7 +25835,11 @@
             <a:endParaRPr lang="en-US" dirty="0"/>
           </a:p>
           <a:p>
-            <a:pPr lvl="1"/>
+            <a:pPr lvl="1">
+              <a:lnSpc>
+                <a:spcPct val="150000"/>
+              </a:lnSpc>
+            </a:pPr>
             <a:r>
               <a:rPr lang="en-US" dirty="0" smtClean="0"/>
               <a:t>CODESHIP</a:t>
@@ -17654,6 +25917,36 @@
           </a:p>
         </p:txBody>
       </p:sp>
+      <p:pic>
+        <p:nvPicPr>
+          <p:cNvPr id="7" name="Picture 6"/>
+          <p:cNvPicPr>
+            <a:picLocks noChangeAspect="1"/>
+          </p:cNvPicPr>
+          <p:nvPr/>
+        </p:nvPicPr>
+        <p:blipFill>
+          <a:blip r:embed="rId3">
+            <a:extLst>
+              <a:ext uri="{28A0092B-C50C-407E-A947-70E740481C1C}">
+                <a14:useLocalDpi xmlns:a14="http://schemas.microsoft.com/office/drawing/2010/main" val="0"/>
+              </a:ext>
+            </a:extLst>
+          </a:blip>
+          <a:stretch>
+            <a:fillRect/>
+          </a:stretch>
+        </p:blipFill>
+        <p:spPr>
+          <a:xfrm>
+            <a:off x="6168008" y="1484784"/>
+            <a:ext cx="5544616" cy="4985897"/>
+          </a:xfrm>
+          <a:prstGeom prst="rect">
+            <a:avLst/>
+          </a:prstGeom>
+        </p:spPr>
+      </p:pic>
     </p:spTree>
     <p:extLst>
       <p:ext uri="{BB962C8B-B14F-4D97-AF65-F5344CB8AC3E}">
@@ -17715,50 +26008,155 @@
         </p:nvSpPr>
         <p:spPr>
           <a:xfrm>
-            <a:off x="1154954" y="2348881"/>
-            <a:ext cx="10035785" cy="4042958"/>
+            <a:off x="561110" y="2348880"/>
+            <a:ext cx="11080426" cy="3622681"/>
           </a:xfrm>
         </p:spPr>
         <p:txBody>
-          <a:bodyPr/>
+          <a:bodyPr>
+            <a:normAutofit/>
+          </a:bodyPr>
           <a:lstStyle/>
           <a:p>
+            <a:pPr>
+              <a:lnSpc>
+                <a:spcPct val="150000"/>
+              </a:lnSpc>
+            </a:pPr>
             <a:r>
               <a:rPr lang="en-US" dirty="0" smtClean="0"/>
-              <a:t>open </a:t>
+              <a:t>Open </a:t>
             </a:r>
             <a:r>
               <a:rPr lang="en-US" dirty="0"/>
-              <a:t>source automation server. </a:t>
+              <a:t>source automation </a:t>
+            </a:r>
+            <a:r>
+              <a:rPr lang="en-US" dirty="0" smtClean="0"/>
+              <a:t>server</a:t>
             </a:r>
             <a:endParaRPr lang="en-US" dirty="0" smtClean="0"/>
           </a:p>
           <a:p>
+            <a:pPr>
+              <a:lnSpc>
+                <a:spcPct val="150000"/>
+              </a:lnSpc>
+            </a:pPr>
+            <a:r>
+              <a:rPr lang="en-US" dirty="0"/>
+              <a:t>M</a:t>
+            </a:r>
             <a:r>
               <a:rPr lang="en-US" dirty="0" smtClean="0"/>
-              <a:t>With </a:t>
+              <a:t>anages </a:t>
             </a:r>
             <a:r>
               <a:rPr lang="en-US" dirty="0"/>
-              <a:t>Jenkins, organizations can accelerate the software development process through automation. Jenkins manages and controls development lifecycle processes of all kinds, including build, document, test, package, stage, deployment, static analysis and many more</a:t>
+              <a:t>and controls development lifecycle </a:t>
             </a:r>
             <a:r>
               <a:rPr lang="en-US" dirty="0" smtClean="0"/>
-              <a:t>.</a:t>
-            </a:r>
-          </a:p>
-          <a:p>
+              <a:t>processes, </a:t>
+            </a:r>
             <a:r>
               <a:rPr lang="en-US" dirty="0"/>
-              <a:t>You can set up Jenkins to watch for any code changes in places like SVN and </a:t>
-            </a:r>
-            <a:r>
-              <a:rPr lang="en-US" dirty="0" err="1"/>
-              <a:t>Git</a:t>
+              <a:t>including build, document, </a:t>
+            </a:r>
+            <a:r>
+              <a:rPr lang="en-US" dirty="0" smtClean="0"/>
+              <a:t>test, </a:t>
             </a:r>
             <a:r>
               <a:rPr lang="en-US" dirty="0"/>
-              <a:t>, automatically do a build with tools like Ant and Maven, initiate tests and then take actions like rolling back or rolling forward in production.</a:t>
+              <a:t>deployment, static analysis and </a:t>
+            </a:r>
+            <a:r>
+              <a:rPr lang="en-US" dirty="0" smtClean="0"/>
+              <a:t>others</a:t>
+            </a:r>
+            <a:endParaRPr lang="en-US" dirty="0" smtClean="0"/>
+          </a:p>
+          <a:p>
+            <a:pPr>
+              <a:lnSpc>
+                <a:spcPct val="150000"/>
+              </a:lnSpc>
+            </a:pPr>
+            <a:r>
+              <a:rPr lang="en-US" dirty="0"/>
+              <a:t>C</a:t>
+            </a:r>
+            <a:r>
+              <a:rPr lang="en-US" dirty="0" smtClean="0"/>
+              <a:t>an be set up </a:t>
+            </a:r>
+            <a:r>
+              <a:rPr lang="en-US" dirty="0"/>
+              <a:t>to watch for any code changes </a:t>
+            </a:r>
+            <a:r>
+              <a:rPr lang="en-US" dirty="0" smtClean="0"/>
+              <a:t>- in </a:t>
+            </a:r>
+            <a:r>
+              <a:rPr lang="en-US" dirty="0"/>
+              <a:t>places like SVN and </a:t>
+            </a:r>
+            <a:r>
+              <a:rPr lang="en-US" dirty="0" smtClean="0"/>
+              <a:t>GitHub</a:t>
+            </a:r>
+            <a:endParaRPr lang="en-US" dirty="0"/>
+          </a:p>
+          <a:p>
+            <a:pPr>
+              <a:lnSpc>
+                <a:spcPct val="150000"/>
+              </a:lnSpc>
+            </a:pPr>
+            <a:r>
+              <a:rPr lang="en-US" dirty="0"/>
+              <a:t>A</a:t>
+            </a:r>
+            <a:r>
+              <a:rPr lang="en-US" dirty="0" smtClean="0"/>
+              <a:t>utomatically </a:t>
+            </a:r>
+            <a:r>
+              <a:rPr lang="en-US" dirty="0"/>
+              <a:t>do a </a:t>
+            </a:r>
+            <a:r>
+              <a:rPr lang="en-US" dirty="0" smtClean="0"/>
+              <a:t>build - with </a:t>
+            </a:r>
+            <a:r>
+              <a:rPr lang="en-US" dirty="0"/>
+              <a:t>tools like Ant and </a:t>
+            </a:r>
+            <a:r>
+              <a:rPr lang="en-US" dirty="0" smtClean="0"/>
+              <a:t>Maven</a:t>
+            </a:r>
+          </a:p>
+          <a:p>
+            <a:pPr>
+              <a:lnSpc>
+                <a:spcPct val="150000"/>
+              </a:lnSpc>
+            </a:pPr>
+            <a:r>
+              <a:rPr lang="en-US" dirty="0" smtClean="0"/>
+              <a:t>Initiate </a:t>
+            </a:r>
+            <a:r>
+              <a:rPr lang="en-US" dirty="0"/>
+              <a:t>tests and then take actions like rolling back or rolling forward in </a:t>
+            </a:r>
+            <a:r>
+              <a:rPr lang="en-US" dirty="0" smtClean="0"/>
+              <a:t>production</a:t>
             </a:r>
             <a:endParaRPr lang="en-US" dirty="0"/>
           </a:p>
@@ -17935,19 +26333,21 @@
         </p:nvSpPr>
         <p:spPr>
           <a:xfrm>
-            <a:off x="1154954" y="2348881"/>
-            <a:ext cx="10035785" cy="4042958"/>
+            <a:off x="561111" y="2204864"/>
+            <a:ext cx="11080426" cy="4042958"/>
           </a:xfrm>
         </p:spPr>
         <p:txBody>
-          <a:bodyPr/>
+          <a:bodyPr>
+            <a:normAutofit/>
+          </a:bodyPr>
           <a:lstStyle/>
           <a:p>
             <a:pPr marL="0" indent="0">
               <a:buNone/>
             </a:pPr>
             <a:r>
-              <a:rPr lang="en-US" sz="2400" b="1" dirty="0" smtClean="0">
+              <a:rPr lang="en-US" sz="2000" b="1" dirty="0" smtClean="0">
                 <a:effectLst>
                   <a:outerShdw blurRad="38100" dist="38100" dir="2700000" algn="tl">
                     <a:srgbClr val="000000">
@@ -17956,15 +26356,10 @@
                   </a:outerShdw>
                 </a:effectLst>
               </a:rPr>
-              <a:t>Using Jenkins</a:t>
-            </a:r>
-          </a:p>
-          <a:p>
-            <a:pPr marL="0" indent="0">
-              <a:buNone/>
-            </a:pPr>
-            <a:r>
-              <a:rPr lang="en-US" sz="1600" b="1" dirty="0" smtClean="0">
+              <a:t>Using </a:t>
+            </a:r>
+            <a:r>
+              <a:rPr lang="en-US" sz="2000" b="1" dirty="0" smtClean="0">
                 <a:effectLst>
                   <a:outerShdw blurRad="38100" dist="38100" dir="2700000" algn="tl">
                     <a:srgbClr val="000000">
@@ -17973,23 +26368,13 @@
                   </a:outerShdw>
                 </a:effectLst>
               </a:rPr>
+              <a:t>Jenkins: </a:t>
+            </a:r>
+            <a:r>
+              <a:rPr lang="en-US" sz="1600" b="1" dirty="0" smtClean="0"/>
               <a:t>REAL TESTIMONIES</a:t>
             </a:r>
-          </a:p>
-          <a:p>
-            <a:pPr lvl="1"/>
-            <a:r>
-              <a:rPr lang="en-US" sz="1400" dirty="0" smtClean="0"/>
-              <a:t>Xxx</a:t>
-            </a:r>
-          </a:p>
-          <a:p>
-            <a:pPr lvl="1"/>
-            <a:r>
-              <a:rPr lang="en-US" sz="1400" dirty="0" smtClean="0"/>
-              <a:t>xx</a:t>
-            </a:r>
-            <a:endParaRPr lang="en-US" sz="1400" dirty="0"/>
+            <a:endParaRPr lang="en-US" sz="1600" b="1" dirty="0" smtClean="0"/>
           </a:p>
         </p:txBody>
       </p:sp>
@@ -18103,6 +26488,28 @@
           </a:extLst>
         </p:spPr>
       </p:pic>
+      <p:graphicFrame>
+        <p:nvGraphicFramePr>
+          <p:cNvPr id="2" name="Diagram 1"/>
+          <p:cNvGraphicFramePr/>
+          <p:nvPr>
+            <p:extLst>
+              <p:ext uri="{D42A27DB-BD31-4B8C-83A1-F6EECF244321}">
+                <p14:modId xmlns:p14="http://schemas.microsoft.com/office/powerpoint/2010/main" val="745041356"/>
+              </p:ext>
+            </p:extLst>
+          </p:nvPr>
+        </p:nvGraphicFramePr>
+        <p:xfrm>
+          <a:off x="3071664" y="2256817"/>
+          <a:ext cx="5688632" cy="4362645"/>
+        </p:xfrm>
+        <a:graphic>
+          <a:graphicData uri="http://schemas.openxmlformats.org/drawingml/2006/diagram">
+            <dgm:relIds xmlns:dgm="http://schemas.openxmlformats.org/drawingml/2006/diagram" xmlns:r="http://schemas.openxmlformats.org/officeDocument/2006/relationships" r:dm="rId4" r:lo="rId5" r:qs="rId6" r:cs="rId7"/>
+          </a:graphicData>
+        </a:graphic>
+      </p:graphicFrame>
     </p:spTree>
     <p:extLst>
       <p:ext uri="{BB962C8B-B14F-4D97-AF65-F5344CB8AC3E}">
@@ -18154,29 +26561,6 @@
       </p:grpSpPr>
       <p:sp>
         <p:nvSpPr>
-          <p:cNvPr id="2" name="Title 1"/>
-          <p:cNvSpPr>
-            <a:spLocks noGrp="1"/>
-          </p:cNvSpPr>
-          <p:nvPr>
-            <p:ph type="title"/>
-          </p:nvPr>
-        </p:nvSpPr>
-        <p:spPr/>
-        <p:txBody>
-          <a:bodyPr/>
-          <a:lstStyle/>
-          <a:p>
-            <a:r>
-              <a:rPr lang="en-US" dirty="0" smtClean="0"/>
-              <a:t>TRAVIS</a:t>
-            </a:r>
-            <a:endParaRPr lang="en-US" dirty="0"/>
-          </a:p>
-        </p:txBody>
-      </p:sp>
-      <p:sp>
-        <p:nvSpPr>
           <p:cNvPr id="3" name="Content Placeholder 2"/>
           <p:cNvSpPr>
             <a:spLocks noGrp="1"/>
@@ -18189,6 +26573,50 @@
         <p:txBody>
           <a:bodyPr/>
           <a:lstStyle/>
+          <a:p>
+            <a:r>
+              <a:rPr lang="en-US" dirty="0" smtClean="0"/>
+              <a:t>Hosted continuous integration server used to build and test software projects </a:t>
+            </a:r>
+            <a:r>
+              <a:rPr lang="en-US" dirty="0" err="1" smtClean="0"/>
+              <a:t>hosten</a:t>
+            </a:r>
+            <a:r>
+              <a:rPr lang="en-US" dirty="0" smtClean="0"/>
+              <a:t> at </a:t>
+            </a:r>
+            <a:r>
+              <a:rPr lang="en-US" dirty="0" err="1" smtClean="0"/>
+              <a:t>GitHub</a:t>
+            </a:r>
+            <a:r>
+              <a:rPr lang="en-US" dirty="0" smtClean="0"/>
+              <a:t>.</a:t>
+            </a:r>
+          </a:p>
+          <a:p>
+            <a:r>
+              <a:rPr lang="en-US" dirty="0" smtClean="0"/>
+              <a:t>No need to install or configure Travis. Commands are taken from a file named </a:t>
+            </a:r>
+            <a:r>
+              <a:rPr lang="en-US" i="1" dirty="0" err="1" smtClean="0"/>
+              <a:t>travis.yml</a:t>
+            </a:r>
+            <a:r>
+              <a:rPr lang="en-US" dirty="0"/>
+              <a:t> </a:t>
+            </a:r>
+            <a:r>
+              <a:rPr lang="en-US" dirty="0" err="1" smtClean="0"/>
+              <a:t>whitch</a:t>
+            </a:r>
+            <a:r>
+              <a:rPr lang="en-US" dirty="0" smtClean="0"/>
+              <a:t> sits along the project code.</a:t>
+            </a:r>
+          </a:p>
           <a:p>
             <a:endParaRPr lang="en-US" dirty="0"/>
           </a:p>
@@ -18263,10 +26691,77 @@
           </a:p>
         </p:txBody>
       </p:sp>
+      <p:pic>
+        <p:nvPicPr>
+          <p:cNvPr id="7" name="Picture 6"/>
+          <p:cNvPicPr>
+            <a:picLocks noChangeAspect="1"/>
+          </p:cNvPicPr>
+          <p:nvPr/>
+        </p:nvPicPr>
+        <p:blipFill>
+          <a:blip r:embed="rId3">
+            <a:extLst>
+              <a:ext uri="{BEBA8EAE-BF5A-486C-A8C5-ECC9F3942E4B}">
+                <a14:imgProps xmlns:a14="http://schemas.microsoft.com/office/drawing/2010/main">
+                  <a14:imgLayer r:embed="rId4">
+                    <a14:imgEffect>
+                      <a14:backgroundRemoval t="10000" b="92000" l="10000" r="74000">
+                        <a14:foregroundMark x1="43750" y1="86167" x2="43750" y2="86167"/>
+                        <a14:foregroundMark x1="47500" y1="89000" x2="47500" y2="89000"/>
+                        <a14:foregroundMark x1="54250" y1="90333" x2="54250" y2="90333"/>
+                        <a14:foregroundMark x1="58750" y1="89167" x2="58750" y2="89167"/>
+                        <a14:foregroundMark x1="64000" y1="89833" x2="64000" y2="89833"/>
+                        <a14:foregroundMark x1="37375" y1="89000" x2="37375" y2="89000"/>
+                      </a14:backgroundRemoval>
+                    </a14:imgEffect>
+                  </a14:imgLayer>
+                </a14:imgProps>
+              </a:ext>
+            </a:extLst>
+          </a:blip>
+          <a:stretch>
+            <a:fillRect/>
+          </a:stretch>
+        </p:blipFill>
+        <p:spPr>
+          <a:xfrm>
+            <a:off x="14739" y="382846"/>
+            <a:ext cx="3101432" cy="2326074"/>
+          </a:xfrm>
+          <a:prstGeom prst="rect">
+            <a:avLst/>
+          </a:prstGeom>
+        </p:spPr>
+      </p:pic>
+      <p:pic>
+        <p:nvPicPr>
+          <p:cNvPr id="9" name="Picture 8"/>
+          <p:cNvPicPr>
+            <a:picLocks noChangeAspect="1"/>
+          </p:cNvPicPr>
+          <p:nvPr/>
+        </p:nvPicPr>
+        <p:blipFill>
+          <a:blip r:embed="rId5"/>
+          <a:stretch>
+            <a:fillRect/>
+          </a:stretch>
+        </p:blipFill>
+        <p:spPr>
+          <a:xfrm>
+            <a:off x="1929655" y="4090666"/>
+            <a:ext cx="8841984" cy="1677815"/>
+          </a:xfrm>
+          <a:prstGeom prst="rect">
+            <a:avLst/>
+          </a:prstGeom>
+        </p:spPr>
+      </p:pic>
     </p:spTree>
     <p:extLst>
       <p:ext uri="{BB962C8B-B14F-4D97-AF65-F5344CB8AC3E}">
-        <p14:creationId xmlns:p14="http://schemas.microsoft.com/office/powerpoint/2010/main" val="1511145347"/>
+        <p14:creationId xmlns:p14="http://schemas.microsoft.com/office/powerpoint/2010/main" val="2127304738"/>
       </p:ext>
     </p:extLst>
   </p:cSld>
@@ -18314,22 +26809,89 @@
       </p:grpSpPr>
       <p:sp>
         <p:nvSpPr>
-          <p:cNvPr id="2" name="Title 1"/>
+          <p:cNvPr id="3" name="Content Placeholder 2"/>
           <p:cNvSpPr>
             <a:spLocks noGrp="1"/>
           </p:cNvSpPr>
           <p:nvPr>
-            <p:ph type="title"/>
+            <p:ph idx="1"/>
           </p:nvPr>
         </p:nvSpPr>
-        <p:spPr/>
+        <p:spPr>
+          <a:xfrm>
+            <a:off x="561111" y="2708920"/>
+            <a:ext cx="10503442" cy="3057748"/>
+          </a:xfrm>
+        </p:spPr>
         <p:txBody>
           <a:bodyPr/>
           <a:lstStyle/>
           <a:p>
+            <a:pPr>
+              <a:lnSpc>
+                <a:spcPct val="150000"/>
+              </a:lnSpc>
+            </a:pPr>
             <a:r>
               <a:rPr lang="en-US" dirty="0" smtClean="0"/>
-              <a:t>BAMBOO</a:t>
+              <a:t>Travis offers support for more that a dozen languages including C, C++, </a:t>
+            </a:r>
+            <a:r>
+              <a:rPr lang="en-US" dirty="0" err="1" smtClean="0"/>
+              <a:t>Erlang</a:t>
+            </a:r>
+            <a:r>
+              <a:rPr lang="en-US" dirty="0" smtClean="0"/>
+              <a:t>, Go, Haskell, Java, JavaScript, Perl, PHP, Python Ruby or Scala.</a:t>
+            </a:r>
+          </a:p>
+          <a:p>
+            <a:pPr>
+              <a:lnSpc>
+                <a:spcPct val="150000"/>
+              </a:lnSpc>
+            </a:pPr>
+            <a:r>
+              <a:rPr lang="en-US" dirty="0" smtClean="0"/>
+              <a:t>Travis is free for all public </a:t>
+            </a:r>
+            <a:r>
+              <a:rPr lang="en-US" dirty="0" err="1" smtClean="0"/>
+              <a:t>GitHub</a:t>
+            </a:r>
+            <a:r>
+              <a:rPr lang="en-US" dirty="0" smtClean="0"/>
+              <a:t> repos, however, it’s pretty expensive for commercial plans.</a:t>
+            </a:r>
+          </a:p>
+          <a:p>
+            <a:pPr>
+              <a:lnSpc>
+                <a:spcPct val="150000"/>
+              </a:lnSpc>
+            </a:pPr>
+            <a:r>
+              <a:rPr lang="en-US" dirty="0" smtClean="0"/>
+              <a:t>Travis only supports </a:t>
+            </a:r>
+            <a:r>
+              <a:rPr lang="en-US" dirty="0" err="1" smtClean="0"/>
+              <a:t>GitHub</a:t>
+            </a:r>
+            <a:r>
+              <a:rPr lang="en-US" dirty="0" smtClean="0"/>
+              <a:t>. No other version control software.</a:t>
+            </a:r>
+          </a:p>
+          <a:p>
+            <a:pPr>
+              <a:lnSpc>
+                <a:spcPct val="150000"/>
+              </a:lnSpc>
+            </a:pPr>
+            <a:r>
+              <a:rPr lang="en-US" dirty="0" smtClean="0"/>
+              <a:t>Running tests on Windows is not currently supported</a:t>
             </a:r>
             <a:endParaRPr lang="en-US" dirty="0"/>
           </a:p>
@@ -18337,7 +26899,7 @@
       </p:sp>
       <p:sp>
         <p:nvSpPr>
-          <p:cNvPr id="3" name="Date Placeholder 2"/>
+          <p:cNvPr id="4" name="Date Placeholder 3"/>
           <p:cNvSpPr>
             <a:spLocks noGrp="1"/>
           </p:cNvSpPr>
@@ -18360,7 +26922,7 @@
       </p:sp>
       <p:sp>
         <p:nvSpPr>
-          <p:cNvPr id="4" name="Footer Placeholder 3"/>
+          <p:cNvPr id="5" name="Footer Placeholder 4"/>
           <p:cNvSpPr>
             <a:spLocks noGrp="1"/>
           </p:cNvSpPr>
@@ -18383,7 +26945,7 @@
       </p:sp>
       <p:sp>
         <p:nvSpPr>
-          <p:cNvPr id="5" name="Slide Number Placeholder 4"/>
+          <p:cNvPr id="6" name="Slide Number Placeholder 5"/>
           <p:cNvSpPr>
             <a:spLocks noGrp="1"/>
           </p:cNvSpPr>
@@ -18404,29 +26966,149 @@
           </a:p>
         </p:txBody>
       </p:sp>
-      <p:sp>
-        <p:nvSpPr>
-          <p:cNvPr id="7" name="Content Placeholder 6"/>
-          <p:cNvSpPr>
-            <a:spLocks noGrp="1"/>
-          </p:cNvSpPr>
-          <p:nvPr>
-            <p:ph idx="1"/>
-          </p:nvPr>
-        </p:nvSpPr>
-        <p:spPr/>
-        <p:txBody>
-          <a:bodyPr/>
-          <a:lstStyle/>
-          <a:p>
-            <a:endParaRPr lang="pt-PT"/>
-          </a:p>
-        </p:txBody>
-      </p:sp>
+      <p:pic>
+        <p:nvPicPr>
+          <p:cNvPr id="7" name="Picture 6"/>
+          <p:cNvPicPr>
+            <a:picLocks noChangeAspect="1"/>
+          </p:cNvPicPr>
+          <p:nvPr/>
+        </p:nvPicPr>
+        <p:blipFill>
+          <a:blip r:embed="rId3">
+            <a:extLst>
+              <a:ext uri="{BEBA8EAE-BF5A-486C-A8C5-ECC9F3942E4B}">
+                <a14:imgProps xmlns:a14="http://schemas.microsoft.com/office/drawing/2010/main">
+                  <a14:imgLayer r:embed="rId4">
+                    <a14:imgEffect>
+                      <a14:backgroundRemoval t="10000" b="92000" l="10000" r="74000">
+                        <a14:foregroundMark x1="43750" y1="86167" x2="43750" y2="86167"/>
+                        <a14:foregroundMark x1="47500" y1="89000" x2="47500" y2="89000"/>
+                        <a14:foregroundMark x1="54250" y1="90333" x2="54250" y2="90333"/>
+                        <a14:foregroundMark x1="58750" y1="89167" x2="58750" y2="89167"/>
+                        <a14:foregroundMark x1="64000" y1="89833" x2="64000" y2="89833"/>
+                        <a14:foregroundMark x1="37375" y1="89000" x2="37375" y2="89000"/>
+                      </a14:backgroundRemoval>
+                    </a14:imgEffect>
+                  </a14:imgLayer>
+                </a14:imgProps>
+              </a:ext>
+            </a:extLst>
+          </a:blip>
+          <a:stretch>
+            <a:fillRect/>
+          </a:stretch>
+        </p:blipFill>
+        <p:spPr>
+          <a:xfrm>
+            <a:off x="14739" y="382846"/>
+            <a:ext cx="3101432" cy="2326074"/>
+          </a:xfrm>
+          <a:prstGeom prst="rect">
+            <a:avLst/>
+          </a:prstGeom>
+        </p:spPr>
+      </p:pic>
+      <p:pic>
+        <p:nvPicPr>
+          <p:cNvPr id="8" name="Picture 7"/>
+          <p:cNvPicPr>
+            <a:picLocks noChangeAspect="1"/>
+          </p:cNvPicPr>
+          <p:nvPr/>
+        </p:nvPicPr>
+        <p:blipFill>
+          <a:blip r:embed="rId5"/>
+          <a:stretch>
+            <a:fillRect/>
+          </a:stretch>
+        </p:blipFill>
+        <p:spPr>
+          <a:xfrm>
+            <a:off x="10547053" y="3717032"/>
+            <a:ext cx="449171" cy="449171"/>
+          </a:xfrm>
+          <a:prstGeom prst="rect">
+            <a:avLst/>
+          </a:prstGeom>
+        </p:spPr>
+      </p:pic>
+      <p:pic>
+        <p:nvPicPr>
+          <p:cNvPr id="9" name="Picture 8"/>
+          <p:cNvPicPr>
+            <a:picLocks noChangeAspect="1"/>
+          </p:cNvPicPr>
+          <p:nvPr/>
+        </p:nvPicPr>
+        <p:blipFill>
+          <a:blip r:embed="rId5"/>
+          <a:stretch>
+            <a:fillRect/>
+          </a:stretch>
+        </p:blipFill>
+        <p:spPr>
+          <a:xfrm>
+            <a:off x="10547052" y="4569356"/>
+            <a:ext cx="449171" cy="449171"/>
+          </a:xfrm>
+          <a:prstGeom prst="rect">
+            <a:avLst/>
+          </a:prstGeom>
+        </p:spPr>
+      </p:pic>
+      <p:pic>
+        <p:nvPicPr>
+          <p:cNvPr id="10" name="Picture 9"/>
+          <p:cNvPicPr>
+            <a:picLocks noChangeAspect="1"/>
+          </p:cNvPicPr>
+          <p:nvPr/>
+        </p:nvPicPr>
+        <p:blipFill>
+          <a:blip r:embed="rId5"/>
+          <a:stretch>
+            <a:fillRect/>
+          </a:stretch>
+        </p:blipFill>
+        <p:spPr>
+          <a:xfrm>
+            <a:off x="10547051" y="5301007"/>
+            <a:ext cx="449171" cy="449171"/>
+          </a:xfrm>
+          <a:prstGeom prst="rect">
+            <a:avLst/>
+          </a:prstGeom>
+        </p:spPr>
+      </p:pic>
+      <p:pic>
+        <p:nvPicPr>
+          <p:cNvPr id="11" name="Picture 7"/>
+          <p:cNvPicPr>
+            <a:picLocks noChangeAspect="1"/>
+          </p:cNvPicPr>
+          <p:nvPr/>
+        </p:nvPicPr>
+        <p:blipFill>
+          <a:blip r:embed="rId5"/>
+          <a:stretch>
+            <a:fillRect/>
+          </a:stretch>
+        </p:blipFill>
+        <p:spPr>
+          <a:xfrm rot="10800000">
+            <a:off x="10547050" y="2824975"/>
+            <a:ext cx="449171" cy="449171"/>
+          </a:xfrm>
+          <a:prstGeom prst="rect">
+            <a:avLst/>
+          </a:prstGeom>
+        </p:spPr>
+      </p:pic>
     </p:spTree>
     <p:extLst>
       <p:ext uri="{BB962C8B-B14F-4D97-AF65-F5344CB8AC3E}">
-        <p14:creationId xmlns:p14="http://schemas.microsoft.com/office/powerpoint/2010/main" val="559315430"/>
+        <p14:creationId xmlns:p14="http://schemas.microsoft.com/office/powerpoint/2010/main" val="2417097286"/>
       </p:ext>
     </p:extLst>
   </p:cSld>
@@ -18474,29 +27156,6 @@
       </p:grpSpPr>
       <p:sp>
         <p:nvSpPr>
-          <p:cNvPr id="2" name="Title 1"/>
-          <p:cNvSpPr>
-            <a:spLocks noGrp="1"/>
-          </p:cNvSpPr>
-          <p:nvPr>
-            <p:ph type="title"/>
-          </p:nvPr>
-        </p:nvSpPr>
-        <p:spPr/>
-        <p:txBody>
-          <a:bodyPr/>
-          <a:lstStyle/>
-          <a:p>
-            <a:r>
-              <a:rPr lang="en-US" dirty="0" smtClean="0"/>
-              <a:t>CODESHIP</a:t>
-            </a:r>
-            <a:endParaRPr lang="en-US" dirty="0"/>
-          </a:p>
-        </p:txBody>
-      </p:sp>
-      <p:sp>
-        <p:nvSpPr>
           <p:cNvPr id="3" name="Date Placeholder 2"/>
           <p:cNvSpPr>
             <a:spLocks noGrp="1"/>
@@ -18564,9 +27223,79 @@
           </a:p>
         </p:txBody>
       </p:sp>
+      <p:pic>
+        <p:nvPicPr>
+          <p:cNvPr id="2050" name="Picture 2" descr="Resultado de imagem para atlassian bamboo icon"/>
+          <p:cNvPicPr>
+            <a:picLocks noChangeAspect="1" noChangeArrowheads="1"/>
+          </p:cNvPicPr>
+          <p:nvPr/>
+        </p:nvPicPr>
+        <p:blipFill>
+          <a:blip r:embed="rId3" cstate="print">
+            <a:extLst>
+              <a:ext uri="{28A0092B-C50C-407E-A947-70E740481C1C}">
+                <a14:useLocalDpi xmlns:a14="http://schemas.microsoft.com/office/drawing/2010/main" val="0"/>
+              </a:ext>
+            </a:extLst>
+          </a:blip>
+          <a:srcRect/>
+          <a:stretch>
+            <a:fillRect/>
+          </a:stretch>
+        </p:blipFill>
+        <p:spPr bwMode="auto">
+          <a:xfrm>
+            <a:off x="407368" y="295729"/>
+            <a:ext cx="3188468" cy="1983656"/>
+          </a:xfrm>
+          <a:prstGeom prst="rect">
+            <a:avLst/>
+          </a:prstGeom>
+          <a:noFill/>
+          <a:extLst>
+            <a:ext uri="{909E8E84-426E-40DD-AFC4-6F175D3DCCD1}">
+              <a14:hiddenFill xmlns:a14="http://schemas.microsoft.com/office/drawing/2010/main">
+                <a:solidFill>
+                  <a:srgbClr val="FFFFFF"/>
+                </a:solidFill>
+              </a14:hiddenFill>
+            </a:ext>
+          </a:extLst>
+        </p:spPr>
+      </p:pic>
       <p:sp>
         <p:nvSpPr>
-          <p:cNvPr id="7" name="Content Placeholder 6"/>
+          <p:cNvPr id="8" name="Title 1"/>
+          <p:cNvSpPr>
+            <a:spLocks noGrp="1"/>
+          </p:cNvSpPr>
+          <p:nvPr>
+            <p:ph type="title"/>
+          </p:nvPr>
+        </p:nvSpPr>
+        <p:spPr>
+          <a:xfrm>
+            <a:off x="0" y="1318217"/>
+            <a:ext cx="12192000" cy="728480"/>
+          </a:xfrm>
+        </p:spPr>
+        <p:txBody>
+          <a:bodyPr/>
+          <a:lstStyle/>
+          <a:p>
+            <a:pPr algn="ctr"/>
+            <a:r>
+              <a:rPr lang="en-US" b="1" dirty="0" smtClean="0"/>
+              <a:t>What is?</a:t>
+            </a:r>
+            <a:endParaRPr lang="en-US" b="1" dirty="0"/>
+          </a:p>
+        </p:txBody>
+      </p:sp>
+      <p:sp>
+        <p:nvSpPr>
+          <p:cNvPr id="2" name="Marcador de Posição de Conteúdo 1"/>
           <p:cNvSpPr>
             <a:spLocks noGrp="1"/>
           </p:cNvSpPr>
@@ -18574,19 +27303,188 @@
             <p:ph idx="1"/>
           </p:nvPr>
         </p:nvSpPr>
-        <p:spPr/>
+        <p:spPr>
+          <a:xfrm>
+            <a:off x="561111" y="2693375"/>
+            <a:ext cx="9423322" cy="3284474"/>
+          </a:xfrm>
+        </p:spPr>
         <p:txBody>
-          <a:bodyPr/>
+          <a:bodyPr>
+            <a:normAutofit fontScale="92500" lnSpcReduction="10000"/>
+          </a:bodyPr>
           <a:lstStyle/>
           <a:p>
-            <a:endParaRPr lang="pt-PT"/>
+            <a:r>
+              <a:rPr lang="en-GB" dirty="0" smtClean="0"/>
+              <a:t>It is a CI developed by Atlassian (the maker of JIRA, Bitbucket, HipChat)</a:t>
+            </a:r>
+          </a:p>
+          <a:p>
+            <a:endParaRPr lang="en-GB" dirty="0" smtClean="0"/>
+          </a:p>
+          <a:p>
+            <a:r>
+              <a:rPr lang="en-GB" dirty="0" smtClean="0"/>
+              <a:t>It still is very young, released in May of 2016.</a:t>
+            </a:r>
+          </a:p>
+          <a:p>
+            <a:endParaRPr lang="en-GB" dirty="0"/>
+          </a:p>
+          <a:p>
+            <a:r>
+              <a:rPr lang="en-GB" dirty="0" smtClean="0"/>
+              <a:t>Not open source software.</a:t>
+            </a:r>
+          </a:p>
+          <a:p>
+            <a:endParaRPr lang="en-GB" dirty="0" smtClean="0"/>
+          </a:p>
+          <a:p>
+            <a:r>
+              <a:rPr lang="en-GB" dirty="0" smtClean="0"/>
+              <a:t>Written in Java – Multi-Platform Feature.</a:t>
+            </a:r>
+          </a:p>
+          <a:p>
+            <a:endParaRPr lang="en-GB" dirty="0" smtClean="0"/>
+          </a:p>
+          <a:p>
+            <a:r>
+              <a:rPr lang="en-GB" dirty="0" smtClean="0"/>
+              <a:t>No longer is a cloud-based platform, remaining as server-product only.</a:t>
+            </a:r>
+          </a:p>
+          <a:p>
+            <a:endParaRPr lang="en-GB" dirty="0"/>
           </a:p>
         </p:txBody>
       </p:sp>
+      <p:pic>
+        <p:nvPicPr>
+          <p:cNvPr id="9" name="Picture 7"/>
+          <p:cNvPicPr>
+            <a:picLocks noChangeAspect="1"/>
+          </p:cNvPicPr>
+          <p:nvPr/>
+        </p:nvPicPr>
+        <p:blipFill>
+          <a:blip r:embed="rId4"/>
+          <a:stretch>
+            <a:fillRect/>
+          </a:stretch>
+        </p:blipFill>
+        <p:spPr>
+          <a:xfrm>
+            <a:off x="10201767" y="3501008"/>
+            <a:ext cx="449171" cy="449171"/>
+          </a:xfrm>
+          <a:prstGeom prst="rect">
+            <a:avLst/>
+          </a:prstGeom>
+        </p:spPr>
+      </p:pic>
+      <p:pic>
+        <p:nvPicPr>
+          <p:cNvPr id="10" name="Picture 7"/>
+          <p:cNvPicPr>
+            <a:picLocks noChangeAspect="1"/>
+          </p:cNvPicPr>
+          <p:nvPr/>
+        </p:nvPicPr>
+        <p:blipFill>
+          <a:blip r:embed="rId4"/>
+          <a:stretch>
+            <a:fillRect/>
+          </a:stretch>
+        </p:blipFill>
+        <p:spPr>
+          <a:xfrm rot="10800000">
+            <a:off x="10171345" y="2611153"/>
+            <a:ext cx="449171" cy="449171"/>
+          </a:xfrm>
+          <a:prstGeom prst="rect">
+            <a:avLst/>
+          </a:prstGeom>
+        </p:spPr>
+      </p:pic>
+      <p:pic>
+        <p:nvPicPr>
+          <p:cNvPr id="11" name="Picture 7"/>
+          <p:cNvPicPr>
+            <a:picLocks noChangeAspect="1"/>
+          </p:cNvPicPr>
+          <p:nvPr/>
+        </p:nvPicPr>
+        <p:blipFill>
+          <a:blip r:embed="rId4"/>
+          <a:stretch>
+            <a:fillRect/>
+          </a:stretch>
+        </p:blipFill>
+        <p:spPr>
+          <a:xfrm rot="10295589">
+            <a:off x="10201766" y="4824817"/>
+            <a:ext cx="449171" cy="449171"/>
+          </a:xfrm>
+          <a:prstGeom prst="rect">
+            <a:avLst/>
+          </a:prstGeom>
+        </p:spPr>
+      </p:pic>
+      <p:pic>
+        <p:nvPicPr>
+          <p:cNvPr id="12" name="Picture 7"/>
+          <p:cNvPicPr>
+            <a:picLocks noChangeAspect="1"/>
+          </p:cNvPicPr>
+          <p:nvPr/>
+        </p:nvPicPr>
+        <p:blipFill>
+          <a:blip r:embed="rId4"/>
+          <a:stretch>
+            <a:fillRect/>
+          </a:stretch>
+        </p:blipFill>
+        <p:spPr>
+          <a:xfrm>
+            <a:off x="10173662" y="5604227"/>
+            <a:ext cx="449171" cy="449171"/>
+          </a:xfrm>
+          <a:prstGeom prst="rect">
+            <a:avLst/>
+          </a:prstGeom>
+        </p:spPr>
+      </p:pic>
+      <p:pic>
+        <p:nvPicPr>
+          <p:cNvPr id="15" name="Picture 7"/>
+          <p:cNvPicPr>
+            <a:picLocks noChangeAspect="1"/>
+          </p:cNvPicPr>
+          <p:nvPr/>
+        </p:nvPicPr>
+        <p:blipFill>
+          <a:blip r:embed="rId4"/>
+          <a:stretch>
+            <a:fillRect/>
+          </a:stretch>
+        </p:blipFill>
+        <p:spPr>
+          <a:xfrm>
+            <a:off x="10216017" y="4232749"/>
+            <a:ext cx="449171" cy="449171"/>
+          </a:xfrm>
+          <a:prstGeom prst="rect">
+            <a:avLst/>
+          </a:prstGeom>
+        </p:spPr>
+      </p:pic>
     </p:spTree>
     <p:extLst>
       <p:ext uri="{BB962C8B-B14F-4D97-AF65-F5344CB8AC3E}">
-        <p14:creationId xmlns:p14="http://schemas.microsoft.com/office/powerpoint/2010/main" val="3355858789"/>
+        <p14:creationId xmlns:p14="http://schemas.microsoft.com/office/powerpoint/2010/main" val="2161757026"/>
       </p:ext>
     </p:extLst>
   </p:cSld>

--- a/CI_TEAMC.pptx
+++ b/CI_TEAMC.pptx
@@ -1086,7 +1086,23 @@
         <a:p>
           <a:r>
             <a:rPr lang="pt-PT" sz="700" dirty="0" smtClean="0"/>
-            <a:t>Too simplistic apresentation</a:t>
+            <a:t>Too </a:t>
+          </a:r>
+          <a:r>
+            <a:rPr lang="pt-PT" sz="700" dirty="0" err="1" smtClean="0"/>
+            <a:t>simplistic</a:t>
+          </a:r>
+          <a:r>
+            <a:rPr lang="pt-PT" sz="700" dirty="0" smtClean="0"/>
+            <a:t> </a:t>
+          </a:r>
+          <a:r>
+            <a:rPr lang="pt-PT" sz="700" dirty="0" smtClean="0"/>
+            <a:t>a </a:t>
+          </a:r>
+          <a:r>
+            <a:rPr lang="pt-PT" sz="700" dirty="0" err="1" smtClean="0"/>
+            <a:t>presentation</a:t>
           </a:r>
           <a:endParaRPr lang="pt-PT" sz="700" dirty="0"/>
         </a:p>
@@ -1382,7 +1398,23 @@
         <a:p>
           <a:r>
             <a:rPr lang="pt-PT" sz="700" dirty="0" smtClean="0"/>
-            <a:t>Possibility to do “nightly builds” – good to big projects</a:t>
+            <a:t>Possibility to do “nightly builds” – </a:t>
+          </a:r>
+          <a:r>
+            <a:rPr lang="pt-PT" sz="700" dirty="0" err="1" smtClean="0"/>
+            <a:t>good</a:t>
+          </a:r>
+          <a:r>
+            <a:rPr lang="pt-PT" sz="700" dirty="0" smtClean="0"/>
+            <a:t> </a:t>
+          </a:r>
+          <a:r>
+            <a:rPr lang="pt-PT" sz="700" dirty="0" smtClean="0"/>
+            <a:t>for </a:t>
+          </a:r>
+          <a:r>
+            <a:rPr lang="pt-PT" sz="700" dirty="0" smtClean="0"/>
+            <a:t>big projects</a:t>
           </a:r>
           <a:endParaRPr lang="pt-PT" sz="700" dirty="0"/>
         </a:p>
@@ -1499,6 +1531,13 @@
         </dgm:presLayoutVars>
       </dgm:prSet>
       <dgm:spPr/>
+      <dgm:t>
+        <a:bodyPr/>
+        <a:lstStyle/>
+        <a:p>
+          <a:endParaRPr lang="pt-PT"/>
+        </a:p>
+      </dgm:t>
     </dgm:pt>
     <dgm:pt modelId="{95A8F5A5-B508-4717-9764-313C12304A7F}" type="pres">
       <dgm:prSet presAssocID="{D23EB86A-71BB-4A40-A569-8B77FDBE02FA}" presName="root" presStyleCnt="0"/>
@@ -1522,6 +1561,13 @@
     <dgm:pt modelId="{A75A51E0-87EF-40A0-961A-12248580B45C}" type="pres">
       <dgm:prSet presAssocID="{D23EB86A-71BB-4A40-A569-8B77FDBE02FA}" presName="rootConnector" presStyleLbl="node1" presStyleIdx="0" presStyleCnt="2"/>
       <dgm:spPr/>
+      <dgm:t>
+        <a:bodyPr/>
+        <a:lstStyle/>
+        <a:p>
+          <a:endParaRPr lang="pt-PT"/>
+        </a:p>
+      </dgm:t>
     </dgm:pt>
     <dgm:pt modelId="{1B77CE49-E1AC-4350-AE31-A44BBBD23FA4}" type="pres">
       <dgm:prSet presAssocID="{D23EB86A-71BB-4A40-A569-8B77FDBE02FA}" presName="childShape" presStyleCnt="0"/>
@@ -1530,6 +1576,13 @@
     <dgm:pt modelId="{36E41940-D6AE-4B61-9614-578943ADDEBE}" type="pres">
       <dgm:prSet presAssocID="{1D5B013C-3814-4DBA-A114-793515C3A175}" presName="Name13" presStyleLbl="parChTrans1D2" presStyleIdx="0" presStyleCnt="13"/>
       <dgm:spPr/>
+      <dgm:t>
+        <a:bodyPr/>
+        <a:lstStyle/>
+        <a:p>
+          <a:endParaRPr lang="pt-PT"/>
+        </a:p>
+      </dgm:t>
     </dgm:pt>
     <dgm:pt modelId="{62B5FB75-42A9-43BC-8FD2-7AB5067B12F7}" type="pres">
       <dgm:prSet presAssocID="{E37FFE57-7D3E-4712-B6FD-24123D60E026}" presName="childText" presStyleLbl="bgAcc1" presStyleIdx="0" presStyleCnt="13" custScaleX="121000" custScaleY="121000">
@@ -1538,10 +1591,24 @@
         </dgm:presLayoutVars>
       </dgm:prSet>
       <dgm:spPr/>
+      <dgm:t>
+        <a:bodyPr/>
+        <a:lstStyle/>
+        <a:p>
+          <a:endParaRPr lang="pt-PT"/>
+        </a:p>
+      </dgm:t>
     </dgm:pt>
     <dgm:pt modelId="{E91EC1B8-A184-48D1-9A69-E934B5C7B28A}" type="pres">
       <dgm:prSet presAssocID="{3839A656-D98B-47E9-A658-DF73304CEB18}" presName="Name13" presStyleLbl="parChTrans1D2" presStyleIdx="1" presStyleCnt="13"/>
       <dgm:spPr/>
+      <dgm:t>
+        <a:bodyPr/>
+        <a:lstStyle/>
+        <a:p>
+          <a:endParaRPr lang="pt-PT"/>
+        </a:p>
+      </dgm:t>
     </dgm:pt>
     <dgm:pt modelId="{4BFBAF82-2A9D-4DC1-A988-0880718FA259}" type="pres">
       <dgm:prSet presAssocID="{C1E12F4A-6EB8-4EF1-9A2E-60BEBFA81592}" presName="childText" presStyleLbl="bgAcc1" presStyleIdx="1" presStyleCnt="13" custScaleX="121000" custScaleY="121000">
@@ -1550,10 +1617,24 @@
         </dgm:presLayoutVars>
       </dgm:prSet>
       <dgm:spPr/>
+      <dgm:t>
+        <a:bodyPr/>
+        <a:lstStyle/>
+        <a:p>
+          <a:endParaRPr lang="pt-PT"/>
+        </a:p>
+      </dgm:t>
     </dgm:pt>
     <dgm:pt modelId="{6CF04F40-20BC-4EE2-A8E0-91CE9C5F4FA8}" type="pres">
       <dgm:prSet presAssocID="{37769943-29F6-4B68-A449-5DEE7577C941}" presName="Name13" presStyleLbl="parChTrans1D2" presStyleIdx="2" presStyleCnt="13"/>
       <dgm:spPr/>
+      <dgm:t>
+        <a:bodyPr/>
+        <a:lstStyle/>
+        <a:p>
+          <a:endParaRPr lang="pt-PT"/>
+        </a:p>
+      </dgm:t>
     </dgm:pt>
     <dgm:pt modelId="{7E81931F-3C81-4DB3-82D5-109D76282892}" type="pres">
       <dgm:prSet presAssocID="{EE83A711-B233-4784-8790-B3D0B5AA4273}" presName="childText" presStyleLbl="bgAcc1" presStyleIdx="2" presStyleCnt="13" custScaleX="121000" custScaleY="121000">
@@ -1562,10 +1643,24 @@
         </dgm:presLayoutVars>
       </dgm:prSet>
       <dgm:spPr/>
+      <dgm:t>
+        <a:bodyPr/>
+        <a:lstStyle/>
+        <a:p>
+          <a:endParaRPr lang="pt-PT"/>
+        </a:p>
+      </dgm:t>
     </dgm:pt>
     <dgm:pt modelId="{59F0254C-AFAD-4E3D-A8F7-6171D1D72BE5}" type="pres">
       <dgm:prSet presAssocID="{DA8DF7CA-1898-479A-AB8B-30F622A20386}" presName="Name13" presStyleLbl="parChTrans1D2" presStyleIdx="3" presStyleCnt="13"/>
       <dgm:spPr/>
+      <dgm:t>
+        <a:bodyPr/>
+        <a:lstStyle/>
+        <a:p>
+          <a:endParaRPr lang="pt-PT"/>
+        </a:p>
+      </dgm:t>
     </dgm:pt>
     <dgm:pt modelId="{8C1715B6-BA7B-438E-97EB-8AEC5ECBF87A}" type="pres">
       <dgm:prSet presAssocID="{D29747DE-81BE-44CC-ADFA-D349E8B24264}" presName="childText" presStyleLbl="bgAcc1" presStyleIdx="3" presStyleCnt="13" custScaleX="121000" custScaleY="121000">
@@ -1574,10 +1669,24 @@
         </dgm:presLayoutVars>
       </dgm:prSet>
       <dgm:spPr/>
+      <dgm:t>
+        <a:bodyPr/>
+        <a:lstStyle/>
+        <a:p>
+          <a:endParaRPr lang="pt-PT"/>
+        </a:p>
+      </dgm:t>
     </dgm:pt>
     <dgm:pt modelId="{B128F964-9EE8-46FF-B519-C8284E2BB040}" type="pres">
       <dgm:prSet presAssocID="{3F425AB1-C509-4C12-835D-8FB48463C56E}" presName="Name13" presStyleLbl="parChTrans1D2" presStyleIdx="4" presStyleCnt="13"/>
       <dgm:spPr/>
+      <dgm:t>
+        <a:bodyPr/>
+        <a:lstStyle/>
+        <a:p>
+          <a:endParaRPr lang="pt-PT"/>
+        </a:p>
+      </dgm:t>
     </dgm:pt>
     <dgm:pt modelId="{3548ED33-673B-47FB-8DF9-F219CFA710BC}" type="pres">
       <dgm:prSet presAssocID="{2B7155C7-BEBA-47E6-A611-578103620110}" presName="childText" presStyleLbl="bgAcc1" presStyleIdx="4" presStyleCnt="13" custScaleX="121000" custScaleY="121000">
@@ -1597,6 +1706,13 @@
     <dgm:pt modelId="{4A64C365-06C2-46B7-B947-59EF5BE39B6D}" type="pres">
       <dgm:prSet presAssocID="{27188142-555D-4CE0-8FCC-5EF4E1AE4524}" presName="Name13" presStyleLbl="parChTrans1D2" presStyleIdx="5" presStyleCnt="13"/>
       <dgm:spPr/>
+      <dgm:t>
+        <a:bodyPr/>
+        <a:lstStyle/>
+        <a:p>
+          <a:endParaRPr lang="pt-PT"/>
+        </a:p>
+      </dgm:t>
     </dgm:pt>
     <dgm:pt modelId="{831964B1-E01A-4C78-9158-C8D63428B7DA}" type="pres">
       <dgm:prSet presAssocID="{548E3DBA-F067-4E78-8538-35AFB2F1818B}" presName="childText" presStyleLbl="bgAcc1" presStyleIdx="5" presStyleCnt="13" custScaleX="121000" custScaleY="121000">
@@ -1616,6 +1732,13 @@
     <dgm:pt modelId="{CC93376A-112F-470C-A92E-6B9C4768A381}" type="pres">
       <dgm:prSet presAssocID="{D28794C1-D31F-40DE-AE24-412233A7CACB}" presName="Name13" presStyleLbl="parChTrans1D2" presStyleIdx="6" presStyleCnt="13"/>
       <dgm:spPr/>
+      <dgm:t>
+        <a:bodyPr/>
+        <a:lstStyle/>
+        <a:p>
+          <a:endParaRPr lang="pt-PT"/>
+        </a:p>
+      </dgm:t>
     </dgm:pt>
     <dgm:pt modelId="{A5E6D460-1049-4DD1-B5F1-BB5A03E46C6F}" type="pres">
       <dgm:prSet presAssocID="{52572F2B-AAE6-4BE9-9BBD-CB4C6B7CD675}" presName="childText" presStyleLbl="bgAcc1" presStyleIdx="6" presStyleCnt="13" custScaleX="121000" custScaleY="121000">
@@ -1624,6 +1747,13 @@
         </dgm:presLayoutVars>
       </dgm:prSet>
       <dgm:spPr/>
+      <dgm:t>
+        <a:bodyPr/>
+        <a:lstStyle/>
+        <a:p>
+          <a:endParaRPr lang="pt-PT"/>
+        </a:p>
+      </dgm:t>
     </dgm:pt>
     <dgm:pt modelId="{F9B07FBF-7938-4CD1-92ED-F072654300E9}" type="pres">
       <dgm:prSet presAssocID="{B66C6E76-A77D-4BAE-A190-E7C7B99630D5}" presName="root" presStyleCnt="0"/>
@@ -1636,10 +1766,24 @@
     <dgm:pt modelId="{2D6695BE-25C1-46C7-8352-964F3DB123E4}" type="pres">
       <dgm:prSet presAssocID="{B66C6E76-A77D-4BAE-A190-E7C7B99630D5}" presName="rootText" presStyleLbl="node1" presStyleIdx="1" presStyleCnt="2" custScaleX="133100" custScaleY="133100"/>
       <dgm:spPr/>
+      <dgm:t>
+        <a:bodyPr/>
+        <a:lstStyle/>
+        <a:p>
+          <a:endParaRPr lang="pt-PT"/>
+        </a:p>
+      </dgm:t>
     </dgm:pt>
     <dgm:pt modelId="{06CA16BD-3E66-4C53-92B0-52C52AD63648}" type="pres">
       <dgm:prSet presAssocID="{B66C6E76-A77D-4BAE-A190-E7C7B99630D5}" presName="rootConnector" presStyleLbl="node1" presStyleIdx="1" presStyleCnt="2"/>
       <dgm:spPr/>
+      <dgm:t>
+        <a:bodyPr/>
+        <a:lstStyle/>
+        <a:p>
+          <a:endParaRPr lang="pt-PT"/>
+        </a:p>
+      </dgm:t>
     </dgm:pt>
     <dgm:pt modelId="{9B28A051-41E6-4E39-9511-B5D88A12ABAA}" type="pres">
       <dgm:prSet presAssocID="{B66C6E76-A77D-4BAE-A190-E7C7B99630D5}" presName="childShape" presStyleCnt="0"/>
@@ -1648,6 +1792,13 @@
     <dgm:pt modelId="{665B2015-8348-4619-A88A-458FE46C5216}" type="pres">
       <dgm:prSet presAssocID="{7B27C1B8-5A68-42C8-A979-98E005722E76}" presName="Name13" presStyleLbl="parChTrans1D2" presStyleIdx="7" presStyleCnt="13"/>
       <dgm:spPr/>
+      <dgm:t>
+        <a:bodyPr/>
+        <a:lstStyle/>
+        <a:p>
+          <a:endParaRPr lang="pt-PT"/>
+        </a:p>
+      </dgm:t>
     </dgm:pt>
     <dgm:pt modelId="{6817C1B7-11FB-4758-B864-210D01678FDC}" type="pres">
       <dgm:prSet presAssocID="{49F53E7A-EFE3-49C9-BF91-10D4091DFF4B}" presName="childText" presStyleLbl="bgAcc1" presStyleIdx="7" presStyleCnt="13" custScaleX="121000" custScaleY="121000">
@@ -1667,6 +1818,13 @@
     <dgm:pt modelId="{0B3358E2-26D5-461E-AD31-7A4654034337}" type="pres">
       <dgm:prSet presAssocID="{8BD967C0-A55D-48F9-95B1-733E8F50B17C}" presName="Name13" presStyleLbl="parChTrans1D2" presStyleIdx="8" presStyleCnt="13"/>
       <dgm:spPr/>
+      <dgm:t>
+        <a:bodyPr/>
+        <a:lstStyle/>
+        <a:p>
+          <a:endParaRPr lang="pt-PT"/>
+        </a:p>
+      </dgm:t>
     </dgm:pt>
     <dgm:pt modelId="{0E7FBF3B-7D1F-4A68-8FFB-C953C781DE15}" type="pres">
       <dgm:prSet presAssocID="{26EAFC01-7D93-44D6-B927-7C773411E24C}" presName="childText" presStyleLbl="bgAcc1" presStyleIdx="8" presStyleCnt="13" custScaleX="121000" custScaleY="121000">
@@ -1686,6 +1844,13 @@
     <dgm:pt modelId="{2F157E92-6736-4A13-A6CB-BE96A53AFD9F}" type="pres">
       <dgm:prSet presAssocID="{E37E2F2F-CD39-482B-9878-0ED5657CF008}" presName="Name13" presStyleLbl="parChTrans1D2" presStyleIdx="9" presStyleCnt="13"/>
       <dgm:spPr/>
+      <dgm:t>
+        <a:bodyPr/>
+        <a:lstStyle/>
+        <a:p>
+          <a:endParaRPr lang="pt-PT"/>
+        </a:p>
+      </dgm:t>
     </dgm:pt>
     <dgm:pt modelId="{548B7762-B5B8-4C69-88AE-F72473B32CBC}" type="pres">
       <dgm:prSet presAssocID="{6D187876-D73A-4DA0-8A96-0B77CF7C51D8}" presName="childText" presStyleLbl="bgAcc1" presStyleIdx="9" presStyleCnt="13" custScaleX="121000" custScaleY="121000">
@@ -1705,6 +1870,13 @@
     <dgm:pt modelId="{D69BB881-E2F5-44B9-9DBD-6D90C7DB7496}" type="pres">
       <dgm:prSet presAssocID="{391C7100-F7CB-404F-9784-D4A0A18ED1F2}" presName="Name13" presStyleLbl="parChTrans1D2" presStyleIdx="10" presStyleCnt="13"/>
       <dgm:spPr/>
+      <dgm:t>
+        <a:bodyPr/>
+        <a:lstStyle/>
+        <a:p>
+          <a:endParaRPr lang="pt-PT"/>
+        </a:p>
+      </dgm:t>
     </dgm:pt>
     <dgm:pt modelId="{50E43E93-9EF6-4576-8695-D64977549991}" type="pres">
       <dgm:prSet presAssocID="{95D8C2BB-FFF3-4F61-8445-6BF1251A0DDC}" presName="childText" presStyleLbl="bgAcc1" presStyleIdx="10" presStyleCnt="13" custScaleX="121000" custScaleY="121000">
@@ -1724,6 +1896,13 @@
     <dgm:pt modelId="{4F01DEA1-6963-411C-B81A-F6998C0C045E}" type="pres">
       <dgm:prSet presAssocID="{1317B38D-2A30-4107-9F27-1500BCF7FC6F}" presName="Name13" presStyleLbl="parChTrans1D2" presStyleIdx="11" presStyleCnt="13"/>
       <dgm:spPr/>
+      <dgm:t>
+        <a:bodyPr/>
+        <a:lstStyle/>
+        <a:p>
+          <a:endParaRPr lang="pt-PT"/>
+        </a:p>
+      </dgm:t>
     </dgm:pt>
     <dgm:pt modelId="{5F110DA3-1DE8-4F12-A68F-86C4A5BF1E8C}" type="pres">
       <dgm:prSet presAssocID="{E4BAB214-F282-46A9-895A-D9BD0E84DB3F}" presName="childText" presStyleLbl="bgAcc1" presStyleIdx="11" presStyleCnt="13" custScaleX="121000" custScaleY="121000">
@@ -1743,6 +1922,13 @@
     <dgm:pt modelId="{42A4DB9D-6604-49D8-A581-EB7995E16BE9}" type="pres">
       <dgm:prSet presAssocID="{6D2CB1FD-153F-413A-9094-97A8C82D1A59}" presName="Name13" presStyleLbl="parChTrans1D2" presStyleIdx="12" presStyleCnt="13"/>
       <dgm:spPr/>
+      <dgm:t>
+        <a:bodyPr/>
+        <a:lstStyle/>
+        <a:p>
+          <a:endParaRPr lang="pt-PT"/>
+        </a:p>
+      </dgm:t>
     </dgm:pt>
     <dgm:pt modelId="{7FB5A010-9A56-4829-B858-D0D824AEF6AD}" type="pres">
       <dgm:prSet presAssocID="{EFA38823-71A3-47C6-B0F4-1CB6C01186B4}" presName="childText" presStyleLbl="bgAcc1" presStyleIdx="12" presStyleCnt="13" custScaleX="121000" custScaleY="121000">
@@ -1751,55 +1937,62 @@
         </dgm:presLayoutVars>
       </dgm:prSet>
       <dgm:spPr/>
+      <dgm:t>
+        <a:bodyPr/>
+        <a:lstStyle/>
+        <a:p>
+          <a:endParaRPr lang="pt-PT"/>
+        </a:p>
+      </dgm:t>
     </dgm:pt>
   </dgm:ptLst>
   <dgm:cxnLst>
+    <dgm:cxn modelId="{950CD349-9C7F-4583-8ED7-AE6EB571A6CD}" type="presOf" srcId="{DA8DF7CA-1898-479A-AB8B-30F622A20386}" destId="{59F0254C-AFAD-4E3D-A8F7-6171D1D72BE5}" srcOrd="0" destOrd="0" presId="urn:microsoft.com/office/officeart/2005/8/layout/hierarchy3"/>
+    <dgm:cxn modelId="{A2F9B0F4-AA78-4158-8B2E-635DF7ACED91}" type="presOf" srcId="{6D2CB1FD-153F-413A-9094-97A8C82D1A59}" destId="{42A4DB9D-6604-49D8-A581-EB7995E16BE9}" srcOrd="0" destOrd="0" presId="urn:microsoft.com/office/officeart/2005/8/layout/hierarchy3"/>
+    <dgm:cxn modelId="{A72944CA-EA98-4912-BD8E-D7A0B9B4AAED}" type="presOf" srcId="{E4BAB214-F282-46A9-895A-D9BD0E84DB3F}" destId="{5F110DA3-1DE8-4F12-A68F-86C4A5BF1E8C}" srcOrd="0" destOrd="0" presId="urn:microsoft.com/office/officeart/2005/8/layout/hierarchy3"/>
+    <dgm:cxn modelId="{E82A3251-91DA-4815-893B-2CB56E9913F8}" type="presOf" srcId="{37769943-29F6-4B68-A449-5DEE7577C941}" destId="{6CF04F40-20BC-4EE2-A8E0-91CE9C5F4FA8}" srcOrd="0" destOrd="0" presId="urn:microsoft.com/office/officeart/2005/8/layout/hierarchy3"/>
+    <dgm:cxn modelId="{C1C2960F-E59B-4440-A2DC-E6C8222CBDEE}" srcId="{D23EB86A-71BB-4A40-A569-8B77FDBE02FA}" destId="{C1E12F4A-6EB8-4EF1-9A2E-60BEBFA81592}" srcOrd="1" destOrd="0" parTransId="{3839A656-D98B-47E9-A658-DF73304CEB18}" sibTransId="{22D1E09B-DC05-4745-B8F2-30FA2BC8B359}"/>
+    <dgm:cxn modelId="{04D223AD-2624-412D-ADE6-DA2BEFC8FCB6}" type="presOf" srcId="{8BD967C0-A55D-48F9-95B1-733E8F50B17C}" destId="{0B3358E2-26D5-461E-AD31-7A4654034337}" srcOrd="0" destOrd="0" presId="urn:microsoft.com/office/officeart/2005/8/layout/hierarchy3"/>
+    <dgm:cxn modelId="{4FD3DC13-0721-431D-8738-4EDFC6E8A940}" type="presOf" srcId="{26EAFC01-7D93-44D6-B927-7C773411E24C}" destId="{0E7FBF3B-7D1F-4A68-8FFB-C953C781DE15}" srcOrd="0" destOrd="0" presId="urn:microsoft.com/office/officeart/2005/8/layout/hierarchy3"/>
+    <dgm:cxn modelId="{36B9DA8C-A689-4553-832D-61EB7B85622D}" srcId="{D23EB86A-71BB-4A40-A569-8B77FDBE02FA}" destId="{52572F2B-AAE6-4BE9-9BBD-CB4C6B7CD675}" srcOrd="6" destOrd="0" parTransId="{D28794C1-D31F-40DE-AE24-412233A7CACB}" sibTransId="{77A8EC62-DEC3-4292-ABC8-A6168E4C97F0}"/>
+    <dgm:cxn modelId="{7D6FF0F7-548D-4CE5-8A7E-1EB8380B0229}" type="presOf" srcId="{C1E12F4A-6EB8-4EF1-9A2E-60BEBFA81592}" destId="{4BFBAF82-2A9D-4DC1-A988-0880718FA259}" srcOrd="0" destOrd="0" presId="urn:microsoft.com/office/officeart/2005/8/layout/hierarchy3"/>
+    <dgm:cxn modelId="{E6C387B6-7931-4BB6-ABF0-EC9F8067348D}" type="presOf" srcId="{3839A656-D98B-47E9-A658-DF73304CEB18}" destId="{E91EC1B8-A184-48D1-9A69-E934B5C7B28A}" srcOrd="0" destOrd="0" presId="urn:microsoft.com/office/officeart/2005/8/layout/hierarchy3"/>
+    <dgm:cxn modelId="{4153DA9D-BE1A-43D1-84E0-B20DC04273A1}" type="presOf" srcId="{B66C6E76-A77D-4BAE-A190-E7C7B99630D5}" destId="{06CA16BD-3E66-4C53-92B0-52C52AD63648}" srcOrd="1" destOrd="0" presId="urn:microsoft.com/office/officeart/2005/8/layout/hierarchy3"/>
+    <dgm:cxn modelId="{6790B4E7-E0EE-41EB-945C-C376AB2B23D3}" type="presOf" srcId="{EFA38823-71A3-47C6-B0F4-1CB6C01186B4}" destId="{7FB5A010-9A56-4829-B858-D0D824AEF6AD}" srcOrd="0" destOrd="0" presId="urn:microsoft.com/office/officeart/2005/8/layout/hierarchy3"/>
+    <dgm:cxn modelId="{0B714DB5-1905-4C10-B2C3-52DE000CC7EE}" type="presOf" srcId="{2B7155C7-BEBA-47E6-A611-578103620110}" destId="{3548ED33-673B-47FB-8DF9-F219CFA710BC}" srcOrd="0" destOrd="0" presId="urn:microsoft.com/office/officeart/2005/8/layout/hierarchy3"/>
+    <dgm:cxn modelId="{4E9237CA-E46C-41CD-95BD-742F8950EEB9}" srcId="{B66C6E76-A77D-4BAE-A190-E7C7B99630D5}" destId="{95D8C2BB-FFF3-4F61-8445-6BF1251A0DDC}" srcOrd="3" destOrd="0" parTransId="{391C7100-F7CB-404F-9784-D4A0A18ED1F2}" sibTransId="{18C0857F-72C1-4B18-89F2-5D3B4F04A762}"/>
     <dgm:cxn modelId="{B9A282EA-EB5D-4740-A114-7A5FDEC3F13F}" type="presOf" srcId="{1D5B013C-3814-4DBA-A114-793515C3A175}" destId="{36E41940-D6AE-4B61-9614-578943ADDEBE}" srcOrd="0" destOrd="0" presId="urn:microsoft.com/office/officeart/2005/8/layout/hierarchy3"/>
+    <dgm:cxn modelId="{0FFF8C14-2898-4723-981D-EC8EE61DB3B7}" type="presOf" srcId="{548E3DBA-F067-4E78-8538-35AFB2F1818B}" destId="{831964B1-E01A-4C78-9158-C8D63428B7DA}" srcOrd="0" destOrd="0" presId="urn:microsoft.com/office/officeart/2005/8/layout/hierarchy3"/>
+    <dgm:cxn modelId="{9C9BE23E-6612-44C5-9CFE-9CC7832BF2A5}" srcId="{D23EB86A-71BB-4A40-A569-8B77FDBE02FA}" destId="{D29747DE-81BE-44CC-ADFA-D349E8B24264}" srcOrd="3" destOrd="0" parTransId="{DA8DF7CA-1898-479A-AB8B-30F622A20386}" sibTransId="{F71EDA71-5AF9-41DC-841C-C32CB38CA494}"/>
+    <dgm:cxn modelId="{63DAAF5A-D4FF-4C0A-9DE7-FE4E42A34343}" srcId="{B66C6E76-A77D-4BAE-A190-E7C7B99630D5}" destId="{6D187876-D73A-4DA0-8A96-0B77CF7C51D8}" srcOrd="2" destOrd="0" parTransId="{E37E2F2F-CD39-482B-9878-0ED5657CF008}" sibTransId="{EE27B221-B777-430B-861D-692C62998E99}"/>
+    <dgm:cxn modelId="{0DAEDA3B-FE33-4B1C-9C27-E2E206218952}" srcId="{D23EB86A-71BB-4A40-A569-8B77FDBE02FA}" destId="{2B7155C7-BEBA-47E6-A611-578103620110}" srcOrd="4" destOrd="0" parTransId="{3F425AB1-C509-4C12-835D-8FB48463C56E}" sibTransId="{838E31E3-BBA0-4DFD-8508-33E3D64F2DF2}"/>
+    <dgm:cxn modelId="{126129EF-FD55-4092-A572-7657075334A6}" type="presOf" srcId="{95D8C2BB-FFF3-4F61-8445-6BF1251A0DDC}" destId="{50E43E93-9EF6-4576-8695-D64977549991}" srcOrd="0" destOrd="0" presId="urn:microsoft.com/office/officeart/2005/8/layout/hierarchy3"/>
+    <dgm:cxn modelId="{76A55E50-AF99-47A3-9455-AAFCB2256592}" srcId="{D23EB86A-71BB-4A40-A569-8B77FDBE02FA}" destId="{EE83A711-B233-4784-8790-B3D0B5AA4273}" srcOrd="2" destOrd="0" parTransId="{37769943-29F6-4B68-A449-5DEE7577C941}" sibTransId="{A43C7F0B-AC09-44C4-A7DC-DA92D0A575C5}"/>
+    <dgm:cxn modelId="{C63FD1B0-EEE3-4366-A02B-3EBF816D33FA}" srcId="{B66C6E76-A77D-4BAE-A190-E7C7B99630D5}" destId="{EFA38823-71A3-47C6-B0F4-1CB6C01186B4}" srcOrd="5" destOrd="0" parTransId="{6D2CB1FD-153F-413A-9094-97A8C82D1A59}" sibTransId="{F36243A3-0694-4470-B3FF-00EC19796C92}"/>
+    <dgm:cxn modelId="{4BA34B07-DA3A-4E4B-B5DC-913EF5747AE2}" type="presOf" srcId="{1317B38D-2A30-4107-9F27-1500BCF7FC6F}" destId="{4F01DEA1-6963-411C-B81A-F6998C0C045E}" srcOrd="0" destOrd="0" presId="urn:microsoft.com/office/officeart/2005/8/layout/hierarchy3"/>
+    <dgm:cxn modelId="{C765AA97-1366-4652-8C13-4650968F60CF}" type="presOf" srcId="{2532EC49-0FBE-4774-B31A-BBBB468170F7}" destId="{630F3D18-F2FD-492C-B34C-7F4ABA982010}" srcOrd="0" destOrd="0" presId="urn:microsoft.com/office/officeart/2005/8/layout/hierarchy3"/>
+    <dgm:cxn modelId="{9BEBC980-A36E-4C4A-A8DA-4CB6EEA808A1}" srcId="{D23EB86A-71BB-4A40-A569-8B77FDBE02FA}" destId="{548E3DBA-F067-4E78-8538-35AFB2F1818B}" srcOrd="5" destOrd="0" parTransId="{27188142-555D-4CE0-8FCC-5EF4E1AE4524}" sibTransId="{8FD1163F-C701-4469-B412-1D17C50819E9}"/>
+    <dgm:cxn modelId="{F989FA39-FD22-4920-A3AF-2C476F51F7CD}" type="presOf" srcId="{D28794C1-D31F-40DE-AE24-412233A7CACB}" destId="{CC93376A-112F-470C-A92E-6B9C4768A381}" srcOrd="0" destOrd="0" presId="urn:microsoft.com/office/officeart/2005/8/layout/hierarchy3"/>
+    <dgm:cxn modelId="{10F3401B-B541-4202-8EB4-FC6B333D53C3}" type="presOf" srcId="{7B27C1B8-5A68-42C8-A979-98E005722E76}" destId="{665B2015-8348-4619-A88A-458FE46C5216}" srcOrd="0" destOrd="0" presId="urn:microsoft.com/office/officeart/2005/8/layout/hierarchy3"/>
+    <dgm:cxn modelId="{61C9982F-CD29-461E-B7A2-844320B3320E}" type="presOf" srcId="{D29747DE-81BE-44CC-ADFA-D349E8B24264}" destId="{8C1715B6-BA7B-438E-97EB-8AEC5ECBF87A}" srcOrd="0" destOrd="0" presId="urn:microsoft.com/office/officeart/2005/8/layout/hierarchy3"/>
+    <dgm:cxn modelId="{AB861BCE-5919-4B0A-A9F5-9564E777362E}" type="presOf" srcId="{52572F2B-AAE6-4BE9-9BBD-CB4C6B7CD675}" destId="{A5E6D460-1049-4DD1-B5F1-BB5A03E46C6F}" srcOrd="0" destOrd="0" presId="urn:microsoft.com/office/officeart/2005/8/layout/hierarchy3"/>
+    <dgm:cxn modelId="{C21777D7-7565-44BF-85F7-0C02E051AAA0}" type="presOf" srcId="{B66C6E76-A77D-4BAE-A190-E7C7B99630D5}" destId="{2D6695BE-25C1-46C7-8352-964F3DB123E4}" srcOrd="0" destOrd="0" presId="urn:microsoft.com/office/officeart/2005/8/layout/hierarchy3"/>
+    <dgm:cxn modelId="{77917A58-C306-4CDB-9728-8CABB9E90F23}" srcId="{B66C6E76-A77D-4BAE-A190-E7C7B99630D5}" destId="{E4BAB214-F282-46A9-895A-D9BD0E84DB3F}" srcOrd="4" destOrd="0" parTransId="{1317B38D-2A30-4107-9F27-1500BCF7FC6F}" sibTransId="{DE121C5A-11BE-40E6-8198-0350C8D6F7E3}"/>
+    <dgm:cxn modelId="{775362DD-7045-4F1C-AA3F-3062D1029467}" type="presOf" srcId="{D23EB86A-71BB-4A40-A569-8B77FDBE02FA}" destId="{A75A51E0-87EF-40A0-961A-12248580B45C}" srcOrd="1" destOrd="0" presId="urn:microsoft.com/office/officeart/2005/8/layout/hierarchy3"/>
+    <dgm:cxn modelId="{DE2D8074-B02B-4163-ABB6-4E5E83ACBA7D}" srcId="{2532EC49-0FBE-4774-B31A-BBBB468170F7}" destId="{B66C6E76-A77D-4BAE-A190-E7C7B99630D5}" srcOrd="1" destOrd="0" parTransId="{B563D8E4-CC74-46B1-AD2F-0A19BF88D530}" sibTransId="{3A1A347E-7FA0-4BF5-BF25-0A9BF0BDF025}"/>
+    <dgm:cxn modelId="{C700B7A0-B850-465C-92CF-40C1B3CB7820}" srcId="{D23EB86A-71BB-4A40-A569-8B77FDBE02FA}" destId="{E37FFE57-7D3E-4712-B6FD-24123D60E026}" srcOrd="0" destOrd="0" parTransId="{1D5B013C-3814-4DBA-A114-793515C3A175}" sibTransId="{58BF5B3D-7E93-45F1-9609-42AD7A3F58C9}"/>
+    <dgm:cxn modelId="{AF1A09EC-49C6-4006-B436-7A9942329C9D}" type="presOf" srcId="{49F53E7A-EFE3-49C9-BF91-10D4091DFF4B}" destId="{6817C1B7-11FB-4758-B864-210D01678FDC}" srcOrd="0" destOrd="0" presId="urn:microsoft.com/office/officeart/2005/8/layout/hierarchy3"/>
+    <dgm:cxn modelId="{C6AEAA7A-BF9A-4195-B4A4-5F0A6B9FD8BF}" type="presOf" srcId="{6D187876-D73A-4DA0-8A96-0B77CF7C51D8}" destId="{548B7762-B5B8-4C69-88AE-F72473B32CBC}" srcOrd="0" destOrd="0" presId="urn:microsoft.com/office/officeart/2005/8/layout/hierarchy3"/>
+    <dgm:cxn modelId="{8DBEE0CF-9820-4CCB-9C43-3E263D8F0A78}" type="presOf" srcId="{27188142-555D-4CE0-8FCC-5EF4E1AE4524}" destId="{4A64C365-06C2-46B7-B947-59EF5BE39B6D}" srcOrd="0" destOrd="0" presId="urn:microsoft.com/office/officeart/2005/8/layout/hierarchy3"/>
+    <dgm:cxn modelId="{C93775F6-F432-4330-8A6D-42759A0EB22C}" srcId="{B66C6E76-A77D-4BAE-A190-E7C7B99630D5}" destId="{26EAFC01-7D93-44D6-B927-7C773411E24C}" srcOrd="1" destOrd="0" parTransId="{8BD967C0-A55D-48F9-95B1-733E8F50B17C}" sibTransId="{DDE37BE1-2D8B-4961-ACB4-7512244992A5}"/>
+    <dgm:cxn modelId="{8212B852-43EB-4FCB-93B4-34B834DF133D}" srcId="{B66C6E76-A77D-4BAE-A190-E7C7B99630D5}" destId="{49F53E7A-EFE3-49C9-BF91-10D4091DFF4B}" srcOrd="0" destOrd="0" parTransId="{7B27C1B8-5A68-42C8-A979-98E005722E76}" sibTransId="{A06AD473-1F5F-4C00-8E2A-03122FCC05B6}"/>
+    <dgm:cxn modelId="{8CE7A1E4-01AE-4101-A0D1-215458C22FFF}" type="presOf" srcId="{391C7100-F7CB-404F-9784-D4A0A18ED1F2}" destId="{D69BB881-E2F5-44B9-9DBD-6D90C7DB7496}" srcOrd="0" destOrd="0" presId="urn:microsoft.com/office/officeart/2005/8/layout/hierarchy3"/>
     <dgm:cxn modelId="{3D0A4717-B8D7-4576-9FA5-10F0E5488DE9}" type="presOf" srcId="{D23EB86A-71BB-4A40-A569-8B77FDBE02FA}" destId="{72B13844-B30E-425B-9C7A-1663396A215A}" srcOrd="0" destOrd="0" presId="urn:microsoft.com/office/officeart/2005/8/layout/hierarchy3"/>
-    <dgm:cxn modelId="{0DAEDA3B-FE33-4B1C-9C27-E2E206218952}" srcId="{D23EB86A-71BB-4A40-A569-8B77FDBE02FA}" destId="{2B7155C7-BEBA-47E6-A611-578103620110}" srcOrd="4" destOrd="0" parTransId="{3F425AB1-C509-4C12-835D-8FB48463C56E}" sibTransId="{838E31E3-BBA0-4DFD-8508-33E3D64F2DF2}"/>
-    <dgm:cxn modelId="{9BEBC980-A36E-4C4A-A8DA-4CB6EEA808A1}" srcId="{D23EB86A-71BB-4A40-A569-8B77FDBE02FA}" destId="{548E3DBA-F067-4E78-8538-35AFB2F1818B}" srcOrd="5" destOrd="0" parTransId="{27188142-555D-4CE0-8FCC-5EF4E1AE4524}" sibTransId="{8FD1163F-C701-4469-B412-1D17C50819E9}"/>
-    <dgm:cxn modelId="{E6C387B6-7931-4BB6-ABF0-EC9F8067348D}" type="presOf" srcId="{3839A656-D98B-47E9-A658-DF73304CEB18}" destId="{E91EC1B8-A184-48D1-9A69-E934B5C7B28A}" srcOrd="0" destOrd="0" presId="urn:microsoft.com/office/officeart/2005/8/layout/hierarchy3"/>
+    <dgm:cxn modelId="{B7DA8A26-DCF4-479F-8D62-54606673305A}" type="presOf" srcId="{3F425AB1-C509-4C12-835D-8FB48463C56E}" destId="{B128F964-9EE8-46FF-B519-C8284E2BB040}" srcOrd="0" destOrd="0" presId="urn:microsoft.com/office/officeart/2005/8/layout/hierarchy3"/>
+    <dgm:cxn modelId="{5ECC07F0-D5CC-4968-A0C6-9C1D48CA3C36}" srcId="{2532EC49-0FBE-4774-B31A-BBBB468170F7}" destId="{D23EB86A-71BB-4A40-A569-8B77FDBE02FA}" srcOrd="0" destOrd="0" parTransId="{6D067A31-E2BD-456C-9D7E-4D8644E3311A}" sibTransId="{D4EEEF3F-A295-43A8-97BA-8D293266F8CC}"/>
+    <dgm:cxn modelId="{1AF40643-3595-471D-A426-BD67B82D5BD6}" type="presOf" srcId="{E37FFE57-7D3E-4712-B6FD-24123D60E026}" destId="{62B5FB75-42A9-43BC-8FD2-7AB5067B12F7}" srcOrd="0" destOrd="0" presId="urn:microsoft.com/office/officeart/2005/8/layout/hierarchy3"/>
     <dgm:cxn modelId="{C571757F-977E-42C8-9358-F310B414AE16}" type="presOf" srcId="{EE83A711-B233-4784-8790-B3D0B5AA4273}" destId="{7E81931F-3C81-4DB3-82D5-109D76282892}" srcOrd="0" destOrd="0" presId="urn:microsoft.com/office/officeart/2005/8/layout/hierarchy3"/>
-    <dgm:cxn modelId="{10F3401B-B541-4202-8EB4-FC6B333D53C3}" type="presOf" srcId="{7B27C1B8-5A68-42C8-A979-98E005722E76}" destId="{665B2015-8348-4619-A88A-458FE46C5216}" srcOrd="0" destOrd="0" presId="urn:microsoft.com/office/officeart/2005/8/layout/hierarchy3"/>
-    <dgm:cxn modelId="{04D223AD-2624-412D-ADE6-DA2BEFC8FCB6}" type="presOf" srcId="{8BD967C0-A55D-48F9-95B1-733E8F50B17C}" destId="{0B3358E2-26D5-461E-AD31-7A4654034337}" srcOrd="0" destOrd="0" presId="urn:microsoft.com/office/officeart/2005/8/layout/hierarchy3"/>
-    <dgm:cxn modelId="{C765AA97-1366-4652-8C13-4650968F60CF}" type="presOf" srcId="{2532EC49-0FBE-4774-B31A-BBBB468170F7}" destId="{630F3D18-F2FD-492C-B34C-7F4ABA982010}" srcOrd="0" destOrd="0" presId="urn:microsoft.com/office/officeart/2005/8/layout/hierarchy3"/>
-    <dgm:cxn modelId="{4153DA9D-BE1A-43D1-84E0-B20DC04273A1}" type="presOf" srcId="{B66C6E76-A77D-4BAE-A190-E7C7B99630D5}" destId="{06CA16BD-3E66-4C53-92B0-52C52AD63648}" srcOrd="1" destOrd="0" presId="urn:microsoft.com/office/officeart/2005/8/layout/hierarchy3"/>
-    <dgm:cxn modelId="{77917A58-C306-4CDB-9728-8CABB9E90F23}" srcId="{B66C6E76-A77D-4BAE-A190-E7C7B99630D5}" destId="{E4BAB214-F282-46A9-895A-D9BD0E84DB3F}" srcOrd="4" destOrd="0" parTransId="{1317B38D-2A30-4107-9F27-1500BCF7FC6F}" sibTransId="{DE121C5A-11BE-40E6-8198-0350C8D6F7E3}"/>
-    <dgm:cxn modelId="{6790B4E7-E0EE-41EB-945C-C376AB2B23D3}" type="presOf" srcId="{EFA38823-71A3-47C6-B0F4-1CB6C01186B4}" destId="{7FB5A010-9A56-4829-B858-D0D824AEF6AD}" srcOrd="0" destOrd="0" presId="urn:microsoft.com/office/officeart/2005/8/layout/hierarchy3"/>
-    <dgm:cxn modelId="{8CE7A1E4-01AE-4101-A0D1-215458C22FFF}" type="presOf" srcId="{391C7100-F7CB-404F-9784-D4A0A18ED1F2}" destId="{D69BB881-E2F5-44B9-9DBD-6D90C7DB7496}" srcOrd="0" destOrd="0" presId="urn:microsoft.com/office/officeart/2005/8/layout/hierarchy3"/>
-    <dgm:cxn modelId="{C700B7A0-B850-465C-92CF-40C1B3CB7820}" srcId="{D23EB86A-71BB-4A40-A569-8B77FDBE02FA}" destId="{E37FFE57-7D3E-4712-B6FD-24123D60E026}" srcOrd="0" destOrd="0" parTransId="{1D5B013C-3814-4DBA-A114-793515C3A175}" sibTransId="{58BF5B3D-7E93-45F1-9609-42AD7A3F58C9}"/>
-    <dgm:cxn modelId="{8DBEE0CF-9820-4CCB-9C43-3E263D8F0A78}" type="presOf" srcId="{27188142-555D-4CE0-8FCC-5EF4E1AE4524}" destId="{4A64C365-06C2-46B7-B947-59EF5BE39B6D}" srcOrd="0" destOrd="0" presId="urn:microsoft.com/office/officeart/2005/8/layout/hierarchy3"/>
-    <dgm:cxn modelId="{A72944CA-EA98-4912-BD8E-D7A0B9B4AAED}" type="presOf" srcId="{E4BAB214-F282-46A9-895A-D9BD0E84DB3F}" destId="{5F110DA3-1DE8-4F12-A68F-86C4A5BF1E8C}" srcOrd="0" destOrd="0" presId="urn:microsoft.com/office/officeart/2005/8/layout/hierarchy3"/>
-    <dgm:cxn modelId="{63DAAF5A-D4FF-4C0A-9DE7-FE4E42A34343}" srcId="{B66C6E76-A77D-4BAE-A190-E7C7B99630D5}" destId="{6D187876-D73A-4DA0-8A96-0B77CF7C51D8}" srcOrd="2" destOrd="0" parTransId="{E37E2F2F-CD39-482B-9878-0ED5657CF008}" sibTransId="{EE27B221-B777-430B-861D-692C62998E99}"/>
-    <dgm:cxn modelId="{8212B852-43EB-4FCB-93B4-34B834DF133D}" srcId="{B66C6E76-A77D-4BAE-A190-E7C7B99630D5}" destId="{49F53E7A-EFE3-49C9-BF91-10D4091DFF4B}" srcOrd="0" destOrd="0" parTransId="{7B27C1B8-5A68-42C8-A979-98E005722E76}" sibTransId="{A06AD473-1F5F-4C00-8E2A-03122FCC05B6}"/>
-    <dgm:cxn modelId="{E82A3251-91DA-4815-893B-2CB56E9913F8}" type="presOf" srcId="{37769943-29F6-4B68-A449-5DEE7577C941}" destId="{6CF04F40-20BC-4EE2-A8E0-91CE9C5F4FA8}" srcOrd="0" destOrd="0" presId="urn:microsoft.com/office/officeart/2005/8/layout/hierarchy3"/>
     <dgm:cxn modelId="{F3019377-656E-4845-BB8D-F38DE89FFE4F}" type="presOf" srcId="{E37E2F2F-CD39-482B-9878-0ED5657CF008}" destId="{2F157E92-6736-4A13-A6CB-BE96A53AFD9F}" srcOrd="0" destOrd="0" presId="urn:microsoft.com/office/officeart/2005/8/layout/hierarchy3"/>
-    <dgm:cxn modelId="{0FFF8C14-2898-4723-981D-EC8EE61DB3B7}" type="presOf" srcId="{548E3DBA-F067-4E78-8538-35AFB2F1818B}" destId="{831964B1-E01A-4C78-9158-C8D63428B7DA}" srcOrd="0" destOrd="0" presId="urn:microsoft.com/office/officeart/2005/8/layout/hierarchy3"/>
-    <dgm:cxn modelId="{1AF40643-3595-471D-A426-BD67B82D5BD6}" type="presOf" srcId="{E37FFE57-7D3E-4712-B6FD-24123D60E026}" destId="{62B5FB75-42A9-43BC-8FD2-7AB5067B12F7}" srcOrd="0" destOrd="0" presId="urn:microsoft.com/office/officeart/2005/8/layout/hierarchy3"/>
-    <dgm:cxn modelId="{AF1A09EC-49C6-4006-B436-7A9942329C9D}" type="presOf" srcId="{49F53E7A-EFE3-49C9-BF91-10D4091DFF4B}" destId="{6817C1B7-11FB-4758-B864-210D01678FDC}" srcOrd="0" destOrd="0" presId="urn:microsoft.com/office/officeart/2005/8/layout/hierarchy3"/>
-    <dgm:cxn modelId="{76A55E50-AF99-47A3-9455-AAFCB2256592}" srcId="{D23EB86A-71BB-4A40-A569-8B77FDBE02FA}" destId="{EE83A711-B233-4784-8790-B3D0B5AA4273}" srcOrd="2" destOrd="0" parTransId="{37769943-29F6-4B68-A449-5DEE7577C941}" sibTransId="{A43C7F0B-AC09-44C4-A7DC-DA92D0A575C5}"/>
-    <dgm:cxn modelId="{0B714DB5-1905-4C10-B2C3-52DE000CC7EE}" type="presOf" srcId="{2B7155C7-BEBA-47E6-A611-578103620110}" destId="{3548ED33-673B-47FB-8DF9-F219CFA710BC}" srcOrd="0" destOrd="0" presId="urn:microsoft.com/office/officeart/2005/8/layout/hierarchy3"/>
-    <dgm:cxn modelId="{DE2D8074-B02B-4163-ABB6-4E5E83ACBA7D}" srcId="{2532EC49-0FBE-4774-B31A-BBBB468170F7}" destId="{B66C6E76-A77D-4BAE-A190-E7C7B99630D5}" srcOrd="1" destOrd="0" parTransId="{B563D8E4-CC74-46B1-AD2F-0A19BF88D530}" sibTransId="{3A1A347E-7FA0-4BF5-BF25-0A9BF0BDF025}"/>
-    <dgm:cxn modelId="{4E9237CA-E46C-41CD-95BD-742F8950EEB9}" srcId="{B66C6E76-A77D-4BAE-A190-E7C7B99630D5}" destId="{95D8C2BB-FFF3-4F61-8445-6BF1251A0DDC}" srcOrd="3" destOrd="0" parTransId="{391C7100-F7CB-404F-9784-D4A0A18ED1F2}" sibTransId="{18C0857F-72C1-4B18-89F2-5D3B4F04A762}"/>
-    <dgm:cxn modelId="{4FD3DC13-0721-431D-8738-4EDFC6E8A940}" type="presOf" srcId="{26EAFC01-7D93-44D6-B927-7C773411E24C}" destId="{0E7FBF3B-7D1F-4A68-8FFB-C953C781DE15}" srcOrd="0" destOrd="0" presId="urn:microsoft.com/office/officeart/2005/8/layout/hierarchy3"/>
-    <dgm:cxn modelId="{4BA34B07-DA3A-4E4B-B5DC-913EF5747AE2}" type="presOf" srcId="{1317B38D-2A30-4107-9F27-1500BCF7FC6F}" destId="{4F01DEA1-6963-411C-B81A-F6998C0C045E}" srcOrd="0" destOrd="0" presId="urn:microsoft.com/office/officeart/2005/8/layout/hierarchy3"/>
-    <dgm:cxn modelId="{C93775F6-F432-4330-8A6D-42759A0EB22C}" srcId="{B66C6E76-A77D-4BAE-A190-E7C7B99630D5}" destId="{26EAFC01-7D93-44D6-B927-7C773411E24C}" srcOrd="1" destOrd="0" parTransId="{8BD967C0-A55D-48F9-95B1-733E8F50B17C}" sibTransId="{DDE37BE1-2D8B-4961-ACB4-7512244992A5}"/>
-    <dgm:cxn modelId="{950CD349-9C7F-4583-8ED7-AE6EB571A6CD}" type="presOf" srcId="{DA8DF7CA-1898-479A-AB8B-30F622A20386}" destId="{59F0254C-AFAD-4E3D-A8F7-6171D1D72BE5}" srcOrd="0" destOrd="0" presId="urn:microsoft.com/office/officeart/2005/8/layout/hierarchy3"/>
-    <dgm:cxn modelId="{F989FA39-FD22-4920-A3AF-2C476F51F7CD}" type="presOf" srcId="{D28794C1-D31F-40DE-AE24-412233A7CACB}" destId="{CC93376A-112F-470C-A92E-6B9C4768A381}" srcOrd="0" destOrd="0" presId="urn:microsoft.com/office/officeart/2005/8/layout/hierarchy3"/>
-    <dgm:cxn modelId="{C1C2960F-E59B-4440-A2DC-E6C8222CBDEE}" srcId="{D23EB86A-71BB-4A40-A569-8B77FDBE02FA}" destId="{C1E12F4A-6EB8-4EF1-9A2E-60BEBFA81592}" srcOrd="1" destOrd="0" parTransId="{3839A656-D98B-47E9-A658-DF73304CEB18}" sibTransId="{22D1E09B-DC05-4745-B8F2-30FA2BC8B359}"/>
-    <dgm:cxn modelId="{C21777D7-7565-44BF-85F7-0C02E051AAA0}" type="presOf" srcId="{B66C6E76-A77D-4BAE-A190-E7C7B99630D5}" destId="{2D6695BE-25C1-46C7-8352-964F3DB123E4}" srcOrd="0" destOrd="0" presId="urn:microsoft.com/office/officeart/2005/8/layout/hierarchy3"/>
-    <dgm:cxn modelId="{61C9982F-CD29-461E-B7A2-844320B3320E}" type="presOf" srcId="{D29747DE-81BE-44CC-ADFA-D349E8B24264}" destId="{8C1715B6-BA7B-438E-97EB-8AEC5ECBF87A}" srcOrd="0" destOrd="0" presId="urn:microsoft.com/office/officeart/2005/8/layout/hierarchy3"/>
-    <dgm:cxn modelId="{C63FD1B0-EEE3-4366-A02B-3EBF816D33FA}" srcId="{B66C6E76-A77D-4BAE-A190-E7C7B99630D5}" destId="{EFA38823-71A3-47C6-B0F4-1CB6C01186B4}" srcOrd="5" destOrd="0" parTransId="{6D2CB1FD-153F-413A-9094-97A8C82D1A59}" sibTransId="{F36243A3-0694-4470-B3FF-00EC19796C92}"/>
-    <dgm:cxn modelId="{B7DA8A26-DCF4-479F-8D62-54606673305A}" type="presOf" srcId="{3F425AB1-C509-4C12-835D-8FB48463C56E}" destId="{B128F964-9EE8-46FF-B519-C8284E2BB040}" srcOrd="0" destOrd="0" presId="urn:microsoft.com/office/officeart/2005/8/layout/hierarchy3"/>
-    <dgm:cxn modelId="{9C9BE23E-6612-44C5-9CFE-9CC7832BF2A5}" srcId="{D23EB86A-71BB-4A40-A569-8B77FDBE02FA}" destId="{D29747DE-81BE-44CC-ADFA-D349E8B24264}" srcOrd="3" destOrd="0" parTransId="{DA8DF7CA-1898-479A-AB8B-30F622A20386}" sibTransId="{F71EDA71-5AF9-41DC-841C-C32CB38CA494}"/>
-    <dgm:cxn modelId="{5ECC07F0-D5CC-4968-A0C6-9C1D48CA3C36}" srcId="{2532EC49-0FBE-4774-B31A-BBBB468170F7}" destId="{D23EB86A-71BB-4A40-A569-8B77FDBE02FA}" srcOrd="0" destOrd="0" parTransId="{6D067A31-E2BD-456C-9D7E-4D8644E3311A}" sibTransId="{D4EEEF3F-A295-43A8-97BA-8D293266F8CC}"/>
-    <dgm:cxn modelId="{775362DD-7045-4F1C-AA3F-3062D1029467}" type="presOf" srcId="{D23EB86A-71BB-4A40-A569-8B77FDBE02FA}" destId="{A75A51E0-87EF-40A0-961A-12248580B45C}" srcOrd="1" destOrd="0" presId="urn:microsoft.com/office/officeart/2005/8/layout/hierarchy3"/>
-    <dgm:cxn modelId="{C6AEAA7A-BF9A-4195-B4A4-5F0A6B9FD8BF}" type="presOf" srcId="{6D187876-D73A-4DA0-8A96-0B77CF7C51D8}" destId="{548B7762-B5B8-4C69-88AE-F72473B32CBC}" srcOrd="0" destOrd="0" presId="urn:microsoft.com/office/officeart/2005/8/layout/hierarchy3"/>
-    <dgm:cxn modelId="{7D6FF0F7-548D-4CE5-8A7E-1EB8380B0229}" type="presOf" srcId="{C1E12F4A-6EB8-4EF1-9A2E-60BEBFA81592}" destId="{4BFBAF82-2A9D-4DC1-A988-0880718FA259}" srcOrd="0" destOrd="0" presId="urn:microsoft.com/office/officeart/2005/8/layout/hierarchy3"/>
-    <dgm:cxn modelId="{126129EF-FD55-4092-A572-7657075334A6}" type="presOf" srcId="{95D8C2BB-FFF3-4F61-8445-6BF1251A0DDC}" destId="{50E43E93-9EF6-4576-8695-D64977549991}" srcOrd="0" destOrd="0" presId="urn:microsoft.com/office/officeart/2005/8/layout/hierarchy3"/>
-    <dgm:cxn modelId="{AB861BCE-5919-4B0A-A9F5-9564E777362E}" type="presOf" srcId="{52572F2B-AAE6-4BE9-9BBD-CB4C6B7CD675}" destId="{A5E6D460-1049-4DD1-B5F1-BB5A03E46C6F}" srcOrd="0" destOrd="0" presId="urn:microsoft.com/office/officeart/2005/8/layout/hierarchy3"/>
-    <dgm:cxn modelId="{A2F9B0F4-AA78-4158-8B2E-635DF7ACED91}" type="presOf" srcId="{6D2CB1FD-153F-413A-9094-97A8C82D1A59}" destId="{42A4DB9D-6604-49D8-A581-EB7995E16BE9}" srcOrd="0" destOrd="0" presId="urn:microsoft.com/office/officeart/2005/8/layout/hierarchy3"/>
-    <dgm:cxn modelId="{36B9DA8C-A689-4553-832D-61EB7B85622D}" srcId="{D23EB86A-71BB-4A40-A569-8B77FDBE02FA}" destId="{52572F2B-AAE6-4BE9-9BBD-CB4C6B7CD675}" srcOrd="6" destOrd="0" parTransId="{D28794C1-D31F-40DE-AE24-412233A7CACB}" sibTransId="{77A8EC62-DEC3-4292-ABC8-A6168E4C97F0}"/>
     <dgm:cxn modelId="{0AA03739-D2AB-4404-B06F-16926BA2ADE5}" type="presParOf" srcId="{630F3D18-F2FD-492C-B34C-7F4ABA982010}" destId="{95A8F5A5-B508-4717-9764-313C12304A7F}" srcOrd="0" destOrd="0" presId="urn:microsoft.com/office/officeart/2005/8/layout/hierarchy3"/>
     <dgm:cxn modelId="{2D7F8ACA-CF27-4639-B557-8DA473DB66FB}" type="presParOf" srcId="{95A8F5A5-B508-4717-9764-313C12304A7F}" destId="{98AA41C0-3CF6-433B-B897-F1DC4F31436D}" srcOrd="0" destOrd="0" presId="urn:microsoft.com/office/officeart/2005/8/layout/hierarchy3"/>
     <dgm:cxn modelId="{372AD94D-EE9D-4370-889F-61BD7C880DE7}" type="presParOf" srcId="{98AA41C0-3CF6-433B-B897-F1DC4F31436D}" destId="{72B13844-B30E-425B-9C7A-1663396A215A}" srcOrd="0" destOrd="0" presId="urn:microsoft.com/office/officeart/2005/8/layout/hierarchy3"/>
@@ -2895,7 +3088,23 @@
           </a:pPr>
           <a:r>
             <a:rPr lang="pt-PT" sz="700" kern="1200" dirty="0" smtClean="0"/>
-            <a:t>Possibility to do “nightly builds” – good to big projects</a:t>
+            <a:t>Possibility to do “nightly builds” – </a:t>
+          </a:r>
+          <a:r>
+            <a:rPr lang="pt-PT" sz="700" kern="1200" dirty="0" err="1" smtClean="0"/>
+            <a:t>good</a:t>
+          </a:r>
+          <a:r>
+            <a:rPr lang="pt-PT" sz="700" kern="1200" dirty="0" smtClean="0"/>
+            <a:t> </a:t>
+          </a:r>
+          <a:r>
+            <a:rPr lang="pt-PT" sz="700" kern="1200" dirty="0" smtClean="0"/>
+            <a:t>for </a:t>
+          </a:r>
+          <a:r>
+            <a:rPr lang="pt-PT" sz="700" kern="1200" dirty="0" smtClean="0"/>
+            <a:t>big projects</a:t>
           </a:r>
           <a:endParaRPr lang="pt-PT" sz="700" kern="1200" dirty="0"/>
         </a:p>
@@ -3125,7 +3334,23 @@
           </a:pPr>
           <a:r>
             <a:rPr lang="pt-PT" sz="700" kern="1200" dirty="0" smtClean="0"/>
-            <a:t>Too simplistic apresentation</a:t>
+            <a:t>Too </a:t>
+          </a:r>
+          <a:r>
+            <a:rPr lang="pt-PT" sz="700" kern="1200" dirty="0" err="1" smtClean="0"/>
+            <a:t>simplistic</a:t>
+          </a:r>
+          <a:r>
+            <a:rPr lang="pt-PT" sz="700" kern="1200" dirty="0" smtClean="0"/>
+            <a:t> </a:t>
+          </a:r>
+          <a:r>
+            <a:rPr lang="pt-PT" sz="700" kern="1200" dirty="0" smtClean="0"/>
+            <a:t>a </a:t>
+          </a:r>
+          <a:r>
+            <a:rPr lang="pt-PT" sz="700" kern="1200" dirty="0" err="1" smtClean="0"/>
+            <a:t>presentation</a:t>
           </a:r>
           <a:endParaRPr lang="pt-PT" sz="700" kern="1200" dirty="0"/>
         </a:p>
@@ -22752,7 +22977,11 @@
             <a:pPr algn="ctr"/>
             <a:r>
               <a:rPr lang="en-US" b="1" dirty="0" smtClean="0"/>
-              <a:t>How it works?</a:t>
+              <a:t>How </a:t>
+            </a:r>
+            <a:r>
+              <a:rPr lang="en-US" b="1" dirty="0" smtClean="0"/>
+              <a:t>does it work?</a:t>
             </a:r>
             <a:endParaRPr lang="en-US" b="1" dirty="0"/>
           </a:p>
@@ -24228,14 +24457,14 @@
           <p:nvPr>
             <p:extLst>
               <p:ext uri="{D42A27DB-BD31-4B8C-83A1-F6EECF244321}">
-                <p14:modId xmlns:p14="http://schemas.microsoft.com/office/powerpoint/2010/main" val="404894561"/>
+                <p14:modId xmlns:p14="http://schemas.microsoft.com/office/powerpoint/2010/main" val="212233197"/>
               </p:ext>
             </p:extLst>
           </p:nvPr>
         </p:nvGraphicFramePr>
         <p:xfrm>
           <a:off x="561111" y="2276874"/>
-          <a:ext cx="11080426" cy="4139653"/>
+          <a:ext cx="11080426" cy="4688293"/>
         </p:xfrm>
         <a:graphic>
           <a:graphicData uri="http://schemas.openxmlformats.org/drawingml/2006/table">
@@ -24463,7 +24692,11 @@
                     <a:bodyPr/>
                     <a:lstStyle/>
                     <a:p>
-                      <a:endParaRPr lang="pt-PT"/>
+                      <a:r>
+                        <a:rPr lang="pt-PT" dirty="0" err="1" smtClean="0"/>
+                        <a:t>None</a:t>
+                      </a:r>
+                      <a:endParaRPr lang="pt-PT" dirty="0"/>
                     </a:p>
                   </a:txBody>
                   <a:tcPr/>
@@ -24531,6 +24764,10 @@
                     <a:bodyPr/>
                     <a:lstStyle/>
                     <a:p>
+                      <a:r>
+                        <a:rPr lang="pt-PT" dirty="0" err="1" smtClean="0"/>
+                        <a:t>GitHub</a:t>
+                      </a:r>
                       <a:endParaRPr lang="pt-PT" dirty="0"/>
                     </a:p>
                   </a:txBody>
@@ -24591,7 +24828,11 @@
                     <a:bodyPr/>
                     <a:lstStyle/>
                     <a:p>
-                      <a:endParaRPr lang="pt-PT"/>
+                      <a:r>
+                        <a:rPr lang="pt-PT" dirty="0" smtClean="0"/>
+                        <a:t>YES</a:t>
+                      </a:r>
+                      <a:endParaRPr lang="pt-PT" dirty="0"/>
                     </a:p>
                   </a:txBody>
                   <a:tcPr/>
@@ -24651,6 +24892,10 @@
                     <a:bodyPr/>
                     <a:lstStyle/>
                     <a:p>
+                      <a:r>
+                        <a:rPr lang="pt-PT" dirty="0" smtClean="0"/>
+                        <a:t>NO</a:t>
+                      </a:r>
                       <a:endParaRPr lang="pt-PT" dirty="0"/>
                     </a:p>
                   </a:txBody>
@@ -24711,7 +24956,39 @@
                     <a:bodyPr/>
                     <a:lstStyle/>
                     <a:p>
-                      <a:endParaRPr lang="pt-PT"/>
+                      <a:r>
+                        <a:rPr lang="pt-PT" dirty="0" err="1" smtClean="0"/>
+                        <a:t>Good</a:t>
+                      </a:r>
+                      <a:r>
+                        <a:rPr lang="pt-PT" baseline="0" dirty="0" smtClean="0"/>
+                        <a:t> (</a:t>
+                      </a:r>
+                      <a:r>
+                        <a:rPr lang="pt-PT" baseline="0" dirty="0" err="1" smtClean="0"/>
+                        <a:t>and</a:t>
+                      </a:r>
+                      <a:r>
+                        <a:rPr lang="pt-PT" baseline="0" dirty="0" smtClean="0"/>
+                        <a:t> </a:t>
+                      </a:r>
+                      <a:r>
+                        <a:rPr lang="pt-PT" baseline="0" dirty="0" err="1" smtClean="0"/>
+                        <a:t>good</a:t>
+                      </a:r>
+                      <a:r>
+                        <a:rPr lang="pt-PT" baseline="0" dirty="0" smtClean="0"/>
+                        <a:t> </a:t>
+                      </a:r>
+                      <a:r>
+                        <a:rPr lang="pt-PT" baseline="0" dirty="0" err="1" smtClean="0"/>
+                        <a:t>community</a:t>
+                      </a:r>
+                      <a:r>
+                        <a:rPr lang="pt-PT" baseline="0" dirty="0" smtClean="0"/>
+                        <a:t>)</a:t>
+                      </a:r>
+                      <a:endParaRPr lang="pt-PT" dirty="0"/>
                     </a:p>
                   </a:txBody>
                   <a:tcPr/>
@@ -24958,11 +25235,7 @@
             </a:r>
             <a:r>
               <a:rPr lang="en-US" dirty="0" smtClean="0"/>
-              <a:t>Integration, </a:t>
-            </a:r>
-            <a:r>
-              <a:rPr lang="en-US" dirty="0" smtClean="0"/>
-              <a:t>2014</a:t>
+              <a:t>Integration, 2014</a:t>
             </a:r>
           </a:p>
           <a:p>
@@ -24978,6 +25251,45 @@
               </a:rPr>
               <a:t>www.quora.com/What-is-Jenkins-When-and-why-is-it-used</a:t>
             </a:r>
+            <a:endParaRPr lang="en-US" dirty="0" smtClean="0"/>
+          </a:p>
+          <a:p>
+            <a:r>
+              <a:rPr lang="en-US" dirty="0">
+                <a:hlinkClick r:id="rId5"/>
+              </a:rPr>
+              <a:t>https://travis-ci.org</a:t>
+            </a:r>
+            <a:r>
+              <a:rPr lang="en-US" dirty="0" smtClean="0">
+                <a:hlinkClick r:id="rId5"/>
+              </a:rPr>
+              <a:t>/</a:t>
+            </a:r>
+            <a:endParaRPr lang="en-US" dirty="0" smtClean="0"/>
+          </a:p>
+          <a:p>
+            <a:r>
+              <a:rPr lang="en-US">
+                <a:hlinkClick r:id="rId6"/>
+              </a:rPr>
+              <a:t>https</a:t>
+            </a:r>
+            <a:r>
+              <a:rPr lang="en-US">
+                <a:hlinkClick r:id="rId6"/>
+              </a:rPr>
+              <a:t>://</a:t>
+            </a:r>
+            <a:r>
+              <a:rPr lang="en-US" smtClean="0">
+                <a:hlinkClick r:id="rId6"/>
+              </a:rPr>
+              <a:t>docs.travis-ci.com/user/for-beginners</a:t>
+            </a:r>
+            <a:endParaRPr lang="en-US" smtClean="0"/>
+          </a:p>
+          <a:p>
             <a:endParaRPr lang="en-US" dirty="0" smtClean="0"/>
           </a:p>
           <a:p>
@@ -25069,7 +25381,7 @@
           <p:nvPr/>
         </p:nvPicPr>
         <p:blipFill>
-          <a:blip r:embed="rId5" cstate="print">
+          <a:blip r:embed="rId7" cstate="print">
             <a:extLst>
               <a:ext uri="{28A0092B-C50C-407E-A947-70E740481C1C}">
                 <a14:useLocalDpi xmlns:a14="http://schemas.microsoft.com/office/drawing/2010/main" val="0"/>
@@ -26035,7 +26347,6 @@
               <a:rPr lang="en-US" dirty="0" smtClean="0"/>
               <a:t>server</a:t>
             </a:r>
-            <a:endParaRPr lang="en-US" dirty="0" smtClean="0"/>
           </a:p>
           <a:p>
             <a:pPr>
@@ -26075,7 +26386,6 @@
               <a:rPr lang="en-US" dirty="0" smtClean="0"/>
               <a:t>others</a:t>
             </a:r>
-            <a:endParaRPr lang="en-US" dirty="0" smtClean="0"/>
           </a:p>
           <a:p>
             <a:pPr>
@@ -26356,25 +26666,12 @@
                   </a:outerShdw>
                 </a:effectLst>
               </a:rPr>
-              <a:t>Using </a:t>
-            </a:r>
-            <a:r>
-              <a:rPr lang="en-US" sz="2000" b="1" dirty="0" smtClean="0">
-                <a:effectLst>
-                  <a:outerShdw blurRad="38100" dist="38100" dir="2700000" algn="tl">
-                    <a:srgbClr val="000000">
-                      <a:alpha val="43137"/>
-                    </a:srgbClr>
-                  </a:outerShdw>
-                </a:effectLst>
-              </a:rPr>
-              <a:t>Jenkins: </a:t>
+              <a:t>Using Jenkins: </a:t>
             </a:r>
             <a:r>
               <a:rPr lang="en-US" sz="1600" b="1" dirty="0" smtClean="0"/>
               <a:t>REAL TESTIMONIES</a:t>
             </a:r>
-            <a:endParaRPr lang="en-US" sz="1600" b="1" dirty="0" smtClean="0"/>
           </a:p>
         </p:txBody>
       </p:sp>
@@ -26495,7 +26792,7 @@
           <p:nvPr>
             <p:extLst>
               <p:ext uri="{D42A27DB-BD31-4B8C-83A1-F6EECF244321}">
-                <p14:modId xmlns:p14="http://schemas.microsoft.com/office/powerpoint/2010/main" val="745041356"/>
+                <p14:modId xmlns:p14="http://schemas.microsoft.com/office/powerpoint/2010/main" val="3801013585"/>
               </p:ext>
             </p:extLst>
           </p:nvPr>
@@ -26579,20 +26876,12 @@
               <a:t>Hosted continuous integration server used to build and test software projects </a:t>
             </a:r>
             <a:r>
-              <a:rPr lang="en-US" dirty="0" err="1" smtClean="0"/>
-              <a:t>hosten</a:t>
-            </a:r>
-            <a:r>
               <a:rPr lang="en-US" dirty="0" smtClean="0"/>
-              <a:t> at </a:t>
-            </a:r>
-            <a:r>
-              <a:rPr lang="en-US" dirty="0" err="1" smtClean="0"/>
-              <a:t>GitHub</a:t>
+              <a:t>hosted </a:t>
             </a:r>
             <a:r>
               <a:rPr lang="en-US" dirty="0" smtClean="0"/>
-              <a:t>.</a:t>
+              <a:t>at GitHub.</a:t>
             </a:r>
           </a:p>
           <a:p>
@@ -26609,12 +26898,12 @@
               <a:t> </a:t>
             </a:r>
             <a:r>
-              <a:rPr lang="en-US" dirty="0" err="1" smtClean="0"/>
-              <a:t>whitch</a:t>
-            </a:r>
-            <a:r>
               <a:rPr lang="en-US" dirty="0" smtClean="0"/>
-              <a:t> sits along the project code.</a:t>
+              <a:t>which </a:t>
+            </a:r>
+            <a:r>
+              <a:rPr lang="en-US" dirty="0" smtClean="0"/>
+              <a:t>sits along the project code.</a:t>
             </a:r>
           </a:p>
           <a:p>
@@ -27287,7 +27576,11 @@
             <a:pPr algn="ctr"/>
             <a:r>
               <a:rPr lang="en-US" b="1" dirty="0" smtClean="0"/>
-              <a:t>What is?</a:t>
+              <a:t>What </a:t>
+            </a:r>
+            <a:r>
+              <a:rPr lang="en-US" b="1" dirty="0" smtClean="0"/>
+              <a:t>is it?</a:t>
             </a:r>
             <a:endParaRPr lang="en-US" b="1" dirty="0"/>
           </a:p>

--- a/CI_TEAMC.pptx
+++ b/CI_TEAMC.pptx
@@ -1094,11 +1094,7 @@
           </a:r>
           <a:r>
             <a:rPr lang="pt-PT" sz="700" dirty="0" smtClean="0"/>
-            <a:t> </a:t>
-          </a:r>
-          <a:r>
-            <a:rPr lang="pt-PT" sz="700" dirty="0" smtClean="0"/>
-            <a:t>a </a:t>
+            <a:t> a </a:t>
           </a:r>
           <a:r>
             <a:rPr lang="pt-PT" sz="700" dirty="0" err="1" smtClean="0"/>
@@ -1406,15 +1402,7 @@
           </a:r>
           <a:r>
             <a:rPr lang="pt-PT" sz="700" dirty="0" smtClean="0"/>
-            <a:t> </a:t>
-          </a:r>
-          <a:r>
-            <a:rPr lang="pt-PT" sz="700" dirty="0" smtClean="0"/>
-            <a:t>for </a:t>
-          </a:r>
-          <a:r>
-            <a:rPr lang="pt-PT" sz="700" dirty="0" smtClean="0"/>
-            <a:t>big projects</a:t>
+            <a:t> for big projects</a:t>
           </a:r>
           <a:endParaRPr lang="pt-PT" sz="700" dirty="0"/>
         </a:p>
@@ -1947,52 +1935,52 @@
     </dgm:pt>
   </dgm:ptLst>
   <dgm:cxnLst>
+    <dgm:cxn modelId="{B9A282EA-EB5D-4740-A114-7A5FDEC3F13F}" type="presOf" srcId="{1D5B013C-3814-4DBA-A114-793515C3A175}" destId="{36E41940-D6AE-4B61-9614-578943ADDEBE}" srcOrd="0" destOrd="0" presId="urn:microsoft.com/office/officeart/2005/8/layout/hierarchy3"/>
+    <dgm:cxn modelId="{3D0A4717-B8D7-4576-9FA5-10F0E5488DE9}" type="presOf" srcId="{D23EB86A-71BB-4A40-A569-8B77FDBE02FA}" destId="{72B13844-B30E-425B-9C7A-1663396A215A}" srcOrd="0" destOrd="0" presId="urn:microsoft.com/office/officeart/2005/8/layout/hierarchy3"/>
+    <dgm:cxn modelId="{0DAEDA3B-FE33-4B1C-9C27-E2E206218952}" srcId="{D23EB86A-71BB-4A40-A569-8B77FDBE02FA}" destId="{2B7155C7-BEBA-47E6-A611-578103620110}" srcOrd="4" destOrd="0" parTransId="{3F425AB1-C509-4C12-835D-8FB48463C56E}" sibTransId="{838E31E3-BBA0-4DFD-8508-33E3D64F2DF2}"/>
+    <dgm:cxn modelId="{9BEBC980-A36E-4C4A-A8DA-4CB6EEA808A1}" srcId="{D23EB86A-71BB-4A40-A569-8B77FDBE02FA}" destId="{548E3DBA-F067-4E78-8538-35AFB2F1818B}" srcOrd="5" destOrd="0" parTransId="{27188142-555D-4CE0-8FCC-5EF4E1AE4524}" sibTransId="{8FD1163F-C701-4469-B412-1D17C50819E9}"/>
+    <dgm:cxn modelId="{E6C387B6-7931-4BB6-ABF0-EC9F8067348D}" type="presOf" srcId="{3839A656-D98B-47E9-A658-DF73304CEB18}" destId="{E91EC1B8-A184-48D1-9A69-E934B5C7B28A}" srcOrd="0" destOrd="0" presId="urn:microsoft.com/office/officeart/2005/8/layout/hierarchy3"/>
+    <dgm:cxn modelId="{C571757F-977E-42C8-9358-F310B414AE16}" type="presOf" srcId="{EE83A711-B233-4784-8790-B3D0B5AA4273}" destId="{7E81931F-3C81-4DB3-82D5-109D76282892}" srcOrd="0" destOrd="0" presId="urn:microsoft.com/office/officeart/2005/8/layout/hierarchy3"/>
+    <dgm:cxn modelId="{10F3401B-B541-4202-8EB4-FC6B333D53C3}" type="presOf" srcId="{7B27C1B8-5A68-42C8-A979-98E005722E76}" destId="{665B2015-8348-4619-A88A-458FE46C5216}" srcOrd="0" destOrd="0" presId="urn:microsoft.com/office/officeart/2005/8/layout/hierarchy3"/>
+    <dgm:cxn modelId="{04D223AD-2624-412D-ADE6-DA2BEFC8FCB6}" type="presOf" srcId="{8BD967C0-A55D-48F9-95B1-733E8F50B17C}" destId="{0B3358E2-26D5-461E-AD31-7A4654034337}" srcOrd="0" destOrd="0" presId="urn:microsoft.com/office/officeart/2005/8/layout/hierarchy3"/>
+    <dgm:cxn modelId="{C765AA97-1366-4652-8C13-4650968F60CF}" type="presOf" srcId="{2532EC49-0FBE-4774-B31A-BBBB468170F7}" destId="{630F3D18-F2FD-492C-B34C-7F4ABA982010}" srcOrd="0" destOrd="0" presId="urn:microsoft.com/office/officeart/2005/8/layout/hierarchy3"/>
+    <dgm:cxn modelId="{4153DA9D-BE1A-43D1-84E0-B20DC04273A1}" type="presOf" srcId="{B66C6E76-A77D-4BAE-A190-E7C7B99630D5}" destId="{06CA16BD-3E66-4C53-92B0-52C52AD63648}" srcOrd="1" destOrd="0" presId="urn:microsoft.com/office/officeart/2005/8/layout/hierarchy3"/>
+    <dgm:cxn modelId="{77917A58-C306-4CDB-9728-8CABB9E90F23}" srcId="{B66C6E76-A77D-4BAE-A190-E7C7B99630D5}" destId="{E4BAB214-F282-46A9-895A-D9BD0E84DB3F}" srcOrd="4" destOrd="0" parTransId="{1317B38D-2A30-4107-9F27-1500BCF7FC6F}" sibTransId="{DE121C5A-11BE-40E6-8198-0350C8D6F7E3}"/>
+    <dgm:cxn modelId="{6790B4E7-E0EE-41EB-945C-C376AB2B23D3}" type="presOf" srcId="{EFA38823-71A3-47C6-B0F4-1CB6C01186B4}" destId="{7FB5A010-9A56-4829-B858-D0D824AEF6AD}" srcOrd="0" destOrd="0" presId="urn:microsoft.com/office/officeart/2005/8/layout/hierarchy3"/>
+    <dgm:cxn modelId="{8CE7A1E4-01AE-4101-A0D1-215458C22FFF}" type="presOf" srcId="{391C7100-F7CB-404F-9784-D4A0A18ED1F2}" destId="{D69BB881-E2F5-44B9-9DBD-6D90C7DB7496}" srcOrd="0" destOrd="0" presId="urn:microsoft.com/office/officeart/2005/8/layout/hierarchy3"/>
+    <dgm:cxn modelId="{C700B7A0-B850-465C-92CF-40C1B3CB7820}" srcId="{D23EB86A-71BB-4A40-A569-8B77FDBE02FA}" destId="{E37FFE57-7D3E-4712-B6FD-24123D60E026}" srcOrd="0" destOrd="0" parTransId="{1D5B013C-3814-4DBA-A114-793515C3A175}" sibTransId="{58BF5B3D-7E93-45F1-9609-42AD7A3F58C9}"/>
+    <dgm:cxn modelId="{A72944CA-EA98-4912-BD8E-D7A0B9B4AAED}" type="presOf" srcId="{E4BAB214-F282-46A9-895A-D9BD0E84DB3F}" destId="{5F110DA3-1DE8-4F12-A68F-86C4A5BF1E8C}" srcOrd="0" destOrd="0" presId="urn:microsoft.com/office/officeart/2005/8/layout/hierarchy3"/>
+    <dgm:cxn modelId="{8DBEE0CF-9820-4CCB-9C43-3E263D8F0A78}" type="presOf" srcId="{27188142-555D-4CE0-8FCC-5EF4E1AE4524}" destId="{4A64C365-06C2-46B7-B947-59EF5BE39B6D}" srcOrd="0" destOrd="0" presId="urn:microsoft.com/office/officeart/2005/8/layout/hierarchy3"/>
+    <dgm:cxn modelId="{63DAAF5A-D4FF-4C0A-9DE7-FE4E42A34343}" srcId="{B66C6E76-A77D-4BAE-A190-E7C7B99630D5}" destId="{6D187876-D73A-4DA0-8A96-0B77CF7C51D8}" srcOrd="2" destOrd="0" parTransId="{E37E2F2F-CD39-482B-9878-0ED5657CF008}" sibTransId="{EE27B221-B777-430B-861D-692C62998E99}"/>
+    <dgm:cxn modelId="{8212B852-43EB-4FCB-93B4-34B834DF133D}" srcId="{B66C6E76-A77D-4BAE-A190-E7C7B99630D5}" destId="{49F53E7A-EFE3-49C9-BF91-10D4091DFF4B}" srcOrd="0" destOrd="0" parTransId="{7B27C1B8-5A68-42C8-A979-98E005722E76}" sibTransId="{A06AD473-1F5F-4C00-8E2A-03122FCC05B6}"/>
+    <dgm:cxn modelId="{E82A3251-91DA-4815-893B-2CB56E9913F8}" type="presOf" srcId="{37769943-29F6-4B68-A449-5DEE7577C941}" destId="{6CF04F40-20BC-4EE2-A8E0-91CE9C5F4FA8}" srcOrd="0" destOrd="0" presId="urn:microsoft.com/office/officeart/2005/8/layout/hierarchy3"/>
+    <dgm:cxn modelId="{F3019377-656E-4845-BB8D-F38DE89FFE4F}" type="presOf" srcId="{E37E2F2F-CD39-482B-9878-0ED5657CF008}" destId="{2F157E92-6736-4A13-A6CB-BE96A53AFD9F}" srcOrd="0" destOrd="0" presId="urn:microsoft.com/office/officeart/2005/8/layout/hierarchy3"/>
+    <dgm:cxn modelId="{0FFF8C14-2898-4723-981D-EC8EE61DB3B7}" type="presOf" srcId="{548E3DBA-F067-4E78-8538-35AFB2F1818B}" destId="{831964B1-E01A-4C78-9158-C8D63428B7DA}" srcOrd="0" destOrd="0" presId="urn:microsoft.com/office/officeart/2005/8/layout/hierarchy3"/>
+    <dgm:cxn modelId="{1AF40643-3595-471D-A426-BD67B82D5BD6}" type="presOf" srcId="{E37FFE57-7D3E-4712-B6FD-24123D60E026}" destId="{62B5FB75-42A9-43BC-8FD2-7AB5067B12F7}" srcOrd="0" destOrd="0" presId="urn:microsoft.com/office/officeart/2005/8/layout/hierarchy3"/>
+    <dgm:cxn modelId="{AF1A09EC-49C6-4006-B436-7A9942329C9D}" type="presOf" srcId="{49F53E7A-EFE3-49C9-BF91-10D4091DFF4B}" destId="{6817C1B7-11FB-4758-B864-210D01678FDC}" srcOrd="0" destOrd="0" presId="urn:microsoft.com/office/officeart/2005/8/layout/hierarchy3"/>
+    <dgm:cxn modelId="{76A55E50-AF99-47A3-9455-AAFCB2256592}" srcId="{D23EB86A-71BB-4A40-A569-8B77FDBE02FA}" destId="{EE83A711-B233-4784-8790-B3D0B5AA4273}" srcOrd="2" destOrd="0" parTransId="{37769943-29F6-4B68-A449-5DEE7577C941}" sibTransId="{A43C7F0B-AC09-44C4-A7DC-DA92D0A575C5}"/>
+    <dgm:cxn modelId="{0B714DB5-1905-4C10-B2C3-52DE000CC7EE}" type="presOf" srcId="{2B7155C7-BEBA-47E6-A611-578103620110}" destId="{3548ED33-673B-47FB-8DF9-F219CFA710BC}" srcOrd="0" destOrd="0" presId="urn:microsoft.com/office/officeart/2005/8/layout/hierarchy3"/>
+    <dgm:cxn modelId="{DE2D8074-B02B-4163-ABB6-4E5E83ACBA7D}" srcId="{2532EC49-0FBE-4774-B31A-BBBB468170F7}" destId="{B66C6E76-A77D-4BAE-A190-E7C7B99630D5}" srcOrd="1" destOrd="0" parTransId="{B563D8E4-CC74-46B1-AD2F-0A19BF88D530}" sibTransId="{3A1A347E-7FA0-4BF5-BF25-0A9BF0BDF025}"/>
+    <dgm:cxn modelId="{4E9237CA-E46C-41CD-95BD-742F8950EEB9}" srcId="{B66C6E76-A77D-4BAE-A190-E7C7B99630D5}" destId="{95D8C2BB-FFF3-4F61-8445-6BF1251A0DDC}" srcOrd="3" destOrd="0" parTransId="{391C7100-F7CB-404F-9784-D4A0A18ED1F2}" sibTransId="{18C0857F-72C1-4B18-89F2-5D3B4F04A762}"/>
+    <dgm:cxn modelId="{4BA34B07-DA3A-4E4B-B5DC-913EF5747AE2}" type="presOf" srcId="{1317B38D-2A30-4107-9F27-1500BCF7FC6F}" destId="{4F01DEA1-6963-411C-B81A-F6998C0C045E}" srcOrd="0" destOrd="0" presId="urn:microsoft.com/office/officeart/2005/8/layout/hierarchy3"/>
+    <dgm:cxn modelId="{4FD3DC13-0721-431D-8738-4EDFC6E8A940}" type="presOf" srcId="{26EAFC01-7D93-44D6-B927-7C773411E24C}" destId="{0E7FBF3B-7D1F-4A68-8FFB-C953C781DE15}" srcOrd="0" destOrd="0" presId="urn:microsoft.com/office/officeart/2005/8/layout/hierarchy3"/>
     <dgm:cxn modelId="{950CD349-9C7F-4583-8ED7-AE6EB571A6CD}" type="presOf" srcId="{DA8DF7CA-1898-479A-AB8B-30F622A20386}" destId="{59F0254C-AFAD-4E3D-A8F7-6171D1D72BE5}" srcOrd="0" destOrd="0" presId="urn:microsoft.com/office/officeart/2005/8/layout/hierarchy3"/>
+    <dgm:cxn modelId="{C93775F6-F432-4330-8A6D-42759A0EB22C}" srcId="{B66C6E76-A77D-4BAE-A190-E7C7B99630D5}" destId="{26EAFC01-7D93-44D6-B927-7C773411E24C}" srcOrd="1" destOrd="0" parTransId="{8BD967C0-A55D-48F9-95B1-733E8F50B17C}" sibTransId="{DDE37BE1-2D8B-4961-ACB4-7512244992A5}"/>
+    <dgm:cxn modelId="{F989FA39-FD22-4920-A3AF-2C476F51F7CD}" type="presOf" srcId="{D28794C1-D31F-40DE-AE24-412233A7CACB}" destId="{CC93376A-112F-470C-A92E-6B9C4768A381}" srcOrd="0" destOrd="0" presId="urn:microsoft.com/office/officeart/2005/8/layout/hierarchy3"/>
+    <dgm:cxn modelId="{C1C2960F-E59B-4440-A2DC-E6C8222CBDEE}" srcId="{D23EB86A-71BB-4A40-A569-8B77FDBE02FA}" destId="{C1E12F4A-6EB8-4EF1-9A2E-60BEBFA81592}" srcOrd="1" destOrd="0" parTransId="{3839A656-D98B-47E9-A658-DF73304CEB18}" sibTransId="{22D1E09B-DC05-4745-B8F2-30FA2BC8B359}"/>
+    <dgm:cxn modelId="{61C9982F-CD29-461E-B7A2-844320B3320E}" type="presOf" srcId="{D29747DE-81BE-44CC-ADFA-D349E8B24264}" destId="{8C1715B6-BA7B-438E-97EB-8AEC5ECBF87A}" srcOrd="0" destOrd="0" presId="urn:microsoft.com/office/officeart/2005/8/layout/hierarchy3"/>
+    <dgm:cxn modelId="{C21777D7-7565-44BF-85F7-0C02E051AAA0}" type="presOf" srcId="{B66C6E76-A77D-4BAE-A190-E7C7B99630D5}" destId="{2D6695BE-25C1-46C7-8352-964F3DB123E4}" srcOrd="0" destOrd="0" presId="urn:microsoft.com/office/officeart/2005/8/layout/hierarchy3"/>
+    <dgm:cxn modelId="{B7DA8A26-DCF4-479F-8D62-54606673305A}" type="presOf" srcId="{3F425AB1-C509-4C12-835D-8FB48463C56E}" destId="{B128F964-9EE8-46FF-B519-C8284E2BB040}" srcOrd="0" destOrd="0" presId="urn:microsoft.com/office/officeart/2005/8/layout/hierarchy3"/>
+    <dgm:cxn modelId="{C63FD1B0-EEE3-4366-A02B-3EBF816D33FA}" srcId="{B66C6E76-A77D-4BAE-A190-E7C7B99630D5}" destId="{EFA38823-71A3-47C6-B0F4-1CB6C01186B4}" srcOrd="5" destOrd="0" parTransId="{6D2CB1FD-153F-413A-9094-97A8C82D1A59}" sibTransId="{F36243A3-0694-4470-B3FF-00EC19796C92}"/>
+    <dgm:cxn modelId="{9C9BE23E-6612-44C5-9CFE-9CC7832BF2A5}" srcId="{D23EB86A-71BB-4A40-A569-8B77FDBE02FA}" destId="{D29747DE-81BE-44CC-ADFA-D349E8B24264}" srcOrd="3" destOrd="0" parTransId="{DA8DF7CA-1898-479A-AB8B-30F622A20386}" sibTransId="{F71EDA71-5AF9-41DC-841C-C32CB38CA494}"/>
+    <dgm:cxn modelId="{5ECC07F0-D5CC-4968-A0C6-9C1D48CA3C36}" srcId="{2532EC49-0FBE-4774-B31A-BBBB468170F7}" destId="{D23EB86A-71BB-4A40-A569-8B77FDBE02FA}" srcOrd="0" destOrd="0" parTransId="{6D067A31-E2BD-456C-9D7E-4D8644E3311A}" sibTransId="{D4EEEF3F-A295-43A8-97BA-8D293266F8CC}"/>
+    <dgm:cxn modelId="{775362DD-7045-4F1C-AA3F-3062D1029467}" type="presOf" srcId="{D23EB86A-71BB-4A40-A569-8B77FDBE02FA}" destId="{A75A51E0-87EF-40A0-961A-12248580B45C}" srcOrd="1" destOrd="0" presId="urn:microsoft.com/office/officeart/2005/8/layout/hierarchy3"/>
+    <dgm:cxn modelId="{C6AEAA7A-BF9A-4195-B4A4-5F0A6B9FD8BF}" type="presOf" srcId="{6D187876-D73A-4DA0-8A96-0B77CF7C51D8}" destId="{548B7762-B5B8-4C69-88AE-F72473B32CBC}" srcOrd="0" destOrd="0" presId="urn:microsoft.com/office/officeart/2005/8/layout/hierarchy3"/>
+    <dgm:cxn modelId="{7D6FF0F7-548D-4CE5-8A7E-1EB8380B0229}" type="presOf" srcId="{C1E12F4A-6EB8-4EF1-9A2E-60BEBFA81592}" destId="{4BFBAF82-2A9D-4DC1-A988-0880718FA259}" srcOrd="0" destOrd="0" presId="urn:microsoft.com/office/officeart/2005/8/layout/hierarchy3"/>
+    <dgm:cxn modelId="{126129EF-FD55-4092-A572-7657075334A6}" type="presOf" srcId="{95D8C2BB-FFF3-4F61-8445-6BF1251A0DDC}" destId="{50E43E93-9EF6-4576-8695-D64977549991}" srcOrd="0" destOrd="0" presId="urn:microsoft.com/office/officeart/2005/8/layout/hierarchy3"/>
+    <dgm:cxn modelId="{AB861BCE-5919-4B0A-A9F5-9564E777362E}" type="presOf" srcId="{52572F2B-AAE6-4BE9-9BBD-CB4C6B7CD675}" destId="{A5E6D460-1049-4DD1-B5F1-BB5A03E46C6F}" srcOrd="0" destOrd="0" presId="urn:microsoft.com/office/officeart/2005/8/layout/hierarchy3"/>
+    <dgm:cxn modelId="{36B9DA8C-A689-4553-832D-61EB7B85622D}" srcId="{D23EB86A-71BB-4A40-A569-8B77FDBE02FA}" destId="{52572F2B-AAE6-4BE9-9BBD-CB4C6B7CD675}" srcOrd="6" destOrd="0" parTransId="{D28794C1-D31F-40DE-AE24-412233A7CACB}" sibTransId="{77A8EC62-DEC3-4292-ABC8-A6168E4C97F0}"/>
     <dgm:cxn modelId="{A2F9B0F4-AA78-4158-8B2E-635DF7ACED91}" type="presOf" srcId="{6D2CB1FD-153F-413A-9094-97A8C82D1A59}" destId="{42A4DB9D-6604-49D8-A581-EB7995E16BE9}" srcOrd="0" destOrd="0" presId="urn:microsoft.com/office/officeart/2005/8/layout/hierarchy3"/>
-    <dgm:cxn modelId="{A72944CA-EA98-4912-BD8E-D7A0B9B4AAED}" type="presOf" srcId="{E4BAB214-F282-46A9-895A-D9BD0E84DB3F}" destId="{5F110DA3-1DE8-4F12-A68F-86C4A5BF1E8C}" srcOrd="0" destOrd="0" presId="urn:microsoft.com/office/officeart/2005/8/layout/hierarchy3"/>
-    <dgm:cxn modelId="{E82A3251-91DA-4815-893B-2CB56E9913F8}" type="presOf" srcId="{37769943-29F6-4B68-A449-5DEE7577C941}" destId="{6CF04F40-20BC-4EE2-A8E0-91CE9C5F4FA8}" srcOrd="0" destOrd="0" presId="urn:microsoft.com/office/officeart/2005/8/layout/hierarchy3"/>
-    <dgm:cxn modelId="{C1C2960F-E59B-4440-A2DC-E6C8222CBDEE}" srcId="{D23EB86A-71BB-4A40-A569-8B77FDBE02FA}" destId="{C1E12F4A-6EB8-4EF1-9A2E-60BEBFA81592}" srcOrd="1" destOrd="0" parTransId="{3839A656-D98B-47E9-A658-DF73304CEB18}" sibTransId="{22D1E09B-DC05-4745-B8F2-30FA2BC8B359}"/>
-    <dgm:cxn modelId="{04D223AD-2624-412D-ADE6-DA2BEFC8FCB6}" type="presOf" srcId="{8BD967C0-A55D-48F9-95B1-733E8F50B17C}" destId="{0B3358E2-26D5-461E-AD31-7A4654034337}" srcOrd="0" destOrd="0" presId="urn:microsoft.com/office/officeart/2005/8/layout/hierarchy3"/>
-    <dgm:cxn modelId="{4FD3DC13-0721-431D-8738-4EDFC6E8A940}" type="presOf" srcId="{26EAFC01-7D93-44D6-B927-7C773411E24C}" destId="{0E7FBF3B-7D1F-4A68-8FFB-C953C781DE15}" srcOrd="0" destOrd="0" presId="urn:microsoft.com/office/officeart/2005/8/layout/hierarchy3"/>
-    <dgm:cxn modelId="{36B9DA8C-A689-4553-832D-61EB7B85622D}" srcId="{D23EB86A-71BB-4A40-A569-8B77FDBE02FA}" destId="{52572F2B-AAE6-4BE9-9BBD-CB4C6B7CD675}" srcOrd="6" destOrd="0" parTransId="{D28794C1-D31F-40DE-AE24-412233A7CACB}" sibTransId="{77A8EC62-DEC3-4292-ABC8-A6168E4C97F0}"/>
-    <dgm:cxn modelId="{7D6FF0F7-548D-4CE5-8A7E-1EB8380B0229}" type="presOf" srcId="{C1E12F4A-6EB8-4EF1-9A2E-60BEBFA81592}" destId="{4BFBAF82-2A9D-4DC1-A988-0880718FA259}" srcOrd="0" destOrd="0" presId="urn:microsoft.com/office/officeart/2005/8/layout/hierarchy3"/>
-    <dgm:cxn modelId="{E6C387B6-7931-4BB6-ABF0-EC9F8067348D}" type="presOf" srcId="{3839A656-D98B-47E9-A658-DF73304CEB18}" destId="{E91EC1B8-A184-48D1-9A69-E934B5C7B28A}" srcOrd="0" destOrd="0" presId="urn:microsoft.com/office/officeart/2005/8/layout/hierarchy3"/>
-    <dgm:cxn modelId="{4153DA9D-BE1A-43D1-84E0-B20DC04273A1}" type="presOf" srcId="{B66C6E76-A77D-4BAE-A190-E7C7B99630D5}" destId="{06CA16BD-3E66-4C53-92B0-52C52AD63648}" srcOrd="1" destOrd="0" presId="urn:microsoft.com/office/officeart/2005/8/layout/hierarchy3"/>
-    <dgm:cxn modelId="{6790B4E7-E0EE-41EB-945C-C376AB2B23D3}" type="presOf" srcId="{EFA38823-71A3-47C6-B0F4-1CB6C01186B4}" destId="{7FB5A010-9A56-4829-B858-D0D824AEF6AD}" srcOrd="0" destOrd="0" presId="urn:microsoft.com/office/officeart/2005/8/layout/hierarchy3"/>
-    <dgm:cxn modelId="{0B714DB5-1905-4C10-B2C3-52DE000CC7EE}" type="presOf" srcId="{2B7155C7-BEBA-47E6-A611-578103620110}" destId="{3548ED33-673B-47FB-8DF9-F219CFA710BC}" srcOrd="0" destOrd="0" presId="urn:microsoft.com/office/officeart/2005/8/layout/hierarchy3"/>
-    <dgm:cxn modelId="{4E9237CA-E46C-41CD-95BD-742F8950EEB9}" srcId="{B66C6E76-A77D-4BAE-A190-E7C7B99630D5}" destId="{95D8C2BB-FFF3-4F61-8445-6BF1251A0DDC}" srcOrd="3" destOrd="0" parTransId="{391C7100-F7CB-404F-9784-D4A0A18ED1F2}" sibTransId="{18C0857F-72C1-4B18-89F2-5D3B4F04A762}"/>
-    <dgm:cxn modelId="{B9A282EA-EB5D-4740-A114-7A5FDEC3F13F}" type="presOf" srcId="{1D5B013C-3814-4DBA-A114-793515C3A175}" destId="{36E41940-D6AE-4B61-9614-578943ADDEBE}" srcOrd="0" destOrd="0" presId="urn:microsoft.com/office/officeart/2005/8/layout/hierarchy3"/>
-    <dgm:cxn modelId="{0FFF8C14-2898-4723-981D-EC8EE61DB3B7}" type="presOf" srcId="{548E3DBA-F067-4E78-8538-35AFB2F1818B}" destId="{831964B1-E01A-4C78-9158-C8D63428B7DA}" srcOrd="0" destOrd="0" presId="urn:microsoft.com/office/officeart/2005/8/layout/hierarchy3"/>
-    <dgm:cxn modelId="{9C9BE23E-6612-44C5-9CFE-9CC7832BF2A5}" srcId="{D23EB86A-71BB-4A40-A569-8B77FDBE02FA}" destId="{D29747DE-81BE-44CC-ADFA-D349E8B24264}" srcOrd="3" destOrd="0" parTransId="{DA8DF7CA-1898-479A-AB8B-30F622A20386}" sibTransId="{F71EDA71-5AF9-41DC-841C-C32CB38CA494}"/>
-    <dgm:cxn modelId="{63DAAF5A-D4FF-4C0A-9DE7-FE4E42A34343}" srcId="{B66C6E76-A77D-4BAE-A190-E7C7B99630D5}" destId="{6D187876-D73A-4DA0-8A96-0B77CF7C51D8}" srcOrd="2" destOrd="0" parTransId="{E37E2F2F-CD39-482B-9878-0ED5657CF008}" sibTransId="{EE27B221-B777-430B-861D-692C62998E99}"/>
-    <dgm:cxn modelId="{0DAEDA3B-FE33-4B1C-9C27-E2E206218952}" srcId="{D23EB86A-71BB-4A40-A569-8B77FDBE02FA}" destId="{2B7155C7-BEBA-47E6-A611-578103620110}" srcOrd="4" destOrd="0" parTransId="{3F425AB1-C509-4C12-835D-8FB48463C56E}" sibTransId="{838E31E3-BBA0-4DFD-8508-33E3D64F2DF2}"/>
-    <dgm:cxn modelId="{126129EF-FD55-4092-A572-7657075334A6}" type="presOf" srcId="{95D8C2BB-FFF3-4F61-8445-6BF1251A0DDC}" destId="{50E43E93-9EF6-4576-8695-D64977549991}" srcOrd="0" destOrd="0" presId="urn:microsoft.com/office/officeart/2005/8/layout/hierarchy3"/>
-    <dgm:cxn modelId="{76A55E50-AF99-47A3-9455-AAFCB2256592}" srcId="{D23EB86A-71BB-4A40-A569-8B77FDBE02FA}" destId="{EE83A711-B233-4784-8790-B3D0B5AA4273}" srcOrd="2" destOrd="0" parTransId="{37769943-29F6-4B68-A449-5DEE7577C941}" sibTransId="{A43C7F0B-AC09-44C4-A7DC-DA92D0A575C5}"/>
-    <dgm:cxn modelId="{C63FD1B0-EEE3-4366-A02B-3EBF816D33FA}" srcId="{B66C6E76-A77D-4BAE-A190-E7C7B99630D5}" destId="{EFA38823-71A3-47C6-B0F4-1CB6C01186B4}" srcOrd="5" destOrd="0" parTransId="{6D2CB1FD-153F-413A-9094-97A8C82D1A59}" sibTransId="{F36243A3-0694-4470-B3FF-00EC19796C92}"/>
-    <dgm:cxn modelId="{4BA34B07-DA3A-4E4B-B5DC-913EF5747AE2}" type="presOf" srcId="{1317B38D-2A30-4107-9F27-1500BCF7FC6F}" destId="{4F01DEA1-6963-411C-B81A-F6998C0C045E}" srcOrd="0" destOrd="0" presId="urn:microsoft.com/office/officeart/2005/8/layout/hierarchy3"/>
-    <dgm:cxn modelId="{C765AA97-1366-4652-8C13-4650968F60CF}" type="presOf" srcId="{2532EC49-0FBE-4774-B31A-BBBB468170F7}" destId="{630F3D18-F2FD-492C-B34C-7F4ABA982010}" srcOrd="0" destOrd="0" presId="urn:microsoft.com/office/officeart/2005/8/layout/hierarchy3"/>
-    <dgm:cxn modelId="{9BEBC980-A36E-4C4A-A8DA-4CB6EEA808A1}" srcId="{D23EB86A-71BB-4A40-A569-8B77FDBE02FA}" destId="{548E3DBA-F067-4E78-8538-35AFB2F1818B}" srcOrd="5" destOrd="0" parTransId="{27188142-555D-4CE0-8FCC-5EF4E1AE4524}" sibTransId="{8FD1163F-C701-4469-B412-1D17C50819E9}"/>
-    <dgm:cxn modelId="{F989FA39-FD22-4920-A3AF-2C476F51F7CD}" type="presOf" srcId="{D28794C1-D31F-40DE-AE24-412233A7CACB}" destId="{CC93376A-112F-470C-A92E-6B9C4768A381}" srcOrd="0" destOrd="0" presId="urn:microsoft.com/office/officeart/2005/8/layout/hierarchy3"/>
-    <dgm:cxn modelId="{10F3401B-B541-4202-8EB4-FC6B333D53C3}" type="presOf" srcId="{7B27C1B8-5A68-42C8-A979-98E005722E76}" destId="{665B2015-8348-4619-A88A-458FE46C5216}" srcOrd="0" destOrd="0" presId="urn:microsoft.com/office/officeart/2005/8/layout/hierarchy3"/>
-    <dgm:cxn modelId="{61C9982F-CD29-461E-B7A2-844320B3320E}" type="presOf" srcId="{D29747DE-81BE-44CC-ADFA-D349E8B24264}" destId="{8C1715B6-BA7B-438E-97EB-8AEC5ECBF87A}" srcOrd="0" destOrd="0" presId="urn:microsoft.com/office/officeart/2005/8/layout/hierarchy3"/>
-    <dgm:cxn modelId="{AB861BCE-5919-4B0A-A9F5-9564E777362E}" type="presOf" srcId="{52572F2B-AAE6-4BE9-9BBD-CB4C6B7CD675}" destId="{A5E6D460-1049-4DD1-B5F1-BB5A03E46C6F}" srcOrd="0" destOrd="0" presId="urn:microsoft.com/office/officeart/2005/8/layout/hierarchy3"/>
-    <dgm:cxn modelId="{C21777D7-7565-44BF-85F7-0C02E051AAA0}" type="presOf" srcId="{B66C6E76-A77D-4BAE-A190-E7C7B99630D5}" destId="{2D6695BE-25C1-46C7-8352-964F3DB123E4}" srcOrd="0" destOrd="0" presId="urn:microsoft.com/office/officeart/2005/8/layout/hierarchy3"/>
-    <dgm:cxn modelId="{77917A58-C306-4CDB-9728-8CABB9E90F23}" srcId="{B66C6E76-A77D-4BAE-A190-E7C7B99630D5}" destId="{E4BAB214-F282-46A9-895A-D9BD0E84DB3F}" srcOrd="4" destOrd="0" parTransId="{1317B38D-2A30-4107-9F27-1500BCF7FC6F}" sibTransId="{DE121C5A-11BE-40E6-8198-0350C8D6F7E3}"/>
-    <dgm:cxn modelId="{775362DD-7045-4F1C-AA3F-3062D1029467}" type="presOf" srcId="{D23EB86A-71BB-4A40-A569-8B77FDBE02FA}" destId="{A75A51E0-87EF-40A0-961A-12248580B45C}" srcOrd="1" destOrd="0" presId="urn:microsoft.com/office/officeart/2005/8/layout/hierarchy3"/>
-    <dgm:cxn modelId="{DE2D8074-B02B-4163-ABB6-4E5E83ACBA7D}" srcId="{2532EC49-0FBE-4774-B31A-BBBB468170F7}" destId="{B66C6E76-A77D-4BAE-A190-E7C7B99630D5}" srcOrd="1" destOrd="0" parTransId="{B563D8E4-CC74-46B1-AD2F-0A19BF88D530}" sibTransId="{3A1A347E-7FA0-4BF5-BF25-0A9BF0BDF025}"/>
-    <dgm:cxn modelId="{C700B7A0-B850-465C-92CF-40C1B3CB7820}" srcId="{D23EB86A-71BB-4A40-A569-8B77FDBE02FA}" destId="{E37FFE57-7D3E-4712-B6FD-24123D60E026}" srcOrd="0" destOrd="0" parTransId="{1D5B013C-3814-4DBA-A114-793515C3A175}" sibTransId="{58BF5B3D-7E93-45F1-9609-42AD7A3F58C9}"/>
-    <dgm:cxn modelId="{AF1A09EC-49C6-4006-B436-7A9942329C9D}" type="presOf" srcId="{49F53E7A-EFE3-49C9-BF91-10D4091DFF4B}" destId="{6817C1B7-11FB-4758-B864-210D01678FDC}" srcOrd="0" destOrd="0" presId="urn:microsoft.com/office/officeart/2005/8/layout/hierarchy3"/>
-    <dgm:cxn modelId="{C6AEAA7A-BF9A-4195-B4A4-5F0A6B9FD8BF}" type="presOf" srcId="{6D187876-D73A-4DA0-8A96-0B77CF7C51D8}" destId="{548B7762-B5B8-4C69-88AE-F72473B32CBC}" srcOrd="0" destOrd="0" presId="urn:microsoft.com/office/officeart/2005/8/layout/hierarchy3"/>
-    <dgm:cxn modelId="{8DBEE0CF-9820-4CCB-9C43-3E263D8F0A78}" type="presOf" srcId="{27188142-555D-4CE0-8FCC-5EF4E1AE4524}" destId="{4A64C365-06C2-46B7-B947-59EF5BE39B6D}" srcOrd="0" destOrd="0" presId="urn:microsoft.com/office/officeart/2005/8/layout/hierarchy3"/>
-    <dgm:cxn modelId="{C93775F6-F432-4330-8A6D-42759A0EB22C}" srcId="{B66C6E76-A77D-4BAE-A190-E7C7B99630D5}" destId="{26EAFC01-7D93-44D6-B927-7C773411E24C}" srcOrd="1" destOrd="0" parTransId="{8BD967C0-A55D-48F9-95B1-733E8F50B17C}" sibTransId="{DDE37BE1-2D8B-4961-ACB4-7512244992A5}"/>
-    <dgm:cxn modelId="{8212B852-43EB-4FCB-93B4-34B834DF133D}" srcId="{B66C6E76-A77D-4BAE-A190-E7C7B99630D5}" destId="{49F53E7A-EFE3-49C9-BF91-10D4091DFF4B}" srcOrd="0" destOrd="0" parTransId="{7B27C1B8-5A68-42C8-A979-98E005722E76}" sibTransId="{A06AD473-1F5F-4C00-8E2A-03122FCC05B6}"/>
-    <dgm:cxn modelId="{8CE7A1E4-01AE-4101-A0D1-215458C22FFF}" type="presOf" srcId="{391C7100-F7CB-404F-9784-D4A0A18ED1F2}" destId="{D69BB881-E2F5-44B9-9DBD-6D90C7DB7496}" srcOrd="0" destOrd="0" presId="urn:microsoft.com/office/officeart/2005/8/layout/hierarchy3"/>
-    <dgm:cxn modelId="{3D0A4717-B8D7-4576-9FA5-10F0E5488DE9}" type="presOf" srcId="{D23EB86A-71BB-4A40-A569-8B77FDBE02FA}" destId="{72B13844-B30E-425B-9C7A-1663396A215A}" srcOrd="0" destOrd="0" presId="urn:microsoft.com/office/officeart/2005/8/layout/hierarchy3"/>
-    <dgm:cxn modelId="{B7DA8A26-DCF4-479F-8D62-54606673305A}" type="presOf" srcId="{3F425AB1-C509-4C12-835D-8FB48463C56E}" destId="{B128F964-9EE8-46FF-B519-C8284E2BB040}" srcOrd="0" destOrd="0" presId="urn:microsoft.com/office/officeart/2005/8/layout/hierarchy3"/>
-    <dgm:cxn modelId="{5ECC07F0-D5CC-4968-A0C6-9C1D48CA3C36}" srcId="{2532EC49-0FBE-4774-B31A-BBBB468170F7}" destId="{D23EB86A-71BB-4A40-A569-8B77FDBE02FA}" srcOrd="0" destOrd="0" parTransId="{6D067A31-E2BD-456C-9D7E-4D8644E3311A}" sibTransId="{D4EEEF3F-A295-43A8-97BA-8D293266F8CC}"/>
-    <dgm:cxn modelId="{1AF40643-3595-471D-A426-BD67B82D5BD6}" type="presOf" srcId="{E37FFE57-7D3E-4712-B6FD-24123D60E026}" destId="{62B5FB75-42A9-43BC-8FD2-7AB5067B12F7}" srcOrd="0" destOrd="0" presId="urn:microsoft.com/office/officeart/2005/8/layout/hierarchy3"/>
-    <dgm:cxn modelId="{C571757F-977E-42C8-9358-F310B414AE16}" type="presOf" srcId="{EE83A711-B233-4784-8790-B3D0B5AA4273}" destId="{7E81931F-3C81-4DB3-82D5-109D76282892}" srcOrd="0" destOrd="0" presId="urn:microsoft.com/office/officeart/2005/8/layout/hierarchy3"/>
-    <dgm:cxn modelId="{F3019377-656E-4845-BB8D-F38DE89FFE4F}" type="presOf" srcId="{E37E2F2F-CD39-482B-9878-0ED5657CF008}" destId="{2F157E92-6736-4A13-A6CB-BE96A53AFD9F}" srcOrd="0" destOrd="0" presId="urn:microsoft.com/office/officeart/2005/8/layout/hierarchy3"/>
     <dgm:cxn modelId="{0AA03739-D2AB-4404-B06F-16926BA2ADE5}" type="presParOf" srcId="{630F3D18-F2FD-492C-B34C-7F4ABA982010}" destId="{95A8F5A5-B508-4717-9764-313C12304A7F}" srcOrd="0" destOrd="0" presId="urn:microsoft.com/office/officeart/2005/8/layout/hierarchy3"/>
     <dgm:cxn modelId="{2D7F8ACA-CF27-4639-B557-8DA473DB66FB}" type="presParOf" srcId="{95A8F5A5-B508-4717-9764-313C12304A7F}" destId="{98AA41C0-3CF6-433B-B897-F1DC4F31436D}" srcOrd="0" destOrd="0" presId="urn:microsoft.com/office/officeart/2005/8/layout/hierarchy3"/>
     <dgm:cxn modelId="{372AD94D-EE9D-4370-889F-61BD7C880DE7}" type="presParOf" srcId="{98AA41C0-3CF6-433B-B897-F1DC4F31436D}" destId="{72B13844-B30E-425B-9C7A-1663396A215A}" srcOrd="0" destOrd="0" presId="urn:microsoft.com/office/officeart/2005/8/layout/hierarchy3"/>
@@ -2048,1998 +2036,6 @@
       <dsp:cNvGrpSpPr/>
     </dsp:nvGrpSpPr>
     <dsp:grpSpPr/>
-    <dsp:sp modelId="{72B13844-B30E-425B-9C7A-1663396A215A}">
-      <dsp:nvSpPr>
-        <dsp:cNvPr id="0" name=""/>
-        <dsp:cNvSpPr/>
-      </dsp:nvSpPr>
-      <dsp:spPr>
-        <a:xfrm>
-          <a:off x="1746298" y="3576"/>
-          <a:ext cx="1003750" cy="501875"/>
-        </a:xfrm>
-        <a:prstGeom prst="roundRect">
-          <a:avLst>
-            <a:gd name="adj" fmla="val 10000"/>
-          </a:avLst>
-        </a:prstGeom>
-        <a:gradFill rotWithShape="0">
-          <a:gsLst>
-            <a:gs pos="0">
-              <a:schemeClr val="accent1">
-                <a:hueOff val="0"/>
-                <a:satOff val="0"/>
-                <a:lumOff val="0"/>
-                <a:alphaOff val="0"/>
-                <a:tint val="98000"/>
-                <a:lumMod val="114000"/>
-              </a:schemeClr>
-            </a:gs>
-            <a:gs pos="100000">
-              <a:schemeClr val="accent1">
-                <a:hueOff val="0"/>
-                <a:satOff val="0"/>
-                <a:lumOff val="0"/>
-                <a:alphaOff val="0"/>
-                <a:shade val="90000"/>
-                <a:lumMod val="84000"/>
-              </a:schemeClr>
-            </a:gs>
-          </a:gsLst>
-          <a:lin ang="5400000" scaled="0"/>
-        </a:gradFill>
-        <a:ln>
-          <a:noFill/>
-        </a:ln>
-        <a:effectLst>
-          <a:outerShdw blurRad="38100" dist="25400" dir="5400000" rotWithShape="0">
-            <a:srgbClr val="000000">
-              <a:alpha val="45000"/>
-            </a:srgbClr>
-          </a:outerShdw>
-        </a:effectLst>
-      </dsp:spPr>
-      <dsp:style>
-        <a:lnRef idx="0">
-          <a:scrgbClr r="0" g="0" b="0"/>
-        </a:lnRef>
-        <a:fillRef idx="3">
-          <a:scrgbClr r="0" g="0" b="0"/>
-        </a:fillRef>
-        <a:effectRef idx="2">
-          <a:scrgbClr r="0" g="0" b="0"/>
-        </a:effectRef>
-        <a:fontRef idx="minor">
-          <a:schemeClr val="lt1"/>
-        </a:fontRef>
-      </dsp:style>
-      <dsp:txBody>
-        <a:bodyPr spcFirstLastPara="0" vert="horz" wrap="square" lIns="51435" tIns="34290" rIns="51435" bIns="34290" numCol="1" spcCol="1270" anchor="ctr" anchorCtr="0">
-          <a:noAutofit/>
-        </a:bodyPr>
-        <a:lstStyle/>
-        <a:p>
-          <a:pPr lvl="0" algn="ctr" defTabSz="1200150">
-            <a:lnSpc>
-              <a:spcPct val="90000"/>
-            </a:lnSpc>
-            <a:spcBef>
-              <a:spcPct val="0"/>
-            </a:spcBef>
-            <a:spcAft>
-              <a:spcPct val="35000"/>
-            </a:spcAft>
-          </a:pPr>
-          <a:r>
-            <a:rPr lang="pt-PT" sz="2700" kern="1200" dirty="0" smtClean="0"/>
-            <a:t>Pros</a:t>
-          </a:r>
-          <a:endParaRPr lang="pt-PT" sz="2700" kern="1200" dirty="0"/>
-        </a:p>
-      </dsp:txBody>
-      <dsp:txXfrm>
-        <a:off x="1760997" y="18275"/>
-        <a:ext cx="974352" cy="472477"/>
-      </dsp:txXfrm>
-    </dsp:sp>
-    <dsp:sp modelId="{36E41940-D6AE-4B61-9614-578943ADDEBE}">
-      <dsp:nvSpPr>
-        <dsp:cNvPr id="0" name=""/>
-        <dsp:cNvSpPr/>
-      </dsp:nvSpPr>
-      <dsp:spPr>
-        <a:xfrm>
-          <a:off x="1846673" y="505451"/>
-          <a:ext cx="100375" cy="322391"/>
-        </a:xfrm>
-        <a:custGeom>
-          <a:avLst/>
-          <a:gdLst/>
-          <a:ahLst/>
-          <a:cxnLst/>
-          <a:rect l="0" t="0" r="0" b="0"/>
-          <a:pathLst>
-            <a:path>
-              <a:moveTo>
-                <a:pt x="0" y="0"/>
-              </a:moveTo>
-              <a:lnTo>
-                <a:pt x="0" y="322391"/>
-              </a:lnTo>
-              <a:lnTo>
-                <a:pt x="100375" y="322391"/>
-              </a:lnTo>
-            </a:path>
-          </a:pathLst>
-        </a:custGeom>
-        <a:noFill/>
-        <a:ln w="9525" cap="rnd" cmpd="sng" algn="ctr">
-          <a:solidFill>
-            <a:schemeClr val="accent1">
-              <a:shade val="60000"/>
-              <a:hueOff val="0"/>
-              <a:satOff val="0"/>
-              <a:lumOff val="0"/>
-              <a:alphaOff val="0"/>
-            </a:schemeClr>
-          </a:solidFill>
-          <a:prstDash val="solid"/>
-        </a:ln>
-        <a:effectLst/>
-      </dsp:spPr>
-      <dsp:style>
-        <a:lnRef idx="1">
-          <a:scrgbClr r="0" g="0" b="0"/>
-        </a:lnRef>
-        <a:fillRef idx="0">
-          <a:scrgbClr r="0" g="0" b="0"/>
-        </a:fillRef>
-        <a:effectRef idx="0">
-          <a:scrgbClr r="0" g="0" b="0"/>
-        </a:effectRef>
-        <a:fontRef idx="minor"/>
-      </dsp:style>
-    </dsp:sp>
-    <dsp:sp modelId="{62B5FB75-42A9-43BC-8FD2-7AB5067B12F7}">
-      <dsp:nvSpPr>
-        <dsp:cNvPr id="0" name=""/>
-        <dsp:cNvSpPr/>
-      </dsp:nvSpPr>
-      <dsp:spPr>
-        <a:xfrm>
-          <a:off x="1947049" y="599717"/>
-          <a:ext cx="730000" cy="456250"/>
-        </a:xfrm>
-        <a:prstGeom prst="roundRect">
-          <a:avLst>
-            <a:gd name="adj" fmla="val 10000"/>
-          </a:avLst>
-        </a:prstGeom>
-        <a:solidFill>
-          <a:schemeClr val="lt1">
-            <a:alpha val="90000"/>
-            <a:hueOff val="0"/>
-            <a:satOff val="0"/>
-            <a:lumOff val="0"/>
-            <a:alphaOff val="0"/>
-          </a:schemeClr>
-        </a:solidFill>
-        <a:ln w="9525" cap="rnd" cmpd="sng" algn="ctr">
-          <a:solidFill>
-            <a:schemeClr val="accent1">
-              <a:hueOff val="0"/>
-              <a:satOff val="0"/>
-              <a:lumOff val="0"/>
-              <a:alphaOff val="0"/>
-            </a:schemeClr>
-          </a:solidFill>
-          <a:prstDash val="solid"/>
-        </a:ln>
-        <a:effectLst/>
-      </dsp:spPr>
-      <dsp:style>
-        <a:lnRef idx="1">
-          <a:scrgbClr r="0" g="0" b="0"/>
-        </a:lnRef>
-        <a:fillRef idx="1">
-          <a:scrgbClr r="0" g="0" b="0"/>
-        </a:fillRef>
-        <a:effectRef idx="0">
-          <a:scrgbClr r="0" g="0" b="0"/>
-        </a:effectRef>
-        <a:fontRef idx="minor"/>
-      </dsp:style>
-      <dsp:txBody>
-        <a:bodyPr spcFirstLastPara="0" vert="horz" wrap="square" lIns="15240" tIns="10160" rIns="15240" bIns="10160" numCol="1" spcCol="1270" anchor="ctr" anchorCtr="0">
-          <a:noAutofit/>
-        </a:bodyPr>
-        <a:lstStyle/>
-        <a:p>
-          <a:pPr lvl="0" algn="ctr" defTabSz="355600">
-            <a:lnSpc>
-              <a:spcPct val="90000"/>
-            </a:lnSpc>
-            <a:spcBef>
-              <a:spcPct val="0"/>
-            </a:spcBef>
-            <a:spcAft>
-              <a:spcPct val="35000"/>
-            </a:spcAft>
-          </a:pPr>
-          <a:r>
-            <a:rPr lang="pt-PT" sz="800" kern="1200" dirty="0" smtClean="0"/>
-            <a:t>Efficient</a:t>
-          </a:r>
-          <a:endParaRPr lang="pt-PT" sz="700" kern="1200" dirty="0"/>
-        </a:p>
-      </dsp:txBody>
-      <dsp:txXfrm>
-        <a:off x="1960412" y="613080"/>
-        <a:ext cx="703274" cy="429524"/>
-      </dsp:txXfrm>
-    </dsp:sp>
-    <dsp:sp modelId="{E91EC1B8-A184-48D1-9A69-E934B5C7B28A}">
-      <dsp:nvSpPr>
-        <dsp:cNvPr id="0" name=""/>
-        <dsp:cNvSpPr/>
-      </dsp:nvSpPr>
-      <dsp:spPr>
-        <a:xfrm>
-          <a:off x="1846673" y="505451"/>
-          <a:ext cx="100375" cy="872908"/>
-        </a:xfrm>
-        <a:custGeom>
-          <a:avLst/>
-          <a:gdLst/>
-          <a:ahLst/>
-          <a:cxnLst/>
-          <a:rect l="0" t="0" r="0" b="0"/>
-          <a:pathLst>
-            <a:path>
-              <a:moveTo>
-                <a:pt x="0" y="0"/>
-              </a:moveTo>
-              <a:lnTo>
-                <a:pt x="0" y="872908"/>
-              </a:lnTo>
-              <a:lnTo>
-                <a:pt x="100375" y="872908"/>
-              </a:lnTo>
-            </a:path>
-          </a:pathLst>
-        </a:custGeom>
-        <a:noFill/>
-        <a:ln w="9525" cap="rnd" cmpd="sng" algn="ctr">
-          <a:solidFill>
-            <a:schemeClr val="accent1">
-              <a:shade val="60000"/>
-              <a:hueOff val="0"/>
-              <a:satOff val="0"/>
-              <a:lumOff val="0"/>
-              <a:alphaOff val="0"/>
-            </a:schemeClr>
-          </a:solidFill>
-          <a:prstDash val="solid"/>
-        </a:ln>
-        <a:effectLst/>
-      </dsp:spPr>
-      <dsp:style>
-        <a:lnRef idx="1">
-          <a:scrgbClr r="0" g="0" b="0"/>
-        </a:lnRef>
-        <a:fillRef idx="0">
-          <a:scrgbClr r="0" g="0" b="0"/>
-        </a:fillRef>
-        <a:effectRef idx="0">
-          <a:scrgbClr r="0" g="0" b="0"/>
-        </a:effectRef>
-        <a:fontRef idx="minor"/>
-      </dsp:style>
-    </dsp:sp>
-    <dsp:sp modelId="{4BFBAF82-2A9D-4DC1-A988-0880718FA259}">
-      <dsp:nvSpPr>
-        <dsp:cNvPr id="0" name=""/>
-        <dsp:cNvSpPr/>
-      </dsp:nvSpPr>
-      <dsp:spPr>
-        <a:xfrm>
-          <a:off x="1947049" y="1150234"/>
-          <a:ext cx="730000" cy="456250"/>
-        </a:xfrm>
-        <a:prstGeom prst="roundRect">
-          <a:avLst>
-            <a:gd name="adj" fmla="val 10000"/>
-          </a:avLst>
-        </a:prstGeom>
-        <a:solidFill>
-          <a:schemeClr val="lt1">
-            <a:alpha val="90000"/>
-            <a:hueOff val="0"/>
-            <a:satOff val="0"/>
-            <a:lumOff val="0"/>
-            <a:alphaOff val="0"/>
-          </a:schemeClr>
-        </a:solidFill>
-        <a:ln w="9525" cap="rnd" cmpd="sng" algn="ctr">
-          <a:solidFill>
-            <a:schemeClr val="accent1">
-              <a:hueOff val="0"/>
-              <a:satOff val="0"/>
-              <a:lumOff val="0"/>
-              <a:alphaOff val="0"/>
-            </a:schemeClr>
-          </a:solidFill>
-          <a:prstDash val="solid"/>
-        </a:ln>
-        <a:effectLst/>
-      </dsp:spPr>
-      <dsp:style>
-        <a:lnRef idx="1">
-          <a:scrgbClr r="0" g="0" b="0"/>
-        </a:lnRef>
-        <a:fillRef idx="1">
-          <a:scrgbClr r="0" g="0" b="0"/>
-        </a:fillRef>
-        <a:effectRef idx="0">
-          <a:scrgbClr r="0" g="0" b="0"/>
-        </a:effectRef>
-        <a:fontRef idx="minor"/>
-      </dsp:style>
-      <dsp:txBody>
-        <a:bodyPr spcFirstLastPara="0" vert="horz" wrap="square" lIns="13335" tIns="8890" rIns="13335" bIns="8890" numCol="1" spcCol="1270" anchor="ctr" anchorCtr="0">
-          <a:noAutofit/>
-        </a:bodyPr>
-        <a:lstStyle/>
-        <a:p>
-          <a:pPr lvl="0" algn="ctr" defTabSz="311150">
-            <a:lnSpc>
-              <a:spcPct val="90000"/>
-            </a:lnSpc>
-            <a:spcBef>
-              <a:spcPct val="0"/>
-            </a:spcBef>
-            <a:spcAft>
-              <a:spcPct val="35000"/>
-            </a:spcAft>
-          </a:pPr>
-          <a:r>
-            <a:rPr lang="pt-PT" sz="700" kern="1200" dirty="0" smtClean="0"/>
-            <a:t>Automatic Build for each commit</a:t>
-          </a:r>
-          <a:endParaRPr lang="pt-PT" sz="700" kern="1200" dirty="0"/>
-        </a:p>
-      </dsp:txBody>
-      <dsp:txXfrm>
-        <a:off x="1960412" y="1163597"/>
-        <a:ext cx="703274" cy="429524"/>
-      </dsp:txXfrm>
-    </dsp:sp>
-    <dsp:sp modelId="{6CF04F40-20BC-4EE2-A8E0-91CE9C5F4FA8}">
-      <dsp:nvSpPr>
-        <dsp:cNvPr id="0" name=""/>
-        <dsp:cNvSpPr/>
-      </dsp:nvSpPr>
-      <dsp:spPr>
-        <a:xfrm>
-          <a:off x="1846673" y="505451"/>
-          <a:ext cx="100375" cy="1423425"/>
-        </a:xfrm>
-        <a:custGeom>
-          <a:avLst/>
-          <a:gdLst/>
-          <a:ahLst/>
-          <a:cxnLst/>
-          <a:rect l="0" t="0" r="0" b="0"/>
-          <a:pathLst>
-            <a:path>
-              <a:moveTo>
-                <a:pt x="0" y="0"/>
-              </a:moveTo>
-              <a:lnTo>
-                <a:pt x="0" y="1423425"/>
-              </a:lnTo>
-              <a:lnTo>
-                <a:pt x="100375" y="1423425"/>
-              </a:lnTo>
-            </a:path>
-          </a:pathLst>
-        </a:custGeom>
-        <a:noFill/>
-        <a:ln w="9525" cap="rnd" cmpd="sng" algn="ctr">
-          <a:solidFill>
-            <a:schemeClr val="accent1">
-              <a:shade val="60000"/>
-              <a:hueOff val="0"/>
-              <a:satOff val="0"/>
-              <a:lumOff val="0"/>
-              <a:alphaOff val="0"/>
-            </a:schemeClr>
-          </a:solidFill>
-          <a:prstDash val="solid"/>
-        </a:ln>
-        <a:effectLst/>
-      </dsp:spPr>
-      <dsp:style>
-        <a:lnRef idx="1">
-          <a:scrgbClr r="0" g="0" b="0"/>
-        </a:lnRef>
-        <a:fillRef idx="0">
-          <a:scrgbClr r="0" g="0" b="0"/>
-        </a:fillRef>
-        <a:effectRef idx="0">
-          <a:scrgbClr r="0" g="0" b="0"/>
-        </a:effectRef>
-        <a:fontRef idx="minor"/>
-      </dsp:style>
-    </dsp:sp>
-    <dsp:sp modelId="{7E81931F-3C81-4DB3-82D5-109D76282892}">
-      <dsp:nvSpPr>
-        <dsp:cNvPr id="0" name=""/>
-        <dsp:cNvSpPr/>
-      </dsp:nvSpPr>
-      <dsp:spPr>
-        <a:xfrm>
-          <a:off x="1947049" y="1700751"/>
-          <a:ext cx="730000" cy="456250"/>
-        </a:xfrm>
-        <a:prstGeom prst="roundRect">
-          <a:avLst>
-            <a:gd name="adj" fmla="val 10000"/>
-          </a:avLst>
-        </a:prstGeom>
-        <a:solidFill>
-          <a:schemeClr val="lt1">
-            <a:alpha val="90000"/>
-            <a:hueOff val="0"/>
-            <a:satOff val="0"/>
-            <a:lumOff val="0"/>
-            <a:alphaOff val="0"/>
-          </a:schemeClr>
-        </a:solidFill>
-        <a:ln w="9525" cap="rnd" cmpd="sng" algn="ctr">
-          <a:solidFill>
-            <a:schemeClr val="accent1">
-              <a:hueOff val="0"/>
-              <a:satOff val="0"/>
-              <a:lumOff val="0"/>
-              <a:alphaOff val="0"/>
-            </a:schemeClr>
-          </a:solidFill>
-          <a:prstDash val="solid"/>
-        </a:ln>
-        <a:effectLst/>
-      </dsp:spPr>
-      <dsp:style>
-        <a:lnRef idx="1">
-          <a:scrgbClr r="0" g="0" b="0"/>
-        </a:lnRef>
-        <a:fillRef idx="1">
-          <a:scrgbClr r="0" g="0" b="0"/>
-        </a:fillRef>
-        <a:effectRef idx="0">
-          <a:scrgbClr r="0" g="0" b="0"/>
-        </a:effectRef>
-        <a:fontRef idx="minor"/>
-      </dsp:style>
-      <dsp:txBody>
-        <a:bodyPr spcFirstLastPara="0" vert="horz" wrap="square" lIns="13335" tIns="8890" rIns="13335" bIns="8890" numCol="1" spcCol="1270" anchor="ctr" anchorCtr="0">
-          <a:noAutofit/>
-        </a:bodyPr>
-        <a:lstStyle/>
-        <a:p>
-          <a:pPr lvl="0" algn="ctr" defTabSz="311150">
-            <a:lnSpc>
-              <a:spcPct val="90000"/>
-            </a:lnSpc>
-            <a:spcBef>
-              <a:spcPct val="0"/>
-            </a:spcBef>
-            <a:spcAft>
-              <a:spcPct val="35000"/>
-            </a:spcAft>
-          </a:pPr>
-          <a:r>
-            <a:rPr lang="pt-PT" sz="700" kern="1200" dirty="0" smtClean="0"/>
-            <a:t>Open Source</a:t>
-          </a:r>
-          <a:endParaRPr lang="pt-PT" sz="700" kern="1200" dirty="0"/>
-        </a:p>
-      </dsp:txBody>
-      <dsp:txXfrm>
-        <a:off x="1960412" y="1714114"/>
-        <a:ext cx="703274" cy="429524"/>
-      </dsp:txXfrm>
-    </dsp:sp>
-    <dsp:sp modelId="{59F0254C-AFAD-4E3D-A8F7-6171D1D72BE5}">
-      <dsp:nvSpPr>
-        <dsp:cNvPr id="0" name=""/>
-        <dsp:cNvSpPr/>
-      </dsp:nvSpPr>
-      <dsp:spPr>
-        <a:xfrm>
-          <a:off x="1846673" y="505451"/>
-          <a:ext cx="100375" cy="1973942"/>
-        </a:xfrm>
-        <a:custGeom>
-          <a:avLst/>
-          <a:gdLst/>
-          <a:ahLst/>
-          <a:cxnLst/>
-          <a:rect l="0" t="0" r="0" b="0"/>
-          <a:pathLst>
-            <a:path>
-              <a:moveTo>
-                <a:pt x="0" y="0"/>
-              </a:moveTo>
-              <a:lnTo>
-                <a:pt x="0" y="1973942"/>
-              </a:lnTo>
-              <a:lnTo>
-                <a:pt x="100375" y="1973942"/>
-              </a:lnTo>
-            </a:path>
-          </a:pathLst>
-        </a:custGeom>
-        <a:noFill/>
-        <a:ln w="9525" cap="rnd" cmpd="sng" algn="ctr">
-          <a:solidFill>
-            <a:schemeClr val="accent1">
-              <a:shade val="60000"/>
-              <a:hueOff val="0"/>
-              <a:satOff val="0"/>
-              <a:lumOff val="0"/>
-              <a:alphaOff val="0"/>
-            </a:schemeClr>
-          </a:solidFill>
-          <a:prstDash val="solid"/>
-        </a:ln>
-        <a:effectLst/>
-      </dsp:spPr>
-      <dsp:style>
-        <a:lnRef idx="1">
-          <a:scrgbClr r="0" g="0" b="0"/>
-        </a:lnRef>
-        <a:fillRef idx="0">
-          <a:scrgbClr r="0" g="0" b="0"/>
-        </a:fillRef>
-        <a:effectRef idx="0">
-          <a:scrgbClr r="0" g="0" b="0"/>
-        </a:effectRef>
-        <a:fontRef idx="minor"/>
-      </dsp:style>
-    </dsp:sp>
-    <dsp:sp modelId="{8C1715B6-BA7B-438E-97EB-8AEC5ECBF87A}">
-      <dsp:nvSpPr>
-        <dsp:cNvPr id="0" name=""/>
-        <dsp:cNvSpPr/>
-      </dsp:nvSpPr>
-      <dsp:spPr>
-        <a:xfrm>
-          <a:off x="1947049" y="2251268"/>
-          <a:ext cx="730000" cy="456250"/>
-        </a:xfrm>
-        <a:prstGeom prst="roundRect">
-          <a:avLst>
-            <a:gd name="adj" fmla="val 10000"/>
-          </a:avLst>
-        </a:prstGeom>
-        <a:solidFill>
-          <a:schemeClr val="lt1">
-            <a:alpha val="90000"/>
-            <a:hueOff val="0"/>
-            <a:satOff val="0"/>
-            <a:lumOff val="0"/>
-            <a:alphaOff val="0"/>
-          </a:schemeClr>
-        </a:solidFill>
-        <a:ln w="9525" cap="rnd" cmpd="sng" algn="ctr">
-          <a:solidFill>
-            <a:schemeClr val="accent1">
-              <a:hueOff val="0"/>
-              <a:satOff val="0"/>
-              <a:lumOff val="0"/>
-              <a:alphaOff val="0"/>
-            </a:schemeClr>
-          </a:solidFill>
-          <a:prstDash val="solid"/>
-        </a:ln>
-        <a:effectLst/>
-      </dsp:spPr>
-      <dsp:style>
-        <a:lnRef idx="1">
-          <a:scrgbClr r="0" g="0" b="0"/>
-        </a:lnRef>
-        <a:fillRef idx="1">
-          <a:scrgbClr r="0" g="0" b="0"/>
-        </a:fillRef>
-        <a:effectRef idx="0">
-          <a:scrgbClr r="0" g="0" b="0"/>
-        </a:effectRef>
-        <a:fontRef idx="minor"/>
-      </dsp:style>
-      <dsp:txBody>
-        <a:bodyPr spcFirstLastPara="0" vert="horz" wrap="square" lIns="13335" tIns="8890" rIns="13335" bIns="8890" numCol="1" spcCol="1270" anchor="ctr" anchorCtr="0">
-          <a:noAutofit/>
-        </a:bodyPr>
-        <a:lstStyle/>
-        <a:p>
-          <a:pPr lvl="0" algn="ctr" defTabSz="311150">
-            <a:lnSpc>
-              <a:spcPct val="90000"/>
-            </a:lnSpc>
-            <a:spcBef>
-              <a:spcPct val="0"/>
-            </a:spcBef>
-            <a:spcAft>
-              <a:spcPct val="35000"/>
-            </a:spcAft>
-          </a:pPr>
-          <a:r>
-            <a:rPr lang="pt-PT" sz="700" kern="1200" smtClean="0"/>
-            <a:t>Several </a:t>
-          </a:r>
-          <a:r>
-            <a:rPr lang="pt-PT" sz="700" kern="1200" dirty="0" smtClean="0"/>
-            <a:t>plugins</a:t>
-          </a:r>
-          <a:endParaRPr lang="pt-PT" sz="700" kern="1200" dirty="0"/>
-        </a:p>
-      </dsp:txBody>
-      <dsp:txXfrm>
-        <a:off x="1960412" y="2264631"/>
-        <a:ext cx="703274" cy="429524"/>
-      </dsp:txXfrm>
-    </dsp:sp>
-    <dsp:sp modelId="{B128F964-9EE8-46FF-B519-C8284E2BB040}">
-      <dsp:nvSpPr>
-        <dsp:cNvPr id="0" name=""/>
-        <dsp:cNvSpPr/>
-      </dsp:nvSpPr>
-      <dsp:spPr>
-        <a:xfrm>
-          <a:off x="1846673" y="505451"/>
-          <a:ext cx="100375" cy="2524458"/>
-        </a:xfrm>
-        <a:custGeom>
-          <a:avLst/>
-          <a:gdLst/>
-          <a:ahLst/>
-          <a:cxnLst/>
-          <a:rect l="0" t="0" r="0" b="0"/>
-          <a:pathLst>
-            <a:path>
-              <a:moveTo>
-                <a:pt x="0" y="0"/>
-              </a:moveTo>
-              <a:lnTo>
-                <a:pt x="0" y="2524458"/>
-              </a:lnTo>
-              <a:lnTo>
-                <a:pt x="100375" y="2524458"/>
-              </a:lnTo>
-            </a:path>
-          </a:pathLst>
-        </a:custGeom>
-        <a:noFill/>
-        <a:ln w="9525" cap="rnd" cmpd="sng" algn="ctr">
-          <a:solidFill>
-            <a:schemeClr val="accent1">
-              <a:shade val="60000"/>
-              <a:hueOff val="0"/>
-              <a:satOff val="0"/>
-              <a:lumOff val="0"/>
-              <a:alphaOff val="0"/>
-            </a:schemeClr>
-          </a:solidFill>
-          <a:prstDash val="solid"/>
-        </a:ln>
-        <a:effectLst/>
-      </dsp:spPr>
-      <dsp:style>
-        <a:lnRef idx="1">
-          <a:scrgbClr r="0" g="0" b="0"/>
-        </a:lnRef>
-        <a:fillRef idx="0">
-          <a:scrgbClr r="0" g="0" b="0"/>
-        </a:fillRef>
-        <a:effectRef idx="0">
-          <a:scrgbClr r="0" g="0" b="0"/>
-        </a:effectRef>
-        <a:fontRef idx="minor"/>
-      </dsp:style>
-    </dsp:sp>
-    <dsp:sp modelId="{3548ED33-673B-47FB-8DF9-F219CFA710BC}">
-      <dsp:nvSpPr>
-        <dsp:cNvPr id="0" name=""/>
-        <dsp:cNvSpPr/>
-      </dsp:nvSpPr>
-      <dsp:spPr>
-        <a:xfrm>
-          <a:off x="1947049" y="2801785"/>
-          <a:ext cx="730000" cy="456250"/>
-        </a:xfrm>
-        <a:prstGeom prst="roundRect">
-          <a:avLst>
-            <a:gd name="adj" fmla="val 10000"/>
-          </a:avLst>
-        </a:prstGeom>
-        <a:solidFill>
-          <a:schemeClr val="lt1">
-            <a:alpha val="90000"/>
-            <a:hueOff val="0"/>
-            <a:satOff val="0"/>
-            <a:lumOff val="0"/>
-            <a:alphaOff val="0"/>
-          </a:schemeClr>
-        </a:solidFill>
-        <a:ln w="9525" cap="rnd" cmpd="sng" algn="ctr">
-          <a:solidFill>
-            <a:schemeClr val="accent1">
-              <a:hueOff val="0"/>
-              <a:satOff val="0"/>
-              <a:lumOff val="0"/>
-              <a:alphaOff val="0"/>
-            </a:schemeClr>
-          </a:solidFill>
-          <a:prstDash val="solid"/>
-        </a:ln>
-        <a:effectLst/>
-      </dsp:spPr>
-      <dsp:style>
-        <a:lnRef idx="1">
-          <a:scrgbClr r="0" g="0" b="0"/>
-        </a:lnRef>
-        <a:fillRef idx="1">
-          <a:scrgbClr r="0" g="0" b="0"/>
-        </a:fillRef>
-        <a:effectRef idx="0">
-          <a:scrgbClr r="0" g="0" b="0"/>
-        </a:effectRef>
-        <a:fontRef idx="minor"/>
-      </dsp:style>
-      <dsp:txBody>
-        <a:bodyPr spcFirstLastPara="0" vert="horz" wrap="square" lIns="13335" tIns="8890" rIns="13335" bIns="8890" numCol="1" spcCol="1270" anchor="ctr" anchorCtr="0">
-          <a:noAutofit/>
-        </a:bodyPr>
-        <a:lstStyle/>
-        <a:p>
-          <a:pPr lvl="0" algn="ctr" defTabSz="311150">
-            <a:lnSpc>
-              <a:spcPct val="90000"/>
-            </a:lnSpc>
-            <a:spcBef>
-              <a:spcPct val="0"/>
-            </a:spcBef>
-            <a:spcAft>
-              <a:spcPct val="35000"/>
-            </a:spcAft>
-          </a:pPr>
-          <a:r>
-            <a:rPr lang="pt-PT" sz="700" kern="1200" dirty="0" smtClean="0"/>
-            <a:t>Constant conscient if build is “broken”</a:t>
-          </a:r>
-          <a:endParaRPr lang="pt-PT" sz="700" kern="1200" dirty="0"/>
-        </a:p>
-      </dsp:txBody>
-      <dsp:txXfrm>
-        <a:off x="1960412" y="2815148"/>
-        <a:ext cx="703274" cy="429524"/>
-      </dsp:txXfrm>
-    </dsp:sp>
-    <dsp:sp modelId="{4A64C365-06C2-46B7-B947-59EF5BE39B6D}">
-      <dsp:nvSpPr>
-        <dsp:cNvPr id="0" name=""/>
-        <dsp:cNvSpPr/>
-      </dsp:nvSpPr>
-      <dsp:spPr>
-        <a:xfrm>
-          <a:off x="1846673" y="505451"/>
-          <a:ext cx="100375" cy="3074975"/>
-        </a:xfrm>
-        <a:custGeom>
-          <a:avLst/>
-          <a:gdLst/>
-          <a:ahLst/>
-          <a:cxnLst/>
-          <a:rect l="0" t="0" r="0" b="0"/>
-          <a:pathLst>
-            <a:path>
-              <a:moveTo>
-                <a:pt x="0" y="0"/>
-              </a:moveTo>
-              <a:lnTo>
-                <a:pt x="0" y="3074975"/>
-              </a:lnTo>
-              <a:lnTo>
-                <a:pt x="100375" y="3074975"/>
-              </a:lnTo>
-            </a:path>
-          </a:pathLst>
-        </a:custGeom>
-        <a:noFill/>
-        <a:ln w="9525" cap="rnd" cmpd="sng" algn="ctr">
-          <a:solidFill>
-            <a:schemeClr val="accent1">
-              <a:shade val="60000"/>
-              <a:hueOff val="0"/>
-              <a:satOff val="0"/>
-              <a:lumOff val="0"/>
-              <a:alphaOff val="0"/>
-            </a:schemeClr>
-          </a:solidFill>
-          <a:prstDash val="solid"/>
-        </a:ln>
-        <a:effectLst/>
-      </dsp:spPr>
-      <dsp:style>
-        <a:lnRef idx="1">
-          <a:scrgbClr r="0" g="0" b="0"/>
-        </a:lnRef>
-        <a:fillRef idx="0">
-          <a:scrgbClr r="0" g="0" b="0"/>
-        </a:fillRef>
-        <a:effectRef idx="0">
-          <a:scrgbClr r="0" g="0" b="0"/>
-        </a:effectRef>
-        <a:fontRef idx="minor"/>
-      </dsp:style>
-    </dsp:sp>
-    <dsp:sp modelId="{831964B1-E01A-4C78-9158-C8D63428B7DA}">
-      <dsp:nvSpPr>
-        <dsp:cNvPr id="0" name=""/>
-        <dsp:cNvSpPr/>
-      </dsp:nvSpPr>
-      <dsp:spPr>
-        <a:xfrm>
-          <a:off x="1947049" y="3352301"/>
-          <a:ext cx="730000" cy="456250"/>
-        </a:xfrm>
-        <a:prstGeom prst="roundRect">
-          <a:avLst>
-            <a:gd name="adj" fmla="val 10000"/>
-          </a:avLst>
-        </a:prstGeom>
-        <a:solidFill>
-          <a:schemeClr val="lt1">
-            <a:alpha val="90000"/>
-            <a:hueOff val="0"/>
-            <a:satOff val="0"/>
-            <a:lumOff val="0"/>
-            <a:alphaOff val="0"/>
-          </a:schemeClr>
-        </a:solidFill>
-        <a:ln w="9525" cap="rnd" cmpd="sng" algn="ctr">
-          <a:solidFill>
-            <a:schemeClr val="accent1">
-              <a:hueOff val="0"/>
-              <a:satOff val="0"/>
-              <a:lumOff val="0"/>
-              <a:alphaOff val="0"/>
-            </a:schemeClr>
-          </a:solidFill>
-          <a:prstDash val="solid"/>
-        </a:ln>
-        <a:effectLst/>
-      </dsp:spPr>
-      <dsp:style>
-        <a:lnRef idx="1">
-          <a:scrgbClr r="0" g="0" b="0"/>
-        </a:lnRef>
-        <a:fillRef idx="1">
-          <a:scrgbClr r="0" g="0" b="0"/>
-        </a:fillRef>
-        <a:effectRef idx="0">
-          <a:scrgbClr r="0" g="0" b="0"/>
-        </a:effectRef>
-        <a:fontRef idx="minor"/>
-      </dsp:style>
-      <dsp:txBody>
-        <a:bodyPr spcFirstLastPara="0" vert="horz" wrap="square" lIns="13335" tIns="8890" rIns="13335" bIns="8890" numCol="1" spcCol="1270" anchor="ctr" anchorCtr="0">
-          <a:noAutofit/>
-        </a:bodyPr>
-        <a:lstStyle/>
-        <a:p>
-          <a:pPr lvl="0" algn="ctr" defTabSz="311150">
-            <a:lnSpc>
-              <a:spcPct val="90000"/>
-            </a:lnSpc>
-            <a:spcBef>
-              <a:spcPct val="0"/>
-            </a:spcBef>
-            <a:spcAft>
-              <a:spcPct val="35000"/>
-            </a:spcAft>
-          </a:pPr>
-          <a:r>
-            <a:rPr lang="pt-PT" sz="700" kern="1200" dirty="0" smtClean="0"/>
-            <a:t>A static code verfication can also be done</a:t>
-          </a:r>
-          <a:endParaRPr lang="pt-PT" sz="700" kern="1200" dirty="0"/>
-        </a:p>
-      </dsp:txBody>
-      <dsp:txXfrm>
-        <a:off x="1960412" y="3365664"/>
-        <a:ext cx="703274" cy="429524"/>
-      </dsp:txXfrm>
-    </dsp:sp>
-    <dsp:sp modelId="{CC93376A-112F-470C-A92E-6B9C4768A381}">
-      <dsp:nvSpPr>
-        <dsp:cNvPr id="0" name=""/>
-        <dsp:cNvSpPr/>
-      </dsp:nvSpPr>
-      <dsp:spPr>
-        <a:xfrm>
-          <a:off x="1846673" y="505451"/>
-          <a:ext cx="100375" cy="3625492"/>
-        </a:xfrm>
-        <a:custGeom>
-          <a:avLst/>
-          <a:gdLst/>
-          <a:ahLst/>
-          <a:cxnLst/>
-          <a:rect l="0" t="0" r="0" b="0"/>
-          <a:pathLst>
-            <a:path>
-              <a:moveTo>
-                <a:pt x="0" y="0"/>
-              </a:moveTo>
-              <a:lnTo>
-                <a:pt x="0" y="3625492"/>
-              </a:lnTo>
-              <a:lnTo>
-                <a:pt x="100375" y="3625492"/>
-              </a:lnTo>
-            </a:path>
-          </a:pathLst>
-        </a:custGeom>
-        <a:noFill/>
-        <a:ln w="9525" cap="rnd" cmpd="sng" algn="ctr">
-          <a:solidFill>
-            <a:schemeClr val="accent1">
-              <a:shade val="60000"/>
-              <a:hueOff val="0"/>
-              <a:satOff val="0"/>
-              <a:lumOff val="0"/>
-              <a:alphaOff val="0"/>
-            </a:schemeClr>
-          </a:solidFill>
-          <a:prstDash val="solid"/>
-        </a:ln>
-        <a:effectLst/>
-      </dsp:spPr>
-      <dsp:style>
-        <a:lnRef idx="1">
-          <a:scrgbClr r="0" g="0" b="0"/>
-        </a:lnRef>
-        <a:fillRef idx="0">
-          <a:scrgbClr r="0" g="0" b="0"/>
-        </a:fillRef>
-        <a:effectRef idx="0">
-          <a:scrgbClr r="0" g="0" b="0"/>
-        </a:effectRef>
-        <a:fontRef idx="minor"/>
-      </dsp:style>
-    </dsp:sp>
-    <dsp:sp modelId="{A5E6D460-1049-4DD1-B5F1-BB5A03E46C6F}">
-      <dsp:nvSpPr>
-        <dsp:cNvPr id="0" name=""/>
-        <dsp:cNvSpPr/>
-      </dsp:nvSpPr>
-      <dsp:spPr>
-        <a:xfrm>
-          <a:off x="1947049" y="3902818"/>
-          <a:ext cx="730000" cy="456250"/>
-        </a:xfrm>
-        <a:prstGeom prst="roundRect">
-          <a:avLst>
-            <a:gd name="adj" fmla="val 10000"/>
-          </a:avLst>
-        </a:prstGeom>
-        <a:solidFill>
-          <a:schemeClr val="lt1">
-            <a:alpha val="90000"/>
-            <a:hueOff val="0"/>
-            <a:satOff val="0"/>
-            <a:lumOff val="0"/>
-            <a:alphaOff val="0"/>
-          </a:schemeClr>
-        </a:solidFill>
-        <a:ln w="9525" cap="rnd" cmpd="sng" algn="ctr">
-          <a:solidFill>
-            <a:schemeClr val="accent1">
-              <a:hueOff val="0"/>
-              <a:satOff val="0"/>
-              <a:lumOff val="0"/>
-              <a:alphaOff val="0"/>
-            </a:schemeClr>
-          </a:solidFill>
-          <a:prstDash val="solid"/>
-        </a:ln>
-        <a:effectLst/>
-      </dsp:spPr>
-      <dsp:style>
-        <a:lnRef idx="1">
-          <a:scrgbClr r="0" g="0" b="0"/>
-        </a:lnRef>
-        <a:fillRef idx="1">
-          <a:scrgbClr r="0" g="0" b="0"/>
-        </a:fillRef>
-        <a:effectRef idx="0">
-          <a:scrgbClr r="0" g="0" b="0"/>
-        </a:effectRef>
-        <a:fontRef idx="minor"/>
-      </dsp:style>
-      <dsp:txBody>
-        <a:bodyPr spcFirstLastPara="0" vert="horz" wrap="square" lIns="13335" tIns="8890" rIns="13335" bIns="8890" numCol="1" spcCol="1270" anchor="ctr" anchorCtr="0">
-          <a:noAutofit/>
-        </a:bodyPr>
-        <a:lstStyle/>
-        <a:p>
-          <a:pPr lvl="0" algn="ctr" defTabSz="311150">
-            <a:lnSpc>
-              <a:spcPct val="90000"/>
-            </a:lnSpc>
-            <a:spcBef>
-              <a:spcPct val="0"/>
-            </a:spcBef>
-            <a:spcAft>
-              <a:spcPct val="35000"/>
-            </a:spcAft>
-          </a:pPr>
-          <a:r>
-            <a:rPr lang="pt-PT" sz="700" kern="1200" dirty="0" smtClean="0"/>
-            <a:t>Possibility to do “nightly builds” – </a:t>
-          </a:r>
-          <a:r>
-            <a:rPr lang="pt-PT" sz="700" kern="1200" dirty="0" err="1" smtClean="0"/>
-            <a:t>good</a:t>
-          </a:r>
-          <a:r>
-            <a:rPr lang="pt-PT" sz="700" kern="1200" dirty="0" smtClean="0"/>
-            <a:t> </a:t>
-          </a:r>
-          <a:r>
-            <a:rPr lang="pt-PT" sz="700" kern="1200" dirty="0" smtClean="0"/>
-            <a:t>for </a:t>
-          </a:r>
-          <a:r>
-            <a:rPr lang="pt-PT" sz="700" kern="1200" dirty="0" smtClean="0"/>
-            <a:t>big projects</a:t>
-          </a:r>
-          <a:endParaRPr lang="pt-PT" sz="700" kern="1200" dirty="0"/>
-        </a:p>
-      </dsp:txBody>
-      <dsp:txXfrm>
-        <a:off x="1960412" y="3916181"/>
-        <a:ext cx="703274" cy="429524"/>
-      </dsp:txXfrm>
-    </dsp:sp>
-    <dsp:sp modelId="{2D6695BE-25C1-46C7-8352-964F3DB123E4}">
-      <dsp:nvSpPr>
-        <dsp:cNvPr id="0" name=""/>
-        <dsp:cNvSpPr/>
-      </dsp:nvSpPr>
-      <dsp:spPr>
-        <a:xfrm>
-          <a:off x="2938582" y="3576"/>
-          <a:ext cx="1003750" cy="501875"/>
-        </a:xfrm>
-        <a:prstGeom prst="roundRect">
-          <a:avLst>
-            <a:gd name="adj" fmla="val 10000"/>
-          </a:avLst>
-        </a:prstGeom>
-        <a:gradFill rotWithShape="0">
-          <a:gsLst>
-            <a:gs pos="0">
-              <a:schemeClr val="accent1">
-                <a:hueOff val="0"/>
-                <a:satOff val="0"/>
-                <a:lumOff val="0"/>
-                <a:alphaOff val="0"/>
-                <a:tint val="98000"/>
-                <a:lumMod val="114000"/>
-              </a:schemeClr>
-            </a:gs>
-            <a:gs pos="100000">
-              <a:schemeClr val="accent1">
-                <a:hueOff val="0"/>
-                <a:satOff val="0"/>
-                <a:lumOff val="0"/>
-                <a:alphaOff val="0"/>
-                <a:shade val="90000"/>
-                <a:lumMod val="84000"/>
-              </a:schemeClr>
-            </a:gs>
-          </a:gsLst>
-          <a:lin ang="5400000" scaled="0"/>
-        </a:gradFill>
-        <a:ln>
-          <a:noFill/>
-        </a:ln>
-        <a:effectLst>
-          <a:outerShdw blurRad="38100" dist="25400" dir="5400000" rotWithShape="0">
-            <a:srgbClr val="000000">
-              <a:alpha val="45000"/>
-            </a:srgbClr>
-          </a:outerShdw>
-        </a:effectLst>
-      </dsp:spPr>
-      <dsp:style>
-        <a:lnRef idx="0">
-          <a:scrgbClr r="0" g="0" b="0"/>
-        </a:lnRef>
-        <a:fillRef idx="3">
-          <a:scrgbClr r="0" g="0" b="0"/>
-        </a:fillRef>
-        <a:effectRef idx="2">
-          <a:scrgbClr r="0" g="0" b="0"/>
-        </a:effectRef>
-        <a:fontRef idx="minor">
-          <a:schemeClr val="lt1"/>
-        </a:fontRef>
-      </dsp:style>
-      <dsp:txBody>
-        <a:bodyPr spcFirstLastPara="0" vert="horz" wrap="square" lIns="51435" tIns="34290" rIns="51435" bIns="34290" numCol="1" spcCol="1270" anchor="ctr" anchorCtr="0">
-          <a:noAutofit/>
-        </a:bodyPr>
-        <a:lstStyle/>
-        <a:p>
-          <a:pPr lvl="0" algn="ctr" defTabSz="1200150">
-            <a:lnSpc>
-              <a:spcPct val="90000"/>
-            </a:lnSpc>
-            <a:spcBef>
-              <a:spcPct val="0"/>
-            </a:spcBef>
-            <a:spcAft>
-              <a:spcPct val="35000"/>
-            </a:spcAft>
-          </a:pPr>
-          <a:r>
-            <a:rPr lang="pt-PT" sz="2700" kern="1200" dirty="0" smtClean="0"/>
-            <a:t>Cons</a:t>
-          </a:r>
-          <a:endParaRPr lang="pt-PT" sz="2700" kern="1200" dirty="0"/>
-        </a:p>
-      </dsp:txBody>
-      <dsp:txXfrm>
-        <a:off x="2953281" y="18275"/>
-        <a:ext cx="974352" cy="472477"/>
-      </dsp:txXfrm>
-    </dsp:sp>
-    <dsp:sp modelId="{665B2015-8348-4619-A88A-458FE46C5216}">
-      <dsp:nvSpPr>
-        <dsp:cNvPr id="0" name=""/>
-        <dsp:cNvSpPr/>
-      </dsp:nvSpPr>
-      <dsp:spPr>
-        <a:xfrm>
-          <a:off x="3038957" y="505451"/>
-          <a:ext cx="100375" cy="322391"/>
-        </a:xfrm>
-        <a:custGeom>
-          <a:avLst/>
-          <a:gdLst/>
-          <a:ahLst/>
-          <a:cxnLst/>
-          <a:rect l="0" t="0" r="0" b="0"/>
-          <a:pathLst>
-            <a:path>
-              <a:moveTo>
-                <a:pt x="0" y="0"/>
-              </a:moveTo>
-              <a:lnTo>
-                <a:pt x="0" y="322391"/>
-              </a:lnTo>
-              <a:lnTo>
-                <a:pt x="100375" y="322391"/>
-              </a:lnTo>
-            </a:path>
-          </a:pathLst>
-        </a:custGeom>
-        <a:noFill/>
-        <a:ln w="9525" cap="rnd" cmpd="sng" algn="ctr">
-          <a:solidFill>
-            <a:schemeClr val="accent1">
-              <a:shade val="60000"/>
-              <a:hueOff val="0"/>
-              <a:satOff val="0"/>
-              <a:lumOff val="0"/>
-              <a:alphaOff val="0"/>
-            </a:schemeClr>
-          </a:solidFill>
-          <a:prstDash val="solid"/>
-        </a:ln>
-        <a:effectLst/>
-      </dsp:spPr>
-      <dsp:style>
-        <a:lnRef idx="1">
-          <a:scrgbClr r="0" g="0" b="0"/>
-        </a:lnRef>
-        <a:fillRef idx="0">
-          <a:scrgbClr r="0" g="0" b="0"/>
-        </a:fillRef>
-        <a:effectRef idx="0">
-          <a:scrgbClr r="0" g="0" b="0"/>
-        </a:effectRef>
-        <a:fontRef idx="minor"/>
-      </dsp:style>
-    </dsp:sp>
-    <dsp:sp modelId="{6817C1B7-11FB-4758-B864-210D01678FDC}">
-      <dsp:nvSpPr>
-        <dsp:cNvPr id="0" name=""/>
-        <dsp:cNvSpPr/>
-      </dsp:nvSpPr>
-      <dsp:spPr>
-        <a:xfrm>
-          <a:off x="3139332" y="599717"/>
-          <a:ext cx="730000" cy="456250"/>
-        </a:xfrm>
-        <a:prstGeom prst="roundRect">
-          <a:avLst>
-            <a:gd name="adj" fmla="val 10000"/>
-          </a:avLst>
-        </a:prstGeom>
-        <a:solidFill>
-          <a:schemeClr val="lt1">
-            <a:alpha val="90000"/>
-            <a:hueOff val="0"/>
-            <a:satOff val="0"/>
-            <a:lumOff val="0"/>
-            <a:alphaOff val="0"/>
-          </a:schemeClr>
-        </a:solidFill>
-        <a:ln w="9525" cap="rnd" cmpd="sng" algn="ctr">
-          <a:solidFill>
-            <a:schemeClr val="accent1">
-              <a:hueOff val="0"/>
-              <a:satOff val="0"/>
-              <a:lumOff val="0"/>
-              <a:alphaOff val="0"/>
-            </a:schemeClr>
-          </a:solidFill>
-          <a:prstDash val="solid"/>
-        </a:ln>
-        <a:effectLst/>
-      </dsp:spPr>
-      <dsp:style>
-        <a:lnRef idx="1">
-          <a:scrgbClr r="0" g="0" b="0"/>
-        </a:lnRef>
-        <a:fillRef idx="1">
-          <a:scrgbClr r="0" g="0" b="0"/>
-        </a:fillRef>
-        <a:effectRef idx="0">
-          <a:scrgbClr r="0" g="0" b="0"/>
-        </a:effectRef>
-        <a:fontRef idx="minor"/>
-      </dsp:style>
-      <dsp:txBody>
-        <a:bodyPr spcFirstLastPara="0" vert="horz" wrap="square" lIns="13335" tIns="8890" rIns="13335" bIns="8890" numCol="1" spcCol="1270" anchor="ctr" anchorCtr="0">
-          <a:noAutofit/>
-        </a:bodyPr>
-        <a:lstStyle/>
-        <a:p>
-          <a:pPr lvl="0" algn="ctr" defTabSz="311150">
-            <a:lnSpc>
-              <a:spcPct val="90000"/>
-            </a:lnSpc>
-            <a:spcBef>
-              <a:spcPct val="0"/>
-            </a:spcBef>
-            <a:spcAft>
-              <a:spcPct val="35000"/>
-            </a:spcAft>
-          </a:pPr>
-          <a:r>
-            <a:rPr lang="pt-PT" sz="700" kern="1200" dirty="0" smtClean="0"/>
-            <a:t>Too </a:t>
-          </a:r>
-          <a:r>
-            <a:rPr lang="pt-PT" sz="700" kern="1200" dirty="0" err="1" smtClean="0"/>
-            <a:t>simplistic</a:t>
-          </a:r>
-          <a:r>
-            <a:rPr lang="pt-PT" sz="700" kern="1200" dirty="0" smtClean="0"/>
-            <a:t> </a:t>
-          </a:r>
-          <a:r>
-            <a:rPr lang="pt-PT" sz="700" kern="1200" dirty="0" smtClean="0"/>
-            <a:t>a </a:t>
-          </a:r>
-          <a:r>
-            <a:rPr lang="pt-PT" sz="700" kern="1200" dirty="0" err="1" smtClean="0"/>
-            <a:t>presentation</a:t>
-          </a:r>
-          <a:endParaRPr lang="pt-PT" sz="700" kern="1200" dirty="0"/>
-        </a:p>
-      </dsp:txBody>
-      <dsp:txXfrm>
-        <a:off x="3152695" y="613080"/>
-        <a:ext cx="703274" cy="429524"/>
-      </dsp:txXfrm>
-    </dsp:sp>
-    <dsp:sp modelId="{0B3358E2-26D5-461E-AD31-7A4654034337}">
-      <dsp:nvSpPr>
-        <dsp:cNvPr id="0" name=""/>
-        <dsp:cNvSpPr/>
-      </dsp:nvSpPr>
-      <dsp:spPr>
-        <a:xfrm>
-          <a:off x="3038957" y="505451"/>
-          <a:ext cx="100375" cy="872908"/>
-        </a:xfrm>
-        <a:custGeom>
-          <a:avLst/>
-          <a:gdLst/>
-          <a:ahLst/>
-          <a:cxnLst/>
-          <a:rect l="0" t="0" r="0" b="0"/>
-          <a:pathLst>
-            <a:path>
-              <a:moveTo>
-                <a:pt x="0" y="0"/>
-              </a:moveTo>
-              <a:lnTo>
-                <a:pt x="0" y="872908"/>
-              </a:lnTo>
-              <a:lnTo>
-                <a:pt x="100375" y="872908"/>
-              </a:lnTo>
-            </a:path>
-          </a:pathLst>
-        </a:custGeom>
-        <a:noFill/>
-        <a:ln w="9525" cap="rnd" cmpd="sng" algn="ctr">
-          <a:solidFill>
-            <a:schemeClr val="accent1">
-              <a:shade val="60000"/>
-              <a:hueOff val="0"/>
-              <a:satOff val="0"/>
-              <a:lumOff val="0"/>
-              <a:alphaOff val="0"/>
-            </a:schemeClr>
-          </a:solidFill>
-          <a:prstDash val="solid"/>
-        </a:ln>
-        <a:effectLst/>
-      </dsp:spPr>
-      <dsp:style>
-        <a:lnRef idx="1">
-          <a:scrgbClr r="0" g="0" b="0"/>
-        </a:lnRef>
-        <a:fillRef idx="0">
-          <a:scrgbClr r="0" g="0" b="0"/>
-        </a:fillRef>
-        <a:effectRef idx="0">
-          <a:scrgbClr r="0" g="0" b="0"/>
-        </a:effectRef>
-        <a:fontRef idx="minor"/>
-      </dsp:style>
-    </dsp:sp>
-    <dsp:sp modelId="{0E7FBF3B-7D1F-4A68-8FFB-C953C781DE15}">
-      <dsp:nvSpPr>
-        <dsp:cNvPr id="0" name=""/>
-        <dsp:cNvSpPr/>
-      </dsp:nvSpPr>
-      <dsp:spPr>
-        <a:xfrm>
-          <a:off x="3139332" y="1150234"/>
-          <a:ext cx="730000" cy="456250"/>
-        </a:xfrm>
-        <a:prstGeom prst="roundRect">
-          <a:avLst>
-            <a:gd name="adj" fmla="val 10000"/>
-          </a:avLst>
-        </a:prstGeom>
-        <a:solidFill>
-          <a:schemeClr val="lt1">
-            <a:alpha val="90000"/>
-            <a:hueOff val="0"/>
-            <a:satOff val="0"/>
-            <a:lumOff val="0"/>
-            <a:alphaOff val="0"/>
-          </a:schemeClr>
-        </a:solidFill>
-        <a:ln w="9525" cap="rnd" cmpd="sng" algn="ctr">
-          <a:solidFill>
-            <a:schemeClr val="accent1">
-              <a:hueOff val="0"/>
-              <a:satOff val="0"/>
-              <a:lumOff val="0"/>
-              <a:alphaOff val="0"/>
-            </a:schemeClr>
-          </a:solidFill>
-          <a:prstDash val="solid"/>
-        </a:ln>
-        <a:effectLst/>
-      </dsp:spPr>
-      <dsp:style>
-        <a:lnRef idx="1">
-          <a:scrgbClr r="0" g="0" b="0"/>
-        </a:lnRef>
-        <a:fillRef idx="1">
-          <a:scrgbClr r="0" g="0" b="0"/>
-        </a:fillRef>
-        <a:effectRef idx="0">
-          <a:scrgbClr r="0" g="0" b="0"/>
-        </a:effectRef>
-        <a:fontRef idx="minor"/>
-      </dsp:style>
-      <dsp:txBody>
-        <a:bodyPr spcFirstLastPara="0" vert="horz" wrap="square" lIns="13335" tIns="8890" rIns="13335" bIns="8890" numCol="1" spcCol="1270" anchor="ctr" anchorCtr="0">
-          <a:noAutofit/>
-        </a:bodyPr>
-        <a:lstStyle/>
-        <a:p>
-          <a:pPr lvl="0" algn="ctr" defTabSz="311150">
-            <a:lnSpc>
-              <a:spcPct val="90000"/>
-            </a:lnSpc>
-            <a:spcBef>
-              <a:spcPct val="0"/>
-            </a:spcBef>
-            <a:spcAft>
-              <a:spcPct val="35000"/>
-            </a:spcAft>
-          </a:pPr>
-          <a:r>
-            <a:rPr lang="pt-PT" sz="700" kern="1200" dirty="0" smtClean="0"/>
-            <a:t>Icons not very clear</a:t>
-          </a:r>
-          <a:endParaRPr lang="pt-PT" sz="700" kern="1200" dirty="0"/>
-        </a:p>
-      </dsp:txBody>
-      <dsp:txXfrm>
-        <a:off x="3152695" y="1163597"/>
-        <a:ext cx="703274" cy="429524"/>
-      </dsp:txXfrm>
-    </dsp:sp>
-    <dsp:sp modelId="{2F157E92-6736-4A13-A6CB-BE96A53AFD9F}">
-      <dsp:nvSpPr>
-        <dsp:cNvPr id="0" name=""/>
-        <dsp:cNvSpPr/>
-      </dsp:nvSpPr>
-      <dsp:spPr>
-        <a:xfrm>
-          <a:off x="3038957" y="505451"/>
-          <a:ext cx="100375" cy="1423425"/>
-        </a:xfrm>
-        <a:custGeom>
-          <a:avLst/>
-          <a:gdLst/>
-          <a:ahLst/>
-          <a:cxnLst/>
-          <a:rect l="0" t="0" r="0" b="0"/>
-          <a:pathLst>
-            <a:path>
-              <a:moveTo>
-                <a:pt x="0" y="0"/>
-              </a:moveTo>
-              <a:lnTo>
-                <a:pt x="0" y="1423425"/>
-              </a:lnTo>
-              <a:lnTo>
-                <a:pt x="100375" y="1423425"/>
-              </a:lnTo>
-            </a:path>
-          </a:pathLst>
-        </a:custGeom>
-        <a:noFill/>
-        <a:ln w="9525" cap="rnd" cmpd="sng" algn="ctr">
-          <a:solidFill>
-            <a:schemeClr val="accent1">
-              <a:shade val="60000"/>
-              <a:hueOff val="0"/>
-              <a:satOff val="0"/>
-              <a:lumOff val="0"/>
-              <a:alphaOff val="0"/>
-            </a:schemeClr>
-          </a:solidFill>
-          <a:prstDash val="solid"/>
-        </a:ln>
-        <a:effectLst/>
-      </dsp:spPr>
-      <dsp:style>
-        <a:lnRef idx="1">
-          <a:scrgbClr r="0" g="0" b="0"/>
-        </a:lnRef>
-        <a:fillRef idx="0">
-          <a:scrgbClr r="0" g="0" b="0"/>
-        </a:fillRef>
-        <a:effectRef idx="0">
-          <a:scrgbClr r="0" g="0" b="0"/>
-        </a:effectRef>
-        <a:fontRef idx="minor"/>
-      </dsp:style>
-    </dsp:sp>
-    <dsp:sp modelId="{548B7762-B5B8-4C69-88AE-F72473B32CBC}">
-      <dsp:nvSpPr>
-        <dsp:cNvPr id="0" name=""/>
-        <dsp:cNvSpPr/>
-      </dsp:nvSpPr>
-      <dsp:spPr>
-        <a:xfrm>
-          <a:off x="3139332" y="1700751"/>
-          <a:ext cx="730000" cy="456250"/>
-        </a:xfrm>
-        <a:prstGeom prst="roundRect">
-          <a:avLst>
-            <a:gd name="adj" fmla="val 10000"/>
-          </a:avLst>
-        </a:prstGeom>
-        <a:solidFill>
-          <a:schemeClr val="lt1">
-            <a:alpha val="90000"/>
-            <a:hueOff val="0"/>
-            <a:satOff val="0"/>
-            <a:lumOff val="0"/>
-            <a:alphaOff val="0"/>
-          </a:schemeClr>
-        </a:solidFill>
-        <a:ln w="9525" cap="rnd" cmpd="sng" algn="ctr">
-          <a:solidFill>
-            <a:schemeClr val="accent1">
-              <a:hueOff val="0"/>
-              <a:satOff val="0"/>
-              <a:lumOff val="0"/>
-              <a:alphaOff val="0"/>
-            </a:schemeClr>
-          </a:solidFill>
-          <a:prstDash val="solid"/>
-        </a:ln>
-        <a:effectLst/>
-      </dsp:spPr>
-      <dsp:style>
-        <a:lnRef idx="1">
-          <a:scrgbClr r="0" g="0" b="0"/>
-        </a:lnRef>
-        <a:fillRef idx="1">
-          <a:scrgbClr r="0" g="0" b="0"/>
-        </a:fillRef>
-        <a:effectRef idx="0">
-          <a:scrgbClr r="0" g="0" b="0"/>
-        </a:effectRef>
-        <a:fontRef idx="minor"/>
-      </dsp:style>
-      <dsp:txBody>
-        <a:bodyPr spcFirstLastPara="0" vert="horz" wrap="square" lIns="13335" tIns="8890" rIns="13335" bIns="8890" numCol="1" spcCol="1270" anchor="ctr" anchorCtr="0">
-          <a:noAutofit/>
-        </a:bodyPr>
-        <a:lstStyle/>
-        <a:p>
-          <a:pPr lvl="0" algn="ctr" defTabSz="311150">
-            <a:lnSpc>
-              <a:spcPct val="90000"/>
-            </a:lnSpc>
-            <a:spcBef>
-              <a:spcPct val="0"/>
-            </a:spcBef>
-            <a:spcAft>
-              <a:spcPct val="35000"/>
-            </a:spcAft>
-          </a:pPr>
-          <a:r>
-            <a:rPr lang="pt-PT" sz="700" kern="1200" dirty="0" smtClean="0"/>
-            <a:t>Some plugins require complicated configurations</a:t>
-          </a:r>
-          <a:endParaRPr lang="pt-PT" sz="700" kern="1200" dirty="0"/>
-        </a:p>
-      </dsp:txBody>
-      <dsp:txXfrm>
-        <a:off x="3152695" y="1714114"/>
-        <a:ext cx="703274" cy="429524"/>
-      </dsp:txXfrm>
-    </dsp:sp>
-    <dsp:sp modelId="{D69BB881-E2F5-44B9-9DBD-6D90C7DB7496}">
-      <dsp:nvSpPr>
-        <dsp:cNvPr id="0" name=""/>
-        <dsp:cNvSpPr/>
-      </dsp:nvSpPr>
-      <dsp:spPr>
-        <a:xfrm>
-          <a:off x="3038957" y="505451"/>
-          <a:ext cx="100375" cy="1973942"/>
-        </a:xfrm>
-        <a:custGeom>
-          <a:avLst/>
-          <a:gdLst/>
-          <a:ahLst/>
-          <a:cxnLst/>
-          <a:rect l="0" t="0" r="0" b="0"/>
-          <a:pathLst>
-            <a:path>
-              <a:moveTo>
-                <a:pt x="0" y="0"/>
-              </a:moveTo>
-              <a:lnTo>
-                <a:pt x="0" y="1973942"/>
-              </a:lnTo>
-              <a:lnTo>
-                <a:pt x="100375" y="1973942"/>
-              </a:lnTo>
-            </a:path>
-          </a:pathLst>
-        </a:custGeom>
-        <a:noFill/>
-        <a:ln w="9525" cap="rnd" cmpd="sng" algn="ctr">
-          <a:solidFill>
-            <a:schemeClr val="accent1">
-              <a:shade val="60000"/>
-              <a:hueOff val="0"/>
-              <a:satOff val="0"/>
-              <a:lumOff val="0"/>
-              <a:alphaOff val="0"/>
-            </a:schemeClr>
-          </a:solidFill>
-          <a:prstDash val="solid"/>
-        </a:ln>
-        <a:effectLst/>
-      </dsp:spPr>
-      <dsp:style>
-        <a:lnRef idx="1">
-          <a:scrgbClr r="0" g="0" b="0"/>
-        </a:lnRef>
-        <a:fillRef idx="0">
-          <a:scrgbClr r="0" g="0" b="0"/>
-        </a:fillRef>
-        <a:effectRef idx="0">
-          <a:scrgbClr r="0" g="0" b="0"/>
-        </a:effectRef>
-        <a:fontRef idx="minor"/>
-      </dsp:style>
-    </dsp:sp>
-    <dsp:sp modelId="{50E43E93-9EF6-4576-8695-D64977549991}">
-      <dsp:nvSpPr>
-        <dsp:cNvPr id="0" name=""/>
-        <dsp:cNvSpPr/>
-      </dsp:nvSpPr>
-      <dsp:spPr>
-        <a:xfrm>
-          <a:off x="3139332" y="2251268"/>
-          <a:ext cx="730000" cy="456250"/>
-        </a:xfrm>
-        <a:prstGeom prst="roundRect">
-          <a:avLst>
-            <a:gd name="adj" fmla="val 10000"/>
-          </a:avLst>
-        </a:prstGeom>
-        <a:solidFill>
-          <a:schemeClr val="lt1">
-            <a:alpha val="90000"/>
-            <a:hueOff val="0"/>
-            <a:satOff val="0"/>
-            <a:lumOff val="0"/>
-            <a:alphaOff val="0"/>
-          </a:schemeClr>
-        </a:solidFill>
-        <a:ln w="9525" cap="rnd" cmpd="sng" algn="ctr">
-          <a:solidFill>
-            <a:schemeClr val="accent1">
-              <a:hueOff val="0"/>
-              <a:satOff val="0"/>
-              <a:lumOff val="0"/>
-              <a:alphaOff val="0"/>
-            </a:schemeClr>
-          </a:solidFill>
-          <a:prstDash val="solid"/>
-        </a:ln>
-        <a:effectLst/>
-      </dsp:spPr>
-      <dsp:style>
-        <a:lnRef idx="1">
-          <a:scrgbClr r="0" g="0" b="0"/>
-        </a:lnRef>
-        <a:fillRef idx="1">
-          <a:scrgbClr r="0" g="0" b="0"/>
-        </a:fillRef>
-        <a:effectRef idx="0">
-          <a:scrgbClr r="0" g="0" b="0"/>
-        </a:effectRef>
-        <a:fontRef idx="minor"/>
-      </dsp:style>
-      <dsp:txBody>
-        <a:bodyPr spcFirstLastPara="0" vert="horz" wrap="square" lIns="13335" tIns="8890" rIns="13335" bIns="8890" numCol="1" spcCol="1270" anchor="ctr" anchorCtr="0">
-          <a:noAutofit/>
-        </a:bodyPr>
-        <a:lstStyle/>
-        <a:p>
-          <a:pPr lvl="0" algn="ctr" defTabSz="311150">
-            <a:lnSpc>
-              <a:spcPct val="90000"/>
-            </a:lnSpc>
-            <a:spcBef>
-              <a:spcPct val="0"/>
-            </a:spcBef>
-            <a:spcAft>
-              <a:spcPct val="35000"/>
-            </a:spcAft>
-          </a:pPr>
-          <a:r>
-            <a:rPr lang="pt-PT" sz="700" kern="1200" dirty="0" smtClean="0"/>
-            <a:t>Constant effort for maintaince</a:t>
-          </a:r>
-          <a:endParaRPr lang="pt-PT" sz="700" kern="1200" dirty="0"/>
-        </a:p>
-      </dsp:txBody>
-      <dsp:txXfrm>
-        <a:off x="3152695" y="2264631"/>
-        <a:ext cx="703274" cy="429524"/>
-      </dsp:txXfrm>
-    </dsp:sp>
-    <dsp:sp modelId="{4F01DEA1-6963-411C-B81A-F6998C0C045E}">
-      <dsp:nvSpPr>
-        <dsp:cNvPr id="0" name=""/>
-        <dsp:cNvSpPr/>
-      </dsp:nvSpPr>
-      <dsp:spPr>
-        <a:xfrm>
-          <a:off x="3038957" y="505451"/>
-          <a:ext cx="100375" cy="2524458"/>
-        </a:xfrm>
-        <a:custGeom>
-          <a:avLst/>
-          <a:gdLst/>
-          <a:ahLst/>
-          <a:cxnLst/>
-          <a:rect l="0" t="0" r="0" b="0"/>
-          <a:pathLst>
-            <a:path>
-              <a:moveTo>
-                <a:pt x="0" y="0"/>
-              </a:moveTo>
-              <a:lnTo>
-                <a:pt x="0" y="2524458"/>
-              </a:lnTo>
-              <a:lnTo>
-                <a:pt x="100375" y="2524458"/>
-              </a:lnTo>
-            </a:path>
-          </a:pathLst>
-        </a:custGeom>
-        <a:noFill/>
-        <a:ln w="9525" cap="rnd" cmpd="sng" algn="ctr">
-          <a:solidFill>
-            <a:schemeClr val="accent1">
-              <a:shade val="60000"/>
-              <a:hueOff val="0"/>
-              <a:satOff val="0"/>
-              <a:lumOff val="0"/>
-              <a:alphaOff val="0"/>
-            </a:schemeClr>
-          </a:solidFill>
-          <a:prstDash val="solid"/>
-        </a:ln>
-        <a:effectLst/>
-      </dsp:spPr>
-      <dsp:style>
-        <a:lnRef idx="1">
-          <a:scrgbClr r="0" g="0" b="0"/>
-        </a:lnRef>
-        <a:fillRef idx="0">
-          <a:scrgbClr r="0" g="0" b="0"/>
-        </a:fillRef>
-        <a:effectRef idx="0">
-          <a:scrgbClr r="0" g="0" b="0"/>
-        </a:effectRef>
-        <a:fontRef idx="minor"/>
-      </dsp:style>
-    </dsp:sp>
-    <dsp:sp modelId="{5F110DA3-1DE8-4F12-A68F-86C4A5BF1E8C}">
-      <dsp:nvSpPr>
-        <dsp:cNvPr id="0" name=""/>
-        <dsp:cNvSpPr/>
-      </dsp:nvSpPr>
-      <dsp:spPr>
-        <a:xfrm>
-          <a:off x="3139332" y="2801785"/>
-          <a:ext cx="730000" cy="456250"/>
-        </a:xfrm>
-        <a:prstGeom prst="roundRect">
-          <a:avLst>
-            <a:gd name="adj" fmla="val 10000"/>
-          </a:avLst>
-        </a:prstGeom>
-        <a:solidFill>
-          <a:schemeClr val="lt1">
-            <a:alpha val="90000"/>
-            <a:hueOff val="0"/>
-            <a:satOff val="0"/>
-            <a:lumOff val="0"/>
-            <a:alphaOff val="0"/>
-          </a:schemeClr>
-        </a:solidFill>
-        <a:ln w="9525" cap="rnd" cmpd="sng" algn="ctr">
-          <a:solidFill>
-            <a:schemeClr val="accent1">
-              <a:hueOff val="0"/>
-              <a:satOff val="0"/>
-              <a:lumOff val="0"/>
-              <a:alphaOff val="0"/>
-            </a:schemeClr>
-          </a:solidFill>
-          <a:prstDash val="solid"/>
-        </a:ln>
-        <a:effectLst/>
-      </dsp:spPr>
-      <dsp:style>
-        <a:lnRef idx="1">
-          <a:scrgbClr r="0" g="0" b="0"/>
-        </a:lnRef>
-        <a:fillRef idx="1">
-          <a:scrgbClr r="0" g="0" b="0"/>
-        </a:fillRef>
-        <a:effectRef idx="0">
-          <a:scrgbClr r="0" g="0" b="0"/>
-        </a:effectRef>
-        <a:fontRef idx="minor"/>
-      </dsp:style>
-      <dsp:txBody>
-        <a:bodyPr spcFirstLastPara="0" vert="horz" wrap="square" lIns="13335" tIns="8890" rIns="13335" bIns="8890" numCol="1" spcCol="1270" anchor="ctr" anchorCtr="0">
-          <a:noAutofit/>
-        </a:bodyPr>
-        <a:lstStyle/>
-        <a:p>
-          <a:pPr lvl="0" algn="ctr" defTabSz="311150">
-            <a:lnSpc>
-              <a:spcPct val="90000"/>
-            </a:lnSpc>
-            <a:spcBef>
-              <a:spcPct val="0"/>
-            </a:spcBef>
-            <a:spcAft>
-              <a:spcPct val="35000"/>
-            </a:spcAft>
-          </a:pPr>
-          <a:r>
-            <a:rPr lang="pt-PT" sz="700" kern="1200" dirty="0" smtClean="0"/>
-            <a:t>Can be “overwhelming”</a:t>
-          </a:r>
-          <a:endParaRPr lang="pt-PT" sz="700" kern="1200" dirty="0"/>
-        </a:p>
-      </dsp:txBody>
-      <dsp:txXfrm>
-        <a:off x="3152695" y="2815148"/>
-        <a:ext cx="703274" cy="429524"/>
-      </dsp:txXfrm>
-    </dsp:sp>
-    <dsp:sp modelId="{42A4DB9D-6604-49D8-A581-EB7995E16BE9}">
-      <dsp:nvSpPr>
-        <dsp:cNvPr id="0" name=""/>
-        <dsp:cNvSpPr/>
-      </dsp:nvSpPr>
-      <dsp:spPr>
-        <a:xfrm>
-          <a:off x="3038957" y="505451"/>
-          <a:ext cx="100375" cy="3074975"/>
-        </a:xfrm>
-        <a:custGeom>
-          <a:avLst/>
-          <a:gdLst/>
-          <a:ahLst/>
-          <a:cxnLst/>
-          <a:rect l="0" t="0" r="0" b="0"/>
-          <a:pathLst>
-            <a:path>
-              <a:moveTo>
-                <a:pt x="0" y="0"/>
-              </a:moveTo>
-              <a:lnTo>
-                <a:pt x="0" y="3074975"/>
-              </a:lnTo>
-              <a:lnTo>
-                <a:pt x="100375" y="3074975"/>
-              </a:lnTo>
-            </a:path>
-          </a:pathLst>
-        </a:custGeom>
-        <a:noFill/>
-        <a:ln w="9525" cap="rnd" cmpd="sng" algn="ctr">
-          <a:solidFill>
-            <a:schemeClr val="accent1">
-              <a:shade val="60000"/>
-              <a:hueOff val="0"/>
-              <a:satOff val="0"/>
-              <a:lumOff val="0"/>
-              <a:alphaOff val="0"/>
-            </a:schemeClr>
-          </a:solidFill>
-          <a:prstDash val="solid"/>
-        </a:ln>
-        <a:effectLst/>
-      </dsp:spPr>
-      <dsp:style>
-        <a:lnRef idx="1">
-          <a:scrgbClr r="0" g="0" b="0"/>
-        </a:lnRef>
-        <a:fillRef idx="0">
-          <a:scrgbClr r="0" g="0" b="0"/>
-        </a:fillRef>
-        <a:effectRef idx="0">
-          <a:scrgbClr r="0" g="0" b="0"/>
-        </a:effectRef>
-        <a:fontRef idx="minor"/>
-      </dsp:style>
-    </dsp:sp>
-    <dsp:sp modelId="{7FB5A010-9A56-4829-B858-D0D824AEF6AD}">
-      <dsp:nvSpPr>
-        <dsp:cNvPr id="0" name=""/>
-        <dsp:cNvSpPr/>
-      </dsp:nvSpPr>
-      <dsp:spPr>
-        <a:xfrm>
-          <a:off x="3139332" y="3352301"/>
-          <a:ext cx="730000" cy="456250"/>
-        </a:xfrm>
-        <a:prstGeom prst="roundRect">
-          <a:avLst>
-            <a:gd name="adj" fmla="val 10000"/>
-          </a:avLst>
-        </a:prstGeom>
-        <a:solidFill>
-          <a:schemeClr val="lt1">
-            <a:alpha val="90000"/>
-            <a:hueOff val="0"/>
-            <a:satOff val="0"/>
-            <a:lumOff val="0"/>
-            <a:alphaOff val="0"/>
-          </a:schemeClr>
-        </a:solidFill>
-        <a:ln w="9525" cap="rnd" cmpd="sng" algn="ctr">
-          <a:solidFill>
-            <a:schemeClr val="accent1">
-              <a:hueOff val="0"/>
-              <a:satOff val="0"/>
-              <a:lumOff val="0"/>
-              <a:alphaOff val="0"/>
-            </a:schemeClr>
-          </a:solidFill>
-          <a:prstDash val="solid"/>
-        </a:ln>
-        <a:effectLst/>
-      </dsp:spPr>
-      <dsp:style>
-        <a:lnRef idx="1">
-          <a:scrgbClr r="0" g="0" b="0"/>
-        </a:lnRef>
-        <a:fillRef idx="1">
-          <a:scrgbClr r="0" g="0" b="0"/>
-        </a:fillRef>
-        <a:effectRef idx="0">
-          <a:scrgbClr r="0" g="0" b="0"/>
-        </a:effectRef>
-        <a:fontRef idx="minor"/>
-      </dsp:style>
-      <dsp:txBody>
-        <a:bodyPr spcFirstLastPara="0" vert="horz" wrap="square" lIns="13335" tIns="8890" rIns="13335" bIns="8890" numCol="1" spcCol="1270" anchor="ctr" anchorCtr="0">
-          <a:noAutofit/>
-        </a:bodyPr>
-        <a:lstStyle/>
-        <a:p>
-          <a:pPr lvl="0" algn="ctr" defTabSz="311150">
-            <a:lnSpc>
-              <a:spcPct val="90000"/>
-            </a:lnSpc>
-            <a:spcBef>
-              <a:spcPct val="0"/>
-            </a:spcBef>
-            <a:spcAft>
-              <a:spcPct val="35000"/>
-            </a:spcAft>
-          </a:pPr>
-          <a:r>
-            <a:rPr lang="pt-PT" sz="700" kern="1200" dirty="0" smtClean="0"/>
-            <a:t>Setup time</a:t>
-          </a:r>
-          <a:endParaRPr lang="pt-PT" sz="700" kern="1200" dirty="0"/>
-        </a:p>
-      </dsp:txBody>
-      <dsp:txXfrm>
-        <a:off x="3152695" y="3365664"/>
-        <a:ext cx="703274" cy="429524"/>
-      </dsp:txXfrm>
-    </dsp:sp>
   </dsp:spTree>
 </dsp:drawing>
 </file>
@@ -5929,6 +3925,78 @@
           <a:lstStyle/>
           <a:p>
             <a:pPr rtl="0"/>
+            <a:r>
+              <a:rPr lang="en-US" sz="1200" b="0" i="0" kern="1200" dirty="0" smtClean="0">
+                <a:solidFill>
+                  <a:schemeClr val="tx1"/>
+                </a:solidFill>
+                <a:effectLst/>
+                <a:latin typeface="+mn-lt"/>
+                <a:ea typeface="+mn-ea"/>
+                <a:cs typeface="+mn-cs"/>
+              </a:rPr>
+              <a:t>Development practice that requires developers to integrate code into a shared repository at regular intervals. </a:t>
+            </a:r>
+          </a:p>
+          <a:p>
+            <a:pPr rtl="0"/>
+            <a:r>
+              <a:rPr lang="en-US" sz="1200" b="0" i="0" kern="1200" dirty="0" smtClean="0">
+                <a:solidFill>
+                  <a:schemeClr val="tx1"/>
+                </a:solidFill>
+                <a:effectLst/>
+                <a:latin typeface="+mn-lt"/>
+                <a:ea typeface="+mn-ea"/>
+                <a:cs typeface="+mn-cs"/>
+              </a:rPr>
+              <a:t>This concept was meant to remove the problem of finding later occurrence of issues in the build lifecycle. </a:t>
+            </a:r>
+          </a:p>
+          <a:p>
+            <a:pPr rtl="0"/>
+            <a:r>
+              <a:rPr lang="en-US" sz="1200" b="0" i="0" kern="1200" dirty="0" smtClean="0">
+                <a:solidFill>
+                  <a:schemeClr val="tx1"/>
+                </a:solidFill>
+                <a:effectLst/>
+                <a:latin typeface="+mn-lt"/>
+                <a:ea typeface="+mn-ea"/>
+                <a:cs typeface="+mn-cs"/>
+              </a:rPr>
+              <a:t>Continuous integration requires the developers to have frequent builds. </a:t>
+            </a:r>
+          </a:p>
+          <a:p>
+            <a:pPr rtl="0"/>
+            <a:r>
+              <a:rPr lang="en-US" sz="1200" b="0" i="0" kern="1200" dirty="0" smtClean="0">
+                <a:solidFill>
+                  <a:schemeClr val="tx1"/>
+                </a:solidFill>
+                <a:effectLst/>
+                <a:latin typeface="+mn-lt"/>
+                <a:ea typeface="+mn-ea"/>
+                <a:cs typeface="+mn-cs"/>
+              </a:rPr>
+              <a:t>The common practice is that whenever a code commit occurs, a build should be triggered. -&gt; getting fast feedback.!!!</a:t>
+            </a:r>
+          </a:p>
+          <a:p>
+            <a:pPr rtl="0"/>
+            <a:r>
+              <a:rPr lang="en-US" sz="1200" b="0" i="0" kern="1200" dirty="0" smtClean="0">
+                <a:solidFill>
+                  <a:schemeClr val="tx1"/>
+                </a:solidFill>
+                <a:effectLst/>
+                <a:latin typeface="+mn-lt"/>
+                <a:ea typeface="+mn-ea"/>
+                <a:cs typeface="+mn-cs"/>
+              </a:rPr>
+              <a:t>The fast feedback is important so you always know right after you broke the build (introduced changes that made either the compile/build cycle or the tests fail) what you did that failed and how to revert it.</a:t>
+            </a:r>
             <a:endParaRPr lang="en-US" sz="1200" b="0" i="1" u="none" strike="noStrike" kern="1200" baseline="0" dirty="0">
               <a:solidFill>
                 <a:schemeClr val="tx1"/>
@@ -6578,6 +4646,89 @@
           <a:bodyPr/>
           <a:lstStyle/>
           <a:p>
+            <a:r>
+              <a:rPr lang="en-US" sz="1200" b="0" i="0" kern="1200" dirty="0" smtClean="0">
+                <a:solidFill>
+                  <a:schemeClr val="tx1"/>
+                </a:solidFill>
+                <a:effectLst/>
+                <a:latin typeface="+mn-lt"/>
+                <a:ea typeface="+mn-ea"/>
+                <a:cs typeface="+mn-cs"/>
+              </a:rPr>
+              <a:t>Along with Jenkins, sometimes, one might also see the association of </a:t>
+            </a:r>
+            <a:r>
+              <a:rPr lang="en-US" sz="1200" b="1" i="0" kern="1200" dirty="0" smtClean="0">
+                <a:solidFill>
+                  <a:schemeClr val="tx1"/>
+                </a:solidFill>
+                <a:effectLst/>
+                <a:latin typeface="+mn-lt"/>
+                <a:ea typeface="+mn-ea"/>
+                <a:cs typeface="+mn-cs"/>
+              </a:rPr>
+              <a:t>Hudson</a:t>
+            </a:r>
+            <a:r>
+              <a:rPr lang="en-US" sz="1200" b="0" i="0" kern="1200" dirty="0" smtClean="0">
+                <a:solidFill>
+                  <a:schemeClr val="tx1"/>
+                </a:solidFill>
+                <a:effectLst/>
+                <a:latin typeface="+mn-lt"/>
+                <a:ea typeface="+mn-ea"/>
+                <a:cs typeface="+mn-cs"/>
+              </a:rPr>
+              <a:t>. </a:t>
+            </a:r>
+          </a:p>
+          <a:p>
+            <a:r>
+              <a:rPr lang="en-US" sz="1200" b="0" i="0" kern="1200" dirty="0" smtClean="0">
+                <a:solidFill>
+                  <a:schemeClr val="tx1"/>
+                </a:solidFill>
+                <a:effectLst/>
+                <a:latin typeface="+mn-lt"/>
+                <a:ea typeface="+mn-ea"/>
+                <a:cs typeface="+mn-cs"/>
+              </a:rPr>
+              <a:t>Hudson is a very popular open-source Java-based continuous integration tool developed by Sun Microsystems which was later acquired by Oracle. </a:t>
+            </a:r>
+          </a:p>
+          <a:p>
+            <a:r>
+              <a:rPr lang="en-US" sz="1200" b="0" i="0" kern="1200" dirty="0" smtClean="0">
+                <a:solidFill>
+                  <a:schemeClr val="tx1"/>
+                </a:solidFill>
+                <a:effectLst/>
+                <a:latin typeface="+mn-lt"/>
+                <a:ea typeface="+mn-ea"/>
+                <a:cs typeface="+mn-cs"/>
+              </a:rPr>
+              <a:t>After the acquisition of Sun by Oracle, a fork was created from the Hudson source code, which brought about the introduction of Jenkins.</a:t>
+            </a:r>
+          </a:p>
+          <a:p>
+            <a:endParaRPr lang="en-US" sz="1200" b="0" i="0" kern="1200" dirty="0" smtClean="0">
+              <a:solidFill>
+                <a:schemeClr val="tx1"/>
+              </a:solidFill>
+              <a:effectLst/>
+              <a:latin typeface="+mn-lt"/>
+              <a:ea typeface="+mn-ea"/>
+              <a:cs typeface="+mn-cs"/>
+            </a:endParaRPr>
+          </a:p>
+          <a:p>
+            <a:r>
+              <a:rPr lang="pt-PT" dirty="0" smtClean="0">
+                <a:effectLst/>
+              </a:rPr>
+              <a:t>Operating System Version: Jenkins can be installed on Windows, Ubuntu/Debian, Red Hat/Fedora/CentOS, Mac OS X, openSUSE, FReeBSD, OpenBSD, Gentoo.</a:t>
+            </a:r>
             <a:endParaRPr lang="pt-PT" dirty="0"/>
           </a:p>
         </p:txBody>
@@ -22977,11 +21128,7 @@
             <a:pPr algn="ctr"/>
             <a:r>
               <a:rPr lang="en-US" b="1" dirty="0" smtClean="0"/>
-              <a:t>How </a:t>
-            </a:r>
-            <a:r>
-              <a:rPr lang="en-US" b="1" dirty="0" smtClean="0"/>
-              <a:t>does it work?</a:t>
+              <a:t>How does it work?</a:t>
             </a:r>
             <a:endParaRPr lang="en-US" b="1" dirty="0"/>
           </a:p>
@@ -24457,14 +22604,14 @@
           <p:nvPr>
             <p:extLst>
               <p:ext uri="{D42A27DB-BD31-4B8C-83A1-F6EECF244321}">
-                <p14:modId xmlns:p14="http://schemas.microsoft.com/office/powerpoint/2010/main" val="212233197"/>
+                <p14:modId xmlns:p14="http://schemas.microsoft.com/office/powerpoint/2010/main" val="1454988929"/>
               </p:ext>
             </p:extLst>
           </p:nvPr>
         </p:nvGraphicFramePr>
         <p:xfrm>
           <a:off x="561111" y="2276874"/>
-          <a:ext cx="11080426" cy="4688293"/>
+          <a:ext cx="11080426" cy="3956773"/>
         </p:xfrm>
         <a:graphic>
           <a:graphicData uri="http://schemas.openxmlformats.org/drawingml/2006/table">
@@ -24667,13 +22814,14 @@
                       <a:endParaRPr lang="pt-PT" dirty="0"/>
                     </a:p>
                   </a:txBody>
-                  <a:tcPr/>
+                  <a:tcPr anchor="ctr"/>
                 </a:tc>
                 <a:tc>
                   <a:txBody>
                     <a:bodyPr/>
                     <a:lstStyle/>
                     <a:p>
+                      <a:pPr algn="ctr"/>
                       <a:r>
                         <a:rPr lang="pt-PT" dirty="0" smtClean="0"/>
                         <a:t>Eclipse, IntelliJ IDEA, NetBeans (and others</a:t>
@@ -24685,13 +22833,14 @@
                       <a:endParaRPr lang="pt-PT" dirty="0"/>
                     </a:p>
                   </a:txBody>
-                  <a:tcPr/>
+                  <a:tcPr anchor="ctr"/>
                 </a:tc>
                 <a:tc>
                   <a:txBody>
                     <a:bodyPr/>
                     <a:lstStyle/>
                     <a:p>
+                      <a:pPr algn="ctr"/>
                       <a:r>
                         <a:rPr lang="pt-PT" dirty="0" err="1" smtClean="0"/>
                         <a:t>None</a:t>
@@ -24699,27 +22848,29 @@
                       <a:endParaRPr lang="pt-PT" dirty="0"/>
                     </a:p>
                   </a:txBody>
-                  <a:tcPr/>
+                  <a:tcPr anchor="ctr"/>
                 </a:tc>
                 <a:tc>
                   <a:txBody>
                     <a:bodyPr/>
                     <a:lstStyle/>
                     <a:p>
-                      <a:endParaRPr lang="pt-PT"/>
+                      <a:pPr algn="ctr"/>
+                      <a:endParaRPr lang="pt-PT" dirty="0"/>
                     </a:p>
                   </a:txBody>
-                  <a:tcPr/>
+                  <a:tcPr anchor="ctr"/>
                 </a:tc>
                 <a:tc>
                   <a:txBody>
                     <a:bodyPr/>
                     <a:lstStyle/>
                     <a:p>
+                      <a:pPr algn="ctr"/>
                       <a:endParaRPr lang="pt-PT"/>
                     </a:p>
                   </a:txBody>
-                  <a:tcPr/>
+                  <a:tcPr anchor="ctr"/>
                 </a:tc>
               </a:tr>
               <a:tr h="352359">
@@ -24739,13 +22890,14 @@
                       <a:endParaRPr lang="pt-PT" dirty="0"/>
                     </a:p>
                   </a:txBody>
-                  <a:tcPr/>
+                  <a:tcPr anchor="ctr"/>
                 </a:tc>
                 <a:tc>
                   <a:txBody>
                     <a:bodyPr/>
                     <a:lstStyle/>
                     <a:p>
+                      <a:pPr algn="ctr"/>
                       <a:r>
                         <a:rPr lang="pt-PT" dirty="0" smtClean="0"/>
                         <a:t>YE</a:t>
@@ -24757,13 +22909,14 @@
                       <a:endParaRPr lang="pt-PT" dirty="0"/>
                     </a:p>
                   </a:txBody>
-                  <a:tcPr/>
+                  <a:tcPr anchor="ctr"/>
                 </a:tc>
                 <a:tc>
                   <a:txBody>
                     <a:bodyPr/>
                     <a:lstStyle/>
                     <a:p>
+                      <a:pPr algn="ctr"/>
                       <a:r>
                         <a:rPr lang="pt-PT" dirty="0" err="1" smtClean="0"/>
                         <a:t>GitHub</a:t>
@@ -24771,27 +22924,29 @@
                       <a:endParaRPr lang="pt-PT" dirty="0"/>
                     </a:p>
                   </a:txBody>
-                  <a:tcPr/>
+                  <a:tcPr anchor="ctr"/>
                 </a:tc>
                 <a:tc>
                   <a:txBody>
                     <a:bodyPr/>
                     <a:lstStyle/>
                     <a:p>
+                      <a:pPr algn="ctr"/>
                       <a:endParaRPr lang="pt-PT" dirty="0"/>
                     </a:p>
                   </a:txBody>
-                  <a:tcPr/>
+                  <a:tcPr anchor="ctr"/>
                 </a:tc>
                 <a:tc>
                   <a:txBody>
                     <a:bodyPr/>
                     <a:lstStyle/>
                     <a:p>
+                      <a:pPr algn="ctr"/>
                       <a:endParaRPr lang="pt-PT" dirty="0"/>
                     </a:p>
                   </a:txBody>
-                  <a:tcPr/>
+                  <a:tcPr anchor="ctr"/>
                 </a:tc>
               </a:tr>
               <a:tr h="352359">
@@ -24807,13 +22962,14 @@
                       <a:endParaRPr lang="pt-PT" dirty="0"/>
                     </a:p>
                   </a:txBody>
-                  <a:tcPr/>
+                  <a:tcPr anchor="ctr"/>
                 </a:tc>
                 <a:tc>
                   <a:txBody>
                     <a:bodyPr/>
                     <a:lstStyle/>
                     <a:p>
+                      <a:pPr algn="ctr"/>
                       <a:r>
                         <a:rPr lang="pt-PT" dirty="0" smtClean="0"/>
                         <a:t>Web server</a:t>
@@ -24821,13 +22977,14 @@
                       <a:endParaRPr lang="pt-PT" dirty="0"/>
                     </a:p>
                   </a:txBody>
-                  <a:tcPr/>
+                  <a:tcPr anchor="ctr"/>
                 </a:tc>
                 <a:tc>
                   <a:txBody>
                     <a:bodyPr/>
                     <a:lstStyle/>
                     <a:p>
+                      <a:pPr algn="ctr"/>
                       <a:r>
                         <a:rPr lang="pt-PT" dirty="0" smtClean="0"/>
                         <a:t>YES</a:t>
@@ -24835,27 +22992,29 @@
                       <a:endParaRPr lang="pt-PT" dirty="0"/>
                     </a:p>
                   </a:txBody>
-                  <a:tcPr/>
+                  <a:tcPr anchor="ctr"/>
                 </a:tc>
                 <a:tc>
                   <a:txBody>
                     <a:bodyPr/>
                     <a:lstStyle/>
                     <a:p>
-                      <a:endParaRPr lang="pt-PT"/>
+                      <a:pPr algn="ctr"/>
+                      <a:endParaRPr lang="pt-PT" dirty="0"/>
                     </a:p>
                   </a:txBody>
-                  <a:tcPr/>
+                  <a:tcPr anchor="ctr"/>
                 </a:tc>
                 <a:tc>
                   <a:txBody>
                     <a:bodyPr/>
                     <a:lstStyle/>
                     <a:p>
+                      <a:pPr algn="ctr"/>
                       <a:endParaRPr lang="pt-PT" dirty="0"/>
                     </a:p>
                   </a:txBody>
-                  <a:tcPr/>
+                  <a:tcPr anchor="ctr"/>
                 </a:tc>
               </a:tr>
               <a:tr h="352359">
@@ -24871,13 +23030,14 @@
                       <a:endParaRPr lang="pt-PT" dirty="0"/>
                     </a:p>
                   </a:txBody>
-                  <a:tcPr/>
+                  <a:tcPr anchor="ctr"/>
                 </a:tc>
                 <a:tc>
                   <a:txBody>
                     <a:bodyPr/>
                     <a:lstStyle/>
                     <a:p>
+                      <a:pPr algn="ctr"/>
                       <a:r>
                         <a:rPr lang="pt-PT" dirty="0" smtClean="0"/>
                         <a:t>YES</a:t>
@@ -24885,13 +23045,14 @@
                       <a:endParaRPr lang="pt-PT" dirty="0"/>
                     </a:p>
                   </a:txBody>
-                  <a:tcPr/>
+                  <a:tcPr anchor="ctr"/>
                 </a:tc>
                 <a:tc>
                   <a:txBody>
                     <a:bodyPr/>
                     <a:lstStyle/>
                     <a:p>
+                      <a:pPr algn="ctr"/>
                       <a:r>
                         <a:rPr lang="pt-PT" dirty="0" smtClean="0"/>
                         <a:t>NO</a:t>
@@ -24899,27 +23060,29 @@
                       <a:endParaRPr lang="pt-PT" dirty="0"/>
                     </a:p>
                   </a:txBody>
-                  <a:tcPr/>
+                  <a:tcPr anchor="ctr"/>
                 </a:tc>
                 <a:tc>
                   <a:txBody>
                     <a:bodyPr/>
                     <a:lstStyle/>
                     <a:p>
-                      <a:endParaRPr lang="pt-PT"/>
+                      <a:pPr algn="ctr"/>
+                      <a:endParaRPr lang="pt-PT" dirty="0"/>
                     </a:p>
                   </a:txBody>
-                  <a:tcPr/>
+                  <a:tcPr anchor="ctr"/>
                 </a:tc>
                 <a:tc>
                   <a:txBody>
                     <a:bodyPr/>
                     <a:lstStyle/>
                     <a:p>
+                      <a:pPr algn="ctr"/>
                       <a:endParaRPr lang="pt-PT" dirty="0"/>
                     </a:p>
                   </a:txBody>
-                  <a:tcPr/>
+                  <a:tcPr anchor="ctr"/>
                 </a:tc>
               </a:tr>
               <a:tr h="352359">
@@ -24935,13 +23098,14 @@
                       <a:endParaRPr lang="pt-PT" dirty="0"/>
                     </a:p>
                   </a:txBody>
-                  <a:tcPr/>
+                  <a:tcPr anchor="ctr"/>
                 </a:tc>
                 <a:tc>
                   <a:txBody>
                     <a:bodyPr/>
                     <a:lstStyle/>
                     <a:p>
+                      <a:pPr algn="ctr"/>
                       <a:r>
                         <a:rPr lang="pt-PT" dirty="0" smtClean="0"/>
                         <a:t>Good</a:t>
@@ -24949,13 +23113,14 @@
                       <a:endParaRPr lang="pt-PT" dirty="0"/>
                     </a:p>
                   </a:txBody>
-                  <a:tcPr/>
+                  <a:tcPr anchor="ctr"/>
                 </a:tc>
                 <a:tc>
                   <a:txBody>
                     <a:bodyPr/>
                     <a:lstStyle/>
                     <a:p>
+                      <a:pPr algn="ctr"/>
                       <a:r>
                         <a:rPr lang="pt-PT" dirty="0" err="1" smtClean="0"/>
                         <a:t>Good</a:t>
@@ -24991,131 +23156,29 @@
                       <a:endParaRPr lang="pt-PT" dirty="0"/>
                     </a:p>
                   </a:txBody>
-                  <a:tcPr/>
+                  <a:tcPr anchor="ctr"/>
                 </a:tc>
                 <a:tc>
                   <a:txBody>
                     <a:bodyPr/>
                     <a:lstStyle/>
                     <a:p>
+                      <a:pPr algn="ctr"/>
                       <a:endParaRPr lang="pt-PT" dirty="0"/>
                     </a:p>
                   </a:txBody>
-                  <a:tcPr/>
+                  <a:tcPr anchor="ctr"/>
                 </a:tc>
                 <a:tc>
                   <a:txBody>
                     <a:bodyPr/>
                     <a:lstStyle/>
                     <a:p>
+                      <a:pPr algn="ctr"/>
                       <a:endParaRPr lang="pt-PT" dirty="0"/>
                     </a:p>
                   </a:txBody>
-                  <a:tcPr/>
-                </a:tc>
-              </a:tr>
-              <a:tr h="352359">
-                <a:tc>
-                  <a:txBody>
-                    <a:bodyPr/>
-                    <a:lstStyle/>
-                    <a:p>
-                      <a:endParaRPr lang="pt-PT" dirty="0"/>
-                    </a:p>
-                  </a:txBody>
-                  <a:tcPr/>
-                </a:tc>
-                <a:tc>
-                  <a:txBody>
-                    <a:bodyPr/>
-                    <a:lstStyle/>
-                    <a:p>
-                      <a:endParaRPr lang="pt-PT"/>
-                    </a:p>
-                  </a:txBody>
-                  <a:tcPr/>
-                </a:tc>
-                <a:tc>
-                  <a:txBody>
-                    <a:bodyPr/>
-                    <a:lstStyle/>
-                    <a:p>
-                      <a:endParaRPr lang="pt-PT"/>
-                    </a:p>
-                  </a:txBody>
-                  <a:tcPr/>
-                </a:tc>
-                <a:tc>
-                  <a:txBody>
-                    <a:bodyPr/>
-                    <a:lstStyle/>
-                    <a:p>
-                      <a:endParaRPr lang="pt-PT"/>
-                    </a:p>
-                  </a:txBody>
-                  <a:tcPr/>
-                </a:tc>
-                <a:tc>
-                  <a:txBody>
-                    <a:bodyPr/>
-                    <a:lstStyle/>
-                    <a:p>
-                      <a:endParaRPr lang="pt-PT" dirty="0"/>
-                    </a:p>
-                  </a:txBody>
-                  <a:tcPr/>
-                </a:tc>
-              </a:tr>
-              <a:tr h="352359">
-                <a:tc>
-                  <a:txBody>
-                    <a:bodyPr/>
-                    <a:lstStyle/>
-                    <a:p>
-                      <a:endParaRPr lang="pt-PT" dirty="0"/>
-                    </a:p>
-                  </a:txBody>
-                  <a:tcPr/>
-                </a:tc>
-                <a:tc>
-                  <a:txBody>
-                    <a:bodyPr/>
-                    <a:lstStyle/>
-                    <a:p>
-                      <a:endParaRPr lang="pt-PT" dirty="0"/>
-                    </a:p>
-                  </a:txBody>
-                  <a:tcPr/>
-                </a:tc>
-                <a:tc>
-                  <a:txBody>
-                    <a:bodyPr/>
-                    <a:lstStyle/>
-                    <a:p>
-                      <a:endParaRPr lang="pt-PT"/>
-                    </a:p>
-                  </a:txBody>
-                  <a:tcPr/>
-                </a:tc>
-                <a:tc>
-                  <a:txBody>
-                    <a:bodyPr/>
-                    <a:lstStyle/>
-                    <a:p>
-                      <a:endParaRPr lang="pt-PT" dirty="0"/>
-                    </a:p>
-                  </a:txBody>
-                  <a:tcPr/>
-                </a:tc>
-                <a:tc>
-                  <a:txBody>
-                    <a:bodyPr/>
-                    <a:lstStyle/>
-                    <a:p>
-                      <a:endParaRPr lang="pt-PT" dirty="0"/>
-                    </a:p>
-                  </a:txBody>
-                  <a:tcPr/>
+                  <a:tcPr anchor="ctr"/>
                 </a:tc>
               </a:tr>
             </a:tbl>
@@ -25273,13 +23336,7 @@
               <a:rPr lang="en-US">
                 <a:hlinkClick r:id="rId6"/>
               </a:rPr>
-              <a:t>https</a:t>
-            </a:r>
-            <a:r>
-              <a:rPr lang="en-US">
-                <a:hlinkClick r:id="rId6"/>
-              </a:rPr>
-              <a:t>://</a:t>
+              <a:t>https://</a:t>
             </a:r>
             <a:r>
               <a:rPr lang="en-US" smtClean="0">
@@ -26873,15 +24930,7 @@
           <a:p>
             <a:r>
               <a:rPr lang="en-US" dirty="0" smtClean="0"/>
-              <a:t>Hosted continuous integration server used to build and test software projects </a:t>
-            </a:r>
-            <a:r>
-              <a:rPr lang="en-US" dirty="0" smtClean="0"/>
-              <a:t>hosted </a:t>
-            </a:r>
-            <a:r>
-              <a:rPr lang="en-US" dirty="0" smtClean="0"/>
-              <a:t>at GitHub.</a:t>
+              <a:t>Hosted continuous integration server used to build and test software projects hosted at GitHub.</a:t>
             </a:r>
           </a:p>
           <a:p>
@@ -26899,11 +24948,7 @@
             </a:r>
             <a:r>
               <a:rPr lang="en-US" dirty="0" smtClean="0"/>
-              <a:t>which </a:t>
-            </a:r>
-            <a:r>
-              <a:rPr lang="en-US" dirty="0" smtClean="0"/>
-              <a:t>sits along the project code.</a:t>
+              <a:t>which sits along the project code.</a:t>
             </a:r>
           </a:p>
           <a:p>
@@ -27576,11 +25621,7 @@
             <a:pPr algn="ctr"/>
             <a:r>
               <a:rPr lang="en-US" b="1" dirty="0" smtClean="0"/>
-              <a:t>What </a:t>
-            </a:r>
-            <a:r>
-              <a:rPr lang="en-US" b="1" dirty="0" smtClean="0"/>
-              <a:t>is it?</a:t>
+              <a:t>What is it?</a:t>
             </a:r>
             <a:endParaRPr lang="en-US" b="1" dirty="0"/>
           </a:p>

--- a/CI_TEAMC.pptx
+++ b/CI_TEAMC.pptx
@@ -126,7 +126,7 @@
   </p:defaultTextStyle>
   <p:extLst>
     <p:ext uri="{EFAFB233-063F-42B5-8137-9DF3F51BA10A}">
-      <p15:sldGuideLst xmlns:p15="http://schemas.microsoft.com/office/powerpoint/2012/main" xmlns="">
+      <p15:sldGuideLst xmlns:p15="http://schemas.microsoft.com/office/powerpoint/2012/main">
         <p15:guide id="1" pos="3840" userDrawn="1">
           <p15:clr>
             <a:srgbClr val="A4A3A4"/>
@@ -150,7 +150,7 @@
       </p15:sldGuideLst>
     </p:ext>
     <p:ext uri="{2D200454-40CA-4A62-9FC3-DE9A4176ACB9}">
-      <p15:notesGuideLst xmlns:p15="http://schemas.microsoft.com/office/powerpoint/2012/main" xmlns=""/>
+      <p15:notesGuideLst xmlns:p15="http://schemas.microsoft.com/office/powerpoint/2012/main"/>
     </p:ext>
   </p:extLst>
 </p:presentation>
@@ -162,7 +162,7 @@
   <p:cmAuthor id="3" name="Rita Silva" initials="RS" lastIdx="1" clrIdx="2">
     <p:extLst>
       <p:ext uri="{19B8F6BF-5375-455C-9EA6-DF929625EA0E}">
-        <p15:presenceInfo xmlns:p15="http://schemas.microsoft.com/office/powerpoint/2012/main" xmlns="" userId="S-1-5-21-37950563-1929341863-99485923-28026" providerId="AD"/>
+        <p15:presenceInfo xmlns:p15="http://schemas.microsoft.com/office/powerpoint/2012/main" userId="S-1-5-21-37950563-1929341863-99485923-28026" providerId="AD"/>
       </p:ext>
     </p:extLst>
   </p:cmAuthor>
@@ -1936,52 +1936,52 @@
     </dgm:pt>
   </dgm:ptLst>
   <dgm:cxnLst>
+    <dgm:cxn modelId="{B9A282EA-EB5D-4740-A114-7A5FDEC3F13F}" type="presOf" srcId="{1D5B013C-3814-4DBA-A114-793515C3A175}" destId="{36E41940-D6AE-4B61-9614-578943ADDEBE}" srcOrd="0" destOrd="0" presId="urn:microsoft.com/office/officeart/2005/8/layout/hierarchy3"/>
+    <dgm:cxn modelId="{3D0A4717-B8D7-4576-9FA5-10F0E5488DE9}" type="presOf" srcId="{D23EB86A-71BB-4A40-A569-8B77FDBE02FA}" destId="{72B13844-B30E-425B-9C7A-1663396A215A}" srcOrd="0" destOrd="0" presId="urn:microsoft.com/office/officeart/2005/8/layout/hierarchy3"/>
+    <dgm:cxn modelId="{0DAEDA3B-FE33-4B1C-9C27-E2E206218952}" srcId="{D23EB86A-71BB-4A40-A569-8B77FDBE02FA}" destId="{2B7155C7-BEBA-47E6-A611-578103620110}" srcOrd="4" destOrd="0" parTransId="{3F425AB1-C509-4C12-835D-8FB48463C56E}" sibTransId="{838E31E3-BBA0-4DFD-8508-33E3D64F2DF2}"/>
+    <dgm:cxn modelId="{9BEBC980-A36E-4C4A-A8DA-4CB6EEA808A1}" srcId="{D23EB86A-71BB-4A40-A569-8B77FDBE02FA}" destId="{548E3DBA-F067-4E78-8538-35AFB2F1818B}" srcOrd="5" destOrd="0" parTransId="{27188142-555D-4CE0-8FCC-5EF4E1AE4524}" sibTransId="{8FD1163F-C701-4469-B412-1D17C50819E9}"/>
+    <dgm:cxn modelId="{E6C387B6-7931-4BB6-ABF0-EC9F8067348D}" type="presOf" srcId="{3839A656-D98B-47E9-A658-DF73304CEB18}" destId="{E91EC1B8-A184-48D1-9A69-E934B5C7B28A}" srcOrd="0" destOrd="0" presId="urn:microsoft.com/office/officeart/2005/8/layout/hierarchy3"/>
+    <dgm:cxn modelId="{C571757F-977E-42C8-9358-F310B414AE16}" type="presOf" srcId="{EE83A711-B233-4784-8790-B3D0B5AA4273}" destId="{7E81931F-3C81-4DB3-82D5-109D76282892}" srcOrd="0" destOrd="0" presId="urn:microsoft.com/office/officeart/2005/8/layout/hierarchy3"/>
+    <dgm:cxn modelId="{10F3401B-B541-4202-8EB4-FC6B333D53C3}" type="presOf" srcId="{7B27C1B8-5A68-42C8-A979-98E005722E76}" destId="{665B2015-8348-4619-A88A-458FE46C5216}" srcOrd="0" destOrd="0" presId="urn:microsoft.com/office/officeart/2005/8/layout/hierarchy3"/>
+    <dgm:cxn modelId="{04D223AD-2624-412D-ADE6-DA2BEFC8FCB6}" type="presOf" srcId="{8BD967C0-A55D-48F9-95B1-733E8F50B17C}" destId="{0B3358E2-26D5-461E-AD31-7A4654034337}" srcOrd="0" destOrd="0" presId="urn:microsoft.com/office/officeart/2005/8/layout/hierarchy3"/>
+    <dgm:cxn modelId="{C765AA97-1366-4652-8C13-4650968F60CF}" type="presOf" srcId="{2532EC49-0FBE-4774-B31A-BBBB468170F7}" destId="{630F3D18-F2FD-492C-B34C-7F4ABA982010}" srcOrd="0" destOrd="0" presId="urn:microsoft.com/office/officeart/2005/8/layout/hierarchy3"/>
+    <dgm:cxn modelId="{4153DA9D-BE1A-43D1-84E0-B20DC04273A1}" type="presOf" srcId="{B66C6E76-A77D-4BAE-A190-E7C7B99630D5}" destId="{06CA16BD-3E66-4C53-92B0-52C52AD63648}" srcOrd="1" destOrd="0" presId="urn:microsoft.com/office/officeart/2005/8/layout/hierarchy3"/>
+    <dgm:cxn modelId="{77917A58-C306-4CDB-9728-8CABB9E90F23}" srcId="{B66C6E76-A77D-4BAE-A190-E7C7B99630D5}" destId="{E4BAB214-F282-46A9-895A-D9BD0E84DB3F}" srcOrd="4" destOrd="0" parTransId="{1317B38D-2A30-4107-9F27-1500BCF7FC6F}" sibTransId="{DE121C5A-11BE-40E6-8198-0350C8D6F7E3}"/>
+    <dgm:cxn modelId="{6790B4E7-E0EE-41EB-945C-C376AB2B23D3}" type="presOf" srcId="{EFA38823-71A3-47C6-B0F4-1CB6C01186B4}" destId="{7FB5A010-9A56-4829-B858-D0D824AEF6AD}" srcOrd="0" destOrd="0" presId="urn:microsoft.com/office/officeart/2005/8/layout/hierarchy3"/>
+    <dgm:cxn modelId="{8CE7A1E4-01AE-4101-A0D1-215458C22FFF}" type="presOf" srcId="{391C7100-F7CB-404F-9784-D4A0A18ED1F2}" destId="{D69BB881-E2F5-44B9-9DBD-6D90C7DB7496}" srcOrd="0" destOrd="0" presId="urn:microsoft.com/office/officeart/2005/8/layout/hierarchy3"/>
+    <dgm:cxn modelId="{C700B7A0-B850-465C-92CF-40C1B3CB7820}" srcId="{D23EB86A-71BB-4A40-A569-8B77FDBE02FA}" destId="{E37FFE57-7D3E-4712-B6FD-24123D60E026}" srcOrd="0" destOrd="0" parTransId="{1D5B013C-3814-4DBA-A114-793515C3A175}" sibTransId="{58BF5B3D-7E93-45F1-9609-42AD7A3F58C9}"/>
+    <dgm:cxn modelId="{A72944CA-EA98-4912-BD8E-D7A0B9B4AAED}" type="presOf" srcId="{E4BAB214-F282-46A9-895A-D9BD0E84DB3F}" destId="{5F110DA3-1DE8-4F12-A68F-86C4A5BF1E8C}" srcOrd="0" destOrd="0" presId="urn:microsoft.com/office/officeart/2005/8/layout/hierarchy3"/>
+    <dgm:cxn modelId="{8DBEE0CF-9820-4CCB-9C43-3E263D8F0A78}" type="presOf" srcId="{27188142-555D-4CE0-8FCC-5EF4E1AE4524}" destId="{4A64C365-06C2-46B7-B947-59EF5BE39B6D}" srcOrd="0" destOrd="0" presId="urn:microsoft.com/office/officeart/2005/8/layout/hierarchy3"/>
+    <dgm:cxn modelId="{63DAAF5A-D4FF-4C0A-9DE7-FE4E42A34343}" srcId="{B66C6E76-A77D-4BAE-A190-E7C7B99630D5}" destId="{6D187876-D73A-4DA0-8A96-0B77CF7C51D8}" srcOrd="2" destOrd="0" parTransId="{E37E2F2F-CD39-482B-9878-0ED5657CF008}" sibTransId="{EE27B221-B777-430B-861D-692C62998E99}"/>
+    <dgm:cxn modelId="{8212B852-43EB-4FCB-93B4-34B834DF133D}" srcId="{B66C6E76-A77D-4BAE-A190-E7C7B99630D5}" destId="{49F53E7A-EFE3-49C9-BF91-10D4091DFF4B}" srcOrd="0" destOrd="0" parTransId="{7B27C1B8-5A68-42C8-A979-98E005722E76}" sibTransId="{A06AD473-1F5F-4C00-8E2A-03122FCC05B6}"/>
+    <dgm:cxn modelId="{E82A3251-91DA-4815-893B-2CB56E9913F8}" type="presOf" srcId="{37769943-29F6-4B68-A449-5DEE7577C941}" destId="{6CF04F40-20BC-4EE2-A8E0-91CE9C5F4FA8}" srcOrd="0" destOrd="0" presId="urn:microsoft.com/office/officeart/2005/8/layout/hierarchy3"/>
+    <dgm:cxn modelId="{F3019377-656E-4845-BB8D-F38DE89FFE4F}" type="presOf" srcId="{E37E2F2F-CD39-482B-9878-0ED5657CF008}" destId="{2F157E92-6736-4A13-A6CB-BE96A53AFD9F}" srcOrd="0" destOrd="0" presId="urn:microsoft.com/office/officeart/2005/8/layout/hierarchy3"/>
+    <dgm:cxn modelId="{0FFF8C14-2898-4723-981D-EC8EE61DB3B7}" type="presOf" srcId="{548E3DBA-F067-4E78-8538-35AFB2F1818B}" destId="{831964B1-E01A-4C78-9158-C8D63428B7DA}" srcOrd="0" destOrd="0" presId="urn:microsoft.com/office/officeart/2005/8/layout/hierarchy3"/>
+    <dgm:cxn modelId="{1AF40643-3595-471D-A426-BD67B82D5BD6}" type="presOf" srcId="{E37FFE57-7D3E-4712-B6FD-24123D60E026}" destId="{62B5FB75-42A9-43BC-8FD2-7AB5067B12F7}" srcOrd="0" destOrd="0" presId="urn:microsoft.com/office/officeart/2005/8/layout/hierarchy3"/>
+    <dgm:cxn modelId="{AF1A09EC-49C6-4006-B436-7A9942329C9D}" type="presOf" srcId="{49F53E7A-EFE3-49C9-BF91-10D4091DFF4B}" destId="{6817C1B7-11FB-4758-B864-210D01678FDC}" srcOrd="0" destOrd="0" presId="urn:microsoft.com/office/officeart/2005/8/layout/hierarchy3"/>
+    <dgm:cxn modelId="{76A55E50-AF99-47A3-9455-AAFCB2256592}" srcId="{D23EB86A-71BB-4A40-A569-8B77FDBE02FA}" destId="{EE83A711-B233-4784-8790-B3D0B5AA4273}" srcOrd="2" destOrd="0" parTransId="{37769943-29F6-4B68-A449-5DEE7577C941}" sibTransId="{A43C7F0B-AC09-44C4-A7DC-DA92D0A575C5}"/>
+    <dgm:cxn modelId="{0B714DB5-1905-4C10-B2C3-52DE000CC7EE}" type="presOf" srcId="{2B7155C7-BEBA-47E6-A611-578103620110}" destId="{3548ED33-673B-47FB-8DF9-F219CFA710BC}" srcOrd="0" destOrd="0" presId="urn:microsoft.com/office/officeart/2005/8/layout/hierarchy3"/>
+    <dgm:cxn modelId="{DE2D8074-B02B-4163-ABB6-4E5E83ACBA7D}" srcId="{2532EC49-0FBE-4774-B31A-BBBB468170F7}" destId="{B66C6E76-A77D-4BAE-A190-E7C7B99630D5}" srcOrd="1" destOrd="0" parTransId="{B563D8E4-CC74-46B1-AD2F-0A19BF88D530}" sibTransId="{3A1A347E-7FA0-4BF5-BF25-0A9BF0BDF025}"/>
+    <dgm:cxn modelId="{4E9237CA-E46C-41CD-95BD-742F8950EEB9}" srcId="{B66C6E76-A77D-4BAE-A190-E7C7B99630D5}" destId="{95D8C2BB-FFF3-4F61-8445-6BF1251A0DDC}" srcOrd="3" destOrd="0" parTransId="{391C7100-F7CB-404F-9784-D4A0A18ED1F2}" sibTransId="{18C0857F-72C1-4B18-89F2-5D3B4F04A762}"/>
+    <dgm:cxn modelId="{4BA34B07-DA3A-4E4B-B5DC-913EF5747AE2}" type="presOf" srcId="{1317B38D-2A30-4107-9F27-1500BCF7FC6F}" destId="{4F01DEA1-6963-411C-B81A-F6998C0C045E}" srcOrd="0" destOrd="0" presId="urn:microsoft.com/office/officeart/2005/8/layout/hierarchy3"/>
+    <dgm:cxn modelId="{4FD3DC13-0721-431D-8738-4EDFC6E8A940}" type="presOf" srcId="{26EAFC01-7D93-44D6-B927-7C773411E24C}" destId="{0E7FBF3B-7D1F-4A68-8FFB-C953C781DE15}" srcOrd="0" destOrd="0" presId="urn:microsoft.com/office/officeart/2005/8/layout/hierarchy3"/>
     <dgm:cxn modelId="{950CD349-9C7F-4583-8ED7-AE6EB571A6CD}" type="presOf" srcId="{DA8DF7CA-1898-479A-AB8B-30F622A20386}" destId="{59F0254C-AFAD-4E3D-A8F7-6171D1D72BE5}" srcOrd="0" destOrd="0" presId="urn:microsoft.com/office/officeart/2005/8/layout/hierarchy3"/>
+    <dgm:cxn modelId="{C93775F6-F432-4330-8A6D-42759A0EB22C}" srcId="{B66C6E76-A77D-4BAE-A190-E7C7B99630D5}" destId="{26EAFC01-7D93-44D6-B927-7C773411E24C}" srcOrd="1" destOrd="0" parTransId="{8BD967C0-A55D-48F9-95B1-733E8F50B17C}" sibTransId="{DDE37BE1-2D8B-4961-ACB4-7512244992A5}"/>
+    <dgm:cxn modelId="{F989FA39-FD22-4920-A3AF-2C476F51F7CD}" type="presOf" srcId="{D28794C1-D31F-40DE-AE24-412233A7CACB}" destId="{CC93376A-112F-470C-A92E-6B9C4768A381}" srcOrd="0" destOrd="0" presId="urn:microsoft.com/office/officeart/2005/8/layout/hierarchy3"/>
+    <dgm:cxn modelId="{C1C2960F-E59B-4440-A2DC-E6C8222CBDEE}" srcId="{D23EB86A-71BB-4A40-A569-8B77FDBE02FA}" destId="{C1E12F4A-6EB8-4EF1-9A2E-60BEBFA81592}" srcOrd="1" destOrd="0" parTransId="{3839A656-D98B-47E9-A658-DF73304CEB18}" sibTransId="{22D1E09B-DC05-4745-B8F2-30FA2BC8B359}"/>
+    <dgm:cxn modelId="{61C9982F-CD29-461E-B7A2-844320B3320E}" type="presOf" srcId="{D29747DE-81BE-44CC-ADFA-D349E8B24264}" destId="{8C1715B6-BA7B-438E-97EB-8AEC5ECBF87A}" srcOrd="0" destOrd="0" presId="urn:microsoft.com/office/officeart/2005/8/layout/hierarchy3"/>
+    <dgm:cxn modelId="{C21777D7-7565-44BF-85F7-0C02E051AAA0}" type="presOf" srcId="{B66C6E76-A77D-4BAE-A190-E7C7B99630D5}" destId="{2D6695BE-25C1-46C7-8352-964F3DB123E4}" srcOrd="0" destOrd="0" presId="urn:microsoft.com/office/officeart/2005/8/layout/hierarchy3"/>
+    <dgm:cxn modelId="{B7DA8A26-DCF4-479F-8D62-54606673305A}" type="presOf" srcId="{3F425AB1-C509-4C12-835D-8FB48463C56E}" destId="{B128F964-9EE8-46FF-B519-C8284E2BB040}" srcOrd="0" destOrd="0" presId="urn:microsoft.com/office/officeart/2005/8/layout/hierarchy3"/>
+    <dgm:cxn modelId="{C63FD1B0-EEE3-4366-A02B-3EBF816D33FA}" srcId="{B66C6E76-A77D-4BAE-A190-E7C7B99630D5}" destId="{EFA38823-71A3-47C6-B0F4-1CB6C01186B4}" srcOrd="5" destOrd="0" parTransId="{6D2CB1FD-153F-413A-9094-97A8C82D1A59}" sibTransId="{F36243A3-0694-4470-B3FF-00EC19796C92}"/>
+    <dgm:cxn modelId="{9C9BE23E-6612-44C5-9CFE-9CC7832BF2A5}" srcId="{D23EB86A-71BB-4A40-A569-8B77FDBE02FA}" destId="{D29747DE-81BE-44CC-ADFA-D349E8B24264}" srcOrd="3" destOrd="0" parTransId="{DA8DF7CA-1898-479A-AB8B-30F622A20386}" sibTransId="{F71EDA71-5AF9-41DC-841C-C32CB38CA494}"/>
+    <dgm:cxn modelId="{5ECC07F0-D5CC-4968-A0C6-9C1D48CA3C36}" srcId="{2532EC49-0FBE-4774-B31A-BBBB468170F7}" destId="{D23EB86A-71BB-4A40-A569-8B77FDBE02FA}" srcOrd="0" destOrd="0" parTransId="{6D067A31-E2BD-456C-9D7E-4D8644E3311A}" sibTransId="{D4EEEF3F-A295-43A8-97BA-8D293266F8CC}"/>
+    <dgm:cxn modelId="{775362DD-7045-4F1C-AA3F-3062D1029467}" type="presOf" srcId="{D23EB86A-71BB-4A40-A569-8B77FDBE02FA}" destId="{A75A51E0-87EF-40A0-961A-12248580B45C}" srcOrd="1" destOrd="0" presId="urn:microsoft.com/office/officeart/2005/8/layout/hierarchy3"/>
+    <dgm:cxn modelId="{C6AEAA7A-BF9A-4195-B4A4-5F0A6B9FD8BF}" type="presOf" srcId="{6D187876-D73A-4DA0-8A96-0B77CF7C51D8}" destId="{548B7762-B5B8-4C69-88AE-F72473B32CBC}" srcOrd="0" destOrd="0" presId="urn:microsoft.com/office/officeart/2005/8/layout/hierarchy3"/>
+    <dgm:cxn modelId="{7D6FF0F7-548D-4CE5-8A7E-1EB8380B0229}" type="presOf" srcId="{C1E12F4A-6EB8-4EF1-9A2E-60BEBFA81592}" destId="{4BFBAF82-2A9D-4DC1-A988-0880718FA259}" srcOrd="0" destOrd="0" presId="urn:microsoft.com/office/officeart/2005/8/layout/hierarchy3"/>
+    <dgm:cxn modelId="{126129EF-FD55-4092-A572-7657075334A6}" type="presOf" srcId="{95D8C2BB-FFF3-4F61-8445-6BF1251A0DDC}" destId="{50E43E93-9EF6-4576-8695-D64977549991}" srcOrd="0" destOrd="0" presId="urn:microsoft.com/office/officeart/2005/8/layout/hierarchy3"/>
+    <dgm:cxn modelId="{AB861BCE-5919-4B0A-A9F5-9564E777362E}" type="presOf" srcId="{52572F2B-AAE6-4BE9-9BBD-CB4C6B7CD675}" destId="{A5E6D460-1049-4DD1-B5F1-BB5A03E46C6F}" srcOrd="0" destOrd="0" presId="urn:microsoft.com/office/officeart/2005/8/layout/hierarchy3"/>
+    <dgm:cxn modelId="{36B9DA8C-A689-4553-832D-61EB7B85622D}" srcId="{D23EB86A-71BB-4A40-A569-8B77FDBE02FA}" destId="{52572F2B-AAE6-4BE9-9BBD-CB4C6B7CD675}" srcOrd="6" destOrd="0" parTransId="{D28794C1-D31F-40DE-AE24-412233A7CACB}" sibTransId="{77A8EC62-DEC3-4292-ABC8-A6168E4C97F0}"/>
     <dgm:cxn modelId="{A2F9B0F4-AA78-4158-8B2E-635DF7ACED91}" type="presOf" srcId="{6D2CB1FD-153F-413A-9094-97A8C82D1A59}" destId="{42A4DB9D-6604-49D8-A581-EB7995E16BE9}" srcOrd="0" destOrd="0" presId="urn:microsoft.com/office/officeart/2005/8/layout/hierarchy3"/>
-    <dgm:cxn modelId="{A72944CA-EA98-4912-BD8E-D7A0B9B4AAED}" type="presOf" srcId="{E4BAB214-F282-46A9-895A-D9BD0E84DB3F}" destId="{5F110DA3-1DE8-4F12-A68F-86C4A5BF1E8C}" srcOrd="0" destOrd="0" presId="urn:microsoft.com/office/officeart/2005/8/layout/hierarchy3"/>
-    <dgm:cxn modelId="{E82A3251-91DA-4815-893B-2CB56E9913F8}" type="presOf" srcId="{37769943-29F6-4B68-A449-5DEE7577C941}" destId="{6CF04F40-20BC-4EE2-A8E0-91CE9C5F4FA8}" srcOrd="0" destOrd="0" presId="urn:microsoft.com/office/officeart/2005/8/layout/hierarchy3"/>
-    <dgm:cxn modelId="{C1C2960F-E59B-4440-A2DC-E6C8222CBDEE}" srcId="{D23EB86A-71BB-4A40-A569-8B77FDBE02FA}" destId="{C1E12F4A-6EB8-4EF1-9A2E-60BEBFA81592}" srcOrd="1" destOrd="0" parTransId="{3839A656-D98B-47E9-A658-DF73304CEB18}" sibTransId="{22D1E09B-DC05-4745-B8F2-30FA2BC8B359}"/>
-    <dgm:cxn modelId="{04D223AD-2624-412D-ADE6-DA2BEFC8FCB6}" type="presOf" srcId="{8BD967C0-A55D-48F9-95B1-733E8F50B17C}" destId="{0B3358E2-26D5-461E-AD31-7A4654034337}" srcOrd="0" destOrd="0" presId="urn:microsoft.com/office/officeart/2005/8/layout/hierarchy3"/>
-    <dgm:cxn modelId="{4FD3DC13-0721-431D-8738-4EDFC6E8A940}" type="presOf" srcId="{26EAFC01-7D93-44D6-B927-7C773411E24C}" destId="{0E7FBF3B-7D1F-4A68-8FFB-C953C781DE15}" srcOrd="0" destOrd="0" presId="urn:microsoft.com/office/officeart/2005/8/layout/hierarchy3"/>
-    <dgm:cxn modelId="{36B9DA8C-A689-4553-832D-61EB7B85622D}" srcId="{D23EB86A-71BB-4A40-A569-8B77FDBE02FA}" destId="{52572F2B-AAE6-4BE9-9BBD-CB4C6B7CD675}" srcOrd="6" destOrd="0" parTransId="{D28794C1-D31F-40DE-AE24-412233A7CACB}" sibTransId="{77A8EC62-DEC3-4292-ABC8-A6168E4C97F0}"/>
-    <dgm:cxn modelId="{7D6FF0F7-548D-4CE5-8A7E-1EB8380B0229}" type="presOf" srcId="{C1E12F4A-6EB8-4EF1-9A2E-60BEBFA81592}" destId="{4BFBAF82-2A9D-4DC1-A988-0880718FA259}" srcOrd="0" destOrd="0" presId="urn:microsoft.com/office/officeart/2005/8/layout/hierarchy3"/>
-    <dgm:cxn modelId="{E6C387B6-7931-4BB6-ABF0-EC9F8067348D}" type="presOf" srcId="{3839A656-D98B-47E9-A658-DF73304CEB18}" destId="{E91EC1B8-A184-48D1-9A69-E934B5C7B28A}" srcOrd="0" destOrd="0" presId="urn:microsoft.com/office/officeart/2005/8/layout/hierarchy3"/>
-    <dgm:cxn modelId="{4153DA9D-BE1A-43D1-84E0-B20DC04273A1}" type="presOf" srcId="{B66C6E76-A77D-4BAE-A190-E7C7B99630D5}" destId="{06CA16BD-3E66-4C53-92B0-52C52AD63648}" srcOrd="1" destOrd="0" presId="urn:microsoft.com/office/officeart/2005/8/layout/hierarchy3"/>
-    <dgm:cxn modelId="{6790B4E7-E0EE-41EB-945C-C376AB2B23D3}" type="presOf" srcId="{EFA38823-71A3-47C6-B0F4-1CB6C01186B4}" destId="{7FB5A010-9A56-4829-B858-D0D824AEF6AD}" srcOrd="0" destOrd="0" presId="urn:microsoft.com/office/officeart/2005/8/layout/hierarchy3"/>
-    <dgm:cxn modelId="{0B714DB5-1905-4C10-B2C3-52DE000CC7EE}" type="presOf" srcId="{2B7155C7-BEBA-47E6-A611-578103620110}" destId="{3548ED33-673B-47FB-8DF9-F219CFA710BC}" srcOrd="0" destOrd="0" presId="urn:microsoft.com/office/officeart/2005/8/layout/hierarchy3"/>
-    <dgm:cxn modelId="{4E9237CA-E46C-41CD-95BD-742F8950EEB9}" srcId="{B66C6E76-A77D-4BAE-A190-E7C7B99630D5}" destId="{95D8C2BB-FFF3-4F61-8445-6BF1251A0DDC}" srcOrd="3" destOrd="0" parTransId="{391C7100-F7CB-404F-9784-D4A0A18ED1F2}" sibTransId="{18C0857F-72C1-4B18-89F2-5D3B4F04A762}"/>
-    <dgm:cxn modelId="{B9A282EA-EB5D-4740-A114-7A5FDEC3F13F}" type="presOf" srcId="{1D5B013C-3814-4DBA-A114-793515C3A175}" destId="{36E41940-D6AE-4B61-9614-578943ADDEBE}" srcOrd="0" destOrd="0" presId="urn:microsoft.com/office/officeart/2005/8/layout/hierarchy3"/>
-    <dgm:cxn modelId="{0FFF8C14-2898-4723-981D-EC8EE61DB3B7}" type="presOf" srcId="{548E3DBA-F067-4E78-8538-35AFB2F1818B}" destId="{831964B1-E01A-4C78-9158-C8D63428B7DA}" srcOrd="0" destOrd="0" presId="urn:microsoft.com/office/officeart/2005/8/layout/hierarchy3"/>
-    <dgm:cxn modelId="{9C9BE23E-6612-44C5-9CFE-9CC7832BF2A5}" srcId="{D23EB86A-71BB-4A40-A569-8B77FDBE02FA}" destId="{D29747DE-81BE-44CC-ADFA-D349E8B24264}" srcOrd="3" destOrd="0" parTransId="{DA8DF7CA-1898-479A-AB8B-30F622A20386}" sibTransId="{F71EDA71-5AF9-41DC-841C-C32CB38CA494}"/>
-    <dgm:cxn modelId="{63DAAF5A-D4FF-4C0A-9DE7-FE4E42A34343}" srcId="{B66C6E76-A77D-4BAE-A190-E7C7B99630D5}" destId="{6D187876-D73A-4DA0-8A96-0B77CF7C51D8}" srcOrd="2" destOrd="0" parTransId="{E37E2F2F-CD39-482B-9878-0ED5657CF008}" sibTransId="{EE27B221-B777-430B-861D-692C62998E99}"/>
-    <dgm:cxn modelId="{0DAEDA3B-FE33-4B1C-9C27-E2E206218952}" srcId="{D23EB86A-71BB-4A40-A569-8B77FDBE02FA}" destId="{2B7155C7-BEBA-47E6-A611-578103620110}" srcOrd="4" destOrd="0" parTransId="{3F425AB1-C509-4C12-835D-8FB48463C56E}" sibTransId="{838E31E3-BBA0-4DFD-8508-33E3D64F2DF2}"/>
-    <dgm:cxn modelId="{126129EF-FD55-4092-A572-7657075334A6}" type="presOf" srcId="{95D8C2BB-FFF3-4F61-8445-6BF1251A0DDC}" destId="{50E43E93-9EF6-4576-8695-D64977549991}" srcOrd="0" destOrd="0" presId="urn:microsoft.com/office/officeart/2005/8/layout/hierarchy3"/>
-    <dgm:cxn modelId="{76A55E50-AF99-47A3-9455-AAFCB2256592}" srcId="{D23EB86A-71BB-4A40-A569-8B77FDBE02FA}" destId="{EE83A711-B233-4784-8790-B3D0B5AA4273}" srcOrd="2" destOrd="0" parTransId="{37769943-29F6-4B68-A449-5DEE7577C941}" sibTransId="{A43C7F0B-AC09-44C4-A7DC-DA92D0A575C5}"/>
-    <dgm:cxn modelId="{C63FD1B0-EEE3-4366-A02B-3EBF816D33FA}" srcId="{B66C6E76-A77D-4BAE-A190-E7C7B99630D5}" destId="{EFA38823-71A3-47C6-B0F4-1CB6C01186B4}" srcOrd="5" destOrd="0" parTransId="{6D2CB1FD-153F-413A-9094-97A8C82D1A59}" sibTransId="{F36243A3-0694-4470-B3FF-00EC19796C92}"/>
-    <dgm:cxn modelId="{4BA34B07-DA3A-4E4B-B5DC-913EF5747AE2}" type="presOf" srcId="{1317B38D-2A30-4107-9F27-1500BCF7FC6F}" destId="{4F01DEA1-6963-411C-B81A-F6998C0C045E}" srcOrd="0" destOrd="0" presId="urn:microsoft.com/office/officeart/2005/8/layout/hierarchy3"/>
-    <dgm:cxn modelId="{C765AA97-1366-4652-8C13-4650968F60CF}" type="presOf" srcId="{2532EC49-0FBE-4774-B31A-BBBB468170F7}" destId="{630F3D18-F2FD-492C-B34C-7F4ABA982010}" srcOrd="0" destOrd="0" presId="urn:microsoft.com/office/officeart/2005/8/layout/hierarchy3"/>
-    <dgm:cxn modelId="{9BEBC980-A36E-4C4A-A8DA-4CB6EEA808A1}" srcId="{D23EB86A-71BB-4A40-A569-8B77FDBE02FA}" destId="{548E3DBA-F067-4E78-8538-35AFB2F1818B}" srcOrd="5" destOrd="0" parTransId="{27188142-555D-4CE0-8FCC-5EF4E1AE4524}" sibTransId="{8FD1163F-C701-4469-B412-1D17C50819E9}"/>
-    <dgm:cxn modelId="{F989FA39-FD22-4920-A3AF-2C476F51F7CD}" type="presOf" srcId="{D28794C1-D31F-40DE-AE24-412233A7CACB}" destId="{CC93376A-112F-470C-A92E-6B9C4768A381}" srcOrd="0" destOrd="0" presId="urn:microsoft.com/office/officeart/2005/8/layout/hierarchy3"/>
-    <dgm:cxn modelId="{10F3401B-B541-4202-8EB4-FC6B333D53C3}" type="presOf" srcId="{7B27C1B8-5A68-42C8-A979-98E005722E76}" destId="{665B2015-8348-4619-A88A-458FE46C5216}" srcOrd="0" destOrd="0" presId="urn:microsoft.com/office/officeart/2005/8/layout/hierarchy3"/>
-    <dgm:cxn modelId="{61C9982F-CD29-461E-B7A2-844320B3320E}" type="presOf" srcId="{D29747DE-81BE-44CC-ADFA-D349E8B24264}" destId="{8C1715B6-BA7B-438E-97EB-8AEC5ECBF87A}" srcOrd="0" destOrd="0" presId="urn:microsoft.com/office/officeart/2005/8/layout/hierarchy3"/>
-    <dgm:cxn modelId="{AB861BCE-5919-4B0A-A9F5-9564E777362E}" type="presOf" srcId="{52572F2B-AAE6-4BE9-9BBD-CB4C6B7CD675}" destId="{A5E6D460-1049-4DD1-B5F1-BB5A03E46C6F}" srcOrd="0" destOrd="0" presId="urn:microsoft.com/office/officeart/2005/8/layout/hierarchy3"/>
-    <dgm:cxn modelId="{C21777D7-7565-44BF-85F7-0C02E051AAA0}" type="presOf" srcId="{B66C6E76-A77D-4BAE-A190-E7C7B99630D5}" destId="{2D6695BE-25C1-46C7-8352-964F3DB123E4}" srcOrd="0" destOrd="0" presId="urn:microsoft.com/office/officeart/2005/8/layout/hierarchy3"/>
-    <dgm:cxn modelId="{77917A58-C306-4CDB-9728-8CABB9E90F23}" srcId="{B66C6E76-A77D-4BAE-A190-E7C7B99630D5}" destId="{E4BAB214-F282-46A9-895A-D9BD0E84DB3F}" srcOrd="4" destOrd="0" parTransId="{1317B38D-2A30-4107-9F27-1500BCF7FC6F}" sibTransId="{DE121C5A-11BE-40E6-8198-0350C8D6F7E3}"/>
-    <dgm:cxn modelId="{775362DD-7045-4F1C-AA3F-3062D1029467}" type="presOf" srcId="{D23EB86A-71BB-4A40-A569-8B77FDBE02FA}" destId="{A75A51E0-87EF-40A0-961A-12248580B45C}" srcOrd="1" destOrd="0" presId="urn:microsoft.com/office/officeart/2005/8/layout/hierarchy3"/>
-    <dgm:cxn modelId="{DE2D8074-B02B-4163-ABB6-4E5E83ACBA7D}" srcId="{2532EC49-0FBE-4774-B31A-BBBB468170F7}" destId="{B66C6E76-A77D-4BAE-A190-E7C7B99630D5}" srcOrd="1" destOrd="0" parTransId="{B563D8E4-CC74-46B1-AD2F-0A19BF88D530}" sibTransId="{3A1A347E-7FA0-4BF5-BF25-0A9BF0BDF025}"/>
-    <dgm:cxn modelId="{C700B7A0-B850-465C-92CF-40C1B3CB7820}" srcId="{D23EB86A-71BB-4A40-A569-8B77FDBE02FA}" destId="{E37FFE57-7D3E-4712-B6FD-24123D60E026}" srcOrd="0" destOrd="0" parTransId="{1D5B013C-3814-4DBA-A114-793515C3A175}" sibTransId="{58BF5B3D-7E93-45F1-9609-42AD7A3F58C9}"/>
-    <dgm:cxn modelId="{AF1A09EC-49C6-4006-B436-7A9942329C9D}" type="presOf" srcId="{49F53E7A-EFE3-49C9-BF91-10D4091DFF4B}" destId="{6817C1B7-11FB-4758-B864-210D01678FDC}" srcOrd="0" destOrd="0" presId="urn:microsoft.com/office/officeart/2005/8/layout/hierarchy3"/>
-    <dgm:cxn modelId="{C6AEAA7A-BF9A-4195-B4A4-5F0A6B9FD8BF}" type="presOf" srcId="{6D187876-D73A-4DA0-8A96-0B77CF7C51D8}" destId="{548B7762-B5B8-4C69-88AE-F72473B32CBC}" srcOrd="0" destOrd="0" presId="urn:microsoft.com/office/officeart/2005/8/layout/hierarchy3"/>
-    <dgm:cxn modelId="{8DBEE0CF-9820-4CCB-9C43-3E263D8F0A78}" type="presOf" srcId="{27188142-555D-4CE0-8FCC-5EF4E1AE4524}" destId="{4A64C365-06C2-46B7-B947-59EF5BE39B6D}" srcOrd="0" destOrd="0" presId="urn:microsoft.com/office/officeart/2005/8/layout/hierarchy3"/>
-    <dgm:cxn modelId="{C93775F6-F432-4330-8A6D-42759A0EB22C}" srcId="{B66C6E76-A77D-4BAE-A190-E7C7B99630D5}" destId="{26EAFC01-7D93-44D6-B927-7C773411E24C}" srcOrd="1" destOrd="0" parTransId="{8BD967C0-A55D-48F9-95B1-733E8F50B17C}" sibTransId="{DDE37BE1-2D8B-4961-ACB4-7512244992A5}"/>
-    <dgm:cxn modelId="{8212B852-43EB-4FCB-93B4-34B834DF133D}" srcId="{B66C6E76-A77D-4BAE-A190-E7C7B99630D5}" destId="{49F53E7A-EFE3-49C9-BF91-10D4091DFF4B}" srcOrd="0" destOrd="0" parTransId="{7B27C1B8-5A68-42C8-A979-98E005722E76}" sibTransId="{A06AD473-1F5F-4C00-8E2A-03122FCC05B6}"/>
-    <dgm:cxn modelId="{8CE7A1E4-01AE-4101-A0D1-215458C22FFF}" type="presOf" srcId="{391C7100-F7CB-404F-9784-D4A0A18ED1F2}" destId="{D69BB881-E2F5-44B9-9DBD-6D90C7DB7496}" srcOrd="0" destOrd="0" presId="urn:microsoft.com/office/officeart/2005/8/layout/hierarchy3"/>
-    <dgm:cxn modelId="{3D0A4717-B8D7-4576-9FA5-10F0E5488DE9}" type="presOf" srcId="{D23EB86A-71BB-4A40-A569-8B77FDBE02FA}" destId="{72B13844-B30E-425B-9C7A-1663396A215A}" srcOrd="0" destOrd="0" presId="urn:microsoft.com/office/officeart/2005/8/layout/hierarchy3"/>
-    <dgm:cxn modelId="{B7DA8A26-DCF4-479F-8D62-54606673305A}" type="presOf" srcId="{3F425AB1-C509-4C12-835D-8FB48463C56E}" destId="{B128F964-9EE8-46FF-B519-C8284E2BB040}" srcOrd="0" destOrd="0" presId="urn:microsoft.com/office/officeart/2005/8/layout/hierarchy3"/>
-    <dgm:cxn modelId="{5ECC07F0-D5CC-4968-A0C6-9C1D48CA3C36}" srcId="{2532EC49-0FBE-4774-B31A-BBBB468170F7}" destId="{D23EB86A-71BB-4A40-A569-8B77FDBE02FA}" srcOrd="0" destOrd="0" parTransId="{6D067A31-E2BD-456C-9D7E-4D8644E3311A}" sibTransId="{D4EEEF3F-A295-43A8-97BA-8D293266F8CC}"/>
-    <dgm:cxn modelId="{1AF40643-3595-471D-A426-BD67B82D5BD6}" type="presOf" srcId="{E37FFE57-7D3E-4712-B6FD-24123D60E026}" destId="{62B5FB75-42A9-43BC-8FD2-7AB5067B12F7}" srcOrd="0" destOrd="0" presId="urn:microsoft.com/office/officeart/2005/8/layout/hierarchy3"/>
-    <dgm:cxn modelId="{C571757F-977E-42C8-9358-F310B414AE16}" type="presOf" srcId="{EE83A711-B233-4784-8790-B3D0B5AA4273}" destId="{7E81931F-3C81-4DB3-82D5-109D76282892}" srcOrd="0" destOrd="0" presId="urn:microsoft.com/office/officeart/2005/8/layout/hierarchy3"/>
-    <dgm:cxn modelId="{F3019377-656E-4845-BB8D-F38DE89FFE4F}" type="presOf" srcId="{E37E2F2F-CD39-482B-9878-0ED5657CF008}" destId="{2F157E92-6736-4A13-A6CB-BE96A53AFD9F}" srcOrd="0" destOrd="0" presId="urn:microsoft.com/office/officeart/2005/8/layout/hierarchy3"/>
     <dgm:cxn modelId="{0AA03739-D2AB-4404-B06F-16926BA2ADE5}" type="presParOf" srcId="{630F3D18-F2FD-492C-B34C-7F4ABA982010}" destId="{95A8F5A5-B508-4717-9764-313C12304A7F}" srcOrd="0" destOrd="0" presId="urn:microsoft.com/office/officeart/2005/8/layout/hierarchy3"/>
     <dgm:cxn modelId="{2D7F8ACA-CF27-4639-B557-8DA473DB66FB}" type="presParOf" srcId="{95A8F5A5-B508-4717-9764-313C12304A7F}" destId="{98AA41C0-3CF6-433B-B897-F1DC4F31436D}" srcOrd="0" destOrd="0" presId="urn:microsoft.com/office/officeart/2005/8/layout/hierarchy3"/>
     <dgm:cxn modelId="{372AD94D-EE9D-4370-889F-61BD7C880DE7}" type="presParOf" srcId="{98AA41C0-3CF6-433B-B897-F1DC4F31436D}" destId="{72B13844-B30E-425B-9C7A-1663396A215A}" srcOrd="0" destOrd="0" presId="urn:microsoft.com/office/officeart/2005/8/layout/hierarchy3"/>
@@ -2037,1986 +2037,6 @@
       <dsp:cNvGrpSpPr/>
     </dsp:nvGrpSpPr>
     <dsp:grpSpPr/>
-    <dsp:sp modelId="{72B13844-B30E-425B-9C7A-1663396A215A}">
-      <dsp:nvSpPr>
-        <dsp:cNvPr id="0" name=""/>
-        <dsp:cNvSpPr/>
-      </dsp:nvSpPr>
-      <dsp:spPr>
-        <a:xfrm>
-          <a:off x="1746298" y="3576"/>
-          <a:ext cx="1003750" cy="501875"/>
-        </a:xfrm>
-        <a:prstGeom prst="roundRect">
-          <a:avLst>
-            <a:gd name="adj" fmla="val 10000"/>
-          </a:avLst>
-        </a:prstGeom>
-        <a:gradFill rotWithShape="0">
-          <a:gsLst>
-            <a:gs pos="0">
-              <a:schemeClr val="accent1">
-                <a:hueOff val="0"/>
-                <a:satOff val="0"/>
-                <a:lumOff val="0"/>
-                <a:alphaOff val="0"/>
-                <a:tint val="98000"/>
-                <a:lumMod val="114000"/>
-              </a:schemeClr>
-            </a:gs>
-            <a:gs pos="100000">
-              <a:schemeClr val="accent1">
-                <a:hueOff val="0"/>
-                <a:satOff val="0"/>
-                <a:lumOff val="0"/>
-                <a:alphaOff val="0"/>
-                <a:shade val="90000"/>
-                <a:lumMod val="84000"/>
-              </a:schemeClr>
-            </a:gs>
-          </a:gsLst>
-          <a:lin ang="5400000" scaled="0"/>
-        </a:gradFill>
-        <a:ln>
-          <a:noFill/>
-        </a:ln>
-        <a:effectLst>
-          <a:outerShdw blurRad="38100" dist="25400" dir="5400000" rotWithShape="0">
-            <a:srgbClr val="000000">
-              <a:alpha val="45000"/>
-            </a:srgbClr>
-          </a:outerShdw>
-        </a:effectLst>
-      </dsp:spPr>
-      <dsp:style>
-        <a:lnRef idx="0">
-          <a:scrgbClr r="0" g="0" b="0"/>
-        </a:lnRef>
-        <a:fillRef idx="3">
-          <a:scrgbClr r="0" g="0" b="0"/>
-        </a:fillRef>
-        <a:effectRef idx="2">
-          <a:scrgbClr r="0" g="0" b="0"/>
-        </a:effectRef>
-        <a:fontRef idx="minor">
-          <a:schemeClr val="lt1"/>
-        </a:fontRef>
-      </dsp:style>
-      <dsp:txBody>
-        <a:bodyPr spcFirstLastPara="0" vert="horz" wrap="square" lIns="51435" tIns="34290" rIns="51435" bIns="34290" numCol="1" spcCol="1270" anchor="ctr" anchorCtr="0">
-          <a:noAutofit/>
-        </a:bodyPr>
-        <a:lstStyle/>
-        <a:p>
-          <a:pPr lvl="0" algn="ctr" defTabSz="1200150">
-            <a:lnSpc>
-              <a:spcPct val="90000"/>
-            </a:lnSpc>
-            <a:spcBef>
-              <a:spcPct val="0"/>
-            </a:spcBef>
-            <a:spcAft>
-              <a:spcPct val="35000"/>
-            </a:spcAft>
-          </a:pPr>
-          <a:r>
-            <a:rPr lang="pt-PT" sz="2700" kern="1200" dirty="0" smtClean="0"/>
-            <a:t>Pros</a:t>
-          </a:r>
-          <a:endParaRPr lang="pt-PT" sz="2700" kern="1200" dirty="0"/>
-        </a:p>
-      </dsp:txBody>
-      <dsp:txXfrm>
-        <a:off x="1760997" y="18275"/>
-        <a:ext cx="974352" cy="472477"/>
-      </dsp:txXfrm>
-    </dsp:sp>
-    <dsp:sp modelId="{36E41940-D6AE-4B61-9614-578943ADDEBE}">
-      <dsp:nvSpPr>
-        <dsp:cNvPr id="0" name=""/>
-        <dsp:cNvSpPr/>
-      </dsp:nvSpPr>
-      <dsp:spPr>
-        <a:xfrm>
-          <a:off x="1846673" y="505451"/>
-          <a:ext cx="100375" cy="322391"/>
-        </a:xfrm>
-        <a:custGeom>
-          <a:avLst/>
-          <a:gdLst/>
-          <a:ahLst/>
-          <a:cxnLst/>
-          <a:rect l="0" t="0" r="0" b="0"/>
-          <a:pathLst>
-            <a:path>
-              <a:moveTo>
-                <a:pt x="0" y="0"/>
-              </a:moveTo>
-              <a:lnTo>
-                <a:pt x="0" y="322391"/>
-              </a:lnTo>
-              <a:lnTo>
-                <a:pt x="100375" y="322391"/>
-              </a:lnTo>
-            </a:path>
-          </a:pathLst>
-        </a:custGeom>
-        <a:noFill/>
-        <a:ln w="9525" cap="rnd" cmpd="sng" algn="ctr">
-          <a:solidFill>
-            <a:schemeClr val="accent1">
-              <a:shade val="60000"/>
-              <a:hueOff val="0"/>
-              <a:satOff val="0"/>
-              <a:lumOff val="0"/>
-              <a:alphaOff val="0"/>
-            </a:schemeClr>
-          </a:solidFill>
-          <a:prstDash val="solid"/>
-        </a:ln>
-        <a:effectLst/>
-      </dsp:spPr>
-      <dsp:style>
-        <a:lnRef idx="1">
-          <a:scrgbClr r="0" g="0" b="0"/>
-        </a:lnRef>
-        <a:fillRef idx="0">
-          <a:scrgbClr r="0" g="0" b="0"/>
-        </a:fillRef>
-        <a:effectRef idx="0">
-          <a:scrgbClr r="0" g="0" b="0"/>
-        </a:effectRef>
-        <a:fontRef idx="minor"/>
-      </dsp:style>
-    </dsp:sp>
-    <dsp:sp modelId="{62B5FB75-42A9-43BC-8FD2-7AB5067B12F7}">
-      <dsp:nvSpPr>
-        <dsp:cNvPr id="0" name=""/>
-        <dsp:cNvSpPr/>
-      </dsp:nvSpPr>
-      <dsp:spPr>
-        <a:xfrm>
-          <a:off x="1947049" y="599717"/>
-          <a:ext cx="730000" cy="456250"/>
-        </a:xfrm>
-        <a:prstGeom prst="roundRect">
-          <a:avLst>
-            <a:gd name="adj" fmla="val 10000"/>
-          </a:avLst>
-        </a:prstGeom>
-        <a:solidFill>
-          <a:schemeClr val="lt1">
-            <a:alpha val="90000"/>
-            <a:hueOff val="0"/>
-            <a:satOff val="0"/>
-            <a:lumOff val="0"/>
-            <a:alphaOff val="0"/>
-          </a:schemeClr>
-        </a:solidFill>
-        <a:ln w="9525" cap="rnd" cmpd="sng" algn="ctr">
-          <a:solidFill>
-            <a:schemeClr val="accent1">
-              <a:hueOff val="0"/>
-              <a:satOff val="0"/>
-              <a:lumOff val="0"/>
-              <a:alphaOff val="0"/>
-            </a:schemeClr>
-          </a:solidFill>
-          <a:prstDash val="solid"/>
-        </a:ln>
-        <a:effectLst/>
-      </dsp:spPr>
-      <dsp:style>
-        <a:lnRef idx="1">
-          <a:scrgbClr r="0" g="0" b="0"/>
-        </a:lnRef>
-        <a:fillRef idx="1">
-          <a:scrgbClr r="0" g="0" b="0"/>
-        </a:fillRef>
-        <a:effectRef idx="0">
-          <a:scrgbClr r="0" g="0" b="0"/>
-        </a:effectRef>
-        <a:fontRef idx="minor"/>
-      </dsp:style>
-      <dsp:txBody>
-        <a:bodyPr spcFirstLastPara="0" vert="horz" wrap="square" lIns="15240" tIns="10160" rIns="15240" bIns="10160" numCol="1" spcCol="1270" anchor="ctr" anchorCtr="0">
-          <a:noAutofit/>
-        </a:bodyPr>
-        <a:lstStyle/>
-        <a:p>
-          <a:pPr lvl="0" algn="ctr" defTabSz="355600">
-            <a:lnSpc>
-              <a:spcPct val="90000"/>
-            </a:lnSpc>
-            <a:spcBef>
-              <a:spcPct val="0"/>
-            </a:spcBef>
-            <a:spcAft>
-              <a:spcPct val="35000"/>
-            </a:spcAft>
-          </a:pPr>
-          <a:r>
-            <a:rPr lang="pt-PT" sz="800" kern="1200" dirty="0" smtClean="0"/>
-            <a:t>Efficient</a:t>
-          </a:r>
-          <a:endParaRPr lang="pt-PT" sz="700" kern="1200" dirty="0"/>
-        </a:p>
-      </dsp:txBody>
-      <dsp:txXfrm>
-        <a:off x="1960412" y="613080"/>
-        <a:ext cx="703274" cy="429524"/>
-      </dsp:txXfrm>
-    </dsp:sp>
-    <dsp:sp modelId="{E91EC1B8-A184-48D1-9A69-E934B5C7B28A}">
-      <dsp:nvSpPr>
-        <dsp:cNvPr id="0" name=""/>
-        <dsp:cNvSpPr/>
-      </dsp:nvSpPr>
-      <dsp:spPr>
-        <a:xfrm>
-          <a:off x="1846673" y="505451"/>
-          <a:ext cx="100375" cy="872908"/>
-        </a:xfrm>
-        <a:custGeom>
-          <a:avLst/>
-          <a:gdLst/>
-          <a:ahLst/>
-          <a:cxnLst/>
-          <a:rect l="0" t="0" r="0" b="0"/>
-          <a:pathLst>
-            <a:path>
-              <a:moveTo>
-                <a:pt x="0" y="0"/>
-              </a:moveTo>
-              <a:lnTo>
-                <a:pt x="0" y="872908"/>
-              </a:lnTo>
-              <a:lnTo>
-                <a:pt x="100375" y="872908"/>
-              </a:lnTo>
-            </a:path>
-          </a:pathLst>
-        </a:custGeom>
-        <a:noFill/>
-        <a:ln w="9525" cap="rnd" cmpd="sng" algn="ctr">
-          <a:solidFill>
-            <a:schemeClr val="accent1">
-              <a:shade val="60000"/>
-              <a:hueOff val="0"/>
-              <a:satOff val="0"/>
-              <a:lumOff val="0"/>
-              <a:alphaOff val="0"/>
-            </a:schemeClr>
-          </a:solidFill>
-          <a:prstDash val="solid"/>
-        </a:ln>
-        <a:effectLst/>
-      </dsp:spPr>
-      <dsp:style>
-        <a:lnRef idx="1">
-          <a:scrgbClr r="0" g="0" b="0"/>
-        </a:lnRef>
-        <a:fillRef idx="0">
-          <a:scrgbClr r="0" g="0" b="0"/>
-        </a:fillRef>
-        <a:effectRef idx="0">
-          <a:scrgbClr r="0" g="0" b="0"/>
-        </a:effectRef>
-        <a:fontRef idx="minor"/>
-      </dsp:style>
-    </dsp:sp>
-    <dsp:sp modelId="{4BFBAF82-2A9D-4DC1-A988-0880718FA259}">
-      <dsp:nvSpPr>
-        <dsp:cNvPr id="0" name=""/>
-        <dsp:cNvSpPr/>
-      </dsp:nvSpPr>
-      <dsp:spPr>
-        <a:xfrm>
-          <a:off x="1947049" y="1150234"/>
-          <a:ext cx="730000" cy="456250"/>
-        </a:xfrm>
-        <a:prstGeom prst="roundRect">
-          <a:avLst>
-            <a:gd name="adj" fmla="val 10000"/>
-          </a:avLst>
-        </a:prstGeom>
-        <a:solidFill>
-          <a:schemeClr val="lt1">
-            <a:alpha val="90000"/>
-            <a:hueOff val="0"/>
-            <a:satOff val="0"/>
-            <a:lumOff val="0"/>
-            <a:alphaOff val="0"/>
-          </a:schemeClr>
-        </a:solidFill>
-        <a:ln w="9525" cap="rnd" cmpd="sng" algn="ctr">
-          <a:solidFill>
-            <a:schemeClr val="accent1">
-              <a:hueOff val="0"/>
-              <a:satOff val="0"/>
-              <a:lumOff val="0"/>
-              <a:alphaOff val="0"/>
-            </a:schemeClr>
-          </a:solidFill>
-          <a:prstDash val="solid"/>
-        </a:ln>
-        <a:effectLst/>
-      </dsp:spPr>
-      <dsp:style>
-        <a:lnRef idx="1">
-          <a:scrgbClr r="0" g="0" b="0"/>
-        </a:lnRef>
-        <a:fillRef idx="1">
-          <a:scrgbClr r="0" g="0" b="0"/>
-        </a:fillRef>
-        <a:effectRef idx="0">
-          <a:scrgbClr r="0" g="0" b="0"/>
-        </a:effectRef>
-        <a:fontRef idx="minor"/>
-      </dsp:style>
-      <dsp:txBody>
-        <a:bodyPr spcFirstLastPara="0" vert="horz" wrap="square" lIns="13335" tIns="8890" rIns="13335" bIns="8890" numCol="1" spcCol="1270" anchor="ctr" anchorCtr="0">
-          <a:noAutofit/>
-        </a:bodyPr>
-        <a:lstStyle/>
-        <a:p>
-          <a:pPr lvl="0" algn="ctr" defTabSz="311150">
-            <a:lnSpc>
-              <a:spcPct val="90000"/>
-            </a:lnSpc>
-            <a:spcBef>
-              <a:spcPct val="0"/>
-            </a:spcBef>
-            <a:spcAft>
-              <a:spcPct val="35000"/>
-            </a:spcAft>
-          </a:pPr>
-          <a:r>
-            <a:rPr lang="pt-PT" sz="700" kern="1200" dirty="0" smtClean="0"/>
-            <a:t>Automatic Build for each commit</a:t>
-          </a:r>
-          <a:endParaRPr lang="pt-PT" sz="700" kern="1200" dirty="0"/>
-        </a:p>
-      </dsp:txBody>
-      <dsp:txXfrm>
-        <a:off x="1960412" y="1163597"/>
-        <a:ext cx="703274" cy="429524"/>
-      </dsp:txXfrm>
-    </dsp:sp>
-    <dsp:sp modelId="{6CF04F40-20BC-4EE2-A8E0-91CE9C5F4FA8}">
-      <dsp:nvSpPr>
-        <dsp:cNvPr id="0" name=""/>
-        <dsp:cNvSpPr/>
-      </dsp:nvSpPr>
-      <dsp:spPr>
-        <a:xfrm>
-          <a:off x="1846673" y="505451"/>
-          <a:ext cx="100375" cy="1423425"/>
-        </a:xfrm>
-        <a:custGeom>
-          <a:avLst/>
-          <a:gdLst/>
-          <a:ahLst/>
-          <a:cxnLst/>
-          <a:rect l="0" t="0" r="0" b="0"/>
-          <a:pathLst>
-            <a:path>
-              <a:moveTo>
-                <a:pt x="0" y="0"/>
-              </a:moveTo>
-              <a:lnTo>
-                <a:pt x="0" y="1423425"/>
-              </a:lnTo>
-              <a:lnTo>
-                <a:pt x="100375" y="1423425"/>
-              </a:lnTo>
-            </a:path>
-          </a:pathLst>
-        </a:custGeom>
-        <a:noFill/>
-        <a:ln w="9525" cap="rnd" cmpd="sng" algn="ctr">
-          <a:solidFill>
-            <a:schemeClr val="accent1">
-              <a:shade val="60000"/>
-              <a:hueOff val="0"/>
-              <a:satOff val="0"/>
-              <a:lumOff val="0"/>
-              <a:alphaOff val="0"/>
-            </a:schemeClr>
-          </a:solidFill>
-          <a:prstDash val="solid"/>
-        </a:ln>
-        <a:effectLst/>
-      </dsp:spPr>
-      <dsp:style>
-        <a:lnRef idx="1">
-          <a:scrgbClr r="0" g="0" b="0"/>
-        </a:lnRef>
-        <a:fillRef idx="0">
-          <a:scrgbClr r="0" g="0" b="0"/>
-        </a:fillRef>
-        <a:effectRef idx="0">
-          <a:scrgbClr r="0" g="0" b="0"/>
-        </a:effectRef>
-        <a:fontRef idx="minor"/>
-      </dsp:style>
-    </dsp:sp>
-    <dsp:sp modelId="{7E81931F-3C81-4DB3-82D5-109D76282892}">
-      <dsp:nvSpPr>
-        <dsp:cNvPr id="0" name=""/>
-        <dsp:cNvSpPr/>
-      </dsp:nvSpPr>
-      <dsp:spPr>
-        <a:xfrm>
-          <a:off x="1947049" y="1700751"/>
-          <a:ext cx="730000" cy="456250"/>
-        </a:xfrm>
-        <a:prstGeom prst="roundRect">
-          <a:avLst>
-            <a:gd name="adj" fmla="val 10000"/>
-          </a:avLst>
-        </a:prstGeom>
-        <a:solidFill>
-          <a:schemeClr val="lt1">
-            <a:alpha val="90000"/>
-            <a:hueOff val="0"/>
-            <a:satOff val="0"/>
-            <a:lumOff val="0"/>
-            <a:alphaOff val="0"/>
-          </a:schemeClr>
-        </a:solidFill>
-        <a:ln w="9525" cap="rnd" cmpd="sng" algn="ctr">
-          <a:solidFill>
-            <a:schemeClr val="accent1">
-              <a:hueOff val="0"/>
-              <a:satOff val="0"/>
-              <a:lumOff val="0"/>
-              <a:alphaOff val="0"/>
-            </a:schemeClr>
-          </a:solidFill>
-          <a:prstDash val="solid"/>
-        </a:ln>
-        <a:effectLst/>
-      </dsp:spPr>
-      <dsp:style>
-        <a:lnRef idx="1">
-          <a:scrgbClr r="0" g="0" b="0"/>
-        </a:lnRef>
-        <a:fillRef idx="1">
-          <a:scrgbClr r="0" g="0" b="0"/>
-        </a:fillRef>
-        <a:effectRef idx="0">
-          <a:scrgbClr r="0" g="0" b="0"/>
-        </a:effectRef>
-        <a:fontRef idx="minor"/>
-      </dsp:style>
-      <dsp:txBody>
-        <a:bodyPr spcFirstLastPara="0" vert="horz" wrap="square" lIns="13335" tIns="8890" rIns="13335" bIns="8890" numCol="1" spcCol="1270" anchor="ctr" anchorCtr="0">
-          <a:noAutofit/>
-        </a:bodyPr>
-        <a:lstStyle/>
-        <a:p>
-          <a:pPr lvl="0" algn="ctr" defTabSz="311150">
-            <a:lnSpc>
-              <a:spcPct val="90000"/>
-            </a:lnSpc>
-            <a:spcBef>
-              <a:spcPct val="0"/>
-            </a:spcBef>
-            <a:spcAft>
-              <a:spcPct val="35000"/>
-            </a:spcAft>
-          </a:pPr>
-          <a:r>
-            <a:rPr lang="pt-PT" sz="700" kern="1200" dirty="0" smtClean="0"/>
-            <a:t>Open Source</a:t>
-          </a:r>
-          <a:endParaRPr lang="pt-PT" sz="700" kern="1200" dirty="0"/>
-        </a:p>
-      </dsp:txBody>
-      <dsp:txXfrm>
-        <a:off x="1960412" y="1714114"/>
-        <a:ext cx="703274" cy="429524"/>
-      </dsp:txXfrm>
-    </dsp:sp>
-    <dsp:sp modelId="{59F0254C-AFAD-4E3D-A8F7-6171D1D72BE5}">
-      <dsp:nvSpPr>
-        <dsp:cNvPr id="0" name=""/>
-        <dsp:cNvSpPr/>
-      </dsp:nvSpPr>
-      <dsp:spPr>
-        <a:xfrm>
-          <a:off x="1846673" y="505451"/>
-          <a:ext cx="100375" cy="1973942"/>
-        </a:xfrm>
-        <a:custGeom>
-          <a:avLst/>
-          <a:gdLst/>
-          <a:ahLst/>
-          <a:cxnLst/>
-          <a:rect l="0" t="0" r="0" b="0"/>
-          <a:pathLst>
-            <a:path>
-              <a:moveTo>
-                <a:pt x="0" y="0"/>
-              </a:moveTo>
-              <a:lnTo>
-                <a:pt x="0" y="1973942"/>
-              </a:lnTo>
-              <a:lnTo>
-                <a:pt x="100375" y="1973942"/>
-              </a:lnTo>
-            </a:path>
-          </a:pathLst>
-        </a:custGeom>
-        <a:noFill/>
-        <a:ln w="9525" cap="rnd" cmpd="sng" algn="ctr">
-          <a:solidFill>
-            <a:schemeClr val="accent1">
-              <a:shade val="60000"/>
-              <a:hueOff val="0"/>
-              <a:satOff val="0"/>
-              <a:lumOff val="0"/>
-              <a:alphaOff val="0"/>
-            </a:schemeClr>
-          </a:solidFill>
-          <a:prstDash val="solid"/>
-        </a:ln>
-        <a:effectLst/>
-      </dsp:spPr>
-      <dsp:style>
-        <a:lnRef idx="1">
-          <a:scrgbClr r="0" g="0" b="0"/>
-        </a:lnRef>
-        <a:fillRef idx="0">
-          <a:scrgbClr r="0" g="0" b="0"/>
-        </a:fillRef>
-        <a:effectRef idx="0">
-          <a:scrgbClr r="0" g="0" b="0"/>
-        </a:effectRef>
-        <a:fontRef idx="minor"/>
-      </dsp:style>
-    </dsp:sp>
-    <dsp:sp modelId="{8C1715B6-BA7B-438E-97EB-8AEC5ECBF87A}">
-      <dsp:nvSpPr>
-        <dsp:cNvPr id="0" name=""/>
-        <dsp:cNvSpPr/>
-      </dsp:nvSpPr>
-      <dsp:spPr>
-        <a:xfrm>
-          <a:off x="1947049" y="2251268"/>
-          <a:ext cx="730000" cy="456250"/>
-        </a:xfrm>
-        <a:prstGeom prst="roundRect">
-          <a:avLst>
-            <a:gd name="adj" fmla="val 10000"/>
-          </a:avLst>
-        </a:prstGeom>
-        <a:solidFill>
-          <a:schemeClr val="lt1">
-            <a:alpha val="90000"/>
-            <a:hueOff val="0"/>
-            <a:satOff val="0"/>
-            <a:lumOff val="0"/>
-            <a:alphaOff val="0"/>
-          </a:schemeClr>
-        </a:solidFill>
-        <a:ln w="9525" cap="rnd" cmpd="sng" algn="ctr">
-          <a:solidFill>
-            <a:schemeClr val="accent1">
-              <a:hueOff val="0"/>
-              <a:satOff val="0"/>
-              <a:lumOff val="0"/>
-              <a:alphaOff val="0"/>
-            </a:schemeClr>
-          </a:solidFill>
-          <a:prstDash val="solid"/>
-        </a:ln>
-        <a:effectLst/>
-      </dsp:spPr>
-      <dsp:style>
-        <a:lnRef idx="1">
-          <a:scrgbClr r="0" g="0" b="0"/>
-        </a:lnRef>
-        <a:fillRef idx="1">
-          <a:scrgbClr r="0" g="0" b="0"/>
-        </a:fillRef>
-        <a:effectRef idx="0">
-          <a:scrgbClr r="0" g="0" b="0"/>
-        </a:effectRef>
-        <a:fontRef idx="minor"/>
-      </dsp:style>
-      <dsp:txBody>
-        <a:bodyPr spcFirstLastPara="0" vert="horz" wrap="square" lIns="13335" tIns="8890" rIns="13335" bIns="8890" numCol="1" spcCol="1270" anchor="ctr" anchorCtr="0">
-          <a:noAutofit/>
-        </a:bodyPr>
-        <a:lstStyle/>
-        <a:p>
-          <a:pPr lvl="0" algn="ctr" defTabSz="311150">
-            <a:lnSpc>
-              <a:spcPct val="90000"/>
-            </a:lnSpc>
-            <a:spcBef>
-              <a:spcPct val="0"/>
-            </a:spcBef>
-            <a:spcAft>
-              <a:spcPct val="35000"/>
-            </a:spcAft>
-          </a:pPr>
-          <a:r>
-            <a:rPr lang="pt-PT" sz="700" kern="1200" smtClean="0"/>
-            <a:t>Several </a:t>
-          </a:r>
-          <a:r>
-            <a:rPr lang="pt-PT" sz="700" kern="1200" dirty="0" smtClean="0"/>
-            <a:t>plugins</a:t>
-          </a:r>
-          <a:endParaRPr lang="pt-PT" sz="700" kern="1200" dirty="0"/>
-        </a:p>
-      </dsp:txBody>
-      <dsp:txXfrm>
-        <a:off x="1960412" y="2264631"/>
-        <a:ext cx="703274" cy="429524"/>
-      </dsp:txXfrm>
-    </dsp:sp>
-    <dsp:sp modelId="{B128F964-9EE8-46FF-B519-C8284E2BB040}">
-      <dsp:nvSpPr>
-        <dsp:cNvPr id="0" name=""/>
-        <dsp:cNvSpPr/>
-      </dsp:nvSpPr>
-      <dsp:spPr>
-        <a:xfrm>
-          <a:off x="1846673" y="505451"/>
-          <a:ext cx="100375" cy="2524458"/>
-        </a:xfrm>
-        <a:custGeom>
-          <a:avLst/>
-          <a:gdLst/>
-          <a:ahLst/>
-          <a:cxnLst/>
-          <a:rect l="0" t="0" r="0" b="0"/>
-          <a:pathLst>
-            <a:path>
-              <a:moveTo>
-                <a:pt x="0" y="0"/>
-              </a:moveTo>
-              <a:lnTo>
-                <a:pt x="0" y="2524458"/>
-              </a:lnTo>
-              <a:lnTo>
-                <a:pt x="100375" y="2524458"/>
-              </a:lnTo>
-            </a:path>
-          </a:pathLst>
-        </a:custGeom>
-        <a:noFill/>
-        <a:ln w="9525" cap="rnd" cmpd="sng" algn="ctr">
-          <a:solidFill>
-            <a:schemeClr val="accent1">
-              <a:shade val="60000"/>
-              <a:hueOff val="0"/>
-              <a:satOff val="0"/>
-              <a:lumOff val="0"/>
-              <a:alphaOff val="0"/>
-            </a:schemeClr>
-          </a:solidFill>
-          <a:prstDash val="solid"/>
-        </a:ln>
-        <a:effectLst/>
-      </dsp:spPr>
-      <dsp:style>
-        <a:lnRef idx="1">
-          <a:scrgbClr r="0" g="0" b="0"/>
-        </a:lnRef>
-        <a:fillRef idx="0">
-          <a:scrgbClr r="0" g="0" b="0"/>
-        </a:fillRef>
-        <a:effectRef idx="0">
-          <a:scrgbClr r="0" g="0" b="0"/>
-        </a:effectRef>
-        <a:fontRef idx="minor"/>
-      </dsp:style>
-    </dsp:sp>
-    <dsp:sp modelId="{3548ED33-673B-47FB-8DF9-F219CFA710BC}">
-      <dsp:nvSpPr>
-        <dsp:cNvPr id="0" name=""/>
-        <dsp:cNvSpPr/>
-      </dsp:nvSpPr>
-      <dsp:spPr>
-        <a:xfrm>
-          <a:off x="1947049" y="2801785"/>
-          <a:ext cx="730000" cy="456250"/>
-        </a:xfrm>
-        <a:prstGeom prst="roundRect">
-          <a:avLst>
-            <a:gd name="adj" fmla="val 10000"/>
-          </a:avLst>
-        </a:prstGeom>
-        <a:solidFill>
-          <a:schemeClr val="lt1">
-            <a:alpha val="90000"/>
-            <a:hueOff val="0"/>
-            <a:satOff val="0"/>
-            <a:lumOff val="0"/>
-            <a:alphaOff val="0"/>
-          </a:schemeClr>
-        </a:solidFill>
-        <a:ln w="9525" cap="rnd" cmpd="sng" algn="ctr">
-          <a:solidFill>
-            <a:schemeClr val="accent1">
-              <a:hueOff val="0"/>
-              <a:satOff val="0"/>
-              <a:lumOff val="0"/>
-              <a:alphaOff val="0"/>
-            </a:schemeClr>
-          </a:solidFill>
-          <a:prstDash val="solid"/>
-        </a:ln>
-        <a:effectLst/>
-      </dsp:spPr>
-      <dsp:style>
-        <a:lnRef idx="1">
-          <a:scrgbClr r="0" g="0" b="0"/>
-        </a:lnRef>
-        <a:fillRef idx="1">
-          <a:scrgbClr r="0" g="0" b="0"/>
-        </a:fillRef>
-        <a:effectRef idx="0">
-          <a:scrgbClr r="0" g="0" b="0"/>
-        </a:effectRef>
-        <a:fontRef idx="minor"/>
-      </dsp:style>
-      <dsp:txBody>
-        <a:bodyPr spcFirstLastPara="0" vert="horz" wrap="square" lIns="13335" tIns="8890" rIns="13335" bIns="8890" numCol="1" spcCol="1270" anchor="ctr" anchorCtr="0">
-          <a:noAutofit/>
-        </a:bodyPr>
-        <a:lstStyle/>
-        <a:p>
-          <a:pPr lvl="0" algn="ctr" defTabSz="311150">
-            <a:lnSpc>
-              <a:spcPct val="90000"/>
-            </a:lnSpc>
-            <a:spcBef>
-              <a:spcPct val="0"/>
-            </a:spcBef>
-            <a:spcAft>
-              <a:spcPct val="35000"/>
-            </a:spcAft>
-          </a:pPr>
-          <a:r>
-            <a:rPr lang="pt-PT" sz="700" kern="1200" dirty="0" smtClean="0"/>
-            <a:t>Constant conscient if build is “broken”</a:t>
-          </a:r>
-          <a:endParaRPr lang="pt-PT" sz="700" kern="1200" dirty="0"/>
-        </a:p>
-      </dsp:txBody>
-      <dsp:txXfrm>
-        <a:off x="1960412" y="2815148"/>
-        <a:ext cx="703274" cy="429524"/>
-      </dsp:txXfrm>
-    </dsp:sp>
-    <dsp:sp modelId="{4A64C365-06C2-46B7-B947-59EF5BE39B6D}">
-      <dsp:nvSpPr>
-        <dsp:cNvPr id="0" name=""/>
-        <dsp:cNvSpPr/>
-      </dsp:nvSpPr>
-      <dsp:spPr>
-        <a:xfrm>
-          <a:off x="1846673" y="505451"/>
-          <a:ext cx="100375" cy="3074975"/>
-        </a:xfrm>
-        <a:custGeom>
-          <a:avLst/>
-          <a:gdLst/>
-          <a:ahLst/>
-          <a:cxnLst/>
-          <a:rect l="0" t="0" r="0" b="0"/>
-          <a:pathLst>
-            <a:path>
-              <a:moveTo>
-                <a:pt x="0" y="0"/>
-              </a:moveTo>
-              <a:lnTo>
-                <a:pt x="0" y="3074975"/>
-              </a:lnTo>
-              <a:lnTo>
-                <a:pt x="100375" y="3074975"/>
-              </a:lnTo>
-            </a:path>
-          </a:pathLst>
-        </a:custGeom>
-        <a:noFill/>
-        <a:ln w="9525" cap="rnd" cmpd="sng" algn="ctr">
-          <a:solidFill>
-            <a:schemeClr val="accent1">
-              <a:shade val="60000"/>
-              <a:hueOff val="0"/>
-              <a:satOff val="0"/>
-              <a:lumOff val="0"/>
-              <a:alphaOff val="0"/>
-            </a:schemeClr>
-          </a:solidFill>
-          <a:prstDash val="solid"/>
-        </a:ln>
-        <a:effectLst/>
-      </dsp:spPr>
-      <dsp:style>
-        <a:lnRef idx="1">
-          <a:scrgbClr r="0" g="0" b="0"/>
-        </a:lnRef>
-        <a:fillRef idx="0">
-          <a:scrgbClr r="0" g="0" b="0"/>
-        </a:fillRef>
-        <a:effectRef idx="0">
-          <a:scrgbClr r="0" g="0" b="0"/>
-        </a:effectRef>
-        <a:fontRef idx="minor"/>
-      </dsp:style>
-    </dsp:sp>
-    <dsp:sp modelId="{831964B1-E01A-4C78-9158-C8D63428B7DA}">
-      <dsp:nvSpPr>
-        <dsp:cNvPr id="0" name=""/>
-        <dsp:cNvSpPr/>
-      </dsp:nvSpPr>
-      <dsp:spPr>
-        <a:xfrm>
-          <a:off x="1947049" y="3352301"/>
-          <a:ext cx="730000" cy="456250"/>
-        </a:xfrm>
-        <a:prstGeom prst="roundRect">
-          <a:avLst>
-            <a:gd name="adj" fmla="val 10000"/>
-          </a:avLst>
-        </a:prstGeom>
-        <a:solidFill>
-          <a:schemeClr val="lt1">
-            <a:alpha val="90000"/>
-            <a:hueOff val="0"/>
-            <a:satOff val="0"/>
-            <a:lumOff val="0"/>
-            <a:alphaOff val="0"/>
-          </a:schemeClr>
-        </a:solidFill>
-        <a:ln w="9525" cap="rnd" cmpd="sng" algn="ctr">
-          <a:solidFill>
-            <a:schemeClr val="accent1">
-              <a:hueOff val="0"/>
-              <a:satOff val="0"/>
-              <a:lumOff val="0"/>
-              <a:alphaOff val="0"/>
-            </a:schemeClr>
-          </a:solidFill>
-          <a:prstDash val="solid"/>
-        </a:ln>
-        <a:effectLst/>
-      </dsp:spPr>
-      <dsp:style>
-        <a:lnRef idx="1">
-          <a:scrgbClr r="0" g="0" b="0"/>
-        </a:lnRef>
-        <a:fillRef idx="1">
-          <a:scrgbClr r="0" g="0" b="0"/>
-        </a:fillRef>
-        <a:effectRef idx="0">
-          <a:scrgbClr r="0" g="0" b="0"/>
-        </a:effectRef>
-        <a:fontRef idx="minor"/>
-      </dsp:style>
-      <dsp:txBody>
-        <a:bodyPr spcFirstLastPara="0" vert="horz" wrap="square" lIns="13335" tIns="8890" rIns="13335" bIns="8890" numCol="1" spcCol="1270" anchor="ctr" anchorCtr="0">
-          <a:noAutofit/>
-        </a:bodyPr>
-        <a:lstStyle/>
-        <a:p>
-          <a:pPr lvl="0" algn="ctr" defTabSz="311150">
-            <a:lnSpc>
-              <a:spcPct val="90000"/>
-            </a:lnSpc>
-            <a:spcBef>
-              <a:spcPct val="0"/>
-            </a:spcBef>
-            <a:spcAft>
-              <a:spcPct val="35000"/>
-            </a:spcAft>
-          </a:pPr>
-          <a:r>
-            <a:rPr lang="pt-PT" sz="700" kern="1200" dirty="0" smtClean="0"/>
-            <a:t>A static code verfication can also be done</a:t>
-          </a:r>
-          <a:endParaRPr lang="pt-PT" sz="700" kern="1200" dirty="0"/>
-        </a:p>
-      </dsp:txBody>
-      <dsp:txXfrm>
-        <a:off x="1960412" y="3365664"/>
-        <a:ext cx="703274" cy="429524"/>
-      </dsp:txXfrm>
-    </dsp:sp>
-    <dsp:sp modelId="{CC93376A-112F-470C-A92E-6B9C4768A381}">
-      <dsp:nvSpPr>
-        <dsp:cNvPr id="0" name=""/>
-        <dsp:cNvSpPr/>
-      </dsp:nvSpPr>
-      <dsp:spPr>
-        <a:xfrm>
-          <a:off x="1846673" y="505451"/>
-          <a:ext cx="100375" cy="3625492"/>
-        </a:xfrm>
-        <a:custGeom>
-          <a:avLst/>
-          <a:gdLst/>
-          <a:ahLst/>
-          <a:cxnLst/>
-          <a:rect l="0" t="0" r="0" b="0"/>
-          <a:pathLst>
-            <a:path>
-              <a:moveTo>
-                <a:pt x="0" y="0"/>
-              </a:moveTo>
-              <a:lnTo>
-                <a:pt x="0" y="3625492"/>
-              </a:lnTo>
-              <a:lnTo>
-                <a:pt x="100375" y="3625492"/>
-              </a:lnTo>
-            </a:path>
-          </a:pathLst>
-        </a:custGeom>
-        <a:noFill/>
-        <a:ln w="9525" cap="rnd" cmpd="sng" algn="ctr">
-          <a:solidFill>
-            <a:schemeClr val="accent1">
-              <a:shade val="60000"/>
-              <a:hueOff val="0"/>
-              <a:satOff val="0"/>
-              <a:lumOff val="0"/>
-              <a:alphaOff val="0"/>
-            </a:schemeClr>
-          </a:solidFill>
-          <a:prstDash val="solid"/>
-        </a:ln>
-        <a:effectLst/>
-      </dsp:spPr>
-      <dsp:style>
-        <a:lnRef idx="1">
-          <a:scrgbClr r="0" g="0" b="0"/>
-        </a:lnRef>
-        <a:fillRef idx="0">
-          <a:scrgbClr r="0" g="0" b="0"/>
-        </a:fillRef>
-        <a:effectRef idx="0">
-          <a:scrgbClr r="0" g="0" b="0"/>
-        </a:effectRef>
-        <a:fontRef idx="minor"/>
-      </dsp:style>
-    </dsp:sp>
-    <dsp:sp modelId="{A5E6D460-1049-4DD1-B5F1-BB5A03E46C6F}">
-      <dsp:nvSpPr>
-        <dsp:cNvPr id="0" name=""/>
-        <dsp:cNvSpPr/>
-      </dsp:nvSpPr>
-      <dsp:spPr>
-        <a:xfrm>
-          <a:off x="1947049" y="3902818"/>
-          <a:ext cx="730000" cy="456250"/>
-        </a:xfrm>
-        <a:prstGeom prst="roundRect">
-          <a:avLst>
-            <a:gd name="adj" fmla="val 10000"/>
-          </a:avLst>
-        </a:prstGeom>
-        <a:solidFill>
-          <a:schemeClr val="lt1">
-            <a:alpha val="90000"/>
-            <a:hueOff val="0"/>
-            <a:satOff val="0"/>
-            <a:lumOff val="0"/>
-            <a:alphaOff val="0"/>
-          </a:schemeClr>
-        </a:solidFill>
-        <a:ln w="9525" cap="rnd" cmpd="sng" algn="ctr">
-          <a:solidFill>
-            <a:schemeClr val="accent1">
-              <a:hueOff val="0"/>
-              <a:satOff val="0"/>
-              <a:lumOff val="0"/>
-              <a:alphaOff val="0"/>
-            </a:schemeClr>
-          </a:solidFill>
-          <a:prstDash val="solid"/>
-        </a:ln>
-        <a:effectLst/>
-      </dsp:spPr>
-      <dsp:style>
-        <a:lnRef idx="1">
-          <a:scrgbClr r="0" g="0" b="0"/>
-        </a:lnRef>
-        <a:fillRef idx="1">
-          <a:scrgbClr r="0" g="0" b="0"/>
-        </a:fillRef>
-        <a:effectRef idx="0">
-          <a:scrgbClr r="0" g="0" b="0"/>
-        </a:effectRef>
-        <a:fontRef idx="minor"/>
-      </dsp:style>
-      <dsp:txBody>
-        <a:bodyPr spcFirstLastPara="0" vert="horz" wrap="square" lIns="13335" tIns="8890" rIns="13335" bIns="8890" numCol="1" spcCol="1270" anchor="ctr" anchorCtr="0">
-          <a:noAutofit/>
-        </a:bodyPr>
-        <a:lstStyle/>
-        <a:p>
-          <a:pPr lvl="0" algn="ctr" defTabSz="311150">
-            <a:lnSpc>
-              <a:spcPct val="90000"/>
-            </a:lnSpc>
-            <a:spcBef>
-              <a:spcPct val="0"/>
-            </a:spcBef>
-            <a:spcAft>
-              <a:spcPct val="35000"/>
-            </a:spcAft>
-          </a:pPr>
-          <a:r>
-            <a:rPr lang="pt-PT" sz="700" kern="1200" dirty="0" smtClean="0"/>
-            <a:t>Possibility to do “nightly builds” – </a:t>
-          </a:r>
-          <a:r>
-            <a:rPr lang="pt-PT" sz="700" kern="1200" dirty="0" err="1" smtClean="0"/>
-            <a:t>good</a:t>
-          </a:r>
-          <a:r>
-            <a:rPr lang="pt-PT" sz="700" kern="1200" dirty="0" smtClean="0"/>
-            <a:t> for big projects</a:t>
-          </a:r>
-          <a:endParaRPr lang="pt-PT" sz="700" kern="1200" dirty="0"/>
-        </a:p>
-      </dsp:txBody>
-      <dsp:txXfrm>
-        <a:off x="1960412" y="3916181"/>
-        <a:ext cx="703274" cy="429524"/>
-      </dsp:txXfrm>
-    </dsp:sp>
-    <dsp:sp modelId="{2D6695BE-25C1-46C7-8352-964F3DB123E4}">
-      <dsp:nvSpPr>
-        <dsp:cNvPr id="0" name=""/>
-        <dsp:cNvSpPr/>
-      </dsp:nvSpPr>
-      <dsp:spPr>
-        <a:xfrm>
-          <a:off x="2938582" y="3576"/>
-          <a:ext cx="1003750" cy="501875"/>
-        </a:xfrm>
-        <a:prstGeom prst="roundRect">
-          <a:avLst>
-            <a:gd name="adj" fmla="val 10000"/>
-          </a:avLst>
-        </a:prstGeom>
-        <a:gradFill rotWithShape="0">
-          <a:gsLst>
-            <a:gs pos="0">
-              <a:schemeClr val="accent1">
-                <a:hueOff val="0"/>
-                <a:satOff val="0"/>
-                <a:lumOff val="0"/>
-                <a:alphaOff val="0"/>
-                <a:tint val="98000"/>
-                <a:lumMod val="114000"/>
-              </a:schemeClr>
-            </a:gs>
-            <a:gs pos="100000">
-              <a:schemeClr val="accent1">
-                <a:hueOff val="0"/>
-                <a:satOff val="0"/>
-                <a:lumOff val="0"/>
-                <a:alphaOff val="0"/>
-                <a:shade val="90000"/>
-                <a:lumMod val="84000"/>
-              </a:schemeClr>
-            </a:gs>
-          </a:gsLst>
-          <a:lin ang="5400000" scaled="0"/>
-        </a:gradFill>
-        <a:ln>
-          <a:noFill/>
-        </a:ln>
-        <a:effectLst>
-          <a:outerShdw blurRad="38100" dist="25400" dir="5400000" rotWithShape="0">
-            <a:srgbClr val="000000">
-              <a:alpha val="45000"/>
-            </a:srgbClr>
-          </a:outerShdw>
-        </a:effectLst>
-      </dsp:spPr>
-      <dsp:style>
-        <a:lnRef idx="0">
-          <a:scrgbClr r="0" g="0" b="0"/>
-        </a:lnRef>
-        <a:fillRef idx="3">
-          <a:scrgbClr r="0" g="0" b="0"/>
-        </a:fillRef>
-        <a:effectRef idx="2">
-          <a:scrgbClr r="0" g="0" b="0"/>
-        </a:effectRef>
-        <a:fontRef idx="minor">
-          <a:schemeClr val="lt1"/>
-        </a:fontRef>
-      </dsp:style>
-      <dsp:txBody>
-        <a:bodyPr spcFirstLastPara="0" vert="horz" wrap="square" lIns="51435" tIns="34290" rIns="51435" bIns="34290" numCol="1" spcCol="1270" anchor="ctr" anchorCtr="0">
-          <a:noAutofit/>
-        </a:bodyPr>
-        <a:lstStyle/>
-        <a:p>
-          <a:pPr lvl="0" algn="ctr" defTabSz="1200150">
-            <a:lnSpc>
-              <a:spcPct val="90000"/>
-            </a:lnSpc>
-            <a:spcBef>
-              <a:spcPct val="0"/>
-            </a:spcBef>
-            <a:spcAft>
-              <a:spcPct val="35000"/>
-            </a:spcAft>
-          </a:pPr>
-          <a:r>
-            <a:rPr lang="pt-PT" sz="2700" kern="1200" dirty="0" smtClean="0"/>
-            <a:t>Cons</a:t>
-          </a:r>
-          <a:endParaRPr lang="pt-PT" sz="2700" kern="1200" dirty="0"/>
-        </a:p>
-      </dsp:txBody>
-      <dsp:txXfrm>
-        <a:off x="2953281" y="18275"/>
-        <a:ext cx="974352" cy="472477"/>
-      </dsp:txXfrm>
-    </dsp:sp>
-    <dsp:sp modelId="{665B2015-8348-4619-A88A-458FE46C5216}">
-      <dsp:nvSpPr>
-        <dsp:cNvPr id="0" name=""/>
-        <dsp:cNvSpPr/>
-      </dsp:nvSpPr>
-      <dsp:spPr>
-        <a:xfrm>
-          <a:off x="3038957" y="505451"/>
-          <a:ext cx="100375" cy="322391"/>
-        </a:xfrm>
-        <a:custGeom>
-          <a:avLst/>
-          <a:gdLst/>
-          <a:ahLst/>
-          <a:cxnLst/>
-          <a:rect l="0" t="0" r="0" b="0"/>
-          <a:pathLst>
-            <a:path>
-              <a:moveTo>
-                <a:pt x="0" y="0"/>
-              </a:moveTo>
-              <a:lnTo>
-                <a:pt x="0" y="322391"/>
-              </a:lnTo>
-              <a:lnTo>
-                <a:pt x="100375" y="322391"/>
-              </a:lnTo>
-            </a:path>
-          </a:pathLst>
-        </a:custGeom>
-        <a:noFill/>
-        <a:ln w="9525" cap="rnd" cmpd="sng" algn="ctr">
-          <a:solidFill>
-            <a:schemeClr val="accent1">
-              <a:shade val="60000"/>
-              <a:hueOff val="0"/>
-              <a:satOff val="0"/>
-              <a:lumOff val="0"/>
-              <a:alphaOff val="0"/>
-            </a:schemeClr>
-          </a:solidFill>
-          <a:prstDash val="solid"/>
-        </a:ln>
-        <a:effectLst/>
-      </dsp:spPr>
-      <dsp:style>
-        <a:lnRef idx="1">
-          <a:scrgbClr r="0" g="0" b="0"/>
-        </a:lnRef>
-        <a:fillRef idx="0">
-          <a:scrgbClr r="0" g="0" b="0"/>
-        </a:fillRef>
-        <a:effectRef idx="0">
-          <a:scrgbClr r="0" g="0" b="0"/>
-        </a:effectRef>
-        <a:fontRef idx="minor"/>
-      </dsp:style>
-    </dsp:sp>
-    <dsp:sp modelId="{6817C1B7-11FB-4758-B864-210D01678FDC}">
-      <dsp:nvSpPr>
-        <dsp:cNvPr id="0" name=""/>
-        <dsp:cNvSpPr/>
-      </dsp:nvSpPr>
-      <dsp:spPr>
-        <a:xfrm>
-          <a:off x="3139332" y="599717"/>
-          <a:ext cx="730000" cy="456250"/>
-        </a:xfrm>
-        <a:prstGeom prst="roundRect">
-          <a:avLst>
-            <a:gd name="adj" fmla="val 10000"/>
-          </a:avLst>
-        </a:prstGeom>
-        <a:solidFill>
-          <a:schemeClr val="lt1">
-            <a:alpha val="90000"/>
-            <a:hueOff val="0"/>
-            <a:satOff val="0"/>
-            <a:lumOff val="0"/>
-            <a:alphaOff val="0"/>
-          </a:schemeClr>
-        </a:solidFill>
-        <a:ln w="9525" cap="rnd" cmpd="sng" algn="ctr">
-          <a:solidFill>
-            <a:schemeClr val="accent1">
-              <a:hueOff val="0"/>
-              <a:satOff val="0"/>
-              <a:lumOff val="0"/>
-              <a:alphaOff val="0"/>
-            </a:schemeClr>
-          </a:solidFill>
-          <a:prstDash val="solid"/>
-        </a:ln>
-        <a:effectLst/>
-      </dsp:spPr>
-      <dsp:style>
-        <a:lnRef idx="1">
-          <a:scrgbClr r="0" g="0" b="0"/>
-        </a:lnRef>
-        <a:fillRef idx="1">
-          <a:scrgbClr r="0" g="0" b="0"/>
-        </a:fillRef>
-        <a:effectRef idx="0">
-          <a:scrgbClr r="0" g="0" b="0"/>
-        </a:effectRef>
-        <a:fontRef idx="minor"/>
-      </dsp:style>
-      <dsp:txBody>
-        <a:bodyPr spcFirstLastPara="0" vert="horz" wrap="square" lIns="13335" tIns="8890" rIns="13335" bIns="8890" numCol="1" spcCol="1270" anchor="ctr" anchorCtr="0">
-          <a:noAutofit/>
-        </a:bodyPr>
-        <a:lstStyle/>
-        <a:p>
-          <a:pPr lvl="0" algn="ctr" defTabSz="311150">
-            <a:lnSpc>
-              <a:spcPct val="90000"/>
-            </a:lnSpc>
-            <a:spcBef>
-              <a:spcPct val="0"/>
-            </a:spcBef>
-            <a:spcAft>
-              <a:spcPct val="35000"/>
-            </a:spcAft>
-          </a:pPr>
-          <a:r>
-            <a:rPr lang="pt-PT" sz="700" kern="1200" dirty="0" smtClean="0"/>
-            <a:t>Too </a:t>
-          </a:r>
-          <a:r>
-            <a:rPr lang="pt-PT" sz="700" kern="1200" dirty="0" err="1" smtClean="0"/>
-            <a:t>simplistic</a:t>
-          </a:r>
-          <a:r>
-            <a:rPr lang="pt-PT" sz="700" kern="1200" dirty="0" smtClean="0"/>
-            <a:t> a </a:t>
-          </a:r>
-          <a:r>
-            <a:rPr lang="pt-PT" sz="700" kern="1200" dirty="0" err="1" smtClean="0"/>
-            <a:t>presentation</a:t>
-          </a:r>
-          <a:endParaRPr lang="pt-PT" sz="700" kern="1200" dirty="0"/>
-        </a:p>
-      </dsp:txBody>
-      <dsp:txXfrm>
-        <a:off x="3152695" y="613080"/>
-        <a:ext cx="703274" cy="429524"/>
-      </dsp:txXfrm>
-    </dsp:sp>
-    <dsp:sp modelId="{0B3358E2-26D5-461E-AD31-7A4654034337}">
-      <dsp:nvSpPr>
-        <dsp:cNvPr id="0" name=""/>
-        <dsp:cNvSpPr/>
-      </dsp:nvSpPr>
-      <dsp:spPr>
-        <a:xfrm>
-          <a:off x="3038957" y="505451"/>
-          <a:ext cx="100375" cy="872908"/>
-        </a:xfrm>
-        <a:custGeom>
-          <a:avLst/>
-          <a:gdLst/>
-          <a:ahLst/>
-          <a:cxnLst/>
-          <a:rect l="0" t="0" r="0" b="0"/>
-          <a:pathLst>
-            <a:path>
-              <a:moveTo>
-                <a:pt x="0" y="0"/>
-              </a:moveTo>
-              <a:lnTo>
-                <a:pt x="0" y="872908"/>
-              </a:lnTo>
-              <a:lnTo>
-                <a:pt x="100375" y="872908"/>
-              </a:lnTo>
-            </a:path>
-          </a:pathLst>
-        </a:custGeom>
-        <a:noFill/>
-        <a:ln w="9525" cap="rnd" cmpd="sng" algn="ctr">
-          <a:solidFill>
-            <a:schemeClr val="accent1">
-              <a:shade val="60000"/>
-              <a:hueOff val="0"/>
-              <a:satOff val="0"/>
-              <a:lumOff val="0"/>
-              <a:alphaOff val="0"/>
-            </a:schemeClr>
-          </a:solidFill>
-          <a:prstDash val="solid"/>
-        </a:ln>
-        <a:effectLst/>
-      </dsp:spPr>
-      <dsp:style>
-        <a:lnRef idx="1">
-          <a:scrgbClr r="0" g="0" b="0"/>
-        </a:lnRef>
-        <a:fillRef idx="0">
-          <a:scrgbClr r="0" g="0" b="0"/>
-        </a:fillRef>
-        <a:effectRef idx="0">
-          <a:scrgbClr r="0" g="0" b="0"/>
-        </a:effectRef>
-        <a:fontRef idx="minor"/>
-      </dsp:style>
-    </dsp:sp>
-    <dsp:sp modelId="{0E7FBF3B-7D1F-4A68-8FFB-C953C781DE15}">
-      <dsp:nvSpPr>
-        <dsp:cNvPr id="0" name=""/>
-        <dsp:cNvSpPr/>
-      </dsp:nvSpPr>
-      <dsp:spPr>
-        <a:xfrm>
-          <a:off x="3139332" y="1150234"/>
-          <a:ext cx="730000" cy="456250"/>
-        </a:xfrm>
-        <a:prstGeom prst="roundRect">
-          <a:avLst>
-            <a:gd name="adj" fmla="val 10000"/>
-          </a:avLst>
-        </a:prstGeom>
-        <a:solidFill>
-          <a:schemeClr val="lt1">
-            <a:alpha val="90000"/>
-            <a:hueOff val="0"/>
-            <a:satOff val="0"/>
-            <a:lumOff val="0"/>
-            <a:alphaOff val="0"/>
-          </a:schemeClr>
-        </a:solidFill>
-        <a:ln w="9525" cap="rnd" cmpd="sng" algn="ctr">
-          <a:solidFill>
-            <a:schemeClr val="accent1">
-              <a:hueOff val="0"/>
-              <a:satOff val="0"/>
-              <a:lumOff val="0"/>
-              <a:alphaOff val="0"/>
-            </a:schemeClr>
-          </a:solidFill>
-          <a:prstDash val="solid"/>
-        </a:ln>
-        <a:effectLst/>
-      </dsp:spPr>
-      <dsp:style>
-        <a:lnRef idx="1">
-          <a:scrgbClr r="0" g="0" b="0"/>
-        </a:lnRef>
-        <a:fillRef idx="1">
-          <a:scrgbClr r="0" g="0" b="0"/>
-        </a:fillRef>
-        <a:effectRef idx="0">
-          <a:scrgbClr r="0" g="0" b="0"/>
-        </a:effectRef>
-        <a:fontRef idx="minor"/>
-      </dsp:style>
-      <dsp:txBody>
-        <a:bodyPr spcFirstLastPara="0" vert="horz" wrap="square" lIns="13335" tIns="8890" rIns="13335" bIns="8890" numCol="1" spcCol="1270" anchor="ctr" anchorCtr="0">
-          <a:noAutofit/>
-        </a:bodyPr>
-        <a:lstStyle/>
-        <a:p>
-          <a:pPr lvl="0" algn="ctr" defTabSz="311150">
-            <a:lnSpc>
-              <a:spcPct val="90000"/>
-            </a:lnSpc>
-            <a:spcBef>
-              <a:spcPct val="0"/>
-            </a:spcBef>
-            <a:spcAft>
-              <a:spcPct val="35000"/>
-            </a:spcAft>
-          </a:pPr>
-          <a:r>
-            <a:rPr lang="pt-PT" sz="700" kern="1200" dirty="0" smtClean="0"/>
-            <a:t>Icons not very clear</a:t>
-          </a:r>
-          <a:endParaRPr lang="pt-PT" sz="700" kern="1200" dirty="0"/>
-        </a:p>
-      </dsp:txBody>
-      <dsp:txXfrm>
-        <a:off x="3152695" y="1163597"/>
-        <a:ext cx="703274" cy="429524"/>
-      </dsp:txXfrm>
-    </dsp:sp>
-    <dsp:sp modelId="{2F157E92-6736-4A13-A6CB-BE96A53AFD9F}">
-      <dsp:nvSpPr>
-        <dsp:cNvPr id="0" name=""/>
-        <dsp:cNvSpPr/>
-      </dsp:nvSpPr>
-      <dsp:spPr>
-        <a:xfrm>
-          <a:off x="3038957" y="505451"/>
-          <a:ext cx="100375" cy="1423425"/>
-        </a:xfrm>
-        <a:custGeom>
-          <a:avLst/>
-          <a:gdLst/>
-          <a:ahLst/>
-          <a:cxnLst/>
-          <a:rect l="0" t="0" r="0" b="0"/>
-          <a:pathLst>
-            <a:path>
-              <a:moveTo>
-                <a:pt x="0" y="0"/>
-              </a:moveTo>
-              <a:lnTo>
-                <a:pt x="0" y="1423425"/>
-              </a:lnTo>
-              <a:lnTo>
-                <a:pt x="100375" y="1423425"/>
-              </a:lnTo>
-            </a:path>
-          </a:pathLst>
-        </a:custGeom>
-        <a:noFill/>
-        <a:ln w="9525" cap="rnd" cmpd="sng" algn="ctr">
-          <a:solidFill>
-            <a:schemeClr val="accent1">
-              <a:shade val="60000"/>
-              <a:hueOff val="0"/>
-              <a:satOff val="0"/>
-              <a:lumOff val="0"/>
-              <a:alphaOff val="0"/>
-            </a:schemeClr>
-          </a:solidFill>
-          <a:prstDash val="solid"/>
-        </a:ln>
-        <a:effectLst/>
-      </dsp:spPr>
-      <dsp:style>
-        <a:lnRef idx="1">
-          <a:scrgbClr r="0" g="0" b="0"/>
-        </a:lnRef>
-        <a:fillRef idx="0">
-          <a:scrgbClr r="0" g="0" b="0"/>
-        </a:fillRef>
-        <a:effectRef idx="0">
-          <a:scrgbClr r="0" g="0" b="0"/>
-        </a:effectRef>
-        <a:fontRef idx="minor"/>
-      </dsp:style>
-    </dsp:sp>
-    <dsp:sp modelId="{548B7762-B5B8-4C69-88AE-F72473B32CBC}">
-      <dsp:nvSpPr>
-        <dsp:cNvPr id="0" name=""/>
-        <dsp:cNvSpPr/>
-      </dsp:nvSpPr>
-      <dsp:spPr>
-        <a:xfrm>
-          <a:off x="3139332" y="1700751"/>
-          <a:ext cx="730000" cy="456250"/>
-        </a:xfrm>
-        <a:prstGeom prst="roundRect">
-          <a:avLst>
-            <a:gd name="adj" fmla="val 10000"/>
-          </a:avLst>
-        </a:prstGeom>
-        <a:solidFill>
-          <a:schemeClr val="lt1">
-            <a:alpha val="90000"/>
-            <a:hueOff val="0"/>
-            <a:satOff val="0"/>
-            <a:lumOff val="0"/>
-            <a:alphaOff val="0"/>
-          </a:schemeClr>
-        </a:solidFill>
-        <a:ln w="9525" cap="rnd" cmpd="sng" algn="ctr">
-          <a:solidFill>
-            <a:schemeClr val="accent1">
-              <a:hueOff val="0"/>
-              <a:satOff val="0"/>
-              <a:lumOff val="0"/>
-              <a:alphaOff val="0"/>
-            </a:schemeClr>
-          </a:solidFill>
-          <a:prstDash val="solid"/>
-        </a:ln>
-        <a:effectLst/>
-      </dsp:spPr>
-      <dsp:style>
-        <a:lnRef idx="1">
-          <a:scrgbClr r="0" g="0" b="0"/>
-        </a:lnRef>
-        <a:fillRef idx="1">
-          <a:scrgbClr r="0" g="0" b="0"/>
-        </a:fillRef>
-        <a:effectRef idx="0">
-          <a:scrgbClr r="0" g="0" b="0"/>
-        </a:effectRef>
-        <a:fontRef idx="minor"/>
-      </dsp:style>
-      <dsp:txBody>
-        <a:bodyPr spcFirstLastPara="0" vert="horz" wrap="square" lIns="13335" tIns="8890" rIns="13335" bIns="8890" numCol="1" spcCol="1270" anchor="ctr" anchorCtr="0">
-          <a:noAutofit/>
-        </a:bodyPr>
-        <a:lstStyle/>
-        <a:p>
-          <a:pPr lvl="0" algn="ctr" defTabSz="311150">
-            <a:lnSpc>
-              <a:spcPct val="90000"/>
-            </a:lnSpc>
-            <a:spcBef>
-              <a:spcPct val="0"/>
-            </a:spcBef>
-            <a:spcAft>
-              <a:spcPct val="35000"/>
-            </a:spcAft>
-          </a:pPr>
-          <a:r>
-            <a:rPr lang="pt-PT" sz="700" kern="1200" dirty="0" smtClean="0"/>
-            <a:t>Some plugins require complicated configurations</a:t>
-          </a:r>
-          <a:endParaRPr lang="pt-PT" sz="700" kern="1200" dirty="0"/>
-        </a:p>
-      </dsp:txBody>
-      <dsp:txXfrm>
-        <a:off x="3152695" y="1714114"/>
-        <a:ext cx="703274" cy="429524"/>
-      </dsp:txXfrm>
-    </dsp:sp>
-    <dsp:sp modelId="{D69BB881-E2F5-44B9-9DBD-6D90C7DB7496}">
-      <dsp:nvSpPr>
-        <dsp:cNvPr id="0" name=""/>
-        <dsp:cNvSpPr/>
-      </dsp:nvSpPr>
-      <dsp:spPr>
-        <a:xfrm>
-          <a:off x="3038957" y="505451"/>
-          <a:ext cx="100375" cy="1973942"/>
-        </a:xfrm>
-        <a:custGeom>
-          <a:avLst/>
-          <a:gdLst/>
-          <a:ahLst/>
-          <a:cxnLst/>
-          <a:rect l="0" t="0" r="0" b="0"/>
-          <a:pathLst>
-            <a:path>
-              <a:moveTo>
-                <a:pt x="0" y="0"/>
-              </a:moveTo>
-              <a:lnTo>
-                <a:pt x="0" y="1973942"/>
-              </a:lnTo>
-              <a:lnTo>
-                <a:pt x="100375" y="1973942"/>
-              </a:lnTo>
-            </a:path>
-          </a:pathLst>
-        </a:custGeom>
-        <a:noFill/>
-        <a:ln w="9525" cap="rnd" cmpd="sng" algn="ctr">
-          <a:solidFill>
-            <a:schemeClr val="accent1">
-              <a:shade val="60000"/>
-              <a:hueOff val="0"/>
-              <a:satOff val="0"/>
-              <a:lumOff val="0"/>
-              <a:alphaOff val="0"/>
-            </a:schemeClr>
-          </a:solidFill>
-          <a:prstDash val="solid"/>
-        </a:ln>
-        <a:effectLst/>
-      </dsp:spPr>
-      <dsp:style>
-        <a:lnRef idx="1">
-          <a:scrgbClr r="0" g="0" b="0"/>
-        </a:lnRef>
-        <a:fillRef idx="0">
-          <a:scrgbClr r="0" g="0" b="0"/>
-        </a:fillRef>
-        <a:effectRef idx="0">
-          <a:scrgbClr r="0" g="0" b="0"/>
-        </a:effectRef>
-        <a:fontRef idx="minor"/>
-      </dsp:style>
-    </dsp:sp>
-    <dsp:sp modelId="{50E43E93-9EF6-4576-8695-D64977549991}">
-      <dsp:nvSpPr>
-        <dsp:cNvPr id="0" name=""/>
-        <dsp:cNvSpPr/>
-      </dsp:nvSpPr>
-      <dsp:spPr>
-        <a:xfrm>
-          <a:off x="3139332" y="2251268"/>
-          <a:ext cx="730000" cy="456250"/>
-        </a:xfrm>
-        <a:prstGeom prst="roundRect">
-          <a:avLst>
-            <a:gd name="adj" fmla="val 10000"/>
-          </a:avLst>
-        </a:prstGeom>
-        <a:solidFill>
-          <a:schemeClr val="lt1">
-            <a:alpha val="90000"/>
-            <a:hueOff val="0"/>
-            <a:satOff val="0"/>
-            <a:lumOff val="0"/>
-            <a:alphaOff val="0"/>
-          </a:schemeClr>
-        </a:solidFill>
-        <a:ln w="9525" cap="rnd" cmpd="sng" algn="ctr">
-          <a:solidFill>
-            <a:schemeClr val="accent1">
-              <a:hueOff val="0"/>
-              <a:satOff val="0"/>
-              <a:lumOff val="0"/>
-              <a:alphaOff val="0"/>
-            </a:schemeClr>
-          </a:solidFill>
-          <a:prstDash val="solid"/>
-        </a:ln>
-        <a:effectLst/>
-      </dsp:spPr>
-      <dsp:style>
-        <a:lnRef idx="1">
-          <a:scrgbClr r="0" g="0" b="0"/>
-        </a:lnRef>
-        <a:fillRef idx="1">
-          <a:scrgbClr r="0" g="0" b="0"/>
-        </a:fillRef>
-        <a:effectRef idx="0">
-          <a:scrgbClr r="0" g="0" b="0"/>
-        </a:effectRef>
-        <a:fontRef idx="minor"/>
-      </dsp:style>
-      <dsp:txBody>
-        <a:bodyPr spcFirstLastPara="0" vert="horz" wrap="square" lIns="13335" tIns="8890" rIns="13335" bIns="8890" numCol="1" spcCol="1270" anchor="ctr" anchorCtr="0">
-          <a:noAutofit/>
-        </a:bodyPr>
-        <a:lstStyle/>
-        <a:p>
-          <a:pPr lvl="0" algn="ctr" defTabSz="311150">
-            <a:lnSpc>
-              <a:spcPct val="90000"/>
-            </a:lnSpc>
-            <a:spcBef>
-              <a:spcPct val="0"/>
-            </a:spcBef>
-            <a:spcAft>
-              <a:spcPct val="35000"/>
-            </a:spcAft>
-          </a:pPr>
-          <a:r>
-            <a:rPr lang="pt-PT" sz="700" kern="1200" dirty="0" smtClean="0"/>
-            <a:t>Constant effort for maintaince</a:t>
-          </a:r>
-          <a:endParaRPr lang="pt-PT" sz="700" kern="1200" dirty="0"/>
-        </a:p>
-      </dsp:txBody>
-      <dsp:txXfrm>
-        <a:off x="3152695" y="2264631"/>
-        <a:ext cx="703274" cy="429524"/>
-      </dsp:txXfrm>
-    </dsp:sp>
-    <dsp:sp modelId="{4F01DEA1-6963-411C-B81A-F6998C0C045E}">
-      <dsp:nvSpPr>
-        <dsp:cNvPr id="0" name=""/>
-        <dsp:cNvSpPr/>
-      </dsp:nvSpPr>
-      <dsp:spPr>
-        <a:xfrm>
-          <a:off x="3038957" y="505451"/>
-          <a:ext cx="100375" cy="2524458"/>
-        </a:xfrm>
-        <a:custGeom>
-          <a:avLst/>
-          <a:gdLst/>
-          <a:ahLst/>
-          <a:cxnLst/>
-          <a:rect l="0" t="0" r="0" b="0"/>
-          <a:pathLst>
-            <a:path>
-              <a:moveTo>
-                <a:pt x="0" y="0"/>
-              </a:moveTo>
-              <a:lnTo>
-                <a:pt x="0" y="2524458"/>
-              </a:lnTo>
-              <a:lnTo>
-                <a:pt x="100375" y="2524458"/>
-              </a:lnTo>
-            </a:path>
-          </a:pathLst>
-        </a:custGeom>
-        <a:noFill/>
-        <a:ln w="9525" cap="rnd" cmpd="sng" algn="ctr">
-          <a:solidFill>
-            <a:schemeClr val="accent1">
-              <a:shade val="60000"/>
-              <a:hueOff val="0"/>
-              <a:satOff val="0"/>
-              <a:lumOff val="0"/>
-              <a:alphaOff val="0"/>
-            </a:schemeClr>
-          </a:solidFill>
-          <a:prstDash val="solid"/>
-        </a:ln>
-        <a:effectLst/>
-      </dsp:spPr>
-      <dsp:style>
-        <a:lnRef idx="1">
-          <a:scrgbClr r="0" g="0" b="0"/>
-        </a:lnRef>
-        <a:fillRef idx="0">
-          <a:scrgbClr r="0" g="0" b="0"/>
-        </a:fillRef>
-        <a:effectRef idx="0">
-          <a:scrgbClr r="0" g="0" b="0"/>
-        </a:effectRef>
-        <a:fontRef idx="minor"/>
-      </dsp:style>
-    </dsp:sp>
-    <dsp:sp modelId="{5F110DA3-1DE8-4F12-A68F-86C4A5BF1E8C}">
-      <dsp:nvSpPr>
-        <dsp:cNvPr id="0" name=""/>
-        <dsp:cNvSpPr/>
-      </dsp:nvSpPr>
-      <dsp:spPr>
-        <a:xfrm>
-          <a:off x="3139332" y="2801785"/>
-          <a:ext cx="730000" cy="456250"/>
-        </a:xfrm>
-        <a:prstGeom prst="roundRect">
-          <a:avLst>
-            <a:gd name="adj" fmla="val 10000"/>
-          </a:avLst>
-        </a:prstGeom>
-        <a:solidFill>
-          <a:schemeClr val="lt1">
-            <a:alpha val="90000"/>
-            <a:hueOff val="0"/>
-            <a:satOff val="0"/>
-            <a:lumOff val="0"/>
-            <a:alphaOff val="0"/>
-          </a:schemeClr>
-        </a:solidFill>
-        <a:ln w="9525" cap="rnd" cmpd="sng" algn="ctr">
-          <a:solidFill>
-            <a:schemeClr val="accent1">
-              <a:hueOff val="0"/>
-              <a:satOff val="0"/>
-              <a:lumOff val="0"/>
-              <a:alphaOff val="0"/>
-            </a:schemeClr>
-          </a:solidFill>
-          <a:prstDash val="solid"/>
-        </a:ln>
-        <a:effectLst/>
-      </dsp:spPr>
-      <dsp:style>
-        <a:lnRef idx="1">
-          <a:scrgbClr r="0" g="0" b="0"/>
-        </a:lnRef>
-        <a:fillRef idx="1">
-          <a:scrgbClr r="0" g="0" b="0"/>
-        </a:fillRef>
-        <a:effectRef idx="0">
-          <a:scrgbClr r="0" g="0" b="0"/>
-        </a:effectRef>
-        <a:fontRef idx="minor"/>
-      </dsp:style>
-      <dsp:txBody>
-        <a:bodyPr spcFirstLastPara="0" vert="horz" wrap="square" lIns="13335" tIns="8890" rIns="13335" bIns="8890" numCol="1" spcCol="1270" anchor="ctr" anchorCtr="0">
-          <a:noAutofit/>
-        </a:bodyPr>
-        <a:lstStyle/>
-        <a:p>
-          <a:pPr lvl="0" algn="ctr" defTabSz="311150">
-            <a:lnSpc>
-              <a:spcPct val="90000"/>
-            </a:lnSpc>
-            <a:spcBef>
-              <a:spcPct val="0"/>
-            </a:spcBef>
-            <a:spcAft>
-              <a:spcPct val="35000"/>
-            </a:spcAft>
-          </a:pPr>
-          <a:r>
-            <a:rPr lang="pt-PT" sz="700" kern="1200" dirty="0" smtClean="0"/>
-            <a:t>Can be “overwhelming”</a:t>
-          </a:r>
-          <a:endParaRPr lang="pt-PT" sz="700" kern="1200" dirty="0"/>
-        </a:p>
-      </dsp:txBody>
-      <dsp:txXfrm>
-        <a:off x="3152695" y="2815148"/>
-        <a:ext cx="703274" cy="429524"/>
-      </dsp:txXfrm>
-    </dsp:sp>
-    <dsp:sp modelId="{42A4DB9D-6604-49D8-A581-EB7995E16BE9}">
-      <dsp:nvSpPr>
-        <dsp:cNvPr id="0" name=""/>
-        <dsp:cNvSpPr/>
-      </dsp:nvSpPr>
-      <dsp:spPr>
-        <a:xfrm>
-          <a:off x="3038957" y="505451"/>
-          <a:ext cx="100375" cy="3074975"/>
-        </a:xfrm>
-        <a:custGeom>
-          <a:avLst/>
-          <a:gdLst/>
-          <a:ahLst/>
-          <a:cxnLst/>
-          <a:rect l="0" t="0" r="0" b="0"/>
-          <a:pathLst>
-            <a:path>
-              <a:moveTo>
-                <a:pt x="0" y="0"/>
-              </a:moveTo>
-              <a:lnTo>
-                <a:pt x="0" y="3074975"/>
-              </a:lnTo>
-              <a:lnTo>
-                <a:pt x="100375" y="3074975"/>
-              </a:lnTo>
-            </a:path>
-          </a:pathLst>
-        </a:custGeom>
-        <a:noFill/>
-        <a:ln w="9525" cap="rnd" cmpd="sng" algn="ctr">
-          <a:solidFill>
-            <a:schemeClr val="accent1">
-              <a:shade val="60000"/>
-              <a:hueOff val="0"/>
-              <a:satOff val="0"/>
-              <a:lumOff val="0"/>
-              <a:alphaOff val="0"/>
-            </a:schemeClr>
-          </a:solidFill>
-          <a:prstDash val="solid"/>
-        </a:ln>
-        <a:effectLst/>
-      </dsp:spPr>
-      <dsp:style>
-        <a:lnRef idx="1">
-          <a:scrgbClr r="0" g="0" b="0"/>
-        </a:lnRef>
-        <a:fillRef idx="0">
-          <a:scrgbClr r="0" g="0" b="0"/>
-        </a:fillRef>
-        <a:effectRef idx="0">
-          <a:scrgbClr r="0" g="0" b="0"/>
-        </a:effectRef>
-        <a:fontRef idx="minor"/>
-      </dsp:style>
-    </dsp:sp>
-    <dsp:sp modelId="{7FB5A010-9A56-4829-B858-D0D824AEF6AD}">
-      <dsp:nvSpPr>
-        <dsp:cNvPr id="0" name=""/>
-        <dsp:cNvSpPr/>
-      </dsp:nvSpPr>
-      <dsp:spPr>
-        <a:xfrm>
-          <a:off x="3139332" y="3352301"/>
-          <a:ext cx="730000" cy="456250"/>
-        </a:xfrm>
-        <a:prstGeom prst="roundRect">
-          <a:avLst>
-            <a:gd name="adj" fmla="val 10000"/>
-          </a:avLst>
-        </a:prstGeom>
-        <a:solidFill>
-          <a:schemeClr val="lt1">
-            <a:alpha val="90000"/>
-            <a:hueOff val="0"/>
-            <a:satOff val="0"/>
-            <a:lumOff val="0"/>
-            <a:alphaOff val="0"/>
-          </a:schemeClr>
-        </a:solidFill>
-        <a:ln w="9525" cap="rnd" cmpd="sng" algn="ctr">
-          <a:solidFill>
-            <a:schemeClr val="accent1">
-              <a:hueOff val="0"/>
-              <a:satOff val="0"/>
-              <a:lumOff val="0"/>
-              <a:alphaOff val="0"/>
-            </a:schemeClr>
-          </a:solidFill>
-          <a:prstDash val="solid"/>
-        </a:ln>
-        <a:effectLst/>
-      </dsp:spPr>
-      <dsp:style>
-        <a:lnRef idx="1">
-          <a:scrgbClr r="0" g="0" b="0"/>
-        </a:lnRef>
-        <a:fillRef idx="1">
-          <a:scrgbClr r="0" g="0" b="0"/>
-        </a:fillRef>
-        <a:effectRef idx="0">
-          <a:scrgbClr r="0" g="0" b="0"/>
-        </a:effectRef>
-        <a:fontRef idx="minor"/>
-      </dsp:style>
-      <dsp:txBody>
-        <a:bodyPr spcFirstLastPara="0" vert="horz" wrap="square" lIns="13335" tIns="8890" rIns="13335" bIns="8890" numCol="1" spcCol="1270" anchor="ctr" anchorCtr="0">
-          <a:noAutofit/>
-        </a:bodyPr>
-        <a:lstStyle/>
-        <a:p>
-          <a:pPr lvl="0" algn="ctr" defTabSz="311150">
-            <a:lnSpc>
-              <a:spcPct val="90000"/>
-            </a:lnSpc>
-            <a:spcBef>
-              <a:spcPct val="0"/>
-            </a:spcBef>
-            <a:spcAft>
-              <a:spcPct val="35000"/>
-            </a:spcAft>
-          </a:pPr>
-          <a:r>
-            <a:rPr lang="pt-PT" sz="700" kern="1200" dirty="0" smtClean="0"/>
-            <a:t>Setup time</a:t>
-          </a:r>
-          <a:endParaRPr lang="pt-PT" sz="700" kern="1200" dirty="0"/>
-        </a:p>
-      </dsp:txBody>
-      <dsp:txXfrm>
-        <a:off x="3152695" y="3365664"/>
-        <a:ext cx="703274" cy="429524"/>
-      </dsp:txXfrm>
-    </dsp:sp>
   </dsp:spTree>
 </dsp:drawing>
 </file>
@@ -5429,7 +3449,7 @@
           <a:p>
             <a:fld id="{20EA5F0D-C1DC-412F-A146-DDB3A74B588F}" type="datetimeFigureOut">
               <a:rPr lang="en-US"/>
-              <a:t>10/5/2016</a:t>
+              <a:t>10/6/2016</a:t>
             </a:fld>
             <a:endParaRPr/>
           </a:p>
@@ -5594,7 +3614,7 @@
           <a:p>
             <a:fld id="{A8CDE508-72C8-4AB5-AA9C-1584D31690E0}" type="datetimeFigureOut">
               <a:rPr lang="en-US"/>
-              <a:t>10/5/2016</a:t>
+              <a:t>10/6/2016</a:t>
             </a:fld>
             <a:endParaRPr/>
           </a:p>
@@ -21840,7 +19860,7 @@
   </p:txStyles>
   <p:extLst>
     <p:ext uri="{27BBF7A9-308A-43DC-89C8-2F10F3537804}">
-      <p15:sldGuideLst xmlns:p15="http://schemas.microsoft.com/office/powerpoint/2012/main" xmlns=""/>
+      <p15:sldGuideLst xmlns:p15="http://schemas.microsoft.com/office/powerpoint/2012/main"/>
     </p:ext>
   </p:extLst>
 </p:sldMaster>
@@ -24578,11 +22598,7 @@
             </a:r>
             <a:r>
               <a:rPr lang="pt-PT" dirty="0" err="1" smtClean="0"/>
-              <a:t>Test</a:t>
-            </a:r>
-            <a:r>
-              <a:rPr lang="pt-PT" dirty="0" err="1" smtClean="0"/>
-              <a:t>s</a:t>
+              <a:t>Tests</a:t>
             </a:r>
             <a:r>
               <a:rPr lang="pt-PT" dirty="0" smtClean="0"/>
@@ -27451,7 +25467,7 @@
           <p:nvPr>
             <p:extLst>
               <p:ext uri="{D42A27DB-BD31-4B8C-83A1-F6EECF244321}">
-                <p14:modId xmlns:p14="http://schemas.microsoft.com/office/powerpoint/2010/main" val="2756542596"/>
+                <p14:modId xmlns:p14="http://schemas.microsoft.com/office/powerpoint/2010/main" val="701813598"/>
               </p:ext>
             </p:extLst>
           </p:nvPr>
@@ -27703,6 +25719,18 @@
                     <a:lstStyle/>
                     <a:p>
                       <a:pPr algn="ctr"/>
+                      <a:r>
+                        <a:rPr lang="pt-PT" dirty="0" smtClean="0"/>
+                        <a:t>Eclipse,</a:t>
+                      </a:r>
+                      <a:r>
+                        <a:rPr lang="pt-PT" baseline="0" dirty="0" smtClean="0"/>
+                        <a:t> </a:t>
+                      </a:r>
+                      <a:r>
+                        <a:rPr lang="pt-PT" baseline="0" dirty="0" err="1" smtClean="0"/>
+                        <a:t>IntelliJ</a:t>
+                      </a:r>
                       <a:endParaRPr lang="pt-PT" dirty="0"/>
                     </a:p>
                   </a:txBody>
@@ -27783,6 +25811,10 @@
                     <a:lstStyle/>
                     <a:p>
                       <a:pPr algn="ctr"/>
+                      <a:r>
+                        <a:rPr lang="pt-PT" dirty="0" err="1" smtClean="0"/>
+                        <a:t>Git,SVN,Mercurial</a:t>
+                      </a:r>
                       <a:endParaRPr lang="pt-PT" dirty="0"/>
                     </a:p>
                   </a:txBody>
@@ -27863,6 +25895,10 @@
                     <a:lstStyle/>
                     <a:p>
                       <a:pPr algn="ctr"/>
+                      <a:r>
+                        <a:rPr lang="pt-PT" smtClean="0"/>
+                        <a:t>Web server</a:t>
+                      </a:r>
                       <a:endParaRPr lang="pt-PT" dirty="0"/>
                     </a:p>
                   </a:txBody>
@@ -27935,6 +25971,10 @@
                     <a:lstStyle/>
                     <a:p>
                       <a:pPr algn="ctr"/>
+                      <a:r>
+                        <a:rPr lang="pt-PT" dirty="0" smtClean="0"/>
+                        <a:t>NO</a:t>
+                      </a:r>
                       <a:endParaRPr lang="pt-PT" dirty="0"/>
                     </a:p>
                   </a:txBody>
@@ -28035,6 +26075,10 @@
                     <a:lstStyle/>
                     <a:p>
                       <a:pPr algn="ctr"/>
+                      <a:r>
+                        <a:rPr lang="pt-PT" dirty="0" err="1" smtClean="0"/>
+                        <a:t>Good</a:t>
+                      </a:r>
                       <a:endParaRPr lang="pt-PT" dirty="0"/>
                     </a:p>
                   </a:txBody>
@@ -30983,7 +29027,7 @@
   <a:extraClrSchemeLst/>
   <a:extLst>
     <a:ext uri="{05A4C25C-085E-4340-85A3-A5531E510DB2}">
-      <thm15:themeFamily xmlns:thm15="http://schemas.microsoft.com/office/thememl/2012/main" xmlns="" name="Ion Boardroom" id="{FC33163D-4339-46B1-8EED-24C834239D99}" vid="{BF1C4790-FE3C-4020-8CA7-00621DA7BBBC}"/>
+      <thm15:themeFamily xmlns:thm15="http://schemas.microsoft.com/office/thememl/2012/main" name="Ion Boardroom" id="{FC33163D-4339-46B1-8EED-24C834239D99}" vid="{BF1C4790-FE3C-4020-8CA7-00621DA7BBBC}"/>
     </a:ext>
   </a:extLst>
 </a:theme>

--- a/CI_TEAMC.pptx
+++ b/CI_TEAMC.pptx
@@ -1173,7 +1173,15 @@
         <a:p>
           <a:r>
             <a:rPr lang="pt-PT" sz="700" dirty="0" smtClean="0"/>
-            <a:t>A static code verfication can also be done</a:t>
+            <a:t>A static code </a:t>
+          </a:r>
+          <a:r>
+            <a:rPr lang="pt-PT" sz="700" dirty="0" smtClean="0"/>
+            <a:t>verification </a:t>
+          </a:r>
+          <a:r>
+            <a:rPr lang="pt-PT" sz="700" dirty="0" smtClean="0"/>
+            <a:t>can also be done</a:t>
           </a:r>
           <a:endParaRPr lang="pt-PT" sz="700" dirty="0"/>
         </a:p>
@@ -1321,7 +1329,15 @@
         <a:p>
           <a:r>
             <a:rPr lang="pt-PT" sz="700" dirty="0" smtClean="0"/>
-            <a:t>Constant conscient if build is “broken”</a:t>
+            <a:t>Constant </a:t>
+          </a:r>
+          <a:r>
+            <a:rPr lang="pt-PT" sz="700" dirty="0" smtClean="0"/>
+            <a:t>awareness if </a:t>
+          </a:r>
+          <a:r>
+            <a:rPr lang="pt-PT" sz="700" dirty="0" smtClean="0"/>
+            <a:t>build is “broken”</a:t>
           </a:r>
           <a:endParaRPr lang="pt-PT" sz="700" dirty="0"/>
         </a:p>
@@ -1936,52 +1952,52 @@
     </dgm:pt>
   </dgm:ptLst>
   <dgm:cxnLst>
+    <dgm:cxn modelId="{950CD349-9C7F-4583-8ED7-AE6EB571A6CD}" type="presOf" srcId="{DA8DF7CA-1898-479A-AB8B-30F622A20386}" destId="{59F0254C-AFAD-4E3D-A8F7-6171D1D72BE5}" srcOrd="0" destOrd="0" presId="urn:microsoft.com/office/officeart/2005/8/layout/hierarchy3"/>
+    <dgm:cxn modelId="{A2F9B0F4-AA78-4158-8B2E-635DF7ACED91}" type="presOf" srcId="{6D2CB1FD-153F-413A-9094-97A8C82D1A59}" destId="{42A4DB9D-6604-49D8-A581-EB7995E16BE9}" srcOrd="0" destOrd="0" presId="urn:microsoft.com/office/officeart/2005/8/layout/hierarchy3"/>
+    <dgm:cxn modelId="{A72944CA-EA98-4912-BD8E-D7A0B9B4AAED}" type="presOf" srcId="{E4BAB214-F282-46A9-895A-D9BD0E84DB3F}" destId="{5F110DA3-1DE8-4F12-A68F-86C4A5BF1E8C}" srcOrd="0" destOrd="0" presId="urn:microsoft.com/office/officeart/2005/8/layout/hierarchy3"/>
+    <dgm:cxn modelId="{E82A3251-91DA-4815-893B-2CB56E9913F8}" type="presOf" srcId="{37769943-29F6-4B68-A449-5DEE7577C941}" destId="{6CF04F40-20BC-4EE2-A8E0-91CE9C5F4FA8}" srcOrd="0" destOrd="0" presId="urn:microsoft.com/office/officeart/2005/8/layout/hierarchy3"/>
+    <dgm:cxn modelId="{C1C2960F-E59B-4440-A2DC-E6C8222CBDEE}" srcId="{D23EB86A-71BB-4A40-A569-8B77FDBE02FA}" destId="{C1E12F4A-6EB8-4EF1-9A2E-60BEBFA81592}" srcOrd="1" destOrd="0" parTransId="{3839A656-D98B-47E9-A658-DF73304CEB18}" sibTransId="{22D1E09B-DC05-4745-B8F2-30FA2BC8B359}"/>
+    <dgm:cxn modelId="{04D223AD-2624-412D-ADE6-DA2BEFC8FCB6}" type="presOf" srcId="{8BD967C0-A55D-48F9-95B1-733E8F50B17C}" destId="{0B3358E2-26D5-461E-AD31-7A4654034337}" srcOrd="0" destOrd="0" presId="urn:microsoft.com/office/officeart/2005/8/layout/hierarchy3"/>
+    <dgm:cxn modelId="{4FD3DC13-0721-431D-8738-4EDFC6E8A940}" type="presOf" srcId="{26EAFC01-7D93-44D6-B927-7C773411E24C}" destId="{0E7FBF3B-7D1F-4A68-8FFB-C953C781DE15}" srcOrd="0" destOrd="0" presId="urn:microsoft.com/office/officeart/2005/8/layout/hierarchy3"/>
+    <dgm:cxn modelId="{36B9DA8C-A689-4553-832D-61EB7B85622D}" srcId="{D23EB86A-71BB-4A40-A569-8B77FDBE02FA}" destId="{52572F2B-AAE6-4BE9-9BBD-CB4C6B7CD675}" srcOrd="6" destOrd="0" parTransId="{D28794C1-D31F-40DE-AE24-412233A7CACB}" sibTransId="{77A8EC62-DEC3-4292-ABC8-A6168E4C97F0}"/>
+    <dgm:cxn modelId="{7D6FF0F7-548D-4CE5-8A7E-1EB8380B0229}" type="presOf" srcId="{C1E12F4A-6EB8-4EF1-9A2E-60BEBFA81592}" destId="{4BFBAF82-2A9D-4DC1-A988-0880718FA259}" srcOrd="0" destOrd="0" presId="urn:microsoft.com/office/officeart/2005/8/layout/hierarchy3"/>
+    <dgm:cxn modelId="{E6C387B6-7931-4BB6-ABF0-EC9F8067348D}" type="presOf" srcId="{3839A656-D98B-47E9-A658-DF73304CEB18}" destId="{E91EC1B8-A184-48D1-9A69-E934B5C7B28A}" srcOrd="0" destOrd="0" presId="urn:microsoft.com/office/officeart/2005/8/layout/hierarchy3"/>
+    <dgm:cxn modelId="{4153DA9D-BE1A-43D1-84E0-B20DC04273A1}" type="presOf" srcId="{B66C6E76-A77D-4BAE-A190-E7C7B99630D5}" destId="{06CA16BD-3E66-4C53-92B0-52C52AD63648}" srcOrd="1" destOrd="0" presId="urn:microsoft.com/office/officeart/2005/8/layout/hierarchy3"/>
+    <dgm:cxn modelId="{6790B4E7-E0EE-41EB-945C-C376AB2B23D3}" type="presOf" srcId="{EFA38823-71A3-47C6-B0F4-1CB6C01186B4}" destId="{7FB5A010-9A56-4829-B858-D0D824AEF6AD}" srcOrd="0" destOrd="0" presId="urn:microsoft.com/office/officeart/2005/8/layout/hierarchy3"/>
+    <dgm:cxn modelId="{0B714DB5-1905-4C10-B2C3-52DE000CC7EE}" type="presOf" srcId="{2B7155C7-BEBA-47E6-A611-578103620110}" destId="{3548ED33-673B-47FB-8DF9-F219CFA710BC}" srcOrd="0" destOrd="0" presId="urn:microsoft.com/office/officeart/2005/8/layout/hierarchy3"/>
+    <dgm:cxn modelId="{4E9237CA-E46C-41CD-95BD-742F8950EEB9}" srcId="{B66C6E76-A77D-4BAE-A190-E7C7B99630D5}" destId="{95D8C2BB-FFF3-4F61-8445-6BF1251A0DDC}" srcOrd="3" destOrd="0" parTransId="{391C7100-F7CB-404F-9784-D4A0A18ED1F2}" sibTransId="{18C0857F-72C1-4B18-89F2-5D3B4F04A762}"/>
     <dgm:cxn modelId="{B9A282EA-EB5D-4740-A114-7A5FDEC3F13F}" type="presOf" srcId="{1D5B013C-3814-4DBA-A114-793515C3A175}" destId="{36E41940-D6AE-4B61-9614-578943ADDEBE}" srcOrd="0" destOrd="0" presId="urn:microsoft.com/office/officeart/2005/8/layout/hierarchy3"/>
+    <dgm:cxn modelId="{0FFF8C14-2898-4723-981D-EC8EE61DB3B7}" type="presOf" srcId="{548E3DBA-F067-4E78-8538-35AFB2F1818B}" destId="{831964B1-E01A-4C78-9158-C8D63428B7DA}" srcOrd="0" destOrd="0" presId="urn:microsoft.com/office/officeart/2005/8/layout/hierarchy3"/>
+    <dgm:cxn modelId="{9C9BE23E-6612-44C5-9CFE-9CC7832BF2A5}" srcId="{D23EB86A-71BB-4A40-A569-8B77FDBE02FA}" destId="{D29747DE-81BE-44CC-ADFA-D349E8B24264}" srcOrd="3" destOrd="0" parTransId="{DA8DF7CA-1898-479A-AB8B-30F622A20386}" sibTransId="{F71EDA71-5AF9-41DC-841C-C32CB38CA494}"/>
+    <dgm:cxn modelId="{63DAAF5A-D4FF-4C0A-9DE7-FE4E42A34343}" srcId="{B66C6E76-A77D-4BAE-A190-E7C7B99630D5}" destId="{6D187876-D73A-4DA0-8A96-0B77CF7C51D8}" srcOrd="2" destOrd="0" parTransId="{E37E2F2F-CD39-482B-9878-0ED5657CF008}" sibTransId="{EE27B221-B777-430B-861D-692C62998E99}"/>
+    <dgm:cxn modelId="{0DAEDA3B-FE33-4B1C-9C27-E2E206218952}" srcId="{D23EB86A-71BB-4A40-A569-8B77FDBE02FA}" destId="{2B7155C7-BEBA-47E6-A611-578103620110}" srcOrd="4" destOrd="0" parTransId="{3F425AB1-C509-4C12-835D-8FB48463C56E}" sibTransId="{838E31E3-BBA0-4DFD-8508-33E3D64F2DF2}"/>
+    <dgm:cxn modelId="{126129EF-FD55-4092-A572-7657075334A6}" type="presOf" srcId="{95D8C2BB-FFF3-4F61-8445-6BF1251A0DDC}" destId="{50E43E93-9EF6-4576-8695-D64977549991}" srcOrd="0" destOrd="0" presId="urn:microsoft.com/office/officeart/2005/8/layout/hierarchy3"/>
+    <dgm:cxn modelId="{76A55E50-AF99-47A3-9455-AAFCB2256592}" srcId="{D23EB86A-71BB-4A40-A569-8B77FDBE02FA}" destId="{EE83A711-B233-4784-8790-B3D0B5AA4273}" srcOrd="2" destOrd="0" parTransId="{37769943-29F6-4B68-A449-5DEE7577C941}" sibTransId="{A43C7F0B-AC09-44C4-A7DC-DA92D0A575C5}"/>
+    <dgm:cxn modelId="{C63FD1B0-EEE3-4366-A02B-3EBF816D33FA}" srcId="{B66C6E76-A77D-4BAE-A190-E7C7B99630D5}" destId="{EFA38823-71A3-47C6-B0F4-1CB6C01186B4}" srcOrd="5" destOrd="0" parTransId="{6D2CB1FD-153F-413A-9094-97A8C82D1A59}" sibTransId="{F36243A3-0694-4470-B3FF-00EC19796C92}"/>
+    <dgm:cxn modelId="{4BA34B07-DA3A-4E4B-B5DC-913EF5747AE2}" type="presOf" srcId="{1317B38D-2A30-4107-9F27-1500BCF7FC6F}" destId="{4F01DEA1-6963-411C-B81A-F6998C0C045E}" srcOrd="0" destOrd="0" presId="urn:microsoft.com/office/officeart/2005/8/layout/hierarchy3"/>
+    <dgm:cxn modelId="{C765AA97-1366-4652-8C13-4650968F60CF}" type="presOf" srcId="{2532EC49-0FBE-4774-B31A-BBBB468170F7}" destId="{630F3D18-F2FD-492C-B34C-7F4ABA982010}" srcOrd="0" destOrd="0" presId="urn:microsoft.com/office/officeart/2005/8/layout/hierarchy3"/>
+    <dgm:cxn modelId="{9BEBC980-A36E-4C4A-A8DA-4CB6EEA808A1}" srcId="{D23EB86A-71BB-4A40-A569-8B77FDBE02FA}" destId="{548E3DBA-F067-4E78-8538-35AFB2F1818B}" srcOrd="5" destOrd="0" parTransId="{27188142-555D-4CE0-8FCC-5EF4E1AE4524}" sibTransId="{8FD1163F-C701-4469-B412-1D17C50819E9}"/>
+    <dgm:cxn modelId="{F989FA39-FD22-4920-A3AF-2C476F51F7CD}" type="presOf" srcId="{D28794C1-D31F-40DE-AE24-412233A7CACB}" destId="{CC93376A-112F-470C-A92E-6B9C4768A381}" srcOrd="0" destOrd="0" presId="urn:microsoft.com/office/officeart/2005/8/layout/hierarchy3"/>
+    <dgm:cxn modelId="{10F3401B-B541-4202-8EB4-FC6B333D53C3}" type="presOf" srcId="{7B27C1B8-5A68-42C8-A979-98E005722E76}" destId="{665B2015-8348-4619-A88A-458FE46C5216}" srcOrd="0" destOrd="0" presId="urn:microsoft.com/office/officeart/2005/8/layout/hierarchy3"/>
+    <dgm:cxn modelId="{61C9982F-CD29-461E-B7A2-844320B3320E}" type="presOf" srcId="{D29747DE-81BE-44CC-ADFA-D349E8B24264}" destId="{8C1715B6-BA7B-438E-97EB-8AEC5ECBF87A}" srcOrd="0" destOrd="0" presId="urn:microsoft.com/office/officeart/2005/8/layout/hierarchy3"/>
+    <dgm:cxn modelId="{AB861BCE-5919-4B0A-A9F5-9564E777362E}" type="presOf" srcId="{52572F2B-AAE6-4BE9-9BBD-CB4C6B7CD675}" destId="{A5E6D460-1049-4DD1-B5F1-BB5A03E46C6F}" srcOrd="0" destOrd="0" presId="urn:microsoft.com/office/officeart/2005/8/layout/hierarchy3"/>
+    <dgm:cxn modelId="{C21777D7-7565-44BF-85F7-0C02E051AAA0}" type="presOf" srcId="{B66C6E76-A77D-4BAE-A190-E7C7B99630D5}" destId="{2D6695BE-25C1-46C7-8352-964F3DB123E4}" srcOrd="0" destOrd="0" presId="urn:microsoft.com/office/officeart/2005/8/layout/hierarchy3"/>
+    <dgm:cxn modelId="{77917A58-C306-4CDB-9728-8CABB9E90F23}" srcId="{B66C6E76-A77D-4BAE-A190-E7C7B99630D5}" destId="{E4BAB214-F282-46A9-895A-D9BD0E84DB3F}" srcOrd="4" destOrd="0" parTransId="{1317B38D-2A30-4107-9F27-1500BCF7FC6F}" sibTransId="{DE121C5A-11BE-40E6-8198-0350C8D6F7E3}"/>
+    <dgm:cxn modelId="{775362DD-7045-4F1C-AA3F-3062D1029467}" type="presOf" srcId="{D23EB86A-71BB-4A40-A569-8B77FDBE02FA}" destId="{A75A51E0-87EF-40A0-961A-12248580B45C}" srcOrd="1" destOrd="0" presId="urn:microsoft.com/office/officeart/2005/8/layout/hierarchy3"/>
+    <dgm:cxn modelId="{DE2D8074-B02B-4163-ABB6-4E5E83ACBA7D}" srcId="{2532EC49-0FBE-4774-B31A-BBBB468170F7}" destId="{B66C6E76-A77D-4BAE-A190-E7C7B99630D5}" srcOrd="1" destOrd="0" parTransId="{B563D8E4-CC74-46B1-AD2F-0A19BF88D530}" sibTransId="{3A1A347E-7FA0-4BF5-BF25-0A9BF0BDF025}"/>
+    <dgm:cxn modelId="{C700B7A0-B850-465C-92CF-40C1B3CB7820}" srcId="{D23EB86A-71BB-4A40-A569-8B77FDBE02FA}" destId="{E37FFE57-7D3E-4712-B6FD-24123D60E026}" srcOrd="0" destOrd="0" parTransId="{1D5B013C-3814-4DBA-A114-793515C3A175}" sibTransId="{58BF5B3D-7E93-45F1-9609-42AD7A3F58C9}"/>
+    <dgm:cxn modelId="{AF1A09EC-49C6-4006-B436-7A9942329C9D}" type="presOf" srcId="{49F53E7A-EFE3-49C9-BF91-10D4091DFF4B}" destId="{6817C1B7-11FB-4758-B864-210D01678FDC}" srcOrd="0" destOrd="0" presId="urn:microsoft.com/office/officeart/2005/8/layout/hierarchy3"/>
+    <dgm:cxn modelId="{C6AEAA7A-BF9A-4195-B4A4-5F0A6B9FD8BF}" type="presOf" srcId="{6D187876-D73A-4DA0-8A96-0B77CF7C51D8}" destId="{548B7762-B5B8-4C69-88AE-F72473B32CBC}" srcOrd="0" destOrd="0" presId="urn:microsoft.com/office/officeart/2005/8/layout/hierarchy3"/>
+    <dgm:cxn modelId="{8DBEE0CF-9820-4CCB-9C43-3E263D8F0A78}" type="presOf" srcId="{27188142-555D-4CE0-8FCC-5EF4E1AE4524}" destId="{4A64C365-06C2-46B7-B947-59EF5BE39B6D}" srcOrd="0" destOrd="0" presId="urn:microsoft.com/office/officeart/2005/8/layout/hierarchy3"/>
+    <dgm:cxn modelId="{C93775F6-F432-4330-8A6D-42759A0EB22C}" srcId="{B66C6E76-A77D-4BAE-A190-E7C7B99630D5}" destId="{26EAFC01-7D93-44D6-B927-7C773411E24C}" srcOrd="1" destOrd="0" parTransId="{8BD967C0-A55D-48F9-95B1-733E8F50B17C}" sibTransId="{DDE37BE1-2D8B-4961-ACB4-7512244992A5}"/>
+    <dgm:cxn modelId="{8212B852-43EB-4FCB-93B4-34B834DF133D}" srcId="{B66C6E76-A77D-4BAE-A190-E7C7B99630D5}" destId="{49F53E7A-EFE3-49C9-BF91-10D4091DFF4B}" srcOrd="0" destOrd="0" parTransId="{7B27C1B8-5A68-42C8-A979-98E005722E76}" sibTransId="{A06AD473-1F5F-4C00-8E2A-03122FCC05B6}"/>
+    <dgm:cxn modelId="{8CE7A1E4-01AE-4101-A0D1-215458C22FFF}" type="presOf" srcId="{391C7100-F7CB-404F-9784-D4A0A18ED1F2}" destId="{D69BB881-E2F5-44B9-9DBD-6D90C7DB7496}" srcOrd="0" destOrd="0" presId="urn:microsoft.com/office/officeart/2005/8/layout/hierarchy3"/>
     <dgm:cxn modelId="{3D0A4717-B8D7-4576-9FA5-10F0E5488DE9}" type="presOf" srcId="{D23EB86A-71BB-4A40-A569-8B77FDBE02FA}" destId="{72B13844-B30E-425B-9C7A-1663396A215A}" srcOrd="0" destOrd="0" presId="urn:microsoft.com/office/officeart/2005/8/layout/hierarchy3"/>
-    <dgm:cxn modelId="{0DAEDA3B-FE33-4B1C-9C27-E2E206218952}" srcId="{D23EB86A-71BB-4A40-A569-8B77FDBE02FA}" destId="{2B7155C7-BEBA-47E6-A611-578103620110}" srcOrd="4" destOrd="0" parTransId="{3F425AB1-C509-4C12-835D-8FB48463C56E}" sibTransId="{838E31E3-BBA0-4DFD-8508-33E3D64F2DF2}"/>
-    <dgm:cxn modelId="{9BEBC980-A36E-4C4A-A8DA-4CB6EEA808A1}" srcId="{D23EB86A-71BB-4A40-A569-8B77FDBE02FA}" destId="{548E3DBA-F067-4E78-8538-35AFB2F1818B}" srcOrd="5" destOrd="0" parTransId="{27188142-555D-4CE0-8FCC-5EF4E1AE4524}" sibTransId="{8FD1163F-C701-4469-B412-1D17C50819E9}"/>
-    <dgm:cxn modelId="{E6C387B6-7931-4BB6-ABF0-EC9F8067348D}" type="presOf" srcId="{3839A656-D98B-47E9-A658-DF73304CEB18}" destId="{E91EC1B8-A184-48D1-9A69-E934B5C7B28A}" srcOrd="0" destOrd="0" presId="urn:microsoft.com/office/officeart/2005/8/layout/hierarchy3"/>
+    <dgm:cxn modelId="{B7DA8A26-DCF4-479F-8D62-54606673305A}" type="presOf" srcId="{3F425AB1-C509-4C12-835D-8FB48463C56E}" destId="{B128F964-9EE8-46FF-B519-C8284E2BB040}" srcOrd="0" destOrd="0" presId="urn:microsoft.com/office/officeart/2005/8/layout/hierarchy3"/>
+    <dgm:cxn modelId="{5ECC07F0-D5CC-4968-A0C6-9C1D48CA3C36}" srcId="{2532EC49-0FBE-4774-B31A-BBBB468170F7}" destId="{D23EB86A-71BB-4A40-A569-8B77FDBE02FA}" srcOrd="0" destOrd="0" parTransId="{6D067A31-E2BD-456C-9D7E-4D8644E3311A}" sibTransId="{D4EEEF3F-A295-43A8-97BA-8D293266F8CC}"/>
+    <dgm:cxn modelId="{1AF40643-3595-471D-A426-BD67B82D5BD6}" type="presOf" srcId="{E37FFE57-7D3E-4712-B6FD-24123D60E026}" destId="{62B5FB75-42A9-43BC-8FD2-7AB5067B12F7}" srcOrd="0" destOrd="0" presId="urn:microsoft.com/office/officeart/2005/8/layout/hierarchy3"/>
     <dgm:cxn modelId="{C571757F-977E-42C8-9358-F310B414AE16}" type="presOf" srcId="{EE83A711-B233-4784-8790-B3D0B5AA4273}" destId="{7E81931F-3C81-4DB3-82D5-109D76282892}" srcOrd="0" destOrd="0" presId="urn:microsoft.com/office/officeart/2005/8/layout/hierarchy3"/>
-    <dgm:cxn modelId="{10F3401B-B541-4202-8EB4-FC6B333D53C3}" type="presOf" srcId="{7B27C1B8-5A68-42C8-A979-98E005722E76}" destId="{665B2015-8348-4619-A88A-458FE46C5216}" srcOrd="0" destOrd="0" presId="urn:microsoft.com/office/officeart/2005/8/layout/hierarchy3"/>
-    <dgm:cxn modelId="{04D223AD-2624-412D-ADE6-DA2BEFC8FCB6}" type="presOf" srcId="{8BD967C0-A55D-48F9-95B1-733E8F50B17C}" destId="{0B3358E2-26D5-461E-AD31-7A4654034337}" srcOrd="0" destOrd="0" presId="urn:microsoft.com/office/officeart/2005/8/layout/hierarchy3"/>
-    <dgm:cxn modelId="{C765AA97-1366-4652-8C13-4650968F60CF}" type="presOf" srcId="{2532EC49-0FBE-4774-B31A-BBBB468170F7}" destId="{630F3D18-F2FD-492C-B34C-7F4ABA982010}" srcOrd="0" destOrd="0" presId="urn:microsoft.com/office/officeart/2005/8/layout/hierarchy3"/>
-    <dgm:cxn modelId="{4153DA9D-BE1A-43D1-84E0-B20DC04273A1}" type="presOf" srcId="{B66C6E76-A77D-4BAE-A190-E7C7B99630D5}" destId="{06CA16BD-3E66-4C53-92B0-52C52AD63648}" srcOrd="1" destOrd="0" presId="urn:microsoft.com/office/officeart/2005/8/layout/hierarchy3"/>
-    <dgm:cxn modelId="{77917A58-C306-4CDB-9728-8CABB9E90F23}" srcId="{B66C6E76-A77D-4BAE-A190-E7C7B99630D5}" destId="{E4BAB214-F282-46A9-895A-D9BD0E84DB3F}" srcOrd="4" destOrd="0" parTransId="{1317B38D-2A30-4107-9F27-1500BCF7FC6F}" sibTransId="{DE121C5A-11BE-40E6-8198-0350C8D6F7E3}"/>
-    <dgm:cxn modelId="{6790B4E7-E0EE-41EB-945C-C376AB2B23D3}" type="presOf" srcId="{EFA38823-71A3-47C6-B0F4-1CB6C01186B4}" destId="{7FB5A010-9A56-4829-B858-D0D824AEF6AD}" srcOrd="0" destOrd="0" presId="urn:microsoft.com/office/officeart/2005/8/layout/hierarchy3"/>
-    <dgm:cxn modelId="{8CE7A1E4-01AE-4101-A0D1-215458C22FFF}" type="presOf" srcId="{391C7100-F7CB-404F-9784-D4A0A18ED1F2}" destId="{D69BB881-E2F5-44B9-9DBD-6D90C7DB7496}" srcOrd="0" destOrd="0" presId="urn:microsoft.com/office/officeart/2005/8/layout/hierarchy3"/>
-    <dgm:cxn modelId="{C700B7A0-B850-465C-92CF-40C1B3CB7820}" srcId="{D23EB86A-71BB-4A40-A569-8B77FDBE02FA}" destId="{E37FFE57-7D3E-4712-B6FD-24123D60E026}" srcOrd="0" destOrd="0" parTransId="{1D5B013C-3814-4DBA-A114-793515C3A175}" sibTransId="{58BF5B3D-7E93-45F1-9609-42AD7A3F58C9}"/>
-    <dgm:cxn modelId="{A72944CA-EA98-4912-BD8E-D7A0B9B4AAED}" type="presOf" srcId="{E4BAB214-F282-46A9-895A-D9BD0E84DB3F}" destId="{5F110DA3-1DE8-4F12-A68F-86C4A5BF1E8C}" srcOrd="0" destOrd="0" presId="urn:microsoft.com/office/officeart/2005/8/layout/hierarchy3"/>
-    <dgm:cxn modelId="{8DBEE0CF-9820-4CCB-9C43-3E263D8F0A78}" type="presOf" srcId="{27188142-555D-4CE0-8FCC-5EF4E1AE4524}" destId="{4A64C365-06C2-46B7-B947-59EF5BE39B6D}" srcOrd="0" destOrd="0" presId="urn:microsoft.com/office/officeart/2005/8/layout/hierarchy3"/>
-    <dgm:cxn modelId="{63DAAF5A-D4FF-4C0A-9DE7-FE4E42A34343}" srcId="{B66C6E76-A77D-4BAE-A190-E7C7B99630D5}" destId="{6D187876-D73A-4DA0-8A96-0B77CF7C51D8}" srcOrd="2" destOrd="0" parTransId="{E37E2F2F-CD39-482B-9878-0ED5657CF008}" sibTransId="{EE27B221-B777-430B-861D-692C62998E99}"/>
-    <dgm:cxn modelId="{8212B852-43EB-4FCB-93B4-34B834DF133D}" srcId="{B66C6E76-A77D-4BAE-A190-E7C7B99630D5}" destId="{49F53E7A-EFE3-49C9-BF91-10D4091DFF4B}" srcOrd="0" destOrd="0" parTransId="{7B27C1B8-5A68-42C8-A979-98E005722E76}" sibTransId="{A06AD473-1F5F-4C00-8E2A-03122FCC05B6}"/>
-    <dgm:cxn modelId="{E82A3251-91DA-4815-893B-2CB56E9913F8}" type="presOf" srcId="{37769943-29F6-4B68-A449-5DEE7577C941}" destId="{6CF04F40-20BC-4EE2-A8E0-91CE9C5F4FA8}" srcOrd="0" destOrd="0" presId="urn:microsoft.com/office/officeart/2005/8/layout/hierarchy3"/>
     <dgm:cxn modelId="{F3019377-656E-4845-BB8D-F38DE89FFE4F}" type="presOf" srcId="{E37E2F2F-CD39-482B-9878-0ED5657CF008}" destId="{2F157E92-6736-4A13-A6CB-BE96A53AFD9F}" srcOrd="0" destOrd="0" presId="urn:microsoft.com/office/officeart/2005/8/layout/hierarchy3"/>
-    <dgm:cxn modelId="{0FFF8C14-2898-4723-981D-EC8EE61DB3B7}" type="presOf" srcId="{548E3DBA-F067-4E78-8538-35AFB2F1818B}" destId="{831964B1-E01A-4C78-9158-C8D63428B7DA}" srcOrd="0" destOrd="0" presId="urn:microsoft.com/office/officeart/2005/8/layout/hierarchy3"/>
-    <dgm:cxn modelId="{1AF40643-3595-471D-A426-BD67B82D5BD6}" type="presOf" srcId="{E37FFE57-7D3E-4712-B6FD-24123D60E026}" destId="{62B5FB75-42A9-43BC-8FD2-7AB5067B12F7}" srcOrd="0" destOrd="0" presId="urn:microsoft.com/office/officeart/2005/8/layout/hierarchy3"/>
-    <dgm:cxn modelId="{AF1A09EC-49C6-4006-B436-7A9942329C9D}" type="presOf" srcId="{49F53E7A-EFE3-49C9-BF91-10D4091DFF4B}" destId="{6817C1B7-11FB-4758-B864-210D01678FDC}" srcOrd="0" destOrd="0" presId="urn:microsoft.com/office/officeart/2005/8/layout/hierarchy3"/>
-    <dgm:cxn modelId="{76A55E50-AF99-47A3-9455-AAFCB2256592}" srcId="{D23EB86A-71BB-4A40-A569-8B77FDBE02FA}" destId="{EE83A711-B233-4784-8790-B3D0B5AA4273}" srcOrd="2" destOrd="0" parTransId="{37769943-29F6-4B68-A449-5DEE7577C941}" sibTransId="{A43C7F0B-AC09-44C4-A7DC-DA92D0A575C5}"/>
-    <dgm:cxn modelId="{0B714DB5-1905-4C10-B2C3-52DE000CC7EE}" type="presOf" srcId="{2B7155C7-BEBA-47E6-A611-578103620110}" destId="{3548ED33-673B-47FB-8DF9-F219CFA710BC}" srcOrd="0" destOrd="0" presId="urn:microsoft.com/office/officeart/2005/8/layout/hierarchy3"/>
-    <dgm:cxn modelId="{DE2D8074-B02B-4163-ABB6-4E5E83ACBA7D}" srcId="{2532EC49-0FBE-4774-B31A-BBBB468170F7}" destId="{B66C6E76-A77D-4BAE-A190-E7C7B99630D5}" srcOrd="1" destOrd="0" parTransId="{B563D8E4-CC74-46B1-AD2F-0A19BF88D530}" sibTransId="{3A1A347E-7FA0-4BF5-BF25-0A9BF0BDF025}"/>
-    <dgm:cxn modelId="{4E9237CA-E46C-41CD-95BD-742F8950EEB9}" srcId="{B66C6E76-A77D-4BAE-A190-E7C7B99630D5}" destId="{95D8C2BB-FFF3-4F61-8445-6BF1251A0DDC}" srcOrd="3" destOrd="0" parTransId="{391C7100-F7CB-404F-9784-D4A0A18ED1F2}" sibTransId="{18C0857F-72C1-4B18-89F2-5D3B4F04A762}"/>
-    <dgm:cxn modelId="{4BA34B07-DA3A-4E4B-B5DC-913EF5747AE2}" type="presOf" srcId="{1317B38D-2A30-4107-9F27-1500BCF7FC6F}" destId="{4F01DEA1-6963-411C-B81A-F6998C0C045E}" srcOrd="0" destOrd="0" presId="urn:microsoft.com/office/officeart/2005/8/layout/hierarchy3"/>
-    <dgm:cxn modelId="{4FD3DC13-0721-431D-8738-4EDFC6E8A940}" type="presOf" srcId="{26EAFC01-7D93-44D6-B927-7C773411E24C}" destId="{0E7FBF3B-7D1F-4A68-8FFB-C953C781DE15}" srcOrd="0" destOrd="0" presId="urn:microsoft.com/office/officeart/2005/8/layout/hierarchy3"/>
-    <dgm:cxn modelId="{950CD349-9C7F-4583-8ED7-AE6EB571A6CD}" type="presOf" srcId="{DA8DF7CA-1898-479A-AB8B-30F622A20386}" destId="{59F0254C-AFAD-4E3D-A8F7-6171D1D72BE5}" srcOrd="0" destOrd="0" presId="urn:microsoft.com/office/officeart/2005/8/layout/hierarchy3"/>
-    <dgm:cxn modelId="{C93775F6-F432-4330-8A6D-42759A0EB22C}" srcId="{B66C6E76-A77D-4BAE-A190-E7C7B99630D5}" destId="{26EAFC01-7D93-44D6-B927-7C773411E24C}" srcOrd="1" destOrd="0" parTransId="{8BD967C0-A55D-48F9-95B1-733E8F50B17C}" sibTransId="{DDE37BE1-2D8B-4961-ACB4-7512244992A5}"/>
-    <dgm:cxn modelId="{F989FA39-FD22-4920-A3AF-2C476F51F7CD}" type="presOf" srcId="{D28794C1-D31F-40DE-AE24-412233A7CACB}" destId="{CC93376A-112F-470C-A92E-6B9C4768A381}" srcOrd="0" destOrd="0" presId="urn:microsoft.com/office/officeart/2005/8/layout/hierarchy3"/>
-    <dgm:cxn modelId="{C1C2960F-E59B-4440-A2DC-E6C8222CBDEE}" srcId="{D23EB86A-71BB-4A40-A569-8B77FDBE02FA}" destId="{C1E12F4A-6EB8-4EF1-9A2E-60BEBFA81592}" srcOrd="1" destOrd="0" parTransId="{3839A656-D98B-47E9-A658-DF73304CEB18}" sibTransId="{22D1E09B-DC05-4745-B8F2-30FA2BC8B359}"/>
-    <dgm:cxn modelId="{61C9982F-CD29-461E-B7A2-844320B3320E}" type="presOf" srcId="{D29747DE-81BE-44CC-ADFA-D349E8B24264}" destId="{8C1715B6-BA7B-438E-97EB-8AEC5ECBF87A}" srcOrd="0" destOrd="0" presId="urn:microsoft.com/office/officeart/2005/8/layout/hierarchy3"/>
-    <dgm:cxn modelId="{C21777D7-7565-44BF-85F7-0C02E051AAA0}" type="presOf" srcId="{B66C6E76-A77D-4BAE-A190-E7C7B99630D5}" destId="{2D6695BE-25C1-46C7-8352-964F3DB123E4}" srcOrd="0" destOrd="0" presId="urn:microsoft.com/office/officeart/2005/8/layout/hierarchy3"/>
-    <dgm:cxn modelId="{B7DA8A26-DCF4-479F-8D62-54606673305A}" type="presOf" srcId="{3F425AB1-C509-4C12-835D-8FB48463C56E}" destId="{B128F964-9EE8-46FF-B519-C8284E2BB040}" srcOrd="0" destOrd="0" presId="urn:microsoft.com/office/officeart/2005/8/layout/hierarchy3"/>
-    <dgm:cxn modelId="{C63FD1B0-EEE3-4366-A02B-3EBF816D33FA}" srcId="{B66C6E76-A77D-4BAE-A190-E7C7B99630D5}" destId="{EFA38823-71A3-47C6-B0F4-1CB6C01186B4}" srcOrd="5" destOrd="0" parTransId="{6D2CB1FD-153F-413A-9094-97A8C82D1A59}" sibTransId="{F36243A3-0694-4470-B3FF-00EC19796C92}"/>
-    <dgm:cxn modelId="{9C9BE23E-6612-44C5-9CFE-9CC7832BF2A5}" srcId="{D23EB86A-71BB-4A40-A569-8B77FDBE02FA}" destId="{D29747DE-81BE-44CC-ADFA-D349E8B24264}" srcOrd="3" destOrd="0" parTransId="{DA8DF7CA-1898-479A-AB8B-30F622A20386}" sibTransId="{F71EDA71-5AF9-41DC-841C-C32CB38CA494}"/>
-    <dgm:cxn modelId="{5ECC07F0-D5CC-4968-A0C6-9C1D48CA3C36}" srcId="{2532EC49-0FBE-4774-B31A-BBBB468170F7}" destId="{D23EB86A-71BB-4A40-A569-8B77FDBE02FA}" srcOrd="0" destOrd="0" parTransId="{6D067A31-E2BD-456C-9D7E-4D8644E3311A}" sibTransId="{D4EEEF3F-A295-43A8-97BA-8D293266F8CC}"/>
-    <dgm:cxn modelId="{775362DD-7045-4F1C-AA3F-3062D1029467}" type="presOf" srcId="{D23EB86A-71BB-4A40-A569-8B77FDBE02FA}" destId="{A75A51E0-87EF-40A0-961A-12248580B45C}" srcOrd="1" destOrd="0" presId="urn:microsoft.com/office/officeart/2005/8/layout/hierarchy3"/>
-    <dgm:cxn modelId="{C6AEAA7A-BF9A-4195-B4A4-5F0A6B9FD8BF}" type="presOf" srcId="{6D187876-D73A-4DA0-8A96-0B77CF7C51D8}" destId="{548B7762-B5B8-4C69-88AE-F72473B32CBC}" srcOrd="0" destOrd="0" presId="urn:microsoft.com/office/officeart/2005/8/layout/hierarchy3"/>
-    <dgm:cxn modelId="{7D6FF0F7-548D-4CE5-8A7E-1EB8380B0229}" type="presOf" srcId="{C1E12F4A-6EB8-4EF1-9A2E-60BEBFA81592}" destId="{4BFBAF82-2A9D-4DC1-A988-0880718FA259}" srcOrd="0" destOrd="0" presId="urn:microsoft.com/office/officeart/2005/8/layout/hierarchy3"/>
-    <dgm:cxn modelId="{126129EF-FD55-4092-A572-7657075334A6}" type="presOf" srcId="{95D8C2BB-FFF3-4F61-8445-6BF1251A0DDC}" destId="{50E43E93-9EF6-4576-8695-D64977549991}" srcOrd="0" destOrd="0" presId="urn:microsoft.com/office/officeart/2005/8/layout/hierarchy3"/>
-    <dgm:cxn modelId="{AB861BCE-5919-4B0A-A9F5-9564E777362E}" type="presOf" srcId="{52572F2B-AAE6-4BE9-9BBD-CB4C6B7CD675}" destId="{A5E6D460-1049-4DD1-B5F1-BB5A03E46C6F}" srcOrd="0" destOrd="0" presId="urn:microsoft.com/office/officeart/2005/8/layout/hierarchy3"/>
-    <dgm:cxn modelId="{36B9DA8C-A689-4553-832D-61EB7B85622D}" srcId="{D23EB86A-71BB-4A40-A569-8B77FDBE02FA}" destId="{52572F2B-AAE6-4BE9-9BBD-CB4C6B7CD675}" srcOrd="6" destOrd="0" parTransId="{D28794C1-D31F-40DE-AE24-412233A7CACB}" sibTransId="{77A8EC62-DEC3-4292-ABC8-A6168E4C97F0}"/>
-    <dgm:cxn modelId="{A2F9B0F4-AA78-4158-8B2E-635DF7ACED91}" type="presOf" srcId="{6D2CB1FD-153F-413A-9094-97A8C82D1A59}" destId="{42A4DB9D-6604-49D8-A581-EB7995E16BE9}" srcOrd="0" destOrd="0" presId="urn:microsoft.com/office/officeart/2005/8/layout/hierarchy3"/>
     <dgm:cxn modelId="{0AA03739-D2AB-4404-B06F-16926BA2ADE5}" type="presParOf" srcId="{630F3D18-F2FD-492C-B34C-7F4ABA982010}" destId="{95A8F5A5-B508-4717-9764-313C12304A7F}" srcOrd="0" destOrd="0" presId="urn:microsoft.com/office/officeart/2005/8/layout/hierarchy3"/>
     <dgm:cxn modelId="{2D7F8ACA-CF27-4639-B557-8DA473DB66FB}" type="presParOf" srcId="{95A8F5A5-B508-4717-9764-313C12304A7F}" destId="{98AA41C0-3CF6-433B-B897-F1DC4F31436D}" srcOrd="0" destOrd="0" presId="urn:microsoft.com/office/officeart/2005/8/layout/hierarchy3"/>
     <dgm:cxn modelId="{372AD94D-EE9D-4370-889F-61BD7C880DE7}" type="presParOf" srcId="{98AA41C0-3CF6-433B-B897-F1DC4F31436D}" destId="{72B13844-B30E-425B-9C7A-1663396A215A}" srcOrd="0" destOrd="0" presId="urn:microsoft.com/office/officeart/2005/8/layout/hierarchy3"/>
@@ -2037,6 +2053,2002 @@
       <dsp:cNvGrpSpPr/>
     </dsp:nvGrpSpPr>
     <dsp:grpSpPr/>
+    <dsp:sp modelId="{72B13844-B30E-425B-9C7A-1663396A215A}">
+      <dsp:nvSpPr>
+        <dsp:cNvPr id="0" name=""/>
+        <dsp:cNvSpPr/>
+      </dsp:nvSpPr>
+      <dsp:spPr>
+        <a:xfrm>
+          <a:off x="1746298" y="3576"/>
+          <a:ext cx="1003750" cy="501875"/>
+        </a:xfrm>
+        <a:prstGeom prst="roundRect">
+          <a:avLst>
+            <a:gd name="adj" fmla="val 10000"/>
+          </a:avLst>
+        </a:prstGeom>
+        <a:gradFill rotWithShape="0">
+          <a:gsLst>
+            <a:gs pos="0">
+              <a:schemeClr val="accent1">
+                <a:hueOff val="0"/>
+                <a:satOff val="0"/>
+                <a:lumOff val="0"/>
+                <a:alphaOff val="0"/>
+                <a:tint val="98000"/>
+                <a:lumMod val="114000"/>
+              </a:schemeClr>
+            </a:gs>
+            <a:gs pos="100000">
+              <a:schemeClr val="accent1">
+                <a:hueOff val="0"/>
+                <a:satOff val="0"/>
+                <a:lumOff val="0"/>
+                <a:alphaOff val="0"/>
+                <a:shade val="90000"/>
+                <a:lumMod val="84000"/>
+              </a:schemeClr>
+            </a:gs>
+          </a:gsLst>
+          <a:lin ang="5400000" scaled="0"/>
+        </a:gradFill>
+        <a:ln>
+          <a:noFill/>
+        </a:ln>
+        <a:effectLst>
+          <a:outerShdw blurRad="38100" dist="25400" dir="5400000" rotWithShape="0">
+            <a:srgbClr val="000000">
+              <a:alpha val="45000"/>
+            </a:srgbClr>
+          </a:outerShdw>
+        </a:effectLst>
+      </dsp:spPr>
+      <dsp:style>
+        <a:lnRef idx="0">
+          <a:scrgbClr r="0" g="0" b="0"/>
+        </a:lnRef>
+        <a:fillRef idx="3">
+          <a:scrgbClr r="0" g="0" b="0"/>
+        </a:fillRef>
+        <a:effectRef idx="2">
+          <a:scrgbClr r="0" g="0" b="0"/>
+        </a:effectRef>
+        <a:fontRef idx="minor">
+          <a:schemeClr val="lt1"/>
+        </a:fontRef>
+      </dsp:style>
+      <dsp:txBody>
+        <a:bodyPr spcFirstLastPara="0" vert="horz" wrap="square" lIns="51435" tIns="34290" rIns="51435" bIns="34290" numCol="1" spcCol="1270" anchor="ctr" anchorCtr="0">
+          <a:noAutofit/>
+        </a:bodyPr>
+        <a:lstStyle/>
+        <a:p>
+          <a:pPr lvl="0" algn="ctr" defTabSz="1200150">
+            <a:lnSpc>
+              <a:spcPct val="90000"/>
+            </a:lnSpc>
+            <a:spcBef>
+              <a:spcPct val="0"/>
+            </a:spcBef>
+            <a:spcAft>
+              <a:spcPct val="35000"/>
+            </a:spcAft>
+          </a:pPr>
+          <a:r>
+            <a:rPr lang="pt-PT" sz="2700" kern="1200" dirty="0" smtClean="0"/>
+            <a:t>Pros</a:t>
+          </a:r>
+          <a:endParaRPr lang="pt-PT" sz="2700" kern="1200" dirty="0"/>
+        </a:p>
+      </dsp:txBody>
+      <dsp:txXfrm>
+        <a:off x="1760997" y="18275"/>
+        <a:ext cx="974352" cy="472477"/>
+      </dsp:txXfrm>
+    </dsp:sp>
+    <dsp:sp modelId="{36E41940-D6AE-4B61-9614-578943ADDEBE}">
+      <dsp:nvSpPr>
+        <dsp:cNvPr id="0" name=""/>
+        <dsp:cNvSpPr/>
+      </dsp:nvSpPr>
+      <dsp:spPr>
+        <a:xfrm>
+          <a:off x="1846673" y="505451"/>
+          <a:ext cx="100375" cy="322391"/>
+        </a:xfrm>
+        <a:custGeom>
+          <a:avLst/>
+          <a:gdLst/>
+          <a:ahLst/>
+          <a:cxnLst/>
+          <a:rect l="0" t="0" r="0" b="0"/>
+          <a:pathLst>
+            <a:path>
+              <a:moveTo>
+                <a:pt x="0" y="0"/>
+              </a:moveTo>
+              <a:lnTo>
+                <a:pt x="0" y="322391"/>
+              </a:lnTo>
+              <a:lnTo>
+                <a:pt x="100375" y="322391"/>
+              </a:lnTo>
+            </a:path>
+          </a:pathLst>
+        </a:custGeom>
+        <a:noFill/>
+        <a:ln w="9525" cap="rnd" cmpd="sng" algn="ctr">
+          <a:solidFill>
+            <a:schemeClr val="accent1">
+              <a:shade val="60000"/>
+              <a:hueOff val="0"/>
+              <a:satOff val="0"/>
+              <a:lumOff val="0"/>
+              <a:alphaOff val="0"/>
+            </a:schemeClr>
+          </a:solidFill>
+          <a:prstDash val="solid"/>
+        </a:ln>
+        <a:effectLst/>
+      </dsp:spPr>
+      <dsp:style>
+        <a:lnRef idx="1">
+          <a:scrgbClr r="0" g="0" b="0"/>
+        </a:lnRef>
+        <a:fillRef idx="0">
+          <a:scrgbClr r="0" g="0" b="0"/>
+        </a:fillRef>
+        <a:effectRef idx="0">
+          <a:scrgbClr r="0" g="0" b="0"/>
+        </a:effectRef>
+        <a:fontRef idx="minor"/>
+      </dsp:style>
+    </dsp:sp>
+    <dsp:sp modelId="{62B5FB75-42A9-43BC-8FD2-7AB5067B12F7}">
+      <dsp:nvSpPr>
+        <dsp:cNvPr id="0" name=""/>
+        <dsp:cNvSpPr/>
+      </dsp:nvSpPr>
+      <dsp:spPr>
+        <a:xfrm>
+          <a:off x="1947049" y="599717"/>
+          <a:ext cx="730000" cy="456250"/>
+        </a:xfrm>
+        <a:prstGeom prst="roundRect">
+          <a:avLst>
+            <a:gd name="adj" fmla="val 10000"/>
+          </a:avLst>
+        </a:prstGeom>
+        <a:solidFill>
+          <a:schemeClr val="lt1">
+            <a:alpha val="90000"/>
+            <a:hueOff val="0"/>
+            <a:satOff val="0"/>
+            <a:lumOff val="0"/>
+            <a:alphaOff val="0"/>
+          </a:schemeClr>
+        </a:solidFill>
+        <a:ln w="9525" cap="rnd" cmpd="sng" algn="ctr">
+          <a:solidFill>
+            <a:schemeClr val="accent1">
+              <a:hueOff val="0"/>
+              <a:satOff val="0"/>
+              <a:lumOff val="0"/>
+              <a:alphaOff val="0"/>
+            </a:schemeClr>
+          </a:solidFill>
+          <a:prstDash val="solid"/>
+        </a:ln>
+        <a:effectLst/>
+      </dsp:spPr>
+      <dsp:style>
+        <a:lnRef idx="1">
+          <a:scrgbClr r="0" g="0" b="0"/>
+        </a:lnRef>
+        <a:fillRef idx="1">
+          <a:scrgbClr r="0" g="0" b="0"/>
+        </a:fillRef>
+        <a:effectRef idx="0">
+          <a:scrgbClr r="0" g="0" b="0"/>
+        </a:effectRef>
+        <a:fontRef idx="minor"/>
+      </dsp:style>
+      <dsp:txBody>
+        <a:bodyPr spcFirstLastPara="0" vert="horz" wrap="square" lIns="15240" tIns="10160" rIns="15240" bIns="10160" numCol="1" spcCol="1270" anchor="ctr" anchorCtr="0">
+          <a:noAutofit/>
+        </a:bodyPr>
+        <a:lstStyle/>
+        <a:p>
+          <a:pPr lvl="0" algn="ctr" defTabSz="355600">
+            <a:lnSpc>
+              <a:spcPct val="90000"/>
+            </a:lnSpc>
+            <a:spcBef>
+              <a:spcPct val="0"/>
+            </a:spcBef>
+            <a:spcAft>
+              <a:spcPct val="35000"/>
+            </a:spcAft>
+          </a:pPr>
+          <a:r>
+            <a:rPr lang="pt-PT" sz="800" kern="1200" dirty="0" smtClean="0"/>
+            <a:t>Efficient</a:t>
+          </a:r>
+          <a:endParaRPr lang="pt-PT" sz="700" kern="1200" dirty="0"/>
+        </a:p>
+      </dsp:txBody>
+      <dsp:txXfrm>
+        <a:off x="1960412" y="613080"/>
+        <a:ext cx="703274" cy="429524"/>
+      </dsp:txXfrm>
+    </dsp:sp>
+    <dsp:sp modelId="{E91EC1B8-A184-48D1-9A69-E934B5C7B28A}">
+      <dsp:nvSpPr>
+        <dsp:cNvPr id="0" name=""/>
+        <dsp:cNvSpPr/>
+      </dsp:nvSpPr>
+      <dsp:spPr>
+        <a:xfrm>
+          <a:off x="1846673" y="505451"/>
+          <a:ext cx="100375" cy="872908"/>
+        </a:xfrm>
+        <a:custGeom>
+          <a:avLst/>
+          <a:gdLst/>
+          <a:ahLst/>
+          <a:cxnLst/>
+          <a:rect l="0" t="0" r="0" b="0"/>
+          <a:pathLst>
+            <a:path>
+              <a:moveTo>
+                <a:pt x="0" y="0"/>
+              </a:moveTo>
+              <a:lnTo>
+                <a:pt x="0" y="872908"/>
+              </a:lnTo>
+              <a:lnTo>
+                <a:pt x="100375" y="872908"/>
+              </a:lnTo>
+            </a:path>
+          </a:pathLst>
+        </a:custGeom>
+        <a:noFill/>
+        <a:ln w="9525" cap="rnd" cmpd="sng" algn="ctr">
+          <a:solidFill>
+            <a:schemeClr val="accent1">
+              <a:shade val="60000"/>
+              <a:hueOff val="0"/>
+              <a:satOff val="0"/>
+              <a:lumOff val="0"/>
+              <a:alphaOff val="0"/>
+            </a:schemeClr>
+          </a:solidFill>
+          <a:prstDash val="solid"/>
+        </a:ln>
+        <a:effectLst/>
+      </dsp:spPr>
+      <dsp:style>
+        <a:lnRef idx="1">
+          <a:scrgbClr r="0" g="0" b="0"/>
+        </a:lnRef>
+        <a:fillRef idx="0">
+          <a:scrgbClr r="0" g="0" b="0"/>
+        </a:fillRef>
+        <a:effectRef idx="0">
+          <a:scrgbClr r="0" g="0" b="0"/>
+        </a:effectRef>
+        <a:fontRef idx="minor"/>
+      </dsp:style>
+    </dsp:sp>
+    <dsp:sp modelId="{4BFBAF82-2A9D-4DC1-A988-0880718FA259}">
+      <dsp:nvSpPr>
+        <dsp:cNvPr id="0" name=""/>
+        <dsp:cNvSpPr/>
+      </dsp:nvSpPr>
+      <dsp:spPr>
+        <a:xfrm>
+          <a:off x="1947049" y="1150234"/>
+          <a:ext cx="730000" cy="456250"/>
+        </a:xfrm>
+        <a:prstGeom prst="roundRect">
+          <a:avLst>
+            <a:gd name="adj" fmla="val 10000"/>
+          </a:avLst>
+        </a:prstGeom>
+        <a:solidFill>
+          <a:schemeClr val="lt1">
+            <a:alpha val="90000"/>
+            <a:hueOff val="0"/>
+            <a:satOff val="0"/>
+            <a:lumOff val="0"/>
+            <a:alphaOff val="0"/>
+          </a:schemeClr>
+        </a:solidFill>
+        <a:ln w="9525" cap="rnd" cmpd="sng" algn="ctr">
+          <a:solidFill>
+            <a:schemeClr val="accent1">
+              <a:hueOff val="0"/>
+              <a:satOff val="0"/>
+              <a:lumOff val="0"/>
+              <a:alphaOff val="0"/>
+            </a:schemeClr>
+          </a:solidFill>
+          <a:prstDash val="solid"/>
+        </a:ln>
+        <a:effectLst/>
+      </dsp:spPr>
+      <dsp:style>
+        <a:lnRef idx="1">
+          <a:scrgbClr r="0" g="0" b="0"/>
+        </a:lnRef>
+        <a:fillRef idx="1">
+          <a:scrgbClr r="0" g="0" b="0"/>
+        </a:fillRef>
+        <a:effectRef idx="0">
+          <a:scrgbClr r="0" g="0" b="0"/>
+        </a:effectRef>
+        <a:fontRef idx="minor"/>
+      </dsp:style>
+      <dsp:txBody>
+        <a:bodyPr spcFirstLastPara="0" vert="horz" wrap="square" lIns="13335" tIns="8890" rIns="13335" bIns="8890" numCol="1" spcCol="1270" anchor="ctr" anchorCtr="0">
+          <a:noAutofit/>
+        </a:bodyPr>
+        <a:lstStyle/>
+        <a:p>
+          <a:pPr lvl="0" algn="ctr" defTabSz="311150">
+            <a:lnSpc>
+              <a:spcPct val="90000"/>
+            </a:lnSpc>
+            <a:spcBef>
+              <a:spcPct val="0"/>
+            </a:spcBef>
+            <a:spcAft>
+              <a:spcPct val="35000"/>
+            </a:spcAft>
+          </a:pPr>
+          <a:r>
+            <a:rPr lang="pt-PT" sz="700" kern="1200" dirty="0" smtClean="0"/>
+            <a:t>Automatic Build for each commit</a:t>
+          </a:r>
+          <a:endParaRPr lang="pt-PT" sz="700" kern="1200" dirty="0"/>
+        </a:p>
+      </dsp:txBody>
+      <dsp:txXfrm>
+        <a:off x="1960412" y="1163597"/>
+        <a:ext cx="703274" cy="429524"/>
+      </dsp:txXfrm>
+    </dsp:sp>
+    <dsp:sp modelId="{6CF04F40-20BC-4EE2-A8E0-91CE9C5F4FA8}">
+      <dsp:nvSpPr>
+        <dsp:cNvPr id="0" name=""/>
+        <dsp:cNvSpPr/>
+      </dsp:nvSpPr>
+      <dsp:spPr>
+        <a:xfrm>
+          <a:off x="1846673" y="505451"/>
+          <a:ext cx="100375" cy="1423425"/>
+        </a:xfrm>
+        <a:custGeom>
+          <a:avLst/>
+          <a:gdLst/>
+          <a:ahLst/>
+          <a:cxnLst/>
+          <a:rect l="0" t="0" r="0" b="0"/>
+          <a:pathLst>
+            <a:path>
+              <a:moveTo>
+                <a:pt x="0" y="0"/>
+              </a:moveTo>
+              <a:lnTo>
+                <a:pt x="0" y="1423425"/>
+              </a:lnTo>
+              <a:lnTo>
+                <a:pt x="100375" y="1423425"/>
+              </a:lnTo>
+            </a:path>
+          </a:pathLst>
+        </a:custGeom>
+        <a:noFill/>
+        <a:ln w="9525" cap="rnd" cmpd="sng" algn="ctr">
+          <a:solidFill>
+            <a:schemeClr val="accent1">
+              <a:shade val="60000"/>
+              <a:hueOff val="0"/>
+              <a:satOff val="0"/>
+              <a:lumOff val="0"/>
+              <a:alphaOff val="0"/>
+            </a:schemeClr>
+          </a:solidFill>
+          <a:prstDash val="solid"/>
+        </a:ln>
+        <a:effectLst/>
+      </dsp:spPr>
+      <dsp:style>
+        <a:lnRef idx="1">
+          <a:scrgbClr r="0" g="0" b="0"/>
+        </a:lnRef>
+        <a:fillRef idx="0">
+          <a:scrgbClr r="0" g="0" b="0"/>
+        </a:fillRef>
+        <a:effectRef idx="0">
+          <a:scrgbClr r="0" g="0" b="0"/>
+        </a:effectRef>
+        <a:fontRef idx="minor"/>
+      </dsp:style>
+    </dsp:sp>
+    <dsp:sp modelId="{7E81931F-3C81-4DB3-82D5-109D76282892}">
+      <dsp:nvSpPr>
+        <dsp:cNvPr id="0" name=""/>
+        <dsp:cNvSpPr/>
+      </dsp:nvSpPr>
+      <dsp:spPr>
+        <a:xfrm>
+          <a:off x="1947049" y="1700751"/>
+          <a:ext cx="730000" cy="456250"/>
+        </a:xfrm>
+        <a:prstGeom prst="roundRect">
+          <a:avLst>
+            <a:gd name="adj" fmla="val 10000"/>
+          </a:avLst>
+        </a:prstGeom>
+        <a:solidFill>
+          <a:schemeClr val="lt1">
+            <a:alpha val="90000"/>
+            <a:hueOff val="0"/>
+            <a:satOff val="0"/>
+            <a:lumOff val="0"/>
+            <a:alphaOff val="0"/>
+          </a:schemeClr>
+        </a:solidFill>
+        <a:ln w="9525" cap="rnd" cmpd="sng" algn="ctr">
+          <a:solidFill>
+            <a:schemeClr val="accent1">
+              <a:hueOff val="0"/>
+              <a:satOff val="0"/>
+              <a:lumOff val="0"/>
+              <a:alphaOff val="0"/>
+            </a:schemeClr>
+          </a:solidFill>
+          <a:prstDash val="solid"/>
+        </a:ln>
+        <a:effectLst/>
+      </dsp:spPr>
+      <dsp:style>
+        <a:lnRef idx="1">
+          <a:scrgbClr r="0" g="0" b="0"/>
+        </a:lnRef>
+        <a:fillRef idx="1">
+          <a:scrgbClr r="0" g="0" b="0"/>
+        </a:fillRef>
+        <a:effectRef idx="0">
+          <a:scrgbClr r="0" g="0" b="0"/>
+        </a:effectRef>
+        <a:fontRef idx="minor"/>
+      </dsp:style>
+      <dsp:txBody>
+        <a:bodyPr spcFirstLastPara="0" vert="horz" wrap="square" lIns="13335" tIns="8890" rIns="13335" bIns="8890" numCol="1" spcCol="1270" anchor="ctr" anchorCtr="0">
+          <a:noAutofit/>
+        </a:bodyPr>
+        <a:lstStyle/>
+        <a:p>
+          <a:pPr lvl="0" algn="ctr" defTabSz="311150">
+            <a:lnSpc>
+              <a:spcPct val="90000"/>
+            </a:lnSpc>
+            <a:spcBef>
+              <a:spcPct val="0"/>
+            </a:spcBef>
+            <a:spcAft>
+              <a:spcPct val="35000"/>
+            </a:spcAft>
+          </a:pPr>
+          <a:r>
+            <a:rPr lang="pt-PT" sz="700" kern="1200" dirty="0" smtClean="0"/>
+            <a:t>Open Source</a:t>
+          </a:r>
+          <a:endParaRPr lang="pt-PT" sz="700" kern="1200" dirty="0"/>
+        </a:p>
+      </dsp:txBody>
+      <dsp:txXfrm>
+        <a:off x="1960412" y="1714114"/>
+        <a:ext cx="703274" cy="429524"/>
+      </dsp:txXfrm>
+    </dsp:sp>
+    <dsp:sp modelId="{59F0254C-AFAD-4E3D-A8F7-6171D1D72BE5}">
+      <dsp:nvSpPr>
+        <dsp:cNvPr id="0" name=""/>
+        <dsp:cNvSpPr/>
+      </dsp:nvSpPr>
+      <dsp:spPr>
+        <a:xfrm>
+          <a:off x="1846673" y="505451"/>
+          <a:ext cx="100375" cy="1973942"/>
+        </a:xfrm>
+        <a:custGeom>
+          <a:avLst/>
+          <a:gdLst/>
+          <a:ahLst/>
+          <a:cxnLst/>
+          <a:rect l="0" t="0" r="0" b="0"/>
+          <a:pathLst>
+            <a:path>
+              <a:moveTo>
+                <a:pt x="0" y="0"/>
+              </a:moveTo>
+              <a:lnTo>
+                <a:pt x="0" y="1973942"/>
+              </a:lnTo>
+              <a:lnTo>
+                <a:pt x="100375" y="1973942"/>
+              </a:lnTo>
+            </a:path>
+          </a:pathLst>
+        </a:custGeom>
+        <a:noFill/>
+        <a:ln w="9525" cap="rnd" cmpd="sng" algn="ctr">
+          <a:solidFill>
+            <a:schemeClr val="accent1">
+              <a:shade val="60000"/>
+              <a:hueOff val="0"/>
+              <a:satOff val="0"/>
+              <a:lumOff val="0"/>
+              <a:alphaOff val="0"/>
+            </a:schemeClr>
+          </a:solidFill>
+          <a:prstDash val="solid"/>
+        </a:ln>
+        <a:effectLst/>
+      </dsp:spPr>
+      <dsp:style>
+        <a:lnRef idx="1">
+          <a:scrgbClr r="0" g="0" b="0"/>
+        </a:lnRef>
+        <a:fillRef idx="0">
+          <a:scrgbClr r="0" g="0" b="0"/>
+        </a:fillRef>
+        <a:effectRef idx="0">
+          <a:scrgbClr r="0" g="0" b="0"/>
+        </a:effectRef>
+        <a:fontRef idx="minor"/>
+      </dsp:style>
+    </dsp:sp>
+    <dsp:sp modelId="{8C1715B6-BA7B-438E-97EB-8AEC5ECBF87A}">
+      <dsp:nvSpPr>
+        <dsp:cNvPr id="0" name=""/>
+        <dsp:cNvSpPr/>
+      </dsp:nvSpPr>
+      <dsp:spPr>
+        <a:xfrm>
+          <a:off x="1947049" y="2251268"/>
+          <a:ext cx="730000" cy="456250"/>
+        </a:xfrm>
+        <a:prstGeom prst="roundRect">
+          <a:avLst>
+            <a:gd name="adj" fmla="val 10000"/>
+          </a:avLst>
+        </a:prstGeom>
+        <a:solidFill>
+          <a:schemeClr val="lt1">
+            <a:alpha val="90000"/>
+            <a:hueOff val="0"/>
+            <a:satOff val="0"/>
+            <a:lumOff val="0"/>
+            <a:alphaOff val="0"/>
+          </a:schemeClr>
+        </a:solidFill>
+        <a:ln w="9525" cap="rnd" cmpd="sng" algn="ctr">
+          <a:solidFill>
+            <a:schemeClr val="accent1">
+              <a:hueOff val="0"/>
+              <a:satOff val="0"/>
+              <a:lumOff val="0"/>
+              <a:alphaOff val="0"/>
+            </a:schemeClr>
+          </a:solidFill>
+          <a:prstDash val="solid"/>
+        </a:ln>
+        <a:effectLst/>
+      </dsp:spPr>
+      <dsp:style>
+        <a:lnRef idx="1">
+          <a:scrgbClr r="0" g="0" b="0"/>
+        </a:lnRef>
+        <a:fillRef idx="1">
+          <a:scrgbClr r="0" g="0" b="0"/>
+        </a:fillRef>
+        <a:effectRef idx="0">
+          <a:scrgbClr r="0" g="0" b="0"/>
+        </a:effectRef>
+        <a:fontRef idx="minor"/>
+      </dsp:style>
+      <dsp:txBody>
+        <a:bodyPr spcFirstLastPara="0" vert="horz" wrap="square" lIns="13335" tIns="8890" rIns="13335" bIns="8890" numCol="1" spcCol="1270" anchor="ctr" anchorCtr="0">
+          <a:noAutofit/>
+        </a:bodyPr>
+        <a:lstStyle/>
+        <a:p>
+          <a:pPr lvl="0" algn="ctr" defTabSz="311150">
+            <a:lnSpc>
+              <a:spcPct val="90000"/>
+            </a:lnSpc>
+            <a:spcBef>
+              <a:spcPct val="0"/>
+            </a:spcBef>
+            <a:spcAft>
+              <a:spcPct val="35000"/>
+            </a:spcAft>
+          </a:pPr>
+          <a:r>
+            <a:rPr lang="pt-PT" sz="700" kern="1200" smtClean="0"/>
+            <a:t>Several </a:t>
+          </a:r>
+          <a:r>
+            <a:rPr lang="pt-PT" sz="700" kern="1200" dirty="0" smtClean="0"/>
+            <a:t>plugins</a:t>
+          </a:r>
+          <a:endParaRPr lang="pt-PT" sz="700" kern="1200" dirty="0"/>
+        </a:p>
+      </dsp:txBody>
+      <dsp:txXfrm>
+        <a:off x="1960412" y="2264631"/>
+        <a:ext cx="703274" cy="429524"/>
+      </dsp:txXfrm>
+    </dsp:sp>
+    <dsp:sp modelId="{B128F964-9EE8-46FF-B519-C8284E2BB040}">
+      <dsp:nvSpPr>
+        <dsp:cNvPr id="0" name=""/>
+        <dsp:cNvSpPr/>
+      </dsp:nvSpPr>
+      <dsp:spPr>
+        <a:xfrm>
+          <a:off x="1846673" y="505451"/>
+          <a:ext cx="100375" cy="2524458"/>
+        </a:xfrm>
+        <a:custGeom>
+          <a:avLst/>
+          <a:gdLst/>
+          <a:ahLst/>
+          <a:cxnLst/>
+          <a:rect l="0" t="0" r="0" b="0"/>
+          <a:pathLst>
+            <a:path>
+              <a:moveTo>
+                <a:pt x="0" y="0"/>
+              </a:moveTo>
+              <a:lnTo>
+                <a:pt x="0" y="2524458"/>
+              </a:lnTo>
+              <a:lnTo>
+                <a:pt x="100375" y="2524458"/>
+              </a:lnTo>
+            </a:path>
+          </a:pathLst>
+        </a:custGeom>
+        <a:noFill/>
+        <a:ln w="9525" cap="rnd" cmpd="sng" algn="ctr">
+          <a:solidFill>
+            <a:schemeClr val="accent1">
+              <a:shade val="60000"/>
+              <a:hueOff val="0"/>
+              <a:satOff val="0"/>
+              <a:lumOff val="0"/>
+              <a:alphaOff val="0"/>
+            </a:schemeClr>
+          </a:solidFill>
+          <a:prstDash val="solid"/>
+        </a:ln>
+        <a:effectLst/>
+      </dsp:spPr>
+      <dsp:style>
+        <a:lnRef idx="1">
+          <a:scrgbClr r="0" g="0" b="0"/>
+        </a:lnRef>
+        <a:fillRef idx="0">
+          <a:scrgbClr r="0" g="0" b="0"/>
+        </a:fillRef>
+        <a:effectRef idx="0">
+          <a:scrgbClr r="0" g="0" b="0"/>
+        </a:effectRef>
+        <a:fontRef idx="minor"/>
+      </dsp:style>
+    </dsp:sp>
+    <dsp:sp modelId="{3548ED33-673B-47FB-8DF9-F219CFA710BC}">
+      <dsp:nvSpPr>
+        <dsp:cNvPr id="0" name=""/>
+        <dsp:cNvSpPr/>
+      </dsp:nvSpPr>
+      <dsp:spPr>
+        <a:xfrm>
+          <a:off x="1947049" y="2801785"/>
+          <a:ext cx="730000" cy="456250"/>
+        </a:xfrm>
+        <a:prstGeom prst="roundRect">
+          <a:avLst>
+            <a:gd name="adj" fmla="val 10000"/>
+          </a:avLst>
+        </a:prstGeom>
+        <a:solidFill>
+          <a:schemeClr val="lt1">
+            <a:alpha val="90000"/>
+            <a:hueOff val="0"/>
+            <a:satOff val="0"/>
+            <a:lumOff val="0"/>
+            <a:alphaOff val="0"/>
+          </a:schemeClr>
+        </a:solidFill>
+        <a:ln w="9525" cap="rnd" cmpd="sng" algn="ctr">
+          <a:solidFill>
+            <a:schemeClr val="accent1">
+              <a:hueOff val="0"/>
+              <a:satOff val="0"/>
+              <a:lumOff val="0"/>
+              <a:alphaOff val="0"/>
+            </a:schemeClr>
+          </a:solidFill>
+          <a:prstDash val="solid"/>
+        </a:ln>
+        <a:effectLst/>
+      </dsp:spPr>
+      <dsp:style>
+        <a:lnRef idx="1">
+          <a:scrgbClr r="0" g="0" b="0"/>
+        </a:lnRef>
+        <a:fillRef idx="1">
+          <a:scrgbClr r="0" g="0" b="0"/>
+        </a:fillRef>
+        <a:effectRef idx="0">
+          <a:scrgbClr r="0" g="0" b="0"/>
+        </a:effectRef>
+        <a:fontRef idx="minor"/>
+      </dsp:style>
+      <dsp:txBody>
+        <a:bodyPr spcFirstLastPara="0" vert="horz" wrap="square" lIns="13335" tIns="8890" rIns="13335" bIns="8890" numCol="1" spcCol="1270" anchor="ctr" anchorCtr="0">
+          <a:noAutofit/>
+        </a:bodyPr>
+        <a:lstStyle/>
+        <a:p>
+          <a:pPr lvl="0" algn="ctr" defTabSz="311150">
+            <a:lnSpc>
+              <a:spcPct val="90000"/>
+            </a:lnSpc>
+            <a:spcBef>
+              <a:spcPct val="0"/>
+            </a:spcBef>
+            <a:spcAft>
+              <a:spcPct val="35000"/>
+            </a:spcAft>
+          </a:pPr>
+          <a:r>
+            <a:rPr lang="pt-PT" sz="700" kern="1200" dirty="0" smtClean="0"/>
+            <a:t>Constant </a:t>
+          </a:r>
+          <a:r>
+            <a:rPr lang="pt-PT" sz="700" kern="1200" dirty="0" smtClean="0"/>
+            <a:t>awareness if </a:t>
+          </a:r>
+          <a:r>
+            <a:rPr lang="pt-PT" sz="700" kern="1200" dirty="0" smtClean="0"/>
+            <a:t>build is “broken”</a:t>
+          </a:r>
+          <a:endParaRPr lang="pt-PT" sz="700" kern="1200" dirty="0"/>
+        </a:p>
+      </dsp:txBody>
+      <dsp:txXfrm>
+        <a:off x="1960412" y="2815148"/>
+        <a:ext cx="703274" cy="429524"/>
+      </dsp:txXfrm>
+    </dsp:sp>
+    <dsp:sp modelId="{4A64C365-06C2-46B7-B947-59EF5BE39B6D}">
+      <dsp:nvSpPr>
+        <dsp:cNvPr id="0" name=""/>
+        <dsp:cNvSpPr/>
+      </dsp:nvSpPr>
+      <dsp:spPr>
+        <a:xfrm>
+          <a:off x="1846673" y="505451"/>
+          <a:ext cx="100375" cy="3074975"/>
+        </a:xfrm>
+        <a:custGeom>
+          <a:avLst/>
+          <a:gdLst/>
+          <a:ahLst/>
+          <a:cxnLst/>
+          <a:rect l="0" t="0" r="0" b="0"/>
+          <a:pathLst>
+            <a:path>
+              <a:moveTo>
+                <a:pt x="0" y="0"/>
+              </a:moveTo>
+              <a:lnTo>
+                <a:pt x="0" y="3074975"/>
+              </a:lnTo>
+              <a:lnTo>
+                <a:pt x="100375" y="3074975"/>
+              </a:lnTo>
+            </a:path>
+          </a:pathLst>
+        </a:custGeom>
+        <a:noFill/>
+        <a:ln w="9525" cap="rnd" cmpd="sng" algn="ctr">
+          <a:solidFill>
+            <a:schemeClr val="accent1">
+              <a:shade val="60000"/>
+              <a:hueOff val="0"/>
+              <a:satOff val="0"/>
+              <a:lumOff val="0"/>
+              <a:alphaOff val="0"/>
+            </a:schemeClr>
+          </a:solidFill>
+          <a:prstDash val="solid"/>
+        </a:ln>
+        <a:effectLst/>
+      </dsp:spPr>
+      <dsp:style>
+        <a:lnRef idx="1">
+          <a:scrgbClr r="0" g="0" b="0"/>
+        </a:lnRef>
+        <a:fillRef idx="0">
+          <a:scrgbClr r="0" g="0" b="0"/>
+        </a:fillRef>
+        <a:effectRef idx="0">
+          <a:scrgbClr r="0" g="0" b="0"/>
+        </a:effectRef>
+        <a:fontRef idx="minor"/>
+      </dsp:style>
+    </dsp:sp>
+    <dsp:sp modelId="{831964B1-E01A-4C78-9158-C8D63428B7DA}">
+      <dsp:nvSpPr>
+        <dsp:cNvPr id="0" name=""/>
+        <dsp:cNvSpPr/>
+      </dsp:nvSpPr>
+      <dsp:spPr>
+        <a:xfrm>
+          <a:off x="1947049" y="3352301"/>
+          <a:ext cx="730000" cy="456250"/>
+        </a:xfrm>
+        <a:prstGeom prst="roundRect">
+          <a:avLst>
+            <a:gd name="adj" fmla="val 10000"/>
+          </a:avLst>
+        </a:prstGeom>
+        <a:solidFill>
+          <a:schemeClr val="lt1">
+            <a:alpha val="90000"/>
+            <a:hueOff val="0"/>
+            <a:satOff val="0"/>
+            <a:lumOff val="0"/>
+            <a:alphaOff val="0"/>
+          </a:schemeClr>
+        </a:solidFill>
+        <a:ln w="9525" cap="rnd" cmpd="sng" algn="ctr">
+          <a:solidFill>
+            <a:schemeClr val="accent1">
+              <a:hueOff val="0"/>
+              <a:satOff val="0"/>
+              <a:lumOff val="0"/>
+              <a:alphaOff val="0"/>
+            </a:schemeClr>
+          </a:solidFill>
+          <a:prstDash val="solid"/>
+        </a:ln>
+        <a:effectLst/>
+      </dsp:spPr>
+      <dsp:style>
+        <a:lnRef idx="1">
+          <a:scrgbClr r="0" g="0" b="0"/>
+        </a:lnRef>
+        <a:fillRef idx="1">
+          <a:scrgbClr r="0" g="0" b="0"/>
+        </a:fillRef>
+        <a:effectRef idx="0">
+          <a:scrgbClr r="0" g="0" b="0"/>
+        </a:effectRef>
+        <a:fontRef idx="minor"/>
+      </dsp:style>
+      <dsp:txBody>
+        <a:bodyPr spcFirstLastPara="0" vert="horz" wrap="square" lIns="13335" tIns="8890" rIns="13335" bIns="8890" numCol="1" spcCol="1270" anchor="ctr" anchorCtr="0">
+          <a:noAutofit/>
+        </a:bodyPr>
+        <a:lstStyle/>
+        <a:p>
+          <a:pPr lvl="0" algn="ctr" defTabSz="311150">
+            <a:lnSpc>
+              <a:spcPct val="90000"/>
+            </a:lnSpc>
+            <a:spcBef>
+              <a:spcPct val="0"/>
+            </a:spcBef>
+            <a:spcAft>
+              <a:spcPct val="35000"/>
+            </a:spcAft>
+          </a:pPr>
+          <a:r>
+            <a:rPr lang="pt-PT" sz="700" kern="1200" dirty="0" smtClean="0"/>
+            <a:t>A static code </a:t>
+          </a:r>
+          <a:r>
+            <a:rPr lang="pt-PT" sz="700" kern="1200" dirty="0" smtClean="0"/>
+            <a:t>verification </a:t>
+          </a:r>
+          <a:r>
+            <a:rPr lang="pt-PT" sz="700" kern="1200" dirty="0" smtClean="0"/>
+            <a:t>can also be done</a:t>
+          </a:r>
+          <a:endParaRPr lang="pt-PT" sz="700" kern="1200" dirty="0"/>
+        </a:p>
+      </dsp:txBody>
+      <dsp:txXfrm>
+        <a:off x="1960412" y="3365664"/>
+        <a:ext cx="703274" cy="429524"/>
+      </dsp:txXfrm>
+    </dsp:sp>
+    <dsp:sp modelId="{CC93376A-112F-470C-A92E-6B9C4768A381}">
+      <dsp:nvSpPr>
+        <dsp:cNvPr id="0" name=""/>
+        <dsp:cNvSpPr/>
+      </dsp:nvSpPr>
+      <dsp:spPr>
+        <a:xfrm>
+          <a:off x="1846673" y="505451"/>
+          <a:ext cx="100375" cy="3625492"/>
+        </a:xfrm>
+        <a:custGeom>
+          <a:avLst/>
+          <a:gdLst/>
+          <a:ahLst/>
+          <a:cxnLst/>
+          <a:rect l="0" t="0" r="0" b="0"/>
+          <a:pathLst>
+            <a:path>
+              <a:moveTo>
+                <a:pt x="0" y="0"/>
+              </a:moveTo>
+              <a:lnTo>
+                <a:pt x="0" y="3625492"/>
+              </a:lnTo>
+              <a:lnTo>
+                <a:pt x="100375" y="3625492"/>
+              </a:lnTo>
+            </a:path>
+          </a:pathLst>
+        </a:custGeom>
+        <a:noFill/>
+        <a:ln w="9525" cap="rnd" cmpd="sng" algn="ctr">
+          <a:solidFill>
+            <a:schemeClr val="accent1">
+              <a:shade val="60000"/>
+              <a:hueOff val="0"/>
+              <a:satOff val="0"/>
+              <a:lumOff val="0"/>
+              <a:alphaOff val="0"/>
+            </a:schemeClr>
+          </a:solidFill>
+          <a:prstDash val="solid"/>
+        </a:ln>
+        <a:effectLst/>
+      </dsp:spPr>
+      <dsp:style>
+        <a:lnRef idx="1">
+          <a:scrgbClr r="0" g="0" b="0"/>
+        </a:lnRef>
+        <a:fillRef idx="0">
+          <a:scrgbClr r="0" g="0" b="0"/>
+        </a:fillRef>
+        <a:effectRef idx="0">
+          <a:scrgbClr r="0" g="0" b="0"/>
+        </a:effectRef>
+        <a:fontRef idx="minor"/>
+      </dsp:style>
+    </dsp:sp>
+    <dsp:sp modelId="{A5E6D460-1049-4DD1-B5F1-BB5A03E46C6F}">
+      <dsp:nvSpPr>
+        <dsp:cNvPr id="0" name=""/>
+        <dsp:cNvSpPr/>
+      </dsp:nvSpPr>
+      <dsp:spPr>
+        <a:xfrm>
+          <a:off x="1947049" y="3902818"/>
+          <a:ext cx="730000" cy="456250"/>
+        </a:xfrm>
+        <a:prstGeom prst="roundRect">
+          <a:avLst>
+            <a:gd name="adj" fmla="val 10000"/>
+          </a:avLst>
+        </a:prstGeom>
+        <a:solidFill>
+          <a:schemeClr val="lt1">
+            <a:alpha val="90000"/>
+            <a:hueOff val="0"/>
+            <a:satOff val="0"/>
+            <a:lumOff val="0"/>
+            <a:alphaOff val="0"/>
+          </a:schemeClr>
+        </a:solidFill>
+        <a:ln w="9525" cap="rnd" cmpd="sng" algn="ctr">
+          <a:solidFill>
+            <a:schemeClr val="accent1">
+              <a:hueOff val="0"/>
+              <a:satOff val="0"/>
+              <a:lumOff val="0"/>
+              <a:alphaOff val="0"/>
+            </a:schemeClr>
+          </a:solidFill>
+          <a:prstDash val="solid"/>
+        </a:ln>
+        <a:effectLst/>
+      </dsp:spPr>
+      <dsp:style>
+        <a:lnRef idx="1">
+          <a:scrgbClr r="0" g="0" b="0"/>
+        </a:lnRef>
+        <a:fillRef idx="1">
+          <a:scrgbClr r="0" g="0" b="0"/>
+        </a:fillRef>
+        <a:effectRef idx="0">
+          <a:scrgbClr r="0" g="0" b="0"/>
+        </a:effectRef>
+        <a:fontRef idx="minor"/>
+      </dsp:style>
+      <dsp:txBody>
+        <a:bodyPr spcFirstLastPara="0" vert="horz" wrap="square" lIns="13335" tIns="8890" rIns="13335" bIns="8890" numCol="1" spcCol="1270" anchor="ctr" anchorCtr="0">
+          <a:noAutofit/>
+        </a:bodyPr>
+        <a:lstStyle/>
+        <a:p>
+          <a:pPr lvl="0" algn="ctr" defTabSz="311150">
+            <a:lnSpc>
+              <a:spcPct val="90000"/>
+            </a:lnSpc>
+            <a:spcBef>
+              <a:spcPct val="0"/>
+            </a:spcBef>
+            <a:spcAft>
+              <a:spcPct val="35000"/>
+            </a:spcAft>
+          </a:pPr>
+          <a:r>
+            <a:rPr lang="pt-PT" sz="700" kern="1200" dirty="0" smtClean="0"/>
+            <a:t>Possibility to do “nightly builds” – </a:t>
+          </a:r>
+          <a:r>
+            <a:rPr lang="pt-PT" sz="700" kern="1200" dirty="0" err="1" smtClean="0"/>
+            <a:t>good</a:t>
+          </a:r>
+          <a:r>
+            <a:rPr lang="pt-PT" sz="700" kern="1200" dirty="0" smtClean="0"/>
+            <a:t> for big projects</a:t>
+          </a:r>
+          <a:endParaRPr lang="pt-PT" sz="700" kern="1200" dirty="0"/>
+        </a:p>
+      </dsp:txBody>
+      <dsp:txXfrm>
+        <a:off x="1960412" y="3916181"/>
+        <a:ext cx="703274" cy="429524"/>
+      </dsp:txXfrm>
+    </dsp:sp>
+    <dsp:sp modelId="{2D6695BE-25C1-46C7-8352-964F3DB123E4}">
+      <dsp:nvSpPr>
+        <dsp:cNvPr id="0" name=""/>
+        <dsp:cNvSpPr/>
+      </dsp:nvSpPr>
+      <dsp:spPr>
+        <a:xfrm>
+          <a:off x="2938582" y="3576"/>
+          <a:ext cx="1003750" cy="501875"/>
+        </a:xfrm>
+        <a:prstGeom prst="roundRect">
+          <a:avLst>
+            <a:gd name="adj" fmla="val 10000"/>
+          </a:avLst>
+        </a:prstGeom>
+        <a:gradFill rotWithShape="0">
+          <a:gsLst>
+            <a:gs pos="0">
+              <a:schemeClr val="accent1">
+                <a:hueOff val="0"/>
+                <a:satOff val="0"/>
+                <a:lumOff val="0"/>
+                <a:alphaOff val="0"/>
+                <a:tint val="98000"/>
+                <a:lumMod val="114000"/>
+              </a:schemeClr>
+            </a:gs>
+            <a:gs pos="100000">
+              <a:schemeClr val="accent1">
+                <a:hueOff val="0"/>
+                <a:satOff val="0"/>
+                <a:lumOff val="0"/>
+                <a:alphaOff val="0"/>
+                <a:shade val="90000"/>
+                <a:lumMod val="84000"/>
+              </a:schemeClr>
+            </a:gs>
+          </a:gsLst>
+          <a:lin ang="5400000" scaled="0"/>
+        </a:gradFill>
+        <a:ln>
+          <a:noFill/>
+        </a:ln>
+        <a:effectLst>
+          <a:outerShdw blurRad="38100" dist="25400" dir="5400000" rotWithShape="0">
+            <a:srgbClr val="000000">
+              <a:alpha val="45000"/>
+            </a:srgbClr>
+          </a:outerShdw>
+        </a:effectLst>
+      </dsp:spPr>
+      <dsp:style>
+        <a:lnRef idx="0">
+          <a:scrgbClr r="0" g="0" b="0"/>
+        </a:lnRef>
+        <a:fillRef idx="3">
+          <a:scrgbClr r="0" g="0" b="0"/>
+        </a:fillRef>
+        <a:effectRef idx="2">
+          <a:scrgbClr r="0" g="0" b="0"/>
+        </a:effectRef>
+        <a:fontRef idx="minor">
+          <a:schemeClr val="lt1"/>
+        </a:fontRef>
+      </dsp:style>
+      <dsp:txBody>
+        <a:bodyPr spcFirstLastPara="0" vert="horz" wrap="square" lIns="51435" tIns="34290" rIns="51435" bIns="34290" numCol="1" spcCol="1270" anchor="ctr" anchorCtr="0">
+          <a:noAutofit/>
+        </a:bodyPr>
+        <a:lstStyle/>
+        <a:p>
+          <a:pPr lvl="0" algn="ctr" defTabSz="1200150">
+            <a:lnSpc>
+              <a:spcPct val="90000"/>
+            </a:lnSpc>
+            <a:spcBef>
+              <a:spcPct val="0"/>
+            </a:spcBef>
+            <a:spcAft>
+              <a:spcPct val="35000"/>
+            </a:spcAft>
+          </a:pPr>
+          <a:r>
+            <a:rPr lang="pt-PT" sz="2700" kern="1200" dirty="0" smtClean="0"/>
+            <a:t>Cons</a:t>
+          </a:r>
+          <a:endParaRPr lang="pt-PT" sz="2700" kern="1200" dirty="0"/>
+        </a:p>
+      </dsp:txBody>
+      <dsp:txXfrm>
+        <a:off x="2953281" y="18275"/>
+        <a:ext cx="974352" cy="472477"/>
+      </dsp:txXfrm>
+    </dsp:sp>
+    <dsp:sp modelId="{665B2015-8348-4619-A88A-458FE46C5216}">
+      <dsp:nvSpPr>
+        <dsp:cNvPr id="0" name=""/>
+        <dsp:cNvSpPr/>
+      </dsp:nvSpPr>
+      <dsp:spPr>
+        <a:xfrm>
+          <a:off x="3038957" y="505451"/>
+          <a:ext cx="100375" cy="322391"/>
+        </a:xfrm>
+        <a:custGeom>
+          <a:avLst/>
+          <a:gdLst/>
+          <a:ahLst/>
+          <a:cxnLst/>
+          <a:rect l="0" t="0" r="0" b="0"/>
+          <a:pathLst>
+            <a:path>
+              <a:moveTo>
+                <a:pt x="0" y="0"/>
+              </a:moveTo>
+              <a:lnTo>
+                <a:pt x="0" y="322391"/>
+              </a:lnTo>
+              <a:lnTo>
+                <a:pt x="100375" y="322391"/>
+              </a:lnTo>
+            </a:path>
+          </a:pathLst>
+        </a:custGeom>
+        <a:noFill/>
+        <a:ln w="9525" cap="rnd" cmpd="sng" algn="ctr">
+          <a:solidFill>
+            <a:schemeClr val="accent1">
+              <a:shade val="60000"/>
+              <a:hueOff val="0"/>
+              <a:satOff val="0"/>
+              <a:lumOff val="0"/>
+              <a:alphaOff val="0"/>
+            </a:schemeClr>
+          </a:solidFill>
+          <a:prstDash val="solid"/>
+        </a:ln>
+        <a:effectLst/>
+      </dsp:spPr>
+      <dsp:style>
+        <a:lnRef idx="1">
+          <a:scrgbClr r="0" g="0" b="0"/>
+        </a:lnRef>
+        <a:fillRef idx="0">
+          <a:scrgbClr r="0" g="0" b="0"/>
+        </a:fillRef>
+        <a:effectRef idx="0">
+          <a:scrgbClr r="0" g="0" b="0"/>
+        </a:effectRef>
+        <a:fontRef idx="minor"/>
+      </dsp:style>
+    </dsp:sp>
+    <dsp:sp modelId="{6817C1B7-11FB-4758-B864-210D01678FDC}">
+      <dsp:nvSpPr>
+        <dsp:cNvPr id="0" name=""/>
+        <dsp:cNvSpPr/>
+      </dsp:nvSpPr>
+      <dsp:spPr>
+        <a:xfrm>
+          <a:off x="3139332" y="599717"/>
+          <a:ext cx="730000" cy="456250"/>
+        </a:xfrm>
+        <a:prstGeom prst="roundRect">
+          <a:avLst>
+            <a:gd name="adj" fmla="val 10000"/>
+          </a:avLst>
+        </a:prstGeom>
+        <a:solidFill>
+          <a:schemeClr val="lt1">
+            <a:alpha val="90000"/>
+            <a:hueOff val="0"/>
+            <a:satOff val="0"/>
+            <a:lumOff val="0"/>
+            <a:alphaOff val="0"/>
+          </a:schemeClr>
+        </a:solidFill>
+        <a:ln w="9525" cap="rnd" cmpd="sng" algn="ctr">
+          <a:solidFill>
+            <a:schemeClr val="accent1">
+              <a:hueOff val="0"/>
+              <a:satOff val="0"/>
+              <a:lumOff val="0"/>
+              <a:alphaOff val="0"/>
+            </a:schemeClr>
+          </a:solidFill>
+          <a:prstDash val="solid"/>
+        </a:ln>
+        <a:effectLst/>
+      </dsp:spPr>
+      <dsp:style>
+        <a:lnRef idx="1">
+          <a:scrgbClr r="0" g="0" b="0"/>
+        </a:lnRef>
+        <a:fillRef idx="1">
+          <a:scrgbClr r="0" g="0" b="0"/>
+        </a:fillRef>
+        <a:effectRef idx="0">
+          <a:scrgbClr r="0" g="0" b="0"/>
+        </a:effectRef>
+        <a:fontRef idx="minor"/>
+      </dsp:style>
+      <dsp:txBody>
+        <a:bodyPr spcFirstLastPara="0" vert="horz" wrap="square" lIns="13335" tIns="8890" rIns="13335" bIns="8890" numCol="1" spcCol="1270" anchor="ctr" anchorCtr="0">
+          <a:noAutofit/>
+        </a:bodyPr>
+        <a:lstStyle/>
+        <a:p>
+          <a:pPr lvl="0" algn="ctr" defTabSz="311150">
+            <a:lnSpc>
+              <a:spcPct val="90000"/>
+            </a:lnSpc>
+            <a:spcBef>
+              <a:spcPct val="0"/>
+            </a:spcBef>
+            <a:spcAft>
+              <a:spcPct val="35000"/>
+            </a:spcAft>
+          </a:pPr>
+          <a:r>
+            <a:rPr lang="pt-PT" sz="700" kern="1200" dirty="0" smtClean="0"/>
+            <a:t>Too </a:t>
+          </a:r>
+          <a:r>
+            <a:rPr lang="pt-PT" sz="700" kern="1200" dirty="0" err="1" smtClean="0"/>
+            <a:t>simplistic</a:t>
+          </a:r>
+          <a:r>
+            <a:rPr lang="pt-PT" sz="700" kern="1200" dirty="0" smtClean="0"/>
+            <a:t> a </a:t>
+          </a:r>
+          <a:r>
+            <a:rPr lang="pt-PT" sz="700" kern="1200" dirty="0" err="1" smtClean="0"/>
+            <a:t>presentation</a:t>
+          </a:r>
+          <a:endParaRPr lang="pt-PT" sz="700" kern="1200" dirty="0"/>
+        </a:p>
+      </dsp:txBody>
+      <dsp:txXfrm>
+        <a:off x="3152695" y="613080"/>
+        <a:ext cx="703274" cy="429524"/>
+      </dsp:txXfrm>
+    </dsp:sp>
+    <dsp:sp modelId="{0B3358E2-26D5-461E-AD31-7A4654034337}">
+      <dsp:nvSpPr>
+        <dsp:cNvPr id="0" name=""/>
+        <dsp:cNvSpPr/>
+      </dsp:nvSpPr>
+      <dsp:spPr>
+        <a:xfrm>
+          <a:off x="3038957" y="505451"/>
+          <a:ext cx="100375" cy="872908"/>
+        </a:xfrm>
+        <a:custGeom>
+          <a:avLst/>
+          <a:gdLst/>
+          <a:ahLst/>
+          <a:cxnLst/>
+          <a:rect l="0" t="0" r="0" b="0"/>
+          <a:pathLst>
+            <a:path>
+              <a:moveTo>
+                <a:pt x="0" y="0"/>
+              </a:moveTo>
+              <a:lnTo>
+                <a:pt x="0" y="872908"/>
+              </a:lnTo>
+              <a:lnTo>
+                <a:pt x="100375" y="872908"/>
+              </a:lnTo>
+            </a:path>
+          </a:pathLst>
+        </a:custGeom>
+        <a:noFill/>
+        <a:ln w="9525" cap="rnd" cmpd="sng" algn="ctr">
+          <a:solidFill>
+            <a:schemeClr val="accent1">
+              <a:shade val="60000"/>
+              <a:hueOff val="0"/>
+              <a:satOff val="0"/>
+              <a:lumOff val="0"/>
+              <a:alphaOff val="0"/>
+            </a:schemeClr>
+          </a:solidFill>
+          <a:prstDash val="solid"/>
+        </a:ln>
+        <a:effectLst/>
+      </dsp:spPr>
+      <dsp:style>
+        <a:lnRef idx="1">
+          <a:scrgbClr r="0" g="0" b="0"/>
+        </a:lnRef>
+        <a:fillRef idx="0">
+          <a:scrgbClr r="0" g="0" b="0"/>
+        </a:fillRef>
+        <a:effectRef idx="0">
+          <a:scrgbClr r="0" g="0" b="0"/>
+        </a:effectRef>
+        <a:fontRef idx="minor"/>
+      </dsp:style>
+    </dsp:sp>
+    <dsp:sp modelId="{0E7FBF3B-7D1F-4A68-8FFB-C953C781DE15}">
+      <dsp:nvSpPr>
+        <dsp:cNvPr id="0" name=""/>
+        <dsp:cNvSpPr/>
+      </dsp:nvSpPr>
+      <dsp:spPr>
+        <a:xfrm>
+          <a:off x="3139332" y="1150234"/>
+          <a:ext cx="730000" cy="456250"/>
+        </a:xfrm>
+        <a:prstGeom prst="roundRect">
+          <a:avLst>
+            <a:gd name="adj" fmla="val 10000"/>
+          </a:avLst>
+        </a:prstGeom>
+        <a:solidFill>
+          <a:schemeClr val="lt1">
+            <a:alpha val="90000"/>
+            <a:hueOff val="0"/>
+            <a:satOff val="0"/>
+            <a:lumOff val="0"/>
+            <a:alphaOff val="0"/>
+          </a:schemeClr>
+        </a:solidFill>
+        <a:ln w="9525" cap="rnd" cmpd="sng" algn="ctr">
+          <a:solidFill>
+            <a:schemeClr val="accent1">
+              <a:hueOff val="0"/>
+              <a:satOff val="0"/>
+              <a:lumOff val="0"/>
+              <a:alphaOff val="0"/>
+            </a:schemeClr>
+          </a:solidFill>
+          <a:prstDash val="solid"/>
+        </a:ln>
+        <a:effectLst/>
+      </dsp:spPr>
+      <dsp:style>
+        <a:lnRef idx="1">
+          <a:scrgbClr r="0" g="0" b="0"/>
+        </a:lnRef>
+        <a:fillRef idx="1">
+          <a:scrgbClr r="0" g="0" b="0"/>
+        </a:fillRef>
+        <a:effectRef idx="0">
+          <a:scrgbClr r="0" g="0" b="0"/>
+        </a:effectRef>
+        <a:fontRef idx="minor"/>
+      </dsp:style>
+      <dsp:txBody>
+        <a:bodyPr spcFirstLastPara="0" vert="horz" wrap="square" lIns="13335" tIns="8890" rIns="13335" bIns="8890" numCol="1" spcCol="1270" anchor="ctr" anchorCtr="0">
+          <a:noAutofit/>
+        </a:bodyPr>
+        <a:lstStyle/>
+        <a:p>
+          <a:pPr lvl="0" algn="ctr" defTabSz="311150">
+            <a:lnSpc>
+              <a:spcPct val="90000"/>
+            </a:lnSpc>
+            <a:spcBef>
+              <a:spcPct val="0"/>
+            </a:spcBef>
+            <a:spcAft>
+              <a:spcPct val="35000"/>
+            </a:spcAft>
+          </a:pPr>
+          <a:r>
+            <a:rPr lang="pt-PT" sz="700" kern="1200" dirty="0" smtClean="0"/>
+            <a:t>Icons not very clear</a:t>
+          </a:r>
+          <a:endParaRPr lang="pt-PT" sz="700" kern="1200" dirty="0"/>
+        </a:p>
+      </dsp:txBody>
+      <dsp:txXfrm>
+        <a:off x="3152695" y="1163597"/>
+        <a:ext cx="703274" cy="429524"/>
+      </dsp:txXfrm>
+    </dsp:sp>
+    <dsp:sp modelId="{2F157E92-6736-4A13-A6CB-BE96A53AFD9F}">
+      <dsp:nvSpPr>
+        <dsp:cNvPr id="0" name=""/>
+        <dsp:cNvSpPr/>
+      </dsp:nvSpPr>
+      <dsp:spPr>
+        <a:xfrm>
+          <a:off x="3038957" y="505451"/>
+          <a:ext cx="100375" cy="1423425"/>
+        </a:xfrm>
+        <a:custGeom>
+          <a:avLst/>
+          <a:gdLst/>
+          <a:ahLst/>
+          <a:cxnLst/>
+          <a:rect l="0" t="0" r="0" b="0"/>
+          <a:pathLst>
+            <a:path>
+              <a:moveTo>
+                <a:pt x="0" y="0"/>
+              </a:moveTo>
+              <a:lnTo>
+                <a:pt x="0" y="1423425"/>
+              </a:lnTo>
+              <a:lnTo>
+                <a:pt x="100375" y="1423425"/>
+              </a:lnTo>
+            </a:path>
+          </a:pathLst>
+        </a:custGeom>
+        <a:noFill/>
+        <a:ln w="9525" cap="rnd" cmpd="sng" algn="ctr">
+          <a:solidFill>
+            <a:schemeClr val="accent1">
+              <a:shade val="60000"/>
+              <a:hueOff val="0"/>
+              <a:satOff val="0"/>
+              <a:lumOff val="0"/>
+              <a:alphaOff val="0"/>
+            </a:schemeClr>
+          </a:solidFill>
+          <a:prstDash val="solid"/>
+        </a:ln>
+        <a:effectLst/>
+      </dsp:spPr>
+      <dsp:style>
+        <a:lnRef idx="1">
+          <a:scrgbClr r="0" g="0" b="0"/>
+        </a:lnRef>
+        <a:fillRef idx="0">
+          <a:scrgbClr r="0" g="0" b="0"/>
+        </a:fillRef>
+        <a:effectRef idx="0">
+          <a:scrgbClr r="0" g="0" b="0"/>
+        </a:effectRef>
+        <a:fontRef idx="minor"/>
+      </dsp:style>
+    </dsp:sp>
+    <dsp:sp modelId="{548B7762-B5B8-4C69-88AE-F72473B32CBC}">
+      <dsp:nvSpPr>
+        <dsp:cNvPr id="0" name=""/>
+        <dsp:cNvSpPr/>
+      </dsp:nvSpPr>
+      <dsp:spPr>
+        <a:xfrm>
+          <a:off x="3139332" y="1700751"/>
+          <a:ext cx="730000" cy="456250"/>
+        </a:xfrm>
+        <a:prstGeom prst="roundRect">
+          <a:avLst>
+            <a:gd name="adj" fmla="val 10000"/>
+          </a:avLst>
+        </a:prstGeom>
+        <a:solidFill>
+          <a:schemeClr val="lt1">
+            <a:alpha val="90000"/>
+            <a:hueOff val="0"/>
+            <a:satOff val="0"/>
+            <a:lumOff val="0"/>
+            <a:alphaOff val="0"/>
+          </a:schemeClr>
+        </a:solidFill>
+        <a:ln w="9525" cap="rnd" cmpd="sng" algn="ctr">
+          <a:solidFill>
+            <a:schemeClr val="accent1">
+              <a:hueOff val="0"/>
+              <a:satOff val="0"/>
+              <a:lumOff val="0"/>
+              <a:alphaOff val="0"/>
+            </a:schemeClr>
+          </a:solidFill>
+          <a:prstDash val="solid"/>
+        </a:ln>
+        <a:effectLst/>
+      </dsp:spPr>
+      <dsp:style>
+        <a:lnRef idx="1">
+          <a:scrgbClr r="0" g="0" b="0"/>
+        </a:lnRef>
+        <a:fillRef idx="1">
+          <a:scrgbClr r="0" g="0" b="0"/>
+        </a:fillRef>
+        <a:effectRef idx="0">
+          <a:scrgbClr r="0" g="0" b="0"/>
+        </a:effectRef>
+        <a:fontRef idx="minor"/>
+      </dsp:style>
+      <dsp:txBody>
+        <a:bodyPr spcFirstLastPara="0" vert="horz" wrap="square" lIns="13335" tIns="8890" rIns="13335" bIns="8890" numCol="1" spcCol="1270" anchor="ctr" anchorCtr="0">
+          <a:noAutofit/>
+        </a:bodyPr>
+        <a:lstStyle/>
+        <a:p>
+          <a:pPr lvl="0" algn="ctr" defTabSz="311150">
+            <a:lnSpc>
+              <a:spcPct val="90000"/>
+            </a:lnSpc>
+            <a:spcBef>
+              <a:spcPct val="0"/>
+            </a:spcBef>
+            <a:spcAft>
+              <a:spcPct val="35000"/>
+            </a:spcAft>
+          </a:pPr>
+          <a:r>
+            <a:rPr lang="pt-PT" sz="700" kern="1200" dirty="0" smtClean="0"/>
+            <a:t>Some plugins require complicated configurations</a:t>
+          </a:r>
+          <a:endParaRPr lang="pt-PT" sz="700" kern="1200" dirty="0"/>
+        </a:p>
+      </dsp:txBody>
+      <dsp:txXfrm>
+        <a:off x="3152695" y="1714114"/>
+        <a:ext cx="703274" cy="429524"/>
+      </dsp:txXfrm>
+    </dsp:sp>
+    <dsp:sp modelId="{D69BB881-E2F5-44B9-9DBD-6D90C7DB7496}">
+      <dsp:nvSpPr>
+        <dsp:cNvPr id="0" name=""/>
+        <dsp:cNvSpPr/>
+      </dsp:nvSpPr>
+      <dsp:spPr>
+        <a:xfrm>
+          <a:off x="3038957" y="505451"/>
+          <a:ext cx="100375" cy="1973942"/>
+        </a:xfrm>
+        <a:custGeom>
+          <a:avLst/>
+          <a:gdLst/>
+          <a:ahLst/>
+          <a:cxnLst/>
+          <a:rect l="0" t="0" r="0" b="0"/>
+          <a:pathLst>
+            <a:path>
+              <a:moveTo>
+                <a:pt x="0" y="0"/>
+              </a:moveTo>
+              <a:lnTo>
+                <a:pt x="0" y="1973942"/>
+              </a:lnTo>
+              <a:lnTo>
+                <a:pt x="100375" y="1973942"/>
+              </a:lnTo>
+            </a:path>
+          </a:pathLst>
+        </a:custGeom>
+        <a:noFill/>
+        <a:ln w="9525" cap="rnd" cmpd="sng" algn="ctr">
+          <a:solidFill>
+            <a:schemeClr val="accent1">
+              <a:shade val="60000"/>
+              <a:hueOff val="0"/>
+              <a:satOff val="0"/>
+              <a:lumOff val="0"/>
+              <a:alphaOff val="0"/>
+            </a:schemeClr>
+          </a:solidFill>
+          <a:prstDash val="solid"/>
+        </a:ln>
+        <a:effectLst/>
+      </dsp:spPr>
+      <dsp:style>
+        <a:lnRef idx="1">
+          <a:scrgbClr r="0" g="0" b="0"/>
+        </a:lnRef>
+        <a:fillRef idx="0">
+          <a:scrgbClr r="0" g="0" b="0"/>
+        </a:fillRef>
+        <a:effectRef idx="0">
+          <a:scrgbClr r="0" g="0" b="0"/>
+        </a:effectRef>
+        <a:fontRef idx="minor"/>
+      </dsp:style>
+    </dsp:sp>
+    <dsp:sp modelId="{50E43E93-9EF6-4576-8695-D64977549991}">
+      <dsp:nvSpPr>
+        <dsp:cNvPr id="0" name=""/>
+        <dsp:cNvSpPr/>
+      </dsp:nvSpPr>
+      <dsp:spPr>
+        <a:xfrm>
+          <a:off x="3139332" y="2251268"/>
+          <a:ext cx="730000" cy="456250"/>
+        </a:xfrm>
+        <a:prstGeom prst="roundRect">
+          <a:avLst>
+            <a:gd name="adj" fmla="val 10000"/>
+          </a:avLst>
+        </a:prstGeom>
+        <a:solidFill>
+          <a:schemeClr val="lt1">
+            <a:alpha val="90000"/>
+            <a:hueOff val="0"/>
+            <a:satOff val="0"/>
+            <a:lumOff val="0"/>
+            <a:alphaOff val="0"/>
+          </a:schemeClr>
+        </a:solidFill>
+        <a:ln w="9525" cap="rnd" cmpd="sng" algn="ctr">
+          <a:solidFill>
+            <a:schemeClr val="accent1">
+              <a:hueOff val="0"/>
+              <a:satOff val="0"/>
+              <a:lumOff val="0"/>
+              <a:alphaOff val="0"/>
+            </a:schemeClr>
+          </a:solidFill>
+          <a:prstDash val="solid"/>
+        </a:ln>
+        <a:effectLst/>
+      </dsp:spPr>
+      <dsp:style>
+        <a:lnRef idx="1">
+          <a:scrgbClr r="0" g="0" b="0"/>
+        </a:lnRef>
+        <a:fillRef idx="1">
+          <a:scrgbClr r="0" g="0" b="0"/>
+        </a:fillRef>
+        <a:effectRef idx="0">
+          <a:scrgbClr r="0" g="0" b="0"/>
+        </a:effectRef>
+        <a:fontRef idx="minor"/>
+      </dsp:style>
+      <dsp:txBody>
+        <a:bodyPr spcFirstLastPara="0" vert="horz" wrap="square" lIns="13335" tIns="8890" rIns="13335" bIns="8890" numCol="1" spcCol="1270" anchor="ctr" anchorCtr="0">
+          <a:noAutofit/>
+        </a:bodyPr>
+        <a:lstStyle/>
+        <a:p>
+          <a:pPr lvl="0" algn="ctr" defTabSz="311150">
+            <a:lnSpc>
+              <a:spcPct val="90000"/>
+            </a:lnSpc>
+            <a:spcBef>
+              <a:spcPct val="0"/>
+            </a:spcBef>
+            <a:spcAft>
+              <a:spcPct val="35000"/>
+            </a:spcAft>
+          </a:pPr>
+          <a:r>
+            <a:rPr lang="pt-PT" sz="700" kern="1200" dirty="0" smtClean="0"/>
+            <a:t>Constant effort for maintaince</a:t>
+          </a:r>
+          <a:endParaRPr lang="pt-PT" sz="700" kern="1200" dirty="0"/>
+        </a:p>
+      </dsp:txBody>
+      <dsp:txXfrm>
+        <a:off x="3152695" y="2264631"/>
+        <a:ext cx="703274" cy="429524"/>
+      </dsp:txXfrm>
+    </dsp:sp>
+    <dsp:sp modelId="{4F01DEA1-6963-411C-B81A-F6998C0C045E}">
+      <dsp:nvSpPr>
+        <dsp:cNvPr id="0" name=""/>
+        <dsp:cNvSpPr/>
+      </dsp:nvSpPr>
+      <dsp:spPr>
+        <a:xfrm>
+          <a:off x="3038957" y="505451"/>
+          <a:ext cx="100375" cy="2524458"/>
+        </a:xfrm>
+        <a:custGeom>
+          <a:avLst/>
+          <a:gdLst/>
+          <a:ahLst/>
+          <a:cxnLst/>
+          <a:rect l="0" t="0" r="0" b="0"/>
+          <a:pathLst>
+            <a:path>
+              <a:moveTo>
+                <a:pt x="0" y="0"/>
+              </a:moveTo>
+              <a:lnTo>
+                <a:pt x="0" y="2524458"/>
+              </a:lnTo>
+              <a:lnTo>
+                <a:pt x="100375" y="2524458"/>
+              </a:lnTo>
+            </a:path>
+          </a:pathLst>
+        </a:custGeom>
+        <a:noFill/>
+        <a:ln w="9525" cap="rnd" cmpd="sng" algn="ctr">
+          <a:solidFill>
+            <a:schemeClr val="accent1">
+              <a:shade val="60000"/>
+              <a:hueOff val="0"/>
+              <a:satOff val="0"/>
+              <a:lumOff val="0"/>
+              <a:alphaOff val="0"/>
+            </a:schemeClr>
+          </a:solidFill>
+          <a:prstDash val="solid"/>
+        </a:ln>
+        <a:effectLst/>
+      </dsp:spPr>
+      <dsp:style>
+        <a:lnRef idx="1">
+          <a:scrgbClr r="0" g="0" b="0"/>
+        </a:lnRef>
+        <a:fillRef idx="0">
+          <a:scrgbClr r="0" g="0" b="0"/>
+        </a:fillRef>
+        <a:effectRef idx="0">
+          <a:scrgbClr r="0" g="0" b="0"/>
+        </a:effectRef>
+        <a:fontRef idx="minor"/>
+      </dsp:style>
+    </dsp:sp>
+    <dsp:sp modelId="{5F110DA3-1DE8-4F12-A68F-86C4A5BF1E8C}">
+      <dsp:nvSpPr>
+        <dsp:cNvPr id="0" name=""/>
+        <dsp:cNvSpPr/>
+      </dsp:nvSpPr>
+      <dsp:spPr>
+        <a:xfrm>
+          <a:off x="3139332" y="2801785"/>
+          <a:ext cx="730000" cy="456250"/>
+        </a:xfrm>
+        <a:prstGeom prst="roundRect">
+          <a:avLst>
+            <a:gd name="adj" fmla="val 10000"/>
+          </a:avLst>
+        </a:prstGeom>
+        <a:solidFill>
+          <a:schemeClr val="lt1">
+            <a:alpha val="90000"/>
+            <a:hueOff val="0"/>
+            <a:satOff val="0"/>
+            <a:lumOff val="0"/>
+            <a:alphaOff val="0"/>
+          </a:schemeClr>
+        </a:solidFill>
+        <a:ln w="9525" cap="rnd" cmpd="sng" algn="ctr">
+          <a:solidFill>
+            <a:schemeClr val="accent1">
+              <a:hueOff val="0"/>
+              <a:satOff val="0"/>
+              <a:lumOff val="0"/>
+              <a:alphaOff val="0"/>
+            </a:schemeClr>
+          </a:solidFill>
+          <a:prstDash val="solid"/>
+        </a:ln>
+        <a:effectLst/>
+      </dsp:spPr>
+      <dsp:style>
+        <a:lnRef idx="1">
+          <a:scrgbClr r="0" g="0" b="0"/>
+        </a:lnRef>
+        <a:fillRef idx="1">
+          <a:scrgbClr r="0" g="0" b="0"/>
+        </a:fillRef>
+        <a:effectRef idx="0">
+          <a:scrgbClr r="0" g="0" b="0"/>
+        </a:effectRef>
+        <a:fontRef idx="minor"/>
+      </dsp:style>
+      <dsp:txBody>
+        <a:bodyPr spcFirstLastPara="0" vert="horz" wrap="square" lIns="13335" tIns="8890" rIns="13335" bIns="8890" numCol="1" spcCol="1270" anchor="ctr" anchorCtr="0">
+          <a:noAutofit/>
+        </a:bodyPr>
+        <a:lstStyle/>
+        <a:p>
+          <a:pPr lvl="0" algn="ctr" defTabSz="311150">
+            <a:lnSpc>
+              <a:spcPct val="90000"/>
+            </a:lnSpc>
+            <a:spcBef>
+              <a:spcPct val="0"/>
+            </a:spcBef>
+            <a:spcAft>
+              <a:spcPct val="35000"/>
+            </a:spcAft>
+          </a:pPr>
+          <a:r>
+            <a:rPr lang="pt-PT" sz="700" kern="1200" dirty="0" smtClean="0"/>
+            <a:t>Can be “overwhelming”</a:t>
+          </a:r>
+          <a:endParaRPr lang="pt-PT" sz="700" kern="1200" dirty="0"/>
+        </a:p>
+      </dsp:txBody>
+      <dsp:txXfrm>
+        <a:off x="3152695" y="2815148"/>
+        <a:ext cx="703274" cy="429524"/>
+      </dsp:txXfrm>
+    </dsp:sp>
+    <dsp:sp modelId="{42A4DB9D-6604-49D8-A581-EB7995E16BE9}">
+      <dsp:nvSpPr>
+        <dsp:cNvPr id="0" name=""/>
+        <dsp:cNvSpPr/>
+      </dsp:nvSpPr>
+      <dsp:spPr>
+        <a:xfrm>
+          <a:off x="3038957" y="505451"/>
+          <a:ext cx="100375" cy="3074975"/>
+        </a:xfrm>
+        <a:custGeom>
+          <a:avLst/>
+          <a:gdLst/>
+          <a:ahLst/>
+          <a:cxnLst/>
+          <a:rect l="0" t="0" r="0" b="0"/>
+          <a:pathLst>
+            <a:path>
+              <a:moveTo>
+                <a:pt x="0" y="0"/>
+              </a:moveTo>
+              <a:lnTo>
+                <a:pt x="0" y="3074975"/>
+              </a:lnTo>
+              <a:lnTo>
+                <a:pt x="100375" y="3074975"/>
+              </a:lnTo>
+            </a:path>
+          </a:pathLst>
+        </a:custGeom>
+        <a:noFill/>
+        <a:ln w="9525" cap="rnd" cmpd="sng" algn="ctr">
+          <a:solidFill>
+            <a:schemeClr val="accent1">
+              <a:shade val="60000"/>
+              <a:hueOff val="0"/>
+              <a:satOff val="0"/>
+              <a:lumOff val="0"/>
+              <a:alphaOff val="0"/>
+            </a:schemeClr>
+          </a:solidFill>
+          <a:prstDash val="solid"/>
+        </a:ln>
+        <a:effectLst/>
+      </dsp:spPr>
+      <dsp:style>
+        <a:lnRef idx="1">
+          <a:scrgbClr r="0" g="0" b="0"/>
+        </a:lnRef>
+        <a:fillRef idx="0">
+          <a:scrgbClr r="0" g="0" b="0"/>
+        </a:fillRef>
+        <a:effectRef idx="0">
+          <a:scrgbClr r="0" g="0" b="0"/>
+        </a:effectRef>
+        <a:fontRef idx="minor"/>
+      </dsp:style>
+    </dsp:sp>
+    <dsp:sp modelId="{7FB5A010-9A56-4829-B858-D0D824AEF6AD}">
+      <dsp:nvSpPr>
+        <dsp:cNvPr id="0" name=""/>
+        <dsp:cNvSpPr/>
+      </dsp:nvSpPr>
+      <dsp:spPr>
+        <a:xfrm>
+          <a:off x="3139332" y="3352301"/>
+          <a:ext cx="730000" cy="456250"/>
+        </a:xfrm>
+        <a:prstGeom prst="roundRect">
+          <a:avLst>
+            <a:gd name="adj" fmla="val 10000"/>
+          </a:avLst>
+        </a:prstGeom>
+        <a:solidFill>
+          <a:schemeClr val="lt1">
+            <a:alpha val="90000"/>
+            <a:hueOff val="0"/>
+            <a:satOff val="0"/>
+            <a:lumOff val="0"/>
+            <a:alphaOff val="0"/>
+          </a:schemeClr>
+        </a:solidFill>
+        <a:ln w="9525" cap="rnd" cmpd="sng" algn="ctr">
+          <a:solidFill>
+            <a:schemeClr val="accent1">
+              <a:hueOff val="0"/>
+              <a:satOff val="0"/>
+              <a:lumOff val="0"/>
+              <a:alphaOff val="0"/>
+            </a:schemeClr>
+          </a:solidFill>
+          <a:prstDash val="solid"/>
+        </a:ln>
+        <a:effectLst/>
+      </dsp:spPr>
+      <dsp:style>
+        <a:lnRef idx="1">
+          <a:scrgbClr r="0" g="0" b="0"/>
+        </a:lnRef>
+        <a:fillRef idx="1">
+          <a:scrgbClr r="0" g="0" b="0"/>
+        </a:fillRef>
+        <a:effectRef idx="0">
+          <a:scrgbClr r="0" g="0" b="0"/>
+        </a:effectRef>
+        <a:fontRef idx="minor"/>
+      </dsp:style>
+      <dsp:txBody>
+        <a:bodyPr spcFirstLastPara="0" vert="horz" wrap="square" lIns="13335" tIns="8890" rIns="13335" bIns="8890" numCol="1" spcCol="1270" anchor="ctr" anchorCtr="0">
+          <a:noAutofit/>
+        </a:bodyPr>
+        <a:lstStyle/>
+        <a:p>
+          <a:pPr lvl="0" algn="ctr" defTabSz="311150">
+            <a:lnSpc>
+              <a:spcPct val="90000"/>
+            </a:lnSpc>
+            <a:spcBef>
+              <a:spcPct val="0"/>
+            </a:spcBef>
+            <a:spcAft>
+              <a:spcPct val="35000"/>
+            </a:spcAft>
+          </a:pPr>
+          <a:r>
+            <a:rPr lang="pt-PT" sz="700" kern="1200" dirty="0" smtClean="0"/>
+            <a:t>Setup time</a:t>
+          </a:r>
+          <a:endParaRPr lang="pt-PT" sz="700" kern="1200" dirty="0"/>
+        </a:p>
+      </dsp:txBody>
+      <dsp:txXfrm>
+        <a:off x="3152695" y="3365664"/>
+        <a:ext cx="703274" cy="429524"/>
+      </dsp:txXfrm>
+    </dsp:sp>
   </dsp:spTree>
 </dsp:drawing>
 </file>
@@ -3515,7 +5527,7 @@
           <a:p>
             <a:fld id="{7BAE14B8-3CC9-472D-9BC5-A84D80684DE2}" type="slidenum">
               <a:rPr/>
-              <a:t>‹nº›</a:t>
+              <a:t>‹#›</a:t>
             </a:fld>
             <a:endParaRPr/>
           </a:p>
@@ -3772,7 +5784,7 @@
           <a:p>
             <a:fld id="{7FB667E1-E601-4AAF-B95C-B25720D70A60}" type="slidenum">
               <a:rPr/>
-              <a:t>‹nº›</a:t>
+              <a:t>‹#›</a:t>
             </a:fld>
             <a:endParaRPr/>
           </a:p>
@@ -6228,7 +8240,7 @@
           <a:p>
             <a:fld id="{4FAB73BC-B049-4115-A692-8D63A059BFB8}" type="slidenum">
               <a:rPr lang="en-US" smtClean="0"/>
-              <a:t>‹nº›</a:t>
+              <a:t>‹#›</a:t>
             </a:fld>
             <a:endParaRPr lang="en-US" dirty="0"/>
           </a:p>
@@ -7391,7 +9403,7 @@
             <a:fld id="{CA8D9AD5-F248-4919-864A-CFD76CC027D6}" type="slidenum">
               <a:rPr lang="en-US" smtClean="0"/>
               <a:pPr/>
-              <a:t>‹nº›</a:t>
+              <a:t>‹#›</a:t>
             </a:fld>
             <a:endParaRPr lang="en-US" dirty="0"/>
           </a:p>
@@ -8457,7 +10469,7 @@
             <a:fld id="{CA8D9AD5-F248-4919-864A-CFD76CC027D6}" type="slidenum">
               <a:rPr lang="en-US" smtClean="0"/>
               <a:pPr/>
-              <a:t>‹nº›</a:t>
+              <a:t>‹#›</a:t>
             </a:fld>
             <a:endParaRPr lang="en-US" dirty="0"/>
           </a:p>
@@ -9682,7 +11694,7 @@
             <a:fld id="{CA8D9AD5-F248-4919-864A-CFD76CC027D6}" type="slidenum">
               <a:rPr lang="en-US" smtClean="0"/>
               <a:pPr/>
-              <a:t>‹nº›</a:t>
+              <a:t>‹#›</a:t>
             </a:fld>
             <a:endParaRPr lang="en-US" dirty="0"/>
           </a:p>
@@ -10798,7 +12810,7 @@
             <a:fld id="{CA8D9AD5-F248-4919-864A-CFD76CC027D6}" type="slidenum">
               <a:rPr lang="en-US" smtClean="0"/>
               <a:pPr/>
-              <a:t>‹nº›</a:t>
+              <a:t>‹#›</a:t>
             </a:fld>
             <a:endParaRPr lang="en-US" dirty="0"/>
           </a:p>
@@ -11426,7 +13438,7 @@
             <a:fld id="{CA8D9AD5-F248-4919-864A-CFD76CC027D6}" type="slidenum">
               <a:rPr lang="en-US" smtClean="0"/>
               <a:pPr/>
-              <a:t>‹nº›</a:t>
+              <a:t>‹#›</a:t>
             </a:fld>
             <a:endParaRPr lang="en-US" dirty="0"/>
           </a:p>
@@ -12285,7 +14297,7 @@
             <a:fld id="{CA8D9AD5-F248-4919-864A-CFD76CC027D6}" type="slidenum">
               <a:rPr lang="en-US" smtClean="0"/>
               <a:pPr/>
-              <a:t>‹nº›</a:t>
+              <a:t>‹#›</a:t>
             </a:fld>
             <a:endParaRPr lang="en-US" dirty="0"/>
           </a:p>
@@ -12481,7 +14493,7 @@
           <a:p>
             <a:fld id="{CA8D9AD5-F248-4919-864A-CFD76CC027D6}" type="slidenum">
               <a:rPr lang="pt-PT" smtClean="0"/>
-              <a:t>‹nº›</a:t>
+              <a:t>‹#›</a:t>
             </a:fld>
             <a:endParaRPr lang="pt-PT"/>
           </a:p>
@@ -13581,7 +15593,7 @@
           <a:p>
             <a:fld id="{CA8D9AD5-F248-4919-864A-CFD76CC027D6}" type="slidenum">
               <a:rPr lang="pt-PT" smtClean="0"/>
-              <a:t>‹nº›</a:t>
+              <a:t>‹#›</a:t>
             </a:fld>
             <a:endParaRPr lang="pt-PT"/>
           </a:p>
@@ -13784,7 +15796,7 @@
           <a:p>
             <a:fld id="{CA8D9AD5-F248-4919-864A-CFD76CC027D6}" type="slidenum">
               <a:rPr lang="pt-PT" smtClean="0"/>
-              <a:t>‹nº›</a:t>
+              <a:t>‹#›</a:t>
             </a:fld>
             <a:endParaRPr lang="pt-PT" dirty="0"/>
           </a:p>
@@ -14948,7 +16960,7 @@
           <a:p>
             <a:fld id="{CA8D9AD5-F248-4919-864A-CFD76CC027D6}" type="slidenum">
               <a:rPr lang="pt-PT" smtClean="0"/>
-              <a:t>‹nº›</a:t>
+              <a:t>‹#›</a:t>
             </a:fld>
             <a:endParaRPr lang="pt-PT"/>
           </a:p>
@@ -15207,7 +17219,7 @@
           <a:p>
             <a:fld id="{A0ECE5F2-81AA-4605-B028-6FBA391056AF}" type="slidenum">
               <a:rPr lang="pt-PT" smtClean="0"/>
-              <a:t>‹nº›</a:t>
+              <a:t>‹#›</a:t>
             </a:fld>
             <a:endParaRPr lang="pt-PT"/>
           </a:p>
@@ -15612,7 +17624,7 @@
           <a:p>
             <a:fld id="{CA8D9AD5-F248-4919-864A-CFD76CC027D6}" type="slidenum">
               <a:rPr lang="pt-PT" smtClean="0"/>
-              <a:t>‹nº›</a:t>
+              <a:t>‹#›</a:t>
             </a:fld>
             <a:endParaRPr lang="pt-PT"/>
           </a:p>
@@ -15753,7 +17765,7 @@
           <a:p>
             <a:fld id="{CA8D9AD5-F248-4919-864A-CFD76CC027D6}" type="slidenum">
               <a:rPr lang="pt-PT" smtClean="0"/>
-              <a:t>‹nº›</a:t>
+              <a:t>‹#›</a:t>
             </a:fld>
             <a:endParaRPr lang="pt-PT"/>
           </a:p>
@@ -15908,7 +17920,7 @@
             <a:fld id="{CA8D9AD5-F248-4919-864A-CFD76CC027D6}" type="slidenum">
               <a:rPr lang="pt-PT" smtClean="0"/>
               <a:pPr/>
-              <a:t>‹nº›</a:t>
+              <a:t>‹#›</a:t>
             </a:fld>
             <a:endParaRPr lang="pt-PT"/>
           </a:p>
@@ -17083,7 +19095,7 @@
           <a:p>
             <a:fld id="{CA8D9AD5-F248-4919-864A-CFD76CC027D6}" type="slidenum">
               <a:rPr lang="pt-PT" smtClean="0"/>
-              <a:t>‹nº›</a:t>
+              <a:t>‹#›</a:t>
             </a:fld>
             <a:endParaRPr lang="pt-PT"/>
           </a:p>
@@ -18282,7 +20294,7 @@
           <a:p>
             <a:fld id="{CA8D9AD5-F248-4919-864A-CFD76CC027D6}" type="slidenum">
               <a:rPr lang="pt-PT" smtClean="0"/>
-              <a:t>‹nº›</a:t>
+              <a:t>‹#›</a:t>
             </a:fld>
             <a:endParaRPr lang="pt-PT"/>
           </a:p>
@@ -19409,7 +21421,7 @@
             <a:fld id="{CA8D9AD5-F248-4919-864A-CFD76CC027D6}" type="slidenum">
               <a:rPr lang="en-US" smtClean="0"/>
               <a:pPr/>
-              <a:t>‹nº›</a:t>
+              <a:t>‹#›</a:t>
             </a:fld>
             <a:endParaRPr lang="en-US" dirty="0"/>
           </a:p>
@@ -27772,7 +29784,7 @@
           <p:nvPr>
             <p:extLst>
               <p:ext uri="{D42A27DB-BD31-4B8C-83A1-F6EECF244321}">
-                <p14:modId xmlns:p14="http://schemas.microsoft.com/office/powerpoint/2010/main" val="3801013585"/>
+                <p14:modId xmlns:p14="http://schemas.microsoft.com/office/powerpoint/2010/main" val="3805193342"/>
               </p:ext>
             </p:extLst>
           </p:nvPr>
